--- a/modules/unsorted_bin_attack/unsorted_bin.pptx
+++ b/modules/unsorted_bin_attack/unsorted_bin.pptx
@@ -5,7 +5,7 @@
     <p:sldMasterId id="2147483660" r:id="rId1"/>
   </p:sldMasterIdLst>
   <p:notesMasterIdLst>
-    <p:notesMasterId r:id="rId40"/>
+    <p:notesMasterId r:id="rId41"/>
   </p:notesMasterIdLst>
   <p:sldIdLst>
     <p:sldId id="330" r:id="rId2"/>
@@ -25,27 +25,28 @@
     <p:sldId id="334" r:id="rId16"/>
     <p:sldId id="335" r:id="rId17"/>
     <p:sldId id="337" r:id="rId18"/>
-    <p:sldId id="382" r:id="rId19"/>
-    <p:sldId id="390" r:id="rId20"/>
-    <p:sldId id="339" r:id="rId21"/>
-    <p:sldId id="341" r:id="rId22"/>
-    <p:sldId id="342" r:id="rId23"/>
-    <p:sldId id="392" r:id="rId24"/>
-    <p:sldId id="354" r:id="rId25"/>
-    <p:sldId id="353" r:id="rId26"/>
-    <p:sldId id="393" r:id="rId27"/>
-    <p:sldId id="394" r:id="rId28"/>
-    <p:sldId id="395" r:id="rId29"/>
-    <p:sldId id="396" r:id="rId30"/>
-    <p:sldId id="352" r:id="rId31"/>
-    <p:sldId id="397" r:id="rId32"/>
-    <p:sldId id="340" r:id="rId33"/>
-    <p:sldId id="355" r:id="rId34"/>
-    <p:sldId id="344" r:id="rId35"/>
-    <p:sldId id="345" r:id="rId36"/>
-    <p:sldId id="343" r:id="rId37"/>
-    <p:sldId id="346" r:id="rId38"/>
-    <p:sldId id="391" r:id="rId39"/>
+    <p:sldId id="398" r:id="rId19"/>
+    <p:sldId id="382" r:id="rId20"/>
+    <p:sldId id="390" r:id="rId21"/>
+    <p:sldId id="339" r:id="rId22"/>
+    <p:sldId id="341" r:id="rId23"/>
+    <p:sldId id="342" r:id="rId24"/>
+    <p:sldId id="392" r:id="rId25"/>
+    <p:sldId id="354" r:id="rId26"/>
+    <p:sldId id="353" r:id="rId27"/>
+    <p:sldId id="393" r:id="rId28"/>
+    <p:sldId id="394" r:id="rId29"/>
+    <p:sldId id="395" r:id="rId30"/>
+    <p:sldId id="396" r:id="rId31"/>
+    <p:sldId id="352" r:id="rId32"/>
+    <p:sldId id="397" r:id="rId33"/>
+    <p:sldId id="340" r:id="rId34"/>
+    <p:sldId id="355" r:id="rId35"/>
+    <p:sldId id="344" r:id="rId36"/>
+    <p:sldId id="345" r:id="rId37"/>
+    <p:sldId id="343" r:id="rId38"/>
+    <p:sldId id="346" r:id="rId39"/>
+    <p:sldId id="391" r:id="rId40"/>
   </p:sldIdLst>
   <p:sldSz cx="9144000" cy="5143500" type="screen16x9"/>
   <p:notesSz cx="6858000" cy="9144000"/>
@@ -17312,7 +17313,7 @@
           <a:p>
             <a:fld id="{2DA23E8D-1792-1541-9147-970A8DD8A355}" type="datetimeFigureOut">
               <a:rPr lang="en-US" smtClean="0"/>
-              <a:t>3/28/21</a:t>
+              <a:t>9/16/21</a:t>
             </a:fld>
             <a:endParaRPr lang="en-US" dirty="0"/>
           </a:p>
@@ -17782,7 +17783,7 @@
                 <a:latin typeface="Calibri"/>
               </a:rPr>
               <a:pPr/>
-              <a:t>3/28/21</a:t>
+              <a:t>9/16/21</a:t>
             </a:fld>
             <a:endParaRPr lang="en-US" dirty="0">
               <a:solidFill>
@@ -18035,7 +18036,7 @@
                 <a:latin typeface="Calibri"/>
               </a:rPr>
               <a:pPr/>
-              <a:t>3/28/21</a:t>
+              <a:t>9/16/21</a:t>
             </a:fld>
             <a:endParaRPr lang="en-US" dirty="0">
               <a:solidFill>
@@ -18250,7 +18251,7 @@
                 <a:latin typeface="Calibri"/>
               </a:rPr>
               <a:pPr/>
-              <a:t>3/28/21</a:t>
+              <a:t>9/16/21</a:t>
             </a:fld>
             <a:endParaRPr lang="en-US" dirty="0">
               <a:solidFill>
@@ -18648,7 +18649,7 @@
                 <a:latin typeface="Calibri"/>
               </a:rPr>
               <a:pPr/>
-              <a:t>3/28/21</a:t>
+              <a:t>9/16/21</a:t>
             </a:fld>
             <a:endParaRPr lang="en-US" dirty="0">
               <a:solidFill>
@@ -18990,7 +18991,7 @@
                 <a:latin typeface="Calibri"/>
               </a:rPr>
               <a:pPr/>
-              <a:t>3/28/21</a:t>
+              <a:t>9/16/21</a:t>
             </a:fld>
             <a:endParaRPr lang="en-US" dirty="0">
               <a:solidFill>
@@ -19318,7 +19319,7 @@
                 <a:latin typeface="Calibri"/>
               </a:rPr>
               <a:pPr/>
-              <a:t>3/28/21</a:t>
+              <a:t>9/16/21</a:t>
             </a:fld>
             <a:endParaRPr lang="en-US" dirty="0">
               <a:solidFill>
@@ -19807,7 +19808,7 @@
                 <a:latin typeface="Calibri"/>
               </a:rPr>
               <a:pPr/>
-              <a:t>3/28/21</a:t>
+              <a:t>9/16/21</a:t>
             </a:fld>
             <a:endParaRPr lang="en-US" dirty="0">
               <a:solidFill>
@@ -19990,7 +19991,7 @@
                 <a:latin typeface="Calibri"/>
               </a:rPr>
               <a:pPr/>
-              <a:t>3/28/21</a:t>
+              <a:t>9/16/21</a:t>
             </a:fld>
             <a:endParaRPr lang="en-US" dirty="0">
               <a:solidFill>
@@ -20236,7 +20237,7 @@
                 <a:latin typeface="Calibri"/>
               </a:rPr>
               <a:pPr/>
-              <a:t>3/28/21</a:t>
+              <a:t>9/16/21</a:t>
             </a:fld>
             <a:endParaRPr lang="en-US" dirty="0">
               <a:solidFill>
@@ -20578,7 +20579,7 @@
                 <a:latin typeface="Calibri"/>
               </a:rPr>
               <a:pPr/>
-              <a:t>3/28/21</a:t>
+              <a:t>9/16/21</a:t>
             </a:fld>
             <a:endParaRPr lang="en-US" dirty="0">
               <a:solidFill>
@@ -20870,7 +20871,7 @@
                 <a:latin typeface="Calibri"/>
               </a:rPr>
               <a:pPr/>
-              <a:t>3/28/21</a:t>
+              <a:t>9/16/21</a:t>
             </a:fld>
             <a:endParaRPr lang="en-US" dirty="0">
               <a:solidFill>
@@ -21120,7 +21121,7 @@
                 <a:latin typeface="Calibri"/>
               </a:rPr>
               <a:pPr defTabSz="914400"/>
-              <a:t>3/28/21</a:t>
+              <a:t>9/16/21</a:t>
             </a:fld>
             <a:endParaRPr lang="en-US" dirty="0">
               <a:solidFill>
@@ -22924,7 +22925,7 @@
             <a:pPr lvl="1"/>
             <a:r>
               <a:rPr lang="en-US" dirty="0"/>
-              <a:t>bck -&gt;fd = unsorted bin ptr</a:t>
+              <a:t>bck-&gt;fd = unsorted bin ptr</a:t>
             </a:r>
           </a:p>
         </p:txBody>
@@ -23109,6 +23110,21 @@
             <a:r>
               <a:rPr lang="en-US" dirty="0"/>
               <a:t>We can write to an arbitrary location!</a:t>
+            </a:r>
+          </a:p>
+          <a:p>
+            <a:pPr lvl="1"/>
+            <a:r>
+              <a:rPr lang="en-US" dirty="0"/>
+              <a:t>Writes a </a:t>
+            </a:r>
+            <a:r>
+              <a:rPr lang="en-US" dirty="0" err="1"/>
+              <a:t>LibC</a:t>
+            </a:r>
+            <a:r>
+              <a:rPr lang="en-US" dirty="0"/>
+              <a:t> pointer</a:t>
             </a:r>
           </a:p>
           <a:p>
@@ -23275,6 +23291,92 @@
           <p:cNvPr id="2" name="Title 1">
             <a:extLst>
               <a:ext uri="{FF2B5EF4-FFF2-40B4-BE49-F238E27FC236}">
+                <a16:creationId xmlns:a16="http://schemas.microsoft.com/office/drawing/2014/main" id="{6454C1FA-8189-E240-B61C-6A374AFEF2A0}"/>
+              </a:ext>
+            </a:extLst>
+          </p:cNvPr>
+          <p:cNvSpPr>
+            <a:spLocks noGrp="1"/>
+          </p:cNvSpPr>
+          <p:nvPr>
+            <p:ph type="title"/>
+          </p:nvPr>
+        </p:nvSpPr>
+        <p:spPr/>
+        <p:txBody>
+          <a:bodyPr/>
+          <a:lstStyle/>
+          <a:p>
+            <a:r>
+              <a:rPr lang="en-US" dirty="0"/>
+              <a:t>Remake slides 6-13 with Attack</a:t>
+            </a:r>
+          </a:p>
+        </p:txBody>
+      </p:sp>
+      <p:sp>
+        <p:nvSpPr>
+          <p:cNvPr id="3" name="Content Placeholder 2">
+            <a:extLst>
+              <a:ext uri="{FF2B5EF4-FFF2-40B4-BE49-F238E27FC236}">
+                <a16:creationId xmlns:a16="http://schemas.microsoft.com/office/drawing/2014/main" id="{384346DE-37D2-5046-A96A-9C400E36F73E}"/>
+              </a:ext>
+            </a:extLst>
+          </p:cNvPr>
+          <p:cNvSpPr>
+            <a:spLocks noGrp="1"/>
+          </p:cNvSpPr>
+          <p:nvPr>
+            <p:ph idx="1"/>
+          </p:nvPr>
+        </p:nvSpPr>
+        <p:spPr/>
+        <p:txBody>
+          <a:bodyPr/>
+          <a:lstStyle/>
+          <a:p>
+            <a:r>
+              <a:rPr lang="en-US" dirty="0"/>
+              <a:t>**TODO**</a:t>
+            </a:r>
+          </a:p>
+        </p:txBody>
+      </p:sp>
+    </p:spTree>
+    <p:extLst>
+      <p:ext uri="{BB962C8B-B14F-4D97-AF65-F5344CB8AC3E}">
+        <p14:creationId xmlns:p14="http://schemas.microsoft.com/office/powerpoint/2010/main" val="2649091696"/>
+      </p:ext>
+    </p:extLst>
+  </p:cSld>
+  <p:clrMapOvr>
+    <a:masterClrMapping/>
+  </p:clrMapOvr>
+</p:sld>
+</file>
+
+<file path=ppt/slides/slide19.xml><?xml version="1.0" encoding="utf-8"?>
+<p:sld xmlns:a="http://schemas.openxmlformats.org/drawingml/2006/main" xmlns:r="http://schemas.openxmlformats.org/officeDocument/2006/relationships" xmlns:p="http://schemas.openxmlformats.org/presentationml/2006/main">
+  <p:cSld>
+    <p:spTree>
+      <p:nvGrpSpPr>
+        <p:cNvPr id="1" name=""/>
+        <p:cNvGrpSpPr/>
+        <p:nvPr/>
+      </p:nvGrpSpPr>
+      <p:grpSpPr>
+        <a:xfrm>
+          <a:off x="0" y="0"/>
+          <a:ext cx="0" cy="0"/>
+          <a:chOff x="0" y="0"/>
+          <a:chExt cx="0" cy="0"/>
+        </a:xfrm>
+      </p:grpSpPr>
+      <p:sp>
+        <p:nvSpPr>
+          <p:cNvPr id="2" name="Title 1">
+            <a:extLst>
+              <a:ext uri="{FF2B5EF4-FFF2-40B4-BE49-F238E27FC236}">
                 <a16:creationId xmlns:a16="http://schemas.microsoft.com/office/drawing/2014/main" id="{3E8CF0C1-27ED-664E-B169-2FDB11782122}"/>
               </a:ext>
             </a:extLst>
@@ -23349,7 +23451,129 @@
 </p:sld>
 </file>
 
-<file path=ppt/slides/slide19.xml><?xml version="1.0" encoding="utf-8"?>
+<file path=ppt/slides/slide2.xml><?xml version="1.0" encoding="utf-8"?>
+<p:sld xmlns:a="http://schemas.openxmlformats.org/drawingml/2006/main" xmlns:r="http://schemas.openxmlformats.org/officeDocument/2006/relationships" xmlns:p="http://schemas.openxmlformats.org/presentationml/2006/main">
+  <p:cSld>
+    <p:spTree>
+      <p:nvGrpSpPr>
+        <p:cNvPr id="1" name=""/>
+        <p:cNvGrpSpPr/>
+        <p:nvPr/>
+      </p:nvGrpSpPr>
+      <p:grpSpPr>
+        <a:xfrm>
+          <a:off x="0" y="0"/>
+          <a:ext cx="0" cy="0"/>
+          <a:chOff x="0" y="0"/>
+          <a:chExt cx="0" cy="0"/>
+        </a:xfrm>
+      </p:grpSpPr>
+      <p:sp>
+        <p:nvSpPr>
+          <p:cNvPr id="2" name="Title 1">
+            <a:extLst>
+              <a:ext uri="{FF2B5EF4-FFF2-40B4-BE49-F238E27FC236}">
+                <a16:creationId xmlns:a16="http://schemas.microsoft.com/office/drawing/2014/main" id="{70822FD8-0305-9149-AD4A-C141E44441C8}"/>
+              </a:ext>
+            </a:extLst>
+          </p:cNvPr>
+          <p:cNvSpPr>
+            <a:spLocks noGrp="1"/>
+          </p:cNvSpPr>
+          <p:nvPr>
+            <p:ph type="title"/>
+          </p:nvPr>
+        </p:nvSpPr>
+        <p:spPr/>
+        <p:txBody>
+          <a:bodyPr/>
+          <a:lstStyle/>
+          <a:p>
+            <a:r>
+              <a:rPr lang="en-US" dirty="0"/>
+              <a:t>Overview</a:t>
+            </a:r>
+          </a:p>
+        </p:txBody>
+      </p:sp>
+      <p:sp>
+        <p:nvSpPr>
+          <p:cNvPr id="3" name="Content Placeholder 2">
+            <a:extLst>
+              <a:ext uri="{FF2B5EF4-FFF2-40B4-BE49-F238E27FC236}">
+                <a16:creationId xmlns:a16="http://schemas.microsoft.com/office/drawing/2014/main" id="{918A4E2B-5ACB-C048-B99D-EF20F35EAB4D}"/>
+              </a:ext>
+            </a:extLst>
+          </p:cNvPr>
+          <p:cNvSpPr>
+            <a:spLocks noGrp="1"/>
+          </p:cNvSpPr>
+          <p:nvPr>
+            <p:ph idx="1"/>
+          </p:nvPr>
+        </p:nvSpPr>
+        <p:spPr/>
+        <p:txBody>
+          <a:bodyPr>
+            <a:normAutofit/>
+          </a:bodyPr>
+          <a:lstStyle/>
+          <a:p>
+            <a:r>
+              <a:rPr lang="en-US" dirty="0"/>
+              <a:t>Allows to write to </a:t>
+            </a:r>
+            <a:r>
+              <a:rPr lang="en-US" b="1" dirty="0"/>
+              <a:t>ANYWHERE</a:t>
+            </a:r>
+            <a:r>
+              <a:rPr lang="en-US" dirty="0"/>
+              <a:t> in memory </a:t>
+            </a:r>
+          </a:p>
+          <a:p>
+            <a:pPr lvl="1"/>
+            <a:r>
+              <a:rPr lang="en-US" dirty="0"/>
+              <a:t>Cannot control the WHAT, only the WHERE</a:t>
+            </a:r>
+          </a:p>
+          <a:p>
+            <a:r>
+              <a:rPr lang="en-US" dirty="0"/>
+              <a:t>Major part of many other techniques:</a:t>
+            </a:r>
+          </a:p>
+          <a:p>
+            <a:pPr lvl="1"/>
+            <a:r>
+              <a:rPr lang="en-US" dirty="0"/>
+              <a:t>House of Orange House of Roman, House of Husk…</a:t>
+            </a:r>
+          </a:p>
+          <a:p>
+            <a:endParaRPr lang="en-US" dirty="0"/>
+          </a:p>
+          <a:p>
+            <a:endParaRPr lang="en-US" dirty="0"/>
+          </a:p>
+        </p:txBody>
+      </p:sp>
+    </p:spTree>
+    <p:extLst>
+      <p:ext uri="{BB962C8B-B14F-4D97-AF65-F5344CB8AC3E}">
+        <p14:creationId xmlns:p14="http://schemas.microsoft.com/office/powerpoint/2010/main" val="3739226276"/>
+      </p:ext>
+    </p:extLst>
+  </p:cSld>
+  <p:clrMapOvr>
+    <a:masterClrMapping/>
+  </p:clrMapOvr>
+</p:sld>
+</file>
+
+<file path=ppt/slides/slide20.xml><?xml version="1.0" encoding="utf-8"?>
 <p:sld xmlns:a="http://schemas.openxmlformats.org/drawingml/2006/main" xmlns:r="http://schemas.openxmlformats.org/officeDocument/2006/relationships" xmlns:p="http://schemas.openxmlformats.org/presentationml/2006/main">
   <p:cSld>
     <p:spTree>
@@ -23573,129 +23797,7 @@
 </p:sld>
 </file>
 
-<file path=ppt/slides/slide2.xml><?xml version="1.0" encoding="utf-8"?>
-<p:sld xmlns:a="http://schemas.openxmlformats.org/drawingml/2006/main" xmlns:r="http://schemas.openxmlformats.org/officeDocument/2006/relationships" xmlns:p="http://schemas.openxmlformats.org/presentationml/2006/main">
-  <p:cSld>
-    <p:spTree>
-      <p:nvGrpSpPr>
-        <p:cNvPr id="1" name=""/>
-        <p:cNvGrpSpPr/>
-        <p:nvPr/>
-      </p:nvGrpSpPr>
-      <p:grpSpPr>
-        <a:xfrm>
-          <a:off x="0" y="0"/>
-          <a:ext cx="0" cy="0"/>
-          <a:chOff x="0" y="0"/>
-          <a:chExt cx="0" cy="0"/>
-        </a:xfrm>
-      </p:grpSpPr>
-      <p:sp>
-        <p:nvSpPr>
-          <p:cNvPr id="2" name="Title 1">
-            <a:extLst>
-              <a:ext uri="{FF2B5EF4-FFF2-40B4-BE49-F238E27FC236}">
-                <a16:creationId xmlns:a16="http://schemas.microsoft.com/office/drawing/2014/main" id="{70822FD8-0305-9149-AD4A-C141E44441C8}"/>
-              </a:ext>
-            </a:extLst>
-          </p:cNvPr>
-          <p:cNvSpPr>
-            <a:spLocks noGrp="1"/>
-          </p:cNvSpPr>
-          <p:nvPr>
-            <p:ph type="title"/>
-          </p:nvPr>
-        </p:nvSpPr>
-        <p:spPr/>
-        <p:txBody>
-          <a:bodyPr/>
-          <a:lstStyle/>
-          <a:p>
-            <a:r>
-              <a:rPr lang="en-US" dirty="0"/>
-              <a:t>Overview</a:t>
-            </a:r>
-          </a:p>
-        </p:txBody>
-      </p:sp>
-      <p:sp>
-        <p:nvSpPr>
-          <p:cNvPr id="3" name="Content Placeholder 2">
-            <a:extLst>
-              <a:ext uri="{FF2B5EF4-FFF2-40B4-BE49-F238E27FC236}">
-                <a16:creationId xmlns:a16="http://schemas.microsoft.com/office/drawing/2014/main" id="{918A4E2B-5ACB-C048-B99D-EF20F35EAB4D}"/>
-              </a:ext>
-            </a:extLst>
-          </p:cNvPr>
-          <p:cNvSpPr>
-            <a:spLocks noGrp="1"/>
-          </p:cNvSpPr>
-          <p:nvPr>
-            <p:ph idx="1"/>
-          </p:nvPr>
-        </p:nvSpPr>
-        <p:spPr/>
-        <p:txBody>
-          <a:bodyPr>
-            <a:normAutofit/>
-          </a:bodyPr>
-          <a:lstStyle/>
-          <a:p>
-            <a:r>
-              <a:rPr lang="en-US" dirty="0"/>
-              <a:t>Allows to write to </a:t>
-            </a:r>
-            <a:r>
-              <a:rPr lang="en-US" b="1" dirty="0"/>
-              <a:t>ANYWHERE</a:t>
-            </a:r>
-            <a:r>
-              <a:rPr lang="en-US" dirty="0"/>
-              <a:t> in memory </a:t>
-            </a:r>
-          </a:p>
-          <a:p>
-            <a:pPr lvl="1"/>
-            <a:r>
-              <a:rPr lang="en-US" dirty="0"/>
-              <a:t>Cannot control the WHAT, only the WHERE</a:t>
-            </a:r>
-          </a:p>
-          <a:p>
-            <a:r>
-              <a:rPr lang="en-US" dirty="0"/>
-              <a:t>Major part of many other techniques:</a:t>
-            </a:r>
-          </a:p>
-          <a:p>
-            <a:pPr lvl="1"/>
-            <a:r>
-              <a:rPr lang="en-US" dirty="0"/>
-              <a:t>House of Orange House of Roman, House of Husk…</a:t>
-            </a:r>
-          </a:p>
-          <a:p>
-            <a:endParaRPr lang="en-US" dirty="0"/>
-          </a:p>
-          <a:p>
-            <a:endParaRPr lang="en-US" dirty="0"/>
-          </a:p>
-        </p:txBody>
-      </p:sp>
-    </p:spTree>
-    <p:extLst>
-      <p:ext uri="{BB962C8B-B14F-4D97-AF65-F5344CB8AC3E}">
-        <p14:creationId xmlns:p14="http://schemas.microsoft.com/office/powerpoint/2010/main" val="3739226276"/>
-      </p:ext>
-    </p:extLst>
-  </p:cSld>
-  <p:clrMapOvr>
-    <a:masterClrMapping/>
-  </p:clrMapOvr>
-</p:sld>
-</file>
-
-<file path=ppt/slides/slide20.xml><?xml version="1.0" encoding="utf-8"?>
+<file path=ppt/slides/slide21.xml><?xml version="1.0" encoding="utf-8"?>
 <p:sld xmlns:a="http://schemas.openxmlformats.org/drawingml/2006/main" xmlns:r="http://schemas.openxmlformats.org/officeDocument/2006/relationships" xmlns:p="http://schemas.openxmlformats.org/presentationml/2006/main">
   <p:cSld>
     <p:spTree>
@@ -23791,7 +23893,7 @@
 </p:sld>
 </file>
 
-<file path=ppt/slides/slide21.xml><?xml version="1.0" encoding="utf-8"?>
+<file path=ppt/slides/slide22.xml><?xml version="1.0" encoding="utf-8"?>
 <p:sld xmlns:a="http://schemas.openxmlformats.org/drawingml/2006/main" xmlns:r="http://schemas.openxmlformats.org/officeDocument/2006/relationships" xmlns:p="http://schemas.openxmlformats.org/presentationml/2006/main">
   <p:cSld>
     <p:spTree>
@@ -23945,7 +24047,7 @@
 </p:sld>
 </file>
 
-<file path=ppt/slides/slide22.xml><?xml version="1.0" encoding="utf-8"?>
+<file path=ppt/slides/slide23.xml><?xml version="1.0" encoding="utf-8"?>
 <p:sld xmlns:a="http://schemas.openxmlformats.org/drawingml/2006/main" xmlns:r="http://schemas.openxmlformats.org/officeDocument/2006/relationships" xmlns:p="http://schemas.openxmlformats.org/presentationml/2006/main">
   <p:cSld>
     <p:spTree>
@@ -24127,7 +24229,7 @@
 </p:sld>
 </file>
 
-<file path=ppt/slides/slide23.xml><?xml version="1.0" encoding="utf-8"?>
+<file path=ppt/slides/slide24.xml><?xml version="1.0" encoding="utf-8"?>
 <p:sld xmlns:a="http://schemas.openxmlformats.org/drawingml/2006/main" xmlns:r="http://schemas.openxmlformats.org/officeDocument/2006/relationships" xmlns:p="http://schemas.openxmlformats.org/presentationml/2006/main">
   <p:cSld>
     <p:spTree>
@@ -24223,7 +24325,7 @@
 </p:sld>
 </file>
 
-<file path=ppt/slides/slide24.xml><?xml version="1.0" encoding="utf-8"?>
+<file path=ppt/slides/slide25.xml><?xml version="1.0" encoding="utf-8"?>
 <p:sld xmlns:a="http://schemas.openxmlformats.org/drawingml/2006/main" xmlns:r="http://schemas.openxmlformats.org/officeDocument/2006/relationships" xmlns:p="http://schemas.openxmlformats.org/presentationml/2006/main">
   <p:cSld>
     <p:spTree>
@@ -24376,7 +24478,7 @@
 </p:sld>
 </file>
 
-<file path=ppt/slides/slide25.xml><?xml version="1.0" encoding="utf-8"?>
+<file path=ppt/slides/slide26.xml><?xml version="1.0" encoding="utf-8"?>
 <p:sld xmlns:a="http://schemas.openxmlformats.org/drawingml/2006/main" xmlns:r="http://schemas.openxmlformats.org/officeDocument/2006/relationships" xmlns:p="http://schemas.openxmlformats.org/presentationml/2006/main">
   <p:cSld>
     <p:spTree>
@@ -24604,7 +24706,7 @@
 </p:sld>
 </file>
 
-<file path=ppt/slides/slide26.xml><?xml version="1.0" encoding="utf-8"?>
+<file path=ppt/slides/slide27.xml><?xml version="1.0" encoding="utf-8"?>
 <p:sld xmlns:a="http://schemas.openxmlformats.org/drawingml/2006/main" xmlns:r="http://schemas.openxmlformats.org/officeDocument/2006/relationships" xmlns:p="http://schemas.openxmlformats.org/presentationml/2006/main">
   <p:cSld>
     <p:spTree>
@@ -24700,7 +24802,7 @@
 </p:sld>
 </file>
 
-<file path=ppt/slides/slide27.xml><?xml version="1.0" encoding="utf-8"?>
+<file path=ppt/slides/slide28.xml><?xml version="1.0" encoding="utf-8"?>
 <p:sld xmlns:a="http://schemas.openxmlformats.org/drawingml/2006/main" xmlns:r="http://schemas.openxmlformats.org/officeDocument/2006/relationships" xmlns:p="http://schemas.openxmlformats.org/presentationml/2006/main">
   <p:cSld>
     <p:spTree>
@@ -24796,7 +24898,7 @@
 </p:sld>
 </file>
 
-<file path=ppt/slides/slide28.xml><?xml version="1.0" encoding="utf-8"?>
+<file path=ppt/slides/slide29.xml><?xml version="1.0" encoding="utf-8"?>
 <p:sld xmlns:a="http://schemas.openxmlformats.org/drawingml/2006/main" xmlns:r="http://schemas.openxmlformats.org/officeDocument/2006/relationships" xmlns:p="http://schemas.openxmlformats.org/presentationml/2006/main">
   <p:cSld>
     <p:spTree>
@@ -24892,7 +24994,156 @@
 </p:sld>
 </file>
 
-<file path=ppt/slides/slide29.xml><?xml version="1.0" encoding="utf-8"?>
+<file path=ppt/slides/slide3.xml><?xml version="1.0" encoding="utf-8"?>
+<p:sld xmlns:a="http://schemas.openxmlformats.org/drawingml/2006/main" xmlns:r="http://schemas.openxmlformats.org/officeDocument/2006/relationships" xmlns:p="http://schemas.openxmlformats.org/presentationml/2006/main">
+  <p:cSld>
+    <p:spTree>
+      <p:nvGrpSpPr>
+        <p:cNvPr id="1" name=""/>
+        <p:cNvGrpSpPr/>
+        <p:nvPr/>
+      </p:nvGrpSpPr>
+      <p:grpSpPr>
+        <a:xfrm>
+          <a:off x="0" y="0"/>
+          <a:ext cx="0" cy="0"/>
+          <a:chOff x="0" y="0"/>
+          <a:chExt cx="0" cy="0"/>
+        </a:xfrm>
+      </p:grpSpPr>
+      <p:sp>
+        <p:nvSpPr>
+          <p:cNvPr id="2" name="Title 1">
+            <a:extLst>
+              <a:ext uri="{FF2B5EF4-FFF2-40B4-BE49-F238E27FC236}">
+                <a16:creationId xmlns:a16="http://schemas.microsoft.com/office/drawing/2014/main" id="{D893BF75-7755-BC4D-B144-FC431B565E0A}"/>
+              </a:ext>
+            </a:extLst>
+          </p:cNvPr>
+          <p:cNvSpPr>
+            <a:spLocks noGrp="1"/>
+          </p:cNvSpPr>
+          <p:nvPr>
+            <p:ph type="title"/>
+          </p:nvPr>
+        </p:nvSpPr>
+        <p:spPr/>
+        <p:txBody>
+          <a:bodyPr/>
+          <a:lstStyle/>
+          <a:p>
+            <a:r>
+              <a:rPr lang="en-US" dirty="0"/>
+              <a:t>Why Is this Nice?</a:t>
+            </a:r>
+          </a:p>
+        </p:txBody>
+      </p:sp>
+      <p:sp>
+        <p:nvSpPr>
+          <p:cNvPr id="3" name="Content Placeholder 2">
+            <a:extLst>
+              <a:ext uri="{FF2B5EF4-FFF2-40B4-BE49-F238E27FC236}">
+                <a16:creationId xmlns:a16="http://schemas.microsoft.com/office/drawing/2014/main" id="{C5E6D33D-B2EA-714F-9B56-A7F74F73435B}"/>
+              </a:ext>
+            </a:extLst>
+          </p:cNvPr>
+          <p:cNvSpPr>
+            <a:spLocks noGrp="1"/>
+          </p:cNvSpPr>
+          <p:nvPr>
+            <p:ph idx="1"/>
+          </p:nvPr>
+        </p:nvSpPr>
+        <p:spPr/>
+        <p:txBody>
+          <a:bodyPr/>
+          <a:lstStyle/>
+          <a:p>
+            <a:r>
+              <a:rPr lang="en-US" dirty="0"/>
+              <a:t>Buffers commonly have a ‘length’ variable associated with it</a:t>
+            </a:r>
+          </a:p>
+          <a:p>
+            <a:pPr lvl="1"/>
+            <a:r>
+              <a:rPr lang="en-US" dirty="0"/>
+              <a:t>Overflow buffers or OOB read/writes</a:t>
+            </a:r>
+          </a:p>
+          <a:p>
+            <a:pPr lvl="1"/>
+            <a:r>
+              <a:rPr lang="en-US" i="1" dirty="0" err="1"/>
+              <a:t>max_fast</a:t>
+            </a:r>
+            <a:endParaRPr lang="en-US" i="1" dirty="0"/>
+          </a:p>
+          <a:p>
+            <a:r>
+              <a:rPr lang="en-US" dirty="0"/>
+              <a:t>The value written is a </a:t>
+            </a:r>
+            <a:r>
+              <a:rPr lang="en-US" b="1" dirty="0" err="1"/>
+              <a:t>LibC</a:t>
+            </a:r>
+            <a:r>
+              <a:rPr lang="en-US" b="1" dirty="0"/>
+              <a:t> Pointer </a:t>
+            </a:r>
+            <a:r>
+              <a:rPr lang="en-US" dirty="0"/>
+              <a:t>(bin) </a:t>
+            </a:r>
+            <a:endParaRPr lang="en-US" b="1" dirty="0"/>
+          </a:p>
+          <a:p>
+            <a:pPr lvl="1"/>
+            <a:r>
+              <a:rPr lang="en-US" dirty="0"/>
+              <a:t>Leaks</a:t>
+            </a:r>
+          </a:p>
+          <a:p>
+            <a:pPr lvl="1"/>
+            <a:r>
+              <a:rPr lang="en-US" dirty="0"/>
+              <a:t>House of Orange use this pointer </a:t>
+            </a:r>
+          </a:p>
+          <a:p>
+            <a:pPr lvl="1"/>
+            <a:r>
+              <a:rPr lang="en-US" dirty="0" err="1"/>
+              <a:t>Leakless</a:t>
+            </a:r>
+            <a:r>
+              <a:rPr lang="en-US" dirty="0"/>
+              <a:t> techniques write this for relative overwrites (House of Roman) </a:t>
+            </a:r>
+          </a:p>
+          <a:p>
+            <a:pPr lvl="1"/>
+            <a:endParaRPr lang="en-US" dirty="0"/>
+          </a:p>
+        </p:txBody>
+      </p:sp>
+    </p:spTree>
+    <p:extLst>
+      <p:ext uri="{BB962C8B-B14F-4D97-AF65-F5344CB8AC3E}">
+        <p14:creationId xmlns:p14="http://schemas.microsoft.com/office/powerpoint/2010/main" val="3471662285"/>
+      </p:ext>
+    </p:extLst>
+  </p:cSld>
+  <p:clrMapOvr>
+    <a:masterClrMapping/>
+  </p:clrMapOvr>
+</p:sld>
+</file>
+
+<file path=ppt/slides/slide30.xml><?xml version="1.0" encoding="utf-8"?>
 <p:sld xmlns:a="http://schemas.openxmlformats.org/drawingml/2006/main" xmlns:r="http://schemas.openxmlformats.org/officeDocument/2006/relationships" xmlns:p="http://schemas.openxmlformats.org/presentationml/2006/main">
   <p:cSld>
     <p:spTree>
@@ -24980,15 +25231,6 @@
           <a:solidFill>
             <a:srgbClr val="FFFFFF"/>
           </a:solidFill>
-          <a:extLst>
-            <a:ext uri="{909E8E84-426E-40DD-AFC4-6F175D3DCCD1}">
-              <a14:hiddenFill xmlns:a14="http://schemas.microsoft.com/office/drawing/2010/main">
-                <a:solidFill>
-                  <a:srgbClr val="FFFFFF"/>
-                </a:solidFill>
-              </a14:hiddenFill>
-            </a:ext>
-          </a:extLst>
         </p:spPr>
       </p:pic>
       <p:sp>
@@ -25039,156 +25281,7 @@
 </p:sld>
 </file>
 
-<file path=ppt/slides/slide3.xml><?xml version="1.0" encoding="utf-8"?>
-<p:sld xmlns:a="http://schemas.openxmlformats.org/drawingml/2006/main" xmlns:r="http://schemas.openxmlformats.org/officeDocument/2006/relationships" xmlns:p="http://schemas.openxmlformats.org/presentationml/2006/main">
-  <p:cSld>
-    <p:spTree>
-      <p:nvGrpSpPr>
-        <p:cNvPr id="1" name=""/>
-        <p:cNvGrpSpPr/>
-        <p:nvPr/>
-      </p:nvGrpSpPr>
-      <p:grpSpPr>
-        <a:xfrm>
-          <a:off x="0" y="0"/>
-          <a:ext cx="0" cy="0"/>
-          <a:chOff x="0" y="0"/>
-          <a:chExt cx="0" cy="0"/>
-        </a:xfrm>
-      </p:grpSpPr>
-      <p:sp>
-        <p:nvSpPr>
-          <p:cNvPr id="2" name="Title 1">
-            <a:extLst>
-              <a:ext uri="{FF2B5EF4-FFF2-40B4-BE49-F238E27FC236}">
-                <a16:creationId xmlns:a16="http://schemas.microsoft.com/office/drawing/2014/main" id="{D893BF75-7755-BC4D-B144-FC431B565E0A}"/>
-              </a:ext>
-            </a:extLst>
-          </p:cNvPr>
-          <p:cNvSpPr>
-            <a:spLocks noGrp="1"/>
-          </p:cNvSpPr>
-          <p:nvPr>
-            <p:ph type="title"/>
-          </p:nvPr>
-        </p:nvSpPr>
-        <p:spPr/>
-        <p:txBody>
-          <a:bodyPr/>
-          <a:lstStyle/>
-          <a:p>
-            <a:r>
-              <a:rPr lang="en-US" dirty="0"/>
-              <a:t>Why Is this Nice?</a:t>
-            </a:r>
-          </a:p>
-        </p:txBody>
-      </p:sp>
-      <p:sp>
-        <p:nvSpPr>
-          <p:cNvPr id="3" name="Content Placeholder 2">
-            <a:extLst>
-              <a:ext uri="{FF2B5EF4-FFF2-40B4-BE49-F238E27FC236}">
-                <a16:creationId xmlns:a16="http://schemas.microsoft.com/office/drawing/2014/main" id="{C5E6D33D-B2EA-714F-9B56-A7F74F73435B}"/>
-              </a:ext>
-            </a:extLst>
-          </p:cNvPr>
-          <p:cNvSpPr>
-            <a:spLocks noGrp="1"/>
-          </p:cNvSpPr>
-          <p:nvPr>
-            <p:ph idx="1"/>
-          </p:nvPr>
-        </p:nvSpPr>
-        <p:spPr/>
-        <p:txBody>
-          <a:bodyPr/>
-          <a:lstStyle/>
-          <a:p>
-            <a:r>
-              <a:rPr lang="en-US" dirty="0"/>
-              <a:t>Buffers commonly have a ‘length’ variable associated with it</a:t>
-            </a:r>
-          </a:p>
-          <a:p>
-            <a:pPr lvl="1"/>
-            <a:r>
-              <a:rPr lang="en-US" dirty="0"/>
-              <a:t>Overflow buffers or OOB read/writes</a:t>
-            </a:r>
-          </a:p>
-          <a:p>
-            <a:pPr lvl="1"/>
-            <a:r>
-              <a:rPr lang="en-US" i="1" dirty="0" err="1"/>
-              <a:t>max_fast</a:t>
-            </a:r>
-            <a:endParaRPr lang="en-US" i="1" dirty="0"/>
-          </a:p>
-          <a:p>
-            <a:r>
-              <a:rPr lang="en-US" dirty="0"/>
-              <a:t>The value written is a </a:t>
-            </a:r>
-            <a:r>
-              <a:rPr lang="en-US" b="1" dirty="0" err="1"/>
-              <a:t>LibC</a:t>
-            </a:r>
-            <a:r>
-              <a:rPr lang="en-US" b="1" dirty="0"/>
-              <a:t> Pointer </a:t>
-            </a:r>
-            <a:r>
-              <a:rPr lang="en-US" dirty="0"/>
-              <a:t>(bin) </a:t>
-            </a:r>
-            <a:endParaRPr lang="en-US" b="1" dirty="0"/>
-          </a:p>
-          <a:p>
-            <a:pPr lvl="1"/>
-            <a:r>
-              <a:rPr lang="en-US" dirty="0"/>
-              <a:t>Leaks</a:t>
-            </a:r>
-          </a:p>
-          <a:p>
-            <a:pPr lvl="1"/>
-            <a:r>
-              <a:rPr lang="en-US" dirty="0"/>
-              <a:t>House of Orange use this pointer </a:t>
-            </a:r>
-          </a:p>
-          <a:p>
-            <a:pPr lvl="1"/>
-            <a:r>
-              <a:rPr lang="en-US" dirty="0" err="1"/>
-              <a:t>Leakless</a:t>
-            </a:r>
-            <a:r>
-              <a:rPr lang="en-US" dirty="0"/>
-              <a:t> techniques write this for relative overwrites (House of Roman) </a:t>
-            </a:r>
-          </a:p>
-          <a:p>
-            <a:pPr lvl="1"/>
-            <a:endParaRPr lang="en-US" dirty="0"/>
-          </a:p>
-        </p:txBody>
-      </p:sp>
-    </p:spTree>
-    <p:extLst>
-      <p:ext uri="{BB962C8B-B14F-4D97-AF65-F5344CB8AC3E}">
-        <p14:creationId xmlns:p14="http://schemas.microsoft.com/office/powerpoint/2010/main" val="3471662285"/>
-      </p:ext>
-    </p:extLst>
-  </p:cSld>
-  <p:clrMapOvr>
-    <a:masterClrMapping/>
-  </p:clrMapOvr>
-</p:sld>
-</file>
-
-<file path=ppt/slides/slide30.xml><?xml version="1.0" encoding="utf-8"?>
+<file path=ppt/slides/slide31.xml><?xml version="1.0" encoding="utf-8"?>
 <p:sld xmlns:a="http://schemas.openxmlformats.org/drawingml/2006/main" xmlns:r="http://schemas.openxmlformats.org/officeDocument/2006/relationships" xmlns:p="http://schemas.openxmlformats.org/presentationml/2006/main">
   <p:cSld>
     <p:spTree>
@@ -25362,7 +25455,7 @@
 </p:sld>
 </file>
 
-<file path=ppt/slides/slide31.xml><?xml version="1.0" encoding="utf-8"?>
+<file path=ppt/slides/slide32.xml><?xml version="1.0" encoding="utf-8"?>
 <p:sld xmlns:a="http://schemas.openxmlformats.org/drawingml/2006/main" xmlns:r="http://schemas.openxmlformats.org/officeDocument/2006/relationships" xmlns:p="http://schemas.openxmlformats.org/presentationml/2006/main">
   <p:cSld>
     <p:spTree>
@@ -25484,7 +25577,7 @@
 </p:sld>
 </file>
 
-<file path=ppt/slides/slide32.xml><?xml version="1.0" encoding="utf-8"?>
+<file path=ppt/slides/slide33.xml><?xml version="1.0" encoding="utf-8"?>
 <p:sld xmlns:a="http://schemas.openxmlformats.org/drawingml/2006/main" xmlns:r="http://schemas.openxmlformats.org/officeDocument/2006/relationships" xmlns:p="http://schemas.openxmlformats.org/presentationml/2006/main">
   <p:cSld>
     <p:spTree>
@@ -25721,7 +25814,7 @@
 </p:sld>
 </file>
 
-<file path=ppt/slides/slide33.xml><?xml version="1.0" encoding="utf-8"?>
+<file path=ppt/slides/slide34.xml><?xml version="1.0" encoding="utf-8"?>
 <p:sld xmlns:a="http://schemas.openxmlformats.org/drawingml/2006/main" xmlns:r="http://schemas.openxmlformats.org/officeDocument/2006/relationships" xmlns:p="http://schemas.openxmlformats.org/presentationml/2006/main">
   <p:cSld>
     <p:spTree>
@@ -25842,7 +25935,7 @@
             <a:pPr lvl="1"/>
             <a:r>
               <a:rPr lang="en-US" dirty="0"/>
-              <a:t>Create a fake arena writes to value of </a:t>
+              <a:t>Create a fake arena writes address of </a:t>
             </a:r>
             <a:r>
               <a:rPr lang="en-US" dirty="0" err="1"/>
@@ -25856,13 +25949,8 @@
           <a:p>
             <a:r>
               <a:rPr lang="en-US" dirty="0"/>
-              <a:t>All of the above </a:t>
-            </a:r>
-            <a:r>
-              <a:rPr lang="en-US"/>
-              <a:t>primitives are 2.26+!</a:t>
-            </a:r>
-            <a:endParaRPr lang="en-US" dirty="0"/>
+              <a:t>All of the above primitives are 2.26+!</a:t>
+            </a:r>
           </a:p>
           <a:p>
             <a:pPr lvl="1"/>
@@ -25883,7 +25971,7 @@
 </p:sld>
 </file>
 
-<file path=ppt/slides/slide34.xml><?xml version="1.0" encoding="utf-8"?>
+<file path=ppt/slides/slide35.xml><?xml version="1.0" encoding="utf-8"?>
 <p:sld xmlns:a="http://schemas.openxmlformats.org/drawingml/2006/main" xmlns:r="http://schemas.openxmlformats.org/officeDocument/2006/relationships" xmlns:p="http://schemas.openxmlformats.org/presentationml/2006/main">
   <p:cSld>
     <p:spTree>
@@ -25966,7 +26054,7 @@
 </p:sld>
 </file>
 
-<file path=ppt/slides/slide35.xml><?xml version="1.0" encoding="utf-8"?>
+<file path=ppt/slides/slide36.xml><?xml version="1.0" encoding="utf-8"?>
 <p:sld xmlns:a="http://schemas.openxmlformats.org/drawingml/2006/main" xmlns:r="http://schemas.openxmlformats.org/officeDocument/2006/relationships" xmlns:p="http://schemas.openxmlformats.org/presentationml/2006/main">
   <p:cSld>
     <p:spTree>
@@ -26069,7 +26157,7 @@
 </p:sld>
 </file>
 
-<file path=ppt/slides/slide36.xml><?xml version="1.0" encoding="utf-8"?>
+<file path=ppt/slides/slide37.xml><?xml version="1.0" encoding="utf-8"?>
 <p:sld xmlns:a="http://schemas.openxmlformats.org/drawingml/2006/main" xmlns:r="http://schemas.openxmlformats.org/officeDocument/2006/relationships" xmlns:p="http://schemas.openxmlformats.org/presentationml/2006/main">
   <p:cSld>
     <p:spTree>
@@ -26315,7 +26403,7 @@
 </p:sld>
 </file>
 
-<file path=ppt/slides/slide37.xml><?xml version="1.0" encoding="utf-8"?>
+<file path=ppt/slides/slide38.xml><?xml version="1.0" encoding="utf-8"?>
 <p:sld xmlns:a="http://schemas.openxmlformats.org/drawingml/2006/main" xmlns:r="http://schemas.openxmlformats.org/officeDocument/2006/relationships" xmlns:p="http://schemas.openxmlformats.org/presentationml/2006/main">
   <p:cSld>
     <p:spTree>
@@ -26380,7 +26468,7 @@
 </p:sld>
 </file>
 
-<file path=ppt/slides/slide38.xml><?xml version="1.0" encoding="utf-8"?>
+<file path=ppt/slides/slide39.xml><?xml version="1.0" encoding="utf-8"?>
 <p:sld xmlns:a="http://schemas.openxmlformats.org/drawingml/2006/main" xmlns:r="http://schemas.openxmlformats.org/officeDocument/2006/relationships" xmlns:p="http://schemas.openxmlformats.org/presentationml/2006/main">
   <p:cSld>
     <p:spTree>

--- a/modules/unsorted_bin_attack/unsorted_bin.pptx
+++ b/modules/unsorted_bin_attack/unsorted_bin.pptx
@@ -6157,6 +6157,753 @@
 </dgm:colorsDef>
 </file>
 
+<file path=ppt/diagrams/colors9.xml><?xml version="1.0" encoding="utf-8"?>
+<dgm:colorsDef xmlns:dgm="http://schemas.openxmlformats.org/drawingml/2006/diagram" xmlns:a="http://schemas.openxmlformats.org/drawingml/2006/main" uniqueId="urn:microsoft.com/office/officeart/2005/8/colors/accent3_2">
+  <dgm:title val=""/>
+  <dgm:desc val=""/>
+  <dgm:catLst>
+    <dgm:cat type="accent3" pri="11200"/>
+  </dgm:catLst>
+  <dgm:styleLbl name="node0">
+    <dgm:fillClrLst meth="repeat">
+      <a:schemeClr val="accent3"/>
+    </dgm:fillClrLst>
+    <dgm:linClrLst meth="repeat">
+      <a:schemeClr val="lt1"/>
+    </dgm:linClrLst>
+    <dgm:effectClrLst/>
+    <dgm:txLinClrLst/>
+    <dgm:txFillClrLst/>
+    <dgm:txEffectClrLst/>
+  </dgm:styleLbl>
+  <dgm:styleLbl name="node1">
+    <dgm:fillClrLst meth="repeat">
+      <a:schemeClr val="accent3"/>
+    </dgm:fillClrLst>
+    <dgm:linClrLst meth="repeat">
+      <a:schemeClr val="lt1"/>
+    </dgm:linClrLst>
+    <dgm:effectClrLst/>
+    <dgm:txLinClrLst/>
+    <dgm:txFillClrLst/>
+    <dgm:txEffectClrLst/>
+  </dgm:styleLbl>
+  <dgm:styleLbl name="alignNode1">
+    <dgm:fillClrLst meth="repeat">
+      <a:schemeClr val="accent3"/>
+    </dgm:fillClrLst>
+    <dgm:linClrLst meth="repeat">
+      <a:schemeClr val="accent3"/>
+    </dgm:linClrLst>
+    <dgm:effectClrLst/>
+    <dgm:txLinClrLst/>
+    <dgm:txFillClrLst/>
+    <dgm:txEffectClrLst/>
+  </dgm:styleLbl>
+  <dgm:styleLbl name="lnNode1">
+    <dgm:fillClrLst meth="repeat">
+      <a:schemeClr val="accent3"/>
+    </dgm:fillClrLst>
+    <dgm:linClrLst meth="repeat">
+      <a:schemeClr val="lt1"/>
+    </dgm:linClrLst>
+    <dgm:effectClrLst/>
+    <dgm:txLinClrLst/>
+    <dgm:txFillClrLst/>
+    <dgm:txEffectClrLst/>
+  </dgm:styleLbl>
+  <dgm:styleLbl name="vennNode1">
+    <dgm:fillClrLst meth="repeat">
+      <a:schemeClr val="accent3">
+        <a:alpha val="50000"/>
+      </a:schemeClr>
+    </dgm:fillClrLst>
+    <dgm:linClrLst meth="repeat">
+      <a:schemeClr val="lt1"/>
+    </dgm:linClrLst>
+    <dgm:effectClrLst/>
+    <dgm:txLinClrLst/>
+    <dgm:txFillClrLst/>
+    <dgm:txEffectClrLst/>
+  </dgm:styleLbl>
+  <dgm:styleLbl name="node2">
+    <dgm:fillClrLst meth="repeat">
+      <a:schemeClr val="accent3"/>
+    </dgm:fillClrLst>
+    <dgm:linClrLst meth="repeat">
+      <a:schemeClr val="lt1"/>
+    </dgm:linClrLst>
+    <dgm:effectClrLst/>
+    <dgm:txLinClrLst/>
+    <dgm:txFillClrLst/>
+    <dgm:txEffectClrLst/>
+  </dgm:styleLbl>
+  <dgm:styleLbl name="node3">
+    <dgm:fillClrLst meth="repeat">
+      <a:schemeClr val="accent3"/>
+    </dgm:fillClrLst>
+    <dgm:linClrLst meth="repeat">
+      <a:schemeClr val="lt1"/>
+    </dgm:linClrLst>
+    <dgm:effectClrLst/>
+    <dgm:txLinClrLst/>
+    <dgm:txFillClrLst/>
+    <dgm:txEffectClrLst/>
+  </dgm:styleLbl>
+  <dgm:styleLbl name="node4">
+    <dgm:fillClrLst meth="repeat">
+      <a:schemeClr val="accent3"/>
+    </dgm:fillClrLst>
+    <dgm:linClrLst meth="repeat">
+      <a:schemeClr val="lt1"/>
+    </dgm:linClrLst>
+    <dgm:effectClrLst/>
+    <dgm:txLinClrLst/>
+    <dgm:txFillClrLst/>
+    <dgm:txEffectClrLst/>
+  </dgm:styleLbl>
+  <dgm:styleLbl name="fgImgPlace1">
+    <dgm:fillClrLst meth="repeat">
+      <a:schemeClr val="accent3">
+        <a:tint val="50000"/>
+      </a:schemeClr>
+    </dgm:fillClrLst>
+    <dgm:linClrLst meth="repeat">
+      <a:schemeClr val="lt1"/>
+    </dgm:linClrLst>
+    <dgm:effectClrLst/>
+    <dgm:txLinClrLst/>
+    <dgm:txFillClrLst meth="repeat">
+      <a:schemeClr val="lt1"/>
+    </dgm:txFillClrLst>
+    <dgm:txEffectClrLst/>
+  </dgm:styleLbl>
+  <dgm:styleLbl name="alignImgPlace1">
+    <dgm:fillClrLst meth="repeat">
+      <a:schemeClr val="accent3">
+        <a:tint val="50000"/>
+      </a:schemeClr>
+    </dgm:fillClrLst>
+    <dgm:linClrLst meth="repeat">
+      <a:schemeClr val="lt1"/>
+    </dgm:linClrLst>
+    <dgm:effectClrLst/>
+    <dgm:txLinClrLst/>
+    <dgm:txFillClrLst meth="repeat">
+      <a:schemeClr val="lt1"/>
+    </dgm:txFillClrLst>
+    <dgm:txEffectClrLst/>
+  </dgm:styleLbl>
+  <dgm:styleLbl name="bgImgPlace1">
+    <dgm:fillClrLst meth="repeat">
+      <a:schemeClr val="accent3">
+        <a:tint val="50000"/>
+      </a:schemeClr>
+    </dgm:fillClrLst>
+    <dgm:linClrLst meth="repeat">
+      <a:schemeClr val="lt1"/>
+    </dgm:linClrLst>
+    <dgm:effectClrLst/>
+    <dgm:txLinClrLst/>
+    <dgm:txFillClrLst meth="repeat">
+      <a:schemeClr val="lt1"/>
+    </dgm:txFillClrLst>
+    <dgm:txEffectClrLst/>
+  </dgm:styleLbl>
+  <dgm:styleLbl name="sibTrans2D1">
+    <dgm:fillClrLst meth="repeat">
+      <a:schemeClr val="accent3">
+        <a:tint val="60000"/>
+      </a:schemeClr>
+    </dgm:fillClrLst>
+    <dgm:linClrLst meth="repeat">
+      <a:schemeClr val="accent3">
+        <a:tint val="60000"/>
+      </a:schemeClr>
+    </dgm:linClrLst>
+    <dgm:effectClrLst/>
+    <dgm:txLinClrLst/>
+    <dgm:txFillClrLst/>
+    <dgm:txEffectClrLst/>
+  </dgm:styleLbl>
+  <dgm:styleLbl name="fgSibTrans2D1">
+    <dgm:fillClrLst meth="repeat">
+      <a:schemeClr val="accent3">
+        <a:tint val="60000"/>
+      </a:schemeClr>
+    </dgm:fillClrLst>
+    <dgm:linClrLst meth="repeat">
+      <a:schemeClr val="accent3">
+        <a:tint val="60000"/>
+      </a:schemeClr>
+    </dgm:linClrLst>
+    <dgm:effectClrLst/>
+    <dgm:txLinClrLst/>
+    <dgm:txFillClrLst/>
+    <dgm:txEffectClrLst/>
+  </dgm:styleLbl>
+  <dgm:styleLbl name="bgSibTrans2D1">
+    <dgm:fillClrLst meth="repeat">
+      <a:schemeClr val="accent3">
+        <a:tint val="60000"/>
+      </a:schemeClr>
+    </dgm:fillClrLst>
+    <dgm:linClrLst meth="repeat">
+      <a:schemeClr val="accent3">
+        <a:tint val="60000"/>
+      </a:schemeClr>
+    </dgm:linClrLst>
+    <dgm:effectClrLst/>
+    <dgm:txLinClrLst/>
+    <dgm:txFillClrLst/>
+    <dgm:txEffectClrLst/>
+  </dgm:styleLbl>
+  <dgm:styleLbl name="sibTrans1D1">
+    <dgm:fillClrLst meth="repeat">
+      <a:schemeClr val="accent3"/>
+    </dgm:fillClrLst>
+    <dgm:linClrLst meth="repeat">
+      <a:schemeClr val="accent3"/>
+    </dgm:linClrLst>
+    <dgm:effectClrLst/>
+    <dgm:txLinClrLst/>
+    <dgm:txFillClrLst meth="repeat">
+      <a:schemeClr val="tx1"/>
+    </dgm:txFillClrLst>
+    <dgm:txEffectClrLst/>
+  </dgm:styleLbl>
+  <dgm:styleLbl name="callout">
+    <dgm:fillClrLst meth="repeat">
+      <a:schemeClr val="accent3"/>
+    </dgm:fillClrLst>
+    <dgm:linClrLst meth="repeat">
+      <a:schemeClr val="accent3">
+        <a:tint val="50000"/>
+      </a:schemeClr>
+    </dgm:linClrLst>
+    <dgm:effectClrLst/>
+    <dgm:txLinClrLst/>
+    <dgm:txFillClrLst meth="repeat">
+      <a:schemeClr val="tx1"/>
+    </dgm:txFillClrLst>
+    <dgm:txEffectClrLst/>
+  </dgm:styleLbl>
+  <dgm:styleLbl name="asst0">
+    <dgm:fillClrLst meth="repeat">
+      <a:schemeClr val="accent3"/>
+    </dgm:fillClrLst>
+    <dgm:linClrLst meth="repeat">
+      <a:schemeClr val="lt1"/>
+    </dgm:linClrLst>
+    <dgm:effectClrLst/>
+    <dgm:txLinClrLst/>
+    <dgm:txFillClrLst/>
+    <dgm:txEffectClrLst/>
+  </dgm:styleLbl>
+  <dgm:styleLbl name="asst1">
+    <dgm:fillClrLst meth="repeat">
+      <a:schemeClr val="accent3"/>
+    </dgm:fillClrLst>
+    <dgm:linClrLst meth="repeat">
+      <a:schemeClr val="lt1"/>
+    </dgm:linClrLst>
+    <dgm:effectClrLst/>
+    <dgm:txLinClrLst/>
+    <dgm:txFillClrLst/>
+    <dgm:txEffectClrLst/>
+  </dgm:styleLbl>
+  <dgm:styleLbl name="asst2">
+    <dgm:fillClrLst meth="repeat">
+      <a:schemeClr val="accent3"/>
+    </dgm:fillClrLst>
+    <dgm:linClrLst meth="repeat">
+      <a:schemeClr val="lt1"/>
+    </dgm:linClrLst>
+    <dgm:effectClrLst/>
+    <dgm:txLinClrLst/>
+    <dgm:txFillClrLst/>
+    <dgm:txEffectClrLst/>
+  </dgm:styleLbl>
+  <dgm:styleLbl name="asst3">
+    <dgm:fillClrLst meth="repeat">
+      <a:schemeClr val="accent3"/>
+    </dgm:fillClrLst>
+    <dgm:linClrLst meth="repeat">
+      <a:schemeClr val="lt1"/>
+    </dgm:linClrLst>
+    <dgm:effectClrLst/>
+    <dgm:txLinClrLst/>
+    <dgm:txFillClrLst/>
+    <dgm:txEffectClrLst/>
+  </dgm:styleLbl>
+  <dgm:styleLbl name="asst4">
+    <dgm:fillClrLst meth="repeat">
+      <a:schemeClr val="accent3"/>
+    </dgm:fillClrLst>
+    <dgm:linClrLst meth="repeat">
+      <a:schemeClr val="lt1"/>
+    </dgm:linClrLst>
+    <dgm:effectClrLst/>
+    <dgm:txLinClrLst/>
+    <dgm:txFillClrLst/>
+    <dgm:txEffectClrLst/>
+  </dgm:styleLbl>
+  <dgm:styleLbl name="parChTrans2D1">
+    <dgm:fillClrLst meth="repeat">
+      <a:schemeClr val="accent3">
+        <a:tint val="60000"/>
+      </a:schemeClr>
+    </dgm:fillClrLst>
+    <dgm:linClrLst meth="repeat">
+      <a:schemeClr val="accent3">
+        <a:tint val="60000"/>
+      </a:schemeClr>
+    </dgm:linClrLst>
+    <dgm:effectClrLst/>
+    <dgm:txLinClrLst/>
+    <dgm:txFillClrLst meth="repeat">
+      <a:schemeClr val="lt1"/>
+    </dgm:txFillClrLst>
+    <dgm:txEffectClrLst/>
+  </dgm:styleLbl>
+  <dgm:styleLbl name="parChTrans2D2">
+    <dgm:fillClrLst meth="repeat">
+      <a:schemeClr val="accent3"/>
+    </dgm:fillClrLst>
+    <dgm:linClrLst meth="repeat">
+      <a:schemeClr val="accent3"/>
+    </dgm:linClrLst>
+    <dgm:effectClrLst/>
+    <dgm:txLinClrLst/>
+    <dgm:txFillClrLst meth="repeat">
+      <a:schemeClr val="lt1"/>
+    </dgm:txFillClrLst>
+    <dgm:txEffectClrLst/>
+  </dgm:styleLbl>
+  <dgm:styleLbl name="parChTrans2D3">
+    <dgm:fillClrLst meth="repeat">
+      <a:schemeClr val="accent3"/>
+    </dgm:fillClrLst>
+    <dgm:linClrLst meth="repeat">
+      <a:schemeClr val="accent3"/>
+    </dgm:linClrLst>
+    <dgm:effectClrLst/>
+    <dgm:txLinClrLst/>
+    <dgm:txFillClrLst meth="repeat">
+      <a:schemeClr val="lt1"/>
+    </dgm:txFillClrLst>
+    <dgm:txEffectClrLst/>
+  </dgm:styleLbl>
+  <dgm:styleLbl name="parChTrans2D4">
+    <dgm:fillClrLst meth="repeat">
+      <a:schemeClr val="accent3"/>
+    </dgm:fillClrLst>
+    <dgm:linClrLst meth="repeat">
+      <a:schemeClr val="accent3"/>
+    </dgm:linClrLst>
+    <dgm:effectClrLst/>
+    <dgm:txLinClrLst/>
+    <dgm:txFillClrLst meth="repeat">
+      <a:schemeClr val="lt1"/>
+    </dgm:txFillClrLst>
+    <dgm:txEffectClrLst/>
+  </dgm:styleLbl>
+  <dgm:styleLbl name="parChTrans1D1">
+    <dgm:fillClrLst meth="repeat">
+      <a:schemeClr val="accent3"/>
+    </dgm:fillClrLst>
+    <dgm:linClrLst meth="repeat">
+      <a:schemeClr val="accent3">
+        <a:shade val="60000"/>
+      </a:schemeClr>
+    </dgm:linClrLst>
+    <dgm:effectClrLst/>
+    <dgm:txLinClrLst/>
+    <dgm:txFillClrLst meth="repeat">
+      <a:schemeClr val="tx1"/>
+    </dgm:txFillClrLst>
+    <dgm:txEffectClrLst/>
+  </dgm:styleLbl>
+  <dgm:styleLbl name="parChTrans1D2">
+    <dgm:fillClrLst meth="repeat">
+      <a:schemeClr val="accent3"/>
+    </dgm:fillClrLst>
+    <dgm:linClrLst meth="repeat">
+      <a:schemeClr val="accent3">
+        <a:shade val="60000"/>
+      </a:schemeClr>
+    </dgm:linClrLst>
+    <dgm:effectClrLst/>
+    <dgm:txLinClrLst/>
+    <dgm:txFillClrLst meth="repeat">
+      <a:schemeClr val="tx1"/>
+    </dgm:txFillClrLst>
+    <dgm:txEffectClrLst/>
+  </dgm:styleLbl>
+  <dgm:styleLbl name="parChTrans1D3">
+    <dgm:fillClrLst meth="repeat">
+      <a:schemeClr val="accent3"/>
+    </dgm:fillClrLst>
+    <dgm:linClrLst meth="repeat">
+      <a:schemeClr val="accent3">
+        <a:shade val="80000"/>
+      </a:schemeClr>
+    </dgm:linClrLst>
+    <dgm:effectClrLst/>
+    <dgm:txLinClrLst/>
+    <dgm:txFillClrLst meth="repeat">
+      <a:schemeClr val="tx1"/>
+    </dgm:txFillClrLst>
+    <dgm:txEffectClrLst/>
+  </dgm:styleLbl>
+  <dgm:styleLbl name="parChTrans1D4">
+    <dgm:fillClrLst meth="repeat">
+      <a:schemeClr val="accent3"/>
+    </dgm:fillClrLst>
+    <dgm:linClrLst meth="repeat">
+      <a:schemeClr val="accent3">
+        <a:shade val="80000"/>
+      </a:schemeClr>
+    </dgm:linClrLst>
+    <dgm:effectClrLst/>
+    <dgm:txLinClrLst/>
+    <dgm:txFillClrLst meth="repeat">
+      <a:schemeClr val="tx1"/>
+    </dgm:txFillClrLst>
+    <dgm:txEffectClrLst/>
+  </dgm:styleLbl>
+  <dgm:styleLbl name="fgAcc1">
+    <dgm:fillClrLst meth="repeat">
+      <a:schemeClr val="lt1">
+        <a:alpha val="90000"/>
+      </a:schemeClr>
+    </dgm:fillClrLst>
+    <dgm:linClrLst meth="repeat">
+      <a:schemeClr val="accent3"/>
+    </dgm:linClrLst>
+    <dgm:effectClrLst/>
+    <dgm:txLinClrLst/>
+    <dgm:txFillClrLst meth="repeat">
+      <a:schemeClr val="dk1"/>
+    </dgm:txFillClrLst>
+    <dgm:txEffectClrLst/>
+  </dgm:styleLbl>
+  <dgm:styleLbl name="conFgAcc1">
+    <dgm:fillClrLst meth="repeat">
+      <a:schemeClr val="lt1">
+        <a:alpha val="90000"/>
+      </a:schemeClr>
+    </dgm:fillClrLst>
+    <dgm:linClrLst meth="repeat">
+      <a:schemeClr val="accent3"/>
+    </dgm:linClrLst>
+    <dgm:effectClrLst/>
+    <dgm:txLinClrLst/>
+    <dgm:txFillClrLst meth="repeat">
+      <a:schemeClr val="dk1"/>
+    </dgm:txFillClrLst>
+    <dgm:txEffectClrLst/>
+  </dgm:styleLbl>
+  <dgm:styleLbl name="alignAcc1">
+    <dgm:fillClrLst meth="repeat">
+      <a:schemeClr val="lt1">
+        <a:alpha val="90000"/>
+      </a:schemeClr>
+    </dgm:fillClrLst>
+    <dgm:linClrLst meth="repeat">
+      <a:schemeClr val="accent3"/>
+    </dgm:linClrLst>
+    <dgm:effectClrLst/>
+    <dgm:txLinClrLst/>
+    <dgm:txFillClrLst meth="repeat">
+      <a:schemeClr val="dk1"/>
+    </dgm:txFillClrLst>
+    <dgm:txEffectClrLst/>
+  </dgm:styleLbl>
+  <dgm:styleLbl name="trAlignAcc1">
+    <dgm:fillClrLst meth="repeat">
+      <a:schemeClr val="lt1">
+        <a:alpha val="40000"/>
+      </a:schemeClr>
+    </dgm:fillClrLst>
+    <dgm:linClrLst meth="repeat">
+      <a:schemeClr val="accent3"/>
+    </dgm:linClrLst>
+    <dgm:effectClrLst/>
+    <dgm:txLinClrLst/>
+    <dgm:txFillClrLst meth="repeat">
+      <a:schemeClr val="dk1"/>
+    </dgm:txFillClrLst>
+    <dgm:txEffectClrLst/>
+  </dgm:styleLbl>
+  <dgm:styleLbl name="bgAcc1">
+    <dgm:fillClrLst meth="repeat">
+      <a:schemeClr val="lt1">
+        <a:alpha val="90000"/>
+      </a:schemeClr>
+    </dgm:fillClrLst>
+    <dgm:linClrLst meth="repeat">
+      <a:schemeClr val="accent3"/>
+    </dgm:linClrLst>
+    <dgm:effectClrLst/>
+    <dgm:txLinClrLst/>
+    <dgm:txFillClrLst meth="repeat">
+      <a:schemeClr val="dk1"/>
+    </dgm:txFillClrLst>
+    <dgm:txEffectClrLst/>
+  </dgm:styleLbl>
+  <dgm:styleLbl name="solidFgAcc1">
+    <dgm:fillClrLst meth="repeat">
+      <a:schemeClr val="lt1"/>
+    </dgm:fillClrLst>
+    <dgm:linClrLst meth="repeat">
+      <a:schemeClr val="accent3"/>
+    </dgm:linClrLst>
+    <dgm:effectClrLst/>
+    <dgm:txLinClrLst/>
+    <dgm:txFillClrLst meth="repeat">
+      <a:schemeClr val="dk1"/>
+    </dgm:txFillClrLst>
+    <dgm:txEffectClrLst/>
+  </dgm:styleLbl>
+  <dgm:styleLbl name="solidAlignAcc1">
+    <dgm:fillClrLst meth="repeat">
+      <a:schemeClr val="lt1"/>
+    </dgm:fillClrLst>
+    <dgm:linClrLst meth="repeat">
+      <a:schemeClr val="accent3"/>
+    </dgm:linClrLst>
+    <dgm:effectClrLst/>
+    <dgm:txLinClrLst/>
+    <dgm:txFillClrLst meth="repeat">
+      <a:schemeClr val="dk1"/>
+    </dgm:txFillClrLst>
+    <dgm:txEffectClrLst/>
+  </dgm:styleLbl>
+  <dgm:styleLbl name="solidBgAcc1">
+    <dgm:fillClrLst meth="repeat">
+      <a:schemeClr val="lt1"/>
+    </dgm:fillClrLst>
+    <dgm:linClrLst meth="repeat">
+      <a:schemeClr val="accent3"/>
+    </dgm:linClrLst>
+    <dgm:effectClrLst/>
+    <dgm:txLinClrLst/>
+    <dgm:txFillClrLst meth="repeat">
+      <a:schemeClr val="dk1"/>
+    </dgm:txFillClrLst>
+    <dgm:txEffectClrLst/>
+  </dgm:styleLbl>
+  <dgm:styleLbl name="fgAccFollowNode1">
+    <dgm:fillClrLst meth="repeat">
+      <a:schemeClr val="accent3">
+        <a:alpha val="90000"/>
+        <a:tint val="40000"/>
+      </a:schemeClr>
+    </dgm:fillClrLst>
+    <dgm:linClrLst meth="repeat">
+      <a:schemeClr val="accent3">
+        <a:alpha val="90000"/>
+        <a:tint val="40000"/>
+      </a:schemeClr>
+    </dgm:linClrLst>
+    <dgm:effectClrLst/>
+    <dgm:txLinClrLst/>
+    <dgm:txFillClrLst meth="repeat">
+      <a:schemeClr val="dk1"/>
+    </dgm:txFillClrLst>
+    <dgm:txEffectClrLst/>
+  </dgm:styleLbl>
+  <dgm:styleLbl name="alignAccFollowNode1">
+    <dgm:fillClrLst meth="repeat">
+      <a:schemeClr val="accent3">
+        <a:alpha val="90000"/>
+        <a:tint val="40000"/>
+      </a:schemeClr>
+    </dgm:fillClrLst>
+    <dgm:linClrLst meth="repeat">
+      <a:schemeClr val="accent3">
+        <a:alpha val="90000"/>
+        <a:tint val="40000"/>
+      </a:schemeClr>
+    </dgm:linClrLst>
+    <dgm:effectClrLst/>
+    <dgm:txLinClrLst/>
+    <dgm:txFillClrLst meth="repeat">
+      <a:schemeClr val="dk1"/>
+    </dgm:txFillClrLst>
+    <dgm:txEffectClrLst/>
+  </dgm:styleLbl>
+  <dgm:styleLbl name="bgAccFollowNode1">
+    <dgm:fillClrLst meth="repeat">
+      <a:schemeClr val="accent3">
+        <a:alpha val="90000"/>
+        <a:tint val="40000"/>
+      </a:schemeClr>
+    </dgm:fillClrLst>
+    <dgm:linClrLst meth="repeat">
+      <a:schemeClr val="accent3">
+        <a:alpha val="90000"/>
+        <a:tint val="40000"/>
+      </a:schemeClr>
+    </dgm:linClrLst>
+    <dgm:effectClrLst/>
+    <dgm:txLinClrLst/>
+    <dgm:txFillClrLst meth="repeat">
+      <a:schemeClr val="dk1"/>
+    </dgm:txFillClrLst>
+    <dgm:txEffectClrLst/>
+  </dgm:styleLbl>
+  <dgm:styleLbl name="fgAcc0">
+    <dgm:fillClrLst meth="repeat">
+      <a:schemeClr val="lt1">
+        <a:alpha val="90000"/>
+      </a:schemeClr>
+    </dgm:fillClrLst>
+    <dgm:linClrLst meth="repeat">
+      <a:schemeClr val="accent3"/>
+    </dgm:linClrLst>
+    <dgm:effectClrLst/>
+    <dgm:txLinClrLst/>
+    <dgm:txFillClrLst meth="repeat">
+      <a:schemeClr val="dk1"/>
+    </dgm:txFillClrLst>
+    <dgm:txEffectClrLst/>
+  </dgm:styleLbl>
+  <dgm:styleLbl name="fgAcc2">
+    <dgm:fillClrLst meth="repeat">
+      <a:schemeClr val="lt1">
+        <a:alpha val="90000"/>
+      </a:schemeClr>
+    </dgm:fillClrLst>
+    <dgm:linClrLst meth="repeat">
+      <a:schemeClr val="accent3"/>
+    </dgm:linClrLst>
+    <dgm:effectClrLst/>
+    <dgm:txLinClrLst/>
+    <dgm:txFillClrLst meth="repeat">
+      <a:schemeClr val="dk1"/>
+    </dgm:txFillClrLst>
+    <dgm:txEffectClrLst/>
+  </dgm:styleLbl>
+  <dgm:styleLbl name="fgAcc3">
+    <dgm:fillClrLst meth="repeat">
+      <a:schemeClr val="lt1">
+        <a:alpha val="90000"/>
+      </a:schemeClr>
+    </dgm:fillClrLst>
+    <dgm:linClrLst meth="repeat">
+      <a:schemeClr val="accent3"/>
+    </dgm:linClrLst>
+    <dgm:effectClrLst/>
+    <dgm:txLinClrLst/>
+    <dgm:txFillClrLst meth="repeat">
+      <a:schemeClr val="dk1"/>
+    </dgm:txFillClrLst>
+    <dgm:txEffectClrLst/>
+  </dgm:styleLbl>
+  <dgm:styleLbl name="fgAcc4">
+    <dgm:fillClrLst meth="repeat">
+      <a:schemeClr val="lt1">
+        <a:alpha val="90000"/>
+      </a:schemeClr>
+    </dgm:fillClrLst>
+    <dgm:linClrLst meth="repeat">
+      <a:schemeClr val="accent3"/>
+    </dgm:linClrLst>
+    <dgm:effectClrLst/>
+    <dgm:txLinClrLst/>
+    <dgm:txFillClrLst meth="repeat">
+      <a:schemeClr val="dk1"/>
+    </dgm:txFillClrLst>
+    <dgm:txEffectClrLst/>
+  </dgm:styleLbl>
+  <dgm:styleLbl name="bgShp">
+    <dgm:fillClrLst meth="repeat">
+      <a:schemeClr val="accent3">
+        <a:tint val="40000"/>
+      </a:schemeClr>
+    </dgm:fillClrLst>
+    <dgm:linClrLst meth="repeat">
+      <a:schemeClr val="accent3"/>
+    </dgm:linClrLst>
+    <dgm:effectClrLst/>
+    <dgm:txLinClrLst/>
+    <dgm:txFillClrLst meth="repeat">
+      <a:schemeClr val="dk1"/>
+    </dgm:txFillClrLst>
+    <dgm:txEffectClrLst/>
+  </dgm:styleLbl>
+  <dgm:styleLbl name="dkBgShp">
+    <dgm:fillClrLst meth="repeat">
+      <a:schemeClr val="accent3">
+        <a:shade val="80000"/>
+      </a:schemeClr>
+    </dgm:fillClrLst>
+    <dgm:linClrLst meth="repeat">
+      <a:schemeClr val="accent3"/>
+    </dgm:linClrLst>
+    <dgm:effectClrLst/>
+    <dgm:txLinClrLst/>
+    <dgm:txFillClrLst meth="repeat">
+      <a:schemeClr val="lt1"/>
+    </dgm:txFillClrLst>
+    <dgm:txEffectClrLst/>
+  </dgm:styleLbl>
+  <dgm:styleLbl name="trBgShp">
+    <dgm:fillClrLst meth="repeat">
+      <a:schemeClr val="accent3">
+        <a:tint val="50000"/>
+        <a:alpha val="40000"/>
+      </a:schemeClr>
+    </dgm:fillClrLst>
+    <dgm:linClrLst meth="repeat">
+      <a:schemeClr val="accent3"/>
+    </dgm:linClrLst>
+    <dgm:effectClrLst/>
+    <dgm:txLinClrLst/>
+    <dgm:txFillClrLst meth="repeat">
+      <a:schemeClr val="lt1"/>
+    </dgm:txFillClrLst>
+    <dgm:txEffectClrLst/>
+  </dgm:styleLbl>
+  <dgm:styleLbl name="fgShp">
+    <dgm:fillClrLst meth="repeat">
+      <a:schemeClr val="accent3">
+        <a:tint val="60000"/>
+      </a:schemeClr>
+    </dgm:fillClrLst>
+    <dgm:linClrLst meth="repeat">
+      <a:schemeClr val="lt1"/>
+    </dgm:linClrLst>
+    <dgm:effectClrLst/>
+    <dgm:txLinClrLst/>
+    <dgm:txFillClrLst meth="repeat">
+      <a:schemeClr val="dk1"/>
+    </dgm:txFillClrLst>
+    <dgm:txEffectClrLst/>
+  </dgm:styleLbl>
+  <dgm:styleLbl name="revTx">
+    <dgm:fillClrLst meth="repeat">
+      <a:schemeClr val="lt1">
+        <a:alpha val="0"/>
+      </a:schemeClr>
+    </dgm:fillClrLst>
+    <dgm:linClrLst meth="repeat">
+      <a:schemeClr val="dk1">
+        <a:alpha val="0"/>
+      </a:schemeClr>
+    </dgm:linClrLst>
+    <dgm:effectClrLst/>
+    <dgm:txLinClrLst/>
+    <dgm:txFillClrLst meth="repeat">
+      <a:schemeClr val="tx1"/>
+    </dgm:txFillClrLst>
+    <dgm:txEffectClrLst/>
+  </dgm:styleLbl>
+</dgm:colorsDef>
+</file>
+
 <file path=ppt/diagrams/data1.xml><?xml version="1.0" encoding="utf-8"?>
 <dgm:dataModel xmlns:dgm="http://schemas.openxmlformats.org/drawingml/2006/diagram" xmlns:a="http://schemas.openxmlformats.org/drawingml/2006/main">
   <dgm:ptLst>
@@ -6301,8 +7048,8 @@
         <a:lstStyle/>
         <a:p>
           <a:r>
-            <a:rPr lang="en-US"/>
-            <a:t>House of Orange House of Roman, House of Husk…</a:t>
+            <a:rPr lang="en-US" dirty="0"/>
+            <a:t>House of Orange, House of Roman, House of Husk…</a:t>
           </a:r>
         </a:p>
       </dgm:t>
@@ -9316,6 +10063,241 @@
 </dgm:dataModel>
 </file>
 
+<file path=ppt/diagrams/data9.xml><?xml version="1.0" encoding="utf-8"?>
+<dgm:dataModel xmlns:dgm="http://schemas.openxmlformats.org/drawingml/2006/diagram" xmlns:a="http://schemas.openxmlformats.org/drawingml/2006/main">
+  <dgm:ptLst>
+    <dgm:pt modelId="{53CF3088-B157-432E-8A97-14C7A8FB26D9}" type="doc">
+      <dgm:prSet loTypeId="urn:microsoft.com/office/officeart/2005/8/layout/vList2" loCatId="list" qsTypeId="urn:microsoft.com/office/officeart/2005/8/quickstyle/simple1" qsCatId="simple" csTypeId="urn:microsoft.com/office/officeart/2005/8/colors/accent3_2" csCatId="accent3"/>
+      <dgm:spPr/>
+      <dgm:t>
+        <a:bodyPr/>
+        <a:lstStyle/>
+        <a:p>
+          <a:endParaRPr lang="en-US"/>
+        </a:p>
+      </dgm:t>
+    </dgm:pt>
+    <dgm:pt modelId="{CA0523EC-41D4-4064-B64A-55CD897C3D01}">
+      <dgm:prSet/>
+      <dgm:spPr/>
+      <dgm:t>
+        <a:bodyPr/>
+        <a:lstStyle/>
+        <a:p>
+          <a:r>
+            <a:rPr lang="en-US"/>
+            <a:t>Allows to write to </a:t>
+          </a:r>
+          <a:r>
+            <a:rPr lang="en-US" b="1"/>
+            <a:t>ANYWHERE</a:t>
+          </a:r>
+          <a:r>
+            <a:rPr lang="en-US"/>
+            <a:t> in memory </a:t>
+          </a:r>
+        </a:p>
+      </dgm:t>
+    </dgm:pt>
+    <dgm:pt modelId="{1A3F1B0B-46C0-4989-9640-6958C4822919}" type="parTrans" cxnId="{8925BE4C-8B90-49C9-B09F-1892CA52E0D1}">
+      <dgm:prSet/>
+      <dgm:spPr/>
+      <dgm:t>
+        <a:bodyPr/>
+        <a:lstStyle/>
+        <a:p>
+          <a:endParaRPr lang="en-US"/>
+        </a:p>
+      </dgm:t>
+    </dgm:pt>
+    <dgm:pt modelId="{14099047-3282-4D86-BF17-6D48EE5282A2}" type="sibTrans" cxnId="{8925BE4C-8B90-49C9-B09F-1892CA52E0D1}">
+      <dgm:prSet/>
+      <dgm:spPr/>
+      <dgm:t>
+        <a:bodyPr/>
+        <a:lstStyle/>
+        <a:p>
+          <a:endParaRPr lang="en-US"/>
+        </a:p>
+      </dgm:t>
+    </dgm:pt>
+    <dgm:pt modelId="{4CA25AA6-CDDE-4D16-B4D3-595DAE473354}">
+      <dgm:prSet/>
+      <dgm:spPr/>
+      <dgm:t>
+        <a:bodyPr/>
+        <a:lstStyle/>
+        <a:p>
+          <a:r>
+            <a:rPr lang="en-US"/>
+            <a:t>Cannot control the WHAT, only the WHERE</a:t>
+          </a:r>
+        </a:p>
+      </dgm:t>
+    </dgm:pt>
+    <dgm:pt modelId="{286E100B-B507-4AF0-AE1F-AA6910833323}" type="parTrans" cxnId="{CA034813-EB6E-40B3-8D69-DE787DCD3E99}">
+      <dgm:prSet/>
+      <dgm:spPr/>
+      <dgm:t>
+        <a:bodyPr/>
+        <a:lstStyle/>
+        <a:p>
+          <a:endParaRPr lang="en-US"/>
+        </a:p>
+      </dgm:t>
+    </dgm:pt>
+    <dgm:pt modelId="{CDCB9FFE-647C-4D81-9239-3BD3215AE7F8}" type="sibTrans" cxnId="{CA034813-EB6E-40B3-8D69-DE787DCD3E99}">
+      <dgm:prSet/>
+      <dgm:spPr/>
+      <dgm:t>
+        <a:bodyPr/>
+        <a:lstStyle/>
+        <a:p>
+          <a:endParaRPr lang="en-US"/>
+        </a:p>
+      </dgm:t>
+    </dgm:pt>
+    <dgm:pt modelId="{8D6FE2BE-CC30-4E58-9E01-E6EA95FC5FB5}">
+      <dgm:prSet/>
+      <dgm:spPr/>
+      <dgm:t>
+        <a:bodyPr/>
+        <a:lstStyle/>
+        <a:p>
+          <a:r>
+            <a:rPr lang="en-US"/>
+            <a:t>Major part of many other techniques:</a:t>
+          </a:r>
+        </a:p>
+      </dgm:t>
+    </dgm:pt>
+    <dgm:pt modelId="{15ED05D5-D511-4A3E-9651-78A537DECCCA}" type="parTrans" cxnId="{D2C46555-06BE-47FC-804C-C74AB2A2DEED}">
+      <dgm:prSet/>
+      <dgm:spPr/>
+      <dgm:t>
+        <a:bodyPr/>
+        <a:lstStyle/>
+        <a:p>
+          <a:endParaRPr lang="en-US"/>
+        </a:p>
+      </dgm:t>
+    </dgm:pt>
+    <dgm:pt modelId="{14210890-BEAD-4A63-AADB-223146CDC4A4}" type="sibTrans" cxnId="{D2C46555-06BE-47FC-804C-C74AB2A2DEED}">
+      <dgm:prSet/>
+      <dgm:spPr/>
+      <dgm:t>
+        <a:bodyPr/>
+        <a:lstStyle/>
+        <a:p>
+          <a:endParaRPr lang="en-US"/>
+        </a:p>
+      </dgm:t>
+    </dgm:pt>
+    <dgm:pt modelId="{9CFBFBF7-F3FC-4873-95A1-78B44129EE77}">
+      <dgm:prSet/>
+      <dgm:spPr/>
+      <dgm:t>
+        <a:bodyPr/>
+        <a:lstStyle/>
+        <a:p>
+          <a:r>
+            <a:rPr lang="en-US"/>
+            <a:t>House of Orange House of Roman, House of Husk…</a:t>
+          </a:r>
+        </a:p>
+      </dgm:t>
+    </dgm:pt>
+    <dgm:pt modelId="{284D5065-F94B-47A3-99EF-A3AB65822898}" type="parTrans" cxnId="{68EB68CF-F53D-48D9-935D-259D7D278CD0}">
+      <dgm:prSet/>
+      <dgm:spPr/>
+      <dgm:t>
+        <a:bodyPr/>
+        <a:lstStyle/>
+        <a:p>
+          <a:endParaRPr lang="en-US"/>
+        </a:p>
+      </dgm:t>
+    </dgm:pt>
+    <dgm:pt modelId="{53A71B27-65DD-497D-AD38-BCC17299A97E}" type="sibTrans" cxnId="{68EB68CF-F53D-48D9-935D-259D7D278CD0}">
+      <dgm:prSet/>
+      <dgm:spPr/>
+      <dgm:t>
+        <a:bodyPr/>
+        <a:lstStyle/>
+        <a:p>
+          <a:endParaRPr lang="en-US"/>
+        </a:p>
+      </dgm:t>
+    </dgm:pt>
+    <dgm:pt modelId="{9893AFC2-A958-8940-B35C-4D50DCBA226D}" type="pres">
+      <dgm:prSet presAssocID="{53CF3088-B157-432E-8A97-14C7A8FB26D9}" presName="linear" presStyleCnt="0">
+        <dgm:presLayoutVars>
+          <dgm:animLvl val="lvl"/>
+          <dgm:resizeHandles val="exact"/>
+        </dgm:presLayoutVars>
+      </dgm:prSet>
+      <dgm:spPr/>
+    </dgm:pt>
+    <dgm:pt modelId="{71DD3614-B292-7243-AD20-5E5D4EA4A618}" type="pres">
+      <dgm:prSet presAssocID="{CA0523EC-41D4-4064-B64A-55CD897C3D01}" presName="parentText" presStyleLbl="node1" presStyleIdx="0" presStyleCnt="2">
+        <dgm:presLayoutVars>
+          <dgm:chMax val="0"/>
+          <dgm:bulletEnabled val="1"/>
+        </dgm:presLayoutVars>
+      </dgm:prSet>
+      <dgm:spPr/>
+    </dgm:pt>
+    <dgm:pt modelId="{9871E600-10AC-CD4B-B3BC-47A797BCD17E}" type="pres">
+      <dgm:prSet presAssocID="{CA0523EC-41D4-4064-B64A-55CD897C3D01}" presName="childText" presStyleLbl="revTx" presStyleIdx="0" presStyleCnt="2">
+        <dgm:presLayoutVars>
+          <dgm:bulletEnabled val="1"/>
+        </dgm:presLayoutVars>
+      </dgm:prSet>
+      <dgm:spPr/>
+    </dgm:pt>
+    <dgm:pt modelId="{527F6B98-C162-4645-A510-013285B7B842}" type="pres">
+      <dgm:prSet presAssocID="{8D6FE2BE-CC30-4E58-9E01-E6EA95FC5FB5}" presName="parentText" presStyleLbl="node1" presStyleIdx="1" presStyleCnt="2">
+        <dgm:presLayoutVars>
+          <dgm:chMax val="0"/>
+          <dgm:bulletEnabled val="1"/>
+        </dgm:presLayoutVars>
+      </dgm:prSet>
+      <dgm:spPr/>
+    </dgm:pt>
+    <dgm:pt modelId="{353AA5DF-0AB7-154B-8DC3-01304A65E957}" type="pres">
+      <dgm:prSet presAssocID="{8D6FE2BE-CC30-4E58-9E01-E6EA95FC5FB5}" presName="childText" presStyleLbl="revTx" presStyleIdx="1" presStyleCnt="2">
+        <dgm:presLayoutVars>
+          <dgm:bulletEnabled val="1"/>
+        </dgm:presLayoutVars>
+      </dgm:prSet>
+      <dgm:spPr/>
+    </dgm:pt>
+  </dgm:ptLst>
+  <dgm:cxnLst>
+    <dgm:cxn modelId="{40D4D70C-0A6F-6143-9D20-43F6B890A333}" type="presOf" srcId="{8D6FE2BE-CC30-4E58-9E01-E6EA95FC5FB5}" destId="{527F6B98-C162-4645-A510-013285B7B842}" srcOrd="0" destOrd="0" presId="urn:microsoft.com/office/officeart/2005/8/layout/vList2"/>
+    <dgm:cxn modelId="{CA034813-EB6E-40B3-8D69-DE787DCD3E99}" srcId="{CA0523EC-41D4-4064-B64A-55CD897C3D01}" destId="{4CA25AA6-CDDE-4D16-B4D3-595DAE473354}" srcOrd="0" destOrd="0" parTransId="{286E100B-B507-4AF0-AE1F-AA6910833323}" sibTransId="{CDCB9FFE-647C-4D81-9239-3BD3215AE7F8}"/>
+    <dgm:cxn modelId="{4171551F-EF29-1546-8775-E806309E5683}" type="presOf" srcId="{4CA25AA6-CDDE-4D16-B4D3-595DAE473354}" destId="{9871E600-10AC-CD4B-B3BC-47A797BCD17E}" srcOrd="0" destOrd="0" presId="urn:microsoft.com/office/officeart/2005/8/layout/vList2"/>
+    <dgm:cxn modelId="{A4B3902E-5035-8D40-B27C-A6A402941BE7}" type="presOf" srcId="{53CF3088-B157-432E-8A97-14C7A8FB26D9}" destId="{9893AFC2-A958-8940-B35C-4D50DCBA226D}" srcOrd="0" destOrd="0" presId="urn:microsoft.com/office/officeart/2005/8/layout/vList2"/>
+    <dgm:cxn modelId="{8925BE4C-8B90-49C9-B09F-1892CA52E0D1}" srcId="{53CF3088-B157-432E-8A97-14C7A8FB26D9}" destId="{CA0523EC-41D4-4064-B64A-55CD897C3D01}" srcOrd="0" destOrd="0" parTransId="{1A3F1B0B-46C0-4989-9640-6958C4822919}" sibTransId="{14099047-3282-4D86-BF17-6D48EE5282A2}"/>
+    <dgm:cxn modelId="{D2C46555-06BE-47FC-804C-C74AB2A2DEED}" srcId="{53CF3088-B157-432E-8A97-14C7A8FB26D9}" destId="{8D6FE2BE-CC30-4E58-9E01-E6EA95FC5FB5}" srcOrd="1" destOrd="0" parTransId="{15ED05D5-D511-4A3E-9651-78A537DECCCA}" sibTransId="{14210890-BEAD-4A63-AADB-223146CDC4A4}"/>
+    <dgm:cxn modelId="{A631B187-18E2-A349-8885-32F3E6754441}" type="presOf" srcId="{CA0523EC-41D4-4064-B64A-55CD897C3D01}" destId="{71DD3614-B292-7243-AD20-5E5D4EA4A618}" srcOrd="0" destOrd="0" presId="urn:microsoft.com/office/officeart/2005/8/layout/vList2"/>
+    <dgm:cxn modelId="{68EB68CF-F53D-48D9-935D-259D7D278CD0}" srcId="{8D6FE2BE-CC30-4E58-9E01-E6EA95FC5FB5}" destId="{9CFBFBF7-F3FC-4873-95A1-78B44129EE77}" srcOrd="0" destOrd="0" parTransId="{284D5065-F94B-47A3-99EF-A3AB65822898}" sibTransId="{53A71B27-65DD-497D-AD38-BCC17299A97E}"/>
+    <dgm:cxn modelId="{73AF02E2-4053-3745-B2BD-CCCB6D7E4507}" type="presOf" srcId="{9CFBFBF7-F3FC-4873-95A1-78B44129EE77}" destId="{353AA5DF-0AB7-154B-8DC3-01304A65E957}" srcOrd="0" destOrd="0" presId="urn:microsoft.com/office/officeart/2005/8/layout/vList2"/>
+    <dgm:cxn modelId="{02A30AA5-4C6B-B242-B3FF-88E8AC9EDA51}" type="presParOf" srcId="{9893AFC2-A958-8940-B35C-4D50DCBA226D}" destId="{71DD3614-B292-7243-AD20-5E5D4EA4A618}" srcOrd="0" destOrd="0" presId="urn:microsoft.com/office/officeart/2005/8/layout/vList2"/>
+    <dgm:cxn modelId="{39A9C519-550F-7F44-B082-18A0E9E0EF7D}" type="presParOf" srcId="{9893AFC2-A958-8940-B35C-4D50DCBA226D}" destId="{9871E600-10AC-CD4B-B3BC-47A797BCD17E}" srcOrd="1" destOrd="0" presId="urn:microsoft.com/office/officeart/2005/8/layout/vList2"/>
+    <dgm:cxn modelId="{B6FE0C52-C797-5047-BA8F-4E8788AF15AA}" type="presParOf" srcId="{9893AFC2-A958-8940-B35C-4D50DCBA226D}" destId="{527F6B98-C162-4645-A510-013285B7B842}" srcOrd="2" destOrd="0" presId="urn:microsoft.com/office/officeart/2005/8/layout/vList2"/>
+    <dgm:cxn modelId="{50159DA4-EC31-2A40-BF6D-FBAEC98C6781}" type="presParOf" srcId="{9893AFC2-A958-8940-B35C-4D50DCBA226D}" destId="{353AA5DF-0AB7-154B-8DC3-01304A65E957}" srcOrd="3" destOrd="0" presId="urn:microsoft.com/office/officeart/2005/8/layout/vList2"/>
+  </dgm:cxnLst>
+  <dgm:bg/>
+  <dgm:whole/>
+  <dgm:extLst>
+    <a:ext uri="http://schemas.microsoft.com/office/drawing/2008/diagram">
+      <dsp:dataModelExt xmlns:dsp="http://schemas.microsoft.com/office/drawing/2008/diagram" relId="rId6" minVer="http://schemas.openxmlformats.org/drawingml/2006/diagram"/>
+    </a:ext>
+  </dgm:extLst>
+</dgm:dataModel>
+</file>
+
 <file path=ppt/diagrams/drawing1.xml><?xml version="1.0" encoding="utf-8"?>
 <dsp:drawing xmlns:dgm="http://schemas.openxmlformats.org/drawingml/2006/diagram" xmlns:dsp="http://schemas.microsoft.com/office/drawing/2008/diagram" xmlns:a="http://schemas.openxmlformats.org/drawingml/2006/main">
   <dsp:spTree>
@@ -9664,8 +10646,8 @@
             <a:buNone/>
           </a:pPr>
           <a:r>
-            <a:rPr lang="en-US" sz="1400" kern="1200"/>
-            <a:t>House of Orange House of Roman, House of Husk…</a:t>
+            <a:rPr lang="en-US" sz="1400" kern="1200" dirty="0"/>
+            <a:t>House of Orange, House of Roman, House of Husk…</a:t>
           </a:r>
         </a:p>
       </dsp:txBody>
@@ -12968,6 +13950,302 @@
 </dsp:drawing>
 </file>
 
+<file path=ppt/diagrams/drawing9.xml><?xml version="1.0" encoding="utf-8"?>
+<dsp:drawing xmlns:dgm="http://schemas.openxmlformats.org/drawingml/2006/diagram" xmlns:dsp="http://schemas.microsoft.com/office/drawing/2008/diagram" xmlns:a="http://schemas.openxmlformats.org/drawingml/2006/main">
+  <dsp:spTree>
+    <dsp:nvGrpSpPr>
+      <dsp:cNvPr id="0" name=""/>
+      <dsp:cNvGrpSpPr/>
+    </dsp:nvGrpSpPr>
+    <dsp:grpSpPr/>
+    <dsp:sp modelId="{71DD3614-B292-7243-AD20-5E5D4EA4A618}">
+      <dsp:nvSpPr>
+        <dsp:cNvPr id="0" name=""/>
+        <dsp:cNvSpPr/>
+      </dsp:nvSpPr>
+      <dsp:spPr>
+        <a:xfrm>
+          <a:off x="0" y="18249"/>
+          <a:ext cx="4629150" cy="1113840"/>
+        </a:xfrm>
+        <a:prstGeom prst="roundRect">
+          <a:avLst/>
+        </a:prstGeom>
+        <a:solidFill>
+          <a:schemeClr val="accent3">
+            <a:hueOff val="0"/>
+            <a:satOff val="0"/>
+            <a:lumOff val="0"/>
+            <a:alphaOff val="0"/>
+          </a:schemeClr>
+        </a:solidFill>
+        <a:ln w="12700" cap="flat" cmpd="sng" algn="ctr">
+          <a:solidFill>
+            <a:schemeClr val="lt1">
+              <a:hueOff val="0"/>
+              <a:satOff val="0"/>
+              <a:lumOff val="0"/>
+              <a:alphaOff val="0"/>
+            </a:schemeClr>
+          </a:solidFill>
+          <a:prstDash val="solid"/>
+          <a:miter lim="800000"/>
+        </a:ln>
+        <a:effectLst/>
+      </dsp:spPr>
+      <dsp:style>
+        <a:lnRef idx="2">
+          <a:scrgbClr r="0" g="0" b="0"/>
+        </a:lnRef>
+        <a:fillRef idx="1">
+          <a:scrgbClr r="0" g="0" b="0"/>
+        </a:fillRef>
+        <a:effectRef idx="0">
+          <a:scrgbClr r="0" g="0" b="0"/>
+        </a:effectRef>
+        <a:fontRef idx="minor">
+          <a:schemeClr val="lt1"/>
+        </a:fontRef>
+      </dsp:style>
+      <dsp:txBody>
+        <a:bodyPr spcFirstLastPara="0" vert="horz" wrap="square" lIns="106680" tIns="106680" rIns="106680" bIns="106680" numCol="1" spcCol="1270" anchor="ctr" anchorCtr="0">
+          <a:noAutofit/>
+        </a:bodyPr>
+        <a:lstStyle/>
+        <a:p>
+          <a:pPr marL="0" lvl="0" indent="0" algn="l" defTabSz="1244600">
+            <a:lnSpc>
+              <a:spcPct val="90000"/>
+            </a:lnSpc>
+            <a:spcBef>
+              <a:spcPct val="0"/>
+            </a:spcBef>
+            <a:spcAft>
+              <a:spcPct val="35000"/>
+            </a:spcAft>
+            <a:buNone/>
+          </a:pPr>
+          <a:r>
+            <a:rPr lang="en-US" sz="2800" kern="1200"/>
+            <a:t>Allows to write to </a:t>
+          </a:r>
+          <a:r>
+            <a:rPr lang="en-US" sz="2800" b="1" kern="1200"/>
+            <a:t>ANYWHERE</a:t>
+          </a:r>
+          <a:r>
+            <a:rPr lang="en-US" sz="2800" kern="1200"/>
+            <a:t> in memory </a:t>
+          </a:r>
+        </a:p>
+      </dsp:txBody>
+      <dsp:txXfrm>
+        <a:off x="54373" y="72622"/>
+        <a:ext cx="4520404" cy="1005094"/>
+      </dsp:txXfrm>
+    </dsp:sp>
+    <dsp:sp modelId="{9871E600-10AC-CD4B-B3BC-47A797BCD17E}">
+      <dsp:nvSpPr>
+        <dsp:cNvPr id="0" name=""/>
+        <dsp:cNvSpPr/>
+      </dsp:nvSpPr>
+      <dsp:spPr>
+        <a:xfrm>
+          <a:off x="0" y="1132089"/>
+          <a:ext cx="4629150" cy="695520"/>
+        </a:xfrm>
+        <a:prstGeom prst="rect">
+          <a:avLst/>
+        </a:prstGeom>
+        <a:noFill/>
+        <a:ln>
+          <a:noFill/>
+        </a:ln>
+        <a:effectLst/>
+      </dsp:spPr>
+      <dsp:style>
+        <a:lnRef idx="0">
+          <a:scrgbClr r="0" g="0" b="0"/>
+        </a:lnRef>
+        <a:fillRef idx="0">
+          <a:scrgbClr r="0" g="0" b="0"/>
+        </a:fillRef>
+        <a:effectRef idx="0">
+          <a:scrgbClr r="0" g="0" b="0"/>
+        </a:effectRef>
+        <a:fontRef idx="minor"/>
+      </dsp:style>
+      <dsp:txBody>
+        <a:bodyPr spcFirstLastPara="0" vert="horz" wrap="square" lIns="146976" tIns="35560" rIns="199136" bIns="35560" numCol="1" spcCol="1270" anchor="t" anchorCtr="0">
+          <a:noAutofit/>
+        </a:bodyPr>
+        <a:lstStyle/>
+        <a:p>
+          <a:pPr marL="228600" lvl="1" indent="-228600" algn="l" defTabSz="977900">
+            <a:lnSpc>
+              <a:spcPct val="90000"/>
+            </a:lnSpc>
+            <a:spcBef>
+              <a:spcPct val="0"/>
+            </a:spcBef>
+            <a:spcAft>
+              <a:spcPct val="20000"/>
+            </a:spcAft>
+            <a:buChar char="•"/>
+          </a:pPr>
+          <a:r>
+            <a:rPr lang="en-US" sz="2200" kern="1200"/>
+            <a:t>Cannot control the WHAT, only the WHERE</a:t>
+          </a:r>
+        </a:p>
+      </dsp:txBody>
+      <dsp:txXfrm>
+        <a:off x="0" y="1132089"/>
+        <a:ext cx="4629150" cy="695520"/>
+      </dsp:txXfrm>
+    </dsp:sp>
+    <dsp:sp modelId="{527F6B98-C162-4645-A510-013285B7B842}">
+      <dsp:nvSpPr>
+        <dsp:cNvPr id="0" name=""/>
+        <dsp:cNvSpPr/>
+      </dsp:nvSpPr>
+      <dsp:spPr>
+        <a:xfrm>
+          <a:off x="0" y="1827609"/>
+          <a:ext cx="4629150" cy="1113840"/>
+        </a:xfrm>
+        <a:prstGeom prst="roundRect">
+          <a:avLst/>
+        </a:prstGeom>
+        <a:solidFill>
+          <a:schemeClr val="accent3">
+            <a:hueOff val="0"/>
+            <a:satOff val="0"/>
+            <a:lumOff val="0"/>
+            <a:alphaOff val="0"/>
+          </a:schemeClr>
+        </a:solidFill>
+        <a:ln w="12700" cap="flat" cmpd="sng" algn="ctr">
+          <a:solidFill>
+            <a:schemeClr val="lt1">
+              <a:hueOff val="0"/>
+              <a:satOff val="0"/>
+              <a:lumOff val="0"/>
+              <a:alphaOff val="0"/>
+            </a:schemeClr>
+          </a:solidFill>
+          <a:prstDash val="solid"/>
+          <a:miter lim="800000"/>
+        </a:ln>
+        <a:effectLst/>
+      </dsp:spPr>
+      <dsp:style>
+        <a:lnRef idx="2">
+          <a:scrgbClr r="0" g="0" b="0"/>
+        </a:lnRef>
+        <a:fillRef idx="1">
+          <a:scrgbClr r="0" g="0" b="0"/>
+        </a:fillRef>
+        <a:effectRef idx="0">
+          <a:scrgbClr r="0" g="0" b="0"/>
+        </a:effectRef>
+        <a:fontRef idx="minor">
+          <a:schemeClr val="lt1"/>
+        </a:fontRef>
+      </dsp:style>
+      <dsp:txBody>
+        <a:bodyPr spcFirstLastPara="0" vert="horz" wrap="square" lIns="106680" tIns="106680" rIns="106680" bIns="106680" numCol="1" spcCol="1270" anchor="ctr" anchorCtr="0">
+          <a:noAutofit/>
+        </a:bodyPr>
+        <a:lstStyle/>
+        <a:p>
+          <a:pPr marL="0" lvl="0" indent="0" algn="l" defTabSz="1244600">
+            <a:lnSpc>
+              <a:spcPct val="90000"/>
+            </a:lnSpc>
+            <a:spcBef>
+              <a:spcPct val="0"/>
+            </a:spcBef>
+            <a:spcAft>
+              <a:spcPct val="35000"/>
+            </a:spcAft>
+            <a:buNone/>
+          </a:pPr>
+          <a:r>
+            <a:rPr lang="en-US" sz="2800" kern="1200"/>
+            <a:t>Major part of many other techniques:</a:t>
+          </a:r>
+        </a:p>
+      </dsp:txBody>
+      <dsp:txXfrm>
+        <a:off x="54373" y="1881982"/>
+        <a:ext cx="4520404" cy="1005094"/>
+      </dsp:txXfrm>
+    </dsp:sp>
+    <dsp:sp modelId="{353AA5DF-0AB7-154B-8DC3-01304A65E957}">
+      <dsp:nvSpPr>
+        <dsp:cNvPr id="0" name=""/>
+        <dsp:cNvSpPr/>
+      </dsp:nvSpPr>
+      <dsp:spPr>
+        <a:xfrm>
+          <a:off x="0" y="2941449"/>
+          <a:ext cx="4629150" cy="695520"/>
+        </a:xfrm>
+        <a:prstGeom prst="rect">
+          <a:avLst/>
+        </a:prstGeom>
+        <a:noFill/>
+        <a:ln>
+          <a:noFill/>
+        </a:ln>
+        <a:effectLst/>
+      </dsp:spPr>
+      <dsp:style>
+        <a:lnRef idx="0">
+          <a:scrgbClr r="0" g="0" b="0"/>
+        </a:lnRef>
+        <a:fillRef idx="0">
+          <a:scrgbClr r="0" g="0" b="0"/>
+        </a:fillRef>
+        <a:effectRef idx="0">
+          <a:scrgbClr r="0" g="0" b="0"/>
+        </a:effectRef>
+        <a:fontRef idx="minor"/>
+      </dsp:style>
+      <dsp:txBody>
+        <a:bodyPr spcFirstLastPara="0" vert="horz" wrap="square" lIns="146976" tIns="35560" rIns="199136" bIns="35560" numCol="1" spcCol="1270" anchor="t" anchorCtr="0">
+          <a:noAutofit/>
+        </a:bodyPr>
+        <a:lstStyle/>
+        <a:p>
+          <a:pPr marL="228600" lvl="1" indent="-228600" algn="l" defTabSz="977900">
+            <a:lnSpc>
+              <a:spcPct val="90000"/>
+            </a:lnSpc>
+            <a:spcBef>
+              <a:spcPct val="0"/>
+            </a:spcBef>
+            <a:spcAft>
+              <a:spcPct val="20000"/>
+            </a:spcAft>
+            <a:buChar char="•"/>
+          </a:pPr>
+          <a:r>
+            <a:rPr lang="en-US" sz="2200" kern="1200"/>
+            <a:t>House of Orange House of Roman, House of Husk…</a:t>
+          </a:r>
+        </a:p>
+      </dsp:txBody>
+      <dsp:txXfrm>
+        <a:off x="0" y="2941449"/>
+        <a:ext cx="4629150" cy="695520"/>
+      </dsp:txXfrm>
+    </dsp:sp>
+  </dsp:spTree>
+</dsp:drawing>
+</file>
+
 <file path=ppt/diagrams/layout1.xml><?xml version="1.0" encoding="utf-8"?>
 <dgm:layoutDef xmlns:dgm="http://schemas.openxmlformats.org/drawingml/2006/diagram" xmlns:a="http://schemas.openxmlformats.org/drawingml/2006/main" uniqueId="urn:microsoft.com/office/officeart/2018/5/layout/CenteredIconLabelDescriptionList">
   <dgm:title val="Centered Icon Label Description List"/>
@@ -14461,6 +15739,173 @@
 </dgm:layoutDef>
 </file>
 
+<file path=ppt/diagrams/layout9.xml><?xml version="1.0" encoding="utf-8"?>
+<dgm:layoutDef xmlns:dgm="http://schemas.openxmlformats.org/drawingml/2006/diagram" xmlns:a="http://schemas.openxmlformats.org/drawingml/2006/main" uniqueId="urn:microsoft.com/office/officeart/2005/8/layout/vList2">
+  <dgm:title val=""/>
+  <dgm:desc val=""/>
+  <dgm:catLst>
+    <dgm:cat type="list" pri="3000"/>
+    <dgm:cat type="convert" pri="1000"/>
+  </dgm:catLst>
+  <dgm:sampData>
+    <dgm:dataModel>
+      <dgm:ptLst>
+        <dgm:pt modelId="0" type="doc"/>
+        <dgm:pt modelId="1">
+          <dgm:prSet phldr="1"/>
+        </dgm:pt>
+        <dgm:pt modelId="11">
+          <dgm:prSet phldr="1"/>
+        </dgm:pt>
+        <dgm:pt modelId="2">
+          <dgm:prSet phldr="1"/>
+        </dgm:pt>
+        <dgm:pt modelId="21">
+          <dgm:prSet phldr="1"/>
+        </dgm:pt>
+      </dgm:ptLst>
+      <dgm:cxnLst>
+        <dgm:cxn modelId="4" srcId="0" destId="1" srcOrd="0" destOrd="0"/>
+        <dgm:cxn modelId="5" srcId="0" destId="2" srcOrd="1" destOrd="0"/>
+        <dgm:cxn modelId="12" srcId="1" destId="11" srcOrd="0" destOrd="0"/>
+        <dgm:cxn modelId="23" srcId="2" destId="21" srcOrd="0" destOrd="0"/>
+      </dgm:cxnLst>
+      <dgm:bg/>
+      <dgm:whole/>
+    </dgm:dataModel>
+  </dgm:sampData>
+  <dgm:styleData>
+    <dgm:dataModel>
+      <dgm:ptLst>
+        <dgm:pt modelId="0" type="doc"/>
+        <dgm:pt modelId="1"/>
+        <dgm:pt modelId="2"/>
+      </dgm:ptLst>
+      <dgm:cxnLst>
+        <dgm:cxn modelId="3" srcId="0" destId="1" srcOrd="0" destOrd="0"/>
+        <dgm:cxn modelId="4" srcId="0" destId="2" srcOrd="1" destOrd="0"/>
+      </dgm:cxnLst>
+      <dgm:bg/>
+      <dgm:whole/>
+    </dgm:dataModel>
+  </dgm:styleData>
+  <dgm:clrData>
+    <dgm:dataModel>
+      <dgm:ptLst>
+        <dgm:pt modelId="0" type="doc"/>
+        <dgm:pt modelId="1"/>
+        <dgm:pt modelId="2"/>
+        <dgm:pt modelId="3"/>
+        <dgm:pt modelId="4"/>
+      </dgm:ptLst>
+      <dgm:cxnLst>
+        <dgm:cxn modelId="5" srcId="0" destId="1" srcOrd="0" destOrd="0"/>
+        <dgm:cxn modelId="6" srcId="0" destId="2" srcOrd="1" destOrd="0"/>
+        <dgm:cxn modelId="7" srcId="0" destId="3" srcOrd="2" destOrd="0"/>
+        <dgm:cxn modelId="8" srcId="0" destId="4" srcOrd="3" destOrd="0"/>
+      </dgm:cxnLst>
+      <dgm:bg/>
+      <dgm:whole/>
+    </dgm:dataModel>
+  </dgm:clrData>
+  <dgm:layoutNode name="linear">
+    <dgm:varLst>
+      <dgm:animLvl val="lvl"/>
+      <dgm:resizeHandles val="exact"/>
+    </dgm:varLst>
+    <dgm:alg type="lin">
+      <dgm:param type="linDir" val="fromT"/>
+      <dgm:param type="vertAlign" val="mid"/>
+    </dgm:alg>
+    <dgm:shape xmlns:r="http://schemas.openxmlformats.org/officeDocument/2006/relationships" r:blip="">
+      <dgm:adjLst/>
+    </dgm:shape>
+    <dgm:presOf/>
+    <dgm:constrLst>
+      <dgm:constr type="w" for="ch" forName="parentText" refType="w"/>
+      <dgm:constr type="h" for="ch" forName="parentText" refType="primFontSz" refFor="ch" refForName="parentText" fact="0.52"/>
+      <dgm:constr type="w" for="ch" forName="childText" refType="w"/>
+      <dgm:constr type="h" for="ch" forName="childText" refType="primFontSz" refFor="ch" refForName="parentText" fact="0.46"/>
+      <dgm:constr type="h" for="ch" forName="parentText" op="equ"/>
+      <dgm:constr type="primFontSz" for="ch" forName="parentText" op="equ" val="65"/>
+      <dgm:constr type="primFontSz" for="ch" forName="childText" refType="primFontSz" refFor="ch" refForName="parentText" op="equ"/>
+      <dgm:constr type="h" for="ch" forName="spacer" refType="primFontSz" refFor="ch" refForName="parentText" fact="0.08"/>
+    </dgm:constrLst>
+    <dgm:ruleLst>
+      <dgm:rule type="primFontSz" for="ch" forName="parentText" val="5" fact="NaN" max="NaN"/>
+    </dgm:ruleLst>
+    <dgm:forEach name="Name0" axis="ch" ptType="node">
+      <dgm:layoutNode name="parentText" styleLbl="node1">
+        <dgm:varLst>
+          <dgm:chMax val="0"/>
+          <dgm:bulletEnabled val="1"/>
+        </dgm:varLst>
+        <dgm:alg type="tx">
+          <dgm:param type="parTxLTRAlign" val="l"/>
+          <dgm:param type="parTxRTLAlign" val="r"/>
+        </dgm:alg>
+        <dgm:shape xmlns:r="http://schemas.openxmlformats.org/officeDocument/2006/relationships" type="roundRect" r:blip="">
+          <dgm:adjLst/>
+        </dgm:shape>
+        <dgm:presOf axis="self"/>
+        <dgm:constrLst>
+          <dgm:constr type="tMarg" refType="primFontSz" fact="0.3"/>
+          <dgm:constr type="bMarg" refType="primFontSz" fact="0.3"/>
+          <dgm:constr type="lMarg" refType="primFontSz" fact="0.3"/>
+          <dgm:constr type="rMarg" refType="primFontSz" fact="0.3"/>
+        </dgm:constrLst>
+        <dgm:ruleLst>
+          <dgm:rule type="h" val="INF" fact="NaN" max="NaN"/>
+        </dgm:ruleLst>
+      </dgm:layoutNode>
+      <dgm:choose name="Name1">
+        <dgm:if name="Name2" axis="ch" ptType="node" func="cnt" op="gte" val="1">
+          <dgm:layoutNode name="childText" styleLbl="revTx">
+            <dgm:varLst>
+              <dgm:bulletEnabled val="1"/>
+            </dgm:varLst>
+            <dgm:alg type="tx">
+              <dgm:param type="stBulletLvl" val="1"/>
+              <dgm:param type="lnSpAfChP" val="20"/>
+            </dgm:alg>
+            <dgm:shape xmlns:r="http://schemas.openxmlformats.org/officeDocument/2006/relationships" type="rect" r:blip="">
+              <dgm:adjLst/>
+            </dgm:shape>
+            <dgm:presOf axis="des" ptType="node"/>
+            <dgm:constrLst>
+              <dgm:constr type="tMarg" refType="primFontSz" fact="0.1"/>
+              <dgm:constr type="bMarg" refType="primFontSz" fact="0.1"/>
+              <dgm:constr type="lMarg" refType="w" fact="0.09"/>
+            </dgm:constrLst>
+            <dgm:ruleLst>
+              <dgm:rule type="h" val="INF" fact="NaN" max="NaN"/>
+            </dgm:ruleLst>
+          </dgm:layoutNode>
+        </dgm:if>
+        <dgm:else name="Name3">
+          <dgm:choose name="Name4">
+            <dgm:if name="Name5" axis="par ch" ptType="doc node" func="cnt" op="gte" val="2">
+              <dgm:forEach name="Name6" axis="followSib" ptType="sibTrans" cnt="1">
+                <dgm:layoutNode name="spacer">
+                  <dgm:alg type="sp"/>
+                  <dgm:shape xmlns:r="http://schemas.openxmlformats.org/officeDocument/2006/relationships" r:blip="">
+                    <dgm:adjLst/>
+                  </dgm:shape>
+                  <dgm:presOf/>
+                  <dgm:constrLst/>
+                  <dgm:ruleLst/>
+                </dgm:layoutNode>
+              </dgm:forEach>
+            </dgm:if>
+            <dgm:else name="Name7"/>
+          </dgm:choose>
+        </dgm:else>
+      </dgm:choose>
+    </dgm:forEach>
+  </dgm:layoutNode>
+</dgm:layoutDef>
+</file>
+
 <file path=ppt/diagrams/quickStyle1.xml><?xml version="1.0" encoding="utf-8"?>
 <dgm:styleDef xmlns:dgm="http://schemas.openxmlformats.org/drawingml/2006/diagram" xmlns:a="http://schemas.openxmlformats.org/drawingml/2006/main" uniqueId="urn:microsoft.com/office/officeart/2005/8/quickstyle/simple1">
   <dgm:title val=""/>
@@ -21700,6 +23145,1040 @@
 </file>
 
 <file path=ppt/diagrams/quickStyle8.xml><?xml version="1.0" encoding="utf-8"?>
+<dgm:styleDef xmlns:dgm="http://schemas.openxmlformats.org/drawingml/2006/diagram" xmlns:a="http://schemas.openxmlformats.org/drawingml/2006/main" uniqueId="urn:microsoft.com/office/officeart/2005/8/quickstyle/simple1">
+  <dgm:title val=""/>
+  <dgm:desc val=""/>
+  <dgm:catLst>
+    <dgm:cat type="simple" pri="10100"/>
+  </dgm:catLst>
+  <dgm:scene3d>
+    <a:camera prst="orthographicFront"/>
+    <a:lightRig rig="threePt" dir="t"/>
+  </dgm:scene3d>
+  <dgm:styleLbl name="node0">
+    <dgm:scene3d>
+      <a:camera prst="orthographicFront"/>
+      <a:lightRig rig="threePt" dir="t"/>
+    </dgm:scene3d>
+    <dgm:sp3d/>
+    <dgm:txPr/>
+    <dgm:style>
+      <a:lnRef idx="2">
+        <a:scrgbClr r="0" g="0" b="0"/>
+      </a:lnRef>
+      <a:fillRef idx="1">
+        <a:scrgbClr r="0" g="0" b="0"/>
+      </a:fillRef>
+      <a:effectRef idx="0">
+        <a:scrgbClr r="0" g="0" b="0"/>
+      </a:effectRef>
+      <a:fontRef idx="minor">
+        <a:schemeClr val="lt1"/>
+      </a:fontRef>
+    </dgm:style>
+  </dgm:styleLbl>
+  <dgm:styleLbl name="lnNode1">
+    <dgm:scene3d>
+      <a:camera prst="orthographicFront"/>
+      <a:lightRig rig="threePt" dir="t"/>
+    </dgm:scene3d>
+    <dgm:sp3d/>
+    <dgm:txPr/>
+    <dgm:style>
+      <a:lnRef idx="2">
+        <a:scrgbClr r="0" g="0" b="0"/>
+      </a:lnRef>
+      <a:fillRef idx="1">
+        <a:scrgbClr r="0" g="0" b="0"/>
+      </a:fillRef>
+      <a:effectRef idx="0">
+        <a:scrgbClr r="0" g="0" b="0"/>
+      </a:effectRef>
+      <a:fontRef idx="minor">
+        <a:schemeClr val="lt1"/>
+      </a:fontRef>
+    </dgm:style>
+  </dgm:styleLbl>
+  <dgm:styleLbl name="vennNode1">
+    <dgm:scene3d>
+      <a:camera prst="orthographicFront"/>
+      <a:lightRig rig="threePt" dir="t"/>
+    </dgm:scene3d>
+    <dgm:sp3d/>
+    <dgm:txPr/>
+    <dgm:style>
+      <a:lnRef idx="2">
+        <a:scrgbClr r="0" g="0" b="0"/>
+      </a:lnRef>
+      <a:fillRef idx="1">
+        <a:scrgbClr r="0" g="0" b="0"/>
+      </a:fillRef>
+      <a:effectRef idx="0">
+        <a:scrgbClr r="0" g="0" b="0"/>
+      </a:effectRef>
+      <a:fontRef idx="minor">
+        <a:schemeClr val="tx1"/>
+      </a:fontRef>
+    </dgm:style>
+  </dgm:styleLbl>
+  <dgm:styleLbl name="alignNode1">
+    <dgm:scene3d>
+      <a:camera prst="orthographicFront"/>
+      <a:lightRig rig="threePt" dir="t"/>
+    </dgm:scene3d>
+    <dgm:sp3d/>
+    <dgm:txPr/>
+    <dgm:style>
+      <a:lnRef idx="2">
+        <a:scrgbClr r="0" g="0" b="0"/>
+      </a:lnRef>
+      <a:fillRef idx="1">
+        <a:scrgbClr r="0" g="0" b="0"/>
+      </a:fillRef>
+      <a:effectRef idx="0">
+        <a:scrgbClr r="0" g="0" b="0"/>
+      </a:effectRef>
+      <a:fontRef idx="minor">
+        <a:schemeClr val="lt1"/>
+      </a:fontRef>
+    </dgm:style>
+  </dgm:styleLbl>
+  <dgm:styleLbl name="node1">
+    <dgm:scene3d>
+      <a:camera prst="orthographicFront"/>
+      <a:lightRig rig="threePt" dir="t"/>
+    </dgm:scene3d>
+    <dgm:sp3d/>
+    <dgm:txPr/>
+    <dgm:style>
+      <a:lnRef idx="2">
+        <a:scrgbClr r="0" g="0" b="0"/>
+      </a:lnRef>
+      <a:fillRef idx="1">
+        <a:scrgbClr r="0" g="0" b="0"/>
+      </a:fillRef>
+      <a:effectRef idx="0">
+        <a:scrgbClr r="0" g="0" b="0"/>
+      </a:effectRef>
+      <a:fontRef idx="minor">
+        <a:schemeClr val="lt1"/>
+      </a:fontRef>
+    </dgm:style>
+  </dgm:styleLbl>
+  <dgm:styleLbl name="node2">
+    <dgm:scene3d>
+      <a:camera prst="orthographicFront"/>
+      <a:lightRig rig="threePt" dir="t"/>
+    </dgm:scene3d>
+    <dgm:sp3d/>
+    <dgm:txPr/>
+    <dgm:style>
+      <a:lnRef idx="2">
+        <a:scrgbClr r="0" g="0" b="0"/>
+      </a:lnRef>
+      <a:fillRef idx="1">
+        <a:scrgbClr r="0" g="0" b="0"/>
+      </a:fillRef>
+      <a:effectRef idx="0">
+        <a:scrgbClr r="0" g="0" b="0"/>
+      </a:effectRef>
+      <a:fontRef idx="minor">
+        <a:schemeClr val="lt1"/>
+      </a:fontRef>
+    </dgm:style>
+  </dgm:styleLbl>
+  <dgm:styleLbl name="node3">
+    <dgm:scene3d>
+      <a:camera prst="orthographicFront"/>
+      <a:lightRig rig="threePt" dir="t"/>
+    </dgm:scene3d>
+    <dgm:sp3d/>
+    <dgm:txPr/>
+    <dgm:style>
+      <a:lnRef idx="2">
+        <a:scrgbClr r="0" g="0" b="0"/>
+      </a:lnRef>
+      <a:fillRef idx="1">
+        <a:scrgbClr r="0" g="0" b="0"/>
+      </a:fillRef>
+      <a:effectRef idx="0">
+        <a:scrgbClr r="0" g="0" b="0"/>
+      </a:effectRef>
+      <a:fontRef idx="minor">
+        <a:schemeClr val="lt1"/>
+      </a:fontRef>
+    </dgm:style>
+  </dgm:styleLbl>
+  <dgm:styleLbl name="node4">
+    <dgm:scene3d>
+      <a:camera prst="orthographicFront"/>
+      <a:lightRig rig="threePt" dir="t"/>
+    </dgm:scene3d>
+    <dgm:sp3d/>
+    <dgm:txPr/>
+    <dgm:style>
+      <a:lnRef idx="2">
+        <a:scrgbClr r="0" g="0" b="0"/>
+      </a:lnRef>
+      <a:fillRef idx="1">
+        <a:scrgbClr r="0" g="0" b="0"/>
+      </a:fillRef>
+      <a:effectRef idx="0">
+        <a:scrgbClr r="0" g="0" b="0"/>
+      </a:effectRef>
+      <a:fontRef idx="minor">
+        <a:schemeClr val="lt1"/>
+      </a:fontRef>
+    </dgm:style>
+  </dgm:styleLbl>
+  <dgm:styleLbl name="fgImgPlace1">
+    <dgm:scene3d>
+      <a:camera prst="orthographicFront"/>
+      <a:lightRig rig="threePt" dir="t"/>
+    </dgm:scene3d>
+    <dgm:sp3d/>
+    <dgm:txPr/>
+    <dgm:style>
+      <a:lnRef idx="2">
+        <a:scrgbClr r="0" g="0" b="0"/>
+      </a:lnRef>
+      <a:fillRef idx="1">
+        <a:scrgbClr r="0" g="0" b="0"/>
+      </a:fillRef>
+      <a:effectRef idx="0">
+        <a:scrgbClr r="0" g="0" b="0"/>
+      </a:effectRef>
+      <a:fontRef idx="minor"/>
+    </dgm:style>
+  </dgm:styleLbl>
+  <dgm:styleLbl name="alignImgPlace1">
+    <dgm:scene3d>
+      <a:camera prst="orthographicFront"/>
+      <a:lightRig rig="threePt" dir="t"/>
+    </dgm:scene3d>
+    <dgm:sp3d/>
+    <dgm:txPr/>
+    <dgm:style>
+      <a:lnRef idx="2">
+        <a:scrgbClr r="0" g="0" b="0"/>
+      </a:lnRef>
+      <a:fillRef idx="1">
+        <a:scrgbClr r="0" g="0" b="0"/>
+      </a:fillRef>
+      <a:effectRef idx="0">
+        <a:scrgbClr r="0" g="0" b="0"/>
+      </a:effectRef>
+      <a:fontRef idx="minor"/>
+    </dgm:style>
+  </dgm:styleLbl>
+  <dgm:styleLbl name="bgImgPlace1">
+    <dgm:scene3d>
+      <a:camera prst="orthographicFront"/>
+      <a:lightRig rig="threePt" dir="t"/>
+    </dgm:scene3d>
+    <dgm:sp3d/>
+    <dgm:txPr/>
+    <dgm:style>
+      <a:lnRef idx="2">
+        <a:scrgbClr r="0" g="0" b="0"/>
+      </a:lnRef>
+      <a:fillRef idx="1">
+        <a:scrgbClr r="0" g="0" b="0"/>
+      </a:fillRef>
+      <a:effectRef idx="0">
+        <a:scrgbClr r="0" g="0" b="0"/>
+      </a:effectRef>
+      <a:fontRef idx="minor"/>
+    </dgm:style>
+  </dgm:styleLbl>
+  <dgm:styleLbl name="sibTrans2D1">
+    <dgm:scene3d>
+      <a:camera prst="orthographicFront"/>
+      <a:lightRig rig="threePt" dir="t"/>
+    </dgm:scene3d>
+    <dgm:sp3d/>
+    <dgm:txPr/>
+    <dgm:style>
+      <a:lnRef idx="0">
+        <a:scrgbClr r="0" g="0" b="0"/>
+      </a:lnRef>
+      <a:fillRef idx="1">
+        <a:scrgbClr r="0" g="0" b="0"/>
+      </a:fillRef>
+      <a:effectRef idx="0">
+        <a:scrgbClr r="0" g="0" b="0"/>
+      </a:effectRef>
+      <a:fontRef idx="minor">
+        <a:schemeClr val="lt1"/>
+      </a:fontRef>
+    </dgm:style>
+  </dgm:styleLbl>
+  <dgm:styleLbl name="fgSibTrans2D1">
+    <dgm:scene3d>
+      <a:camera prst="orthographicFront"/>
+      <a:lightRig rig="threePt" dir="t"/>
+    </dgm:scene3d>
+    <dgm:sp3d/>
+    <dgm:txPr/>
+    <dgm:style>
+      <a:lnRef idx="0">
+        <a:scrgbClr r="0" g="0" b="0"/>
+      </a:lnRef>
+      <a:fillRef idx="1">
+        <a:scrgbClr r="0" g="0" b="0"/>
+      </a:fillRef>
+      <a:effectRef idx="0">
+        <a:scrgbClr r="0" g="0" b="0"/>
+      </a:effectRef>
+      <a:fontRef idx="minor">
+        <a:schemeClr val="lt1"/>
+      </a:fontRef>
+    </dgm:style>
+  </dgm:styleLbl>
+  <dgm:styleLbl name="bgSibTrans2D1">
+    <dgm:scene3d>
+      <a:camera prst="orthographicFront"/>
+      <a:lightRig rig="threePt" dir="t"/>
+    </dgm:scene3d>
+    <dgm:sp3d/>
+    <dgm:txPr/>
+    <dgm:style>
+      <a:lnRef idx="0">
+        <a:scrgbClr r="0" g="0" b="0"/>
+      </a:lnRef>
+      <a:fillRef idx="1">
+        <a:scrgbClr r="0" g="0" b="0"/>
+      </a:fillRef>
+      <a:effectRef idx="0">
+        <a:scrgbClr r="0" g="0" b="0"/>
+      </a:effectRef>
+      <a:fontRef idx="minor">
+        <a:schemeClr val="lt1"/>
+      </a:fontRef>
+    </dgm:style>
+  </dgm:styleLbl>
+  <dgm:styleLbl name="sibTrans1D1">
+    <dgm:scene3d>
+      <a:camera prst="orthographicFront"/>
+      <a:lightRig rig="threePt" dir="t"/>
+    </dgm:scene3d>
+    <dgm:sp3d/>
+    <dgm:txPr/>
+    <dgm:style>
+      <a:lnRef idx="1">
+        <a:scrgbClr r="0" g="0" b="0"/>
+      </a:lnRef>
+      <a:fillRef idx="0">
+        <a:scrgbClr r="0" g="0" b="0"/>
+      </a:fillRef>
+      <a:effectRef idx="0">
+        <a:scrgbClr r="0" g="0" b="0"/>
+      </a:effectRef>
+      <a:fontRef idx="minor"/>
+    </dgm:style>
+  </dgm:styleLbl>
+  <dgm:styleLbl name="callout">
+    <dgm:scene3d>
+      <a:camera prst="orthographicFront"/>
+      <a:lightRig rig="threePt" dir="t"/>
+    </dgm:scene3d>
+    <dgm:sp3d/>
+    <dgm:txPr/>
+    <dgm:style>
+      <a:lnRef idx="2">
+        <a:scrgbClr r="0" g="0" b="0"/>
+      </a:lnRef>
+      <a:fillRef idx="1">
+        <a:scrgbClr r="0" g="0" b="0"/>
+      </a:fillRef>
+      <a:effectRef idx="0">
+        <a:scrgbClr r="0" g="0" b="0"/>
+      </a:effectRef>
+      <a:fontRef idx="minor"/>
+    </dgm:style>
+  </dgm:styleLbl>
+  <dgm:styleLbl name="asst0">
+    <dgm:scene3d>
+      <a:camera prst="orthographicFront"/>
+      <a:lightRig rig="threePt" dir="t"/>
+    </dgm:scene3d>
+    <dgm:sp3d/>
+    <dgm:txPr/>
+    <dgm:style>
+      <a:lnRef idx="2">
+        <a:scrgbClr r="0" g="0" b="0"/>
+      </a:lnRef>
+      <a:fillRef idx="1">
+        <a:scrgbClr r="0" g="0" b="0"/>
+      </a:fillRef>
+      <a:effectRef idx="0">
+        <a:scrgbClr r="0" g="0" b="0"/>
+      </a:effectRef>
+      <a:fontRef idx="minor">
+        <a:schemeClr val="lt1"/>
+      </a:fontRef>
+    </dgm:style>
+  </dgm:styleLbl>
+  <dgm:styleLbl name="asst1">
+    <dgm:scene3d>
+      <a:camera prst="orthographicFront"/>
+      <a:lightRig rig="threePt" dir="t"/>
+    </dgm:scene3d>
+    <dgm:sp3d/>
+    <dgm:txPr/>
+    <dgm:style>
+      <a:lnRef idx="2">
+        <a:scrgbClr r="0" g="0" b="0"/>
+      </a:lnRef>
+      <a:fillRef idx="1">
+        <a:scrgbClr r="0" g="0" b="0"/>
+      </a:fillRef>
+      <a:effectRef idx="0">
+        <a:scrgbClr r="0" g="0" b="0"/>
+      </a:effectRef>
+      <a:fontRef idx="minor">
+        <a:schemeClr val="lt1"/>
+      </a:fontRef>
+    </dgm:style>
+  </dgm:styleLbl>
+  <dgm:styleLbl name="asst2">
+    <dgm:scene3d>
+      <a:camera prst="orthographicFront"/>
+      <a:lightRig rig="threePt" dir="t"/>
+    </dgm:scene3d>
+    <dgm:sp3d/>
+    <dgm:txPr/>
+    <dgm:style>
+      <a:lnRef idx="2">
+        <a:scrgbClr r="0" g="0" b="0"/>
+      </a:lnRef>
+      <a:fillRef idx="1">
+        <a:scrgbClr r="0" g="0" b="0"/>
+      </a:fillRef>
+      <a:effectRef idx="0">
+        <a:scrgbClr r="0" g="0" b="0"/>
+      </a:effectRef>
+      <a:fontRef idx="minor">
+        <a:schemeClr val="lt1"/>
+      </a:fontRef>
+    </dgm:style>
+  </dgm:styleLbl>
+  <dgm:styleLbl name="asst3">
+    <dgm:scene3d>
+      <a:camera prst="orthographicFront"/>
+      <a:lightRig rig="threePt" dir="t"/>
+    </dgm:scene3d>
+    <dgm:sp3d/>
+    <dgm:txPr/>
+    <dgm:style>
+      <a:lnRef idx="2">
+        <a:scrgbClr r="0" g="0" b="0"/>
+      </a:lnRef>
+      <a:fillRef idx="1">
+        <a:scrgbClr r="0" g="0" b="0"/>
+      </a:fillRef>
+      <a:effectRef idx="0">
+        <a:scrgbClr r="0" g="0" b="0"/>
+      </a:effectRef>
+      <a:fontRef idx="minor">
+        <a:schemeClr val="lt1"/>
+      </a:fontRef>
+    </dgm:style>
+  </dgm:styleLbl>
+  <dgm:styleLbl name="asst4">
+    <dgm:scene3d>
+      <a:camera prst="orthographicFront"/>
+      <a:lightRig rig="threePt" dir="t"/>
+    </dgm:scene3d>
+    <dgm:sp3d/>
+    <dgm:txPr/>
+    <dgm:style>
+      <a:lnRef idx="2">
+        <a:scrgbClr r="0" g="0" b="0"/>
+      </a:lnRef>
+      <a:fillRef idx="1">
+        <a:scrgbClr r="0" g="0" b="0"/>
+      </a:fillRef>
+      <a:effectRef idx="0">
+        <a:scrgbClr r="0" g="0" b="0"/>
+      </a:effectRef>
+      <a:fontRef idx="minor">
+        <a:schemeClr val="lt1"/>
+      </a:fontRef>
+    </dgm:style>
+  </dgm:styleLbl>
+  <dgm:styleLbl name="parChTrans2D1">
+    <dgm:scene3d>
+      <a:camera prst="orthographicFront"/>
+      <a:lightRig rig="threePt" dir="t"/>
+    </dgm:scene3d>
+    <dgm:sp3d/>
+    <dgm:txPr/>
+    <dgm:style>
+      <a:lnRef idx="2">
+        <a:scrgbClr r="0" g="0" b="0"/>
+      </a:lnRef>
+      <a:fillRef idx="1">
+        <a:scrgbClr r="0" g="0" b="0"/>
+      </a:fillRef>
+      <a:effectRef idx="0">
+        <a:scrgbClr r="0" g="0" b="0"/>
+      </a:effectRef>
+      <a:fontRef idx="minor">
+        <a:schemeClr val="lt1"/>
+      </a:fontRef>
+    </dgm:style>
+  </dgm:styleLbl>
+  <dgm:styleLbl name="parChTrans2D2">
+    <dgm:scene3d>
+      <a:camera prst="orthographicFront"/>
+      <a:lightRig rig="threePt" dir="t"/>
+    </dgm:scene3d>
+    <dgm:sp3d/>
+    <dgm:txPr/>
+    <dgm:style>
+      <a:lnRef idx="2">
+        <a:scrgbClr r="0" g="0" b="0"/>
+      </a:lnRef>
+      <a:fillRef idx="1">
+        <a:scrgbClr r="0" g="0" b="0"/>
+      </a:fillRef>
+      <a:effectRef idx="0">
+        <a:scrgbClr r="0" g="0" b="0"/>
+      </a:effectRef>
+      <a:fontRef idx="minor">
+        <a:schemeClr val="lt1"/>
+      </a:fontRef>
+    </dgm:style>
+  </dgm:styleLbl>
+  <dgm:styleLbl name="parChTrans2D3">
+    <dgm:scene3d>
+      <a:camera prst="orthographicFront"/>
+      <a:lightRig rig="threePt" dir="t"/>
+    </dgm:scene3d>
+    <dgm:sp3d/>
+    <dgm:txPr/>
+    <dgm:style>
+      <a:lnRef idx="2">
+        <a:scrgbClr r="0" g="0" b="0"/>
+      </a:lnRef>
+      <a:fillRef idx="1">
+        <a:scrgbClr r="0" g="0" b="0"/>
+      </a:fillRef>
+      <a:effectRef idx="0">
+        <a:scrgbClr r="0" g="0" b="0"/>
+      </a:effectRef>
+      <a:fontRef idx="minor">
+        <a:schemeClr val="lt1"/>
+      </a:fontRef>
+    </dgm:style>
+  </dgm:styleLbl>
+  <dgm:styleLbl name="parChTrans2D4">
+    <dgm:scene3d>
+      <a:camera prst="orthographicFront"/>
+      <a:lightRig rig="threePt" dir="t"/>
+    </dgm:scene3d>
+    <dgm:sp3d/>
+    <dgm:txPr/>
+    <dgm:style>
+      <a:lnRef idx="2">
+        <a:scrgbClr r="0" g="0" b="0"/>
+      </a:lnRef>
+      <a:fillRef idx="1">
+        <a:scrgbClr r="0" g="0" b="0"/>
+      </a:fillRef>
+      <a:effectRef idx="0">
+        <a:scrgbClr r="0" g="0" b="0"/>
+      </a:effectRef>
+      <a:fontRef idx="minor">
+        <a:schemeClr val="lt1"/>
+      </a:fontRef>
+    </dgm:style>
+  </dgm:styleLbl>
+  <dgm:styleLbl name="parChTrans1D1">
+    <dgm:scene3d>
+      <a:camera prst="orthographicFront"/>
+      <a:lightRig rig="threePt" dir="t"/>
+    </dgm:scene3d>
+    <dgm:sp3d/>
+    <dgm:txPr/>
+    <dgm:style>
+      <a:lnRef idx="2">
+        <a:scrgbClr r="0" g="0" b="0"/>
+      </a:lnRef>
+      <a:fillRef idx="0">
+        <a:scrgbClr r="0" g="0" b="0"/>
+      </a:fillRef>
+      <a:effectRef idx="0">
+        <a:scrgbClr r="0" g="0" b="0"/>
+      </a:effectRef>
+      <a:fontRef idx="minor"/>
+    </dgm:style>
+  </dgm:styleLbl>
+  <dgm:styleLbl name="parChTrans1D2">
+    <dgm:scene3d>
+      <a:camera prst="orthographicFront"/>
+      <a:lightRig rig="threePt" dir="t"/>
+    </dgm:scene3d>
+    <dgm:sp3d/>
+    <dgm:txPr/>
+    <dgm:style>
+      <a:lnRef idx="2">
+        <a:scrgbClr r="0" g="0" b="0"/>
+      </a:lnRef>
+      <a:fillRef idx="0">
+        <a:scrgbClr r="0" g="0" b="0"/>
+      </a:fillRef>
+      <a:effectRef idx="0">
+        <a:scrgbClr r="0" g="0" b="0"/>
+      </a:effectRef>
+      <a:fontRef idx="minor"/>
+    </dgm:style>
+  </dgm:styleLbl>
+  <dgm:styleLbl name="parChTrans1D3">
+    <dgm:scene3d>
+      <a:camera prst="orthographicFront"/>
+      <a:lightRig rig="threePt" dir="t"/>
+    </dgm:scene3d>
+    <dgm:sp3d/>
+    <dgm:txPr/>
+    <dgm:style>
+      <a:lnRef idx="2">
+        <a:scrgbClr r="0" g="0" b="0"/>
+      </a:lnRef>
+      <a:fillRef idx="0">
+        <a:scrgbClr r="0" g="0" b="0"/>
+      </a:fillRef>
+      <a:effectRef idx="0">
+        <a:scrgbClr r="0" g="0" b="0"/>
+      </a:effectRef>
+      <a:fontRef idx="minor"/>
+    </dgm:style>
+  </dgm:styleLbl>
+  <dgm:styleLbl name="parChTrans1D4">
+    <dgm:scene3d>
+      <a:camera prst="orthographicFront"/>
+      <a:lightRig rig="threePt" dir="t"/>
+    </dgm:scene3d>
+    <dgm:sp3d/>
+    <dgm:txPr/>
+    <dgm:style>
+      <a:lnRef idx="2">
+        <a:scrgbClr r="0" g="0" b="0"/>
+      </a:lnRef>
+      <a:fillRef idx="0">
+        <a:scrgbClr r="0" g="0" b="0"/>
+      </a:fillRef>
+      <a:effectRef idx="0">
+        <a:scrgbClr r="0" g="0" b="0"/>
+      </a:effectRef>
+      <a:fontRef idx="minor"/>
+    </dgm:style>
+  </dgm:styleLbl>
+  <dgm:styleLbl name="fgAcc1">
+    <dgm:scene3d>
+      <a:camera prst="orthographicFront"/>
+      <a:lightRig rig="threePt" dir="t"/>
+    </dgm:scene3d>
+    <dgm:sp3d/>
+    <dgm:txPr/>
+    <dgm:style>
+      <a:lnRef idx="2">
+        <a:scrgbClr r="0" g="0" b="0"/>
+      </a:lnRef>
+      <a:fillRef idx="1">
+        <a:scrgbClr r="0" g="0" b="0"/>
+      </a:fillRef>
+      <a:effectRef idx="0">
+        <a:scrgbClr r="0" g="0" b="0"/>
+      </a:effectRef>
+      <a:fontRef idx="minor"/>
+    </dgm:style>
+  </dgm:styleLbl>
+  <dgm:styleLbl name="conFgAcc1">
+    <dgm:scene3d>
+      <a:camera prst="orthographicFront"/>
+      <a:lightRig rig="threePt" dir="t"/>
+    </dgm:scene3d>
+    <dgm:sp3d/>
+    <dgm:txPr/>
+    <dgm:style>
+      <a:lnRef idx="2">
+        <a:scrgbClr r="0" g="0" b="0"/>
+      </a:lnRef>
+      <a:fillRef idx="1">
+        <a:scrgbClr r="0" g="0" b="0"/>
+      </a:fillRef>
+      <a:effectRef idx="0">
+        <a:scrgbClr r="0" g="0" b="0"/>
+      </a:effectRef>
+      <a:fontRef idx="minor"/>
+    </dgm:style>
+  </dgm:styleLbl>
+  <dgm:styleLbl name="alignAcc1">
+    <dgm:scene3d>
+      <a:camera prst="orthographicFront"/>
+      <a:lightRig rig="threePt" dir="t"/>
+    </dgm:scene3d>
+    <dgm:sp3d/>
+    <dgm:txPr/>
+    <dgm:style>
+      <a:lnRef idx="2">
+        <a:scrgbClr r="0" g="0" b="0"/>
+      </a:lnRef>
+      <a:fillRef idx="1">
+        <a:scrgbClr r="0" g="0" b="0"/>
+      </a:fillRef>
+      <a:effectRef idx="0">
+        <a:scrgbClr r="0" g="0" b="0"/>
+      </a:effectRef>
+      <a:fontRef idx="minor"/>
+    </dgm:style>
+  </dgm:styleLbl>
+  <dgm:styleLbl name="trAlignAcc1">
+    <dgm:scene3d>
+      <a:camera prst="orthographicFront"/>
+      <a:lightRig rig="threePt" dir="t"/>
+    </dgm:scene3d>
+    <dgm:sp3d/>
+    <dgm:txPr/>
+    <dgm:style>
+      <a:lnRef idx="1">
+        <a:scrgbClr r="0" g="0" b="0"/>
+      </a:lnRef>
+      <a:fillRef idx="1">
+        <a:scrgbClr r="0" g="0" b="0"/>
+      </a:fillRef>
+      <a:effectRef idx="0">
+        <a:scrgbClr r="0" g="0" b="0"/>
+      </a:effectRef>
+      <a:fontRef idx="minor"/>
+    </dgm:style>
+  </dgm:styleLbl>
+  <dgm:styleLbl name="bgAcc1">
+    <dgm:scene3d>
+      <a:camera prst="orthographicFront"/>
+      <a:lightRig rig="threePt" dir="t"/>
+    </dgm:scene3d>
+    <dgm:sp3d/>
+    <dgm:txPr/>
+    <dgm:style>
+      <a:lnRef idx="2">
+        <a:scrgbClr r="0" g="0" b="0"/>
+      </a:lnRef>
+      <a:fillRef idx="1">
+        <a:scrgbClr r="0" g="0" b="0"/>
+      </a:fillRef>
+      <a:effectRef idx="0">
+        <a:scrgbClr r="0" g="0" b="0"/>
+      </a:effectRef>
+      <a:fontRef idx="minor"/>
+    </dgm:style>
+  </dgm:styleLbl>
+  <dgm:styleLbl name="solidFgAcc1">
+    <dgm:scene3d>
+      <a:camera prst="orthographicFront"/>
+      <a:lightRig rig="threePt" dir="t"/>
+    </dgm:scene3d>
+    <dgm:sp3d/>
+    <dgm:txPr/>
+    <dgm:style>
+      <a:lnRef idx="2">
+        <a:scrgbClr r="0" g="0" b="0"/>
+      </a:lnRef>
+      <a:fillRef idx="1">
+        <a:scrgbClr r="0" g="0" b="0"/>
+      </a:fillRef>
+      <a:effectRef idx="0">
+        <a:scrgbClr r="0" g="0" b="0"/>
+      </a:effectRef>
+      <a:fontRef idx="minor"/>
+    </dgm:style>
+  </dgm:styleLbl>
+  <dgm:styleLbl name="solidAlignAcc1">
+    <dgm:scene3d>
+      <a:camera prst="orthographicFront"/>
+      <a:lightRig rig="threePt" dir="t"/>
+    </dgm:scene3d>
+    <dgm:sp3d/>
+    <dgm:txPr/>
+    <dgm:style>
+      <a:lnRef idx="2">
+        <a:scrgbClr r="0" g="0" b="0"/>
+      </a:lnRef>
+      <a:fillRef idx="1">
+        <a:scrgbClr r="0" g="0" b="0"/>
+      </a:fillRef>
+      <a:effectRef idx="0">
+        <a:scrgbClr r="0" g="0" b="0"/>
+      </a:effectRef>
+      <a:fontRef idx="minor"/>
+    </dgm:style>
+  </dgm:styleLbl>
+  <dgm:styleLbl name="solidBgAcc1">
+    <dgm:scene3d>
+      <a:camera prst="orthographicFront"/>
+      <a:lightRig rig="threePt" dir="t"/>
+    </dgm:scene3d>
+    <dgm:sp3d/>
+    <dgm:txPr/>
+    <dgm:style>
+      <a:lnRef idx="2">
+        <a:scrgbClr r="0" g="0" b="0"/>
+      </a:lnRef>
+      <a:fillRef idx="1">
+        <a:scrgbClr r="0" g="0" b="0"/>
+      </a:fillRef>
+      <a:effectRef idx="0">
+        <a:scrgbClr r="0" g="0" b="0"/>
+      </a:effectRef>
+      <a:fontRef idx="minor"/>
+    </dgm:style>
+  </dgm:styleLbl>
+  <dgm:styleLbl name="fgAccFollowNode1">
+    <dgm:scene3d>
+      <a:camera prst="orthographicFront"/>
+      <a:lightRig rig="threePt" dir="t"/>
+    </dgm:scene3d>
+    <dgm:sp3d/>
+    <dgm:txPr/>
+    <dgm:style>
+      <a:lnRef idx="2">
+        <a:scrgbClr r="0" g="0" b="0"/>
+      </a:lnRef>
+      <a:fillRef idx="1">
+        <a:scrgbClr r="0" g="0" b="0"/>
+      </a:fillRef>
+      <a:effectRef idx="0">
+        <a:scrgbClr r="0" g="0" b="0"/>
+      </a:effectRef>
+      <a:fontRef idx="minor"/>
+    </dgm:style>
+  </dgm:styleLbl>
+  <dgm:styleLbl name="alignAccFollowNode1">
+    <dgm:scene3d>
+      <a:camera prst="orthographicFront"/>
+      <a:lightRig rig="threePt" dir="t"/>
+    </dgm:scene3d>
+    <dgm:sp3d/>
+    <dgm:txPr/>
+    <dgm:style>
+      <a:lnRef idx="2">
+        <a:scrgbClr r="0" g="0" b="0"/>
+      </a:lnRef>
+      <a:fillRef idx="1">
+        <a:scrgbClr r="0" g="0" b="0"/>
+      </a:fillRef>
+      <a:effectRef idx="0">
+        <a:scrgbClr r="0" g="0" b="0"/>
+      </a:effectRef>
+      <a:fontRef idx="minor"/>
+    </dgm:style>
+  </dgm:styleLbl>
+  <dgm:styleLbl name="bgAccFollowNode1">
+    <dgm:scene3d>
+      <a:camera prst="orthographicFront"/>
+      <a:lightRig rig="threePt" dir="t"/>
+    </dgm:scene3d>
+    <dgm:sp3d/>
+    <dgm:txPr/>
+    <dgm:style>
+      <a:lnRef idx="2">
+        <a:scrgbClr r="0" g="0" b="0"/>
+      </a:lnRef>
+      <a:fillRef idx="1">
+        <a:scrgbClr r="0" g="0" b="0"/>
+      </a:fillRef>
+      <a:effectRef idx="0">
+        <a:scrgbClr r="0" g="0" b="0"/>
+      </a:effectRef>
+      <a:fontRef idx="minor"/>
+    </dgm:style>
+  </dgm:styleLbl>
+  <dgm:styleLbl name="fgAcc0">
+    <dgm:scene3d>
+      <a:camera prst="orthographicFront"/>
+      <a:lightRig rig="threePt" dir="t"/>
+    </dgm:scene3d>
+    <dgm:sp3d/>
+    <dgm:txPr/>
+    <dgm:style>
+      <a:lnRef idx="2">
+        <a:scrgbClr r="0" g="0" b="0"/>
+      </a:lnRef>
+      <a:fillRef idx="1">
+        <a:scrgbClr r="0" g="0" b="0"/>
+      </a:fillRef>
+      <a:effectRef idx="0">
+        <a:scrgbClr r="0" g="0" b="0"/>
+      </a:effectRef>
+      <a:fontRef idx="minor"/>
+    </dgm:style>
+  </dgm:styleLbl>
+  <dgm:styleLbl name="fgAcc2">
+    <dgm:scene3d>
+      <a:camera prst="orthographicFront"/>
+      <a:lightRig rig="threePt" dir="t"/>
+    </dgm:scene3d>
+    <dgm:sp3d/>
+    <dgm:txPr/>
+    <dgm:style>
+      <a:lnRef idx="2">
+        <a:scrgbClr r="0" g="0" b="0"/>
+      </a:lnRef>
+      <a:fillRef idx="1">
+        <a:scrgbClr r="0" g="0" b="0"/>
+      </a:fillRef>
+      <a:effectRef idx="0">
+        <a:scrgbClr r="0" g="0" b="0"/>
+      </a:effectRef>
+      <a:fontRef idx="minor"/>
+    </dgm:style>
+  </dgm:styleLbl>
+  <dgm:styleLbl name="fgAcc3">
+    <dgm:scene3d>
+      <a:camera prst="orthographicFront"/>
+      <a:lightRig rig="threePt" dir="t"/>
+    </dgm:scene3d>
+    <dgm:sp3d/>
+    <dgm:txPr/>
+    <dgm:style>
+      <a:lnRef idx="2">
+        <a:scrgbClr r="0" g="0" b="0"/>
+      </a:lnRef>
+      <a:fillRef idx="1">
+        <a:scrgbClr r="0" g="0" b="0"/>
+      </a:fillRef>
+      <a:effectRef idx="0">
+        <a:scrgbClr r="0" g="0" b="0"/>
+      </a:effectRef>
+      <a:fontRef idx="minor"/>
+    </dgm:style>
+  </dgm:styleLbl>
+  <dgm:styleLbl name="fgAcc4">
+    <dgm:scene3d>
+      <a:camera prst="orthographicFront"/>
+      <a:lightRig rig="threePt" dir="t"/>
+    </dgm:scene3d>
+    <dgm:sp3d/>
+    <dgm:txPr/>
+    <dgm:style>
+      <a:lnRef idx="2">
+        <a:scrgbClr r="0" g="0" b="0"/>
+      </a:lnRef>
+      <a:fillRef idx="1">
+        <a:scrgbClr r="0" g="0" b="0"/>
+      </a:fillRef>
+      <a:effectRef idx="0">
+        <a:scrgbClr r="0" g="0" b="0"/>
+      </a:effectRef>
+      <a:fontRef idx="minor"/>
+    </dgm:style>
+  </dgm:styleLbl>
+  <dgm:styleLbl name="bgShp">
+    <dgm:scene3d>
+      <a:camera prst="orthographicFront"/>
+      <a:lightRig rig="threePt" dir="t"/>
+    </dgm:scene3d>
+    <dgm:sp3d/>
+    <dgm:txPr/>
+    <dgm:style>
+      <a:lnRef idx="0">
+        <a:scrgbClr r="0" g="0" b="0"/>
+      </a:lnRef>
+      <a:fillRef idx="1">
+        <a:scrgbClr r="0" g="0" b="0"/>
+      </a:fillRef>
+      <a:effectRef idx="0">
+        <a:scrgbClr r="0" g="0" b="0"/>
+      </a:effectRef>
+      <a:fontRef idx="minor"/>
+    </dgm:style>
+  </dgm:styleLbl>
+  <dgm:styleLbl name="dkBgShp">
+    <dgm:scene3d>
+      <a:camera prst="orthographicFront"/>
+      <a:lightRig rig="threePt" dir="t"/>
+    </dgm:scene3d>
+    <dgm:sp3d/>
+    <dgm:txPr/>
+    <dgm:style>
+      <a:lnRef idx="0">
+        <a:scrgbClr r="0" g="0" b="0"/>
+      </a:lnRef>
+      <a:fillRef idx="1">
+        <a:scrgbClr r="0" g="0" b="0"/>
+      </a:fillRef>
+      <a:effectRef idx="0">
+        <a:scrgbClr r="0" g="0" b="0"/>
+      </a:effectRef>
+      <a:fontRef idx="minor"/>
+    </dgm:style>
+  </dgm:styleLbl>
+  <dgm:styleLbl name="trBgShp">
+    <dgm:scene3d>
+      <a:camera prst="orthographicFront"/>
+      <a:lightRig rig="threePt" dir="t"/>
+    </dgm:scene3d>
+    <dgm:sp3d/>
+    <dgm:txPr/>
+    <dgm:style>
+      <a:lnRef idx="0">
+        <a:scrgbClr r="0" g="0" b="0"/>
+      </a:lnRef>
+      <a:fillRef idx="1">
+        <a:scrgbClr r="0" g="0" b="0"/>
+      </a:fillRef>
+      <a:effectRef idx="0">
+        <a:scrgbClr r="0" g="0" b="0"/>
+      </a:effectRef>
+      <a:fontRef idx="minor"/>
+    </dgm:style>
+  </dgm:styleLbl>
+  <dgm:styleLbl name="fgShp">
+    <dgm:scene3d>
+      <a:camera prst="orthographicFront"/>
+      <a:lightRig rig="threePt" dir="t"/>
+    </dgm:scene3d>
+    <dgm:sp3d/>
+    <dgm:txPr/>
+    <dgm:style>
+      <a:lnRef idx="2">
+        <a:scrgbClr r="0" g="0" b="0"/>
+      </a:lnRef>
+      <a:fillRef idx="1">
+        <a:scrgbClr r="0" g="0" b="0"/>
+      </a:fillRef>
+      <a:effectRef idx="0">
+        <a:scrgbClr r="0" g="0" b="0"/>
+      </a:effectRef>
+      <a:fontRef idx="minor"/>
+    </dgm:style>
+  </dgm:styleLbl>
+  <dgm:styleLbl name="revTx">
+    <dgm:scene3d>
+      <a:camera prst="orthographicFront"/>
+      <a:lightRig rig="threePt" dir="t"/>
+    </dgm:scene3d>
+    <dgm:sp3d/>
+    <dgm:txPr/>
+    <dgm:style>
+      <a:lnRef idx="0">
+        <a:scrgbClr r="0" g="0" b="0"/>
+      </a:lnRef>
+      <a:fillRef idx="0">
+        <a:scrgbClr r="0" g="0" b="0"/>
+      </a:fillRef>
+      <a:effectRef idx="0">
+        <a:scrgbClr r="0" g="0" b="0"/>
+      </a:effectRef>
+      <a:fontRef idx="minor"/>
+    </dgm:style>
+  </dgm:styleLbl>
+</dgm:styleDef>
+</file>
+
+<file path=ppt/diagrams/quickStyle9.xml><?xml version="1.0" encoding="utf-8"?>
 <dgm:styleDef xmlns:dgm="http://schemas.openxmlformats.org/drawingml/2006/diagram" xmlns:a="http://schemas.openxmlformats.org/drawingml/2006/main" uniqueId="urn:microsoft.com/office/officeart/2005/8/quickstyle/simple1">
   <dgm:title val=""/>
   <dgm:desc val=""/>
@@ -22815,7 +25294,7 @@
           <a:p>
             <a:fld id="{2DA23E8D-1792-1541-9147-970A8DD8A355}" type="datetimeFigureOut">
               <a:rPr lang="en-US" smtClean="0"/>
-              <a:t>9/23/21</a:t>
+              <a:t>9/25/21</a:t>
             </a:fld>
             <a:endParaRPr lang="en-US" dirty="0"/>
           </a:p>
@@ -23818,7 +26297,7 @@
                 <a:latin typeface="Calibri"/>
               </a:rPr>
               <a:pPr/>
-              <a:t>9/23/21</a:t>
+              <a:t>9/25/21</a:t>
             </a:fld>
             <a:endParaRPr lang="en-US" dirty="0">
               <a:solidFill>
@@ -24071,7 +26550,7 @@
                 <a:latin typeface="Calibri"/>
               </a:rPr>
               <a:pPr/>
-              <a:t>9/23/21</a:t>
+              <a:t>9/25/21</a:t>
             </a:fld>
             <a:endParaRPr lang="en-US" dirty="0">
               <a:solidFill>
@@ -24286,7 +26765,7 @@
                 <a:latin typeface="Calibri"/>
               </a:rPr>
               <a:pPr/>
-              <a:t>9/23/21</a:t>
+              <a:t>9/25/21</a:t>
             </a:fld>
             <a:endParaRPr lang="en-US" dirty="0">
               <a:solidFill>
@@ -24684,7 +27163,7 @@
                 <a:latin typeface="Calibri"/>
               </a:rPr>
               <a:pPr/>
-              <a:t>9/23/21</a:t>
+              <a:t>9/25/21</a:t>
             </a:fld>
             <a:endParaRPr lang="en-US" dirty="0">
               <a:solidFill>
@@ -25026,7 +27505,7 @@
                 <a:latin typeface="Calibri"/>
               </a:rPr>
               <a:pPr/>
-              <a:t>9/23/21</a:t>
+              <a:t>9/25/21</a:t>
             </a:fld>
             <a:endParaRPr lang="en-US" dirty="0">
               <a:solidFill>
@@ -25354,7 +27833,7 @@
                 <a:latin typeface="Calibri"/>
               </a:rPr>
               <a:pPr/>
-              <a:t>9/23/21</a:t>
+              <a:t>9/25/21</a:t>
             </a:fld>
             <a:endParaRPr lang="en-US" dirty="0">
               <a:solidFill>
@@ -25843,7 +28322,7 @@
                 <a:latin typeface="Calibri"/>
               </a:rPr>
               <a:pPr/>
-              <a:t>9/23/21</a:t>
+              <a:t>9/25/21</a:t>
             </a:fld>
             <a:endParaRPr lang="en-US" dirty="0">
               <a:solidFill>
@@ -26026,7 +28505,7 @@
                 <a:latin typeface="Calibri"/>
               </a:rPr>
               <a:pPr/>
-              <a:t>9/23/21</a:t>
+              <a:t>9/25/21</a:t>
             </a:fld>
             <a:endParaRPr lang="en-US" dirty="0">
               <a:solidFill>
@@ -26272,7 +28751,7 @@
                 <a:latin typeface="Calibri"/>
               </a:rPr>
               <a:pPr/>
-              <a:t>9/23/21</a:t>
+              <a:t>9/25/21</a:t>
             </a:fld>
             <a:endParaRPr lang="en-US" dirty="0">
               <a:solidFill>
@@ -26614,7 +29093,7 @@
                 <a:latin typeface="Calibri"/>
               </a:rPr>
               <a:pPr/>
-              <a:t>9/23/21</a:t>
+              <a:t>9/25/21</a:t>
             </a:fld>
             <a:endParaRPr lang="en-US" dirty="0">
               <a:solidFill>
@@ -26906,7 +29385,7 @@
                 <a:latin typeface="Calibri"/>
               </a:rPr>
               <a:pPr/>
-              <a:t>9/23/21</a:t>
+              <a:t>9/25/21</a:t>
             </a:fld>
             <a:endParaRPr lang="en-US" dirty="0">
               <a:solidFill>
@@ -27156,7 +29635,7 @@
                 <a:latin typeface="Calibri"/>
               </a:rPr>
               <a:pPr defTabSz="914400"/>
-              <a:t>9/23/21</a:t>
+              <a:t>9/25/21</a:t>
             </a:fld>
             <a:endParaRPr lang="en-US" dirty="0">
               <a:solidFill>
@@ -28036,6 +30515,126 @@
           </a:fontRef>
         </p:style>
       </p:cxnSp>
+      <p:pic>
+        <p:nvPicPr>
+          <p:cNvPr id="13" name="Picture 12">
+            <a:extLst>
+              <a:ext uri="{FF2B5EF4-FFF2-40B4-BE49-F238E27FC236}">
+                <a16:creationId xmlns:a16="http://schemas.microsoft.com/office/drawing/2014/main" id="{70F8766E-84EB-3141-9A99-6C082202FE9E}"/>
+              </a:ext>
+            </a:extLst>
+          </p:cNvPr>
+          <p:cNvPicPr>
+            <a:picLocks noChangeAspect="1"/>
+          </p:cNvPicPr>
+          <p:nvPr/>
+        </p:nvPicPr>
+        <p:blipFill>
+          <a:blip r:embed="rId4"/>
+          <a:stretch>
+            <a:fillRect/>
+          </a:stretch>
+        </p:blipFill>
+        <p:spPr>
+          <a:xfrm>
+            <a:off x="7658559" y="1245319"/>
+            <a:ext cx="251446" cy="203091"/>
+          </a:xfrm>
+          <a:prstGeom prst="rect">
+            <a:avLst/>
+          </a:prstGeom>
+        </p:spPr>
+      </p:pic>
+      <p:pic>
+        <p:nvPicPr>
+          <p:cNvPr id="14" name="Picture 13">
+            <a:extLst>
+              <a:ext uri="{FF2B5EF4-FFF2-40B4-BE49-F238E27FC236}">
+                <a16:creationId xmlns:a16="http://schemas.microsoft.com/office/drawing/2014/main" id="{50108AC8-4CD4-0242-80BE-9CAF792AB8C4}"/>
+              </a:ext>
+            </a:extLst>
+          </p:cNvPr>
+          <p:cNvPicPr>
+            <a:picLocks noChangeAspect="1"/>
+          </p:cNvPicPr>
+          <p:nvPr/>
+        </p:nvPicPr>
+        <p:blipFill>
+          <a:blip r:embed="rId5"/>
+          <a:stretch>
+            <a:fillRect/>
+          </a:stretch>
+        </p:blipFill>
+        <p:spPr>
+          <a:xfrm>
+            <a:off x="4929269" y="3158415"/>
+            <a:ext cx="268688" cy="217017"/>
+          </a:xfrm>
+          <a:prstGeom prst="rect">
+            <a:avLst/>
+          </a:prstGeom>
+        </p:spPr>
+      </p:pic>
+      <p:pic>
+        <p:nvPicPr>
+          <p:cNvPr id="15" name="Picture 14">
+            <a:extLst>
+              <a:ext uri="{FF2B5EF4-FFF2-40B4-BE49-F238E27FC236}">
+                <a16:creationId xmlns:a16="http://schemas.microsoft.com/office/drawing/2014/main" id="{D2933D79-2ED2-3045-BFB6-3339F671788F}"/>
+              </a:ext>
+            </a:extLst>
+          </p:cNvPr>
+          <p:cNvPicPr>
+            <a:picLocks noChangeAspect="1"/>
+          </p:cNvPicPr>
+          <p:nvPr/>
+        </p:nvPicPr>
+        <p:blipFill>
+          <a:blip r:embed="rId5"/>
+          <a:stretch>
+            <a:fillRect/>
+          </a:stretch>
+        </p:blipFill>
+        <p:spPr>
+          <a:xfrm>
+            <a:off x="6754729" y="3149280"/>
+            <a:ext cx="268688" cy="217017"/>
+          </a:xfrm>
+          <a:prstGeom prst="rect">
+            <a:avLst/>
+          </a:prstGeom>
+        </p:spPr>
+      </p:pic>
+      <p:pic>
+        <p:nvPicPr>
+          <p:cNvPr id="16" name="Picture 15">
+            <a:extLst>
+              <a:ext uri="{FF2B5EF4-FFF2-40B4-BE49-F238E27FC236}">
+                <a16:creationId xmlns:a16="http://schemas.microsoft.com/office/drawing/2014/main" id="{71315AB9-E0B8-294A-9342-8EB93C60BF4A}"/>
+              </a:ext>
+            </a:extLst>
+          </p:cNvPr>
+          <p:cNvPicPr>
+            <a:picLocks noChangeAspect="1"/>
+          </p:cNvPicPr>
+          <p:nvPr/>
+        </p:nvPicPr>
+        <p:blipFill>
+          <a:blip r:embed="rId5"/>
+          <a:stretch>
+            <a:fillRect/>
+          </a:stretch>
+        </p:blipFill>
+        <p:spPr>
+          <a:xfrm>
+            <a:off x="8562388" y="3149279"/>
+            <a:ext cx="268688" cy="217017"/>
+          </a:xfrm>
+          <a:prstGeom prst="rect">
+            <a:avLst/>
+          </a:prstGeom>
+        </p:spPr>
+      </p:pic>
     </p:spTree>
     <p:extLst>
       <p:ext uri="{BB962C8B-B14F-4D97-AF65-F5344CB8AC3E}">
@@ -28337,6 +30936,96 @@
           </a:fontRef>
         </p:style>
       </p:cxnSp>
+      <p:pic>
+        <p:nvPicPr>
+          <p:cNvPr id="13" name="Picture 12">
+            <a:extLst>
+              <a:ext uri="{FF2B5EF4-FFF2-40B4-BE49-F238E27FC236}">
+                <a16:creationId xmlns:a16="http://schemas.microsoft.com/office/drawing/2014/main" id="{9791CC2B-ACA6-2147-9298-5A323BBA0CF7}"/>
+              </a:ext>
+            </a:extLst>
+          </p:cNvPr>
+          <p:cNvPicPr>
+            <a:picLocks noChangeAspect="1"/>
+          </p:cNvPicPr>
+          <p:nvPr/>
+        </p:nvPicPr>
+        <p:blipFill>
+          <a:blip r:embed="rId4"/>
+          <a:stretch>
+            <a:fillRect/>
+          </a:stretch>
+        </p:blipFill>
+        <p:spPr>
+          <a:xfrm>
+            <a:off x="7658559" y="1245319"/>
+            <a:ext cx="251446" cy="203091"/>
+          </a:xfrm>
+          <a:prstGeom prst="rect">
+            <a:avLst/>
+          </a:prstGeom>
+        </p:spPr>
+      </p:pic>
+      <p:pic>
+        <p:nvPicPr>
+          <p:cNvPr id="14" name="Picture 13">
+            <a:extLst>
+              <a:ext uri="{FF2B5EF4-FFF2-40B4-BE49-F238E27FC236}">
+                <a16:creationId xmlns:a16="http://schemas.microsoft.com/office/drawing/2014/main" id="{91A19C76-BFC9-534B-9906-6F8D9DBD6497}"/>
+              </a:ext>
+            </a:extLst>
+          </p:cNvPr>
+          <p:cNvPicPr>
+            <a:picLocks noChangeAspect="1"/>
+          </p:cNvPicPr>
+          <p:nvPr/>
+        </p:nvPicPr>
+        <p:blipFill>
+          <a:blip r:embed="rId5"/>
+          <a:stretch>
+            <a:fillRect/>
+          </a:stretch>
+        </p:blipFill>
+        <p:spPr>
+          <a:xfrm>
+            <a:off x="4929269" y="3158415"/>
+            <a:ext cx="268688" cy="217017"/>
+          </a:xfrm>
+          <a:prstGeom prst="rect">
+            <a:avLst/>
+          </a:prstGeom>
+        </p:spPr>
+      </p:pic>
+      <p:pic>
+        <p:nvPicPr>
+          <p:cNvPr id="15" name="Picture 14">
+            <a:extLst>
+              <a:ext uri="{FF2B5EF4-FFF2-40B4-BE49-F238E27FC236}">
+                <a16:creationId xmlns:a16="http://schemas.microsoft.com/office/drawing/2014/main" id="{90274A8A-914E-C34A-8DA3-EE22ED51F40E}"/>
+              </a:ext>
+            </a:extLst>
+          </p:cNvPr>
+          <p:cNvPicPr>
+            <a:picLocks noChangeAspect="1"/>
+          </p:cNvPicPr>
+          <p:nvPr/>
+        </p:nvPicPr>
+        <p:blipFill>
+          <a:blip r:embed="rId5"/>
+          <a:stretch>
+            <a:fillRect/>
+          </a:stretch>
+        </p:blipFill>
+        <p:spPr>
+          <a:xfrm>
+            <a:off x="8571362" y="3151972"/>
+            <a:ext cx="268688" cy="217017"/>
+          </a:xfrm>
+          <a:prstGeom prst="rect">
+            <a:avLst/>
+          </a:prstGeom>
+        </p:spPr>
+      </p:pic>
       <p:cxnSp>
         <p:nvCxnSpPr>
           <p:cNvPr id="10" name="Straight Connector 9">
@@ -28380,6 +31069,36 @@
           </a:fontRef>
         </p:style>
       </p:cxnSp>
+      <p:pic>
+        <p:nvPicPr>
+          <p:cNvPr id="17" name="Picture 16">
+            <a:extLst>
+              <a:ext uri="{FF2B5EF4-FFF2-40B4-BE49-F238E27FC236}">
+                <a16:creationId xmlns:a16="http://schemas.microsoft.com/office/drawing/2014/main" id="{C6215B75-BF78-8547-B623-EEEE7C57A35F}"/>
+              </a:ext>
+            </a:extLst>
+          </p:cNvPr>
+          <p:cNvPicPr>
+            <a:picLocks noChangeAspect="1"/>
+          </p:cNvPicPr>
+          <p:nvPr/>
+        </p:nvPicPr>
+        <p:blipFill>
+          <a:blip r:embed="rId5"/>
+          <a:stretch>
+            <a:fillRect/>
+          </a:stretch>
+        </p:blipFill>
+        <p:spPr>
+          <a:xfrm>
+            <a:off x="6743526" y="3141434"/>
+            <a:ext cx="268688" cy="217017"/>
+          </a:xfrm>
+          <a:prstGeom prst="rect">
+            <a:avLst/>
+          </a:prstGeom>
+        </p:spPr>
+      </p:pic>
       <p:cxnSp>
         <p:nvCxnSpPr>
           <p:cNvPr id="12" name="Straight Connector 11">
@@ -28685,6 +31404,36 @@
           </a:fontRef>
         </p:style>
       </p:cxnSp>
+      <p:pic>
+        <p:nvPicPr>
+          <p:cNvPr id="8" name="Picture 7">
+            <a:extLst>
+              <a:ext uri="{FF2B5EF4-FFF2-40B4-BE49-F238E27FC236}">
+                <a16:creationId xmlns:a16="http://schemas.microsoft.com/office/drawing/2014/main" id="{850243AA-F72E-1840-8C36-FF302B5570C3}"/>
+              </a:ext>
+            </a:extLst>
+          </p:cNvPr>
+          <p:cNvPicPr>
+            <a:picLocks noChangeAspect="1"/>
+          </p:cNvPicPr>
+          <p:nvPr/>
+        </p:nvPicPr>
+        <p:blipFill>
+          <a:blip r:embed="rId4"/>
+          <a:stretch>
+            <a:fillRect/>
+          </a:stretch>
+        </p:blipFill>
+        <p:spPr>
+          <a:xfrm>
+            <a:off x="7658559" y="1245319"/>
+            <a:ext cx="251446" cy="203091"/>
+          </a:xfrm>
+          <a:prstGeom prst="rect">
+            <a:avLst/>
+          </a:prstGeom>
+        </p:spPr>
+      </p:pic>
       <p:cxnSp>
         <p:nvCxnSpPr>
           <p:cNvPr id="13" name="Straight Connector 12">
@@ -28728,6 +31477,96 @@
           </a:fontRef>
         </p:style>
       </p:cxnSp>
+      <p:pic>
+        <p:nvPicPr>
+          <p:cNvPr id="9" name="Picture 8">
+            <a:extLst>
+              <a:ext uri="{FF2B5EF4-FFF2-40B4-BE49-F238E27FC236}">
+                <a16:creationId xmlns:a16="http://schemas.microsoft.com/office/drawing/2014/main" id="{6E9112B5-1228-F241-8989-B2EB007AFBA2}"/>
+              </a:ext>
+            </a:extLst>
+          </p:cNvPr>
+          <p:cNvPicPr>
+            <a:picLocks noChangeAspect="1"/>
+          </p:cNvPicPr>
+          <p:nvPr/>
+        </p:nvPicPr>
+        <p:blipFill>
+          <a:blip r:embed="rId5"/>
+          <a:stretch>
+            <a:fillRect/>
+          </a:stretch>
+        </p:blipFill>
+        <p:spPr>
+          <a:xfrm>
+            <a:off x="4929269" y="3158415"/>
+            <a:ext cx="268688" cy="217017"/>
+          </a:xfrm>
+          <a:prstGeom prst="rect">
+            <a:avLst/>
+          </a:prstGeom>
+        </p:spPr>
+      </p:pic>
+      <p:pic>
+        <p:nvPicPr>
+          <p:cNvPr id="10" name="Picture 9">
+            <a:extLst>
+              <a:ext uri="{FF2B5EF4-FFF2-40B4-BE49-F238E27FC236}">
+                <a16:creationId xmlns:a16="http://schemas.microsoft.com/office/drawing/2014/main" id="{691B779D-0ED8-C04F-9A5B-095FD8AFD94A}"/>
+              </a:ext>
+            </a:extLst>
+          </p:cNvPr>
+          <p:cNvPicPr>
+            <a:picLocks noChangeAspect="1"/>
+          </p:cNvPicPr>
+          <p:nvPr/>
+        </p:nvPicPr>
+        <p:blipFill>
+          <a:blip r:embed="rId5"/>
+          <a:stretch>
+            <a:fillRect/>
+          </a:stretch>
+        </p:blipFill>
+        <p:spPr>
+          <a:xfrm>
+            <a:off x="6727292" y="3132279"/>
+            <a:ext cx="268688" cy="217017"/>
+          </a:xfrm>
+          <a:prstGeom prst="rect">
+            <a:avLst/>
+          </a:prstGeom>
+        </p:spPr>
+      </p:pic>
+      <p:pic>
+        <p:nvPicPr>
+          <p:cNvPr id="12" name="Picture 11">
+            <a:extLst>
+              <a:ext uri="{FF2B5EF4-FFF2-40B4-BE49-F238E27FC236}">
+                <a16:creationId xmlns:a16="http://schemas.microsoft.com/office/drawing/2014/main" id="{8080A376-0D77-7B45-AE27-59C1CAD00628}"/>
+              </a:ext>
+            </a:extLst>
+          </p:cNvPr>
+          <p:cNvPicPr>
+            <a:picLocks noChangeAspect="1"/>
+          </p:cNvPicPr>
+          <p:nvPr/>
+        </p:nvPicPr>
+        <p:blipFill>
+          <a:blip r:embed="rId5"/>
+          <a:stretch>
+            <a:fillRect/>
+          </a:stretch>
+        </p:blipFill>
+        <p:spPr>
+          <a:xfrm>
+            <a:off x="8544341" y="3158414"/>
+            <a:ext cx="268688" cy="217017"/>
+          </a:xfrm>
+          <a:prstGeom prst="rect">
+            <a:avLst/>
+          </a:prstGeom>
+        </p:spPr>
+      </p:pic>
     </p:spTree>
     <p:extLst>
       <p:ext uri="{BB962C8B-B14F-4D97-AF65-F5344CB8AC3E}">
@@ -29089,6 +31928,126 @@
           </a:fontRef>
         </p:style>
       </p:cxnSp>
+      <p:pic>
+        <p:nvPicPr>
+          <p:cNvPr id="13" name="Picture 12">
+            <a:extLst>
+              <a:ext uri="{FF2B5EF4-FFF2-40B4-BE49-F238E27FC236}">
+                <a16:creationId xmlns:a16="http://schemas.microsoft.com/office/drawing/2014/main" id="{5FBC924D-1AF7-E847-ADCF-5B7DA5F37AD7}"/>
+              </a:ext>
+            </a:extLst>
+          </p:cNvPr>
+          <p:cNvPicPr>
+            <a:picLocks noChangeAspect="1"/>
+          </p:cNvPicPr>
+          <p:nvPr/>
+        </p:nvPicPr>
+        <p:blipFill>
+          <a:blip r:embed="rId4"/>
+          <a:stretch>
+            <a:fillRect/>
+          </a:stretch>
+        </p:blipFill>
+        <p:spPr>
+          <a:xfrm>
+            <a:off x="7658559" y="1245319"/>
+            <a:ext cx="251446" cy="203091"/>
+          </a:xfrm>
+          <a:prstGeom prst="rect">
+            <a:avLst/>
+          </a:prstGeom>
+        </p:spPr>
+      </p:pic>
+      <p:pic>
+        <p:nvPicPr>
+          <p:cNvPr id="14" name="Picture 13">
+            <a:extLst>
+              <a:ext uri="{FF2B5EF4-FFF2-40B4-BE49-F238E27FC236}">
+                <a16:creationId xmlns:a16="http://schemas.microsoft.com/office/drawing/2014/main" id="{3AFBEF55-D5FC-7446-886A-84D62EC40517}"/>
+              </a:ext>
+            </a:extLst>
+          </p:cNvPr>
+          <p:cNvPicPr>
+            <a:picLocks noChangeAspect="1"/>
+          </p:cNvPicPr>
+          <p:nvPr/>
+        </p:nvPicPr>
+        <p:blipFill>
+          <a:blip r:embed="rId5"/>
+          <a:stretch>
+            <a:fillRect/>
+          </a:stretch>
+        </p:blipFill>
+        <p:spPr>
+          <a:xfrm>
+            <a:off x="4922078" y="3145234"/>
+            <a:ext cx="268688" cy="217017"/>
+          </a:xfrm>
+          <a:prstGeom prst="rect">
+            <a:avLst/>
+          </a:prstGeom>
+        </p:spPr>
+      </p:pic>
+      <p:pic>
+        <p:nvPicPr>
+          <p:cNvPr id="15" name="Picture 14">
+            <a:extLst>
+              <a:ext uri="{FF2B5EF4-FFF2-40B4-BE49-F238E27FC236}">
+                <a16:creationId xmlns:a16="http://schemas.microsoft.com/office/drawing/2014/main" id="{D9E35CD5-9090-AE44-803F-1C405F4FDDD8}"/>
+              </a:ext>
+            </a:extLst>
+          </p:cNvPr>
+          <p:cNvPicPr>
+            <a:picLocks noChangeAspect="1"/>
+          </p:cNvPicPr>
+          <p:nvPr/>
+        </p:nvPicPr>
+        <p:blipFill>
+          <a:blip r:embed="rId5"/>
+          <a:stretch>
+            <a:fillRect/>
+          </a:stretch>
+        </p:blipFill>
+        <p:spPr>
+          <a:xfrm>
+            <a:off x="6754729" y="3145236"/>
+            <a:ext cx="268688" cy="217017"/>
+          </a:xfrm>
+          <a:prstGeom prst="rect">
+            <a:avLst/>
+          </a:prstGeom>
+        </p:spPr>
+      </p:pic>
+      <p:pic>
+        <p:nvPicPr>
+          <p:cNvPr id="16" name="Picture 15">
+            <a:extLst>
+              <a:ext uri="{FF2B5EF4-FFF2-40B4-BE49-F238E27FC236}">
+                <a16:creationId xmlns:a16="http://schemas.microsoft.com/office/drawing/2014/main" id="{30EE0C6E-1301-A144-A933-44F6ABFA8B97}"/>
+              </a:ext>
+            </a:extLst>
+          </p:cNvPr>
+          <p:cNvPicPr>
+            <a:picLocks noChangeAspect="1"/>
+          </p:cNvPicPr>
+          <p:nvPr/>
+        </p:nvPicPr>
+        <p:blipFill>
+          <a:blip r:embed="rId5"/>
+          <a:stretch>
+            <a:fillRect/>
+          </a:stretch>
+        </p:blipFill>
+        <p:spPr>
+          <a:xfrm>
+            <a:off x="8580189" y="3145235"/>
+            <a:ext cx="268688" cy="217017"/>
+          </a:xfrm>
+          <a:prstGeom prst="rect">
+            <a:avLst/>
+          </a:prstGeom>
+        </p:spPr>
+      </p:pic>
       <p:cxnSp>
         <p:nvCxnSpPr>
           <p:cNvPr id="12" name="Straight Connector 11">
@@ -29385,6 +32344,126 @@
           <a:xfrm>
             <a:off x="4040184" y="563845"/>
             <a:ext cx="5043438" cy="3392858"/>
+          </a:xfrm>
+          <a:prstGeom prst="rect">
+            <a:avLst/>
+          </a:prstGeom>
+        </p:spPr>
+      </p:pic>
+      <p:pic>
+        <p:nvPicPr>
+          <p:cNvPr id="6" name="Picture 5">
+            <a:extLst>
+              <a:ext uri="{FF2B5EF4-FFF2-40B4-BE49-F238E27FC236}">
+                <a16:creationId xmlns:a16="http://schemas.microsoft.com/office/drawing/2014/main" id="{DEDFE68F-81D0-DC4F-8EAC-AF08053E6BE1}"/>
+              </a:ext>
+            </a:extLst>
+          </p:cNvPr>
+          <p:cNvPicPr>
+            <a:picLocks noChangeAspect="1"/>
+          </p:cNvPicPr>
+          <p:nvPr/>
+        </p:nvPicPr>
+        <p:blipFill>
+          <a:blip r:embed="rId4"/>
+          <a:stretch>
+            <a:fillRect/>
+          </a:stretch>
+        </p:blipFill>
+        <p:spPr>
+          <a:xfrm>
+            <a:off x="7658559" y="1245319"/>
+            <a:ext cx="251446" cy="203091"/>
+          </a:xfrm>
+          <a:prstGeom prst="rect">
+            <a:avLst/>
+          </a:prstGeom>
+        </p:spPr>
+      </p:pic>
+      <p:pic>
+        <p:nvPicPr>
+          <p:cNvPr id="7" name="Picture 6">
+            <a:extLst>
+              <a:ext uri="{FF2B5EF4-FFF2-40B4-BE49-F238E27FC236}">
+                <a16:creationId xmlns:a16="http://schemas.microsoft.com/office/drawing/2014/main" id="{2A3BC4F5-9F9F-5444-9404-F2FAEF0607FD}"/>
+              </a:ext>
+            </a:extLst>
+          </p:cNvPr>
+          <p:cNvPicPr>
+            <a:picLocks noChangeAspect="1"/>
+          </p:cNvPicPr>
+          <p:nvPr/>
+        </p:nvPicPr>
+        <p:blipFill>
+          <a:blip r:embed="rId5"/>
+          <a:stretch>
+            <a:fillRect/>
+          </a:stretch>
+        </p:blipFill>
+        <p:spPr>
+          <a:xfrm>
+            <a:off x="4929269" y="3158415"/>
+            <a:ext cx="268688" cy="217017"/>
+          </a:xfrm>
+          <a:prstGeom prst="rect">
+            <a:avLst/>
+          </a:prstGeom>
+        </p:spPr>
+      </p:pic>
+      <p:pic>
+        <p:nvPicPr>
+          <p:cNvPr id="8" name="Picture 7">
+            <a:extLst>
+              <a:ext uri="{FF2B5EF4-FFF2-40B4-BE49-F238E27FC236}">
+                <a16:creationId xmlns:a16="http://schemas.microsoft.com/office/drawing/2014/main" id="{B3B7E696-5576-5641-A781-74CE1AF970F2}"/>
+              </a:ext>
+            </a:extLst>
+          </p:cNvPr>
+          <p:cNvPicPr>
+            <a:picLocks noChangeAspect="1"/>
+          </p:cNvPicPr>
+          <p:nvPr/>
+        </p:nvPicPr>
+        <p:blipFill>
+          <a:blip r:embed="rId5"/>
+          <a:stretch>
+            <a:fillRect/>
+          </a:stretch>
+        </p:blipFill>
+        <p:spPr>
+          <a:xfrm>
+            <a:off x="8539205" y="3149281"/>
+            <a:ext cx="268688" cy="217017"/>
+          </a:xfrm>
+          <a:prstGeom prst="rect">
+            <a:avLst/>
+          </a:prstGeom>
+        </p:spPr>
+      </p:pic>
+      <p:pic>
+        <p:nvPicPr>
+          <p:cNvPr id="9" name="Picture 8">
+            <a:extLst>
+              <a:ext uri="{FF2B5EF4-FFF2-40B4-BE49-F238E27FC236}">
+                <a16:creationId xmlns:a16="http://schemas.microsoft.com/office/drawing/2014/main" id="{66113841-010B-394B-90A3-B24C619E5F7A}"/>
+              </a:ext>
+            </a:extLst>
+          </p:cNvPr>
+          <p:cNvPicPr>
+            <a:picLocks noChangeAspect="1"/>
+          </p:cNvPicPr>
+          <p:nvPr/>
+        </p:nvPicPr>
+        <p:blipFill>
+          <a:blip r:embed="rId5"/>
+          <a:stretch>
+            <a:fillRect/>
+          </a:stretch>
+        </p:blipFill>
+        <p:spPr>
+          <a:xfrm>
+            <a:off x="6737757" y="3149281"/>
+            <a:ext cx="268688" cy="217017"/>
           </a:xfrm>
           <a:prstGeom prst="rect">
             <a:avLst/>
@@ -29645,6 +32724,126 @@
           </a:prstGeom>
         </p:spPr>
       </p:pic>
+      <p:pic>
+        <p:nvPicPr>
+          <p:cNvPr id="8" name="Picture 7">
+            <a:extLst>
+              <a:ext uri="{FF2B5EF4-FFF2-40B4-BE49-F238E27FC236}">
+                <a16:creationId xmlns:a16="http://schemas.microsoft.com/office/drawing/2014/main" id="{DE50B1D6-BC48-C14B-B512-BD14168588AD}"/>
+              </a:ext>
+            </a:extLst>
+          </p:cNvPr>
+          <p:cNvPicPr>
+            <a:picLocks noChangeAspect="1"/>
+          </p:cNvPicPr>
+          <p:nvPr/>
+        </p:nvPicPr>
+        <p:blipFill>
+          <a:blip r:embed="rId4"/>
+          <a:stretch>
+            <a:fillRect/>
+          </a:stretch>
+        </p:blipFill>
+        <p:spPr>
+          <a:xfrm>
+            <a:off x="7448364" y="1543052"/>
+            <a:ext cx="251446" cy="203091"/>
+          </a:xfrm>
+          <a:prstGeom prst="rect">
+            <a:avLst/>
+          </a:prstGeom>
+        </p:spPr>
+      </p:pic>
+      <p:pic>
+        <p:nvPicPr>
+          <p:cNvPr id="9" name="Picture 8">
+            <a:extLst>
+              <a:ext uri="{FF2B5EF4-FFF2-40B4-BE49-F238E27FC236}">
+                <a16:creationId xmlns:a16="http://schemas.microsoft.com/office/drawing/2014/main" id="{6A407332-73F1-CC4B-A525-24106D93C47C}"/>
+              </a:ext>
+            </a:extLst>
+          </p:cNvPr>
+          <p:cNvPicPr>
+            <a:picLocks noChangeAspect="1"/>
+          </p:cNvPicPr>
+          <p:nvPr/>
+        </p:nvPicPr>
+        <p:blipFill>
+          <a:blip r:embed="rId5"/>
+          <a:stretch>
+            <a:fillRect/>
+          </a:stretch>
+        </p:blipFill>
+        <p:spPr>
+          <a:xfrm>
+            <a:off x="8330069" y="3492089"/>
+            <a:ext cx="268688" cy="217017"/>
+          </a:xfrm>
+          <a:prstGeom prst="rect">
+            <a:avLst/>
+          </a:prstGeom>
+        </p:spPr>
+      </p:pic>
+      <p:pic>
+        <p:nvPicPr>
+          <p:cNvPr id="10" name="Picture 9">
+            <a:extLst>
+              <a:ext uri="{FF2B5EF4-FFF2-40B4-BE49-F238E27FC236}">
+                <a16:creationId xmlns:a16="http://schemas.microsoft.com/office/drawing/2014/main" id="{446E3FCB-CF46-5E44-93B2-418BCC9DD496}"/>
+              </a:ext>
+            </a:extLst>
+          </p:cNvPr>
+          <p:cNvPicPr>
+            <a:picLocks noChangeAspect="1"/>
+          </p:cNvPicPr>
+          <p:nvPr/>
+        </p:nvPicPr>
+        <p:blipFill>
+          <a:blip r:embed="rId5"/>
+          <a:stretch>
+            <a:fillRect/>
+          </a:stretch>
+        </p:blipFill>
+        <p:spPr>
+          <a:xfrm>
+            <a:off x="4687115" y="3492090"/>
+            <a:ext cx="268688" cy="217017"/>
+          </a:xfrm>
+          <a:prstGeom prst="rect">
+            <a:avLst/>
+          </a:prstGeom>
+        </p:spPr>
+      </p:pic>
+      <p:pic>
+        <p:nvPicPr>
+          <p:cNvPr id="12" name="Picture 11">
+            <a:extLst>
+              <a:ext uri="{FF2B5EF4-FFF2-40B4-BE49-F238E27FC236}">
+                <a16:creationId xmlns:a16="http://schemas.microsoft.com/office/drawing/2014/main" id="{D9C550D2-41B3-3649-B73C-0199CAF917C4}"/>
+              </a:ext>
+            </a:extLst>
+          </p:cNvPr>
+          <p:cNvPicPr>
+            <a:picLocks noChangeAspect="1"/>
+          </p:cNvPicPr>
+          <p:nvPr/>
+        </p:nvPicPr>
+        <p:blipFill>
+          <a:blip r:embed="rId5"/>
+          <a:stretch>
+            <a:fillRect/>
+          </a:stretch>
+        </p:blipFill>
+        <p:spPr>
+          <a:xfrm>
+            <a:off x="6508592" y="3500477"/>
+            <a:ext cx="268688" cy="217017"/>
+          </a:xfrm>
+          <a:prstGeom prst="rect">
+            <a:avLst/>
+          </a:prstGeom>
+        </p:spPr>
+      </p:pic>
     </p:spTree>
     <p:extLst>
       <p:ext uri="{BB962C8B-B14F-4D97-AF65-F5344CB8AC3E}">
@@ -29744,15 +32943,15 @@
             </a:pPr>
             <a:r>
               <a:rPr lang="en-US" dirty="0"/>
-              <a:t>Point the bins ‘</a:t>
-            </a:r>
-            <a:r>
-              <a:rPr lang="en-US" i="1" dirty="0"/>
-              <a:t>bck</a:t>
+              <a:t>Point the </a:t>
+            </a:r>
+            <a:r>
+              <a:rPr lang="en-US" b="1" i="1" u="sng" dirty="0"/>
+              <a:t>bins ‘bk’</a:t>
             </a:r>
             <a:r>
               <a:rPr lang="en-US" dirty="0"/>
-              <a:t>’ to the </a:t>
+              <a:t> to the </a:t>
             </a:r>
             <a:r>
               <a:rPr lang="en-US" b="1" i="1" dirty="0"/>
@@ -29782,7 +32981,7 @@
             </a:r>
             <a:r>
               <a:rPr lang="en-US" dirty="0"/>
-              <a:t>’ to the </a:t>
+              <a:t>’’ to the </a:t>
             </a:r>
             <a:r>
               <a:rPr lang="en-US" i="1" dirty="0"/>
@@ -29938,6 +33137,126 @@
           </a:p>
         </p:txBody>
       </p:sp>
+      <p:pic>
+        <p:nvPicPr>
+          <p:cNvPr id="7" name="Picture 6">
+            <a:extLst>
+              <a:ext uri="{FF2B5EF4-FFF2-40B4-BE49-F238E27FC236}">
+                <a16:creationId xmlns:a16="http://schemas.microsoft.com/office/drawing/2014/main" id="{5257E9EE-B094-AD49-813D-0949B52694D4}"/>
+              </a:ext>
+            </a:extLst>
+          </p:cNvPr>
+          <p:cNvPicPr>
+            <a:picLocks noChangeAspect="1"/>
+          </p:cNvPicPr>
+          <p:nvPr/>
+        </p:nvPicPr>
+        <p:blipFill>
+          <a:blip r:embed="rId4"/>
+          <a:stretch>
+            <a:fillRect/>
+          </a:stretch>
+        </p:blipFill>
+        <p:spPr>
+          <a:xfrm>
+            <a:off x="7371610" y="1660784"/>
+            <a:ext cx="251446" cy="203091"/>
+          </a:xfrm>
+          <a:prstGeom prst="rect">
+            <a:avLst/>
+          </a:prstGeom>
+        </p:spPr>
+      </p:pic>
+      <p:pic>
+        <p:nvPicPr>
+          <p:cNvPr id="9" name="Picture 8">
+            <a:extLst>
+              <a:ext uri="{FF2B5EF4-FFF2-40B4-BE49-F238E27FC236}">
+                <a16:creationId xmlns:a16="http://schemas.microsoft.com/office/drawing/2014/main" id="{A656E753-4C73-C346-BE70-5A7E9C1D344A}"/>
+              </a:ext>
+            </a:extLst>
+          </p:cNvPr>
+          <p:cNvPicPr>
+            <a:picLocks noChangeAspect="1"/>
+          </p:cNvPicPr>
+          <p:nvPr/>
+        </p:nvPicPr>
+        <p:blipFill>
+          <a:blip r:embed="rId5"/>
+          <a:stretch>
+            <a:fillRect/>
+          </a:stretch>
+        </p:blipFill>
+        <p:spPr>
+          <a:xfrm>
+            <a:off x="4602437" y="3513050"/>
+            <a:ext cx="268688" cy="217017"/>
+          </a:xfrm>
+          <a:prstGeom prst="rect">
+            <a:avLst/>
+          </a:prstGeom>
+        </p:spPr>
+      </p:pic>
+      <p:pic>
+        <p:nvPicPr>
+          <p:cNvPr id="10" name="Picture 9">
+            <a:extLst>
+              <a:ext uri="{FF2B5EF4-FFF2-40B4-BE49-F238E27FC236}">
+                <a16:creationId xmlns:a16="http://schemas.microsoft.com/office/drawing/2014/main" id="{FFBEBF70-E1AE-7B47-9180-406A0ABA01F6}"/>
+              </a:ext>
+            </a:extLst>
+          </p:cNvPr>
+          <p:cNvPicPr>
+            <a:picLocks noChangeAspect="1"/>
+          </p:cNvPicPr>
+          <p:nvPr/>
+        </p:nvPicPr>
+        <p:blipFill>
+          <a:blip r:embed="rId5"/>
+          <a:stretch>
+            <a:fillRect/>
+          </a:stretch>
+        </p:blipFill>
+        <p:spPr>
+          <a:xfrm>
+            <a:off x="8248100" y="3532711"/>
+            <a:ext cx="268688" cy="217017"/>
+          </a:xfrm>
+          <a:prstGeom prst="rect">
+            <a:avLst/>
+          </a:prstGeom>
+        </p:spPr>
+      </p:pic>
+      <p:pic>
+        <p:nvPicPr>
+          <p:cNvPr id="12" name="Picture 11">
+            <a:extLst>
+              <a:ext uri="{FF2B5EF4-FFF2-40B4-BE49-F238E27FC236}">
+                <a16:creationId xmlns:a16="http://schemas.microsoft.com/office/drawing/2014/main" id="{9C73DA08-9913-9F4F-B4FB-BB591A7B6A25}"/>
+              </a:ext>
+            </a:extLst>
+          </p:cNvPr>
+          <p:cNvPicPr>
+            <a:picLocks noChangeAspect="1"/>
+          </p:cNvPicPr>
+          <p:nvPr/>
+        </p:nvPicPr>
+        <p:blipFill>
+          <a:blip r:embed="rId5"/>
+          <a:stretch>
+            <a:fillRect/>
+          </a:stretch>
+        </p:blipFill>
+        <p:spPr>
+          <a:xfrm>
+            <a:off x="6415910" y="3540560"/>
+            <a:ext cx="268688" cy="217017"/>
+          </a:xfrm>
+          <a:prstGeom prst="rect">
+            <a:avLst/>
+          </a:prstGeom>
+        </p:spPr>
+      </p:pic>
     </p:spTree>
     <p:extLst>
       <p:ext uri="{BB962C8B-B14F-4D97-AF65-F5344CB8AC3E}">
@@ -30247,6 +33566,126 @@
           </a:fontRef>
         </p:style>
       </p:cxnSp>
+      <p:pic>
+        <p:nvPicPr>
+          <p:cNvPr id="8" name="Picture 7">
+            <a:extLst>
+              <a:ext uri="{FF2B5EF4-FFF2-40B4-BE49-F238E27FC236}">
+                <a16:creationId xmlns:a16="http://schemas.microsoft.com/office/drawing/2014/main" id="{EF54DE84-3080-004C-B257-A1E99935FD82}"/>
+              </a:ext>
+            </a:extLst>
+          </p:cNvPr>
+          <p:cNvPicPr>
+            <a:picLocks noChangeAspect="1"/>
+          </p:cNvPicPr>
+          <p:nvPr/>
+        </p:nvPicPr>
+        <p:blipFill>
+          <a:blip r:embed="rId4"/>
+          <a:stretch>
+            <a:fillRect/>
+          </a:stretch>
+        </p:blipFill>
+        <p:spPr>
+          <a:xfrm>
+            <a:off x="7539520" y="1987784"/>
+            <a:ext cx="251446" cy="203091"/>
+          </a:xfrm>
+          <a:prstGeom prst="rect">
+            <a:avLst/>
+          </a:prstGeom>
+        </p:spPr>
+      </p:pic>
+      <p:pic>
+        <p:nvPicPr>
+          <p:cNvPr id="12" name="Picture 11">
+            <a:extLst>
+              <a:ext uri="{FF2B5EF4-FFF2-40B4-BE49-F238E27FC236}">
+                <a16:creationId xmlns:a16="http://schemas.microsoft.com/office/drawing/2014/main" id="{23174A21-3A12-A049-A7B2-A8055A09F19E}"/>
+              </a:ext>
+            </a:extLst>
+          </p:cNvPr>
+          <p:cNvPicPr>
+            <a:picLocks noChangeAspect="1"/>
+          </p:cNvPicPr>
+          <p:nvPr/>
+        </p:nvPicPr>
+        <p:blipFill>
+          <a:blip r:embed="rId5"/>
+          <a:stretch>
+            <a:fillRect/>
+          </a:stretch>
+        </p:blipFill>
+        <p:spPr>
+          <a:xfrm>
+            <a:off x="4738167" y="3941142"/>
+            <a:ext cx="268688" cy="217017"/>
+          </a:xfrm>
+          <a:prstGeom prst="rect">
+            <a:avLst/>
+          </a:prstGeom>
+        </p:spPr>
+      </p:pic>
+      <p:pic>
+        <p:nvPicPr>
+          <p:cNvPr id="13" name="Picture 12">
+            <a:extLst>
+              <a:ext uri="{FF2B5EF4-FFF2-40B4-BE49-F238E27FC236}">
+                <a16:creationId xmlns:a16="http://schemas.microsoft.com/office/drawing/2014/main" id="{10C3DD27-54FC-6644-9E22-FAFFBB3523DB}"/>
+              </a:ext>
+            </a:extLst>
+          </p:cNvPr>
+          <p:cNvPicPr>
+            <a:picLocks noChangeAspect="1"/>
+          </p:cNvPicPr>
+          <p:nvPr/>
+        </p:nvPicPr>
+        <p:blipFill>
+          <a:blip r:embed="rId5"/>
+          <a:stretch>
+            <a:fillRect/>
+          </a:stretch>
+        </p:blipFill>
+        <p:spPr>
+          <a:xfrm>
+            <a:off x="8436059" y="3930590"/>
+            <a:ext cx="268688" cy="217017"/>
+          </a:xfrm>
+          <a:prstGeom prst="rect">
+            <a:avLst/>
+          </a:prstGeom>
+        </p:spPr>
+      </p:pic>
+      <p:pic>
+        <p:nvPicPr>
+          <p:cNvPr id="14" name="Picture 13">
+            <a:extLst>
+              <a:ext uri="{FF2B5EF4-FFF2-40B4-BE49-F238E27FC236}">
+                <a16:creationId xmlns:a16="http://schemas.microsoft.com/office/drawing/2014/main" id="{1805BDC3-E395-3846-9128-67102808039F}"/>
+              </a:ext>
+            </a:extLst>
+          </p:cNvPr>
+          <p:cNvPicPr>
+            <a:picLocks noChangeAspect="1"/>
+          </p:cNvPicPr>
+          <p:nvPr/>
+        </p:nvPicPr>
+        <p:blipFill>
+          <a:blip r:embed="rId5"/>
+          <a:stretch>
+            <a:fillRect/>
+          </a:stretch>
+        </p:blipFill>
+        <p:spPr>
+          <a:xfrm>
+            <a:off x="6587113" y="3953284"/>
+            <a:ext cx="268688" cy="217017"/>
+          </a:xfrm>
+          <a:prstGeom prst="rect">
+            <a:avLst/>
+          </a:prstGeom>
+        </p:spPr>
+      </p:pic>
     </p:spTree>
     <p:extLst>
       <p:ext uri="{BB962C8B-B14F-4D97-AF65-F5344CB8AC3E}">
@@ -30497,6 +33936,126 @@
           </a:prstGeom>
         </p:spPr>
       </p:pic>
+      <p:pic>
+        <p:nvPicPr>
+          <p:cNvPr id="6" name="Picture 5">
+            <a:extLst>
+              <a:ext uri="{FF2B5EF4-FFF2-40B4-BE49-F238E27FC236}">
+                <a16:creationId xmlns:a16="http://schemas.microsoft.com/office/drawing/2014/main" id="{6809F216-84AF-EB45-85DE-9A78F4EBDF7D}"/>
+              </a:ext>
+            </a:extLst>
+          </p:cNvPr>
+          <p:cNvPicPr>
+            <a:picLocks noChangeAspect="1"/>
+          </p:cNvPicPr>
+          <p:nvPr/>
+        </p:nvPicPr>
+        <p:blipFill>
+          <a:blip r:embed="rId4"/>
+          <a:stretch>
+            <a:fillRect/>
+          </a:stretch>
+        </p:blipFill>
+        <p:spPr>
+          <a:xfrm>
+            <a:off x="7265484" y="1849528"/>
+            <a:ext cx="251446" cy="203091"/>
+          </a:xfrm>
+          <a:prstGeom prst="rect">
+            <a:avLst/>
+          </a:prstGeom>
+        </p:spPr>
+      </p:pic>
+      <p:pic>
+        <p:nvPicPr>
+          <p:cNvPr id="7" name="Picture 6">
+            <a:extLst>
+              <a:ext uri="{FF2B5EF4-FFF2-40B4-BE49-F238E27FC236}">
+                <a16:creationId xmlns:a16="http://schemas.microsoft.com/office/drawing/2014/main" id="{9E5E0095-6404-F445-AA90-5BDAE74EB1B7}"/>
+              </a:ext>
+            </a:extLst>
+          </p:cNvPr>
+          <p:cNvPicPr>
+            <a:picLocks noChangeAspect="1"/>
+          </p:cNvPicPr>
+          <p:nvPr/>
+        </p:nvPicPr>
+        <p:blipFill>
+          <a:blip r:embed="rId5"/>
+          <a:stretch>
+            <a:fillRect/>
+          </a:stretch>
+        </p:blipFill>
+        <p:spPr>
+          <a:xfrm>
+            <a:off x="4435298" y="3831413"/>
+            <a:ext cx="268688" cy="217017"/>
+          </a:xfrm>
+          <a:prstGeom prst="rect">
+            <a:avLst/>
+          </a:prstGeom>
+        </p:spPr>
+      </p:pic>
+      <p:pic>
+        <p:nvPicPr>
+          <p:cNvPr id="8" name="Picture 7">
+            <a:extLst>
+              <a:ext uri="{FF2B5EF4-FFF2-40B4-BE49-F238E27FC236}">
+                <a16:creationId xmlns:a16="http://schemas.microsoft.com/office/drawing/2014/main" id="{102FE56A-ECD5-6F44-A5C2-4ABB5C47787A}"/>
+              </a:ext>
+            </a:extLst>
+          </p:cNvPr>
+          <p:cNvPicPr>
+            <a:picLocks noChangeAspect="1"/>
+          </p:cNvPicPr>
+          <p:nvPr/>
+        </p:nvPicPr>
+        <p:blipFill>
+          <a:blip r:embed="rId5"/>
+          <a:stretch>
+            <a:fillRect/>
+          </a:stretch>
+        </p:blipFill>
+        <p:spPr>
+          <a:xfrm>
+            <a:off x="6264714" y="3831413"/>
+            <a:ext cx="268688" cy="217017"/>
+          </a:xfrm>
+          <a:prstGeom prst="rect">
+            <a:avLst/>
+          </a:prstGeom>
+        </p:spPr>
+      </p:pic>
+      <p:pic>
+        <p:nvPicPr>
+          <p:cNvPr id="10" name="Picture 9">
+            <a:extLst>
+              <a:ext uri="{FF2B5EF4-FFF2-40B4-BE49-F238E27FC236}">
+                <a16:creationId xmlns:a16="http://schemas.microsoft.com/office/drawing/2014/main" id="{F8AB5980-720F-CF4C-8726-7CD1A1E55A5B}"/>
+              </a:ext>
+            </a:extLst>
+          </p:cNvPr>
+          <p:cNvPicPr>
+            <a:picLocks noChangeAspect="1"/>
+          </p:cNvPicPr>
+          <p:nvPr/>
+        </p:nvPicPr>
+        <p:blipFill>
+          <a:blip r:embed="rId6"/>
+          <a:stretch>
+            <a:fillRect/>
+          </a:stretch>
+        </p:blipFill>
+        <p:spPr>
+          <a:xfrm>
+            <a:off x="8195730" y="3807949"/>
+            <a:ext cx="271838" cy="219561"/>
+          </a:xfrm>
+          <a:prstGeom prst="rect">
+            <a:avLst/>
+          </a:prstGeom>
+        </p:spPr>
+      </p:pic>
     </p:spTree>
     <p:extLst>
       <p:ext uri="{BB962C8B-B14F-4D97-AF65-F5344CB8AC3E}">
@@ -30643,7 +34202,7 @@
             <p:ph idx="1"/>
             <p:extLst>
               <p:ext uri="{D42A27DB-BD31-4B8C-83A1-F6EECF244321}">
-                <p14:modId xmlns:p14="http://schemas.microsoft.com/office/powerpoint/2010/main" val="4219352320"/>
+                <p14:modId xmlns:p14="http://schemas.microsoft.com/office/powerpoint/2010/main" val="1919098971"/>
               </p:ext>
             </p:extLst>
           </p:nvPr>
@@ -30962,6 +34521,96 @@
           </a:p>
         </p:txBody>
       </p:sp>
+      <p:pic>
+        <p:nvPicPr>
+          <p:cNvPr id="10" name="Picture 9">
+            <a:extLst>
+              <a:ext uri="{FF2B5EF4-FFF2-40B4-BE49-F238E27FC236}">
+                <a16:creationId xmlns:a16="http://schemas.microsoft.com/office/drawing/2014/main" id="{AA71CD3B-CDEE-5E4E-8F67-7BEE5AF556A7}"/>
+              </a:ext>
+            </a:extLst>
+          </p:cNvPr>
+          <p:cNvPicPr>
+            <a:picLocks noChangeAspect="1"/>
+          </p:cNvPicPr>
+          <p:nvPr/>
+        </p:nvPicPr>
+        <p:blipFill>
+          <a:blip r:embed="rId6"/>
+          <a:stretch>
+            <a:fillRect/>
+          </a:stretch>
+        </p:blipFill>
+        <p:spPr>
+          <a:xfrm>
+            <a:off x="4636660" y="4408739"/>
+            <a:ext cx="206001" cy="166385"/>
+          </a:xfrm>
+          <a:prstGeom prst="rect">
+            <a:avLst/>
+          </a:prstGeom>
+        </p:spPr>
+      </p:pic>
+      <p:pic>
+        <p:nvPicPr>
+          <p:cNvPr id="12" name="Picture 11">
+            <a:extLst>
+              <a:ext uri="{FF2B5EF4-FFF2-40B4-BE49-F238E27FC236}">
+                <a16:creationId xmlns:a16="http://schemas.microsoft.com/office/drawing/2014/main" id="{3463E242-6686-4E48-B836-F4E0C51825C1}"/>
+              </a:ext>
+            </a:extLst>
+          </p:cNvPr>
+          <p:cNvPicPr>
+            <a:picLocks noChangeAspect="1"/>
+          </p:cNvPicPr>
+          <p:nvPr/>
+        </p:nvPicPr>
+        <p:blipFill>
+          <a:blip r:embed="rId6"/>
+          <a:stretch>
+            <a:fillRect/>
+          </a:stretch>
+        </p:blipFill>
+        <p:spPr>
+          <a:xfrm>
+            <a:off x="6265584" y="4378269"/>
+            <a:ext cx="206001" cy="166385"/>
+          </a:xfrm>
+          <a:prstGeom prst="rect">
+            <a:avLst/>
+          </a:prstGeom>
+        </p:spPr>
+      </p:pic>
+      <p:pic>
+        <p:nvPicPr>
+          <p:cNvPr id="13" name="Picture 12">
+            <a:extLst>
+              <a:ext uri="{FF2B5EF4-FFF2-40B4-BE49-F238E27FC236}">
+                <a16:creationId xmlns:a16="http://schemas.microsoft.com/office/drawing/2014/main" id="{EEAF10E1-0B68-7942-8C65-AE5C45059568}"/>
+              </a:ext>
+            </a:extLst>
+          </p:cNvPr>
+          <p:cNvPicPr>
+            <a:picLocks noChangeAspect="1"/>
+          </p:cNvPicPr>
+          <p:nvPr/>
+        </p:nvPicPr>
+        <p:blipFill>
+          <a:blip r:embed="rId6"/>
+          <a:stretch>
+            <a:fillRect/>
+          </a:stretch>
+        </p:blipFill>
+        <p:spPr>
+          <a:xfrm>
+            <a:off x="7894508" y="4370954"/>
+            <a:ext cx="206001" cy="166385"/>
+          </a:xfrm>
+          <a:prstGeom prst="rect">
+            <a:avLst/>
+          </a:prstGeom>
+        </p:spPr>
+      </p:pic>
     </p:spTree>
     <p:extLst>
       <p:ext uri="{BB962C8B-B14F-4D97-AF65-F5344CB8AC3E}">
@@ -31251,6 +34900,126 @@
           </a:prstGeom>
         </p:spPr>
       </p:pic>
+      <p:pic>
+        <p:nvPicPr>
+          <p:cNvPr id="10" name="Picture 9">
+            <a:extLst>
+              <a:ext uri="{FF2B5EF4-FFF2-40B4-BE49-F238E27FC236}">
+                <a16:creationId xmlns:a16="http://schemas.microsoft.com/office/drawing/2014/main" id="{DCF2B187-B9E7-5D44-A81C-B0BCCF1AB9A4}"/>
+              </a:ext>
+            </a:extLst>
+          </p:cNvPr>
+          <p:cNvPicPr>
+            <a:picLocks noChangeAspect="1"/>
+          </p:cNvPicPr>
+          <p:nvPr/>
+        </p:nvPicPr>
+        <p:blipFill>
+          <a:blip r:embed="rId6"/>
+          <a:stretch>
+            <a:fillRect/>
+          </a:stretch>
+        </p:blipFill>
+        <p:spPr>
+          <a:xfrm>
+            <a:off x="7506886" y="2128000"/>
+            <a:ext cx="251446" cy="203091"/>
+          </a:xfrm>
+          <a:prstGeom prst="rect">
+            <a:avLst/>
+          </a:prstGeom>
+        </p:spPr>
+      </p:pic>
+      <p:pic>
+        <p:nvPicPr>
+          <p:cNvPr id="11" name="Picture 10">
+            <a:extLst>
+              <a:ext uri="{FF2B5EF4-FFF2-40B4-BE49-F238E27FC236}">
+                <a16:creationId xmlns:a16="http://schemas.microsoft.com/office/drawing/2014/main" id="{078A09B6-874B-D54E-93C1-CBD4CC4AD793}"/>
+              </a:ext>
+            </a:extLst>
+          </p:cNvPr>
+          <p:cNvPicPr>
+            <a:picLocks noChangeAspect="1"/>
+          </p:cNvPicPr>
+          <p:nvPr/>
+        </p:nvPicPr>
+        <p:blipFill>
+          <a:blip r:embed="rId7"/>
+          <a:stretch>
+            <a:fillRect/>
+          </a:stretch>
+        </p:blipFill>
+        <p:spPr>
+          <a:xfrm>
+            <a:off x="4665922" y="4061947"/>
+            <a:ext cx="268688" cy="217017"/>
+          </a:xfrm>
+          <a:prstGeom prst="rect">
+            <a:avLst/>
+          </a:prstGeom>
+        </p:spPr>
+      </p:pic>
+      <p:pic>
+        <p:nvPicPr>
+          <p:cNvPr id="12" name="Picture 11">
+            <a:extLst>
+              <a:ext uri="{FF2B5EF4-FFF2-40B4-BE49-F238E27FC236}">
+                <a16:creationId xmlns:a16="http://schemas.microsoft.com/office/drawing/2014/main" id="{4C49BDB7-23A0-6F4A-9C78-B7676C3287A4}"/>
+              </a:ext>
+            </a:extLst>
+          </p:cNvPr>
+          <p:cNvPicPr>
+            <a:picLocks noChangeAspect="1"/>
+          </p:cNvPicPr>
+          <p:nvPr/>
+        </p:nvPicPr>
+        <p:blipFill>
+          <a:blip r:embed="rId7"/>
+          <a:stretch>
+            <a:fillRect/>
+          </a:stretch>
+        </p:blipFill>
+        <p:spPr>
+          <a:xfrm>
+            <a:off x="6535272" y="4061947"/>
+            <a:ext cx="268688" cy="217017"/>
+          </a:xfrm>
+          <a:prstGeom prst="rect">
+            <a:avLst/>
+          </a:prstGeom>
+        </p:spPr>
+      </p:pic>
+      <p:pic>
+        <p:nvPicPr>
+          <p:cNvPr id="13" name="Picture 12">
+            <a:extLst>
+              <a:ext uri="{FF2B5EF4-FFF2-40B4-BE49-F238E27FC236}">
+                <a16:creationId xmlns:a16="http://schemas.microsoft.com/office/drawing/2014/main" id="{C7DB98D0-3D1B-D049-B3DE-DA082EB69A92}"/>
+              </a:ext>
+            </a:extLst>
+          </p:cNvPr>
+          <p:cNvPicPr>
+            <a:picLocks noChangeAspect="1"/>
+          </p:cNvPicPr>
+          <p:nvPr/>
+        </p:nvPicPr>
+        <p:blipFill>
+          <a:blip r:embed="rId8"/>
+          <a:stretch>
+            <a:fillRect/>
+          </a:stretch>
+        </p:blipFill>
+        <p:spPr>
+          <a:xfrm>
+            <a:off x="8406137" y="4059403"/>
+            <a:ext cx="271838" cy="219561"/>
+          </a:xfrm>
+          <a:prstGeom prst="rect">
+            <a:avLst/>
+          </a:prstGeom>
+        </p:spPr>
+      </p:pic>
     </p:spTree>
     <p:extLst>
       <p:ext uri="{BB962C8B-B14F-4D97-AF65-F5344CB8AC3E}">
@@ -31503,6 +35272,126 @@
           </a:prstGeom>
         </p:spPr>
       </p:pic>
+      <p:pic>
+        <p:nvPicPr>
+          <p:cNvPr id="8" name="Picture 7">
+            <a:extLst>
+              <a:ext uri="{FF2B5EF4-FFF2-40B4-BE49-F238E27FC236}">
+                <a16:creationId xmlns:a16="http://schemas.microsoft.com/office/drawing/2014/main" id="{1C93D1E7-80A8-454D-AD8F-F7C3659915A9}"/>
+              </a:ext>
+            </a:extLst>
+          </p:cNvPr>
+          <p:cNvPicPr>
+            <a:picLocks noChangeAspect="1"/>
+          </p:cNvPicPr>
+          <p:nvPr/>
+        </p:nvPicPr>
+        <p:blipFill>
+          <a:blip r:embed="rId5"/>
+          <a:stretch>
+            <a:fillRect/>
+          </a:stretch>
+        </p:blipFill>
+        <p:spPr>
+          <a:xfrm>
+            <a:off x="7499570" y="2470204"/>
+            <a:ext cx="251446" cy="203091"/>
+          </a:xfrm>
+          <a:prstGeom prst="rect">
+            <a:avLst/>
+          </a:prstGeom>
+        </p:spPr>
+      </p:pic>
+      <p:pic>
+        <p:nvPicPr>
+          <p:cNvPr id="9" name="Picture 8">
+            <a:extLst>
+              <a:ext uri="{FF2B5EF4-FFF2-40B4-BE49-F238E27FC236}">
+                <a16:creationId xmlns:a16="http://schemas.microsoft.com/office/drawing/2014/main" id="{27818792-0FAC-6845-8C31-7D21709ADD41}"/>
+              </a:ext>
+            </a:extLst>
+          </p:cNvPr>
+          <p:cNvPicPr>
+            <a:picLocks noChangeAspect="1"/>
+          </p:cNvPicPr>
+          <p:nvPr/>
+        </p:nvPicPr>
+        <p:blipFill>
+          <a:blip r:embed="rId6"/>
+          <a:stretch>
+            <a:fillRect/>
+          </a:stretch>
+        </p:blipFill>
+        <p:spPr>
+          <a:xfrm>
+            <a:off x="5249163" y="4044386"/>
+            <a:ext cx="213317" cy="172294"/>
+          </a:xfrm>
+          <a:prstGeom prst="rect">
+            <a:avLst/>
+          </a:prstGeom>
+        </p:spPr>
+      </p:pic>
+      <p:pic>
+        <p:nvPicPr>
+          <p:cNvPr id="11" name="Picture 10">
+            <a:extLst>
+              <a:ext uri="{FF2B5EF4-FFF2-40B4-BE49-F238E27FC236}">
+                <a16:creationId xmlns:a16="http://schemas.microsoft.com/office/drawing/2014/main" id="{E202C116-C084-F945-A20A-0066BE603027}"/>
+              </a:ext>
+            </a:extLst>
+          </p:cNvPr>
+          <p:cNvPicPr>
+            <a:picLocks noChangeAspect="1"/>
+          </p:cNvPicPr>
+          <p:nvPr/>
+        </p:nvPicPr>
+        <p:blipFill>
+          <a:blip r:embed="rId6"/>
+          <a:stretch>
+            <a:fillRect/>
+          </a:stretch>
+        </p:blipFill>
+        <p:spPr>
+          <a:xfrm>
+            <a:off x="6735804" y="4044386"/>
+            <a:ext cx="213317" cy="172294"/>
+          </a:xfrm>
+          <a:prstGeom prst="rect">
+            <a:avLst/>
+          </a:prstGeom>
+        </p:spPr>
+      </p:pic>
+      <p:pic>
+        <p:nvPicPr>
+          <p:cNvPr id="12" name="Picture 11">
+            <a:extLst>
+              <a:ext uri="{FF2B5EF4-FFF2-40B4-BE49-F238E27FC236}">
+                <a16:creationId xmlns:a16="http://schemas.microsoft.com/office/drawing/2014/main" id="{83065852-8019-A741-B475-E4A54C2C71BE}"/>
+              </a:ext>
+            </a:extLst>
+          </p:cNvPr>
+          <p:cNvPicPr>
+            <a:picLocks noChangeAspect="1"/>
+          </p:cNvPicPr>
+          <p:nvPr/>
+        </p:nvPicPr>
+        <p:blipFill>
+          <a:blip r:embed="rId6"/>
+          <a:stretch>
+            <a:fillRect/>
+          </a:stretch>
+        </p:blipFill>
+        <p:spPr>
+          <a:xfrm>
+            <a:off x="8256167" y="4044386"/>
+            <a:ext cx="213317" cy="172294"/>
+          </a:xfrm>
+          <a:prstGeom prst="rect">
+            <a:avLst/>
+          </a:prstGeom>
+        </p:spPr>
+      </p:pic>
     </p:spTree>
     <p:extLst>
       <p:ext uri="{BB962C8B-B14F-4D97-AF65-F5344CB8AC3E}">
@@ -31563,7 +35452,7 @@
           <a:p>
             <a:r>
               <a:rPr lang="en-US" dirty="0"/>
-              <a:t>Unsorted Bin Chunk – Removal – 2 </a:t>
+              <a:t>Unsorted Bin Attack – 1 </a:t>
             </a:r>
           </a:p>
         </p:txBody>
@@ -31647,7 +35536,7 @@
             </a:r>
             <a:r>
               <a:rPr lang="en-US" b="1" i="1" dirty="0"/>
-              <a:t>fd</a:t>
+              <a:t>fd’</a:t>
             </a:r>
             <a:r>
               <a:rPr lang="en-US" dirty="0"/>
@@ -31755,6 +35644,126 @@
           </a:prstGeom>
         </p:spPr>
       </p:pic>
+      <p:pic>
+        <p:nvPicPr>
+          <p:cNvPr id="6" name="Picture 5">
+            <a:extLst>
+              <a:ext uri="{FF2B5EF4-FFF2-40B4-BE49-F238E27FC236}">
+                <a16:creationId xmlns:a16="http://schemas.microsoft.com/office/drawing/2014/main" id="{C399F135-281D-9348-A637-E6F31F799F35}"/>
+              </a:ext>
+            </a:extLst>
+          </p:cNvPr>
+          <p:cNvPicPr>
+            <a:picLocks noChangeAspect="1"/>
+          </p:cNvPicPr>
+          <p:nvPr/>
+        </p:nvPicPr>
+        <p:blipFill>
+          <a:blip r:embed="rId4"/>
+          <a:stretch>
+            <a:fillRect/>
+          </a:stretch>
+        </p:blipFill>
+        <p:spPr>
+          <a:xfrm>
+            <a:off x="7073279" y="1849528"/>
+            <a:ext cx="251446" cy="203091"/>
+          </a:xfrm>
+          <a:prstGeom prst="rect">
+            <a:avLst/>
+          </a:prstGeom>
+        </p:spPr>
+      </p:pic>
+      <p:pic>
+        <p:nvPicPr>
+          <p:cNvPr id="7" name="Picture 6">
+            <a:extLst>
+              <a:ext uri="{FF2B5EF4-FFF2-40B4-BE49-F238E27FC236}">
+                <a16:creationId xmlns:a16="http://schemas.microsoft.com/office/drawing/2014/main" id="{40E97BD1-7850-EE4A-BB71-FA7F66EB13D4}"/>
+              </a:ext>
+            </a:extLst>
+          </p:cNvPr>
+          <p:cNvPicPr>
+            <a:picLocks noChangeAspect="1"/>
+          </p:cNvPicPr>
+          <p:nvPr/>
+        </p:nvPicPr>
+        <p:blipFill>
+          <a:blip r:embed="rId5"/>
+          <a:stretch>
+            <a:fillRect/>
+          </a:stretch>
+        </p:blipFill>
+        <p:spPr>
+          <a:xfrm>
+            <a:off x="4300162" y="3760553"/>
+            <a:ext cx="271838" cy="219561"/>
+          </a:xfrm>
+          <a:prstGeom prst="rect">
+            <a:avLst/>
+          </a:prstGeom>
+        </p:spPr>
+      </p:pic>
+      <p:pic>
+        <p:nvPicPr>
+          <p:cNvPr id="8" name="Picture 7">
+            <a:extLst>
+              <a:ext uri="{FF2B5EF4-FFF2-40B4-BE49-F238E27FC236}">
+                <a16:creationId xmlns:a16="http://schemas.microsoft.com/office/drawing/2014/main" id="{3B215BFB-2347-2640-BA8A-4F5CD09A0065}"/>
+              </a:ext>
+            </a:extLst>
+          </p:cNvPr>
+          <p:cNvPicPr>
+            <a:picLocks noChangeAspect="1"/>
+          </p:cNvPicPr>
+          <p:nvPr/>
+        </p:nvPicPr>
+        <p:blipFill>
+          <a:blip r:embed="rId5"/>
+          <a:stretch>
+            <a:fillRect/>
+          </a:stretch>
+        </p:blipFill>
+        <p:spPr>
+          <a:xfrm>
+            <a:off x="6156346" y="3760553"/>
+            <a:ext cx="271838" cy="219561"/>
+          </a:xfrm>
+          <a:prstGeom prst="rect">
+            <a:avLst/>
+          </a:prstGeom>
+        </p:spPr>
+      </p:pic>
+      <p:pic>
+        <p:nvPicPr>
+          <p:cNvPr id="9" name="Picture 8">
+            <a:extLst>
+              <a:ext uri="{FF2B5EF4-FFF2-40B4-BE49-F238E27FC236}">
+                <a16:creationId xmlns:a16="http://schemas.microsoft.com/office/drawing/2014/main" id="{870BACDA-EC2B-2449-BE9C-D1E73B07CF00}"/>
+              </a:ext>
+            </a:extLst>
+          </p:cNvPr>
+          <p:cNvPicPr>
+            <a:picLocks noChangeAspect="1"/>
+          </p:cNvPicPr>
+          <p:nvPr/>
+        </p:nvPicPr>
+        <p:blipFill>
+          <a:blip r:embed="rId5"/>
+          <a:stretch>
+            <a:fillRect/>
+          </a:stretch>
+        </p:blipFill>
+        <p:spPr>
+          <a:xfrm>
+            <a:off x="8012530" y="3760553"/>
+            <a:ext cx="271838" cy="219561"/>
+          </a:xfrm>
+          <a:prstGeom prst="rect">
+            <a:avLst/>
+          </a:prstGeom>
+        </p:spPr>
+      </p:pic>
     </p:spTree>
     <p:extLst>
       <p:ext uri="{BB962C8B-B14F-4D97-AF65-F5344CB8AC3E}">
@@ -31815,7 +35824,7 @@
           <a:p>
             <a:r>
               <a:rPr lang="en-US" dirty="0"/>
-              <a:t>Unsorted Bin Chunk – Removal – 2 </a:t>
+              <a:t>Unsorted Bin Attack – 2</a:t>
             </a:r>
           </a:p>
         </p:txBody>
@@ -32038,6 +36047,126 @@
           </a:prstGeom>
         </p:spPr>
       </p:pic>
+      <p:pic>
+        <p:nvPicPr>
+          <p:cNvPr id="6" name="Picture 5">
+            <a:extLst>
+              <a:ext uri="{FF2B5EF4-FFF2-40B4-BE49-F238E27FC236}">
+                <a16:creationId xmlns:a16="http://schemas.microsoft.com/office/drawing/2014/main" id="{7507853D-1857-8B43-82C7-1CE6B072673D}"/>
+              </a:ext>
+            </a:extLst>
+          </p:cNvPr>
+          <p:cNvPicPr>
+            <a:picLocks noChangeAspect="1"/>
+          </p:cNvPicPr>
+          <p:nvPr/>
+        </p:nvPicPr>
+        <p:blipFill>
+          <a:blip r:embed="rId4"/>
+          <a:stretch>
+            <a:fillRect/>
+          </a:stretch>
+        </p:blipFill>
+        <p:spPr>
+          <a:xfrm>
+            <a:off x="7189094" y="1779460"/>
+            <a:ext cx="251446" cy="203091"/>
+          </a:xfrm>
+          <a:prstGeom prst="rect">
+            <a:avLst/>
+          </a:prstGeom>
+        </p:spPr>
+      </p:pic>
+      <p:pic>
+        <p:nvPicPr>
+          <p:cNvPr id="7" name="Picture 6">
+            <a:extLst>
+              <a:ext uri="{FF2B5EF4-FFF2-40B4-BE49-F238E27FC236}">
+                <a16:creationId xmlns:a16="http://schemas.microsoft.com/office/drawing/2014/main" id="{B264B69F-B7AF-584D-A962-013E4CC42739}"/>
+              </a:ext>
+            </a:extLst>
+          </p:cNvPr>
+          <p:cNvPicPr>
+            <a:picLocks noChangeAspect="1"/>
+          </p:cNvPicPr>
+          <p:nvPr/>
+        </p:nvPicPr>
+        <p:blipFill>
+          <a:blip r:embed="rId5"/>
+          <a:stretch>
+            <a:fillRect/>
+          </a:stretch>
+        </p:blipFill>
+        <p:spPr>
+          <a:xfrm>
+            <a:off x="4436081" y="3643896"/>
+            <a:ext cx="271838" cy="219561"/>
+          </a:xfrm>
+          <a:prstGeom prst="rect">
+            <a:avLst/>
+          </a:prstGeom>
+        </p:spPr>
+      </p:pic>
+      <p:pic>
+        <p:nvPicPr>
+          <p:cNvPr id="8" name="Picture 7">
+            <a:extLst>
+              <a:ext uri="{FF2B5EF4-FFF2-40B4-BE49-F238E27FC236}">
+                <a16:creationId xmlns:a16="http://schemas.microsoft.com/office/drawing/2014/main" id="{858CD1BE-90FD-CC45-B39D-187271F18EC0}"/>
+              </a:ext>
+            </a:extLst>
+          </p:cNvPr>
+          <p:cNvPicPr>
+            <a:picLocks noChangeAspect="1"/>
+          </p:cNvPicPr>
+          <p:nvPr/>
+        </p:nvPicPr>
+        <p:blipFill>
+          <a:blip r:embed="rId5"/>
+          <a:stretch>
+            <a:fillRect/>
+          </a:stretch>
+        </p:blipFill>
+        <p:spPr>
+          <a:xfrm>
+            <a:off x="6255227" y="3643897"/>
+            <a:ext cx="271838" cy="219561"/>
+          </a:xfrm>
+          <a:prstGeom prst="rect">
+            <a:avLst/>
+          </a:prstGeom>
+        </p:spPr>
+      </p:pic>
+      <p:pic>
+        <p:nvPicPr>
+          <p:cNvPr id="5" name="Picture 4">
+            <a:extLst>
+              <a:ext uri="{FF2B5EF4-FFF2-40B4-BE49-F238E27FC236}">
+                <a16:creationId xmlns:a16="http://schemas.microsoft.com/office/drawing/2014/main" id="{4027B83D-3F94-B248-B199-888E5BD1F900}"/>
+              </a:ext>
+            </a:extLst>
+          </p:cNvPr>
+          <p:cNvPicPr>
+            <a:picLocks noChangeAspect="1"/>
+          </p:cNvPicPr>
+          <p:nvPr/>
+        </p:nvPicPr>
+        <p:blipFill>
+          <a:blip r:embed="rId6"/>
+          <a:stretch>
+            <a:fillRect/>
+          </a:stretch>
+        </p:blipFill>
+        <p:spPr>
+          <a:xfrm>
+            <a:off x="8070592" y="3626063"/>
+            <a:ext cx="271838" cy="219561"/>
+          </a:xfrm>
+          <a:prstGeom prst="rect">
+            <a:avLst/>
+          </a:prstGeom>
+        </p:spPr>
+      </p:pic>
     </p:spTree>
     <p:extLst>
       <p:ext uri="{BB962C8B-B14F-4D97-AF65-F5344CB8AC3E}">
@@ -32166,7 +36295,7 @@
         </p:blipFill>
         <p:spPr>
           <a:xfrm>
-            <a:off x="3800267" y="0"/>
+            <a:off x="3800267" y="143933"/>
             <a:ext cx="5343733" cy="3131778"/>
           </a:xfrm>
           <a:prstGeom prst="rect">
@@ -32190,7 +36319,7 @@
         </p:nvCxnSpPr>
         <p:spPr>
           <a:xfrm>
-            <a:off x="3892249" y="1365304"/>
+            <a:off x="3852458" y="1517704"/>
             <a:ext cx="1900133" cy="0"/>
           </a:xfrm>
           <a:prstGeom prst="line">
@@ -32980,8 +37109,44 @@
               <a:rPr lang="en-US" dirty="0">
                 <a:sym typeface="Wingdings" pitchFamily="2" charset="2"/>
               </a:rPr>
-              <a:t>section</a:t>
-            </a:r>
+              <a:t>section </a:t>
+            </a:r>
+          </a:p>
+          <a:p>
+            <a:pPr lvl="1"/>
+            <a:r>
+              <a:rPr lang="en-US" dirty="0">
+                <a:sym typeface="Wingdings" pitchFamily="2" charset="2"/>
+              </a:rPr>
+              <a:t>Address is ﻿</a:t>
+            </a:r>
+            <a:r>
+              <a:rPr lang="en-US" b="1" dirty="0">
+                <a:sym typeface="Wingdings" pitchFamily="2" charset="2"/>
+              </a:rPr>
+              <a:t>0x404088</a:t>
+            </a:r>
+            <a:r>
+              <a:rPr lang="en-US" dirty="0">
+                <a:sym typeface="Wingdings" pitchFamily="2" charset="2"/>
+              </a:rPr>
+              <a:t> or in the </a:t>
+            </a:r>
+            <a:r>
+              <a:rPr lang="en-US" i="1" dirty="0" err="1">
+                <a:sym typeface="Wingdings" pitchFamily="2" charset="2"/>
+              </a:rPr>
+              <a:t>magic_loc</a:t>
+            </a:r>
+            <a:r>
+              <a:rPr lang="en-US" dirty="0">
+                <a:sym typeface="Wingdings" pitchFamily="2" charset="2"/>
+              </a:rPr>
+              <a:t> variable</a:t>
+            </a:r>
+            <a:endParaRPr lang="en-US" b="1" dirty="0">
+              <a:sym typeface="Wingdings" pitchFamily="2" charset="2"/>
+            </a:endParaRPr>
           </a:p>
           <a:p>
             <a:r>
@@ -34412,9 +38577,16 @@
             <p:ph type="title"/>
           </p:nvPr>
         </p:nvSpPr>
-        <p:spPr/>
+        <p:spPr>
+          <a:xfrm>
+            <a:off x="629841" y="342900"/>
+            <a:ext cx="2949178" cy="1200150"/>
+          </a:xfrm>
+        </p:spPr>
         <p:txBody>
-          <a:bodyPr/>
+          <a:bodyPr anchor="b">
+            <a:normAutofit/>
+          </a:bodyPr>
           <a:lstStyle/>
           <a:p>
             <a:r>
@@ -34426,10 +38598,10 @@
       </p:sp>
       <p:sp>
         <p:nvSpPr>
-          <p:cNvPr id="3" name="Content Placeholder 2">
+          <p:cNvPr id="9" name="Text Placeholder 3">
             <a:extLst>
               <a:ext uri="{FF2B5EF4-FFF2-40B4-BE49-F238E27FC236}">
-                <a16:creationId xmlns:a16="http://schemas.microsoft.com/office/drawing/2014/main" id="{918A4E2B-5ACB-C048-B99D-EF20F35EAB4D}"/>
+                <a16:creationId xmlns:a16="http://schemas.microsoft.com/office/drawing/2014/main" id="{EB389AD2-2CE4-43EA-AF17-402B35760CBA}"/>
               </a:ext>
             </a:extLst>
           </p:cNvPr>
@@ -34437,57 +38609,54 @@
             <a:spLocks noGrp="1"/>
           </p:cNvSpPr>
           <p:nvPr>
-            <p:ph idx="1"/>
+            <p:ph type="body" sz="half" idx="2"/>
           </p:nvPr>
         </p:nvSpPr>
-        <p:spPr/>
+        <p:spPr>
+          <a:xfrm>
+            <a:off x="629841" y="1543052"/>
+            <a:ext cx="2949178" cy="2858691"/>
+          </a:xfrm>
+        </p:spPr>
         <p:txBody>
-          <a:bodyPr>
-            <a:normAutofit/>
-          </a:bodyPr>
+          <a:bodyPr/>
           <a:lstStyle/>
           <a:p>
-            <a:r>
-              <a:rPr lang="en-US" dirty="0"/>
-              <a:t>Allows to write to </a:t>
-            </a:r>
-            <a:r>
-              <a:rPr lang="en-US" b="1" dirty="0"/>
-              <a:t>ANYWHERE</a:t>
-            </a:r>
-            <a:r>
-              <a:rPr lang="en-US" dirty="0"/>
-              <a:t> in memory </a:t>
-            </a:r>
-          </a:p>
-          <a:p>
-            <a:pPr lvl="1"/>
-            <a:r>
-              <a:rPr lang="en-US" dirty="0"/>
-              <a:t>Cannot control the WHAT, only the WHERE</a:t>
-            </a:r>
-          </a:p>
-          <a:p>
-            <a:r>
-              <a:rPr lang="en-US" dirty="0"/>
-              <a:t>Major part of many other techniques:</a:t>
-            </a:r>
-          </a:p>
-          <a:p>
-            <a:pPr lvl="1"/>
-            <a:r>
-              <a:rPr lang="en-US" dirty="0"/>
-              <a:t>House of Orange House of Roman, House of Husk…</a:t>
-            </a:r>
-          </a:p>
-          <a:p>
-            <a:endParaRPr lang="en-US" dirty="0"/>
-          </a:p>
-          <a:p>
-            <a:endParaRPr lang="en-US" dirty="0"/>
+            <a:endParaRPr lang="en-US"/>
           </a:p>
         </p:txBody>
       </p:sp>
+      <p:graphicFrame>
+        <p:nvGraphicFramePr>
+          <p:cNvPr id="5" name="Content Placeholder 2">
+            <a:extLst>
+              <a:ext uri="{FF2B5EF4-FFF2-40B4-BE49-F238E27FC236}">
+                <a16:creationId xmlns:a16="http://schemas.microsoft.com/office/drawing/2014/main" id="{0DD9FAAF-0963-4833-8D1E-6A8ECCA5716E}"/>
+              </a:ext>
+            </a:extLst>
+          </p:cNvPr>
+          <p:cNvGraphicFramePr>
+            <a:graphicFrameLocks noGrp="1"/>
+          </p:cNvGraphicFramePr>
+          <p:nvPr>
+            <p:ph idx="1"/>
+            <p:extLst>
+              <p:ext uri="{D42A27DB-BD31-4B8C-83A1-F6EECF244321}">
+                <p14:modId xmlns:p14="http://schemas.microsoft.com/office/powerpoint/2010/main" val="3520562897"/>
+              </p:ext>
+            </p:extLst>
+          </p:nvPr>
+        </p:nvGraphicFramePr>
+        <p:xfrm>
+          <a:off x="3887391" y="740572"/>
+          <a:ext cx="4629150" cy="3655219"/>
+        </p:xfrm>
+        <a:graphic>
+          <a:graphicData uri="http://schemas.openxmlformats.org/drawingml/2006/diagram">
+            <dgm:relIds xmlns:dgm="http://schemas.openxmlformats.org/drawingml/2006/diagram" xmlns:r="http://schemas.openxmlformats.org/officeDocument/2006/relationships" r:dm="rId2" r:lo="rId3" r:qs="rId4" r:cs="rId5"/>
+          </a:graphicData>
+        </a:graphic>
+      </p:graphicFrame>
     </p:spTree>
     <p:extLst>
       <p:ext uri="{BB962C8B-B14F-4D97-AF65-F5344CB8AC3E}">
@@ -35042,7 +39211,7 @@
 </file>
 
 <file path=ppt/slides/slide42.xml><?xml version="1.0" encoding="utf-8"?>
-<p:sld xmlns:a="http://schemas.openxmlformats.org/drawingml/2006/main" xmlns:r="http://schemas.openxmlformats.org/officeDocument/2006/relationships" xmlns:p="http://schemas.openxmlformats.org/presentationml/2006/main">
+<p:sld xmlns:a="http://schemas.openxmlformats.org/drawingml/2006/main" xmlns:r="http://schemas.openxmlformats.org/officeDocument/2006/relationships" xmlns:p="http://schemas.openxmlformats.org/presentationml/2006/main" show="0">
   <p:cSld>
     <p:spTree>
       <p:nvGrpSpPr>
@@ -35125,7 +39294,7 @@
 </file>
 
 <file path=ppt/slides/slide43.xml><?xml version="1.0" encoding="utf-8"?>
-<p:sld xmlns:a="http://schemas.openxmlformats.org/drawingml/2006/main" xmlns:r="http://schemas.openxmlformats.org/officeDocument/2006/relationships" xmlns:p="http://schemas.openxmlformats.org/presentationml/2006/main">
+<p:sld xmlns:a="http://schemas.openxmlformats.org/drawingml/2006/main" xmlns:r="http://schemas.openxmlformats.org/officeDocument/2006/relationships" xmlns:p="http://schemas.openxmlformats.org/presentationml/2006/main" show="0">
   <p:cSld>
     <p:spTree>
       <p:nvGrpSpPr>
@@ -35228,7 +39397,7 @@
 </file>
 
 <file path=ppt/slides/slide44.xml><?xml version="1.0" encoding="utf-8"?>
-<p:sld xmlns:a="http://schemas.openxmlformats.org/drawingml/2006/main" xmlns:r="http://schemas.openxmlformats.org/officeDocument/2006/relationships" xmlns:p="http://schemas.openxmlformats.org/presentationml/2006/main">
+<p:sld xmlns:a="http://schemas.openxmlformats.org/drawingml/2006/main" xmlns:r="http://schemas.openxmlformats.org/officeDocument/2006/relationships" xmlns:p="http://schemas.openxmlformats.org/presentationml/2006/main" show="0">
   <p:cSld>
     <p:spTree>
       <p:nvGrpSpPr>
@@ -35474,7 +39643,7 @@
 </file>
 
 <file path=ppt/slides/slide45.xml><?xml version="1.0" encoding="utf-8"?>
-<p:sld xmlns:a="http://schemas.openxmlformats.org/drawingml/2006/main" xmlns:r="http://schemas.openxmlformats.org/officeDocument/2006/relationships" xmlns:p="http://schemas.openxmlformats.org/presentationml/2006/main">
+<p:sld xmlns:a="http://schemas.openxmlformats.org/drawingml/2006/main" xmlns:r="http://schemas.openxmlformats.org/officeDocument/2006/relationships" xmlns:p="http://schemas.openxmlformats.org/presentationml/2006/main" show="0">
   <p:cSld>
     <p:spTree>
       <p:nvGrpSpPr>
@@ -36976,7 +41145,7 @@
             </a:pPr>
             <a:r>
               <a:rPr lang="en-US" dirty="0"/>
-              <a:t>Fd &amp; Bk Pointers</a:t>
+              <a:t>Fd &amp; bk Pointers</a:t>
             </a:r>
           </a:p>
           <a:p>
@@ -37087,6 +41256,126 @@
           <a:xfrm>
             <a:off x="4040184" y="563845"/>
             <a:ext cx="5043438" cy="3392858"/>
+          </a:xfrm>
+          <a:prstGeom prst="rect">
+            <a:avLst/>
+          </a:prstGeom>
+        </p:spPr>
+      </p:pic>
+      <p:pic>
+        <p:nvPicPr>
+          <p:cNvPr id="6" name="Picture 5">
+            <a:extLst>
+              <a:ext uri="{FF2B5EF4-FFF2-40B4-BE49-F238E27FC236}">
+                <a16:creationId xmlns:a16="http://schemas.microsoft.com/office/drawing/2014/main" id="{1215F5CA-4D88-5446-9031-D47A421FC177}"/>
+              </a:ext>
+            </a:extLst>
+          </p:cNvPr>
+          <p:cNvPicPr>
+            <a:picLocks noChangeAspect="1"/>
+          </p:cNvPicPr>
+          <p:nvPr/>
+        </p:nvPicPr>
+        <p:blipFill>
+          <a:blip r:embed="rId4"/>
+          <a:stretch>
+            <a:fillRect/>
+          </a:stretch>
+        </p:blipFill>
+        <p:spPr>
+          <a:xfrm>
+            <a:off x="4929269" y="3158415"/>
+            <a:ext cx="268688" cy="217017"/>
+          </a:xfrm>
+          <a:prstGeom prst="rect">
+            <a:avLst/>
+          </a:prstGeom>
+        </p:spPr>
+      </p:pic>
+      <p:pic>
+        <p:nvPicPr>
+          <p:cNvPr id="9" name="Picture 8">
+            <a:extLst>
+              <a:ext uri="{FF2B5EF4-FFF2-40B4-BE49-F238E27FC236}">
+                <a16:creationId xmlns:a16="http://schemas.microsoft.com/office/drawing/2014/main" id="{39C392DB-2201-6F48-9DC2-7EE23CCE28EA}"/>
+              </a:ext>
+            </a:extLst>
+          </p:cNvPr>
+          <p:cNvPicPr>
+            <a:picLocks noChangeAspect="1"/>
+          </p:cNvPicPr>
+          <p:nvPr/>
+        </p:nvPicPr>
+        <p:blipFill>
+          <a:blip r:embed="rId4"/>
+          <a:stretch>
+            <a:fillRect/>
+          </a:stretch>
+        </p:blipFill>
+        <p:spPr>
+          <a:xfrm>
+            <a:off x="6737757" y="3149281"/>
+            <a:ext cx="268688" cy="217017"/>
+          </a:xfrm>
+          <a:prstGeom prst="rect">
+            <a:avLst/>
+          </a:prstGeom>
+        </p:spPr>
+      </p:pic>
+      <p:pic>
+        <p:nvPicPr>
+          <p:cNvPr id="10" name="Picture 9">
+            <a:extLst>
+              <a:ext uri="{FF2B5EF4-FFF2-40B4-BE49-F238E27FC236}">
+                <a16:creationId xmlns:a16="http://schemas.microsoft.com/office/drawing/2014/main" id="{C1844371-7E4A-E34E-924C-4A2AD89BFEA4}"/>
+              </a:ext>
+            </a:extLst>
+          </p:cNvPr>
+          <p:cNvPicPr>
+            <a:picLocks noChangeAspect="1"/>
+          </p:cNvPicPr>
+          <p:nvPr/>
+        </p:nvPicPr>
+        <p:blipFill>
+          <a:blip r:embed="rId4"/>
+          <a:stretch>
+            <a:fillRect/>
+          </a:stretch>
+        </p:blipFill>
+        <p:spPr>
+          <a:xfrm>
+            <a:off x="8546245" y="3171826"/>
+            <a:ext cx="268688" cy="217017"/>
+          </a:xfrm>
+          <a:prstGeom prst="rect">
+            <a:avLst/>
+          </a:prstGeom>
+        </p:spPr>
+      </p:pic>
+      <p:pic>
+        <p:nvPicPr>
+          <p:cNvPr id="8" name="Picture 7">
+            <a:extLst>
+              <a:ext uri="{FF2B5EF4-FFF2-40B4-BE49-F238E27FC236}">
+                <a16:creationId xmlns:a16="http://schemas.microsoft.com/office/drawing/2014/main" id="{2F20E167-5D97-2442-974C-3626227FAD2D}"/>
+              </a:ext>
+            </a:extLst>
+          </p:cNvPr>
+          <p:cNvPicPr>
+            <a:picLocks noChangeAspect="1"/>
+          </p:cNvPicPr>
+          <p:nvPr/>
+        </p:nvPicPr>
+        <p:blipFill>
+          <a:blip r:embed="rId5"/>
+          <a:stretch>
+            <a:fillRect/>
+          </a:stretch>
+        </p:blipFill>
+        <p:spPr>
+          <a:xfrm>
+            <a:off x="7658559" y="1245319"/>
+            <a:ext cx="251446" cy="203091"/>
           </a:xfrm>
           <a:prstGeom prst="rect">
             <a:avLst/>

--- a/modules/unsorted_bin_attack/unsorted_bin.pptx
+++ b/modules/unsorted_bin_attack/unsorted_bin.pptx
@@ -5,14 +5,14 @@
     <p:sldMasterId id="2147483660" r:id="rId1"/>
   </p:sldMasterIdLst>
   <p:notesMasterIdLst>
-    <p:notesMasterId r:id="rId48"/>
+    <p:notesMasterId r:id="rId56"/>
   </p:notesMasterIdLst>
   <p:sldIdLst>
     <p:sldId id="330" r:id="rId2"/>
     <p:sldId id="331" r:id="rId3"/>
     <p:sldId id="332" r:id="rId4"/>
     <p:sldId id="351" r:id="rId5"/>
-    <p:sldId id="400" r:id="rId6"/>
+    <p:sldId id="424" r:id="rId6"/>
     <p:sldId id="283" r:id="rId7"/>
     <p:sldId id="399" r:id="rId8"/>
     <p:sldId id="383" r:id="rId9"/>
@@ -36,24 +36,32 @@
     <p:sldId id="382" r:id="rId27"/>
     <p:sldId id="390" r:id="rId28"/>
     <p:sldId id="339" r:id="rId29"/>
-    <p:sldId id="341" r:id="rId30"/>
-    <p:sldId id="342" r:id="rId31"/>
-    <p:sldId id="392" r:id="rId32"/>
-    <p:sldId id="354" r:id="rId33"/>
-    <p:sldId id="353" r:id="rId34"/>
-    <p:sldId id="393" r:id="rId35"/>
-    <p:sldId id="394" r:id="rId36"/>
-    <p:sldId id="395" r:id="rId37"/>
-    <p:sldId id="396" r:id="rId38"/>
-    <p:sldId id="352" r:id="rId39"/>
-    <p:sldId id="397" r:id="rId40"/>
-    <p:sldId id="340" r:id="rId41"/>
-    <p:sldId id="355" r:id="rId42"/>
-    <p:sldId id="344" r:id="rId43"/>
-    <p:sldId id="345" r:id="rId44"/>
-    <p:sldId id="343" r:id="rId45"/>
-    <p:sldId id="346" r:id="rId46"/>
-    <p:sldId id="391" r:id="rId47"/>
+    <p:sldId id="422" r:id="rId30"/>
+    <p:sldId id="423" r:id="rId31"/>
+    <p:sldId id="341" r:id="rId32"/>
+    <p:sldId id="342" r:id="rId33"/>
+    <p:sldId id="392" r:id="rId34"/>
+    <p:sldId id="354" r:id="rId35"/>
+    <p:sldId id="353" r:id="rId36"/>
+    <p:sldId id="393" r:id="rId37"/>
+    <p:sldId id="394" r:id="rId38"/>
+    <p:sldId id="395" r:id="rId39"/>
+    <p:sldId id="396" r:id="rId40"/>
+    <p:sldId id="352" r:id="rId41"/>
+    <p:sldId id="397" r:id="rId42"/>
+    <p:sldId id="340" r:id="rId43"/>
+    <p:sldId id="355" r:id="rId44"/>
+    <p:sldId id="412" r:id="rId45"/>
+    <p:sldId id="413" r:id="rId46"/>
+    <p:sldId id="414" r:id="rId47"/>
+    <p:sldId id="416" r:id="rId48"/>
+    <p:sldId id="415" r:id="rId49"/>
+    <p:sldId id="417" r:id="rId50"/>
+    <p:sldId id="418" r:id="rId51"/>
+    <p:sldId id="419" r:id="rId52"/>
+    <p:sldId id="420" r:id="rId53"/>
+    <p:sldId id="421" r:id="rId54"/>
+    <p:sldId id="391" r:id="rId55"/>
   </p:sldIdLst>
   <p:sldSz cx="9144000" cy="5143500" type="screen16x9"/>
   <p:notesSz cx="6858000" cy="9144000"/>
@@ -894,6 +902,753 @@
   <dgm:styleLbl name="fgShp">
     <dgm:fillClrLst meth="repeat">
       <a:schemeClr val="accent2">
+        <a:tint val="60000"/>
+      </a:schemeClr>
+    </dgm:fillClrLst>
+    <dgm:linClrLst meth="repeat">
+      <a:schemeClr val="lt1"/>
+    </dgm:linClrLst>
+    <dgm:effectClrLst/>
+    <dgm:txLinClrLst/>
+    <dgm:txFillClrLst meth="repeat">
+      <a:schemeClr val="dk1"/>
+    </dgm:txFillClrLst>
+    <dgm:txEffectClrLst/>
+  </dgm:styleLbl>
+  <dgm:styleLbl name="revTx">
+    <dgm:fillClrLst meth="repeat">
+      <a:schemeClr val="lt1">
+        <a:alpha val="0"/>
+      </a:schemeClr>
+    </dgm:fillClrLst>
+    <dgm:linClrLst meth="repeat">
+      <a:schemeClr val="dk1">
+        <a:alpha val="0"/>
+      </a:schemeClr>
+    </dgm:linClrLst>
+    <dgm:effectClrLst/>
+    <dgm:txLinClrLst/>
+    <dgm:txFillClrLst meth="repeat">
+      <a:schemeClr val="tx1"/>
+    </dgm:txFillClrLst>
+    <dgm:txEffectClrLst/>
+  </dgm:styleLbl>
+</dgm:colorsDef>
+</file>
+
+<file path=ppt/diagrams/colors10.xml><?xml version="1.0" encoding="utf-8"?>
+<dgm:colorsDef xmlns:dgm="http://schemas.openxmlformats.org/drawingml/2006/diagram" xmlns:a="http://schemas.openxmlformats.org/drawingml/2006/main" uniqueId="urn:microsoft.com/office/officeart/2005/8/colors/accent1_2">
+  <dgm:title val=""/>
+  <dgm:desc val=""/>
+  <dgm:catLst>
+    <dgm:cat type="accent1" pri="11200"/>
+  </dgm:catLst>
+  <dgm:styleLbl name="node0">
+    <dgm:fillClrLst meth="repeat">
+      <a:schemeClr val="accent1"/>
+    </dgm:fillClrLst>
+    <dgm:linClrLst meth="repeat">
+      <a:schemeClr val="lt1"/>
+    </dgm:linClrLst>
+    <dgm:effectClrLst/>
+    <dgm:txLinClrLst/>
+    <dgm:txFillClrLst/>
+    <dgm:txEffectClrLst/>
+  </dgm:styleLbl>
+  <dgm:styleLbl name="alignNode1">
+    <dgm:fillClrLst meth="repeat">
+      <a:schemeClr val="accent1"/>
+    </dgm:fillClrLst>
+    <dgm:linClrLst meth="repeat">
+      <a:schemeClr val="accent1"/>
+    </dgm:linClrLst>
+    <dgm:effectClrLst/>
+    <dgm:txLinClrLst/>
+    <dgm:txFillClrLst/>
+    <dgm:txEffectClrLst/>
+  </dgm:styleLbl>
+  <dgm:styleLbl name="node1">
+    <dgm:fillClrLst meth="repeat">
+      <a:schemeClr val="accent1"/>
+    </dgm:fillClrLst>
+    <dgm:linClrLst meth="repeat">
+      <a:schemeClr val="lt1"/>
+    </dgm:linClrLst>
+    <dgm:effectClrLst/>
+    <dgm:txLinClrLst/>
+    <dgm:txFillClrLst/>
+    <dgm:txEffectClrLst/>
+  </dgm:styleLbl>
+  <dgm:styleLbl name="lnNode1">
+    <dgm:fillClrLst meth="repeat">
+      <a:schemeClr val="accent1"/>
+    </dgm:fillClrLst>
+    <dgm:linClrLst meth="repeat">
+      <a:schemeClr val="lt1"/>
+    </dgm:linClrLst>
+    <dgm:effectClrLst/>
+    <dgm:txLinClrLst/>
+    <dgm:txFillClrLst/>
+    <dgm:txEffectClrLst/>
+  </dgm:styleLbl>
+  <dgm:styleLbl name="vennNode1">
+    <dgm:fillClrLst meth="repeat">
+      <a:schemeClr val="accent1">
+        <a:alpha val="50000"/>
+      </a:schemeClr>
+    </dgm:fillClrLst>
+    <dgm:linClrLst meth="repeat">
+      <a:schemeClr val="lt1"/>
+    </dgm:linClrLst>
+    <dgm:effectClrLst/>
+    <dgm:txLinClrLst/>
+    <dgm:txFillClrLst/>
+    <dgm:txEffectClrLst/>
+  </dgm:styleLbl>
+  <dgm:styleLbl name="node2">
+    <dgm:fillClrLst meth="repeat">
+      <a:schemeClr val="accent1"/>
+    </dgm:fillClrLst>
+    <dgm:linClrLst meth="repeat">
+      <a:schemeClr val="lt1"/>
+    </dgm:linClrLst>
+    <dgm:effectClrLst/>
+    <dgm:txLinClrLst/>
+    <dgm:txFillClrLst/>
+    <dgm:txEffectClrLst/>
+  </dgm:styleLbl>
+  <dgm:styleLbl name="node3">
+    <dgm:fillClrLst meth="repeat">
+      <a:schemeClr val="accent1"/>
+    </dgm:fillClrLst>
+    <dgm:linClrLst meth="repeat">
+      <a:schemeClr val="lt1"/>
+    </dgm:linClrLst>
+    <dgm:effectClrLst/>
+    <dgm:txLinClrLst/>
+    <dgm:txFillClrLst/>
+    <dgm:txEffectClrLst/>
+  </dgm:styleLbl>
+  <dgm:styleLbl name="node4">
+    <dgm:fillClrLst meth="repeat">
+      <a:schemeClr val="accent1"/>
+    </dgm:fillClrLst>
+    <dgm:linClrLst meth="repeat">
+      <a:schemeClr val="lt1"/>
+    </dgm:linClrLst>
+    <dgm:effectClrLst/>
+    <dgm:txLinClrLst/>
+    <dgm:txFillClrLst/>
+    <dgm:txEffectClrLst/>
+  </dgm:styleLbl>
+  <dgm:styleLbl name="fgImgPlace1">
+    <dgm:fillClrLst meth="repeat">
+      <a:schemeClr val="accent1">
+        <a:tint val="50000"/>
+      </a:schemeClr>
+    </dgm:fillClrLst>
+    <dgm:linClrLst meth="repeat">
+      <a:schemeClr val="lt1"/>
+    </dgm:linClrLst>
+    <dgm:effectClrLst/>
+    <dgm:txLinClrLst/>
+    <dgm:txFillClrLst meth="repeat">
+      <a:schemeClr val="lt1"/>
+    </dgm:txFillClrLst>
+    <dgm:txEffectClrLst/>
+  </dgm:styleLbl>
+  <dgm:styleLbl name="alignImgPlace1">
+    <dgm:fillClrLst meth="repeat">
+      <a:schemeClr val="accent1">
+        <a:tint val="50000"/>
+      </a:schemeClr>
+    </dgm:fillClrLst>
+    <dgm:linClrLst meth="repeat">
+      <a:schemeClr val="lt1"/>
+    </dgm:linClrLst>
+    <dgm:effectClrLst/>
+    <dgm:txLinClrLst/>
+    <dgm:txFillClrLst meth="repeat">
+      <a:schemeClr val="lt1"/>
+    </dgm:txFillClrLst>
+    <dgm:txEffectClrLst/>
+  </dgm:styleLbl>
+  <dgm:styleLbl name="bgImgPlace1">
+    <dgm:fillClrLst meth="repeat">
+      <a:schemeClr val="accent1">
+        <a:tint val="50000"/>
+      </a:schemeClr>
+    </dgm:fillClrLst>
+    <dgm:linClrLst meth="repeat">
+      <a:schemeClr val="lt1"/>
+    </dgm:linClrLst>
+    <dgm:effectClrLst/>
+    <dgm:txLinClrLst/>
+    <dgm:txFillClrLst meth="repeat">
+      <a:schemeClr val="lt1"/>
+    </dgm:txFillClrLst>
+    <dgm:txEffectClrLst/>
+  </dgm:styleLbl>
+  <dgm:styleLbl name="sibTrans2D1">
+    <dgm:fillClrLst meth="repeat">
+      <a:schemeClr val="accent1">
+        <a:tint val="60000"/>
+      </a:schemeClr>
+    </dgm:fillClrLst>
+    <dgm:linClrLst meth="repeat">
+      <a:schemeClr val="accent1">
+        <a:tint val="60000"/>
+      </a:schemeClr>
+    </dgm:linClrLst>
+    <dgm:effectClrLst/>
+    <dgm:txLinClrLst/>
+    <dgm:txFillClrLst/>
+    <dgm:txEffectClrLst/>
+  </dgm:styleLbl>
+  <dgm:styleLbl name="fgSibTrans2D1">
+    <dgm:fillClrLst meth="repeat">
+      <a:schemeClr val="accent1">
+        <a:tint val="60000"/>
+      </a:schemeClr>
+    </dgm:fillClrLst>
+    <dgm:linClrLst meth="repeat">
+      <a:schemeClr val="accent1">
+        <a:tint val="60000"/>
+      </a:schemeClr>
+    </dgm:linClrLst>
+    <dgm:effectClrLst/>
+    <dgm:txLinClrLst/>
+    <dgm:txFillClrLst/>
+    <dgm:txEffectClrLst/>
+  </dgm:styleLbl>
+  <dgm:styleLbl name="bgSibTrans2D1">
+    <dgm:fillClrLst meth="repeat">
+      <a:schemeClr val="accent1">
+        <a:tint val="60000"/>
+      </a:schemeClr>
+    </dgm:fillClrLst>
+    <dgm:linClrLst meth="repeat">
+      <a:schemeClr val="accent1">
+        <a:tint val="60000"/>
+      </a:schemeClr>
+    </dgm:linClrLst>
+    <dgm:effectClrLst/>
+    <dgm:txLinClrLst/>
+    <dgm:txFillClrLst/>
+    <dgm:txEffectClrLst/>
+  </dgm:styleLbl>
+  <dgm:styleLbl name="sibTrans1D1">
+    <dgm:fillClrLst meth="repeat">
+      <a:schemeClr val="accent1"/>
+    </dgm:fillClrLst>
+    <dgm:linClrLst meth="repeat">
+      <a:schemeClr val="accent1"/>
+    </dgm:linClrLst>
+    <dgm:effectClrLst/>
+    <dgm:txLinClrLst/>
+    <dgm:txFillClrLst meth="repeat">
+      <a:schemeClr val="tx1"/>
+    </dgm:txFillClrLst>
+    <dgm:txEffectClrLst/>
+  </dgm:styleLbl>
+  <dgm:styleLbl name="callout">
+    <dgm:fillClrLst meth="repeat">
+      <a:schemeClr val="accent1"/>
+    </dgm:fillClrLst>
+    <dgm:linClrLst meth="repeat">
+      <a:schemeClr val="accent1">
+        <a:tint val="50000"/>
+      </a:schemeClr>
+    </dgm:linClrLst>
+    <dgm:effectClrLst/>
+    <dgm:txLinClrLst/>
+    <dgm:txFillClrLst meth="repeat">
+      <a:schemeClr val="tx1"/>
+    </dgm:txFillClrLst>
+    <dgm:txEffectClrLst/>
+  </dgm:styleLbl>
+  <dgm:styleLbl name="asst0">
+    <dgm:fillClrLst meth="repeat">
+      <a:schemeClr val="accent1"/>
+    </dgm:fillClrLst>
+    <dgm:linClrLst meth="repeat">
+      <a:schemeClr val="lt1"/>
+    </dgm:linClrLst>
+    <dgm:effectClrLst/>
+    <dgm:txLinClrLst/>
+    <dgm:txFillClrLst/>
+    <dgm:txEffectClrLst/>
+  </dgm:styleLbl>
+  <dgm:styleLbl name="asst1">
+    <dgm:fillClrLst meth="repeat">
+      <a:schemeClr val="accent1"/>
+    </dgm:fillClrLst>
+    <dgm:linClrLst meth="repeat">
+      <a:schemeClr val="lt1"/>
+    </dgm:linClrLst>
+    <dgm:effectClrLst/>
+    <dgm:txLinClrLst/>
+    <dgm:txFillClrLst/>
+    <dgm:txEffectClrLst/>
+  </dgm:styleLbl>
+  <dgm:styleLbl name="asst2">
+    <dgm:fillClrLst meth="repeat">
+      <a:schemeClr val="accent1"/>
+    </dgm:fillClrLst>
+    <dgm:linClrLst meth="repeat">
+      <a:schemeClr val="lt1"/>
+    </dgm:linClrLst>
+    <dgm:effectClrLst/>
+    <dgm:txLinClrLst/>
+    <dgm:txFillClrLst/>
+    <dgm:txEffectClrLst/>
+  </dgm:styleLbl>
+  <dgm:styleLbl name="asst3">
+    <dgm:fillClrLst meth="repeat">
+      <a:schemeClr val="accent1"/>
+    </dgm:fillClrLst>
+    <dgm:linClrLst meth="repeat">
+      <a:schemeClr val="lt1"/>
+    </dgm:linClrLst>
+    <dgm:effectClrLst/>
+    <dgm:txLinClrLst/>
+    <dgm:txFillClrLst/>
+    <dgm:txEffectClrLst/>
+  </dgm:styleLbl>
+  <dgm:styleLbl name="asst4">
+    <dgm:fillClrLst meth="repeat">
+      <a:schemeClr val="accent1"/>
+    </dgm:fillClrLst>
+    <dgm:linClrLst meth="repeat">
+      <a:schemeClr val="lt1"/>
+    </dgm:linClrLst>
+    <dgm:effectClrLst/>
+    <dgm:txLinClrLst/>
+    <dgm:txFillClrLst/>
+    <dgm:txEffectClrLst/>
+  </dgm:styleLbl>
+  <dgm:styleLbl name="parChTrans2D1">
+    <dgm:fillClrLst meth="repeat">
+      <a:schemeClr val="accent1">
+        <a:tint val="60000"/>
+      </a:schemeClr>
+    </dgm:fillClrLst>
+    <dgm:linClrLst meth="repeat">
+      <a:schemeClr val="accent1">
+        <a:tint val="60000"/>
+      </a:schemeClr>
+    </dgm:linClrLst>
+    <dgm:effectClrLst/>
+    <dgm:txLinClrLst/>
+    <dgm:txFillClrLst meth="repeat">
+      <a:schemeClr val="lt1"/>
+    </dgm:txFillClrLst>
+    <dgm:txEffectClrLst/>
+  </dgm:styleLbl>
+  <dgm:styleLbl name="parChTrans2D2">
+    <dgm:fillClrLst meth="repeat">
+      <a:schemeClr val="accent1"/>
+    </dgm:fillClrLst>
+    <dgm:linClrLst meth="repeat">
+      <a:schemeClr val="accent1"/>
+    </dgm:linClrLst>
+    <dgm:effectClrLst/>
+    <dgm:txLinClrLst/>
+    <dgm:txFillClrLst meth="repeat">
+      <a:schemeClr val="lt1"/>
+    </dgm:txFillClrLst>
+    <dgm:txEffectClrLst/>
+  </dgm:styleLbl>
+  <dgm:styleLbl name="parChTrans2D3">
+    <dgm:fillClrLst meth="repeat">
+      <a:schemeClr val="accent1"/>
+    </dgm:fillClrLst>
+    <dgm:linClrLst meth="repeat">
+      <a:schemeClr val="accent1"/>
+    </dgm:linClrLst>
+    <dgm:effectClrLst/>
+    <dgm:txLinClrLst/>
+    <dgm:txFillClrLst meth="repeat">
+      <a:schemeClr val="lt1"/>
+    </dgm:txFillClrLst>
+    <dgm:txEffectClrLst/>
+  </dgm:styleLbl>
+  <dgm:styleLbl name="parChTrans2D4">
+    <dgm:fillClrLst meth="repeat">
+      <a:schemeClr val="accent1"/>
+    </dgm:fillClrLst>
+    <dgm:linClrLst meth="repeat">
+      <a:schemeClr val="accent1"/>
+    </dgm:linClrLst>
+    <dgm:effectClrLst/>
+    <dgm:txLinClrLst/>
+    <dgm:txFillClrLst meth="repeat">
+      <a:schemeClr val="lt1"/>
+    </dgm:txFillClrLst>
+    <dgm:txEffectClrLst/>
+  </dgm:styleLbl>
+  <dgm:styleLbl name="parChTrans1D1">
+    <dgm:fillClrLst meth="repeat">
+      <a:schemeClr val="accent1"/>
+    </dgm:fillClrLst>
+    <dgm:linClrLst meth="repeat">
+      <a:schemeClr val="accent1">
+        <a:shade val="60000"/>
+      </a:schemeClr>
+    </dgm:linClrLst>
+    <dgm:effectClrLst/>
+    <dgm:txLinClrLst/>
+    <dgm:txFillClrLst meth="repeat">
+      <a:schemeClr val="tx1"/>
+    </dgm:txFillClrLst>
+    <dgm:txEffectClrLst/>
+  </dgm:styleLbl>
+  <dgm:styleLbl name="parChTrans1D2">
+    <dgm:fillClrLst meth="repeat">
+      <a:schemeClr val="accent1"/>
+    </dgm:fillClrLst>
+    <dgm:linClrLst meth="repeat">
+      <a:schemeClr val="accent1">
+        <a:shade val="60000"/>
+      </a:schemeClr>
+    </dgm:linClrLst>
+    <dgm:effectClrLst/>
+    <dgm:txLinClrLst/>
+    <dgm:txFillClrLst meth="repeat">
+      <a:schemeClr val="tx1"/>
+    </dgm:txFillClrLst>
+    <dgm:txEffectClrLst/>
+  </dgm:styleLbl>
+  <dgm:styleLbl name="parChTrans1D3">
+    <dgm:fillClrLst meth="repeat">
+      <a:schemeClr val="accent1"/>
+    </dgm:fillClrLst>
+    <dgm:linClrLst meth="repeat">
+      <a:schemeClr val="accent1">
+        <a:shade val="80000"/>
+      </a:schemeClr>
+    </dgm:linClrLst>
+    <dgm:effectClrLst/>
+    <dgm:txLinClrLst/>
+    <dgm:txFillClrLst meth="repeat">
+      <a:schemeClr val="tx1"/>
+    </dgm:txFillClrLst>
+    <dgm:txEffectClrLst/>
+  </dgm:styleLbl>
+  <dgm:styleLbl name="parChTrans1D4">
+    <dgm:fillClrLst meth="repeat">
+      <a:schemeClr val="accent1"/>
+    </dgm:fillClrLst>
+    <dgm:linClrLst meth="repeat">
+      <a:schemeClr val="accent1">
+        <a:shade val="80000"/>
+      </a:schemeClr>
+    </dgm:linClrLst>
+    <dgm:effectClrLst/>
+    <dgm:txLinClrLst/>
+    <dgm:txFillClrLst meth="repeat">
+      <a:schemeClr val="tx1"/>
+    </dgm:txFillClrLst>
+    <dgm:txEffectClrLst/>
+  </dgm:styleLbl>
+  <dgm:styleLbl name="fgAcc1">
+    <dgm:fillClrLst meth="repeat">
+      <a:schemeClr val="lt1">
+        <a:alpha val="90000"/>
+      </a:schemeClr>
+    </dgm:fillClrLst>
+    <dgm:linClrLst meth="repeat">
+      <a:schemeClr val="accent1"/>
+    </dgm:linClrLst>
+    <dgm:effectClrLst/>
+    <dgm:txLinClrLst/>
+    <dgm:txFillClrLst meth="repeat">
+      <a:schemeClr val="dk1"/>
+    </dgm:txFillClrLst>
+    <dgm:txEffectClrLst/>
+  </dgm:styleLbl>
+  <dgm:styleLbl name="conFgAcc1">
+    <dgm:fillClrLst meth="repeat">
+      <a:schemeClr val="lt1">
+        <a:alpha val="90000"/>
+      </a:schemeClr>
+    </dgm:fillClrLst>
+    <dgm:linClrLst meth="repeat">
+      <a:schemeClr val="accent1"/>
+    </dgm:linClrLst>
+    <dgm:effectClrLst/>
+    <dgm:txLinClrLst/>
+    <dgm:txFillClrLst meth="repeat">
+      <a:schemeClr val="dk1"/>
+    </dgm:txFillClrLst>
+    <dgm:txEffectClrLst/>
+  </dgm:styleLbl>
+  <dgm:styleLbl name="alignAcc1">
+    <dgm:fillClrLst meth="repeat">
+      <a:schemeClr val="lt1">
+        <a:alpha val="90000"/>
+      </a:schemeClr>
+    </dgm:fillClrLst>
+    <dgm:linClrLst meth="repeat">
+      <a:schemeClr val="accent1"/>
+    </dgm:linClrLst>
+    <dgm:effectClrLst/>
+    <dgm:txLinClrLst/>
+    <dgm:txFillClrLst meth="repeat">
+      <a:schemeClr val="dk1"/>
+    </dgm:txFillClrLst>
+    <dgm:txEffectClrLst/>
+  </dgm:styleLbl>
+  <dgm:styleLbl name="trAlignAcc1">
+    <dgm:fillClrLst meth="repeat">
+      <a:schemeClr val="lt1">
+        <a:alpha val="40000"/>
+      </a:schemeClr>
+    </dgm:fillClrLst>
+    <dgm:linClrLst meth="repeat">
+      <a:schemeClr val="accent1"/>
+    </dgm:linClrLst>
+    <dgm:effectClrLst/>
+    <dgm:txLinClrLst/>
+    <dgm:txFillClrLst meth="repeat">
+      <a:schemeClr val="dk1"/>
+    </dgm:txFillClrLst>
+    <dgm:txEffectClrLst/>
+  </dgm:styleLbl>
+  <dgm:styleLbl name="bgAcc1">
+    <dgm:fillClrLst meth="repeat">
+      <a:schemeClr val="lt1">
+        <a:alpha val="90000"/>
+      </a:schemeClr>
+    </dgm:fillClrLst>
+    <dgm:linClrLst meth="repeat">
+      <a:schemeClr val="accent1"/>
+    </dgm:linClrLst>
+    <dgm:effectClrLst/>
+    <dgm:txLinClrLst/>
+    <dgm:txFillClrLst meth="repeat">
+      <a:schemeClr val="dk1"/>
+    </dgm:txFillClrLst>
+    <dgm:txEffectClrLst/>
+  </dgm:styleLbl>
+  <dgm:styleLbl name="solidFgAcc1">
+    <dgm:fillClrLst meth="repeat">
+      <a:schemeClr val="lt1"/>
+    </dgm:fillClrLst>
+    <dgm:linClrLst meth="repeat">
+      <a:schemeClr val="accent1"/>
+    </dgm:linClrLst>
+    <dgm:effectClrLst/>
+    <dgm:txLinClrLst/>
+    <dgm:txFillClrLst meth="repeat">
+      <a:schemeClr val="dk1"/>
+    </dgm:txFillClrLst>
+    <dgm:txEffectClrLst/>
+  </dgm:styleLbl>
+  <dgm:styleLbl name="solidAlignAcc1">
+    <dgm:fillClrLst meth="repeat">
+      <a:schemeClr val="lt1"/>
+    </dgm:fillClrLst>
+    <dgm:linClrLst meth="repeat">
+      <a:schemeClr val="accent1"/>
+    </dgm:linClrLst>
+    <dgm:effectClrLst/>
+    <dgm:txLinClrLst/>
+    <dgm:txFillClrLst meth="repeat">
+      <a:schemeClr val="dk1"/>
+    </dgm:txFillClrLst>
+    <dgm:txEffectClrLst/>
+  </dgm:styleLbl>
+  <dgm:styleLbl name="solidBgAcc1">
+    <dgm:fillClrLst meth="repeat">
+      <a:schemeClr val="lt1"/>
+    </dgm:fillClrLst>
+    <dgm:linClrLst meth="repeat">
+      <a:schemeClr val="accent1"/>
+    </dgm:linClrLst>
+    <dgm:effectClrLst/>
+    <dgm:txLinClrLst/>
+    <dgm:txFillClrLst meth="repeat">
+      <a:schemeClr val="dk1"/>
+    </dgm:txFillClrLst>
+    <dgm:txEffectClrLst/>
+  </dgm:styleLbl>
+  <dgm:styleLbl name="fgAccFollowNode1">
+    <dgm:fillClrLst meth="repeat">
+      <a:schemeClr val="accent1">
+        <a:alpha val="90000"/>
+        <a:tint val="40000"/>
+      </a:schemeClr>
+    </dgm:fillClrLst>
+    <dgm:linClrLst meth="repeat">
+      <a:schemeClr val="accent1">
+        <a:alpha val="90000"/>
+        <a:tint val="40000"/>
+      </a:schemeClr>
+    </dgm:linClrLst>
+    <dgm:effectClrLst/>
+    <dgm:txLinClrLst/>
+    <dgm:txFillClrLst meth="repeat">
+      <a:schemeClr val="dk1"/>
+    </dgm:txFillClrLst>
+    <dgm:txEffectClrLst/>
+  </dgm:styleLbl>
+  <dgm:styleLbl name="alignAccFollowNode1">
+    <dgm:fillClrLst meth="repeat">
+      <a:schemeClr val="accent1">
+        <a:alpha val="90000"/>
+        <a:tint val="40000"/>
+      </a:schemeClr>
+    </dgm:fillClrLst>
+    <dgm:linClrLst meth="repeat">
+      <a:schemeClr val="accent1">
+        <a:alpha val="90000"/>
+        <a:tint val="40000"/>
+      </a:schemeClr>
+    </dgm:linClrLst>
+    <dgm:effectClrLst/>
+    <dgm:txLinClrLst/>
+    <dgm:txFillClrLst meth="repeat">
+      <a:schemeClr val="dk1"/>
+    </dgm:txFillClrLst>
+    <dgm:txEffectClrLst/>
+  </dgm:styleLbl>
+  <dgm:styleLbl name="bgAccFollowNode1">
+    <dgm:fillClrLst meth="repeat">
+      <a:schemeClr val="accent1">
+        <a:alpha val="90000"/>
+        <a:tint val="40000"/>
+      </a:schemeClr>
+    </dgm:fillClrLst>
+    <dgm:linClrLst meth="repeat">
+      <a:schemeClr val="accent1">
+        <a:alpha val="90000"/>
+        <a:tint val="40000"/>
+      </a:schemeClr>
+    </dgm:linClrLst>
+    <dgm:effectClrLst/>
+    <dgm:txLinClrLst/>
+    <dgm:txFillClrLst meth="repeat">
+      <a:schemeClr val="dk1"/>
+    </dgm:txFillClrLst>
+    <dgm:txEffectClrLst/>
+  </dgm:styleLbl>
+  <dgm:styleLbl name="fgAcc0">
+    <dgm:fillClrLst meth="repeat">
+      <a:schemeClr val="lt1">
+        <a:alpha val="90000"/>
+      </a:schemeClr>
+    </dgm:fillClrLst>
+    <dgm:linClrLst meth="repeat">
+      <a:schemeClr val="accent1"/>
+    </dgm:linClrLst>
+    <dgm:effectClrLst/>
+    <dgm:txLinClrLst/>
+    <dgm:txFillClrLst meth="repeat">
+      <a:schemeClr val="dk1"/>
+    </dgm:txFillClrLst>
+    <dgm:txEffectClrLst/>
+  </dgm:styleLbl>
+  <dgm:styleLbl name="fgAcc2">
+    <dgm:fillClrLst meth="repeat">
+      <a:schemeClr val="lt1">
+        <a:alpha val="90000"/>
+      </a:schemeClr>
+    </dgm:fillClrLst>
+    <dgm:linClrLst meth="repeat">
+      <a:schemeClr val="accent1"/>
+    </dgm:linClrLst>
+    <dgm:effectClrLst/>
+    <dgm:txLinClrLst/>
+    <dgm:txFillClrLst meth="repeat">
+      <a:schemeClr val="dk1"/>
+    </dgm:txFillClrLst>
+    <dgm:txEffectClrLst/>
+  </dgm:styleLbl>
+  <dgm:styleLbl name="fgAcc3">
+    <dgm:fillClrLst meth="repeat">
+      <a:schemeClr val="lt1">
+        <a:alpha val="90000"/>
+      </a:schemeClr>
+    </dgm:fillClrLst>
+    <dgm:linClrLst meth="repeat">
+      <a:schemeClr val="accent1"/>
+    </dgm:linClrLst>
+    <dgm:effectClrLst/>
+    <dgm:txLinClrLst/>
+    <dgm:txFillClrLst meth="repeat">
+      <a:schemeClr val="dk1"/>
+    </dgm:txFillClrLst>
+    <dgm:txEffectClrLst/>
+  </dgm:styleLbl>
+  <dgm:styleLbl name="fgAcc4">
+    <dgm:fillClrLst meth="repeat">
+      <a:schemeClr val="lt1">
+        <a:alpha val="90000"/>
+      </a:schemeClr>
+    </dgm:fillClrLst>
+    <dgm:linClrLst meth="repeat">
+      <a:schemeClr val="accent1"/>
+    </dgm:linClrLst>
+    <dgm:effectClrLst/>
+    <dgm:txLinClrLst/>
+    <dgm:txFillClrLst meth="repeat">
+      <a:schemeClr val="dk1"/>
+    </dgm:txFillClrLst>
+    <dgm:txEffectClrLst/>
+  </dgm:styleLbl>
+  <dgm:styleLbl name="bgShp">
+    <dgm:fillClrLst meth="repeat">
+      <a:schemeClr val="accent1">
+        <a:tint val="40000"/>
+      </a:schemeClr>
+    </dgm:fillClrLst>
+    <dgm:linClrLst meth="repeat">
+      <a:schemeClr val="accent1"/>
+    </dgm:linClrLst>
+    <dgm:effectClrLst/>
+    <dgm:txLinClrLst/>
+    <dgm:txFillClrLst meth="repeat">
+      <a:schemeClr val="dk1"/>
+    </dgm:txFillClrLst>
+    <dgm:txEffectClrLst/>
+  </dgm:styleLbl>
+  <dgm:styleLbl name="dkBgShp">
+    <dgm:fillClrLst meth="repeat">
+      <a:schemeClr val="accent1">
+        <a:shade val="80000"/>
+      </a:schemeClr>
+    </dgm:fillClrLst>
+    <dgm:linClrLst meth="repeat">
+      <a:schemeClr val="accent1"/>
+    </dgm:linClrLst>
+    <dgm:effectClrLst/>
+    <dgm:txLinClrLst/>
+    <dgm:txFillClrLst meth="repeat">
+      <a:schemeClr val="lt1"/>
+    </dgm:txFillClrLst>
+    <dgm:txEffectClrLst/>
+  </dgm:styleLbl>
+  <dgm:styleLbl name="trBgShp">
+    <dgm:fillClrLst meth="repeat">
+      <a:schemeClr val="accent1">
+        <a:tint val="50000"/>
+        <a:alpha val="40000"/>
+      </a:schemeClr>
+    </dgm:fillClrLst>
+    <dgm:linClrLst meth="repeat">
+      <a:schemeClr val="accent1"/>
+    </dgm:linClrLst>
+    <dgm:effectClrLst/>
+    <dgm:txLinClrLst/>
+    <dgm:txFillClrLst meth="repeat">
+      <a:schemeClr val="lt1"/>
+    </dgm:txFillClrLst>
+    <dgm:txEffectClrLst/>
+  </dgm:styleLbl>
+  <dgm:styleLbl name="fgShp">
+    <dgm:fillClrLst meth="repeat">
+      <a:schemeClr val="accent1">
         <a:tint val="60000"/>
       </a:schemeClr>
     </dgm:fillClrLst>
@@ -7234,11 +7989,229 @@
 </dgm:dataModel>
 </file>
 
+<file path=ppt/diagrams/data10.xml><?xml version="1.0" encoding="utf-8"?>
+<dgm:dataModel xmlns:dgm="http://schemas.openxmlformats.org/drawingml/2006/diagram" xmlns:a="http://schemas.openxmlformats.org/drawingml/2006/main">
+  <dgm:ptLst>
+    <dgm:pt modelId="{225BC978-762F-43E2-B297-624DEECBEE97}" type="doc">
+      <dgm:prSet loTypeId="urn:microsoft.com/office/officeart/2005/8/layout/list1" loCatId="list" qsTypeId="urn:microsoft.com/office/officeart/2005/8/quickstyle/simple2" qsCatId="simple" csTypeId="urn:microsoft.com/office/officeart/2005/8/colors/accent1_2" csCatId="accent1" phldr="1"/>
+      <dgm:spPr/>
+      <dgm:t>
+        <a:bodyPr/>
+        <a:lstStyle/>
+        <a:p>
+          <a:endParaRPr lang="en-US"/>
+        </a:p>
+      </dgm:t>
+    </dgm:pt>
+    <dgm:pt modelId="{AF102A08-28E4-44E8-9BCE-EEF23B03A9F6}">
+      <dgm:prSet/>
+      <dgm:spPr/>
+      <dgm:t>
+        <a:bodyPr/>
+        <a:lstStyle/>
+        <a:p>
+          <a:r>
+            <a:rPr lang="en-US"/>
+            <a:t>Buffers commonly have a ‘length’ variable associated with it</a:t>
+          </a:r>
+        </a:p>
+      </dgm:t>
+    </dgm:pt>
+    <dgm:pt modelId="{363A3800-6745-41B8-A136-70AB5ACAF6FC}" type="parTrans" cxnId="{F0CFD95F-CCCC-4D0C-B3B4-DEB88E0B3E82}">
+      <dgm:prSet/>
+      <dgm:spPr/>
+      <dgm:t>
+        <a:bodyPr/>
+        <a:lstStyle/>
+        <a:p>
+          <a:endParaRPr lang="en-US"/>
+        </a:p>
+      </dgm:t>
+    </dgm:pt>
+    <dgm:pt modelId="{010F5426-739D-4934-9085-50BD1F7B7792}" type="sibTrans" cxnId="{F0CFD95F-CCCC-4D0C-B3B4-DEB88E0B3E82}">
+      <dgm:prSet/>
+      <dgm:spPr/>
+      <dgm:t>
+        <a:bodyPr/>
+        <a:lstStyle/>
+        <a:p>
+          <a:endParaRPr lang="en-US"/>
+        </a:p>
+      </dgm:t>
+    </dgm:pt>
+    <dgm:pt modelId="{17367888-8F39-4A05-A54E-CFD57A5F6EBB}">
+      <dgm:prSet/>
+      <dgm:spPr/>
+      <dgm:t>
+        <a:bodyPr/>
+        <a:lstStyle/>
+        <a:p>
+          <a:r>
+            <a:rPr lang="en-US" dirty="0"/>
+            <a:t>Overflow buffers or OOB read/writes</a:t>
+          </a:r>
+        </a:p>
+      </dgm:t>
+    </dgm:pt>
+    <dgm:pt modelId="{9B0AFEBF-4180-4183-8223-39E5064715C3}" type="parTrans" cxnId="{BD621D45-3BFF-4BF8-B5E3-5BB2B1698C75}">
+      <dgm:prSet/>
+      <dgm:spPr/>
+      <dgm:t>
+        <a:bodyPr/>
+        <a:lstStyle/>
+        <a:p>
+          <a:endParaRPr lang="en-US"/>
+        </a:p>
+      </dgm:t>
+    </dgm:pt>
+    <dgm:pt modelId="{40EB3268-E6AA-40BC-A38F-BFC5C225F0F3}" type="sibTrans" cxnId="{BD621D45-3BFF-4BF8-B5E3-5BB2B1698C75}">
+      <dgm:prSet/>
+      <dgm:spPr/>
+      <dgm:t>
+        <a:bodyPr/>
+        <a:lstStyle/>
+        <a:p>
+          <a:endParaRPr lang="en-US"/>
+        </a:p>
+      </dgm:t>
+    </dgm:pt>
+    <dgm:pt modelId="{B9B36E1B-AEAD-074F-BB60-2B7679C3E9C2}">
+      <dgm:prSet/>
+      <dgm:spPr/>
+      <dgm:t>
+        <a:bodyPr/>
+        <a:lstStyle/>
+        <a:p>
+          <a:r>
+            <a:rPr lang="en-US" dirty="0"/>
+            <a:t>Cause all of the havoc </a:t>
+          </a:r>
+          <a:r>
+            <a:rPr lang="en-US" b="1" dirty="0"/>
+            <a:t>🔥</a:t>
+          </a:r>
+          <a:endParaRPr lang="en-US" dirty="0"/>
+        </a:p>
+      </dgm:t>
+    </dgm:pt>
+    <dgm:pt modelId="{B80CE3DE-4965-3446-B7A1-75E24E9D4A7C}" type="parTrans" cxnId="{874F4A1A-EBA8-654E-9868-E96425D9E96B}">
+      <dgm:prSet/>
+      <dgm:spPr/>
+    </dgm:pt>
+    <dgm:pt modelId="{1A5C888E-0A8B-9842-8FF1-8917D2B51218}" type="sibTrans" cxnId="{874F4A1A-EBA8-654E-9868-E96425D9E96B}">
+      <dgm:prSet/>
+      <dgm:spPr/>
+    </dgm:pt>
+    <dgm:pt modelId="{2A1A4679-6362-324E-8243-DD66692FC4D7}" type="pres">
+      <dgm:prSet presAssocID="{225BC978-762F-43E2-B297-624DEECBEE97}" presName="linear" presStyleCnt="0">
+        <dgm:presLayoutVars>
+          <dgm:dir/>
+          <dgm:animLvl val="lvl"/>
+          <dgm:resizeHandles val="exact"/>
+        </dgm:presLayoutVars>
+      </dgm:prSet>
+      <dgm:spPr/>
+    </dgm:pt>
+    <dgm:pt modelId="{CE73CAED-131D-2542-A17B-9723744CF66B}" type="pres">
+      <dgm:prSet presAssocID="{AF102A08-28E4-44E8-9BCE-EEF23B03A9F6}" presName="parentLin" presStyleCnt="0"/>
+      <dgm:spPr/>
+    </dgm:pt>
+    <dgm:pt modelId="{EAC341C2-A85D-B042-9EB7-46FED7F27BC9}" type="pres">
+      <dgm:prSet presAssocID="{AF102A08-28E4-44E8-9BCE-EEF23B03A9F6}" presName="parentLeftMargin" presStyleLbl="node1" presStyleIdx="0" presStyleCnt="2"/>
+      <dgm:spPr/>
+    </dgm:pt>
+    <dgm:pt modelId="{53BC2919-4D46-CF4F-AB1C-8F36F9B464A8}" type="pres">
+      <dgm:prSet presAssocID="{AF102A08-28E4-44E8-9BCE-EEF23B03A9F6}" presName="parentText" presStyleLbl="node1" presStyleIdx="0" presStyleCnt="2">
+        <dgm:presLayoutVars>
+          <dgm:chMax val="0"/>
+          <dgm:bulletEnabled val="1"/>
+        </dgm:presLayoutVars>
+      </dgm:prSet>
+      <dgm:spPr/>
+    </dgm:pt>
+    <dgm:pt modelId="{2CBC4EC3-F80D-4441-AB3F-B62A68450C72}" type="pres">
+      <dgm:prSet presAssocID="{AF102A08-28E4-44E8-9BCE-EEF23B03A9F6}" presName="negativeSpace" presStyleCnt="0"/>
+      <dgm:spPr/>
+    </dgm:pt>
+    <dgm:pt modelId="{3C935DEF-4457-8948-8129-F3FFF782C506}" type="pres">
+      <dgm:prSet presAssocID="{AF102A08-28E4-44E8-9BCE-EEF23B03A9F6}" presName="childText" presStyleLbl="conFgAcc1" presStyleIdx="0" presStyleCnt="2">
+        <dgm:presLayoutVars>
+          <dgm:bulletEnabled val="1"/>
+        </dgm:presLayoutVars>
+      </dgm:prSet>
+      <dgm:spPr/>
+    </dgm:pt>
+    <dgm:pt modelId="{D92BCD49-5596-0C45-B3FF-9CB389F0F3E4}" type="pres">
+      <dgm:prSet presAssocID="{010F5426-739D-4934-9085-50BD1F7B7792}" presName="spaceBetweenRectangles" presStyleCnt="0"/>
+      <dgm:spPr/>
+    </dgm:pt>
+    <dgm:pt modelId="{A6694ED1-5528-E048-A97E-FA283046CC4C}" type="pres">
+      <dgm:prSet presAssocID="{B9B36E1B-AEAD-074F-BB60-2B7679C3E9C2}" presName="parentLin" presStyleCnt="0"/>
+      <dgm:spPr/>
+    </dgm:pt>
+    <dgm:pt modelId="{8E88BA92-CAE6-394F-A4DE-9F30E6187017}" type="pres">
+      <dgm:prSet presAssocID="{B9B36E1B-AEAD-074F-BB60-2B7679C3E9C2}" presName="parentLeftMargin" presStyleLbl="node1" presStyleIdx="0" presStyleCnt="2"/>
+      <dgm:spPr/>
+    </dgm:pt>
+    <dgm:pt modelId="{A97B4E99-8926-B348-B983-CBCB6FA5D4F2}" type="pres">
+      <dgm:prSet presAssocID="{B9B36E1B-AEAD-074F-BB60-2B7679C3E9C2}" presName="parentText" presStyleLbl="node1" presStyleIdx="1" presStyleCnt="2">
+        <dgm:presLayoutVars>
+          <dgm:chMax val="0"/>
+          <dgm:bulletEnabled val="1"/>
+        </dgm:presLayoutVars>
+      </dgm:prSet>
+      <dgm:spPr/>
+    </dgm:pt>
+    <dgm:pt modelId="{1313DDD7-2DC1-CE45-AD8E-36B1E209C321}" type="pres">
+      <dgm:prSet presAssocID="{B9B36E1B-AEAD-074F-BB60-2B7679C3E9C2}" presName="negativeSpace" presStyleCnt="0"/>
+      <dgm:spPr/>
+    </dgm:pt>
+    <dgm:pt modelId="{B647B210-E4A9-3C4F-AFE5-B3A3E0BF0C56}" type="pres">
+      <dgm:prSet presAssocID="{B9B36E1B-AEAD-074F-BB60-2B7679C3E9C2}" presName="childText" presStyleLbl="conFgAcc1" presStyleIdx="1" presStyleCnt="2">
+        <dgm:presLayoutVars>
+          <dgm:bulletEnabled val="1"/>
+        </dgm:presLayoutVars>
+      </dgm:prSet>
+      <dgm:spPr/>
+    </dgm:pt>
+  </dgm:ptLst>
+  <dgm:cxnLst>
+    <dgm:cxn modelId="{874F4A1A-EBA8-654E-9868-E96425D9E96B}" srcId="{225BC978-762F-43E2-B297-624DEECBEE97}" destId="{B9B36E1B-AEAD-074F-BB60-2B7679C3E9C2}" srcOrd="1" destOrd="0" parTransId="{B80CE3DE-4965-3446-B7A1-75E24E9D4A7C}" sibTransId="{1A5C888E-0A8B-9842-8FF1-8917D2B51218}"/>
+    <dgm:cxn modelId="{67E5C21F-92C2-054A-AFF9-7056FF112BDC}" type="presOf" srcId="{17367888-8F39-4A05-A54E-CFD57A5F6EBB}" destId="{3C935DEF-4457-8948-8129-F3FFF782C506}" srcOrd="0" destOrd="0" presId="urn:microsoft.com/office/officeart/2005/8/layout/list1"/>
+    <dgm:cxn modelId="{7B57562B-60F3-1F4C-ABE4-883F90DB5961}" type="presOf" srcId="{AF102A08-28E4-44E8-9BCE-EEF23B03A9F6}" destId="{53BC2919-4D46-CF4F-AB1C-8F36F9B464A8}" srcOrd="1" destOrd="0" presId="urn:microsoft.com/office/officeart/2005/8/layout/list1"/>
+    <dgm:cxn modelId="{BD621D45-3BFF-4BF8-B5E3-5BB2B1698C75}" srcId="{AF102A08-28E4-44E8-9BCE-EEF23B03A9F6}" destId="{17367888-8F39-4A05-A54E-CFD57A5F6EBB}" srcOrd="0" destOrd="0" parTransId="{9B0AFEBF-4180-4183-8223-39E5064715C3}" sibTransId="{40EB3268-E6AA-40BC-A38F-BFC5C225F0F3}"/>
+    <dgm:cxn modelId="{21DCFD4A-91F6-9444-906E-81D003C21645}" type="presOf" srcId="{225BC978-762F-43E2-B297-624DEECBEE97}" destId="{2A1A4679-6362-324E-8243-DD66692FC4D7}" srcOrd="0" destOrd="0" presId="urn:microsoft.com/office/officeart/2005/8/layout/list1"/>
+    <dgm:cxn modelId="{F0CFD95F-CCCC-4D0C-B3B4-DEB88E0B3E82}" srcId="{225BC978-762F-43E2-B297-624DEECBEE97}" destId="{AF102A08-28E4-44E8-9BCE-EEF23B03A9F6}" srcOrd="0" destOrd="0" parTransId="{363A3800-6745-41B8-A136-70AB5ACAF6FC}" sibTransId="{010F5426-739D-4934-9085-50BD1F7B7792}"/>
+    <dgm:cxn modelId="{84E66E65-4CBF-064F-AF21-DB61115F3791}" type="presOf" srcId="{B9B36E1B-AEAD-074F-BB60-2B7679C3E9C2}" destId="{8E88BA92-CAE6-394F-A4DE-9F30E6187017}" srcOrd="0" destOrd="0" presId="urn:microsoft.com/office/officeart/2005/8/layout/list1"/>
+    <dgm:cxn modelId="{4B74D0C7-3659-CA44-A2DF-2AB1B3A7E300}" type="presOf" srcId="{B9B36E1B-AEAD-074F-BB60-2B7679C3E9C2}" destId="{A97B4E99-8926-B348-B983-CBCB6FA5D4F2}" srcOrd="1" destOrd="0" presId="urn:microsoft.com/office/officeart/2005/8/layout/list1"/>
+    <dgm:cxn modelId="{0F8522DC-3758-584F-AE81-6BD6DA832C66}" type="presOf" srcId="{AF102A08-28E4-44E8-9BCE-EEF23B03A9F6}" destId="{EAC341C2-A85D-B042-9EB7-46FED7F27BC9}" srcOrd="0" destOrd="0" presId="urn:microsoft.com/office/officeart/2005/8/layout/list1"/>
+    <dgm:cxn modelId="{32E9CE7F-8951-844F-B1CF-2B6A4DD4AE74}" type="presParOf" srcId="{2A1A4679-6362-324E-8243-DD66692FC4D7}" destId="{CE73CAED-131D-2542-A17B-9723744CF66B}" srcOrd="0" destOrd="0" presId="urn:microsoft.com/office/officeart/2005/8/layout/list1"/>
+    <dgm:cxn modelId="{A1EF42F5-21F1-ED43-93D0-B1FC78CA9D84}" type="presParOf" srcId="{CE73CAED-131D-2542-A17B-9723744CF66B}" destId="{EAC341C2-A85D-B042-9EB7-46FED7F27BC9}" srcOrd="0" destOrd="0" presId="urn:microsoft.com/office/officeart/2005/8/layout/list1"/>
+    <dgm:cxn modelId="{47F04C65-0A2C-C945-81C4-5D5DA532C064}" type="presParOf" srcId="{CE73CAED-131D-2542-A17B-9723744CF66B}" destId="{53BC2919-4D46-CF4F-AB1C-8F36F9B464A8}" srcOrd="1" destOrd="0" presId="urn:microsoft.com/office/officeart/2005/8/layout/list1"/>
+    <dgm:cxn modelId="{83801C9C-7907-1647-A5F8-2544C96652B8}" type="presParOf" srcId="{2A1A4679-6362-324E-8243-DD66692FC4D7}" destId="{2CBC4EC3-F80D-4441-AB3F-B62A68450C72}" srcOrd="1" destOrd="0" presId="urn:microsoft.com/office/officeart/2005/8/layout/list1"/>
+    <dgm:cxn modelId="{A643F2FB-BA61-9642-98B6-B21F4CD46997}" type="presParOf" srcId="{2A1A4679-6362-324E-8243-DD66692FC4D7}" destId="{3C935DEF-4457-8948-8129-F3FFF782C506}" srcOrd="2" destOrd="0" presId="urn:microsoft.com/office/officeart/2005/8/layout/list1"/>
+    <dgm:cxn modelId="{07B9FAC1-F4D7-F443-B6FD-8A7C641DE558}" type="presParOf" srcId="{2A1A4679-6362-324E-8243-DD66692FC4D7}" destId="{D92BCD49-5596-0C45-B3FF-9CB389F0F3E4}" srcOrd="3" destOrd="0" presId="urn:microsoft.com/office/officeart/2005/8/layout/list1"/>
+    <dgm:cxn modelId="{329AA6D1-0300-184D-A859-D3DC6B559DCA}" type="presParOf" srcId="{2A1A4679-6362-324E-8243-DD66692FC4D7}" destId="{A6694ED1-5528-E048-A97E-FA283046CC4C}" srcOrd="4" destOrd="0" presId="urn:microsoft.com/office/officeart/2005/8/layout/list1"/>
+    <dgm:cxn modelId="{AF28BD66-E579-C641-9BDE-FC687294FD6C}" type="presParOf" srcId="{A6694ED1-5528-E048-A97E-FA283046CC4C}" destId="{8E88BA92-CAE6-394F-A4DE-9F30E6187017}" srcOrd="0" destOrd="0" presId="urn:microsoft.com/office/officeart/2005/8/layout/list1"/>
+    <dgm:cxn modelId="{064AB9CE-471E-314C-9480-681956C168C3}" type="presParOf" srcId="{A6694ED1-5528-E048-A97E-FA283046CC4C}" destId="{A97B4E99-8926-B348-B983-CBCB6FA5D4F2}" srcOrd="1" destOrd="0" presId="urn:microsoft.com/office/officeart/2005/8/layout/list1"/>
+    <dgm:cxn modelId="{5352CFC1-032C-AD42-AF22-541BC6775276}" type="presParOf" srcId="{2A1A4679-6362-324E-8243-DD66692FC4D7}" destId="{1313DDD7-2DC1-CE45-AD8E-36B1E209C321}" srcOrd="5" destOrd="0" presId="urn:microsoft.com/office/officeart/2005/8/layout/list1"/>
+    <dgm:cxn modelId="{7F0A975C-8FEF-9C4C-B600-54E32C7985DB}" type="presParOf" srcId="{2A1A4679-6362-324E-8243-DD66692FC4D7}" destId="{B647B210-E4A9-3C4F-AFE5-B3A3E0BF0C56}" srcOrd="6" destOrd="0" presId="urn:microsoft.com/office/officeart/2005/8/layout/list1"/>
+  </dgm:cxnLst>
+  <dgm:bg/>
+  <dgm:whole/>
+  <dgm:extLst>
+    <a:ext uri="http://schemas.microsoft.com/office/drawing/2008/diagram">
+      <dsp:dataModelExt xmlns:dsp="http://schemas.microsoft.com/office/drawing/2008/diagram" relId="rId6" minVer="http://schemas.openxmlformats.org/drawingml/2006/diagram"/>
+    </a:ext>
+  </dgm:extLst>
+</dgm:dataModel>
+</file>
+
 <file path=ppt/diagrams/data2.xml><?xml version="1.0" encoding="utf-8"?>
 <dgm:dataModel xmlns:dgm="http://schemas.openxmlformats.org/drawingml/2006/diagram" xmlns:a="http://schemas.openxmlformats.org/drawingml/2006/main">
   <dgm:ptLst>
     <dgm:pt modelId="{225BC978-762F-43E2-B297-624DEECBEE97}" type="doc">
-      <dgm:prSet loTypeId="urn:microsoft.com/office/officeart/2005/8/layout/list1" loCatId="list" qsTypeId="urn:microsoft.com/office/officeart/2005/8/quickstyle/simple2" qsCatId="simple" csTypeId="urn:microsoft.com/office/officeart/2005/8/colors/accent1_2" csCatId="accent1"/>
+      <dgm:prSet loTypeId="urn:microsoft.com/office/officeart/2005/8/layout/list1" loCatId="list" qsTypeId="urn:microsoft.com/office/officeart/2005/8/quickstyle/simple2" qsCatId="simple" csTypeId="urn:microsoft.com/office/officeart/2005/8/colors/accent1_2" csCatId="accent1" phldr="1"/>
       <dgm:spPr/>
       <dgm:t>
         <a:bodyPr/>
@@ -7365,16 +8338,8 @@
         <a:lstStyle/>
         <a:p>
           <a:r>
-            <a:rPr lang="en-US"/>
-            <a:t>The value written is a </a:t>
-          </a:r>
-          <a:r>
-            <a:rPr lang="en-US" b="1"/>
-            <a:t>LibC Pointer </a:t>
-          </a:r>
-          <a:r>
-            <a:rPr lang="en-US"/>
-            <a:t>(bin) </a:t>
+            <a:rPr lang="en-US" dirty="0"/>
+            <a:t>Corrupt Flow</a:t>
           </a:r>
         </a:p>
       </dgm:t>
@@ -7409,8 +8374,8 @@
         <a:lstStyle/>
         <a:p>
           <a:r>
-            <a:rPr lang="en-US"/>
-            <a:t>Leaks</a:t>
+            <a:rPr lang="en-US" dirty="0"/>
+            <a:t>Any unexpected changes could cause more memory corruption!</a:t>
           </a:r>
         </a:p>
       </dgm:t>
@@ -7427,78 +8392,6 @@
       </dgm:t>
     </dgm:pt>
     <dgm:pt modelId="{6ADAC4A9-1579-43EB-9B84-EF38BE7341CC}" type="sibTrans" cxnId="{247FA151-7732-43C1-B7C7-220C528A7743}">
-      <dgm:prSet/>
-      <dgm:spPr/>
-      <dgm:t>
-        <a:bodyPr/>
-        <a:lstStyle/>
-        <a:p>
-          <a:endParaRPr lang="en-US"/>
-        </a:p>
-      </dgm:t>
-    </dgm:pt>
-    <dgm:pt modelId="{4A78131A-5152-46FC-8FC8-79534D64B755}">
-      <dgm:prSet/>
-      <dgm:spPr/>
-      <dgm:t>
-        <a:bodyPr/>
-        <a:lstStyle/>
-        <a:p>
-          <a:r>
-            <a:rPr lang="en-US"/>
-            <a:t>House of Orange use this pointer </a:t>
-          </a:r>
-        </a:p>
-      </dgm:t>
-    </dgm:pt>
-    <dgm:pt modelId="{AB854046-7FC8-4B36-866A-E6F651F4C2CE}" type="parTrans" cxnId="{C005E9C3-4651-4015-B4F1-CF5B87BCDEA4}">
-      <dgm:prSet/>
-      <dgm:spPr/>
-      <dgm:t>
-        <a:bodyPr/>
-        <a:lstStyle/>
-        <a:p>
-          <a:endParaRPr lang="en-US"/>
-        </a:p>
-      </dgm:t>
-    </dgm:pt>
-    <dgm:pt modelId="{507F6E96-B414-46E8-A447-C986B89CC85A}" type="sibTrans" cxnId="{C005E9C3-4651-4015-B4F1-CF5B87BCDEA4}">
-      <dgm:prSet/>
-      <dgm:spPr/>
-      <dgm:t>
-        <a:bodyPr/>
-        <a:lstStyle/>
-        <a:p>
-          <a:endParaRPr lang="en-US"/>
-        </a:p>
-      </dgm:t>
-    </dgm:pt>
-    <dgm:pt modelId="{D3BDD011-B61E-4F4F-9A30-BEAF11BE70AE}">
-      <dgm:prSet/>
-      <dgm:spPr/>
-      <dgm:t>
-        <a:bodyPr/>
-        <a:lstStyle/>
-        <a:p>
-          <a:r>
-            <a:rPr lang="en-US"/>
-            <a:t>Leakless techniques write this for relative overwrites (House of Roman) </a:t>
-          </a:r>
-        </a:p>
-      </dgm:t>
-    </dgm:pt>
-    <dgm:pt modelId="{9B8C284F-24F4-44A9-8FA7-1C8997C6BDE8}" type="parTrans" cxnId="{D19DF9D4-9D9E-4F17-8BB6-C8B157E234A4}">
-      <dgm:prSet/>
-      <dgm:spPr/>
-      <dgm:t>
-        <a:bodyPr/>
-        <a:lstStyle/>
-        <a:p>
-          <a:endParaRPr lang="en-US"/>
-        </a:p>
-      </dgm:t>
-    </dgm:pt>
-    <dgm:pt modelId="{965296E1-1260-473A-BBBA-1CC1C1274B5C}" type="sibTrans" cxnId="{D19DF9D4-9D9E-4F17-8BB6-C8B157E234A4}">
       <dgm:prSet/>
       <dgm:spPr/>
       <dgm:t>
@@ -7593,13 +8486,9 @@
     <dgm:cxn modelId="{247FA151-7732-43C1-B7C7-220C528A7743}" srcId="{591A16AE-E6BC-4931-99CE-9821DA13E393}" destId="{13E9C25D-8999-4263-A659-262AC4480B3F}" srcOrd="0" destOrd="0" parTransId="{4C507E1A-7824-4D3B-8DFD-76D951851959}" sibTransId="{6ADAC4A9-1579-43EB-9B84-EF38BE7341CC}"/>
     <dgm:cxn modelId="{F0CFD95F-CCCC-4D0C-B3B4-DEB88E0B3E82}" srcId="{225BC978-762F-43E2-B297-624DEECBEE97}" destId="{AF102A08-28E4-44E8-9BCE-EEF23B03A9F6}" srcOrd="0" destOrd="0" parTransId="{363A3800-6745-41B8-A136-70AB5ACAF6FC}" sibTransId="{010F5426-739D-4934-9085-50BD1F7B7792}"/>
     <dgm:cxn modelId="{F80F5087-3B5D-C447-A8B2-41444CC3A581}" type="presOf" srcId="{591A16AE-E6BC-4931-99CE-9821DA13E393}" destId="{D833AA78-8F2A-804B-BFE8-0AF751843EA8}" srcOrd="1" destOrd="0" presId="urn:microsoft.com/office/officeart/2005/8/layout/list1"/>
-    <dgm:cxn modelId="{C47AA6C2-789E-F649-9942-9BC59CC1DBD6}" type="presOf" srcId="{4A78131A-5152-46FC-8FC8-79534D64B755}" destId="{97D457DB-25A6-564A-B385-42B5567D6CF8}" srcOrd="0" destOrd="1" presId="urn:microsoft.com/office/officeart/2005/8/layout/list1"/>
-    <dgm:cxn modelId="{C005E9C3-4651-4015-B4F1-CF5B87BCDEA4}" srcId="{591A16AE-E6BC-4931-99CE-9821DA13E393}" destId="{4A78131A-5152-46FC-8FC8-79534D64B755}" srcOrd="1" destOrd="0" parTransId="{AB854046-7FC8-4B36-866A-E6F651F4C2CE}" sibTransId="{507F6E96-B414-46E8-A447-C986B89CC85A}"/>
     <dgm:cxn modelId="{785B82C7-C3D7-A543-827D-8DAC82E05356}" type="presOf" srcId="{13E9C25D-8999-4263-A659-262AC4480B3F}" destId="{97D457DB-25A6-564A-B385-42B5567D6CF8}" srcOrd="0" destOrd="0" presId="urn:microsoft.com/office/officeart/2005/8/layout/list1"/>
     <dgm:cxn modelId="{DBE7BDCC-CAB0-0F4F-9CBB-3957059C6BA8}" type="presOf" srcId="{591A16AE-E6BC-4931-99CE-9821DA13E393}" destId="{6F884B9B-0E58-4A4E-989F-DB524F5040DC}" srcOrd="0" destOrd="0" presId="urn:microsoft.com/office/officeart/2005/8/layout/list1"/>
-    <dgm:cxn modelId="{D19DF9D4-9D9E-4F17-8BB6-C8B157E234A4}" srcId="{591A16AE-E6BC-4931-99CE-9821DA13E393}" destId="{D3BDD011-B61E-4F4F-9A30-BEAF11BE70AE}" srcOrd="2" destOrd="0" parTransId="{9B8C284F-24F4-44A9-8FA7-1C8997C6BDE8}" sibTransId="{965296E1-1260-473A-BBBA-1CC1C1274B5C}"/>
     <dgm:cxn modelId="{0F8522DC-3758-584F-AE81-6BD6DA832C66}" type="presOf" srcId="{AF102A08-28E4-44E8-9BCE-EEF23B03A9F6}" destId="{EAC341C2-A85D-B042-9EB7-46FED7F27BC9}" srcOrd="0" destOrd="0" presId="urn:microsoft.com/office/officeart/2005/8/layout/list1"/>
-    <dgm:cxn modelId="{679CEFF0-8262-AF43-8CE7-C71D2FD8D000}" type="presOf" srcId="{D3BDD011-B61E-4F4F-9A30-BEAF11BE70AE}" destId="{97D457DB-25A6-564A-B385-42B5567D6CF8}" srcOrd="0" destOrd="2" presId="urn:microsoft.com/office/officeart/2005/8/layout/list1"/>
     <dgm:cxn modelId="{32E9CE7F-8951-844F-B1CF-2B6A4DD4AE74}" type="presParOf" srcId="{2A1A4679-6362-324E-8243-DD66692FC4D7}" destId="{CE73CAED-131D-2542-A17B-9723744CF66B}" srcOrd="0" destOrd="0" presId="urn:microsoft.com/office/officeart/2005/8/layout/list1"/>
     <dgm:cxn modelId="{A1EF42F5-21F1-ED43-93D0-B1FC78CA9D84}" type="presParOf" srcId="{CE73CAED-131D-2542-A17B-9723744CF66B}" destId="{EAC341C2-A85D-B042-9EB7-46FED7F27BC9}" srcOrd="0" destOrd="0" presId="urn:microsoft.com/office/officeart/2005/8/layout/list1"/>
     <dgm:cxn modelId="{47F04C65-0A2C-C945-81C4-5D5DA532C064}" type="presParOf" srcId="{CE73CAED-131D-2542-A17B-9723744CF66B}" destId="{53BC2919-4D46-CF4F-AB1C-8F36F9B464A8}" srcOrd="1" destOrd="0" presId="urn:microsoft.com/office/officeart/2005/8/layout/list1"/>
@@ -8065,7 +8954,7 @@
   <dgm:whole/>
   <dgm:extLst>
     <a:ext uri="http://schemas.microsoft.com/office/drawing/2008/diagram">
-      <dsp:dataModelExt xmlns:dsp="http://schemas.microsoft.com/office/drawing/2008/diagram" relId="rId6" minVer="http://schemas.openxmlformats.org/drawingml/2006/diagram"/>
+      <dsp:dataModelExt xmlns:dsp="http://schemas.microsoft.com/office/drawing/2008/diagram" relId="rId7" minVer="http://schemas.openxmlformats.org/drawingml/2006/diagram"/>
     </a:ext>
   </dgm:extLst>
 </dgm:dataModel>
@@ -10660,6 +11549,305 @@
 </dsp:drawing>
 </file>
 
+<file path=ppt/diagrams/drawing10.xml><?xml version="1.0" encoding="utf-8"?>
+<dsp:drawing xmlns:dgm="http://schemas.openxmlformats.org/drawingml/2006/diagram" xmlns:dsp="http://schemas.microsoft.com/office/drawing/2008/diagram" xmlns:a="http://schemas.openxmlformats.org/drawingml/2006/main">
+  <dsp:spTree>
+    <dsp:nvGrpSpPr>
+      <dsp:cNvPr id="0" name=""/>
+      <dsp:cNvGrpSpPr/>
+    </dsp:nvGrpSpPr>
+    <dsp:grpSpPr/>
+    <dsp:sp modelId="{3C935DEF-4457-8948-8129-F3FFF782C506}">
+      <dsp:nvSpPr>
+        <dsp:cNvPr id="0" name=""/>
+        <dsp:cNvSpPr/>
+      </dsp:nvSpPr>
+      <dsp:spPr>
+        <a:xfrm>
+          <a:off x="0" y="1046752"/>
+          <a:ext cx="7886700" cy="680400"/>
+        </a:xfrm>
+        <a:prstGeom prst="rect">
+          <a:avLst/>
+        </a:prstGeom>
+        <a:solidFill>
+          <a:schemeClr val="lt1">
+            <a:alpha val="90000"/>
+            <a:hueOff val="0"/>
+            <a:satOff val="0"/>
+            <a:lumOff val="0"/>
+            <a:alphaOff val="0"/>
+          </a:schemeClr>
+        </a:solidFill>
+        <a:ln w="12700" cap="flat" cmpd="sng" algn="ctr">
+          <a:solidFill>
+            <a:schemeClr val="accent1">
+              <a:hueOff val="0"/>
+              <a:satOff val="0"/>
+              <a:lumOff val="0"/>
+              <a:alphaOff val="0"/>
+            </a:schemeClr>
+          </a:solidFill>
+          <a:prstDash val="solid"/>
+          <a:miter lim="800000"/>
+        </a:ln>
+        <a:effectLst/>
+      </dsp:spPr>
+      <dsp:style>
+        <a:lnRef idx="2">
+          <a:scrgbClr r="0" g="0" b="0"/>
+        </a:lnRef>
+        <a:fillRef idx="1">
+          <a:scrgbClr r="0" g="0" b="0"/>
+        </a:fillRef>
+        <a:effectRef idx="0">
+          <a:scrgbClr r="0" g="0" b="0"/>
+        </a:effectRef>
+        <a:fontRef idx="minor"/>
+      </dsp:style>
+      <dsp:txBody>
+        <a:bodyPr spcFirstLastPara="0" vert="horz" wrap="square" lIns="612096" tIns="333248" rIns="612096" bIns="113792" numCol="1" spcCol="1270" anchor="t" anchorCtr="0">
+          <a:noAutofit/>
+        </a:bodyPr>
+        <a:lstStyle/>
+        <a:p>
+          <a:pPr marL="171450" lvl="1" indent="-171450" algn="l" defTabSz="711200">
+            <a:lnSpc>
+              <a:spcPct val="90000"/>
+            </a:lnSpc>
+            <a:spcBef>
+              <a:spcPct val="0"/>
+            </a:spcBef>
+            <a:spcAft>
+              <a:spcPct val="15000"/>
+            </a:spcAft>
+            <a:buChar char="•"/>
+          </a:pPr>
+          <a:r>
+            <a:rPr lang="en-US" sz="1600" kern="1200" dirty="0"/>
+            <a:t>Overflow buffers or OOB read/writes</a:t>
+          </a:r>
+        </a:p>
+      </dsp:txBody>
+      <dsp:txXfrm>
+        <a:off x="0" y="1046752"/>
+        <a:ext cx="7886700" cy="680400"/>
+      </dsp:txXfrm>
+    </dsp:sp>
+    <dsp:sp modelId="{53BC2919-4D46-CF4F-AB1C-8F36F9B464A8}">
+      <dsp:nvSpPr>
+        <dsp:cNvPr id="0" name=""/>
+        <dsp:cNvSpPr/>
+      </dsp:nvSpPr>
+      <dsp:spPr>
+        <a:xfrm>
+          <a:off x="394335" y="810592"/>
+          <a:ext cx="5520690" cy="472320"/>
+        </a:xfrm>
+        <a:prstGeom prst="roundRect">
+          <a:avLst/>
+        </a:prstGeom>
+        <a:solidFill>
+          <a:schemeClr val="accent1">
+            <a:hueOff val="0"/>
+            <a:satOff val="0"/>
+            <a:lumOff val="0"/>
+            <a:alphaOff val="0"/>
+          </a:schemeClr>
+        </a:solidFill>
+        <a:ln w="19050" cap="flat" cmpd="sng" algn="ctr">
+          <a:solidFill>
+            <a:schemeClr val="lt1">
+              <a:hueOff val="0"/>
+              <a:satOff val="0"/>
+              <a:lumOff val="0"/>
+              <a:alphaOff val="0"/>
+            </a:schemeClr>
+          </a:solidFill>
+          <a:prstDash val="solid"/>
+          <a:miter lim="800000"/>
+        </a:ln>
+        <a:effectLst/>
+      </dsp:spPr>
+      <dsp:style>
+        <a:lnRef idx="3">
+          <a:scrgbClr r="0" g="0" b="0"/>
+        </a:lnRef>
+        <a:fillRef idx="1">
+          <a:scrgbClr r="0" g="0" b="0"/>
+        </a:fillRef>
+        <a:effectRef idx="1">
+          <a:scrgbClr r="0" g="0" b="0"/>
+        </a:effectRef>
+        <a:fontRef idx="minor">
+          <a:schemeClr val="lt1"/>
+        </a:fontRef>
+      </dsp:style>
+      <dsp:txBody>
+        <a:bodyPr spcFirstLastPara="0" vert="horz" wrap="square" lIns="208669" tIns="0" rIns="208669" bIns="0" numCol="1" spcCol="1270" anchor="ctr" anchorCtr="0">
+          <a:noAutofit/>
+        </a:bodyPr>
+        <a:lstStyle/>
+        <a:p>
+          <a:pPr marL="0" lvl="0" indent="0" algn="l" defTabSz="711200">
+            <a:lnSpc>
+              <a:spcPct val="90000"/>
+            </a:lnSpc>
+            <a:spcBef>
+              <a:spcPct val="0"/>
+            </a:spcBef>
+            <a:spcAft>
+              <a:spcPct val="35000"/>
+            </a:spcAft>
+            <a:buNone/>
+          </a:pPr>
+          <a:r>
+            <a:rPr lang="en-US" sz="1600" kern="1200"/>
+            <a:t>Buffers commonly have a ‘length’ variable associated with it</a:t>
+          </a:r>
+        </a:p>
+      </dsp:txBody>
+      <dsp:txXfrm>
+        <a:off x="417392" y="833649"/>
+        <a:ext cx="5474576" cy="426206"/>
+      </dsp:txXfrm>
+    </dsp:sp>
+    <dsp:sp modelId="{B647B210-E4A9-3C4F-AFE5-B3A3E0BF0C56}">
+      <dsp:nvSpPr>
+        <dsp:cNvPr id="0" name=""/>
+        <dsp:cNvSpPr/>
+      </dsp:nvSpPr>
+      <dsp:spPr>
+        <a:xfrm>
+          <a:off x="0" y="2049712"/>
+          <a:ext cx="7886700" cy="403200"/>
+        </a:xfrm>
+        <a:prstGeom prst="rect">
+          <a:avLst/>
+        </a:prstGeom>
+        <a:solidFill>
+          <a:schemeClr val="lt1">
+            <a:alpha val="90000"/>
+            <a:hueOff val="0"/>
+            <a:satOff val="0"/>
+            <a:lumOff val="0"/>
+            <a:alphaOff val="0"/>
+          </a:schemeClr>
+        </a:solidFill>
+        <a:ln w="12700" cap="flat" cmpd="sng" algn="ctr">
+          <a:solidFill>
+            <a:schemeClr val="accent1">
+              <a:hueOff val="0"/>
+              <a:satOff val="0"/>
+              <a:lumOff val="0"/>
+              <a:alphaOff val="0"/>
+            </a:schemeClr>
+          </a:solidFill>
+          <a:prstDash val="solid"/>
+          <a:miter lim="800000"/>
+        </a:ln>
+        <a:effectLst/>
+      </dsp:spPr>
+      <dsp:style>
+        <a:lnRef idx="2">
+          <a:scrgbClr r="0" g="0" b="0"/>
+        </a:lnRef>
+        <a:fillRef idx="1">
+          <a:scrgbClr r="0" g="0" b="0"/>
+        </a:fillRef>
+        <a:effectRef idx="0">
+          <a:scrgbClr r="0" g="0" b="0"/>
+        </a:effectRef>
+        <a:fontRef idx="minor"/>
+      </dsp:style>
+    </dsp:sp>
+    <dsp:sp modelId="{A97B4E99-8926-B348-B983-CBCB6FA5D4F2}">
+      <dsp:nvSpPr>
+        <dsp:cNvPr id="0" name=""/>
+        <dsp:cNvSpPr/>
+      </dsp:nvSpPr>
+      <dsp:spPr>
+        <a:xfrm>
+          <a:off x="394335" y="1813552"/>
+          <a:ext cx="5520690" cy="472320"/>
+        </a:xfrm>
+        <a:prstGeom prst="roundRect">
+          <a:avLst/>
+        </a:prstGeom>
+        <a:solidFill>
+          <a:schemeClr val="accent1">
+            <a:hueOff val="0"/>
+            <a:satOff val="0"/>
+            <a:lumOff val="0"/>
+            <a:alphaOff val="0"/>
+          </a:schemeClr>
+        </a:solidFill>
+        <a:ln w="19050" cap="flat" cmpd="sng" algn="ctr">
+          <a:solidFill>
+            <a:schemeClr val="lt1">
+              <a:hueOff val="0"/>
+              <a:satOff val="0"/>
+              <a:lumOff val="0"/>
+              <a:alphaOff val="0"/>
+            </a:schemeClr>
+          </a:solidFill>
+          <a:prstDash val="solid"/>
+          <a:miter lim="800000"/>
+        </a:ln>
+        <a:effectLst/>
+      </dsp:spPr>
+      <dsp:style>
+        <a:lnRef idx="3">
+          <a:scrgbClr r="0" g="0" b="0"/>
+        </a:lnRef>
+        <a:fillRef idx="1">
+          <a:scrgbClr r="0" g="0" b="0"/>
+        </a:fillRef>
+        <a:effectRef idx="1">
+          <a:scrgbClr r="0" g="0" b="0"/>
+        </a:effectRef>
+        <a:fontRef idx="minor">
+          <a:schemeClr val="lt1"/>
+        </a:fontRef>
+      </dsp:style>
+      <dsp:txBody>
+        <a:bodyPr spcFirstLastPara="0" vert="horz" wrap="square" lIns="208669" tIns="0" rIns="208669" bIns="0" numCol="1" spcCol="1270" anchor="ctr" anchorCtr="0">
+          <a:noAutofit/>
+        </a:bodyPr>
+        <a:lstStyle/>
+        <a:p>
+          <a:pPr marL="0" lvl="0" indent="0" algn="l" defTabSz="711200">
+            <a:lnSpc>
+              <a:spcPct val="90000"/>
+            </a:lnSpc>
+            <a:spcBef>
+              <a:spcPct val="0"/>
+            </a:spcBef>
+            <a:spcAft>
+              <a:spcPct val="35000"/>
+            </a:spcAft>
+            <a:buNone/>
+          </a:pPr>
+          <a:r>
+            <a:rPr lang="en-US" sz="1600" kern="1200" dirty="0"/>
+            <a:t>Cause all of the havoc </a:t>
+          </a:r>
+          <a:r>
+            <a:rPr lang="en-US" sz="1600" b="1" kern="1200" dirty="0"/>
+            <a:t>🔥</a:t>
+          </a:r>
+          <a:endParaRPr lang="en-US" sz="1600" kern="1200" dirty="0"/>
+        </a:p>
+      </dsp:txBody>
+      <dsp:txXfrm>
+        <a:off x="417392" y="1836609"/>
+        <a:ext cx="5474576" cy="426206"/>
+      </dsp:txXfrm>
+    </dsp:sp>
+  </dsp:spTree>
+</dsp:drawing>
+</file>
+
 <file path=ppt/diagrams/drawing2.xml><?xml version="1.0" encoding="utf-8"?>
 <dsp:drawing xmlns:dgm="http://schemas.openxmlformats.org/drawingml/2006/diagram" xmlns:dsp="http://schemas.microsoft.com/office/drawing/2008/diagram" xmlns:a="http://schemas.openxmlformats.org/drawingml/2006/main">
   <dsp:spTree>
@@ -10675,7 +11863,7 @@
       </dsp:nvSpPr>
       <dsp:spPr>
         <a:xfrm>
-          <a:off x="0" y="517552"/>
+          <a:off x="0" y="782152"/>
           <a:ext cx="7886700" cy="932400"/>
         </a:xfrm>
         <a:prstGeom prst="rect">
@@ -10760,7 +11948,7 @@
         </a:p>
       </dsp:txBody>
       <dsp:txXfrm>
-        <a:off x="0" y="517552"/>
+        <a:off x="0" y="782152"/>
         <a:ext cx="7886700" cy="932400"/>
       </dsp:txXfrm>
     </dsp:sp>
@@ -10771,7 +11959,7 @@
       </dsp:nvSpPr>
       <dsp:spPr>
         <a:xfrm>
-          <a:off x="394335" y="281391"/>
+          <a:off x="394335" y="545992"/>
           <a:ext cx="5520690" cy="472320"/>
         </a:xfrm>
         <a:prstGeom prst="roundRect">
@@ -10838,7 +12026,7 @@
         </a:p>
       </dsp:txBody>
       <dsp:txXfrm>
-        <a:off x="417392" y="304448"/>
+        <a:off x="417392" y="569049"/>
         <a:ext cx="5474576" cy="426206"/>
       </dsp:txXfrm>
     </dsp:sp>
@@ -10849,8 +12037,8 @@
       </dsp:nvSpPr>
       <dsp:spPr>
         <a:xfrm>
-          <a:off x="0" y="1772512"/>
-          <a:ext cx="7886700" cy="1209600"/>
+          <a:off x="0" y="2037112"/>
+          <a:ext cx="7886700" cy="680400"/>
         </a:xfrm>
         <a:prstGeom prst="rect">
           <a:avLst/>
@@ -10909,50 +12097,14 @@
             <a:buChar char="•"/>
           </a:pPr>
           <a:r>
-            <a:rPr lang="en-US" sz="1600" kern="1200"/>
-            <a:t>Leaks</a:t>
-          </a:r>
-        </a:p>
-        <a:p>
-          <a:pPr marL="171450" lvl="1" indent="-171450" algn="l" defTabSz="711200">
-            <a:lnSpc>
-              <a:spcPct val="90000"/>
-            </a:lnSpc>
-            <a:spcBef>
-              <a:spcPct val="0"/>
-            </a:spcBef>
-            <a:spcAft>
-              <a:spcPct val="15000"/>
-            </a:spcAft>
-            <a:buChar char="•"/>
-          </a:pPr>
-          <a:r>
-            <a:rPr lang="en-US" sz="1600" kern="1200"/>
-            <a:t>House of Orange use this pointer </a:t>
-          </a:r>
-        </a:p>
-        <a:p>
-          <a:pPr marL="171450" lvl="1" indent="-171450" algn="l" defTabSz="711200">
-            <a:lnSpc>
-              <a:spcPct val="90000"/>
-            </a:lnSpc>
-            <a:spcBef>
-              <a:spcPct val="0"/>
-            </a:spcBef>
-            <a:spcAft>
-              <a:spcPct val="15000"/>
-            </a:spcAft>
-            <a:buChar char="•"/>
-          </a:pPr>
-          <a:r>
-            <a:rPr lang="en-US" sz="1600" kern="1200"/>
-            <a:t>Leakless techniques write this for relative overwrites (House of Roman) </a:t>
+            <a:rPr lang="en-US" sz="1600" kern="1200" dirty="0"/>
+            <a:t>Any unexpected changes could cause more memory corruption!</a:t>
           </a:r>
         </a:p>
       </dsp:txBody>
       <dsp:txXfrm>
-        <a:off x="0" y="1772512"/>
-        <a:ext cx="7886700" cy="1209600"/>
+        <a:off x="0" y="2037112"/>
+        <a:ext cx="7886700" cy="680400"/>
       </dsp:txXfrm>
     </dsp:sp>
     <dsp:sp modelId="{D833AA78-8F2A-804B-BFE8-0AF751843EA8}">
@@ -10962,7 +12114,7 @@
       </dsp:nvSpPr>
       <dsp:spPr>
         <a:xfrm>
-          <a:off x="394335" y="1536352"/>
+          <a:off x="394335" y="1800952"/>
           <a:ext cx="5520690" cy="472320"/>
         </a:xfrm>
         <a:prstGeom prst="roundRect">
@@ -11023,21 +12175,13 @@
             <a:buNone/>
           </a:pPr>
           <a:r>
-            <a:rPr lang="en-US" sz="1600" kern="1200"/>
-            <a:t>The value written is a </a:t>
-          </a:r>
-          <a:r>
-            <a:rPr lang="en-US" sz="1600" b="1" kern="1200"/>
-            <a:t>LibC Pointer </a:t>
-          </a:r>
-          <a:r>
-            <a:rPr lang="en-US" sz="1600" kern="1200"/>
-            <a:t>(bin) </a:t>
+            <a:rPr lang="en-US" sz="1600" kern="1200" dirty="0"/>
+            <a:t>Corrupt Flow</a:t>
           </a:r>
         </a:p>
       </dsp:txBody>
       <dsp:txXfrm>
-        <a:off x="417392" y="1559409"/>
+        <a:off x="417392" y="1824009"/>
         <a:ext cx="5474576" cy="426206"/>
       </dsp:txXfrm>
     </dsp:sp>
@@ -14447,6 +15591,231 @@
 </dgm:layoutDef>
 </file>
 
+<file path=ppt/diagrams/layout10.xml><?xml version="1.0" encoding="utf-8"?>
+<dgm:layoutDef xmlns:dgm="http://schemas.openxmlformats.org/drawingml/2006/diagram" xmlns:a="http://schemas.openxmlformats.org/drawingml/2006/main" uniqueId="urn:microsoft.com/office/officeart/2005/8/layout/list1">
+  <dgm:title val=""/>
+  <dgm:desc val=""/>
+  <dgm:catLst>
+    <dgm:cat type="list" pri="4000"/>
+  </dgm:catLst>
+  <dgm:sampData>
+    <dgm:dataModel>
+      <dgm:ptLst>
+        <dgm:pt modelId="0" type="doc"/>
+        <dgm:pt modelId="1">
+          <dgm:prSet phldr="1"/>
+        </dgm:pt>
+        <dgm:pt modelId="2">
+          <dgm:prSet phldr="1"/>
+        </dgm:pt>
+        <dgm:pt modelId="3">
+          <dgm:prSet phldr="1"/>
+        </dgm:pt>
+      </dgm:ptLst>
+      <dgm:cxnLst>
+        <dgm:cxn modelId="4" srcId="0" destId="1" srcOrd="0" destOrd="0"/>
+        <dgm:cxn modelId="5" srcId="0" destId="2" srcOrd="1" destOrd="0"/>
+        <dgm:cxn modelId="6" srcId="0" destId="3" srcOrd="2" destOrd="0"/>
+      </dgm:cxnLst>
+      <dgm:bg/>
+      <dgm:whole/>
+    </dgm:dataModel>
+  </dgm:sampData>
+  <dgm:styleData>
+    <dgm:dataModel>
+      <dgm:ptLst>
+        <dgm:pt modelId="0" type="doc"/>
+        <dgm:pt modelId="1"/>
+        <dgm:pt modelId="2"/>
+      </dgm:ptLst>
+      <dgm:cxnLst>
+        <dgm:cxn modelId="4" srcId="0" destId="1" srcOrd="0" destOrd="0"/>
+        <dgm:cxn modelId="5" srcId="0" destId="2" srcOrd="1" destOrd="0"/>
+      </dgm:cxnLst>
+      <dgm:bg/>
+      <dgm:whole/>
+    </dgm:dataModel>
+  </dgm:styleData>
+  <dgm:clrData>
+    <dgm:dataModel>
+      <dgm:ptLst>
+        <dgm:pt modelId="0" type="doc"/>
+        <dgm:pt modelId="1"/>
+        <dgm:pt modelId="2"/>
+        <dgm:pt modelId="3"/>
+        <dgm:pt modelId="4"/>
+      </dgm:ptLst>
+      <dgm:cxnLst>
+        <dgm:cxn modelId="5" srcId="0" destId="1" srcOrd="0" destOrd="0"/>
+        <dgm:cxn modelId="6" srcId="0" destId="2" srcOrd="1" destOrd="0"/>
+        <dgm:cxn modelId="7" srcId="0" destId="3" srcOrd="2" destOrd="0"/>
+        <dgm:cxn modelId="8" srcId="0" destId="4" srcOrd="3" destOrd="0"/>
+      </dgm:cxnLst>
+      <dgm:bg/>
+      <dgm:whole/>
+    </dgm:dataModel>
+  </dgm:clrData>
+  <dgm:layoutNode name="linear">
+    <dgm:varLst>
+      <dgm:dir/>
+      <dgm:animLvl val="lvl"/>
+      <dgm:resizeHandles val="exact"/>
+    </dgm:varLst>
+    <dgm:choose name="Name0">
+      <dgm:if name="Name1" func="var" arg="dir" op="equ" val="norm">
+        <dgm:alg type="lin">
+          <dgm:param type="linDir" val="fromT"/>
+          <dgm:param type="vertAlign" val="mid"/>
+          <dgm:param type="horzAlign" val="l"/>
+          <dgm:param type="nodeHorzAlign" val="l"/>
+        </dgm:alg>
+      </dgm:if>
+      <dgm:else name="Name2">
+        <dgm:alg type="lin">
+          <dgm:param type="linDir" val="fromT"/>
+          <dgm:param type="vertAlign" val="mid"/>
+          <dgm:param type="horzAlign" val="r"/>
+          <dgm:param type="nodeHorzAlign" val="r"/>
+        </dgm:alg>
+      </dgm:else>
+    </dgm:choose>
+    <dgm:shape xmlns:r="http://schemas.openxmlformats.org/officeDocument/2006/relationships" r:blip="">
+      <dgm:adjLst/>
+    </dgm:shape>
+    <dgm:presOf/>
+    <dgm:constrLst>
+      <dgm:constr type="w" for="ch" forName="parentLin" refType="w"/>
+      <dgm:constr type="h" for="ch" forName="parentLin" val="INF"/>
+      <dgm:constr type="w" for="des" forName="parentLeftMargin" refType="w" fact="0.05"/>
+      <dgm:constr type="w" for="des" forName="parentText" refType="w" fact="0.7"/>
+      <dgm:constr type="h" for="des" forName="parentText" refType="primFontSz" refFor="des" refForName="parentText" fact="0.82"/>
+      <dgm:constr type="h" for="ch" forName="negativeSpace" refType="primFontSz" refFor="des" refForName="parentText" fact="-0.41"/>
+      <dgm:constr type="h" for="ch" forName="negativeSpace" refType="h" refFor="des" refForName="parentText" op="lte" fact="-0.82"/>
+      <dgm:constr type="h" for="ch" forName="negativeSpace" refType="h" refFor="des" refForName="parentText" op="gte" fact="-0.82"/>
+      <dgm:constr type="w" for="ch" forName="childText" refType="w"/>
+      <dgm:constr type="h" for="ch" forName="childText" refType="primFontSz" refFor="des" refForName="parentText" fact="0.7"/>
+      <dgm:constr type="primFontSz" for="des" forName="parentText" val="65"/>
+      <dgm:constr type="primFontSz" for="ch" forName="childText" refType="primFontSz" refFor="des" refForName="parentText"/>
+      <dgm:constr type="tMarg" for="ch" forName="childText" refType="primFontSz" refFor="des" refForName="parentText" fact="1.64"/>
+      <dgm:constr type="tMarg" for="ch" forName="childText" refType="h" refFor="des" refForName="parentText" op="lte" fact="3.28"/>
+      <dgm:constr type="tMarg" for="ch" forName="childText" refType="h" refFor="des" refForName="parentText" op="gte" fact="3.28"/>
+      <dgm:constr type="lMarg" for="ch" forName="childText" refType="w" fact="0.22"/>
+      <dgm:constr type="rMarg" for="ch" forName="childText" refType="lMarg" refFor="ch" refForName="childText"/>
+      <dgm:constr type="lMarg" for="des" forName="parentText" refType="w" fact="0.075"/>
+      <dgm:constr type="rMarg" for="des" forName="parentText" refType="lMarg" refFor="des" refForName="parentText"/>
+      <dgm:constr type="h" for="ch" forName="spaceBetweenRectangles" refType="primFontSz" refFor="des" refForName="parentText" fact="0.15"/>
+    </dgm:constrLst>
+    <dgm:ruleLst>
+      <dgm:rule type="primFontSz" for="des" forName="parentText" val="5" fact="NaN" max="NaN"/>
+    </dgm:ruleLst>
+    <dgm:forEach name="Name3" axis="ch" ptType="node">
+      <dgm:layoutNode name="parentLin">
+        <dgm:choose name="Name4">
+          <dgm:if name="Name5" func="var" arg="dir" op="equ" val="norm">
+            <dgm:alg type="lin">
+              <dgm:param type="linDir" val="fromL"/>
+              <dgm:param type="horzAlign" val="l"/>
+              <dgm:param type="nodeHorzAlign" val="l"/>
+            </dgm:alg>
+          </dgm:if>
+          <dgm:else name="Name6">
+            <dgm:alg type="lin">
+              <dgm:param type="linDir" val="fromR"/>
+              <dgm:param type="horzAlign" val="r"/>
+              <dgm:param type="nodeHorzAlign" val="r"/>
+            </dgm:alg>
+          </dgm:else>
+        </dgm:choose>
+        <dgm:shape xmlns:r="http://schemas.openxmlformats.org/officeDocument/2006/relationships" r:blip="">
+          <dgm:adjLst/>
+        </dgm:shape>
+        <dgm:presOf/>
+        <dgm:constrLst/>
+        <dgm:ruleLst/>
+        <dgm:layoutNode name="parentLeftMargin">
+          <dgm:alg type="sp"/>
+          <dgm:shape xmlns:r="http://schemas.openxmlformats.org/officeDocument/2006/relationships" type="rect" r:blip="" hideGeom="1">
+            <dgm:adjLst/>
+          </dgm:shape>
+          <dgm:presOf axis="self"/>
+          <dgm:constrLst>
+            <dgm:constr type="h"/>
+          </dgm:constrLst>
+          <dgm:ruleLst/>
+        </dgm:layoutNode>
+        <dgm:layoutNode name="parentText" styleLbl="node1">
+          <dgm:varLst>
+            <dgm:chMax val="0"/>
+            <dgm:bulletEnabled val="1"/>
+          </dgm:varLst>
+          <dgm:choose name="Name7">
+            <dgm:if name="Name8" func="var" arg="dir" op="equ" val="norm">
+              <dgm:alg type="tx">
+                <dgm:param type="parTxLTRAlign" val="l"/>
+                <dgm:param type="parTxRTLAlign" val="l"/>
+              </dgm:alg>
+            </dgm:if>
+            <dgm:else name="Name9">
+              <dgm:alg type="tx">
+                <dgm:param type="parTxLTRAlign" val="r"/>
+                <dgm:param type="parTxRTLAlign" val="r"/>
+              </dgm:alg>
+            </dgm:else>
+          </dgm:choose>
+          <dgm:shape xmlns:r="http://schemas.openxmlformats.org/officeDocument/2006/relationships" type="roundRect" r:blip="">
+            <dgm:adjLst/>
+          </dgm:shape>
+          <dgm:presOf axis="self" ptType="node"/>
+          <dgm:constrLst>
+            <dgm:constr type="tMarg"/>
+            <dgm:constr type="bMarg"/>
+          </dgm:constrLst>
+          <dgm:ruleLst/>
+        </dgm:layoutNode>
+      </dgm:layoutNode>
+      <dgm:layoutNode name="negativeSpace">
+        <dgm:alg type="sp"/>
+        <dgm:shape xmlns:r="http://schemas.openxmlformats.org/officeDocument/2006/relationships" r:blip="">
+          <dgm:adjLst/>
+        </dgm:shape>
+        <dgm:presOf/>
+        <dgm:constrLst/>
+        <dgm:ruleLst/>
+      </dgm:layoutNode>
+      <dgm:layoutNode name="childText" styleLbl="conFgAcc1">
+        <dgm:varLst>
+          <dgm:bulletEnabled val="1"/>
+        </dgm:varLst>
+        <dgm:alg type="tx">
+          <dgm:param type="stBulletLvl" val="1"/>
+        </dgm:alg>
+        <dgm:shape xmlns:r="http://schemas.openxmlformats.org/officeDocument/2006/relationships" type="rect" r:blip="" zOrderOff="-2">
+          <dgm:adjLst/>
+        </dgm:shape>
+        <dgm:presOf axis="des" ptType="node"/>
+        <dgm:constrLst>
+          <dgm:constr type="secFontSz" refType="primFontSz"/>
+        </dgm:constrLst>
+        <dgm:ruleLst>
+          <dgm:rule type="h" val="INF" fact="NaN" max="NaN"/>
+        </dgm:ruleLst>
+      </dgm:layoutNode>
+      <dgm:forEach name="Name10" axis="followSib" ptType="sibTrans" cnt="1">
+        <dgm:layoutNode name="spaceBetweenRectangles">
+          <dgm:alg type="sp"/>
+          <dgm:shape xmlns:r="http://schemas.openxmlformats.org/officeDocument/2006/relationships" r:blip="">
+            <dgm:adjLst/>
+          </dgm:shape>
+          <dgm:presOf/>
+          <dgm:constrLst/>
+          <dgm:ruleLst/>
+        </dgm:layoutNode>
+      </dgm:forEach>
+    </dgm:forEach>
+  </dgm:layoutNode>
+</dgm:layoutDef>
+</file>
+
 <file path=ppt/diagrams/layout2.xml><?xml version="1.0" encoding="utf-8"?>
 <dgm:layoutDef xmlns:dgm="http://schemas.openxmlformats.org/drawingml/2006/diagram" xmlns:a="http://schemas.openxmlformats.org/drawingml/2006/main" uniqueId="urn:microsoft.com/office/officeart/2005/8/layout/list1">
   <dgm:title val=""/>
@@ -16940,6 +18309,1040 @@
 </dgm:styleDef>
 </file>
 
+<file path=ppt/diagrams/quickStyle10.xml><?xml version="1.0" encoding="utf-8"?>
+<dgm:styleDef xmlns:dgm="http://schemas.openxmlformats.org/drawingml/2006/diagram" xmlns:a="http://schemas.openxmlformats.org/drawingml/2006/main" uniqueId="urn:microsoft.com/office/officeart/2005/8/quickstyle/simple2">
+  <dgm:title val=""/>
+  <dgm:desc val=""/>
+  <dgm:catLst>
+    <dgm:cat type="simple" pri="10200"/>
+  </dgm:catLst>
+  <dgm:scene3d>
+    <a:camera prst="orthographicFront"/>
+    <a:lightRig rig="threePt" dir="t"/>
+  </dgm:scene3d>
+  <dgm:styleLbl name="node0">
+    <dgm:scene3d>
+      <a:camera prst="orthographicFront"/>
+      <a:lightRig rig="threePt" dir="t"/>
+    </dgm:scene3d>
+    <dgm:sp3d/>
+    <dgm:txPr/>
+    <dgm:style>
+      <a:lnRef idx="3">
+        <a:scrgbClr r="0" g="0" b="0"/>
+      </a:lnRef>
+      <a:fillRef idx="1">
+        <a:scrgbClr r="0" g="0" b="0"/>
+      </a:fillRef>
+      <a:effectRef idx="1">
+        <a:scrgbClr r="0" g="0" b="0"/>
+      </a:effectRef>
+      <a:fontRef idx="minor">
+        <a:schemeClr val="lt1"/>
+      </a:fontRef>
+    </dgm:style>
+  </dgm:styleLbl>
+  <dgm:styleLbl name="lnNode1">
+    <dgm:scene3d>
+      <a:camera prst="orthographicFront"/>
+      <a:lightRig rig="threePt" dir="t"/>
+    </dgm:scene3d>
+    <dgm:sp3d/>
+    <dgm:txPr/>
+    <dgm:style>
+      <a:lnRef idx="3">
+        <a:scrgbClr r="0" g="0" b="0"/>
+      </a:lnRef>
+      <a:fillRef idx="1">
+        <a:scrgbClr r="0" g="0" b="0"/>
+      </a:fillRef>
+      <a:effectRef idx="1">
+        <a:scrgbClr r="0" g="0" b="0"/>
+      </a:effectRef>
+      <a:fontRef idx="minor">
+        <a:schemeClr val="lt1"/>
+      </a:fontRef>
+    </dgm:style>
+  </dgm:styleLbl>
+  <dgm:styleLbl name="vennNode1">
+    <dgm:scene3d>
+      <a:camera prst="orthographicFront"/>
+      <a:lightRig rig="threePt" dir="t"/>
+    </dgm:scene3d>
+    <dgm:sp3d/>
+    <dgm:txPr/>
+    <dgm:style>
+      <a:lnRef idx="3">
+        <a:scrgbClr r="0" g="0" b="0"/>
+      </a:lnRef>
+      <a:fillRef idx="1">
+        <a:scrgbClr r="0" g="0" b="0"/>
+      </a:fillRef>
+      <a:effectRef idx="0">
+        <a:scrgbClr r="0" g="0" b="0"/>
+      </a:effectRef>
+      <a:fontRef idx="minor">
+        <a:schemeClr val="tx1"/>
+      </a:fontRef>
+    </dgm:style>
+  </dgm:styleLbl>
+  <dgm:styleLbl name="alignNode1">
+    <dgm:scene3d>
+      <a:camera prst="orthographicFront"/>
+      <a:lightRig rig="threePt" dir="t"/>
+    </dgm:scene3d>
+    <dgm:sp3d/>
+    <dgm:txPr/>
+    <dgm:style>
+      <a:lnRef idx="2">
+        <a:scrgbClr r="0" g="0" b="0"/>
+      </a:lnRef>
+      <a:fillRef idx="1">
+        <a:scrgbClr r="0" g="0" b="0"/>
+      </a:fillRef>
+      <a:effectRef idx="1">
+        <a:scrgbClr r="0" g="0" b="0"/>
+      </a:effectRef>
+      <a:fontRef idx="minor">
+        <a:schemeClr val="lt1"/>
+      </a:fontRef>
+    </dgm:style>
+  </dgm:styleLbl>
+  <dgm:styleLbl name="node1">
+    <dgm:scene3d>
+      <a:camera prst="orthographicFront"/>
+      <a:lightRig rig="threePt" dir="t"/>
+    </dgm:scene3d>
+    <dgm:sp3d/>
+    <dgm:txPr/>
+    <dgm:style>
+      <a:lnRef idx="3">
+        <a:scrgbClr r="0" g="0" b="0"/>
+      </a:lnRef>
+      <a:fillRef idx="1">
+        <a:scrgbClr r="0" g="0" b="0"/>
+      </a:fillRef>
+      <a:effectRef idx="1">
+        <a:scrgbClr r="0" g="0" b="0"/>
+      </a:effectRef>
+      <a:fontRef idx="minor">
+        <a:schemeClr val="lt1"/>
+      </a:fontRef>
+    </dgm:style>
+  </dgm:styleLbl>
+  <dgm:styleLbl name="node2">
+    <dgm:scene3d>
+      <a:camera prst="orthographicFront"/>
+      <a:lightRig rig="threePt" dir="t"/>
+    </dgm:scene3d>
+    <dgm:sp3d/>
+    <dgm:txPr/>
+    <dgm:style>
+      <a:lnRef idx="3">
+        <a:scrgbClr r="0" g="0" b="0"/>
+      </a:lnRef>
+      <a:fillRef idx="1">
+        <a:scrgbClr r="0" g="0" b="0"/>
+      </a:fillRef>
+      <a:effectRef idx="1">
+        <a:scrgbClr r="0" g="0" b="0"/>
+      </a:effectRef>
+      <a:fontRef idx="minor">
+        <a:schemeClr val="lt1"/>
+      </a:fontRef>
+    </dgm:style>
+  </dgm:styleLbl>
+  <dgm:styleLbl name="node3">
+    <dgm:scene3d>
+      <a:camera prst="orthographicFront"/>
+      <a:lightRig rig="threePt" dir="t"/>
+    </dgm:scene3d>
+    <dgm:sp3d/>
+    <dgm:txPr/>
+    <dgm:style>
+      <a:lnRef idx="3">
+        <a:scrgbClr r="0" g="0" b="0"/>
+      </a:lnRef>
+      <a:fillRef idx="1">
+        <a:scrgbClr r="0" g="0" b="0"/>
+      </a:fillRef>
+      <a:effectRef idx="1">
+        <a:scrgbClr r="0" g="0" b="0"/>
+      </a:effectRef>
+      <a:fontRef idx="minor">
+        <a:schemeClr val="lt1"/>
+      </a:fontRef>
+    </dgm:style>
+  </dgm:styleLbl>
+  <dgm:styleLbl name="node4">
+    <dgm:scene3d>
+      <a:camera prst="orthographicFront"/>
+      <a:lightRig rig="threePt" dir="t"/>
+    </dgm:scene3d>
+    <dgm:sp3d/>
+    <dgm:txPr/>
+    <dgm:style>
+      <a:lnRef idx="3">
+        <a:scrgbClr r="0" g="0" b="0"/>
+      </a:lnRef>
+      <a:fillRef idx="1">
+        <a:scrgbClr r="0" g="0" b="0"/>
+      </a:fillRef>
+      <a:effectRef idx="1">
+        <a:scrgbClr r="0" g="0" b="0"/>
+      </a:effectRef>
+      <a:fontRef idx="minor">
+        <a:schemeClr val="lt1"/>
+      </a:fontRef>
+    </dgm:style>
+  </dgm:styleLbl>
+  <dgm:styleLbl name="fgImgPlace1">
+    <dgm:scene3d>
+      <a:camera prst="orthographicFront"/>
+      <a:lightRig rig="threePt" dir="t"/>
+    </dgm:scene3d>
+    <dgm:sp3d/>
+    <dgm:txPr/>
+    <dgm:style>
+      <a:lnRef idx="3">
+        <a:scrgbClr r="0" g="0" b="0"/>
+      </a:lnRef>
+      <a:fillRef idx="1">
+        <a:scrgbClr r="0" g="0" b="0"/>
+      </a:fillRef>
+      <a:effectRef idx="1">
+        <a:scrgbClr r="0" g="0" b="0"/>
+      </a:effectRef>
+      <a:fontRef idx="minor"/>
+    </dgm:style>
+  </dgm:styleLbl>
+  <dgm:styleLbl name="alignImgPlace1">
+    <dgm:scene3d>
+      <a:camera prst="orthographicFront"/>
+      <a:lightRig rig="threePt" dir="t"/>
+    </dgm:scene3d>
+    <dgm:sp3d/>
+    <dgm:txPr/>
+    <dgm:style>
+      <a:lnRef idx="3">
+        <a:scrgbClr r="0" g="0" b="0"/>
+      </a:lnRef>
+      <a:fillRef idx="1">
+        <a:scrgbClr r="0" g="0" b="0"/>
+      </a:fillRef>
+      <a:effectRef idx="1">
+        <a:scrgbClr r="0" g="0" b="0"/>
+      </a:effectRef>
+      <a:fontRef idx="minor"/>
+    </dgm:style>
+  </dgm:styleLbl>
+  <dgm:styleLbl name="bgImgPlace1">
+    <dgm:scene3d>
+      <a:camera prst="orthographicFront"/>
+      <a:lightRig rig="threePt" dir="t"/>
+    </dgm:scene3d>
+    <dgm:sp3d/>
+    <dgm:txPr/>
+    <dgm:style>
+      <a:lnRef idx="3">
+        <a:scrgbClr r="0" g="0" b="0"/>
+      </a:lnRef>
+      <a:fillRef idx="1">
+        <a:scrgbClr r="0" g="0" b="0"/>
+      </a:fillRef>
+      <a:effectRef idx="1">
+        <a:scrgbClr r="0" g="0" b="0"/>
+      </a:effectRef>
+      <a:fontRef idx="minor"/>
+    </dgm:style>
+  </dgm:styleLbl>
+  <dgm:styleLbl name="sibTrans2D1">
+    <dgm:scene3d>
+      <a:camera prst="orthographicFront"/>
+      <a:lightRig rig="threePt" dir="t"/>
+    </dgm:scene3d>
+    <dgm:sp3d/>
+    <dgm:txPr/>
+    <dgm:style>
+      <a:lnRef idx="0">
+        <a:scrgbClr r="0" g="0" b="0"/>
+      </a:lnRef>
+      <a:fillRef idx="1">
+        <a:scrgbClr r="0" g="0" b="0"/>
+      </a:fillRef>
+      <a:effectRef idx="1">
+        <a:scrgbClr r="0" g="0" b="0"/>
+      </a:effectRef>
+      <a:fontRef idx="minor">
+        <a:schemeClr val="lt1"/>
+      </a:fontRef>
+    </dgm:style>
+  </dgm:styleLbl>
+  <dgm:styleLbl name="fgSibTrans2D1">
+    <dgm:scene3d>
+      <a:camera prst="orthographicFront"/>
+      <a:lightRig rig="threePt" dir="t"/>
+    </dgm:scene3d>
+    <dgm:sp3d/>
+    <dgm:txPr/>
+    <dgm:style>
+      <a:lnRef idx="0">
+        <a:scrgbClr r="0" g="0" b="0"/>
+      </a:lnRef>
+      <a:fillRef idx="1">
+        <a:scrgbClr r="0" g="0" b="0"/>
+      </a:fillRef>
+      <a:effectRef idx="1">
+        <a:scrgbClr r="0" g="0" b="0"/>
+      </a:effectRef>
+      <a:fontRef idx="minor">
+        <a:schemeClr val="lt1"/>
+      </a:fontRef>
+    </dgm:style>
+  </dgm:styleLbl>
+  <dgm:styleLbl name="bgSibTrans2D1">
+    <dgm:scene3d>
+      <a:camera prst="orthographicFront"/>
+      <a:lightRig rig="threePt" dir="t"/>
+    </dgm:scene3d>
+    <dgm:sp3d/>
+    <dgm:txPr/>
+    <dgm:style>
+      <a:lnRef idx="0">
+        <a:scrgbClr r="0" g="0" b="0"/>
+      </a:lnRef>
+      <a:fillRef idx="1">
+        <a:scrgbClr r="0" g="0" b="0"/>
+      </a:fillRef>
+      <a:effectRef idx="1">
+        <a:scrgbClr r="0" g="0" b="0"/>
+      </a:effectRef>
+      <a:fontRef idx="minor">
+        <a:schemeClr val="lt1"/>
+      </a:fontRef>
+    </dgm:style>
+  </dgm:styleLbl>
+  <dgm:styleLbl name="sibTrans1D1">
+    <dgm:scene3d>
+      <a:camera prst="orthographicFront"/>
+      <a:lightRig rig="threePt" dir="t"/>
+    </dgm:scene3d>
+    <dgm:sp3d/>
+    <dgm:txPr/>
+    <dgm:style>
+      <a:lnRef idx="1">
+        <a:scrgbClr r="0" g="0" b="0"/>
+      </a:lnRef>
+      <a:fillRef idx="0">
+        <a:scrgbClr r="0" g="0" b="0"/>
+      </a:fillRef>
+      <a:effectRef idx="0">
+        <a:scrgbClr r="0" g="0" b="0"/>
+      </a:effectRef>
+      <a:fontRef idx="minor"/>
+    </dgm:style>
+  </dgm:styleLbl>
+  <dgm:styleLbl name="callout">
+    <dgm:scene3d>
+      <a:camera prst="orthographicFront"/>
+      <a:lightRig rig="threePt" dir="t"/>
+    </dgm:scene3d>
+    <dgm:sp3d/>
+    <dgm:txPr/>
+    <dgm:style>
+      <a:lnRef idx="2">
+        <a:scrgbClr r="0" g="0" b="0"/>
+      </a:lnRef>
+      <a:fillRef idx="1">
+        <a:scrgbClr r="0" g="0" b="0"/>
+      </a:fillRef>
+      <a:effectRef idx="1">
+        <a:scrgbClr r="0" g="0" b="0"/>
+      </a:effectRef>
+      <a:fontRef idx="minor"/>
+    </dgm:style>
+  </dgm:styleLbl>
+  <dgm:styleLbl name="asst0">
+    <dgm:scene3d>
+      <a:camera prst="orthographicFront"/>
+      <a:lightRig rig="threePt" dir="t"/>
+    </dgm:scene3d>
+    <dgm:sp3d/>
+    <dgm:txPr/>
+    <dgm:style>
+      <a:lnRef idx="3">
+        <a:scrgbClr r="0" g="0" b="0"/>
+      </a:lnRef>
+      <a:fillRef idx="1">
+        <a:scrgbClr r="0" g="0" b="0"/>
+      </a:fillRef>
+      <a:effectRef idx="1">
+        <a:scrgbClr r="0" g="0" b="0"/>
+      </a:effectRef>
+      <a:fontRef idx="minor">
+        <a:schemeClr val="lt1"/>
+      </a:fontRef>
+    </dgm:style>
+  </dgm:styleLbl>
+  <dgm:styleLbl name="asst1">
+    <dgm:scene3d>
+      <a:camera prst="orthographicFront"/>
+      <a:lightRig rig="threePt" dir="t"/>
+    </dgm:scene3d>
+    <dgm:sp3d/>
+    <dgm:txPr/>
+    <dgm:style>
+      <a:lnRef idx="3">
+        <a:scrgbClr r="0" g="0" b="0"/>
+      </a:lnRef>
+      <a:fillRef idx="1">
+        <a:scrgbClr r="0" g="0" b="0"/>
+      </a:fillRef>
+      <a:effectRef idx="1">
+        <a:scrgbClr r="0" g="0" b="0"/>
+      </a:effectRef>
+      <a:fontRef idx="minor">
+        <a:schemeClr val="lt1"/>
+      </a:fontRef>
+    </dgm:style>
+  </dgm:styleLbl>
+  <dgm:styleLbl name="asst2">
+    <dgm:scene3d>
+      <a:camera prst="orthographicFront"/>
+      <a:lightRig rig="threePt" dir="t"/>
+    </dgm:scene3d>
+    <dgm:sp3d/>
+    <dgm:txPr/>
+    <dgm:style>
+      <a:lnRef idx="3">
+        <a:scrgbClr r="0" g="0" b="0"/>
+      </a:lnRef>
+      <a:fillRef idx="1">
+        <a:scrgbClr r="0" g="0" b="0"/>
+      </a:fillRef>
+      <a:effectRef idx="1">
+        <a:scrgbClr r="0" g="0" b="0"/>
+      </a:effectRef>
+      <a:fontRef idx="minor">
+        <a:schemeClr val="lt1"/>
+      </a:fontRef>
+    </dgm:style>
+  </dgm:styleLbl>
+  <dgm:styleLbl name="asst3">
+    <dgm:scene3d>
+      <a:camera prst="orthographicFront"/>
+      <a:lightRig rig="threePt" dir="t"/>
+    </dgm:scene3d>
+    <dgm:sp3d/>
+    <dgm:txPr/>
+    <dgm:style>
+      <a:lnRef idx="3">
+        <a:scrgbClr r="0" g="0" b="0"/>
+      </a:lnRef>
+      <a:fillRef idx="1">
+        <a:scrgbClr r="0" g="0" b="0"/>
+      </a:fillRef>
+      <a:effectRef idx="1">
+        <a:scrgbClr r="0" g="0" b="0"/>
+      </a:effectRef>
+      <a:fontRef idx="minor">
+        <a:schemeClr val="lt1"/>
+      </a:fontRef>
+    </dgm:style>
+  </dgm:styleLbl>
+  <dgm:styleLbl name="asst4">
+    <dgm:scene3d>
+      <a:camera prst="orthographicFront"/>
+      <a:lightRig rig="threePt" dir="t"/>
+    </dgm:scene3d>
+    <dgm:sp3d/>
+    <dgm:txPr/>
+    <dgm:style>
+      <a:lnRef idx="3">
+        <a:scrgbClr r="0" g="0" b="0"/>
+      </a:lnRef>
+      <a:fillRef idx="1">
+        <a:scrgbClr r="0" g="0" b="0"/>
+      </a:fillRef>
+      <a:effectRef idx="1">
+        <a:scrgbClr r="0" g="0" b="0"/>
+      </a:effectRef>
+      <a:fontRef idx="minor">
+        <a:schemeClr val="lt1"/>
+      </a:fontRef>
+    </dgm:style>
+  </dgm:styleLbl>
+  <dgm:styleLbl name="parChTrans2D1">
+    <dgm:scene3d>
+      <a:camera prst="orthographicFront"/>
+      <a:lightRig rig="threePt" dir="t"/>
+    </dgm:scene3d>
+    <dgm:sp3d/>
+    <dgm:txPr/>
+    <dgm:style>
+      <a:lnRef idx="3">
+        <a:scrgbClr r="0" g="0" b="0"/>
+      </a:lnRef>
+      <a:fillRef idx="1">
+        <a:scrgbClr r="0" g="0" b="0"/>
+      </a:fillRef>
+      <a:effectRef idx="1">
+        <a:scrgbClr r="0" g="0" b="0"/>
+      </a:effectRef>
+      <a:fontRef idx="minor">
+        <a:schemeClr val="lt1"/>
+      </a:fontRef>
+    </dgm:style>
+  </dgm:styleLbl>
+  <dgm:styleLbl name="parChTrans2D2">
+    <dgm:scene3d>
+      <a:camera prst="orthographicFront"/>
+      <a:lightRig rig="threePt" dir="t"/>
+    </dgm:scene3d>
+    <dgm:sp3d/>
+    <dgm:txPr/>
+    <dgm:style>
+      <a:lnRef idx="3">
+        <a:scrgbClr r="0" g="0" b="0"/>
+      </a:lnRef>
+      <a:fillRef idx="1">
+        <a:scrgbClr r="0" g="0" b="0"/>
+      </a:fillRef>
+      <a:effectRef idx="1">
+        <a:scrgbClr r="0" g="0" b="0"/>
+      </a:effectRef>
+      <a:fontRef idx="minor">
+        <a:schemeClr val="lt1"/>
+      </a:fontRef>
+    </dgm:style>
+  </dgm:styleLbl>
+  <dgm:styleLbl name="parChTrans2D3">
+    <dgm:scene3d>
+      <a:camera prst="orthographicFront"/>
+      <a:lightRig rig="threePt" dir="t"/>
+    </dgm:scene3d>
+    <dgm:sp3d/>
+    <dgm:txPr/>
+    <dgm:style>
+      <a:lnRef idx="3">
+        <a:scrgbClr r="0" g="0" b="0"/>
+      </a:lnRef>
+      <a:fillRef idx="1">
+        <a:scrgbClr r="0" g="0" b="0"/>
+      </a:fillRef>
+      <a:effectRef idx="1">
+        <a:scrgbClr r="0" g="0" b="0"/>
+      </a:effectRef>
+      <a:fontRef idx="minor">
+        <a:schemeClr val="lt1"/>
+      </a:fontRef>
+    </dgm:style>
+  </dgm:styleLbl>
+  <dgm:styleLbl name="parChTrans2D4">
+    <dgm:scene3d>
+      <a:camera prst="orthographicFront"/>
+      <a:lightRig rig="threePt" dir="t"/>
+    </dgm:scene3d>
+    <dgm:sp3d/>
+    <dgm:txPr/>
+    <dgm:style>
+      <a:lnRef idx="3">
+        <a:scrgbClr r="0" g="0" b="0"/>
+      </a:lnRef>
+      <a:fillRef idx="1">
+        <a:scrgbClr r="0" g="0" b="0"/>
+      </a:fillRef>
+      <a:effectRef idx="1">
+        <a:scrgbClr r="0" g="0" b="0"/>
+      </a:effectRef>
+      <a:fontRef idx="minor">
+        <a:schemeClr val="lt1"/>
+      </a:fontRef>
+    </dgm:style>
+  </dgm:styleLbl>
+  <dgm:styleLbl name="parChTrans1D1">
+    <dgm:scene3d>
+      <a:camera prst="orthographicFront"/>
+      <a:lightRig rig="threePt" dir="t"/>
+    </dgm:scene3d>
+    <dgm:sp3d/>
+    <dgm:txPr/>
+    <dgm:style>
+      <a:lnRef idx="2">
+        <a:scrgbClr r="0" g="0" b="0"/>
+      </a:lnRef>
+      <a:fillRef idx="0">
+        <a:scrgbClr r="0" g="0" b="0"/>
+      </a:fillRef>
+      <a:effectRef idx="0">
+        <a:scrgbClr r="0" g="0" b="0"/>
+      </a:effectRef>
+      <a:fontRef idx="minor"/>
+    </dgm:style>
+  </dgm:styleLbl>
+  <dgm:styleLbl name="parChTrans1D2">
+    <dgm:scene3d>
+      <a:camera prst="orthographicFront"/>
+      <a:lightRig rig="threePt" dir="t"/>
+    </dgm:scene3d>
+    <dgm:sp3d/>
+    <dgm:txPr/>
+    <dgm:style>
+      <a:lnRef idx="2">
+        <a:scrgbClr r="0" g="0" b="0"/>
+      </a:lnRef>
+      <a:fillRef idx="0">
+        <a:scrgbClr r="0" g="0" b="0"/>
+      </a:fillRef>
+      <a:effectRef idx="0">
+        <a:scrgbClr r="0" g="0" b="0"/>
+      </a:effectRef>
+      <a:fontRef idx="minor"/>
+    </dgm:style>
+  </dgm:styleLbl>
+  <dgm:styleLbl name="parChTrans1D3">
+    <dgm:scene3d>
+      <a:camera prst="orthographicFront"/>
+      <a:lightRig rig="threePt" dir="t"/>
+    </dgm:scene3d>
+    <dgm:sp3d/>
+    <dgm:txPr/>
+    <dgm:style>
+      <a:lnRef idx="2">
+        <a:scrgbClr r="0" g="0" b="0"/>
+      </a:lnRef>
+      <a:fillRef idx="0">
+        <a:scrgbClr r="0" g="0" b="0"/>
+      </a:fillRef>
+      <a:effectRef idx="0">
+        <a:scrgbClr r="0" g="0" b="0"/>
+      </a:effectRef>
+      <a:fontRef idx="minor"/>
+    </dgm:style>
+  </dgm:styleLbl>
+  <dgm:styleLbl name="parChTrans1D4">
+    <dgm:scene3d>
+      <a:camera prst="orthographicFront"/>
+      <a:lightRig rig="threePt" dir="t"/>
+    </dgm:scene3d>
+    <dgm:sp3d/>
+    <dgm:txPr/>
+    <dgm:style>
+      <a:lnRef idx="2">
+        <a:scrgbClr r="0" g="0" b="0"/>
+      </a:lnRef>
+      <a:fillRef idx="0">
+        <a:scrgbClr r="0" g="0" b="0"/>
+      </a:fillRef>
+      <a:effectRef idx="0">
+        <a:scrgbClr r="0" g="0" b="0"/>
+      </a:effectRef>
+      <a:fontRef idx="minor"/>
+    </dgm:style>
+  </dgm:styleLbl>
+  <dgm:styleLbl name="fgAcc1">
+    <dgm:scene3d>
+      <a:camera prst="orthographicFront"/>
+      <a:lightRig rig="threePt" dir="t"/>
+    </dgm:scene3d>
+    <dgm:sp3d/>
+    <dgm:txPr/>
+    <dgm:style>
+      <a:lnRef idx="2">
+        <a:scrgbClr r="0" g="0" b="0"/>
+      </a:lnRef>
+      <a:fillRef idx="1">
+        <a:scrgbClr r="0" g="0" b="0"/>
+      </a:fillRef>
+      <a:effectRef idx="0">
+        <a:scrgbClr r="0" g="0" b="0"/>
+      </a:effectRef>
+      <a:fontRef idx="minor"/>
+    </dgm:style>
+  </dgm:styleLbl>
+  <dgm:styleLbl name="conFgAcc1">
+    <dgm:scene3d>
+      <a:camera prst="orthographicFront"/>
+      <a:lightRig rig="threePt" dir="t"/>
+    </dgm:scene3d>
+    <dgm:sp3d/>
+    <dgm:txPr/>
+    <dgm:style>
+      <a:lnRef idx="2">
+        <a:scrgbClr r="0" g="0" b="0"/>
+      </a:lnRef>
+      <a:fillRef idx="1">
+        <a:scrgbClr r="0" g="0" b="0"/>
+      </a:fillRef>
+      <a:effectRef idx="0">
+        <a:scrgbClr r="0" g="0" b="0"/>
+      </a:effectRef>
+      <a:fontRef idx="minor"/>
+    </dgm:style>
+  </dgm:styleLbl>
+  <dgm:styleLbl name="alignAcc1">
+    <dgm:scene3d>
+      <a:camera prst="orthographicFront"/>
+      <a:lightRig rig="threePt" dir="t"/>
+    </dgm:scene3d>
+    <dgm:sp3d/>
+    <dgm:txPr/>
+    <dgm:style>
+      <a:lnRef idx="2">
+        <a:scrgbClr r="0" g="0" b="0"/>
+      </a:lnRef>
+      <a:fillRef idx="1">
+        <a:scrgbClr r="0" g="0" b="0"/>
+      </a:fillRef>
+      <a:effectRef idx="0">
+        <a:scrgbClr r="0" g="0" b="0"/>
+      </a:effectRef>
+      <a:fontRef idx="minor"/>
+    </dgm:style>
+  </dgm:styleLbl>
+  <dgm:styleLbl name="trAlignAcc1">
+    <dgm:scene3d>
+      <a:camera prst="orthographicFront"/>
+      <a:lightRig rig="threePt" dir="t"/>
+    </dgm:scene3d>
+    <dgm:sp3d/>
+    <dgm:txPr/>
+    <dgm:style>
+      <a:lnRef idx="1">
+        <a:scrgbClr r="0" g="0" b="0"/>
+      </a:lnRef>
+      <a:fillRef idx="1">
+        <a:scrgbClr r="0" g="0" b="0"/>
+      </a:fillRef>
+      <a:effectRef idx="0">
+        <a:scrgbClr r="0" g="0" b="0"/>
+      </a:effectRef>
+      <a:fontRef idx="minor"/>
+    </dgm:style>
+  </dgm:styleLbl>
+  <dgm:styleLbl name="bgAcc1">
+    <dgm:scene3d>
+      <a:camera prst="orthographicFront"/>
+      <a:lightRig rig="threePt" dir="t"/>
+    </dgm:scene3d>
+    <dgm:sp3d/>
+    <dgm:txPr/>
+    <dgm:style>
+      <a:lnRef idx="2">
+        <a:scrgbClr r="0" g="0" b="0"/>
+      </a:lnRef>
+      <a:fillRef idx="1">
+        <a:scrgbClr r="0" g="0" b="0"/>
+      </a:fillRef>
+      <a:effectRef idx="0">
+        <a:scrgbClr r="0" g="0" b="0"/>
+      </a:effectRef>
+      <a:fontRef idx="minor"/>
+    </dgm:style>
+  </dgm:styleLbl>
+  <dgm:styleLbl name="solidFgAcc1">
+    <dgm:scene3d>
+      <a:camera prst="orthographicFront"/>
+      <a:lightRig rig="threePt" dir="t"/>
+    </dgm:scene3d>
+    <dgm:sp3d/>
+    <dgm:txPr/>
+    <dgm:style>
+      <a:lnRef idx="2">
+        <a:scrgbClr r="0" g="0" b="0"/>
+      </a:lnRef>
+      <a:fillRef idx="1">
+        <a:scrgbClr r="0" g="0" b="0"/>
+      </a:fillRef>
+      <a:effectRef idx="0">
+        <a:scrgbClr r="0" g="0" b="0"/>
+      </a:effectRef>
+      <a:fontRef idx="minor"/>
+    </dgm:style>
+  </dgm:styleLbl>
+  <dgm:styleLbl name="solidAlignAcc1">
+    <dgm:scene3d>
+      <a:camera prst="orthographicFront"/>
+      <a:lightRig rig="threePt" dir="t"/>
+    </dgm:scene3d>
+    <dgm:sp3d/>
+    <dgm:txPr/>
+    <dgm:style>
+      <a:lnRef idx="2">
+        <a:scrgbClr r="0" g="0" b="0"/>
+      </a:lnRef>
+      <a:fillRef idx="1">
+        <a:scrgbClr r="0" g="0" b="0"/>
+      </a:fillRef>
+      <a:effectRef idx="0">
+        <a:scrgbClr r="0" g="0" b="0"/>
+      </a:effectRef>
+      <a:fontRef idx="minor"/>
+    </dgm:style>
+  </dgm:styleLbl>
+  <dgm:styleLbl name="solidBgAcc1">
+    <dgm:scene3d>
+      <a:camera prst="orthographicFront"/>
+      <a:lightRig rig="threePt" dir="t"/>
+    </dgm:scene3d>
+    <dgm:sp3d/>
+    <dgm:txPr/>
+    <dgm:style>
+      <a:lnRef idx="2">
+        <a:scrgbClr r="0" g="0" b="0"/>
+      </a:lnRef>
+      <a:fillRef idx="1">
+        <a:scrgbClr r="0" g="0" b="0"/>
+      </a:fillRef>
+      <a:effectRef idx="0">
+        <a:scrgbClr r="0" g="0" b="0"/>
+      </a:effectRef>
+      <a:fontRef idx="minor"/>
+    </dgm:style>
+  </dgm:styleLbl>
+  <dgm:styleLbl name="fgAccFollowNode1">
+    <dgm:scene3d>
+      <a:camera prst="orthographicFront"/>
+      <a:lightRig rig="threePt" dir="t"/>
+    </dgm:scene3d>
+    <dgm:sp3d/>
+    <dgm:txPr/>
+    <dgm:style>
+      <a:lnRef idx="2">
+        <a:scrgbClr r="0" g="0" b="0"/>
+      </a:lnRef>
+      <a:fillRef idx="1">
+        <a:scrgbClr r="0" g="0" b="0"/>
+      </a:fillRef>
+      <a:effectRef idx="0">
+        <a:scrgbClr r="0" g="0" b="0"/>
+      </a:effectRef>
+      <a:fontRef idx="minor"/>
+    </dgm:style>
+  </dgm:styleLbl>
+  <dgm:styleLbl name="alignAccFollowNode1">
+    <dgm:scene3d>
+      <a:camera prst="orthographicFront"/>
+      <a:lightRig rig="threePt" dir="t"/>
+    </dgm:scene3d>
+    <dgm:sp3d/>
+    <dgm:txPr/>
+    <dgm:style>
+      <a:lnRef idx="2">
+        <a:scrgbClr r="0" g="0" b="0"/>
+      </a:lnRef>
+      <a:fillRef idx="1">
+        <a:scrgbClr r="0" g="0" b="0"/>
+      </a:fillRef>
+      <a:effectRef idx="0">
+        <a:scrgbClr r="0" g="0" b="0"/>
+      </a:effectRef>
+      <a:fontRef idx="minor"/>
+    </dgm:style>
+  </dgm:styleLbl>
+  <dgm:styleLbl name="bgAccFollowNode1">
+    <dgm:scene3d>
+      <a:camera prst="orthographicFront"/>
+      <a:lightRig rig="threePt" dir="t"/>
+    </dgm:scene3d>
+    <dgm:sp3d/>
+    <dgm:txPr/>
+    <dgm:style>
+      <a:lnRef idx="2">
+        <a:scrgbClr r="0" g="0" b="0"/>
+      </a:lnRef>
+      <a:fillRef idx="1">
+        <a:scrgbClr r="0" g="0" b="0"/>
+      </a:fillRef>
+      <a:effectRef idx="0">
+        <a:scrgbClr r="0" g="0" b="0"/>
+      </a:effectRef>
+      <a:fontRef idx="minor"/>
+    </dgm:style>
+  </dgm:styleLbl>
+  <dgm:styleLbl name="fgAcc0">
+    <dgm:scene3d>
+      <a:camera prst="orthographicFront"/>
+      <a:lightRig rig="threePt" dir="t"/>
+    </dgm:scene3d>
+    <dgm:sp3d/>
+    <dgm:txPr/>
+    <dgm:style>
+      <a:lnRef idx="2">
+        <a:scrgbClr r="0" g="0" b="0"/>
+      </a:lnRef>
+      <a:fillRef idx="1">
+        <a:scrgbClr r="0" g="0" b="0"/>
+      </a:fillRef>
+      <a:effectRef idx="0">
+        <a:scrgbClr r="0" g="0" b="0"/>
+      </a:effectRef>
+      <a:fontRef idx="minor"/>
+    </dgm:style>
+  </dgm:styleLbl>
+  <dgm:styleLbl name="fgAcc2">
+    <dgm:scene3d>
+      <a:camera prst="orthographicFront"/>
+      <a:lightRig rig="threePt" dir="t"/>
+    </dgm:scene3d>
+    <dgm:sp3d/>
+    <dgm:txPr/>
+    <dgm:style>
+      <a:lnRef idx="2">
+        <a:scrgbClr r="0" g="0" b="0"/>
+      </a:lnRef>
+      <a:fillRef idx="1">
+        <a:scrgbClr r="0" g="0" b="0"/>
+      </a:fillRef>
+      <a:effectRef idx="0">
+        <a:scrgbClr r="0" g="0" b="0"/>
+      </a:effectRef>
+      <a:fontRef idx="minor"/>
+    </dgm:style>
+  </dgm:styleLbl>
+  <dgm:styleLbl name="fgAcc3">
+    <dgm:scene3d>
+      <a:camera prst="orthographicFront"/>
+      <a:lightRig rig="threePt" dir="t"/>
+    </dgm:scene3d>
+    <dgm:sp3d/>
+    <dgm:txPr/>
+    <dgm:style>
+      <a:lnRef idx="2">
+        <a:scrgbClr r="0" g="0" b="0"/>
+      </a:lnRef>
+      <a:fillRef idx="1">
+        <a:scrgbClr r="0" g="0" b="0"/>
+      </a:fillRef>
+      <a:effectRef idx="0">
+        <a:scrgbClr r="0" g="0" b="0"/>
+      </a:effectRef>
+      <a:fontRef idx="minor"/>
+    </dgm:style>
+  </dgm:styleLbl>
+  <dgm:styleLbl name="fgAcc4">
+    <dgm:scene3d>
+      <a:camera prst="orthographicFront"/>
+      <a:lightRig rig="threePt" dir="t"/>
+    </dgm:scene3d>
+    <dgm:sp3d/>
+    <dgm:txPr/>
+    <dgm:style>
+      <a:lnRef idx="2">
+        <a:scrgbClr r="0" g="0" b="0"/>
+      </a:lnRef>
+      <a:fillRef idx="1">
+        <a:scrgbClr r="0" g="0" b="0"/>
+      </a:fillRef>
+      <a:effectRef idx="0">
+        <a:scrgbClr r="0" g="0" b="0"/>
+      </a:effectRef>
+      <a:fontRef idx="minor"/>
+    </dgm:style>
+  </dgm:styleLbl>
+  <dgm:styleLbl name="bgShp">
+    <dgm:scene3d>
+      <a:camera prst="orthographicFront"/>
+      <a:lightRig rig="threePt" dir="t"/>
+    </dgm:scene3d>
+    <dgm:sp3d/>
+    <dgm:txPr/>
+    <dgm:style>
+      <a:lnRef idx="0">
+        <a:scrgbClr r="0" g="0" b="0"/>
+      </a:lnRef>
+      <a:fillRef idx="1">
+        <a:scrgbClr r="0" g="0" b="0"/>
+      </a:fillRef>
+      <a:effectRef idx="0">
+        <a:scrgbClr r="0" g="0" b="0"/>
+      </a:effectRef>
+      <a:fontRef idx="minor"/>
+    </dgm:style>
+  </dgm:styleLbl>
+  <dgm:styleLbl name="dkBgShp">
+    <dgm:scene3d>
+      <a:camera prst="orthographicFront"/>
+      <a:lightRig rig="threePt" dir="t"/>
+    </dgm:scene3d>
+    <dgm:sp3d/>
+    <dgm:txPr/>
+    <dgm:style>
+      <a:lnRef idx="0">
+        <a:scrgbClr r="0" g="0" b="0"/>
+      </a:lnRef>
+      <a:fillRef idx="1">
+        <a:scrgbClr r="0" g="0" b="0"/>
+      </a:fillRef>
+      <a:effectRef idx="0">
+        <a:scrgbClr r="0" g="0" b="0"/>
+      </a:effectRef>
+      <a:fontRef idx="minor"/>
+    </dgm:style>
+  </dgm:styleLbl>
+  <dgm:styleLbl name="trBgShp">
+    <dgm:scene3d>
+      <a:camera prst="orthographicFront"/>
+      <a:lightRig rig="threePt" dir="t"/>
+    </dgm:scene3d>
+    <dgm:sp3d/>
+    <dgm:txPr/>
+    <dgm:style>
+      <a:lnRef idx="0">
+        <a:scrgbClr r="0" g="0" b="0"/>
+      </a:lnRef>
+      <a:fillRef idx="1">
+        <a:scrgbClr r="0" g="0" b="0"/>
+      </a:fillRef>
+      <a:effectRef idx="0">
+        <a:scrgbClr r="0" g="0" b="0"/>
+      </a:effectRef>
+      <a:fontRef idx="minor"/>
+    </dgm:style>
+  </dgm:styleLbl>
+  <dgm:styleLbl name="fgShp">
+    <dgm:scene3d>
+      <a:camera prst="orthographicFront"/>
+      <a:lightRig rig="threePt" dir="t"/>
+    </dgm:scene3d>
+    <dgm:sp3d/>
+    <dgm:txPr/>
+    <dgm:style>
+      <a:lnRef idx="3">
+        <a:scrgbClr r="0" g="0" b="0"/>
+      </a:lnRef>
+      <a:fillRef idx="1">
+        <a:scrgbClr r="0" g="0" b="0"/>
+      </a:fillRef>
+      <a:effectRef idx="1">
+        <a:scrgbClr r="0" g="0" b="0"/>
+      </a:effectRef>
+      <a:fontRef idx="minor"/>
+    </dgm:style>
+  </dgm:styleLbl>
+  <dgm:styleLbl name="revTx">
+    <dgm:scene3d>
+      <a:camera prst="orthographicFront"/>
+      <a:lightRig rig="threePt" dir="t"/>
+    </dgm:scene3d>
+    <dgm:sp3d/>
+    <dgm:txPr/>
+    <dgm:style>
+      <a:lnRef idx="0">
+        <a:scrgbClr r="0" g="0" b="0"/>
+      </a:lnRef>
+      <a:fillRef idx="0">
+        <a:scrgbClr r="0" g="0" b="0"/>
+      </a:fillRef>
+      <a:effectRef idx="0">
+        <a:scrgbClr r="0" g="0" b="0"/>
+      </a:effectRef>
+      <a:fontRef idx="minor"/>
+    </dgm:style>
+  </dgm:styleLbl>
+</dgm:styleDef>
+</file>
+
 <file path=ppt/diagrams/quickStyle2.xml><?xml version="1.0" encoding="utf-8"?>
 <dgm:styleDef xmlns:dgm="http://schemas.openxmlformats.org/drawingml/2006/diagram" xmlns:a="http://schemas.openxmlformats.org/drawingml/2006/main" uniqueId="urn:microsoft.com/office/officeart/2005/8/quickstyle/simple2">
   <dgm:title val=""/>
@@ -25294,7 +27697,7 @@
           <a:p>
             <a:fld id="{2DA23E8D-1792-1541-9147-970A8DD8A355}" type="datetimeFigureOut">
               <a:rPr lang="en-US" smtClean="0"/>
-              <a:t>9/25/21</a:t>
+              <a:t>12/14/21</a:t>
             </a:fld>
             <a:endParaRPr lang="en-US" dirty="0"/>
           </a:p>
@@ -25622,16 +28025,7 @@
               <a:tabLst/>
               <a:defRPr/>
             </a:pPr>
-            <a:r>
-              <a:rPr lang="en-US" dirty="0"/>
-              <a:t>What is the point of this section? </a:t>
-            </a:r>
-          </a:p>
-          <a:p>
-            <a:r>
-              <a:rPr lang="en-US" dirty="0"/>
-              <a:t>To call Malloc! Make sure to point out the motivation behind this; getting memory from the allocator.</a:t>
-            </a:r>
+            <a:endParaRPr lang="en-US" dirty="0"/>
           </a:p>
         </p:txBody>
       </p:sp>
@@ -25732,16 +28126,7 @@
               <a:tabLst/>
               <a:defRPr/>
             </a:pPr>
-            <a:r>
-              <a:rPr lang="en-US" dirty="0"/>
-              <a:t>What is the point of this section? </a:t>
-            </a:r>
-          </a:p>
-          <a:p>
-            <a:r>
-              <a:rPr lang="en-US" dirty="0"/>
-              <a:t>To call Malloc! Make sure to point out the motivation behind this; getting memory from the allocator.</a:t>
-            </a:r>
+            <a:endParaRPr lang="en-US" dirty="0"/>
           </a:p>
         </p:txBody>
       </p:sp>
@@ -26047,12 +28432,6 @@
           <a:p>
             <a:r>
               <a:rPr lang="en-US" dirty="0"/>
-              <a:t>- Special code path that after 10000 iterations to exit</a:t>
-            </a:r>
-          </a:p>
-          <a:p>
-            <a:r>
-              <a:rPr lang="en-US" dirty="0"/>
               <a:t>- Harder with TCache because of stashing</a:t>
             </a:r>
           </a:p>
@@ -26085,6 +28464,432 @@
     <p:extLst>
       <p:ext uri="{BB962C8B-B14F-4D97-AF65-F5344CB8AC3E}">
         <p14:creationId xmlns:p14="http://schemas.microsoft.com/office/powerpoint/2010/main" val="3472758251"/>
+      </p:ext>
+    </p:extLst>
+  </p:cSld>
+  <p:clrMapOvr>
+    <a:masterClrMapping/>
+  </p:clrMapOvr>
+</p:notes>
+</file>
+
+<file path=ppt/notesSlides/notesSlide6.xml><?xml version="1.0" encoding="utf-8"?>
+<p:notes xmlns:a="http://schemas.openxmlformats.org/drawingml/2006/main" xmlns:r="http://schemas.openxmlformats.org/officeDocument/2006/relationships" xmlns:p="http://schemas.openxmlformats.org/presentationml/2006/main">
+  <p:cSld>
+    <p:spTree>
+      <p:nvGrpSpPr>
+        <p:cNvPr id="1" name=""/>
+        <p:cNvGrpSpPr/>
+        <p:nvPr/>
+      </p:nvGrpSpPr>
+      <p:grpSpPr>
+        <a:xfrm>
+          <a:off x="0" y="0"/>
+          <a:ext cx="0" cy="0"/>
+          <a:chOff x="0" y="0"/>
+          <a:chExt cx="0" cy="0"/>
+        </a:xfrm>
+      </p:grpSpPr>
+      <p:sp>
+        <p:nvSpPr>
+          <p:cNvPr id="2" name="Slide Image Placeholder 1"/>
+          <p:cNvSpPr>
+            <a:spLocks noGrp="1" noRot="1" noChangeAspect="1"/>
+          </p:cNvSpPr>
+          <p:nvPr>
+            <p:ph type="sldImg"/>
+          </p:nvPr>
+        </p:nvSpPr>
+        <p:spPr/>
+      </p:sp>
+      <p:sp>
+        <p:nvSpPr>
+          <p:cNvPr id="3" name="Notes Placeholder 2"/>
+          <p:cNvSpPr>
+            <a:spLocks noGrp="1"/>
+          </p:cNvSpPr>
+          <p:nvPr>
+            <p:ph type="body" idx="1"/>
+          </p:nvPr>
+        </p:nvSpPr>
+        <p:spPr/>
+        <p:txBody>
+          <a:bodyPr/>
+          <a:lstStyle/>
+          <a:p>
+            <a:r>
+              <a:rPr lang="en-US" dirty="0"/>
+              <a:t>Emphasis the ‘trigger’ on this because this is the first time we are going on it:</a:t>
+            </a:r>
+          </a:p>
+          <a:p>
+            <a:r>
+              <a:rPr lang="en-US" dirty="0"/>
+              <a:t>- Need to mention that this bug occurs.</a:t>
+            </a:r>
+          </a:p>
+        </p:txBody>
+      </p:sp>
+      <p:sp>
+        <p:nvSpPr>
+          <p:cNvPr id="4" name="Slide Number Placeholder 3"/>
+          <p:cNvSpPr>
+            <a:spLocks noGrp="1"/>
+          </p:cNvSpPr>
+          <p:nvPr>
+            <p:ph type="sldNum" sz="quarter" idx="5"/>
+          </p:nvPr>
+        </p:nvSpPr>
+        <p:spPr/>
+        <p:txBody>
+          <a:bodyPr/>
+          <a:lstStyle/>
+          <a:p>
+            <a:fld id="{AC55928C-CD14-454C-B617-1AFCF9A58596}" type="slidenum">
+              <a:rPr lang="en-US" smtClean="0"/>
+              <a:t>26</a:t>
+            </a:fld>
+            <a:endParaRPr lang="en-US" dirty="0"/>
+          </a:p>
+        </p:txBody>
+      </p:sp>
+    </p:spTree>
+    <p:extLst>
+      <p:ext uri="{BB962C8B-B14F-4D97-AF65-F5344CB8AC3E}">
+        <p14:creationId xmlns:p14="http://schemas.microsoft.com/office/powerpoint/2010/main" val="1322059959"/>
+      </p:ext>
+    </p:extLst>
+  </p:cSld>
+  <p:clrMapOvr>
+    <a:masterClrMapping/>
+  </p:clrMapOvr>
+</p:notes>
+</file>
+
+<file path=ppt/notesSlides/notesSlide7.xml><?xml version="1.0" encoding="utf-8"?>
+<p:notes xmlns:a="http://schemas.openxmlformats.org/drawingml/2006/main" xmlns:r="http://schemas.openxmlformats.org/officeDocument/2006/relationships" xmlns:p="http://schemas.openxmlformats.org/presentationml/2006/main">
+  <p:cSld>
+    <p:spTree>
+      <p:nvGrpSpPr>
+        <p:cNvPr id="1" name=""/>
+        <p:cNvGrpSpPr/>
+        <p:nvPr/>
+      </p:nvGrpSpPr>
+      <p:grpSpPr>
+        <a:xfrm>
+          <a:off x="0" y="0"/>
+          <a:ext cx="0" cy="0"/>
+          <a:chOff x="0" y="0"/>
+          <a:chExt cx="0" cy="0"/>
+        </a:xfrm>
+      </p:grpSpPr>
+      <p:sp>
+        <p:nvSpPr>
+          <p:cNvPr id="2" name="Slide Image Placeholder 1"/>
+          <p:cNvSpPr>
+            <a:spLocks noGrp="1" noRot="1" noChangeAspect="1"/>
+          </p:cNvSpPr>
+          <p:nvPr>
+            <p:ph type="sldImg"/>
+          </p:nvPr>
+        </p:nvSpPr>
+        <p:spPr/>
+      </p:sp>
+      <p:sp>
+        <p:nvSpPr>
+          <p:cNvPr id="3" name="Notes Placeholder 2"/>
+          <p:cNvSpPr>
+            <a:spLocks noGrp="1"/>
+          </p:cNvSpPr>
+          <p:nvPr>
+            <p:ph type="body" idx="1"/>
+          </p:nvPr>
+        </p:nvSpPr>
+        <p:spPr/>
+        <p:txBody>
+          <a:bodyPr/>
+          <a:lstStyle/>
+          <a:p>
+            <a:r>
+              <a:rPr lang="en-US" dirty="0"/>
+              <a:t>Demo: </a:t>
+            </a:r>
+          </a:p>
+          <a:p>
+            <a:pPr marL="171450" indent="-171450">
+              <a:buFontTx/>
+              <a:buChar char="-"/>
+            </a:pPr>
+            <a:r>
+              <a:rPr lang="en-US" dirty="0"/>
+              <a:t>Show the python3 </a:t>
+            </a:r>
+            <a:r>
+              <a:rPr lang="en-US" dirty="0" err="1"/>
+              <a:t>start.py</a:t>
+            </a:r>
+            <a:endParaRPr lang="en-US" dirty="0"/>
+          </a:p>
+          <a:p>
+            <a:pPr marL="171450" indent="-171450">
+              <a:buFontTx/>
+              <a:buChar char="-"/>
+            </a:pPr>
+            <a:r>
+              <a:rPr lang="en-US" dirty="0"/>
+              <a:t>Show all the functionality</a:t>
+            </a:r>
+          </a:p>
+          <a:p>
+            <a:pPr marL="171450" indent="-171450">
+              <a:buFontTx/>
+              <a:buChar char="-"/>
+            </a:pPr>
+            <a:r>
+              <a:rPr lang="en-US" dirty="0"/>
+              <a:t>Walk through the source code some</a:t>
+            </a:r>
+          </a:p>
+          <a:p>
+            <a:pPr marL="171450" indent="-171450">
+              <a:buFontTx/>
+              <a:buChar char="-"/>
+            </a:pPr>
+            <a:r>
+              <a:rPr lang="en-US" dirty="0"/>
+              <a:t>Describe goal – particularly call out magi</a:t>
+            </a:r>
+          </a:p>
+          <a:p>
+            <a:endParaRPr lang="en-US" dirty="0"/>
+          </a:p>
+          <a:p>
+            <a:r>
+              <a:rPr lang="en-US" dirty="0"/>
+              <a:t>Part way through….</a:t>
+            </a:r>
+          </a:p>
+          <a:p>
+            <a:r>
+              <a:rPr lang="en-US" dirty="0"/>
+              <a:t>- Go through use after free bug</a:t>
+            </a:r>
+          </a:p>
+          <a:p>
+            <a:r>
+              <a:rPr lang="en-US" dirty="0"/>
+              <a:t>- Go through the crash!</a:t>
+            </a:r>
+          </a:p>
+        </p:txBody>
+      </p:sp>
+      <p:sp>
+        <p:nvSpPr>
+          <p:cNvPr id="4" name="Slide Number Placeholder 3"/>
+          <p:cNvSpPr>
+            <a:spLocks noGrp="1"/>
+          </p:cNvSpPr>
+          <p:nvPr>
+            <p:ph type="sldNum" sz="quarter" idx="5"/>
+          </p:nvPr>
+        </p:nvSpPr>
+        <p:spPr/>
+        <p:txBody>
+          <a:bodyPr/>
+          <a:lstStyle/>
+          <a:p>
+            <a:fld id="{AC55928C-CD14-454C-B617-1AFCF9A58596}" type="slidenum">
+              <a:rPr lang="en-US" smtClean="0"/>
+              <a:t>30</a:t>
+            </a:fld>
+            <a:endParaRPr lang="en-US" dirty="0"/>
+          </a:p>
+        </p:txBody>
+      </p:sp>
+    </p:spTree>
+    <p:extLst>
+      <p:ext uri="{BB962C8B-B14F-4D97-AF65-F5344CB8AC3E}">
+        <p14:creationId xmlns:p14="http://schemas.microsoft.com/office/powerpoint/2010/main" val="4147072467"/>
+      </p:ext>
+    </p:extLst>
+  </p:cSld>
+  <p:clrMapOvr>
+    <a:masterClrMapping/>
+  </p:clrMapOvr>
+</p:notes>
+</file>
+
+<file path=ppt/notesSlides/notesSlide8.xml><?xml version="1.0" encoding="utf-8"?>
+<p:notes xmlns:a="http://schemas.openxmlformats.org/drawingml/2006/main" xmlns:r="http://schemas.openxmlformats.org/officeDocument/2006/relationships" xmlns:p="http://schemas.openxmlformats.org/presentationml/2006/main">
+  <p:cSld>
+    <p:spTree>
+      <p:nvGrpSpPr>
+        <p:cNvPr id="1" name=""/>
+        <p:cNvGrpSpPr/>
+        <p:nvPr/>
+      </p:nvGrpSpPr>
+      <p:grpSpPr>
+        <a:xfrm>
+          <a:off x="0" y="0"/>
+          <a:ext cx="0" cy="0"/>
+          <a:chOff x="0" y="0"/>
+          <a:chExt cx="0" cy="0"/>
+        </a:xfrm>
+      </p:grpSpPr>
+      <p:sp>
+        <p:nvSpPr>
+          <p:cNvPr id="2" name="Slide Image Placeholder 1"/>
+          <p:cNvSpPr>
+            <a:spLocks noGrp="1" noRot="1" noChangeAspect="1"/>
+          </p:cNvSpPr>
+          <p:nvPr>
+            <p:ph type="sldImg"/>
+          </p:nvPr>
+        </p:nvSpPr>
+        <p:spPr/>
+      </p:sp>
+      <p:sp>
+        <p:nvSpPr>
+          <p:cNvPr id="3" name="Notes Placeholder 2"/>
+          <p:cNvSpPr>
+            <a:spLocks noGrp="1"/>
+          </p:cNvSpPr>
+          <p:nvPr>
+            <p:ph type="body" idx="1"/>
+          </p:nvPr>
+        </p:nvSpPr>
+        <p:spPr/>
+        <p:txBody>
+          <a:bodyPr/>
+          <a:lstStyle/>
+          <a:p>
+            <a:r>
+              <a:rPr lang="en-US" dirty="0"/>
+              <a:t>Anybody have questions on the exercise?</a:t>
+            </a:r>
+          </a:p>
+        </p:txBody>
+      </p:sp>
+      <p:sp>
+        <p:nvSpPr>
+          <p:cNvPr id="4" name="Slide Number Placeholder 3"/>
+          <p:cNvSpPr>
+            <a:spLocks noGrp="1"/>
+          </p:cNvSpPr>
+          <p:nvPr>
+            <p:ph type="sldNum" sz="quarter" idx="5"/>
+          </p:nvPr>
+        </p:nvSpPr>
+        <p:spPr/>
+        <p:txBody>
+          <a:bodyPr/>
+          <a:lstStyle/>
+          <a:p>
+            <a:fld id="{AC55928C-CD14-454C-B617-1AFCF9A58596}" type="slidenum">
+              <a:rPr lang="en-US" smtClean="0"/>
+              <a:t>40</a:t>
+            </a:fld>
+            <a:endParaRPr lang="en-US" dirty="0"/>
+          </a:p>
+        </p:txBody>
+      </p:sp>
+    </p:spTree>
+    <p:extLst>
+      <p:ext uri="{BB962C8B-B14F-4D97-AF65-F5344CB8AC3E}">
+        <p14:creationId xmlns:p14="http://schemas.microsoft.com/office/powerpoint/2010/main" val="2723293945"/>
+      </p:ext>
+    </p:extLst>
+  </p:cSld>
+  <p:clrMapOvr>
+    <a:masterClrMapping/>
+  </p:clrMapOvr>
+</p:notes>
+</file>
+
+<file path=ppt/notesSlides/notesSlide9.xml><?xml version="1.0" encoding="utf-8"?>
+<p:notes xmlns:a="http://schemas.openxmlformats.org/drawingml/2006/main" xmlns:r="http://schemas.openxmlformats.org/officeDocument/2006/relationships" xmlns:p="http://schemas.openxmlformats.org/presentationml/2006/main">
+  <p:cSld>
+    <p:spTree>
+      <p:nvGrpSpPr>
+        <p:cNvPr id="1" name=""/>
+        <p:cNvGrpSpPr/>
+        <p:nvPr/>
+      </p:nvGrpSpPr>
+      <p:grpSpPr>
+        <a:xfrm>
+          <a:off x="0" y="0"/>
+          <a:ext cx="0" cy="0"/>
+          <a:chOff x="0" y="0"/>
+          <a:chExt cx="0" cy="0"/>
+        </a:xfrm>
+      </p:grpSpPr>
+      <p:sp>
+        <p:nvSpPr>
+          <p:cNvPr id="2" name="Slide Image Placeholder 1"/>
+          <p:cNvSpPr>
+            <a:spLocks noGrp="1" noRot="1" noChangeAspect="1"/>
+          </p:cNvSpPr>
+          <p:nvPr>
+            <p:ph type="sldImg"/>
+          </p:nvPr>
+        </p:nvSpPr>
+        <p:spPr/>
+      </p:sp>
+      <p:sp>
+        <p:nvSpPr>
+          <p:cNvPr id="3" name="Notes Placeholder 2"/>
+          <p:cNvSpPr>
+            <a:spLocks noGrp="1"/>
+          </p:cNvSpPr>
+          <p:nvPr>
+            <p:ph type="body" idx="1"/>
+          </p:nvPr>
+        </p:nvSpPr>
+        <p:spPr/>
+        <p:txBody>
+          <a:bodyPr/>
+          <a:lstStyle/>
+          <a:p>
+            <a:r>
+              <a:rPr lang="en-US" dirty="0"/>
+              <a:t>Open source</a:t>
+            </a:r>
+          </a:p>
+          <a:p>
+            <a:r>
+              <a:rPr lang="en-US" dirty="0"/>
+              <a:t>Custom rendering engine</a:t>
+            </a:r>
+          </a:p>
+        </p:txBody>
+      </p:sp>
+      <p:sp>
+        <p:nvSpPr>
+          <p:cNvPr id="4" name="Slide Number Placeholder 3"/>
+          <p:cNvSpPr>
+            <a:spLocks noGrp="1"/>
+          </p:cNvSpPr>
+          <p:nvPr>
+            <p:ph type="sldNum" sz="quarter" idx="5"/>
+          </p:nvPr>
+        </p:nvSpPr>
+        <p:spPr/>
+        <p:txBody>
+          <a:bodyPr/>
+          <a:lstStyle/>
+          <a:p>
+            <a:fld id="{AC55928C-CD14-454C-B617-1AFCF9A58596}" type="slidenum">
+              <a:rPr lang="en-US" smtClean="0"/>
+              <a:t>44</a:t>
+            </a:fld>
+            <a:endParaRPr lang="en-US" dirty="0"/>
+          </a:p>
+        </p:txBody>
+      </p:sp>
+    </p:spTree>
+    <p:extLst>
+      <p:ext uri="{BB962C8B-B14F-4D97-AF65-F5344CB8AC3E}">
+        <p14:creationId xmlns:p14="http://schemas.microsoft.com/office/powerpoint/2010/main" val="3328831907"/>
       </p:ext>
     </p:extLst>
   </p:cSld>
@@ -26297,7 +29102,7 @@
                 <a:latin typeface="Calibri"/>
               </a:rPr>
               <a:pPr/>
-              <a:t>9/25/21</a:t>
+              <a:t>12/14/21</a:t>
             </a:fld>
             <a:endParaRPr lang="en-US" dirty="0">
               <a:solidFill>
@@ -26550,7 +29355,7 @@
                 <a:latin typeface="Calibri"/>
               </a:rPr>
               <a:pPr/>
-              <a:t>9/25/21</a:t>
+              <a:t>12/14/21</a:t>
             </a:fld>
             <a:endParaRPr lang="en-US" dirty="0">
               <a:solidFill>
@@ -26765,7 +29570,7 @@
                 <a:latin typeface="Calibri"/>
               </a:rPr>
               <a:pPr/>
-              <a:t>9/25/21</a:t>
+              <a:t>12/14/21</a:t>
             </a:fld>
             <a:endParaRPr lang="en-US" dirty="0">
               <a:solidFill>
@@ -27163,7 +29968,7 @@
                 <a:latin typeface="Calibri"/>
               </a:rPr>
               <a:pPr/>
-              <a:t>9/25/21</a:t>
+              <a:t>12/14/21</a:t>
             </a:fld>
             <a:endParaRPr lang="en-US" dirty="0">
               <a:solidFill>
@@ -27505,7 +30310,7 @@
                 <a:latin typeface="Calibri"/>
               </a:rPr>
               <a:pPr/>
-              <a:t>9/25/21</a:t>
+              <a:t>12/14/21</a:t>
             </a:fld>
             <a:endParaRPr lang="en-US" dirty="0">
               <a:solidFill>
@@ -27833,7 +30638,7 @@
                 <a:latin typeface="Calibri"/>
               </a:rPr>
               <a:pPr/>
-              <a:t>9/25/21</a:t>
+              <a:t>12/14/21</a:t>
             </a:fld>
             <a:endParaRPr lang="en-US" dirty="0">
               <a:solidFill>
@@ -28322,7 +31127,7 @@
                 <a:latin typeface="Calibri"/>
               </a:rPr>
               <a:pPr/>
-              <a:t>9/25/21</a:t>
+              <a:t>12/14/21</a:t>
             </a:fld>
             <a:endParaRPr lang="en-US" dirty="0">
               <a:solidFill>
@@ -28505,7 +31310,7 @@
                 <a:latin typeface="Calibri"/>
               </a:rPr>
               <a:pPr/>
-              <a:t>9/25/21</a:t>
+              <a:t>12/14/21</a:t>
             </a:fld>
             <a:endParaRPr lang="en-US" dirty="0">
               <a:solidFill>
@@ -28751,7 +31556,7 @@
                 <a:latin typeface="Calibri"/>
               </a:rPr>
               <a:pPr/>
-              <a:t>9/25/21</a:t>
+              <a:t>12/14/21</a:t>
             </a:fld>
             <a:endParaRPr lang="en-US" dirty="0">
               <a:solidFill>
@@ -29093,7 +31898,7 @@
                 <a:latin typeface="Calibri"/>
               </a:rPr>
               <a:pPr/>
-              <a:t>9/25/21</a:t>
+              <a:t>12/14/21</a:t>
             </a:fld>
             <a:endParaRPr lang="en-US" dirty="0">
               <a:solidFill>
@@ -29385,7 +32190,7 @@
                 <a:latin typeface="Calibri"/>
               </a:rPr>
               <a:pPr/>
-              <a:t>9/25/21</a:t>
+              <a:t>12/14/21</a:t>
             </a:fld>
             <a:endParaRPr lang="en-US" dirty="0">
               <a:solidFill>
@@ -29635,7 +32440,7 @@
                 <a:latin typeface="Calibri"/>
               </a:rPr>
               <a:pPr defTabSz="914400"/>
-              <a:t>9/25/21</a:t>
+              <a:t>12/14/21</a:t>
             </a:fld>
             <a:endParaRPr lang="en-US" dirty="0">
               <a:solidFill>
@@ -35440,8 +38245,8 @@
         </p:nvSpPr>
         <p:spPr>
           <a:xfrm>
-            <a:off x="604762" y="-125315"/>
-            <a:ext cx="6719963" cy="1200150"/>
+            <a:off x="604763" y="-125316"/>
+            <a:ext cx="2802050" cy="1668367"/>
           </a:xfrm>
         </p:spPr>
         <p:txBody>
@@ -35552,7 +38357,10 @@
               <a:buFont typeface="Arial" panose="020B0604020202020204" pitchFamily="34" charset="0"/>
               <a:buChar char="•"/>
             </a:pPr>
-            <a:endParaRPr lang="en-US" dirty="0"/>
+            <a:r>
+              <a:rPr lang="en-US" dirty="0"/>
+              <a:t>Not the important step…</a:t>
+            </a:r>
           </a:p>
           <a:p>
             <a:endParaRPr lang="en-US" dirty="0"/>
@@ -35764,6 +38572,78 @@
           </a:prstGeom>
         </p:spPr>
       </p:pic>
+      <p:pic>
+        <p:nvPicPr>
+          <p:cNvPr id="12" name="Picture 11">
+            <a:extLst>
+              <a:ext uri="{FF2B5EF4-FFF2-40B4-BE49-F238E27FC236}">
+                <a16:creationId xmlns:a16="http://schemas.microsoft.com/office/drawing/2014/main" id="{5E8AECC2-1AFB-BB41-8AB1-A82716F63540}"/>
+              </a:ext>
+            </a:extLst>
+          </p:cNvPr>
+          <p:cNvPicPr>
+            <a:picLocks noChangeAspect="1"/>
+          </p:cNvPicPr>
+          <p:nvPr/>
+        </p:nvPicPr>
+        <p:blipFill rotWithShape="1">
+          <a:blip r:embed="rId6"/>
+          <a:srcRect l="172" r="42237"/>
+          <a:stretch/>
+        </p:blipFill>
+        <p:spPr>
+          <a:xfrm>
+            <a:off x="3476489" y="-54793"/>
+            <a:ext cx="5739230" cy="1509294"/>
+          </a:xfrm>
+          <a:prstGeom prst="rect">
+            <a:avLst/>
+          </a:prstGeom>
+        </p:spPr>
+      </p:pic>
+      <p:cxnSp>
+        <p:nvCxnSpPr>
+          <p:cNvPr id="13" name="Straight Connector 12">
+            <a:extLst>
+              <a:ext uri="{FF2B5EF4-FFF2-40B4-BE49-F238E27FC236}">
+                <a16:creationId xmlns:a16="http://schemas.microsoft.com/office/drawing/2014/main" id="{AC52EED5-BAB8-E345-AD7D-60BBFAF32157}"/>
+              </a:ext>
+            </a:extLst>
+          </p:cNvPr>
+          <p:cNvCxnSpPr>
+            <a:cxnSpLocks/>
+          </p:cNvCxnSpPr>
+          <p:nvPr/>
+        </p:nvCxnSpPr>
+        <p:spPr>
+          <a:xfrm>
+            <a:off x="5666186" y="1007749"/>
+            <a:ext cx="3335201" cy="0"/>
+          </a:xfrm>
+          <a:prstGeom prst="line">
+            <a:avLst/>
+          </a:prstGeom>
+          <a:ln w="34925">
+            <a:solidFill>
+              <a:srgbClr val="FF0000"/>
+            </a:solidFill>
+          </a:ln>
+        </p:spPr>
+        <p:style>
+          <a:lnRef idx="1">
+            <a:schemeClr val="accent1"/>
+          </a:lnRef>
+          <a:fillRef idx="0">
+            <a:schemeClr val="accent1"/>
+          </a:fillRef>
+          <a:effectRef idx="0">
+            <a:schemeClr val="accent1"/>
+          </a:effectRef>
+          <a:fontRef idx="minor">
+            <a:schemeClr val="tx1"/>
+          </a:fontRef>
+        </p:style>
+      </p:cxnSp>
     </p:spTree>
     <p:extLst>
       <p:ext uri="{BB962C8B-B14F-4D97-AF65-F5344CB8AC3E}">
@@ -35812,8 +38692,8 @@
         </p:nvSpPr>
         <p:spPr>
           <a:xfrm>
-            <a:off x="604762" y="-125315"/>
-            <a:ext cx="6719963" cy="1200150"/>
+            <a:off x="604762" y="-125316"/>
+            <a:ext cx="2657395" cy="1668367"/>
           </a:xfrm>
         </p:spPr>
         <p:txBody>
@@ -35948,6 +38828,16 @@
             <a:r>
               <a:rPr lang="en-US" dirty="0"/>
               <a:t> address to any location!</a:t>
+            </a:r>
+          </a:p>
+          <a:p>
+            <a:pPr marL="285750" indent="-285750">
+              <a:buFont typeface="Arial" panose="020B0604020202020204" pitchFamily="34" charset="0"/>
+              <a:buChar char="•"/>
+            </a:pPr>
+            <a:r>
+              <a:rPr lang="en-US" dirty="0"/>
+              <a:t>WRITE-WHERE primitive!</a:t>
             </a:r>
           </a:p>
           <a:p>
@@ -36167,6 +39057,78 @@
           </a:prstGeom>
         </p:spPr>
       </p:pic>
+      <p:pic>
+        <p:nvPicPr>
+          <p:cNvPr id="10" name="Picture 9">
+            <a:extLst>
+              <a:ext uri="{FF2B5EF4-FFF2-40B4-BE49-F238E27FC236}">
+                <a16:creationId xmlns:a16="http://schemas.microsoft.com/office/drawing/2014/main" id="{BB1BC4AE-D6EC-1442-9DBE-67C08028BC23}"/>
+              </a:ext>
+            </a:extLst>
+          </p:cNvPr>
+          <p:cNvPicPr>
+            <a:picLocks noChangeAspect="1"/>
+          </p:cNvPicPr>
+          <p:nvPr/>
+        </p:nvPicPr>
+        <p:blipFill rotWithShape="1">
+          <a:blip r:embed="rId7"/>
+          <a:srcRect l="172" r="42237"/>
+          <a:stretch/>
+        </p:blipFill>
+        <p:spPr>
+          <a:xfrm>
+            <a:off x="3476489" y="-54793"/>
+            <a:ext cx="5739230" cy="1509294"/>
+          </a:xfrm>
+          <a:prstGeom prst="rect">
+            <a:avLst/>
+          </a:prstGeom>
+        </p:spPr>
+      </p:pic>
+      <p:cxnSp>
+        <p:nvCxnSpPr>
+          <p:cNvPr id="12" name="Straight Connector 11">
+            <a:extLst>
+              <a:ext uri="{FF2B5EF4-FFF2-40B4-BE49-F238E27FC236}">
+                <a16:creationId xmlns:a16="http://schemas.microsoft.com/office/drawing/2014/main" id="{1958193C-A3BC-754C-B693-0BD494496434}"/>
+              </a:ext>
+            </a:extLst>
+          </p:cNvPr>
+          <p:cNvCxnSpPr>
+            <a:cxnSpLocks/>
+          </p:cNvCxnSpPr>
+          <p:nvPr/>
+        </p:nvCxnSpPr>
+        <p:spPr>
+          <a:xfrm>
+            <a:off x="5666186" y="1007749"/>
+            <a:ext cx="3335201" cy="0"/>
+          </a:xfrm>
+          <a:prstGeom prst="line">
+            <a:avLst/>
+          </a:prstGeom>
+          <a:ln w="34925">
+            <a:solidFill>
+              <a:srgbClr val="FF0000"/>
+            </a:solidFill>
+          </a:ln>
+        </p:spPr>
+        <p:style>
+          <a:lnRef idx="1">
+            <a:schemeClr val="accent1"/>
+          </a:lnRef>
+          <a:fillRef idx="0">
+            <a:schemeClr val="accent1"/>
+          </a:fillRef>
+          <a:effectRef idx="0">
+            <a:schemeClr val="accent1"/>
+          </a:effectRef>
+          <a:fontRef idx="minor">
+            <a:schemeClr val="tx1"/>
+          </a:fontRef>
+        </p:style>
+      </p:cxnSp>
     </p:spTree>
     <p:extLst>
       <p:ext uri="{BB962C8B-B14F-4D97-AF65-F5344CB8AC3E}">
@@ -36650,7 +39612,7 @@
         </p:xfrm>
         <a:graphic>
           <a:graphicData uri="http://schemas.openxmlformats.org/drawingml/2006/diagram">
-            <dgm:relIds xmlns:dgm="http://schemas.openxmlformats.org/drawingml/2006/diagram" xmlns:r="http://schemas.openxmlformats.org/officeDocument/2006/relationships" r:dm="rId2" r:lo="rId3" r:qs="rId4" r:cs="rId5"/>
+            <dgm:relIds xmlns:dgm="http://schemas.openxmlformats.org/drawingml/2006/diagram" xmlns:r="http://schemas.openxmlformats.org/officeDocument/2006/relationships" r:dm="rId3" r:lo="rId4" r:qs="rId5" r:cs="rId6"/>
           </a:graphicData>
         </a:graphic>
       </p:graphicFrame>
@@ -36684,6 +39646,36 @@
           <a:chExt cx="0" cy="0"/>
         </a:xfrm>
       </p:grpSpPr>
+      <p:pic>
+        <p:nvPicPr>
+          <p:cNvPr id="6" name="Picture 5" descr="Overwrite magic">
+            <a:extLst>
+              <a:ext uri="{FF2B5EF4-FFF2-40B4-BE49-F238E27FC236}">
+                <a16:creationId xmlns:a16="http://schemas.microsoft.com/office/drawing/2014/main" id="{9EF0B746-238A-924A-B61B-1A5A6F3E567E}"/>
+              </a:ext>
+            </a:extLst>
+          </p:cNvPr>
+          <p:cNvPicPr>
+            <a:picLocks noChangeAspect="1"/>
+          </p:cNvPicPr>
+          <p:nvPr/>
+        </p:nvPicPr>
+        <p:blipFill rotWithShape="1">
+          <a:blip r:embed="rId2"/>
+          <a:srcRect l="4775" t="16656" r="1413" b="98"/>
+          <a:stretch/>
+        </p:blipFill>
+        <p:spPr>
+          <a:xfrm>
+            <a:off x="4083072" y="1938528"/>
+            <a:ext cx="4367631" cy="1585530"/>
+          </a:xfrm>
+          <a:prstGeom prst="rect">
+            <a:avLst/>
+          </a:prstGeom>
+          <a:noFill/>
+        </p:spPr>
+      </p:pic>
       <p:sp>
         <p:nvSpPr>
           <p:cNvPr id="2" name="Title 1">
@@ -36745,19 +39737,15 @@
         </p:nvSpPr>
         <p:spPr>
           <a:xfrm>
-            <a:off x="628650" y="1523999"/>
-            <a:ext cx="7886700" cy="2976045"/>
+            <a:off x="628649" y="1523999"/>
+            <a:ext cx="4667555" cy="3194305"/>
           </a:xfrm>
         </p:spPr>
         <p:txBody>
-          <a:bodyPr/>
+          <a:bodyPr>
+            <a:normAutofit/>
+          </a:bodyPr>
           <a:lstStyle/>
-          <a:p>
-            <a:r>
-              <a:rPr lang="en-US" dirty="0"/>
-              <a:t>The write occurs at the code above</a:t>
-            </a:r>
-          </a:p>
           <a:p>
             <a:r>
               <a:rPr lang="en-US" dirty="0"/>
@@ -36791,18 +39779,58 @@
             </a:r>
           </a:p>
           <a:p>
+            <a:pPr lvl="1"/>
             <a:r>
               <a:rPr lang="en-US" dirty="0"/>
-              <a:t>So, to offset  the ‘+ 0x10 (-&gt;fd)’ we </a:t>
-            </a:r>
+              <a:t>Bck-&gt;fd is the same as</a:t>
+            </a:r>
+            <a:br>
+              <a:rPr lang="en-US" dirty="0"/>
+            </a:br>
+            <a:r>
+              <a:rPr lang="en-US" dirty="0"/>
+              <a:t> </a:t>
+            </a:r>
+            <a:r>
+              <a:rPr lang="en-US" b="1" dirty="0"/>
+              <a:t>bck + 0x10</a:t>
+            </a:r>
+          </a:p>
+          <a:p>
+            <a:r>
+              <a:rPr lang="en-US" dirty="0"/>
+              <a:t>Neutralize:</a:t>
+            </a:r>
+          </a:p>
+          <a:p>
+            <a:pPr lvl="1"/>
             <a:r>
               <a:rPr lang="en-US" b="1" i="1" dirty="0"/>
-              <a:t>subtract</a:t>
+              <a:t>Subtract</a:t>
             </a:r>
             <a:r>
               <a:rPr lang="en-US" dirty="0"/>
-              <a:t> 0x10 from the target.</a:t>
-            </a:r>
+              <a:t> 0x10 from the target to deal with the write offset.</a:t>
+            </a:r>
+          </a:p>
+          <a:p>
+            <a:pPr lvl="1"/>
+            <a:r>
+              <a:rPr lang="en-US" dirty="0"/>
+              <a:t>Target = </a:t>
+            </a:r>
+            <a:r>
+              <a:rPr lang="en-US" b="1" dirty="0"/>
+              <a:t>bck + </a:t>
+            </a:r>
+            <a:r>
+              <a:rPr lang="en-US" b="1" u="sng" dirty="0"/>
+              <a:t>0x10 – 0x10</a:t>
+            </a:r>
+          </a:p>
+          <a:p>
+            <a:pPr lvl="1"/>
+            <a:endParaRPr lang="en-US" dirty="0"/>
           </a:p>
         </p:txBody>
       </p:sp>
@@ -36821,7 +39849,7 @@
           <p:nvPr/>
         </p:nvPicPr>
         <p:blipFill rotWithShape="1">
-          <a:blip r:embed="rId2"/>
+          <a:blip r:embed="rId3"/>
           <a:srcRect l="172" r="42237"/>
           <a:stretch/>
         </p:blipFill>
@@ -37009,7 +40037,7 @@
           <p:cNvPr id="2" name="Title 1">
             <a:extLst>
               <a:ext uri="{FF2B5EF4-FFF2-40B4-BE49-F238E27FC236}">
-                <a16:creationId xmlns:a16="http://schemas.microsoft.com/office/drawing/2014/main" id="{41A5F51C-45FB-6A44-BA03-059840906D67}"/>
+                <a16:creationId xmlns:a16="http://schemas.microsoft.com/office/drawing/2014/main" id="{5986C08C-8BCC-1C41-9570-3052A902BD6C}"/>
               </a:ext>
             </a:extLst>
           </p:cNvPr>
@@ -37027,7 +40055,7 @@
           <a:p>
             <a:r>
               <a:rPr lang="en-US" dirty="0"/>
-              <a:t>Exercise!</a:t>
+              <a:t>Program Setup</a:t>
             </a:r>
           </a:p>
         </p:txBody>
@@ -37037,7 +40065,7 @@
           <p:cNvPr id="3" name="Content Placeholder 2">
             <a:extLst>
               <a:ext uri="{FF2B5EF4-FFF2-40B4-BE49-F238E27FC236}">
-                <a16:creationId xmlns:a16="http://schemas.microsoft.com/office/drawing/2014/main" id="{08F48C8F-A3B5-E24E-9AAE-0CD945658584}"/>
+                <a16:creationId xmlns:a16="http://schemas.microsoft.com/office/drawing/2014/main" id="{BA3F509A-D1DF-8D41-A95B-380D3D163EE3}"/>
               </a:ext>
             </a:extLst>
           </p:cNvPr>
@@ -37048,7 +40076,12 @@
             <p:ph idx="1"/>
           </p:nvPr>
         </p:nvSpPr>
-        <p:spPr/>
+        <p:spPr>
+          <a:xfrm>
+            <a:off x="628650" y="1236541"/>
+            <a:ext cx="5369814" cy="3263504"/>
+          </a:xfrm>
+        </p:spPr>
         <p:txBody>
           <a:bodyPr>
             <a:normAutofit/>
@@ -37056,130 +40089,159 @@
           <a:lstStyle/>
           <a:p>
             <a:r>
-              <a:rPr lang="en-US" dirty="0" err="1">
-                <a:sym typeface="Wingdings" pitchFamily="2" charset="2"/>
-              </a:rPr>
-              <a:t>unsorted_bin_attack</a:t>
-            </a:r>
-            <a:r>
-              <a:rPr lang="en-US" dirty="0">
-                <a:sym typeface="Wingdings" pitchFamily="2" charset="2"/>
-              </a:rPr>
-              <a:t>/exercise1</a:t>
-            </a:r>
+              <a:rPr lang="en-US" dirty="0"/>
+              <a:t>Not a </a:t>
+            </a:r>
+            <a:r>
+              <a:rPr lang="en-US" i="1" dirty="0"/>
+              <a:t>fill in the blank ;) </a:t>
+            </a:r>
+            <a:endParaRPr lang="en-US" dirty="0"/>
           </a:p>
           <a:p>
             <a:r>
-              <a:rPr lang="en-US" dirty="0">
-                <a:sym typeface="Wingdings" pitchFamily="2" charset="2"/>
-              </a:rPr>
-              <a:t>Goal: Overwrite the </a:t>
-            </a:r>
-            <a:r>
-              <a:rPr lang="en-US" b="1" dirty="0">
-                <a:sym typeface="Wingdings" pitchFamily="2" charset="2"/>
-              </a:rPr>
-              <a:t>magic</a:t>
-            </a:r>
-            <a:r>
-              <a:rPr lang="en-US" dirty="0">
-                <a:sym typeface="Wingdings" pitchFamily="2" charset="2"/>
-              </a:rPr>
-              <a:t> value in </a:t>
-            </a:r>
-            <a:r>
-              <a:rPr lang="en-US" b="1" i="1" dirty="0">
-                <a:sym typeface="Wingdings" pitchFamily="2" charset="2"/>
-              </a:rPr>
-              <a:t>.</a:t>
-            </a:r>
-            <a:r>
-              <a:rPr lang="en-US" b="1" i="1" dirty="0" err="1">
-                <a:sym typeface="Wingdings" pitchFamily="2" charset="2"/>
-              </a:rPr>
-              <a:t>bss</a:t>
-            </a:r>
-            <a:r>
-              <a:rPr lang="en-US" b="1" i="1" dirty="0">
-                <a:sym typeface="Wingdings" pitchFamily="2" charset="2"/>
-              </a:rPr>
-              <a:t> </a:t>
-            </a:r>
-            <a:r>
-              <a:rPr lang="en-US" dirty="0">
-                <a:sym typeface="Wingdings" pitchFamily="2" charset="2"/>
-              </a:rPr>
-              <a:t>section </a:t>
+              <a:rPr lang="en-US" dirty="0"/>
+              <a:t>Writing Python code directly:</a:t>
             </a:r>
           </a:p>
           <a:p>
             <a:pPr lvl="1"/>
             <a:r>
-              <a:rPr lang="en-US" dirty="0">
-                <a:sym typeface="Wingdings" pitchFamily="2" charset="2"/>
-              </a:rPr>
-              <a:t>Address is ﻿</a:t>
-            </a:r>
-            <a:r>
-              <a:rPr lang="en-US" b="1" dirty="0">
-                <a:sym typeface="Wingdings" pitchFamily="2" charset="2"/>
-              </a:rPr>
-              <a:t>0x404088</a:t>
-            </a:r>
-            <a:r>
-              <a:rPr lang="en-US" dirty="0">
-                <a:sym typeface="Wingdings" pitchFamily="2" charset="2"/>
-              </a:rPr>
-              <a:t> or in the </a:t>
-            </a:r>
-            <a:r>
-              <a:rPr lang="en-US" i="1" dirty="0" err="1">
-                <a:sym typeface="Wingdings" pitchFamily="2" charset="2"/>
-              </a:rPr>
-              <a:t>magic_loc</a:t>
-            </a:r>
-            <a:r>
-              <a:rPr lang="en-US" dirty="0">
-                <a:sym typeface="Wingdings" pitchFamily="2" charset="2"/>
-              </a:rPr>
-              <a:t> variable</a:t>
-            </a:r>
-            <a:endParaRPr lang="en-US" b="1" dirty="0">
-              <a:sym typeface="Wingdings" pitchFamily="2" charset="2"/>
-            </a:endParaRPr>
+              <a:rPr lang="en-US" dirty="0"/>
+              <a:t>Each binary action has a </a:t>
+            </a:r>
+            <a:r>
+              <a:rPr lang="en-US" i="1" dirty="0"/>
+              <a:t>wrapper</a:t>
+            </a:r>
+            <a:r>
+              <a:rPr lang="en-US" dirty="0"/>
+              <a:t> function to interact with it</a:t>
+            </a:r>
           </a:p>
           <a:p>
             <a:r>
-              <a:rPr lang="en-US" dirty="0">
-                <a:sym typeface="Wingdings" pitchFamily="2" charset="2"/>
-              </a:rPr>
-              <a:t>Hint: </a:t>
+              <a:rPr lang="en-US" dirty="0"/>
+              <a:t>Four Actions on a string: </a:t>
             </a:r>
           </a:p>
           <a:p>
             <a:pPr lvl="1"/>
             <a:r>
-              <a:rPr lang="en-US" dirty="0">
-                <a:sym typeface="Wingdings" pitchFamily="2" charset="2"/>
-              </a:rPr>
-              <a:t>Easy UAF</a:t>
+              <a:rPr lang="en-US" dirty="0"/>
+              <a:t>Create – </a:t>
+            </a:r>
+            <a:r>
+              <a:rPr lang="en-US" dirty="0" err="1"/>
+              <a:t>create_string</a:t>
+            </a:r>
+            <a:r>
+              <a:rPr lang="en-US" dirty="0"/>
+              <a:t>(string)</a:t>
             </a:r>
           </a:p>
           <a:p>
             <a:pPr lvl="1"/>
             <a:r>
-              <a:rPr lang="en-US" dirty="0">
-                <a:sym typeface="Wingdings" pitchFamily="2" charset="2"/>
-              </a:rPr>
-              <a:t>Subtract 0x10 from the pointer when running the attack   </a:t>
-            </a:r>
+              <a:rPr lang="en-US" dirty="0"/>
+              <a:t>Edit/Update – </a:t>
+            </a:r>
+            <a:r>
+              <a:rPr lang="en-US" dirty="0" err="1"/>
+              <a:t>edit_string</a:t>
+            </a:r>
+            <a:r>
+              <a:rPr lang="en-US" dirty="0"/>
+              <a:t>(index, string)</a:t>
+            </a:r>
+          </a:p>
+          <a:p>
+            <a:pPr lvl="1"/>
+            <a:r>
+              <a:rPr lang="en-US" dirty="0"/>
+              <a:t>Delete – </a:t>
+            </a:r>
+            <a:r>
+              <a:rPr lang="en-US" dirty="0" err="1"/>
+              <a:t>delete_string</a:t>
+            </a:r>
+            <a:r>
+              <a:rPr lang="en-US" dirty="0"/>
+              <a:t>(index) </a:t>
+            </a:r>
+          </a:p>
+          <a:p>
+            <a:pPr lvl="1"/>
+            <a:r>
+              <a:rPr lang="en-US" dirty="0"/>
+              <a:t>View – </a:t>
+            </a:r>
+            <a:r>
+              <a:rPr lang="en-US" dirty="0" err="1"/>
+              <a:t>view_string</a:t>
+            </a:r>
+            <a:r>
+              <a:rPr lang="en-US" dirty="0"/>
+              <a:t>(index) </a:t>
+            </a:r>
+          </a:p>
+          <a:p>
+            <a:pPr lvl="1"/>
+            <a:endParaRPr lang="en-US" dirty="0"/>
           </a:p>
         </p:txBody>
       </p:sp>
+      <p:pic>
+        <p:nvPicPr>
+          <p:cNvPr id="1026" name="Picture 2" descr="2,838,675 BEST Shocked IMAGES, STOCK PHOTOS &amp; VECTORS | Adobe Stock">
+            <a:extLst>
+              <a:ext uri="{FF2B5EF4-FFF2-40B4-BE49-F238E27FC236}">
+                <a16:creationId xmlns:a16="http://schemas.microsoft.com/office/drawing/2014/main" id="{C275EF8C-D494-4A44-AF8D-9451AF4E88E7}"/>
+              </a:ext>
+            </a:extLst>
+          </p:cNvPr>
+          <p:cNvPicPr>
+            <a:picLocks noChangeAspect="1" noChangeArrowheads="1"/>
+          </p:cNvPicPr>
+          <p:nvPr/>
+        </p:nvPicPr>
+        <p:blipFill>
+          <a:blip r:embed="rId2">
+            <a:extLst>
+              <a:ext uri="{28A0092B-C50C-407E-A947-70E740481C1C}">
+                <a14:useLocalDpi xmlns:a14="http://schemas.microsoft.com/office/drawing/2010/main" val="0"/>
+              </a:ext>
+            </a:extLst>
+          </a:blip>
+          <a:srcRect/>
+          <a:stretch>
+            <a:fillRect/>
+          </a:stretch>
+        </p:blipFill>
+        <p:spPr bwMode="auto">
+          <a:xfrm>
+            <a:off x="5288889" y="872998"/>
+            <a:ext cx="3429000" cy="2286000"/>
+          </a:xfrm>
+          <a:prstGeom prst="rect">
+            <a:avLst/>
+          </a:prstGeom>
+          <a:noFill/>
+          <a:extLst>
+            <a:ext uri="{909E8E84-426E-40DD-AFC4-6F175D3DCCD1}">
+              <a14:hiddenFill xmlns:a14="http://schemas.microsoft.com/office/drawing/2010/main">
+                <a:solidFill>
+                  <a:srgbClr val="FFFFFF"/>
+                </a:solidFill>
+              </a14:hiddenFill>
+            </a:ext>
+          </a:extLst>
+        </p:spPr>
+      </p:pic>
     </p:spTree>
     <p:extLst>
       <p:ext uri="{BB962C8B-B14F-4D97-AF65-F5344CB8AC3E}">
-        <p14:creationId xmlns:p14="http://schemas.microsoft.com/office/powerpoint/2010/main" val="370873352"/>
+        <p14:creationId xmlns:p14="http://schemas.microsoft.com/office/powerpoint/2010/main" val="4054639139"/>
       </p:ext>
     </p:extLst>
   </p:cSld>
@@ -37257,7 +40319,7 @@
             <p:ph idx="1"/>
             <p:extLst>
               <p:ext uri="{D42A27DB-BD31-4B8C-83A1-F6EECF244321}">
-                <p14:modId xmlns:p14="http://schemas.microsoft.com/office/powerpoint/2010/main" val="132244219"/>
+                <p14:modId xmlns:p14="http://schemas.microsoft.com/office/powerpoint/2010/main" val="1373531013"/>
               </p:ext>
             </p:extLst>
           </p:nvPr>
@@ -37307,6 +40369,709 @@
           <p:cNvPr id="2" name="Title 1">
             <a:extLst>
               <a:ext uri="{FF2B5EF4-FFF2-40B4-BE49-F238E27FC236}">
+                <a16:creationId xmlns:a16="http://schemas.microsoft.com/office/drawing/2014/main" id="{7D3DD32F-385C-154D-A904-CC899539111E}"/>
+              </a:ext>
+            </a:extLst>
+          </p:cNvPr>
+          <p:cNvSpPr>
+            <a:spLocks noGrp="1"/>
+          </p:cNvSpPr>
+          <p:nvPr>
+            <p:ph type="title"/>
+          </p:nvPr>
+        </p:nvSpPr>
+        <p:spPr/>
+        <p:txBody>
+          <a:bodyPr/>
+          <a:lstStyle/>
+          <a:p>
+            <a:r>
+              <a:rPr lang="en-US" dirty="0"/>
+              <a:t>Exercise Tips</a:t>
+            </a:r>
+          </a:p>
+        </p:txBody>
+      </p:sp>
+      <p:sp>
+        <p:nvSpPr>
+          <p:cNvPr id="3" name="Content Placeholder 2">
+            <a:extLst>
+              <a:ext uri="{FF2B5EF4-FFF2-40B4-BE49-F238E27FC236}">
+                <a16:creationId xmlns:a16="http://schemas.microsoft.com/office/drawing/2014/main" id="{0DD38011-E895-354F-9A82-3C88944D12A7}"/>
+              </a:ext>
+            </a:extLst>
+          </p:cNvPr>
+          <p:cNvSpPr>
+            <a:spLocks noGrp="1"/>
+          </p:cNvSpPr>
+          <p:nvPr>
+            <p:ph idx="1"/>
+          </p:nvPr>
+        </p:nvSpPr>
+        <p:spPr>
+          <a:ln>
+            <a:solidFill>
+              <a:schemeClr val="bg2"/>
+            </a:solidFill>
+          </a:ln>
+        </p:spPr>
+        <p:txBody>
+          <a:bodyPr>
+            <a:normAutofit/>
+          </a:bodyPr>
+          <a:lstStyle/>
+          <a:p>
+            <a:r>
+              <a:rPr lang="en-US" dirty="0"/>
+              <a:t>p64: Pack/unpack integers</a:t>
+            </a:r>
+          </a:p>
+          <a:p>
+            <a:pPr lvl="1"/>
+            <a:r>
+              <a:rPr lang="en-US" dirty="0"/>
+              <a:t>Required to deal with endianness </a:t>
+            </a:r>
+          </a:p>
+          <a:p>
+            <a:pPr lvl="1"/>
+            <a:r>
+              <a:rPr lang="en-US" dirty="0"/>
+              <a:t>Takes in an integer and outputs bytes</a:t>
+            </a:r>
+          </a:p>
+          <a:p>
+            <a:pPr lvl="1"/>
+            <a:r>
+              <a:rPr lang="en-US" b="1" i="1" dirty="0">
+                <a:ln>
+                  <a:solidFill>
+                    <a:schemeClr val="accent4"/>
+                  </a:solidFill>
+                </a:ln>
+              </a:rPr>
+              <a:t>p64(0xdeadbeef)</a:t>
+            </a:r>
+            <a:r>
+              <a:rPr lang="en-US" dirty="0">
+                <a:ln>
+                  <a:solidFill>
+                    <a:schemeClr val="accent4"/>
+                  </a:solidFill>
+                </a:ln>
+              </a:rPr>
+              <a:t> </a:t>
+            </a:r>
+            <a:r>
+              <a:rPr lang="en-US" dirty="0"/>
+              <a:t>= </a:t>
+            </a:r>
+            <a:r>
+              <a:rPr lang="en-US" b="1" i="1" dirty="0"/>
+              <a:t>b'\</a:t>
+            </a:r>
+            <a:r>
+              <a:rPr lang="en-US" b="1" i="1" dirty="0" err="1"/>
+              <a:t>xef</a:t>
+            </a:r>
+            <a:r>
+              <a:rPr lang="en-US" b="1" i="1" dirty="0"/>
+              <a:t>\</a:t>
+            </a:r>
+            <a:r>
+              <a:rPr lang="en-US" b="1" i="1" dirty="0" err="1"/>
+              <a:t>xbe</a:t>
+            </a:r>
+            <a:r>
+              <a:rPr lang="en-US" b="1" i="1" dirty="0"/>
+              <a:t>\</a:t>
+            </a:r>
+            <a:r>
+              <a:rPr lang="en-US" b="1" i="1" dirty="0" err="1"/>
+              <a:t>xad</a:t>
+            </a:r>
+            <a:r>
+              <a:rPr lang="en-US" b="1" i="1" dirty="0"/>
+              <a:t>\</a:t>
+            </a:r>
+            <a:r>
+              <a:rPr lang="en-US" b="1" i="1" dirty="0" err="1"/>
+              <a:t>xde</a:t>
+            </a:r>
+            <a:r>
+              <a:rPr lang="en-US" b="1" i="1" dirty="0"/>
+              <a:t>\x00\x00\x00\x00’ </a:t>
+            </a:r>
+          </a:p>
+          <a:p>
+            <a:r>
+              <a:rPr lang="en-US" sz="2000" b="1" i="1" dirty="0">
+                <a:ln>
+                  <a:solidFill>
+                    <a:schemeClr val="accent4"/>
+                  </a:solidFill>
+                </a:ln>
+              </a:rPr>
+              <a:t>print strings</a:t>
+            </a:r>
+            <a:r>
+              <a:rPr lang="en-US" sz="2000" dirty="0">
+                <a:ln>
+                  <a:solidFill>
+                    <a:schemeClr val="accent4"/>
+                  </a:solidFill>
+                </a:ln>
+              </a:rPr>
+              <a:t>: </a:t>
+            </a:r>
+          </a:p>
+          <a:p>
+            <a:pPr lvl="1"/>
+            <a:r>
+              <a:rPr lang="en-US" dirty="0"/>
+              <a:t>GDB command that shows array of string pointers</a:t>
+            </a:r>
+          </a:p>
+          <a:p>
+            <a:r>
+              <a:rPr lang="en-US" sz="2000" b="1" i="1" dirty="0">
+                <a:ln>
+                  <a:solidFill>
+                    <a:schemeClr val="accent4"/>
+                  </a:solidFill>
+                </a:ln>
+              </a:rPr>
+              <a:t>bins</a:t>
+            </a:r>
+            <a:r>
+              <a:rPr lang="en-US" dirty="0"/>
+              <a:t>:</a:t>
+            </a:r>
+          </a:p>
+          <a:p>
+            <a:pPr lvl="1"/>
+            <a:r>
+              <a:rPr lang="en-US" dirty="0"/>
+              <a:t>GDB command that shows the bins</a:t>
+            </a:r>
+          </a:p>
+          <a:p>
+            <a:pPr lvl="1"/>
+            <a:r>
+              <a:rPr lang="en-US" b="1" i="1" dirty="0" err="1">
+                <a:ln>
+                  <a:solidFill>
+                    <a:schemeClr val="accent4"/>
+                  </a:solidFill>
+                </a:ln>
+              </a:rPr>
+              <a:t>unsortedbin</a:t>
+            </a:r>
+            <a:r>
+              <a:rPr lang="en-US" dirty="0"/>
+              <a:t>: Specifically show the unsorted bin</a:t>
+            </a:r>
+          </a:p>
+        </p:txBody>
+      </p:sp>
+    </p:spTree>
+    <p:extLst>
+      <p:ext uri="{BB962C8B-B14F-4D97-AF65-F5344CB8AC3E}">
+        <p14:creationId xmlns:p14="http://schemas.microsoft.com/office/powerpoint/2010/main" val="1836060436"/>
+      </p:ext>
+    </p:extLst>
+  </p:cSld>
+  <p:clrMapOvr>
+    <a:masterClrMapping/>
+  </p:clrMapOvr>
+</p:sld>
+</file>
+
+<file path=ppt/slides/slide31.xml><?xml version="1.0" encoding="utf-8"?>
+<p:sld xmlns:a="http://schemas.openxmlformats.org/drawingml/2006/main" xmlns:r="http://schemas.openxmlformats.org/officeDocument/2006/relationships" xmlns:p="http://schemas.openxmlformats.org/presentationml/2006/main">
+  <p:cSld>
+    <p:spTree>
+      <p:nvGrpSpPr>
+        <p:cNvPr id="1" name=""/>
+        <p:cNvGrpSpPr/>
+        <p:nvPr/>
+      </p:nvGrpSpPr>
+      <p:grpSpPr>
+        <a:xfrm>
+          <a:off x="0" y="0"/>
+          <a:ext cx="0" cy="0"/>
+          <a:chOff x="0" y="0"/>
+          <a:chExt cx="0" cy="0"/>
+        </a:xfrm>
+      </p:grpSpPr>
+      <p:sp>
+        <p:nvSpPr>
+          <p:cNvPr id="2" name="Title 1">
+            <a:extLst>
+              <a:ext uri="{FF2B5EF4-FFF2-40B4-BE49-F238E27FC236}">
+                <a16:creationId xmlns:a16="http://schemas.microsoft.com/office/drawing/2014/main" id="{41A5F51C-45FB-6A44-BA03-059840906D67}"/>
+              </a:ext>
+            </a:extLst>
+          </p:cNvPr>
+          <p:cNvSpPr>
+            <a:spLocks noGrp="1"/>
+          </p:cNvSpPr>
+          <p:nvPr>
+            <p:ph type="title"/>
+          </p:nvPr>
+        </p:nvSpPr>
+        <p:spPr/>
+        <p:txBody>
+          <a:bodyPr/>
+          <a:lstStyle/>
+          <a:p>
+            <a:r>
+              <a:rPr lang="en-US" dirty="0"/>
+              <a:t>Exercise 1 </a:t>
+            </a:r>
+          </a:p>
+        </p:txBody>
+      </p:sp>
+      <p:sp>
+        <p:nvSpPr>
+          <p:cNvPr id="3" name="Content Placeholder 2">
+            <a:extLst>
+              <a:ext uri="{FF2B5EF4-FFF2-40B4-BE49-F238E27FC236}">
+                <a16:creationId xmlns:a16="http://schemas.microsoft.com/office/drawing/2014/main" id="{08F48C8F-A3B5-E24E-9AAE-0CD945658584}"/>
+              </a:ext>
+            </a:extLst>
+          </p:cNvPr>
+          <p:cNvSpPr>
+            <a:spLocks noGrp="1"/>
+          </p:cNvSpPr>
+          <p:nvPr>
+            <p:ph idx="1"/>
+          </p:nvPr>
+        </p:nvSpPr>
+        <p:spPr>
+          <a:xfrm>
+            <a:off x="628650" y="1236540"/>
+            <a:ext cx="5501488" cy="4066979"/>
+          </a:xfrm>
+        </p:spPr>
+        <p:txBody>
+          <a:bodyPr>
+            <a:normAutofit lnSpcReduction="10000"/>
+          </a:bodyPr>
+          <a:lstStyle/>
+          <a:p>
+            <a:r>
+              <a:rPr lang="en-US" dirty="0" err="1">
+                <a:sym typeface="Wingdings" pitchFamily="2" charset="2"/>
+              </a:rPr>
+              <a:t>unsorted_bin_attack</a:t>
+            </a:r>
+            <a:r>
+              <a:rPr lang="en-US" dirty="0">
+                <a:sym typeface="Wingdings" pitchFamily="2" charset="2"/>
+              </a:rPr>
+              <a:t>/exercise1</a:t>
+            </a:r>
+          </a:p>
+          <a:p>
+            <a:r>
+              <a:rPr lang="en-US" dirty="0">
+                <a:sym typeface="Wingdings" pitchFamily="2" charset="2"/>
+              </a:rPr>
+              <a:t>Goal: Overwrite the </a:t>
+            </a:r>
+            <a:r>
+              <a:rPr lang="en-US" b="1" dirty="0">
+                <a:sym typeface="Wingdings" pitchFamily="2" charset="2"/>
+              </a:rPr>
+              <a:t>magic</a:t>
+            </a:r>
+            <a:r>
+              <a:rPr lang="en-US" dirty="0">
+                <a:sym typeface="Wingdings" pitchFamily="2" charset="2"/>
+              </a:rPr>
+              <a:t> value in </a:t>
+            </a:r>
+            <a:r>
+              <a:rPr lang="en-US" b="1" i="1" dirty="0">
+                <a:sym typeface="Wingdings" pitchFamily="2" charset="2"/>
+              </a:rPr>
+              <a:t>.</a:t>
+            </a:r>
+            <a:r>
+              <a:rPr lang="en-US" b="1" i="1" dirty="0" err="1">
+                <a:sym typeface="Wingdings" pitchFamily="2" charset="2"/>
+              </a:rPr>
+              <a:t>bss</a:t>
+            </a:r>
+            <a:r>
+              <a:rPr lang="en-US" b="1" i="1" dirty="0">
+                <a:sym typeface="Wingdings" pitchFamily="2" charset="2"/>
+              </a:rPr>
+              <a:t> </a:t>
+            </a:r>
+            <a:r>
+              <a:rPr lang="en-US" dirty="0">
+                <a:sym typeface="Wingdings" pitchFamily="2" charset="2"/>
+              </a:rPr>
+              <a:t>section </a:t>
+            </a:r>
+          </a:p>
+          <a:p>
+            <a:pPr lvl="1"/>
+            <a:r>
+              <a:rPr lang="en-US" dirty="0">
+                <a:sym typeface="Wingdings" pitchFamily="2" charset="2"/>
+              </a:rPr>
+              <a:t>Address is ﻿</a:t>
+            </a:r>
+            <a:r>
+              <a:rPr lang="en-US" b="1" dirty="0">
+                <a:sym typeface="Wingdings" pitchFamily="2" charset="2"/>
+              </a:rPr>
+              <a:t>0x404088</a:t>
+            </a:r>
+            <a:r>
+              <a:rPr lang="en-US" dirty="0">
+                <a:sym typeface="Wingdings" pitchFamily="2" charset="2"/>
+              </a:rPr>
+              <a:t> or in the </a:t>
+            </a:r>
+            <a:r>
+              <a:rPr lang="en-US" i="1" dirty="0" err="1">
+                <a:sym typeface="Wingdings" pitchFamily="2" charset="2"/>
+              </a:rPr>
+              <a:t>magic_loc</a:t>
+            </a:r>
+            <a:r>
+              <a:rPr lang="en-US" dirty="0">
+                <a:sym typeface="Wingdings" pitchFamily="2" charset="2"/>
+              </a:rPr>
+              <a:t> variable in Python</a:t>
+            </a:r>
+            <a:endParaRPr lang="en-US" b="1" dirty="0">
+              <a:sym typeface="Wingdings" pitchFamily="2" charset="2"/>
+            </a:endParaRPr>
+          </a:p>
+          <a:p>
+            <a:r>
+              <a:rPr lang="en-US" dirty="0">
+                <a:sym typeface="Wingdings" pitchFamily="2" charset="2"/>
+              </a:rPr>
+              <a:t>Hint: </a:t>
+            </a:r>
+          </a:p>
+          <a:p>
+            <a:pPr lvl="1"/>
+            <a:r>
+              <a:rPr lang="en-US" dirty="0">
+                <a:sym typeface="Wingdings" pitchFamily="2" charset="2"/>
+              </a:rPr>
+              <a:t>Use after free vulnerability. Your turn  </a:t>
+            </a:r>
+          </a:p>
+          <a:p>
+            <a:pPr lvl="1"/>
+            <a:r>
+              <a:rPr lang="en-US" dirty="0">
+                <a:sym typeface="Wingdings" pitchFamily="2" charset="2"/>
+              </a:rPr>
+              <a:t>Corrupt </a:t>
+            </a:r>
+            <a:r>
+              <a:rPr lang="en-US" b="1" dirty="0">
+                <a:sym typeface="Wingdings" pitchFamily="2" charset="2"/>
+              </a:rPr>
+              <a:t>bk</a:t>
+            </a:r>
+            <a:r>
+              <a:rPr lang="en-US" dirty="0">
+                <a:sym typeface="Wingdings" pitchFamily="2" charset="2"/>
+              </a:rPr>
+              <a:t> pointer of unsorted bin chunk</a:t>
+            </a:r>
+          </a:p>
+          <a:p>
+            <a:pPr lvl="1"/>
+            <a:r>
+              <a:rPr lang="en-US" dirty="0">
+                <a:sym typeface="Wingdings" pitchFamily="2" charset="2"/>
+              </a:rPr>
+              <a:t>Subtract 0x10 from the pointer when running the attack </a:t>
+            </a:r>
+          </a:p>
+          <a:p>
+            <a:pPr lvl="1"/>
+            <a:r>
+              <a:rPr lang="en-US" dirty="0">
+                <a:sym typeface="Wingdings" pitchFamily="2" charset="2"/>
+              </a:rPr>
+              <a:t>Trigger to overwrite </a:t>
+            </a:r>
+            <a:r>
+              <a:rPr lang="en-US" i="1" dirty="0">
+                <a:sym typeface="Wingdings" pitchFamily="2" charset="2"/>
+              </a:rPr>
+              <a:t>magic</a:t>
+            </a:r>
+            <a:r>
+              <a:rPr lang="en-US" dirty="0">
+                <a:sym typeface="Wingdings" pitchFamily="2" charset="2"/>
+              </a:rPr>
+              <a:t>  </a:t>
+            </a:r>
+          </a:p>
+        </p:txBody>
+      </p:sp>
+      <p:pic>
+        <p:nvPicPr>
+          <p:cNvPr id="4" name="Picture 3" descr="GLibC malloc chunk">
+            <a:extLst>
+              <a:ext uri="{FF2B5EF4-FFF2-40B4-BE49-F238E27FC236}">
+                <a16:creationId xmlns:a16="http://schemas.microsoft.com/office/drawing/2014/main" id="{6C21CEA5-F396-D84D-AA07-92EBBE0D3C04}"/>
+              </a:ext>
+            </a:extLst>
+          </p:cNvPr>
+          <p:cNvPicPr>
+            <a:picLocks noChangeAspect="1"/>
+          </p:cNvPicPr>
+          <p:nvPr/>
+        </p:nvPicPr>
+        <p:blipFill>
+          <a:blip r:embed="rId2"/>
+          <a:stretch>
+            <a:fillRect/>
+          </a:stretch>
+        </p:blipFill>
+        <p:spPr>
+          <a:xfrm>
+            <a:off x="6639089" y="602600"/>
+            <a:ext cx="1963519" cy="3263504"/>
+          </a:xfrm>
+          <a:prstGeom prst="rect">
+            <a:avLst/>
+          </a:prstGeom>
+          <a:noFill/>
+        </p:spPr>
+      </p:pic>
+      <p:cxnSp>
+        <p:nvCxnSpPr>
+          <p:cNvPr id="5" name="Straight Connector 4">
+            <a:extLst>
+              <a:ext uri="{FF2B5EF4-FFF2-40B4-BE49-F238E27FC236}">
+                <a16:creationId xmlns:a16="http://schemas.microsoft.com/office/drawing/2014/main" id="{29962C08-E769-9B4E-BE82-D12DB0859CEC}"/>
+              </a:ext>
+            </a:extLst>
+          </p:cNvPr>
+          <p:cNvCxnSpPr>
+            <a:cxnSpLocks/>
+          </p:cNvCxnSpPr>
+          <p:nvPr/>
+        </p:nvCxnSpPr>
+        <p:spPr>
+          <a:xfrm>
+            <a:off x="6772008" y="3581237"/>
+            <a:ext cx="1743342" cy="0"/>
+          </a:xfrm>
+          <a:prstGeom prst="line">
+            <a:avLst/>
+          </a:prstGeom>
+          <a:ln w="57150">
+            <a:solidFill>
+              <a:srgbClr val="FF0000"/>
+            </a:solidFill>
+          </a:ln>
+        </p:spPr>
+        <p:style>
+          <a:lnRef idx="1">
+            <a:schemeClr val="accent1"/>
+          </a:lnRef>
+          <a:fillRef idx="0">
+            <a:schemeClr val="accent1"/>
+          </a:fillRef>
+          <a:effectRef idx="0">
+            <a:schemeClr val="accent1"/>
+          </a:effectRef>
+          <a:fontRef idx="minor">
+            <a:schemeClr val="tx1"/>
+          </a:fontRef>
+        </p:style>
+      </p:cxnSp>
+      <p:sp>
+        <p:nvSpPr>
+          <p:cNvPr id="6" name="TextBox 5">
+            <a:extLst>
+              <a:ext uri="{FF2B5EF4-FFF2-40B4-BE49-F238E27FC236}">
+                <a16:creationId xmlns:a16="http://schemas.microsoft.com/office/drawing/2014/main" id="{5148547B-0051-8C4B-A559-C68861EC2FC9}"/>
+              </a:ext>
+            </a:extLst>
+          </p:cNvPr>
+          <p:cNvSpPr txBox="1"/>
+          <p:nvPr/>
+        </p:nvSpPr>
+        <p:spPr>
+          <a:xfrm>
+            <a:off x="6252824" y="425374"/>
+            <a:ext cx="581055" cy="369332"/>
+          </a:xfrm>
+          <a:prstGeom prst="rect">
+            <a:avLst/>
+          </a:prstGeom>
+          <a:noFill/>
+        </p:spPr>
+        <p:txBody>
+          <a:bodyPr wrap="square" rtlCol="0">
+            <a:spAutoFit/>
+          </a:bodyPr>
+          <a:lstStyle/>
+          <a:p>
+            <a:r>
+              <a:rPr lang="en-US" dirty="0"/>
+              <a:t>0x0</a:t>
+            </a:r>
+          </a:p>
+        </p:txBody>
+      </p:sp>
+      <p:sp>
+        <p:nvSpPr>
+          <p:cNvPr id="7" name="TextBox 6">
+            <a:extLst>
+              <a:ext uri="{FF2B5EF4-FFF2-40B4-BE49-F238E27FC236}">
+                <a16:creationId xmlns:a16="http://schemas.microsoft.com/office/drawing/2014/main" id="{BAC5EB40-9E89-204D-8D14-31A9DDAC2867}"/>
+              </a:ext>
+            </a:extLst>
+          </p:cNvPr>
+          <p:cNvSpPr txBox="1"/>
+          <p:nvPr/>
+        </p:nvSpPr>
+        <p:spPr>
+          <a:xfrm>
+            <a:off x="6252824" y="1184003"/>
+            <a:ext cx="581055" cy="369332"/>
+          </a:xfrm>
+          <a:prstGeom prst="rect">
+            <a:avLst/>
+          </a:prstGeom>
+          <a:noFill/>
+        </p:spPr>
+        <p:txBody>
+          <a:bodyPr wrap="square" rtlCol="0">
+            <a:spAutoFit/>
+          </a:bodyPr>
+          <a:lstStyle/>
+          <a:p>
+            <a:r>
+              <a:rPr lang="en-US" dirty="0"/>
+              <a:t>0x8</a:t>
+            </a:r>
+          </a:p>
+        </p:txBody>
+      </p:sp>
+      <p:sp>
+        <p:nvSpPr>
+          <p:cNvPr id="8" name="TextBox 7">
+            <a:extLst>
+              <a:ext uri="{FF2B5EF4-FFF2-40B4-BE49-F238E27FC236}">
+                <a16:creationId xmlns:a16="http://schemas.microsoft.com/office/drawing/2014/main" id="{370CD4D2-D5A6-A544-8924-404EBAF6F917}"/>
+              </a:ext>
+            </a:extLst>
+          </p:cNvPr>
+          <p:cNvSpPr txBox="1"/>
+          <p:nvPr/>
+        </p:nvSpPr>
+        <p:spPr>
+          <a:xfrm>
+            <a:off x="6130138" y="2013063"/>
+            <a:ext cx="641870" cy="369332"/>
+          </a:xfrm>
+          <a:prstGeom prst="rect">
+            <a:avLst/>
+          </a:prstGeom>
+          <a:noFill/>
+        </p:spPr>
+        <p:txBody>
+          <a:bodyPr wrap="square" rtlCol="0">
+            <a:spAutoFit/>
+          </a:bodyPr>
+          <a:lstStyle/>
+          <a:p>
+            <a:r>
+              <a:rPr lang="en-US" dirty="0"/>
+              <a:t>0x10</a:t>
+            </a:r>
+          </a:p>
+        </p:txBody>
+      </p:sp>
+      <p:sp>
+        <p:nvSpPr>
+          <p:cNvPr id="9" name="TextBox 8">
+            <a:extLst>
+              <a:ext uri="{FF2B5EF4-FFF2-40B4-BE49-F238E27FC236}">
+                <a16:creationId xmlns:a16="http://schemas.microsoft.com/office/drawing/2014/main" id="{4C39B5F9-FEDB-1742-AA4C-4A56A9BF9E8D}"/>
+              </a:ext>
+            </a:extLst>
+          </p:cNvPr>
+          <p:cNvSpPr txBox="1"/>
+          <p:nvPr/>
+        </p:nvSpPr>
+        <p:spPr>
+          <a:xfrm>
+            <a:off x="6099730" y="2842123"/>
+            <a:ext cx="641870" cy="369332"/>
+          </a:xfrm>
+          <a:prstGeom prst="rect">
+            <a:avLst/>
+          </a:prstGeom>
+          <a:noFill/>
+        </p:spPr>
+        <p:txBody>
+          <a:bodyPr wrap="square" rtlCol="0">
+            <a:spAutoFit/>
+          </a:bodyPr>
+          <a:lstStyle/>
+          <a:p>
+            <a:r>
+              <a:rPr lang="en-US" dirty="0"/>
+              <a:t>0x18</a:t>
+            </a:r>
+          </a:p>
+        </p:txBody>
+      </p:sp>
+    </p:spTree>
+    <p:extLst>
+      <p:ext uri="{BB962C8B-B14F-4D97-AF65-F5344CB8AC3E}">
+        <p14:creationId xmlns:p14="http://schemas.microsoft.com/office/powerpoint/2010/main" val="370873352"/>
+      </p:ext>
+    </p:extLst>
+  </p:cSld>
+  <p:clrMapOvr>
+    <a:masterClrMapping/>
+  </p:clrMapOvr>
+</p:sld>
+</file>
+
+<file path=ppt/slides/slide32.xml><?xml version="1.0" encoding="utf-8"?>
+<p:sld xmlns:a="http://schemas.openxmlformats.org/drawingml/2006/main" xmlns:r="http://schemas.openxmlformats.org/officeDocument/2006/relationships" xmlns:p="http://schemas.openxmlformats.org/presentationml/2006/main">
+  <p:cSld>
+    <p:spTree>
+      <p:nvGrpSpPr>
+        <p:cNvPr id="1" name=""/>
+        <p:cNvGrpSpPr/>
+        <p:nvPr/>
+      </p:nvGrpSpPr>
+      <p:grpSpPr>
+        <a:xfrm>
+          <a:off x="0" y="0"/>
+          <a:ext cx="0" cy="0"/>
+          <a:chOff x="0" y="0"/>
+          <a:chExt cx="0" cy="0"/>
+        </a:xfrm>
+      </p:grpSpPr>
+      <p:sp>
+        <p:nvSpPr>
+          <p:cNvPr id="2" name="Title 1">
+            <a:extLst>
+              <a:ext uri="{FF2B5EF4-FFF2-40B4-BE49-F238E27FC236}">
                 <a16:creationId xmlns:a16="http://schemas.microsoft.com/office/drawing/2014/main" id="{751F6669-E925-E049-9382-EC896FBB204E}"/>
               </a:ext>
             </a:extLst>
@@ -37467,7 +41232,7 @@
 </p:sld>
 </file>
 
-<file path=ppt/slides/slide31.xml><?xml version="1.0" encoding="utf-8"?>
+<file path=ppt/slides/slide33.xml><?xml version="1.0" encoding="utf-8"?>
 <p:sld xmlns:a="http://schemas.openxmlformats.org/drawingml/2006/main" xmlns:r="http://schemas.openxmlformats.org/officeDocument/2006/relationships" xmlns:p="http://schemas.openxmlformats.org/presentationml/2006/main">
   <p:cSld>
     <p:spTree>
@@ -37563,7 +41328,7 @@
 </p:sld>
 </file>
 
-<file path=ppt/slides/slide32.xml><?xml version="1.0" encoding="utf-8"?>
+<file path=ppt/slides/slide34.xml><?xml version="1.0" encoding="utf-8"?>
 <p:sld xmlns:a="http://schemas.openxmlformats.org/drawingml/2006/main" xmlns:r="http://schemas.openxmlformats.org/officeDocument/2006/relationships" xmlns:p="http://schemas.openxmlformats.org/presentationml/2006/main">
   <p:cSld>
     <p:spTree>
@@ -37716,7 +41481,7 @@
 </p:sld>
 </file>
 
-<file path=ppt/slides/slide33.xml><?xml version="1.0" encoding="utf-8"?>
+<file path=ppt/slides/slide35.xml><?xml version="1.0" encoding="utf-8"?>
 <p:sld xmlns:a="http://schemas.openxmlformats.org/drawingml/2006/main" xmlns:r="http://schemas.openxmlformats.org/officeDocument/2006/relationships" xmlns:p="http://schemas.openxmlformats.org/presentationml/2006/main">
   <p:cSld>
     <p:spTree>
@@ -37923,7 +41688,7 @@
         </p:blipFill>
         <p:spPr>
           <a:xfrm>
-            <a:off x="3067050" y="1471429"/>
+            <a:off x="3091354" y="2523875"/>
             <a:ext cx="6052646" cy="2459899"/>
           </a:xfrm>
           <a:prstGeom prst="rect">
@@ -37935,198 +41700,6 @@
     <p:extLst>
       <p:ext uri="{BB962C8B-B14F-4D97-AF65-F5344CB8AC3E}">
         <p14:creationId xmlns:p14="http://schemas.microsoft.com/office/powerpoint/2010/main" val="2209456580"/>
-      </p:ext>
-    </p:extLst>
-  </p:cSld>
-  <p:clrMapOvr>
-    <a:masterClrMapping/>
-  </p:clrMapOvr>
-</p:sld>
-</file>
-
-<file path=ppt/slides/slide34.xml><?xml version="1.0" encoding="utf-8"?>
-<p:sld xmlns:a="http://schemas.openxmlformats.org/drawingml/2006/main" xmlns:r="http://schemas.openxmlformats.org/officeDocument/2006/relationships" xmlns:p="http://schemas.openxmlformats.org/presentationml/2006/main">
-  <p:cSld>
-    <p:spTree>
-      <p:nvGrpSpPr>
-        <p:cNvPr id="1" name=""/>
-        <p:cNvGrpSpPr/>
-        <p:nvPr/>
-      </p:nvGrpSpPr>
-      <p:grpSpPr>
-        <a:xfrm>
-          <a:off x="0" y="0"/>
-          <a:ext cx="0" cy="0"/>
-          <a:chOff x="0" y="0"/>
-          <a:chExt cx="0" cy="0"/>
-        </a:xfrm>
-      </p:grpSpPr>
-      <p:sp>
-        <p:nvSpPr>
-          <p:cNvPr id="2" name="Title 1">
-            <a:extLst>
-              <a:ext uri="{FF2B5EF4-FFF2-40B4-BE49-F238E27FC236}">
-                <a16:creationId xmlns:a16="http://schemas.microsoft.com/office/drawing/2014/main" id="{3E8CF0C1-27ED-664E-B169-2FDB11782122}"/>
-              </a:ext>
-            </a:extLst>
-          </p:cNvPr>
-          <p:cNvSpPr>
-            <a:spLocks noGrp="1"/>
-          </p:cNvSpPr>
-          <p:nvPr>
-            <p:ph type="title"/>
-          </p:nvPr>
-        </p:nvSpPr>
-        <p:spPr>
-          <a:xfrm>
-            <a:off x="628650" y="273847"/>
-            <a:ext cx="7886700" cy="994172"/>
-          </a:xfrm>
-        </p:spPr>
-        <p:txBody>
-          <a:bodyPr anchor="ctr">
-            <a:normAutofit/>
-          </a:bodyPr>
-          <a:lstStyle/>
-          <a:p>
-            <a:r>
-              <a:rPr lang="en-US" dirty="0"/>
-              <a:t>Typical Setup</a:t>
-            </a:r>
-          </a:p>
-        </p:txBody>
-      </p:sp>
-      <p:graphicFrame>
-        <p:nvGraphicFramePr>
-          <p:cNvPr id="5" name="Content Placeholder 2">
-            <a:extLst>
-              <a:ext uri="{FF2B5EF4-FFF2-40B4-BE49-F238E27FC236}">
-                <a16:creationId xmlns:a16="http://schemas.microsoft.com/office/drawing/2014/main" id="{22C26246-7673-4B24-A314-A6DEF24740B3}"/>
-              </a:ext>
-            </a:extLst>
-          </p:cNvPr>
-          <p:cNvGraphicFramePr>
-            <a:graphicFrameLocks noGrp="1"/>
-          </p:cNvGraphicFramePr>
-          <p:nvPr>
-            <p:ph idx="1"/>
-            <p:extLst>
-              <p:ext uri="{D42A27DB-BD31-4B8C-83A1-F6EECF244321}">
-                <p14:modId xmlns:p14="http://schemas.microsoft.com/office/powerpoint/2010/main" val="2433369212"/>
-              </p:ext>
-            </p:extLst>
-          </p:nvPr>
-        </p:nvGraphicFramePr>
-        <p:xfrm>
-          <a:off x="628650" y="1236541"/>
-          <a:ext cx="7886700" cy="3263504"/>
-        </p:xfrm>
-        <a:graphic>
-          <a:graphicData uri="http://schemas.openxmlformats.org/drawingml/2006/diagram">
-            <dgm:relIds xmlns:dgm="http://schemas.openxmlformats.org/drawingml/2006/diagram" xmlns:r="http://schemas.openxmlformats.org/officeDocument/2006/relationships" r:dm="rId2" r:lo="rId3" r:qs="rId4" r:cs="rId5"/>
-          </a:graphicData>
-        </a:graphic>
-      </p:graphicFrame>
-    </p:spTree>
-    <p:extLst>
-      <p:ext uri="{BB962C8B-B14F-4D97-AF65-F5344CB8AC3E}">
-        <p14:creationId xmlns:p14="http://schemas.microsoft.com/office/powerpoint/2010/main" val="2651858774"/>
-      </p:ext>
-    </p:extLst>
-  </p:cSld>
-  <p:clrMapOvr>
-    <a:masterClrMapping/>
-  </p:clrMapOvr>
-</p:sld>
-</file>
-
-<file path=ppt/slides/slide35.xml><?xml version="1.0" encoding="utf-8"?>
-<p:sld xmlns:a="http://schemas.openxmlformats.org/drawingml/2006/main" xmlns:r="http://schemas.openxmlformats.org/officeDocument/2006/relationships" xmlns:p="http://schemas.openxmlformats.org/presentationml/2006/main">
-  <p:cSld>
-    <p:spTree>
-      <p:nvGrpSpPr>
-        <p:cNvPr id="1" name=""/>
-        <p:cNvGrpSpPr/>
-        <p:nvPr/>
-      </p:nvGrpSpPr>
-      <p:grpSpPr>
-        <a:xfrm>
-          <a:off x="0" y="0"/>
-          <a:ext cx="0" cy="0"/>
-          <a:chOff x="0" y="0"/>
-          <a:chExt cx="0" cy="0"/>
-        </a:xfrm>
-      </p:grpSpPr>
-      <p:sp>
-        <p:nvSpPr>
-          <p:cNvPr id="2" name="Title 1">
-            <a:extLst>
-              <a:ext uri="{FF2B5EF4-FFF2-40B4-BE49-F238E27FC236}">
-                <a16:creationId xmlns:a16="http://schemas.microsoft.com/office/drawing/2014/main" id="{FC59CF7F-570F-FE4F-B9A7-8ACAD90EB639}"/>
-              </a:ext>
-            </a:extLst>
-          </p:cNvPr>
-          <p:cNvSpPr>
-            <a:spLocks noGrp="1"/>
-          </p:cNvSpPr>
-          <p:nvPr>
-            <p:ph type="title"/>
-          </p:nvPr>
-        </p:nvSpPr>
-        <p:spPr>
-          <a:xfrm>
-            <a:off x="628650" y="273847"/>
-            <a:ext cx="7886700" cy="994172"/>
-          </a:xfrm>
-        </p:spPr>
-        <p:txBody>
-          <a:bodyPr anchor="ctr">
-            <a:normAutofit/>
-          </a:bodyPr>
-          <a:lstStyle/>
-          <a:p>
-            <a:r>
-              <a:rPr lang="en-US" dirty="0"/>
-              <a:t>Call!</a:t>
-            </a:r>
-          </a:p>
-        </p:txBody>
-      </p:sp>
-      <p:graphicFrame>
-        <p:nvGraphicFramePr>
-          <p:cNvPr id="5" name="Content Placeholder 2">
-            <a:extLst>
-              <a:ext uri="{FF2B5EF4-FFF2-40B4-BE49-F238E27FC236}">
-                <a16:creationId xmlns:a16="http://schemas.microsoft.com/office/drawing/2014/main" id="{4C6EB890-31B4-4B36-AD5F-FC6520493D48}"/>
-              </a:ext>
-            </a:extLst>
-          </p:cNvPr>
-          <p:cNvGraphicFramePr>
-            <a:graphicFrameLocks noGrp="1"/>
-          </p:cNvGraphicFramePr>
-          <p:nvPr>
-            <p:ph idx="1"/>
-            <p:extLst>
-              <p:ext uri="{D42A27DB-BD31-4B8C-83A1-F6EECF244321}">
-                <p14:modId xmlns:p14="http://schemas.microsoft.com/office/powerpoint/2010/main" val="3851159190"/>
-              </p:ext>
-            </p:extLst>
-          </p:nvPr>
-        </p:nvGraphicFramePr>
-        <p:xfrm>
-          <a:off x="628650" y="1236541"/>
-          <a:ext cx="7886700" cy="3263504"/>
-        </p:xfrm>
-        <a:graphic>
-          <a:graphicData uri="http://schemas.openxmlformats.org/drawingml/2006/diagram">
-            <dgm:relIds xmlns:dgm="http://schemas.openxmlformats.org/drawingml/2006/diagram" xmlns:r="http://schemas.openxmlformats.org/officeDocument/2006/relationships" r:dm="rId2" r:lo="rId3" r:qs="rId4" r:cs="rId5"/>
-          </a:graphicData>
-        </a:graphic>
-      </p:graphicFrame>
-    </p:spTree>
-    <p:extLst>
-      <p:ext uri="{BB962C8B-B14F-4D97-AF65-F5344CB8AC3E}">
-        <p14:creationId xmlns:p14="http://schemas.microsoft.com/office/powerpoint/2010/main" val="2169545688"/>
       </p:ext>
     </p:extLst>
   </p:cSld>
@@ -38204,6 +41777,198 @@
             <p:ph idx="1"/>
             <p:extLst>
               <p:ext uri="{D42A27DB-BD31-4B8C-83A1-F6EECF244321}">
+                <p14:modId xmlns:p14="http://schemas.microsoft.com/office/powerpoint/2010/main" val="2433369212"/>
+              </p:ext>
+            </p:extLst>
+          </p:nvPr>
+        </p:nvGraphicFramePr>
+        <p:xfrm>
+          <a:off x="628650" y="1236541"/>
+          <a:ext cx="7886700" cy="3263504"/>
+        </p:xfrm>
+        <a:graphic>
+          <a:graphicData uri="http://schemas.openxmlformats.org/drawingml/2006/diagram">
+            <dgm:relIds xmlns:dgm="http://schemas.openxmlformats.org/drawingml/2006/diagram" xmlns:r="http://schemas.openxmlformats.org/officeDocument/2006/relationships" r:dm="rId2" r:lo="rId3" r:qs="rId4" r:cs="rId5"/>
+          </a:graphicData>
+        </a:graphic>
+      </p:graphicFrame>
+    </p:spTree>
+    <p:extLst>
+      <p:ext uri="{BB962C8B-B14F-4D97-AF65-F5344CB8AC3E}">
+        <p14:creationId xmlns:p14="http://schemas.microsoft.com/office/powerpoint/2010/main" val="2651858774"/>
+      </p:ext>
+    </p:extLst>
+  </p:cSld>
+  <p:clrMapOvr>
+    <a:masterClrMapping/>
+  </p:clrMapOvr>
+</p:sld>
+</file>
+
+<file path=ppt/slides/slide37.xml><?xml version="1.0" encoding="utf-8"?>
+<p:sld xmlns:a="http://schemas.openxmlformats.org/drawingml/2006/main" xmlns:r="http://schemas.openxmlformats.org/officeDocument/2006/relationships" xmlns:p="http://schemas.openxmlformats.org/presentationml/2006/main">
+  <p:cSld>
+    <p:spTree>
+      <p:nvGrpSpPr>
+        <p:cNvPr id="1" name=""/>
+        <p:cNvGrpSpPr/>
+        <p:nvPr/>
+      </p:nvGrpSpPr>
+      <p:grpSpPr>
+        <a:xfrm>
+          <a:off x="0" y="0"/>
+          <a:ext cx="0" cy="0"/>
+          <a:chOff x="0" y="0"/>
+          <a:chExt cx="0" cy="0"/>
+        </a:xfrm>
+      </p:grpSpPr>
+      <p:sp>
+        <p:nvSpPr>
+          <p:cNvPr id="2" name="Title 1">
+            <a:extLst>
+              <a:ext uri="{FF2B5EF4-FFF2-40B4-BE49-F238E27FC236}">
+                <a16:creationId xmlns:a16="http://schemas.microsoft.com/office/drawing/2014/main" id="{FC59CF7F-570F-FE4F-B9A7-8ACAD90EB639}"/>
+              </a:ext>
+            </a:extLst>
+          </p:cNvPr>
+          <p:cNvSpPr>
+            <a:spLocks noGrp="1"/>
+          </p:cNvSpPr>
+          <p:nvPr>
+            <p:ph type="title"/>
+          </p:nvPr>
+        </p:nvSpPr>
+        <p:spPr>
+          <a:xfrm>
+            <a:off x="628650" y="273847"/>
+            <a:ext cx="7886700" cy="994172"/>
+          </a:xfrm>
+        </p:spPr>
+        <p:txBody>
+          <a:bodyPr anchor="ctr">
+            <a:normAutofit/>
+          </a:bodyPr>
+          <a:lstStyle/>
+          <a:p>
+            <a:r>
+              <a:rPr lang="en-US" dirty="0"/>
+              <a:t>Call!</a:t>
+            </a:r>
+          </a:p>
+        </p:txBody>
+      </p:sp>
+      <p:graphicFrame>
+        <p:nvGraphicFramePr>
+          <p:cNvPr id="5" name="Content Placeholder 2">
+            <a:extLst>
+              <a:ext uri="{FF2B5EF4-FFF2-40B4-BE49-F238E27FC236}">
+                <a16:creationId xmlns:a16="http://schemas.microsoft.com/office/drawing/2014/main" id="{4C6EB890-31B4-4B36-AD5F-FC6520493D48}"/>
+              </a:ext>
+            </a:extLst>
+          </p:cNvPr>
+          <p:cNvGraphicFramePr>
+            <a:graphicFrameLocks noGrp="1"/>
+          </p:cNvGraphicFramePr>
+          <p:nvPr>
+            <p:ph idx="1"/>
+            <p:extLst>
+              <p:ext uri="{D42A27DB-BD31-4B8C-83A1-F6EECF244321}">
+                <p14:modId xmlns:p14="http://schemas.microsoft.com/office/powerpoint/2010/main" val="3851159190"/>
+              </p:ext>
+            </p:extLst>
+          </p:nvPr>
+        </p:nvGraphicFramePr>
+        <p:xfrm>
+          <a:off x="628650" y="1236541"/>
+          <a:ext cx="7886700" cy="3263504"/>
+        </p:xfrm>
+        <a:graphic>
+          <a:graphicData uri="http://schemas.openxmlformats.org/drawingml/2006/diagram">
+            <dgm:relIds xmlns:dgm="http://schemas.openxmlformats.org/drawingml/2006/diagram" xmlns:r="http://schemas.openxmlformats.org/officeDocument/2006/relationships" r:dm="rId2" r:lo="rId3" r:qs="rId4" r:cs="rId5"/>
+          </a:graphicData>
+        </a:graphic>
+      </p:graphicFrame>
+    </p:spTree>
+    <p:extLst>
+      <p:ext uri="{BB962C8B-B14F-4D97-AF65-F5344CB8AC3E}">
+        <p14:creationId xmlns:p14="http://schemas.microsoft.com/office/powerpoint/2010/main" val="2169545688"/>
+      </p:ext>
+    </p:extLst>
+  </p:cSld>
+  <p:clrMapOvr>
+    <a:masterClrMapping/>
+  </p:clrMapOvr>
+</p:sld>
+</file>
+
+<file path=ppt/slides/slide38.xml><?xml version="1.0" encoding="utf-8"?>
+<p:sld xmlns:a="http://schemas.openxmlformats.org/drawingml/2006/main" xmlns:r="http://schemas.openxmlformats.org/officeDocument/2006/relationships" xmlns:p="http://schemas.openxmlformats.org/presentationml/2006/main">
+  <p:cSld>
+    <p:spTree>
+      <p:nvGrpSpPr>
+        <p:cNvPr id="1" name=""/>
+        <p:cNvGrpSpPr/>
+        <p:nvPr/>
+      </p:nvGrpSpPr>
+      <p:grpSpPr>
+        <a:xfrm>
+          <a:off x="0" y="0"/>
+          <a:ext cx="0" cy="0"/>
+          <a:chOff x="0" y="0"/>
+          <a:chExt cx="0" cy="0"/>
+        </a:xfrm>
+      </p:grpSpPr>
+      <p:sp>
+        <p:nvSpPr>
+          <p:cNvPr id="2" name="Title 1">
+            <a:extLst>
+              <a:ext uri="{FF2B5EF4-FFF2-40B4-BE49-F238E27FC236}">
+                <a16:creationId xmlns:a16="http://schemas.microsoft.com/office/drawing/2014/main" id="{3E8CF0C1-27ED-664E-B169-2FDB11782122}"/>
+              </a:ext>
+            </a:extLst>
+          </p:cNvPr>
+          <p:cNvSpPr>
+            <a:spLocks noGrp="1"/>
+          </p:cNvSpPr>
+          <p:nvPr>
+            <p:ph type="title"/>
+          </p:nvPr>
+        </p:nvSpPr>
+        <p:spPr>
+          <a:xfrm>
+            <a:off x="628650" y="273847"/>
+            <a:ext cx="7886700" cy="994172"/>
+          </a:xfrm>
+        </p:spPr>
+        <p:txBody>
+          <a:bodyPr anchor="ctr">
+            <a:normAutofit/>
+          </a:bodyPr>
+          <a:lstStyle/>
+          <a:p>
+            <a:r>
+              <a:rPr lang="en-US" dirty="0"/>
+              <a:t>Typical Setup</a:t>
+            </a:r>
+          </a:p>
+        </p:txBody>
+      </p:sp>
+      <p:graphicFrame>
+        <p:nvGraphicFramePr>
+          <p:cNvPr id="5" name="Content Placeholder 2">
+            <a:extLst>
+              <a:ext uri="{FF2B5EF4-FFF2-40B4-BE49-F238E27FC236}">
+                <a16:creationId xmlns:a16="http://schemas.microsoft.com/office/drawing/2014/main" id="{22C26246-7673-4B24-A314-A6DEF24740B3}"/>
+              </a:ext>
+            </a:extLst>
+          </p:cNvPr>
+          <p:cNvGraphicFramePr>
+            <a:graphicFrameLocks noGrp="1"/>
+          </p:cNvGraphicFramePr>
+          <p:nvPr>
+            <p:ph idx="1"/>
+            <p:extLst>
+              <p:ext uri="{D42A27DB-BD31-4B8C-83A1-F6EECF244321}">
                 <p14:modId xmlns:p14="http://schemas.microsoft.com/office/powerpoint/2010/main" val="1848987452"/>
               </p:ext>
             </p:extLst>
@@ -38232,7 +41997,7 @@
 </p:sld>
 </file>
 
-<file path=ppt/slides/slide37.xml><?xml version="1.0" encoding="utf-8"?>
+<file path=ppt/slides/slide39.xml><?xml version="1.0" encoding="utf-8"?>
 <p:sld xmlns:a="http://schemas.openxmlformats.org/drawingml/2006/main" xmlns:r="http://schemas.openxmlformats.org/officeDocument/2006/relationships" xmlns:p="http://schemas.openxmlformats.org/presentationml/2006/main">
   <p:cSld>
     <p:spTree>
@@ -38370,7 +42135,153 @@
 </p:sld>
 </file>
 
-<file path=ppt/slides/slide38.xml><?xml version="1.0" encoding="utf-8"?>
+<file path=ppt/slides/slide4.xml><?xml version="1.0" encoding="utf-8"?>
+<p:sld xmlns:a="http://schemas.openxmlformats.org/drawingml/2006/main" xmlns:r="http://schemas.openxmlformats.org/officeDocument/2006/relationships" xmlns:p="http://schemas.openxmlformats.org/presentationml/2006/main">
+  <p:cSld>
+    <p:spTree>
+      <p:nvGrpSpPr>
+        <p:cNvPr id="1" name=""/>
+        <p:cNvGrpSpPr/>
+        <p:nvPr/>
+      </p:nvGrpSpPr>
+      <p:grpSpPr>
+        <a:xfrm>
+          <a:off x="0" y="0"/>
+          <a:ext cx="0" cy="0"/>
+          <a:chOff x="0" y="0"/>
+          <a:chExt cx="0" cy="0"/>
+        </a:xfrm>
+      </p:grpSpPr>
+      <p:sp>
+        <p:nvSpPr>
+          <p:cNvPr id="2" name="Title 1">
+            <a:extLst>
+              <a:ext uri="{FF2B5EF4-FFF2-40B4-BE49-F238E27FC236}">
+                <a16:creationId xmlns:a16="http://schemas.microsoft.com/office/drawing/2014/main" id="{1791B2C4-9B80-184D-A474-1EA8EB0ED33E}"/>
+              </a:ext>
+            </a:extLst>
+          </p:cNvPr>
+          <p:cNvSpPr>
+            <a:spLocks noGrp="1"/>
+          </p:cNvSpPr>
+          <p:nvPr>
+            <p:ph type="title"/>
+          </p:nvPr>
+        </p:nvSpPr>
+        <p:spPr>
+          <a:xfrm>
+            <a:off x="628650" y="273847"/>
+            <a:ext cx="7886700" cy="994172"/>
+          </a:xfrm>
+        </p:spPr>
+        <p:txBody>
+          <a:bodyPr anchor="ctr">
+            <a:normAutofit/>
+          </a:bodyPr>
+          <a:lstStyle/>
+          <a:p>
+            <a:r>
+              <a:rPr lang="en-US" dirty="0"/>
+              <a:t>Unsorted Bin Review – 1 </a:t>
+            </a:r>
+          </a:p>
+        </p:txBody>
+      </p:sp>
+      <p:sp>
+        <p:nvSpPr>
+          <p:cNvPr id="3" name="Content Placeholder 2">
+            <a:extLst>
+              <a:ext uri="{FF2B5EF4-FFF2-40B4-BE49-F238E27FC236}">
+                <a16:creationId xmlns:a16="http://schemas.microsoft.com/office/drawing/2014/main" id="{93362CF1-8F5D-944C-98EA-9CE1803EF33A}"/>
+              </a:ext>
+            </a:extLst>
+          </p:cNvPr>
+          <p:cNvSpPr>
+            <a:spLocks noGrp="1"/>
+          </p:cNvSpPr>
+          <p:nvPr>
+            <p:ph sz="half" idx="2"/>
+          </p:nvPr>
+        </p:nvSpPr>
+        <p:spPr>
+          <a:xfrm>
+            <a:off x="4629150" y="1369219"/>
+            <a:ext cx="3886200" cy="3263504"/>
+          </a:xfrm>
+        </p:spPr>
+        <p:txBody>
+          <a:bodyPr>
+            <a:normAutofit/>
+          </a:bodyPr>
+          <a:lstStyle/>
+          <a:p>
+            <a:r>
+              <a:rPr lang="en-US" dirty="0"/>
+              <a:t>Gives memory another chance to be used </a:t>
+            </a:r>
+          </a:p>
+          <a:p>
+            <a:r>
+              <a:rPr lang="en-US" dirty="0"/>
+              <a:t>Holds chunks of all sizes</a:t>
+            </a:r>
+          </a:p>
+          <a:p>
+            <a:r>
+              <a:rPr lang="en-US" dirty="0"/>
+              <a:t>Only a SINGLE </a:t>
+            </a:r>
+            <a:r>
+              <a:rPr lang="en-US" i="1" dirty="0"/>
+              <a:t>unsorted bin</a:t>
+            </a:r>
+          </a:p>
+        </p:txBody>
+      </p:sp>
+      <p:pic>
+        <p:nvPicPr>
+          <p:cNvPr id="5" name="Picture 4" descr="Doubly linked list - unsorted bin">
+            <a:extLst>
+              <a:ext uri="{FF2B5EF4-FFF2-40B4-BE49-F238E27FC236}">
+                <a16:creationId xmlns:a16="http://schemas.microsoft.com/office/drawing/2014/main" id="{01A6BF00-F440-F74D-ABB6-B27B8BEE2A90}"/>
+              </a:ext>
+            </a:extLst>
+          </p:cNvPr>
+          <p:cNvPicPr>
+            <a:picLocks noChangeAspect="1"/>
+          </p:cNvPicPr>
+          <p:nvPr/>
+        </p:nvPicPr>
+        <p:blipFill>
+          <a:blip r:embed="rId2"/>
+          <a:stretch>
+            <a:fillRect/>
+          </a:stretch>
+        </p:blipFill>
+        <p:spPr>
+          <a:xfrm>
+            <a:off x="973737" y="1139118"/>
+            <a:ext cx="3046803" cy="3241280"/>
+          </a:xfrm>
+          <a:prstGeom prst="rect">
+            <a:avLst/>
+          </a:prstGeom>
+        </p:spPr>
+      </p:pic>
+    </p:spTree>
+    <p:extLst>
+      <p:ext uri="{BB962C8B-B14F-4D97-AF65-F5344CB8AC3E}">
+        <p14:creationId xmlns:p14="http://schemas.microsoft.com/office/powerpoint/2010/main" val="2515632693"/>
+      </p:ext>
+    </p:extLst>
+  </p:cSld>
+  <p:clrMapOvr>
+    <a:masterClrMapping/>
+  </p:clrMapOvr>
+</p:sld>
+</file>
+
+<file path=ppt/slides/slide40.xml><?xml version="1.0" encoding="utf-8"?>
 <p:sld xmlns:a="http://schemas.openxmlformats.org/drawingml/2006/main" xmlns:r="http://schemas.openxmlformats.org/officeDocument/2006/relationships" xmlns:p="http://schemas.openxmlformats.org/presentationml/2006/main">
   <p:cSld>
     <p:spTree>
@@ -38544,8 +42455,8 @@
 </p:sld>
 </file>
 
-<file path=ppt/slides/slide39.xml><?xml version="1.0" encoding="utf-8"?>
-<p:sld xmlns:a="http://schemas.openxmlformats.org/drawingml/2006/main" xmlns:r="http://schemas.openxmlformats.org/officeDocument/2006/relationships" xmlns:p="http://schemas.openxmlformats.org/presentationml/2006/main">
+<file path=ppt/slides/slide41.xml><?xml version="1.0" encoding="utf-8"?>
+<p:sld xmlns:a="http://schemas.openxmlformats.org/drawingml/2006/main" xmlns:r="http://schemas.openxmlformats.org/officeDocument/2006/relationships" xmlns:p="http://schemas.openxmlformats.org/presentationml/2006/main" show="0">
   <p:cSld>
     <p:spTree>
       <p:nvGrpSpPr>
@@ -38670,153 +42581,7 @@
 </p:sld>
 </file>
 
-<file path=ppt/slides/slide4.xml><?xml version="1.0" encoding="utf-8"?>
-<p:sld xmlns:a="http://schemas.openxmlformats.org/drawingml/2006/main" xmlns:r="http://schemas.openxmlformats.org/officeDocument/2006/relationships" xmlns:p="http://schemas.openxmlformats.org/presentationml/2006/main">
-  <p:cSld>
-    <p:spTree>
-      <p:nvGrpSpPr>
-        <p:cNvPr id="1" name=""/>
-        <p:cNvGrpSpPr/>
-        <p:nvPr/>
-      </p:nvGrpSpPr>
-      <p:grpSpPr>
-        <a:xfrm>
-          <a:off x="0" y="0"/>
-          <a:ext cx="0" cy="0"/>
-          <a:chOff x="0" y="0"/>
-          <a:chExt cx="0" cy="0"/>
-        </a:xfrm>
-      </p:grpSpPr>
-      <p:sp>
-        <p:nvSpPr>
-          <p:cNvPr id="2" name="Title 1">
-            <a:extLst>
-              <a:ext uri="{FF2B5EF4-FFF2-40B4-BE49-F238E27FC236}">
-                <a16:creationId xmlns:a16="http://schemas.microsoft.com/office/drawing/2014/main" id="{1791B2C4-9B80-184D-A474-1EA8EB0ED33E}"/>
-              </a:ext>
-            </a:extLst>
-          </p:cNvPr>
-          <p:cNvSpPr>
-            <a:spLocks noGrp="1"/>
-          </p:cNvSpPr>
-          <p:nvPr>
-            <p:ph type="title"/>
-          </p:nvPr>
-        </p:nvSpPr>
-        <p:spPr>
-          <a:xfrm>
-            <a:off x="628650" y="273847"/>
-            <a:ext cx="7886700" cy="994172"/>
-          </a:xfrm>
-        </p:spPr>
-        <p:txBody>
-          <a:bodyPr anchor="ctr">
-            <a:normAutofit/>
-          </a:bodyPr>
-          <a:lstStyle/>
-          <a:p>
-            <a:r>
-              <a:rPr lang="en-US" dirty="0"/>
-              <a:t>Unsorted Bin Review – 1 </a:t>
-            </a:r>
-          </a:p>
-        </p:txBody>
-      </p:sp>
-      <p:sp>
-        <p:nvSpPr>
-          <p:cNvPr id="3" name="Content Placeholder 2">
-            <a:extLst>
-              <a:ext uri="{FF2B5EF4-FFF2-40B4-BE49-F238E27FC236}">
-                <a16:creationId xmlns:a16="http://schemas.microsoft.com/office/drawing/2014/main" id="{93362CF1-8F5D-944C-98EA-9CE1803EF33A}"/>
-              </a:ext>
-            </a:extLst>
-          </p:cNvPr>
-          <p:cNvSpPr>
-            <a:spLocks noGrp="1"/>
-          </p:cNvSpPr>
-          <p:nvPr>
-            <p:ph sz="half" idx="2"/>
-          </p:nvPr>
-        </p:nvSpPr>
-        <p:spPr>
-          <a:xfrm>
-            <a:off x="4629150" y="1369219"/>
-            <a:ext cx="3886200" cy="3263504"/>
-          </a:xfrm>
-        </p:spPr>
-        <p:txBody>
-          <a:bodyPr>
-            <a:normAutofit/>
-          </a:bodyPr>
-          <a:lstStyle/>
-          <a:p>
-            <a:r>
-              <a:rPr lang="en-US" dirty="0"/>
-              <a:t>Gives memory another chance to be used </a:t>
-            </a:r>
-          </a:p>
-          <a:p>
-            <a:r>
-              <a:rPr lang="en-US" dirty="0"/>
-              <a:t>Holds chunks of all sizes</a:t>
-            </a:r>
-          </a:p>
-          <a:p>
-            <a:r>
-              <a:rPr lang="en-US" dirty="0"/>
-              <a:t>Only a SINGLE </a:t>
-            </a:r>
-            <a:r>
-              <a:rPr lang="en-US" i="1" dirty="0"/>
-              <a:t>unsorted bin</a:t>
-            </a:r>
-          </a:p>
-        </p:txBody>
-      </p:sp>
-      <p:pic>
-        <p:nvPicPr>
-          <p:cNvPr id="5" name="Picture 4" descr="Doubly linked list - unsorted bin">
-            <a:extLst>
-              <a:ext uri="{FF2B5EF4-FFF2-40B4-BE49-F238E27FC236}">
-                <a16:creationId xmlns:a16="http://schemas.microsoft.com/office/drawing/2014/main" id="{01A6BF00-F440-F74D-ABB6-B27B8BEE2A90}"/>
-              </a:ext>
-            </a:extLst>
-          </p:cNvPr>
-          <p:cNvPicPr>
-            <a:picLocks noChangeAspect="1"/>
-          </p:cNvPicPr>
-          <p:nvPr/>
-        </p:nvPicPr>
-        <p:blipFill>
-          <a:blip r:embed="rId2"/>
-          <a:stretch>
-            <a:fillRect/>
-          </a:stretch>
-        </p:blipFill>
-        <p:spPr>
-          <a:xfrm>
-            <a:off x="973737" y="1139118"/>
-            <a:ext cx="3046803" cy="3241280"/>
-          </a:xfrm>
-          <a:prstGeom prst="rect">
-            <a:avLst/>
-          </a:prstGeom>
-        </p:spPr>
-      </p:pic>
-    </p:spTree>
-    <p:extLst>
-      <p:ext uri="{BB962C8B-B14F-4D97-AF65-F5344CB8AC3E}">
-        <p14:creationId xmlns:p14="http://schemas.microsoft.com/office/powerpoint/2010/main" val="2515632693"/>
-      </p:ext>
-    </p:extLst>
-  </p:cSld>
-  <p:clrMapOvr>
-    <a:masterClrMapping/>
-  </p:clrMapOvr>
-</p:sld>
-</file>
-
-<file path=ppt/slides/slide40.xml><?xml version="1.0" encoding="utf-8"?>
+<file path=ppt/slides/slide42.xml><?xml version="1.0" encoding="utf-8"?>
 <p:sld xmlns:a="http://schemas.openxmlformats.org/drawingml/2006/main" xmlns:r="http://schemas.openxmlformats.org/officeDocument/2006/relationships" xmlns:p="http://schemas.openxmlformats.org/presentationml/2006/main">
   <p:cSld>
     <p:spTree>
@@ -39053,7 +42818,7 @@
 </p:sld>
 </file>
 
-<file path=ppt/slides/slide41.xml><?xml version="1.0" encoding="utf-8"?>
+<file path=ppt/slides/slide43.xml><?xml version="1.0" encoding="utf-8"?>
 <p:sld xmlns:a="http://schemas.openxmlformats.org/drawingml/2006/main" xmlns:r="http://schemas.openxmlformats.org/officeDocument/2006/relationships" xmlns:p="http://schemas.openxmlformats.org/presentationml/2006/main">
   <p:cSld>
     <p:spTree>
@@ -39156,13 +42921,8 @@
             <a:pPr lvl="1"/>
             <a:r>
               <a:rPr lang="en-US" dirty="0"/>
-              <a:t>Write a large value from TCache </a:t>
-            </a:r>
-            <a:r>
-              <a:rPr lang="en-US" dirty="0" err="1"/>
-              <a:t>tashing</a:t>
-            </a:r>
-            <a:endParaRPr lang="en-US" dirty="0"/>
+              <a:t>Write a large value from TCache stashing</a:t>
+            </a:r>
           </a:p>
           <a:p>
             <a:r>
@@ -39210,8 +42970,8 @@
 </p:sld>
 </file>
 
-<file path=ppt/slides/slide42.xml><?xml version="1.0" encoding="utf-8"?>
-<p:sld xmlns:a="http://schemas.openxmlformats.org/drawingml/2006/main" xmlns:r="http://schemas.openxmlformats.org/officeDocument/2006/relationships" xmlns:p="http://schemas.openxmlformats.org/presentationml/2006/main" show="0">
+<file path=ppt/slides/slide44.xml><?xml version="1.0" encoding="utf-8"?>
+<p:sld xmlns:a="http://schemas.openxmlformats.org/drawingml/2006/main" xmlns:r="http://schemas.openxmlformats.org/officeDocument/2006/relationships" xmlns:p="http://schemas.openxmlformats.org/presentationml/2006/main">
   <p:cSld>
     <p:spTree>
       <p:nvGrpSpPr>
@@ -39232,7 +42992,7 @@
           <p:cNvPr id="2" name="Title 1">
             <a:extLst>
               <a:ext uri="{FF2B5EF4-FFF2-40B4-BE49-F238E27FC236}">
-                <a16:creationId xmlns:a16="http://schemas.microsoft.com/office/drawing/2014/main" id="{729A33D3-C266-7449-AFED-8C6BFAEB4254}"/>
+                <a16:creationId xmlns:a16="http://schemas.microsoft.com/office/drawing/2014/main" id="{11691D86-CBAB-6C44-B458-E8F3040F701A}"/>
               </a:ext>
             </a:extLst>
           </p:cNvPr>
@@ -39243,24 +43003,31 @@
             <p:ph type="title"/>
           </p:nvPr>
         </p:nvSpPr>
-        <p:spPr/>
+        <p:spPr>
+          <a:xfrm>
+            <a:off x="628650" y="273847"/>
+            <a:ext cx="7886700" cy="994172"/>
+          </a:xfrm>
+        </p:spPr>
         <p:txBody>
-          <a:bodyPr/>
+          <a:bodyPr anchor="ctr">
+            <a:normAutofit/>
+          </a:bodyPr>
           <a:lstStyle/>
           <a:p>
             <a:r>
               <a:rPr lang="en-US" dirty="0"/>
-              <a:t>Large Bin Attack (Quick) TODO</a:t>
+              <a:t>Cube Engine 1 </a:t>
             </a:r>
           </a:p>
         </p:txBody>
       </p:sp>
       <p:sp>
         <p:nvSpPr>
-          <p:cNvPr id="3" name="Text Placeholder 2">
+          <p:cNvPr id="3" name="Content Placeholder 2">
             <a:extLst>
               <a:ext uri="{FF2B5EF4-FFF2-40B4-BE49-F238E27FC236}">
-                <a16:creationId xmlns:a16="http://schemas.microsoft.com/office/drawing/2014/main" id="{DA724288-7CE5-B74A-9E96-A593C245F2E4}"/>
+                <a16:creationId xmlns:a16="http://schemas.microsoft.com/office/drawing/2014/main" id="{C0CA634A-D3B5-2745-B03E-25A4177CB439}"/>
               </a:ext>
             </a:extLst>
           </p:cNvPr>
@@ -39268,22 +43035,109 @@
             <a:spLocks noGrp="1"/>
           </p:cNvSpPr>
           <p:nvPr>
-            <p:ph type="body" idx="1"/>
+            <p:ph sz="half" idx="1"/>
           </p:nvPr>
         </p:nvSpPr>
-        <p:spPr/>
+        <p:spPr>
+          <a:xfrm>
+            <a:off x="628650" y="1369219"/>
+            <a:ext cx="3886200" cy="3263504"/>
+          </a:xfrm>
+        </p:spPr>
         <p:txBody>
-          <a:bodyPr/>
+          <a:bodyPr>
+            <a:normAutofit/>
+          </a:bodyPr>
           <a:lstStyle/>
           <a:p>
-            <a:endParaRPr lang="en-US"/>
+            <a:r>
+              <a:rPr lang="en-US" i="1" dirty="0"/>
+              <a:t>Cube</a:t>
+            </a:r>
+            <a:r>
+              <a:rPr lang="en-US" dirty="0"/>
+              <a:t> is a first-person shooter </a:t>
+            </a:r>
+            <a:r>
+              <a:rPr lang="en-US" i="1" dirty="0"/>
+              <a:t>video game</a:t>
+            </a:r>
+            <a:endParaRPr lang="en-US" dirty="0"/>
+          </a:p>
+          <a:p>
+            <a:pPr lvl="1"/>
+            <a:r>
+              <a:rPr lang="en-US" dirty="0"/>
+              <a:t>Vulnerabilities in </a:t>
+            </a:r>
+            <a:r>
+              <a:rPr lang="en-US" i="1" dirty="0"/>
+              <a:t>engines</a:t>
+            </a:r>
+            <a:r>
+              <a:rPr lang="en-US" dirty="0"/>
+              <a:t> effect the </a:t>
+            </a:r>
+            <a:r>
+              <a:rPr lang="en-US" i="1" dirty="0"/>
+              <a:t>server side</a:t>
+            </a:r>
+            <a:endParaRPr lang="en-US" dirty="0"/>
+          </a:p>
+          <a:p>
+            <a:pPr lvl="1"/>
+            <a:r>
+              <a:rPr lang="en-US" dirty="0"/>
+              <a:t>Code execution on the gaming server would be real bad!</a:t>
+            </a:r>
+          </a:p>
+          <a:p>
+            <a:endParaRPr lang="en-US" dirty="0"/>
           </a:p>
         </p:txBody>
       </p:sp>
+      <p:pic>
+        <p:nvPicPr>
+          <p:cNvPr id="1026" name="Picture 2" descr="Cube (video game) - Wikipedia">
+            <a:extLst>
+              <a:ext uri="{FF2B5EF4-FFF2-40B4-BE49-F238E27FC236}">
+                <a16:creationId xmlns:a16="http://schemas.microsoft.com/office/drawing/2014/main" id="{B80A9195-2857-954B-916C-A8B88D8D4CF3}"/>
+              </a:ext>
+            </a:extLst>
+          </p:cNvPr>
+          <p:cNvPicPr>
+            <a:picLocks noChangeAspect="1" noChangeArrowheads="1"/>
+          </p:cNvPicPr>
+          <p:nvPr/>
+        </p:nvPicPr>
+        <p:blipFill rotWithShape="1">
+          <a:blip r:embed="rId3">
+            <a:extLst>
+              <a:ext uri="{28A0092B-C50C-407E-A947-70E740481C1C}">
+                <a14:useLocalDpi xmlns:a14="http://schemas.microsoft.com/office/drawing/2010/main" val="0"/>
+              </a:ext>
+            </a:extLst>
+          </a:blip>
+          <a:srcRect l="10689" r="1" b="1"/>
+          <a:stretch/>
+        </p:blipFill>
+        <p:spPr bwMode="auto">
+          <a:xfrm>
+            <a:off x="4629150" y="1369219"/>
+            <a:ext cx="3886200" cy="3263504"/>
+          </a:xfrm>
+          <a:prstGeom prst="rect">
+            <a:avLst/>
+          </a:prstGeom>
+          <a:solidFill>
+            <a:srgbClr val="FFFFFF"/>
+          </a:solidFill>
+        </p:spPr>
+      </p:pic>
     </p:spTree>
     <p:extLst>
       <p:ext uri="{BB962C8B-B14F-4D97-AF65-F5344CB8AC3E}">
-        <p14:creationId xmlns:p14="http://schemas.microsoft.com/office/powerpoint/2010/main" val="890408854"/>
+        <p14:creationId xmlns:p14="http://schemas.microsoft.com/office/powerpoint/2010/main" val="795258359"/>
       </p:ext>
     </p:extLst>
   </p:cSld>
@@ -39293,8 +43147,8 @@
 </p:sld>
 </file>
 
-<file path=ppt/slides/slide43.xml><?xml version="1.0" encoding="utf-8"?>
-<p:sld xmlns:a="http://schemas.openxmlformats.org/drawingml/2006/main" xmlns:r="http://schemas.openxmlformats.org/officeDocument/2006/relationships" xmlns:p="http://schemas.openxmlformats.org/presentationml/2006/main" show="0">
+<file path=ppt/slides/slide45.xml><?xml version="1.0" encoding="utf-8"?>
+<p:sld xmlns:a="http://schemas.openxmlformats.org/drawingml/2006/main" xmlns:r="http://schemas.openxmlformats.org/officeDocument/2006/relationships" xmlns:p="http://schemas.openxmlformats.org/presentationml/2006/main">
   <p:cSld>
     <p:spTree>
       <p:nvGrpSpPr>
@@ -39312,359 +43166,10 @@
       </p:grpSpPr>
       <p:sp>
         <p:nvSpPr>
-          <p:cNvPr id="2" name="Title 1">
+          <p:cNvPr id="10" name="Title 1">
             <a:extLst>
               <a:ext uri="{FF2B5EF4-FFF2-40B4-BE49-F238E27FC236}">
-                <a16:creationId xmlns:a16="http://schemas.microsoft.com/office/drawing/2014/main" id="{97A88B1B-40CC-7944-86BF-999A6850B026}"/>
-              </a:ext>
-            </a:extLst>
-          </p:cNvPr>
-          <p:cNvSpPr>
-            <a:spLocks noGrp="1"/>
-          </p:cNvSpPr>
-          <p:nvPr>
-            <p:ph type="title"/>
-          </p:nvPr>
-        </p:nvSpPr>
-        <p:spPr/>
-        <p:txBody>
-          <a:bodyPr/>
-          <a:lstStyle/>
-          <a:p>
-            <a:r>
-              <a:rPr lang="en-US" dirty="0"/>
-              <a:t>Large Bin Attack</a:t>
-            </a:r>
-          </a:p>
-        </p:txBody>
-      </p:sp>
-      <p:sp>
-        <p:nvSpPr>
-          <p:cNvPr id="3" name="Content Placeholder 2">
-            <a:extLst>
-              <a:ext uri="{FF2B5EF4-FFF2-40B4-BE49-F238E27FC236}">
-                <a16:creationId xmlns:a16="http://schemas.microsoft.com/office/drawing/2014/main" id="{E521B419-7A13-5242-955F-05F3E38038FF}"/>
-              </a:ext>
-            </a:extLst>
-          </p:cNvPr>
-          <p:cNvSpPr>
-            <a:spLocks noGrp="1"/>
-          </p:cNvSpPr>
-          <p:nvPr>
-            <p:ph idx="1"/>
-          </p:nvPr>
-        </p:nvSpPr>
-        <p:spPr/>
-        <p:txBody>
-          <a:bodyPr/>
-          <a:lstStyle/>
-          <a:p>
-            <a:r>
-              <a:rPr lang="en-US" dirty="0"/>
-              <a:t>Mostly resembles </a:t>
-            </a:r>
-            <a:r>
-              <a:rPr lang="en-US" i="1" dirty="0"/>
-              <a:t>unsorted bin attack</a:t>
-            </a:r>
-          </a:p>
-          <a:p>
-            <a:r>
-              <a:rPr lang="en-US" dirty="0"/>
-              <a:t>Can be used in place of the unsorted bin attack</a:t>
-            </a:r>
-          </a:p>
-          <a:p>
-            <a:r>
-              <a:rPr lang="en-US"/>
-              <a:t>TODO</a:t>
-            </a:r>
-            <a:endParaRPr lang="en-US" dirty="0"/>
-          </a:p>
-        </p:txBody>
-      </p:sp>
-    </p:spTree>
-    <p:extLst>
-      <p:ext uri="{BB962C8B-B14F-4D97-AF65-F5344CB8AC3E}">
-        <p14:creationId xmlns:p14="http://schemas.microsoft.com/office/powerpoint/2010/main" val="3436976313"/>
-      </p:ext>
-    </p:extLst>
-  </p:cSld>
-  <p:clrMapOvr>
-    <a:masterClrMapping/>
-  </p:clrMapOvr>
-</p:sld>
-</file>
-
-<file path=ppt/slides/slide44.xml><?xml version="1.0" encoding="utf-8"?>
-<p:sld xmlns:a="http://schemas.openxmlformats.org/drawingml/2006/main" xmlns:r="http://schemas.openxmlformats.org/officeDocument/2006/relationships" xmlns:p="http://schemas.openxmlformats.org/presentationml/2006/main" show="0">
-  <p:cSld>
-    <p:spTree>
-      <p:nvGrpSpPr>
-        <p:cNvPr id="1" name=""/>
-        <p:cNvGrpSpPr/>
-        <p:nvPr/>
-      </p:nvGrpSpPr>
-      <p:grpSpPr>
-        <a:xfrm>
-          <a:off x="0" y="0"/>
-          <a:ext cx="0" cy="0"/>
-          <a:chOff x="0" y="0"/>
-          <a:chExt cx="0" cy="0"/>
-        </a:xfrm>
-      </p:grpSpPr>
-      <p:sp>
-        <p:nvSpPr>
-          <p:cNvPr id="2" name="Title 1">
-            <a:extLst>
-              <a:ext uri="{FF2B5EF4-FFF2-40B4-BE49-F238E27FC236}">
-                <a16:creationId xmlns:a16="http://schemas.microsoft.com/office/drawing/2014/main" id="{72AF943D-68DB-E340-8806-2677B9FF5994}"/>
-              </a:ext>
-            </a:extLst>
-          </p:cNvPr>
-          <p:cNvSpPr>
-            <a:spLocks noGrp="1"/>
-          </p:cNvSpPr>
-          <p:nvPr>
-            <p:ph type="title"/>
-          </p:nvPr>
-        </p:nvSpPr>
-        <p:spPr/>
-        <p:txBody>
-          <a:bodyPr/>
-          <a:lstStyle/>
-          <a:p>
-            <a:r>
-              <a:rPr lang="en-US" dirty="0"/>
-              <a:t>Large Bin      vs. Unsorted Bin</a:t>
-            </a:r>
-          </a:p>
-        </p:txBody>
-      </p:sp>
-      <p:sp>
-        <p:nvSpPr>
-          <p:cNvPr id="3" name="Content Placeholder 2">
-            <a:extLst>
-              <a:ext uri="{FF2B5EF4-FFF2-40B4-BE49-F238E27FC236}">
-                <a16:creationId xmlns:a16="http://schemas.microsoft.com/office/drawing/2014/main" id="{A5421F96-6AE6-7241-A2CA-DD5D1000B854}"/>
-              </a:ext>
-            </a:extLst>
-          </p:cNvPr>
-          <p:cNvSpPr>
-            <a:spLocks noGrp="1"/>
-          </p:cNvSpPr>
-          <p:nvPr>
-            <p:ph sz="half" idx="1"/>
-          </p:nvPr>
-        </p:nvSpPr>
-        <p:spPr>
-          <a:xfrm>
-            <a:off x="628650" y="1268018"/>
-            <a:ext cx="3886200" cy="3788075"/>
-          </a:xfrm>
-        </p:spPr>
-        <p:txBody>
-          <a:bodyPr>
-            <a:normAutofit fontScale="92500"/>
-          </a:bodyPr>
-          <a:lstStyle/>
-          <a:p>
-            <a:r>
-              <a:rPr lang="en-US" dirty="0"/>
-              <a:t>Write – WHERE</a:t>
-            </a:r>
-          </a:p>
-          <a:p>
-            <a:r>
-              <a:rPr lang="en-US" dirty="0"/>
-              <a:t>Write </a:t>
-            </a:r>
-            <a:r>
-              <a:rPr lang="en-US" b="1" dirty="0"/>
-              <a:t>TWO </a:t>
-            </a:r>
-            <a:r>
-              <a:rPr lang="en-US" dirty="0"/>
-              <a:t>values</a:t>
-            </a:r>
-          </a:p>
-          <a:p>
-            <a:r>
-              <a:rPr lang="en-US" dirty="0"/>
-              <a:t>Pre </a:t>
-            </a:r>
-            <a:r>
-              <a:rPr lang="en-US" dirty="0" err="1"/>
-              <a:t>Reqs</a:t>
-            </a:r>
-            <a:r>
-              <a:rPr lang="en-US" dirty="0"/>
-              <a:t>: </a:t>
-            </a:r>
-          </a:p>
-          <a:p>
-            <a:pPr lvl="1"/>
-            <a:r>
-              <a:rPr lang="en-US" i="1" dirty="0"/>
-              <a:t>Very complicated allocation setup</a:t>
-            </a:r>
-          </a:p>
-          <a:p>
-            <a:pPr lvl="1"/>
-            <a:r>
-              <a:rPr lang="en-US" dirty="0"/>
-              <a:t>Overwrite bk ptr and/or </a:t>
-            </a:r>
-            <a:r>
-              <a:rPr lang="en-US" dirty="0" err="1"/>
-              <a:t>bk_nextsize</a:t>
-            </a:r>
-            <a:endParaRPr lang="en-US" dirty="0"/>
-          </a:p>
-          <a:p>
-            <a:pPr lvl="1"/>
-            <a:r>
-              <a:rPr lang="en-US" dirty="0"/>
-              <a:t>Allocation must be the same size as the chunk</a:t>
-            </a:r>
-          </a:p>
-          <a:p>
-            <a:pPr lvl="1"/>
-            <a:r>
-              <a:rPr lang="en-US" dirty="0"/>
-              <a:t>Maybe require leak </a:t>
-            </a:r>
-          </a:p>
-          <a:p>
-            <a:pPr lvl="1"/>
-            <a:endParaRPr lang="en-US" dirty="0"/>
-          </a:p>
-        </p:txBody>
-      </p:sp>
-      <p:sp>
-        <p:nvSpPr>
-          <p:cNvPr id="4" name="Content Placeholder 3">
-            <a:extLst>
-              <a:ext uri="{FF2B5EF4-FFF2-40B4-BE49-F238E27FC236}">
-                <a16:creationId xmlns:a16="http://schemas.microsoft.com/office/drawing/2014/main" id="{A543349F-6DA2-D14E-934D-BD7405939D8D}"/>
-              </a:ext>
-            </a:extLst>
-          </p:cNvPr>
-          <p:cNvSpPr>
-            <a:spLocks noGrp="1"/>
-          </p:cNvSpPr>
-          <p:nvPr>
-            <p:ph sz="half" idx="2"/>
-          </p:nvPr>
-        </p:nvSpPr>
-        <p:spPr>
-          <a:xfrm>
-            <a:off x="4629150" y="1268019"/>
-            <a:ext cx="3886200" cy="3698428"/>
-          </a:xfrm>
-        </p:spPr>
-        <p:txBody>
-          <a:bodyPr>
-            <a:normAutofit fontScale="92500"/>
-          </a:bodyPr>
-          <a:lstStyle/>
-          <a:p>
-            <a:r>
-              <a:rPr lang="en-US" dirty="0"/>
-              <a:t>Write - WHERE</a:t>
-            </a:r>
-          </a:p>
-          <a:p>
-            <a:r>
-              <a:rPr lang="en-US" dirty="0"/>
-              <a:t>Write </a:t>
-            </a:r>
-            <a:r>
-              <a:rPr lang="en-US" b="1" dirty="0"/>
-              <a:t>ONE </a:t>
-            </a:r>
-            <a:r>
-              <a:rPr lang="en-US" dirty="0"/>
-              <a:t>value</a:t>
-            </a:r>
-          </a:p>
-          <a:p>
-            <a:r>
-              <a:rPr lang="en-US" dirty="0"/>
-              <a:t>Pre </a:t>
-            </a:r>
-            <a:r>
-              <a:rPr lang="en-US" dirty="0" err="1"/>
-              <a:t>Reqs</a:t>
-            </a:r>
-            <a:r>
-              <a:rPr lang="en-US" dirty="0"/>
-              <a:t>: </a:t>
-            </a:r>
-          </a:p>
-          <a:p>
-            <a:pPr lvl="1"/>
-            <a:r>
-              <a:rPr lang="en-US" dirty="0"/>
-              <a:t>Allocation must be the same size as the chunk</a:t>
-            </a:r>
-          </a:p>
-          <a:p>
-            <a:pPr lvl="1"/>
-            <a:r>
-              <a:rPr lang="en-US" dirty="0"/>
-              <a:t>Overwrite bk ptr</a:t>
-            </a:r>
-          </a:p>
-          <a:p>
-            <a:pPr lvl="1"/>
-            <a:r>
-              <a:rPr lang="en-US" dirty="0"/>
-              <a:t>May require leak</a:t>
-            </a:r>
-          </a:p>
-          <a:p>
-            <a:pPr lvl="1"/>
-            <a:endParaRPr lang="en-US" dirty="0"/>
-          </a:p>
-        </p:txBody>
-      </p:sp>
-    </p:spTree>
-    <p:extLst>
-      <p:ext uri="{BB962C8B-B14F-4D97-AF65-F5344CB8AC3E}">
-        <p14:creationId xmlns:p14="http://schemas.microsoft.com/office/powerpoint/2010/main" val="3430955969"/>
-      </p:ext>
-    </p:extLst>
-  </p:cSld>
-  <p:clrMapOvr>
-    <a:masterClrMapping/>
-  </p:clrMapOvr>
-</p:sld>
-</file>
-
-<file path=ppt/slides/slide45.xml><?xml version="1.0" encoding="utf-8"?>
-<p:sld xmlns:a="http://schemas.openxmlformats.org/drawingml/2006/main" xmlns:r="http://schemas.openxmlformats.org/officeDocument/2006/relationships" xmlns:p="http://schemas.openxmlformats.org/presentationml/2006/main" show="0">
-  <p:cSld>
-    <p:spTree>
-      <p:nvGrpSpPr>
-        <p:cNvPr id="1" name=""/>
-        <p:cNvGrpSpPr/>
-        <p:nvPr/>
-      </p:nvGrpSpPr>
-      <p:grpSpPr>
-        <a:xfrm>
-          <a:off x="0" y="0"/>
-          <a:ext cx="0" cy="0"/>
-          <a:chOff x="0" y="0"/>
-          <a:chExt cx="0" cy="0"/>
-        </a:xfrm>
-      </p:grpSpPr>
-      <p:sp>
-        <p:nvSpPr>
-          <p:cNvPr id="2" name="Title 1">
-            <a:extLst>
-              <a:ext uri="{FF2B5EF4-FFF2-40B4-BE49-F238E27FC236}">
-                <a16:creationId xmlns:a16="http://schemas.microsoft.com/office/drawing/2014/main" id="{49FFF27C-ED70-B24F-BC53-CE73EDE6AE2E}"/>
+                <a16:creationId xmlns:a16="http://schemas.microsoft.com/office/drawing/2014/main" id="{1FC06EB3-B5C1-4AAF-A9DE-448886807305}"/>
               </a:ext>
             </a:extLst>
           </p:cNvPr>
@@ -39677,19 +43182,258 @@
         </p:nvSpPr>
         <p:spPr>
           <a:xfrm>
-            <a:off x="1041027" y="1726129"/>
+            <a:off x="628650" y="273847"/>
             <a:ext cx="7886700" cy="994172"/>
           </a:xfrm>
         </p:spPr>
         <p:txBody>
-          <a:bodyPr>
+          <a:bodyPr/>
+          <a:lstStyle/>
+          <a:p>
+            <a:r>
+              <a:rPr lang="en-US" dirty="0"/>
+              <a:t>The Bug – Bad Bounds Check</a:t>
+            </a:r>
+          </a:p>
+        </p:txBody>
+      </p:sp>
+      <p:pic>
+        <p:nvPicPr>
+          <p:cNvPr id="5" name="Content Placeholder 4" descr="Source code vulnerability in Cube Engine">
+            <a:extLst>
+              <a:ext uri="{FF2B5EF4-FFF2-40B4-BE49-F238E27FC236}">
+                <a16:creationId xmlns:a16="http://schemas.microsoft.com/office/drawing/2014/main" id="{4AD90709-6AA7-B445-B30D-C46A670A91D7}"/>
+              </a:ext>
+            </a:extLst>
+          </p:cNvPr>
+          <p:cNvPicPr>
+            <a:picLocks noGrp="1" noChangeAspect="1"/>
+          </p:cNvPicPr>
+          <p:nvPr>
+            <p:ph idx="1"/>
+          </p:nvPr>
+        </p:nvPicPr>
+        <p:blipFill>
+          <a:blip r:embed="rId2"/>
+          <a:stretch>
+            <a:fillRect/>
+          </a:stretch>
+        </p:blipFill>
+        <p:spPr>
+          <a:xfrm>
+            <a:off x="3008935" y="1236541"/>
+            <a:ext cx="5260995" cy="2321471"/>
+          </a:xfrm>
+          <a:noFill/>
+        </p:spPr>
+      </p:pic>
+      <p:sp>
+        <p:nvSpPr>
+          <p:cNvPr id="7" name="Content Placeholder 2">
+            <a:extLst>
+              <a:ext uri="{FF2B5EF4-FFF2-40B4-BE49-F238E27FC236}">
+                <a16:creationId xmlns:a16="http://schemas.microsoft.com/office/drawing/2014/main" id="{2E4CC764-D59D-704B-9324-C7D13EAA8B82}"/>
+              </a:ext>
+            </a:extLst>
+          </p:cNvPr>
+          <p:cNvSpPr txBox="1">
+            <a:spLocks/>
+          </p:cNvSpPr>
+          <p:nvPr/>
+        </p:nvSpPr>
+        <p:spPr>
+          <a:xfrm>
+            <a:off x="628650" y="1369219"/>
+            <a:ext cx="2540063" cy="3151487"/>
+          </a:xfrm>
+          <a:prstGeom prst="rect">
+            <a:avLst/>
+          </a:prstGeom>
+        </p:spPr>
+        <p:txBody>
+          <a:bodyPr vert="horz" lIns="91440" tIns="45720" rIns="91440" bIns="45720" rtlCol="0">
             <a:normAutofit/>
           </a:bodyPr>
-          <a:lstStyle/>
+          <a:lstStyle>
+            <a:lvl1pPr marL="228600" indent="-228600" algn="l" defTabSz="914400" rtl="0" eaLnBrk="1" latinLnBrk="0" hangingPunct="1">
+              <a:lnSpc>
+                <a:spcPct val="90000"/>
+              </a:lnSpc>
+              <a:spcBef>
+                <a:spcPts val="1000"/>
+              </a:spcBef>
+              <a:buFont typeface="Arial" panose="020B0604020202020204" pitchFamily="34" charset="0"/>
+              <a:buChar char="•"/>
+              <a:defRPr sz="2200" kern="1200">
+                <a:solidFill>
+                  <a:schemeClr val="tx1"/>
+                </a:solidFill>
+                <a:latin typeface="Avenir Book"/>
+                <a:ea typeface="+mn-ea"/>
+                <a:cs typeface="Avenir Book"/>
+              </a:defRPr>
+            </a:lvl1pPr>
+            <a:lvl2pPr marL="685800" indent="-228600" algn="l" defTabSz="914400" rtl="0" eaLnBrk="1" latinLnBrk="0" hangingPunct="1">
+              <a:lnSpc>
+                <a:spcPct val="90000"/>
+              </a:lnSpc>
+              <a:spcBef>
+                <a:spcPts val="500"/>
+              </a:spcBef>
+              <a:buFont typeface="Arial" panose="020B0604020202020204" pitchFamily="34" charset="0"/>
+              <a:buChar char="•"/>
+              <a:defRPr sz="2000" kern="1200">
+                <a:solidFill>
+                  <a:schemeClr val="tx1"/>
+                </a:solidFill>
+                <a:latin typeface="Avenir Book"/>
+                <a:ea typeface="+mn-ea"/>
+                <a:cs typeface="Avenir Book"/>
+              </a:defRPr>
+            </a:lvl2pPr>
+            <a:lvl3pPr marL="1143000" indent="-228600" algn="l" defTabSz="914400" rtl="0" eaLnBrk="1" latinLnBrk="0" hangingPunct="1">
+              <a:lnSpc>
+                <a:spcPct val="90000"/>
+              </a:lnSpc>
+              <a:spcBef>
+                <a:spcPts val="500"/>
+              </a:spcBef>
+              <a:buFont typeface="Arial" panose="020B0604020202020204" pitchFamily="34" charset="0"/>
+              <a:buChar char="•"/>
+              <a:defRPr sz="1800" kern="1200">
+                <a:solidFill>
+                  <a:schemeClr val="tx1"/>
+                </a:solidFill>
+                <a:latin typeface="Avenir Book"/>
+                <a:ea typeface="+mn-ea"/>
+                <a:cs typeface="Avenir Book"/>
+              </a:defRPr>
+            </a:lvl3pPr>
+            <a:lvl4pPr marL="1600200" indent="-228600" algn="l" defTabSz="914400" rtl="0" eaLnBrk="1" latinLnBrk="0" hangingPunct="1">
+              <a:lnSpc>
+                <a:spcPct val="90000"/>
+              </a:lnSpc>
+              <a:spcBef>
+                <a:spcPts val="500"/>
+              </a:spcBef>
+              <a:buFont typeface="Arial" panose="020B0604020202020204" pitchFamily="34" charset="0"/>
+              <a:buChar char="•"/>
+              <a:defRPr sz="2400" kern="1200">
+                <a:solidFill>
+                  <a:schemeClr val="tx1"/>
+                </a:solidFill>
+                <a:latin typeface="Avenir Book"/>
+                <a:ea typeface="+mn-ea"/>
+                <a:cs typeface="Avenir Book"/>
+              </a:defRPr>
+            </a:lvl4pPr>
+            <a:lvl5pPr marL="2057400" indent="-228600" algn="l" defTabSz="914400" rtl="0" eaLnBrk="1" latinLnBrk="0" hangingPunct="1">
+              <a:lnSpc>
+                <a:spcPct val="90000"/>
+              </a:lnSpc>
+              <a:spcBef>
+                <a:spcPts val="500"/>
+              </a:spcBef>
+              <a:buFont typeface="Arial" panose="020B0604020202020204" pitchFamily="34" charset="0"/>
+              <a:buChar char="•"/>
+              <a:defRPr sz="2400" kern="1200">
+                <a:solidFill>
+                  <a:schemeClr val="tx1"/>
+                </a:solidFill>
+                <a:latin typeface="Avenir Book"/>
+                <a:ea typeface="+mn-ea"/>
+                <a:cs typeface="Avenir Book"/>
+              </a:defRPr>
+            </a:lvl5pPr>
+            <a:lvl6pPr marL="2514600" indent="-228600" algn="l" defTabSz="914400" rtl="0" eaLnBrk="1" latinLnBrk="0" hangingPunct="1">
+              <a:lnSpc>
+                <a:spcPct val="90000"/>
+              </a:lnSpc>
+              <a:spcBef>
+                <a:spcPts val="500"/>
+              </a:spcBef>
+              <a:buFont typeface="Arial" panose="020B0604020202020204" pitchFamily="34" charset="0"/>
+              <a:buChar char="•"/>
+              <a:defRPr sz="1800" kern="1200">
+                <a:solidFill>
+                  <a:schemeClr val="tx1"/>
+                </a:solidFill>
+                <a:latin typeface="+mn-lt"/>
+                <a:ea typeface="+mn-ea"/>
+                <a:cs typeface="+mn-cs"/>
+              </a:defRPr>
+            </a:lvl6pPr>
+            <a:lvl7pPr marL="2971800" indent="-228600" algn="l" defTabSz="914400" rtl="0" eaLnBrk="1" latinLnBrk="0" hangingPunct="1">
+              <a:lnSpc>
+                <a:spcPct val="90000"/>
+              </a:lnSpc>
+              <a:spcBef>
+                <a:spcPts val="500"/>
+              </a:spcBef>
+              <a:buFont typeface="Arial" panose="020B0604020202020204" pitchFamily="34" charset="0"/>
+              <a:buChar char="•"/>
+              <a:defRPr sz="1800" kern="1200">
+                <a:solidFill>
+                  <a:schemeClr val="tx1"/>
+                </a:solidFill>
+                <a:latin typeface="+mn-lt"/>
+                <a:ea typeface="+mn-ea"/>
+                <a:cs typeface="+mn-cs"/>
+              </a:defRPr>
+            </a:lvl7pPr>
+            <a:lvl8pPr marL="3429000" indent="-228600" algn="l" defTabSz="914400" rtl="0" eaLnBrk="1" latinLnBrk="0" hangingPunct="1">
+              <a:lnSpc>
+                <a:spcPct val="90000"/>
+              </a:lnSpc>
+              <a:spcBef>
+                <a:spcPts val="500"/>
+              </a:spcBef>
+              <a:buFont typeface="Arial" panose="020B0604020202020204" pitchFamily="34" charset="0"/>
+              <a:buChar char="•"/>
+              <a:defRPr sz="1800" kern="1200">
+                <a:solidFill>
+                  <a:schemeClr val="tx1"/>
+                </a:solidFill>
+                <a:latin typeface="+mn-lt"/>
+                <a:ea typeface="+mn-ea"/>
+                <a:cs typeface="+mn-cs"/>
+              </a:defRPr>
+            </a:lvl8pPr>
+            <a:lvl9pPr marL="3886200" indent="-228600" algn="l" defTabSz="914400" rtl="0" eaLnBrk="1" latinLnBrk="0" hangingPunct="1">
+              <a:lnSpc>
+                <a:spcPct val="90000"/>
+              </a:lnSpc>
+              <a:spcBef>
+                <a:spcPts val="500"/>
+              </a:spcBef>
+              <a:buFont typeface="Arial" panose="020B0604020202020204" pitchFamily="34" charset="0"/>
+              <a:buChar char="•"/>
+              <a:defRPr sz="1800" kern="1200">
+                <a:solidFill>
+                  <a:schemeClr val="tx1"/>
+                </a:solidFill>
+                <a:latin typeface="+mn-lt"/>
+                <a:ea typeface="+mn-ea"/>
+                <a:cs typeface="+mn-cs"/>
+              </a:defRPr>
+            </a:lvl9pPr>
+          </a:lstStyle>
           <a:p>
             <a:r>
-              <a:rPr lang="en-US" sz="3200" dirty="0"/>
-              <a:t>Review Malloc 2.23 Lines 3542-3592</a:t>
+              <a:rPr lang="en-US" dirty="0"/>
+              <a:t>Bounds check is bad</a:t>
+            </a:r>
+          </a:p>
+          <a:p>
+            <a:r>
+              <a:rPr lang="en-US" dirty="0"/>
+              <a:t>No number is less than 0 AND greater than 10 (NUMGUNS)</a:t>
+            </a:r>
+          </a:p>
+          <a:p>
+            <a:r>
+              <a:rPr lang="en-US" dirty="0"/>
+              <a:t>Should be an OR instead of an AND</a:t>
             </a:r>
           </a:p>
         </p:txBody>
@@ -39697,7 +43441,7 @@
     </p:spTree>
     <p:extLst>
       <p:ext uri="{BB962C8B-B14F-4D97-AF65-F5344CB8AC3E}">
-        <p14:creationId xmlns:p14="http://schemas.microsoft.com/office/powerpoint/2010/main" val="2133363407"/>
+        <p14:creationId xmlns:p14="http://schemas.microsoft.com/office/powerpoint/2010/main" val="3595381246"/>
       </p:ext>
     </p:extLst>
   </p:cSld>
@@ -39729,7 +43473,7 @@
           <p:cNvPr id="2" name="Title 1">
             <a:extLst>
               <a:ext uri="{FF2B5EF4-FFF2-40B4-BE49-F238E27FC236}">
-                <a16:creationId xmlns:a16="http://schemas.microsoft.com/office/drawing/2014/main" id="{6BF46C3E-F7BF-EF4B-91AE-565DEB2469A8}"/>
+                <a16:creationId xmlns:a16="http://schemas.microsoft.com/office/drawing/2014/main" id="{C6BE335A-8B28-314F-BA7E-AFC6A51C0F02}"/>
               </a:ext>
             </a:extLst>
           </p:cNvPr>
@@ -39747,8 +43491,925 @@
           <a:p>
             <a:r>
               <a:rPr lang="en-US" dirty="0"/>
-              <a:t>Resources</a:t>
-            </a:r>
+              <a:t>Initial Exploit of the Bug</a:t>
+            </a:r>
+          </a:p>
+        </p:txBody>
+      </p:sp>
+      <p:pic>
+        <p:nvPicPr>
+          <p:cNvPr id="9" name="Content Placeholder 8" descr="Controlling the index of a value being written.">
+            <a:extLst>
+              <a:ext uri="{FF2B5EF4-FFF2-40B4-BE49-F238E27FC236}">
+                <a16:creationId xmlns:a16="http://schemas.microsoft.com/office/drawing/2014/main" id="{95657C0C-0F1C-2749-A932-E48D8D8B201A}"/>
+              </a:ext>
+            </a:extLst>
+          </p:cNvPr>
+          <p:cNvPicPr>
+            <a:picLocks noGrp="1" noChangeAspect="1"/>
+          </p:cNvPicPr>
+          <p:nvPr>
+            <p:ph idx="1"/>
+          </p:nvPr>
+        </p:nvPicPr>
+        <p:blipFill>
+          <a:blip r:embed="rId2"/>
+          <a:stretch>
+            <a:fillRect/>
+          </a:stretch>
+        </p:blipFill>
+        <p:spPr>
+          <a:xfrm>
+            <a:off x="3536015" y="1709455"/>
+            <a:ext cx="5251945" cy="1893824"/>
+          </a:xfrm>
+        </p:spPr>
+      </p:pic>
+      <p:cxnSp>
+        <p:nvCxnSpPr>
+          <p:cNvPr id="10" name="Straight Connector 9">
+            <a:extLst>
+              <a:ext uri="{FF2B5EF4-FFF2-40B4-BE49-F238E27FC236}">
+                <a16:creationId xmlns:a16="http://schemas.microsoft.com/office/drawing/2014/main" id="{250C7330-C757-7646-B0B5-0091F2ED0176}"/>
+              </a:ext>
+            </a:extLst>
+          </p:cNvPr>
+          <p:cNvCxnSpPr>
+            <a:cxnSpLocks/>
+          </p:cNvCxnSpPr>
+          <p:nvPr/>
+        </p:nvCxnSpPr>
+        <p:spPr>
+          <a:xfrm>
+            <a:off x="4572000" y="2113540"/>
+            <a:ext cx="1511929" cy="0"/>
+          </a:xfrm>
+          <a:prstGeom prst="line">
+            <a:avLst/>
+          </a:prstGeom>
+          <a:ln w="34925">
+            <a:solidFill>
+              <a:srgbClr val="FF0000"/>
+            </a:solidFill>
+          </a:ln>
+        </p:spPr>
+        <p:style>
+          <a:lnRef idx="1">
+            <a:schemeClr val="accent1"/>
+          </a:lnRef>
+          <a:fillRef idx="0">
+            <a:schemeClr val="accent1"/>
+          </a:fillRef>
+          <a:effectRef idx="0">
+            <a:schemeClr val="accent1"/>
+          </a:effectRef>
+          <a:fontRef idx="minor">
+            <a:schemeClr val="tx1"/>
+          </a:fontRef>
+        </p:style>
+      </p:cxnSp>
+      <p:sp>
+        <p:nvSpPr>
+          <p:cNvPr id="13" name="Content Placeholder 2">
+            <a:extLst>
+              <a:ext uri="{FF2B5EF4-FFF2-40B4-BE49-F238E27FC236}">
+                <a16:creationId xmlns:a16="http://schemas.microsoft.com/office/drawing/2014/main" id="{36ABD80E-A148-0946-8DC3-B65EC6474F88}"/>
+              </a:ext>
+            </a:extLst>
+          </p:cNvPr>
+          <p:cNvSpPr txBox="1">
+            <a:spLocks/>
+          </p:cNvSpPr>
+          <p:nvPr/>
+        </p:nvSpPr>
+        <p:spPr>
+          <a:xfrm>
+            <a:off x="628650" y="1369219"/>
+            <a:ext cx="2540063" cy="3151487"/>
+          </a:xfrm>
+          <a:prstGeom prst="rect">
+            <a:avLst/>
+          </a:prstGeom>
+        </p:spPr>
+        <p:txBody>
+          <a:bodyPr vert="horz" lIns="91440" tIns="45720" rIns="91440" bIns="45720" rtlCol="0">
+            <a:normAutofit/>
+          </a:bodyPr>
+          <a:lstStyle>
+            <a:lvl1pPr marL="228600" indent="-228600" algn="l" defTabSz="914400" rtl="0" eaLnBrk="1" latinLnBrk="0" hangingPunct="1">
+              <a:lnSpc>
+                <a:spcPct val="90000"/>
+              </a:lnSpc>
+              <a:spcBef>
+                <a:spcPts val="1000"/>
+              </a:spcBef>
+              <a:buFont typeface="Arial" panose="020B0604020202020204" pitchFamily="34" charset="0"/>
+              <a:buChar char="•"/>
+              <a:defRPr sz="2200" kern="1200">
+                <a:solidFill>
+                  <a:schemeClr val="tx1"/>
+                </a:solidFill>
+                <a:latin typeface="Avenir Book"/>
+                <a:ea typeface="+mn-ea"/>
+                <a:cs typeface="Avenir Book"/>
+              </a:defRPr>
+            </a:lvl1pPr>
+            <a:lvl2pPr marL="685800" indent="-228600" algn="l" defTabSz="914400" rtl="0" eaLnBrk="1" latinLnBrk="0" hangingPunct="1">
+              <a:lnSpc>
+                <a:spcPct val="90000"/>
+              </a:lnSpc>
+              <a:spcBef>
+                <a:spcPts val="500"/>
+              </a:spcBef>
+              <a:buFont typeface="Arial" panose="020B0604020202020204" pitchFamily="34" charset="0"/>
+              <a:buChar char="•"/>
+              <a:defRPr sz="2000" kern="1200">
+                <a:solidFill>
+                  <a:schemeClr val="tx1"/>
+                </a:solidFill>
+                <a:latin typeface="Avenir Book"/>
+                <a:ea typeface="+mn-ea"/>
+                <a:cs typeface="Avenir Book"/>
+              </a:defRPr>
+            </a:lvl2pPr>
+            <a:lvl3pPr marL="1143000" indent="-228600" algn="l" defTabSz="914400" rtl="0" eaLnBrk="1" latinLnBrk="0" hangingPunct="1">
+              <a:lnSpc>
+                <a:spcPct val="90000"/>
+              </a:lnSpc>
+              <a:spcBef>
+                <a:spcPts val="500"/>
+              </a:spcBef>
+              <a:buFont typeface="Arial" panose="020B0604020202020204" pitchFamily="34" charset="0"/>
+              <a:buChar char="•"/>
+              <a:defRPr sz="1800" kern="1200">
+                <a:solidFill>
+                  <a:schemeClr val="tx1"/>
+                </a:solidFill>
+                <a:latin typeface="Avenir Book"/>
+                <a:ea typeface="+mn-ea"/>
+                <a:cs typeface="Avenir Book"/>
+              </a:defRPr>
+            </a:lvl3pPr>
+            <a:lvl4pPr marL="1600200" indent="-228600" algn="l" defTabSz="914400" rtl="0" eaLnBrk="1" latinLnBrk="0" hangingPunct="1">
+              <a:lnSpc>
+                <a:spcPct val="90000"/>
+              </a:lnSpc>
+              <a:spcBef>
+                <a:spcPts val="500"/>
+              </a:spcBef>
+              <a:buFont typeface="Arial" panose="020B0604020202020204" pitchFamily="34" charset="0"/>
+              <a:buChar char="•"/>
+              <a:defRPr sz="2400" kern="1200">
+                <a:solidFill>
+                  <a:schemeClr val="tx1"/>
+                </a:solidFill>
+                <a:latin typeface="Avenir Book"/>
+                <a:ea typeface="+mn-ea"/>
+                <a:cs typeface="Avenir Book"/>
+              </a:defRPr>
+            </a:lvl4pPr>
+            <a:lvl5pPr marL="2057400" indent="-228600" algn="l" defTabSz="914400" rtl="0" eaLnBrk="1" latinLnBrk="0" hangingPunct="1">
+              <a:lnSpc>
+                <a:spcPct val="90000"/>
+              </a:lnSpc>
+              <a:spcBef>
+                <a:spcPts val="500"/>
+              </a:spcBef>
+              <a:buFont typeface="Arial" panose="020B0604020202020204" pitchFamily="34" charset="0"/>
+              <a:buChar char="•"/>
+              <a:defRPr sz="2400" kern="1200">
+                <a:solidFill>
+                  <a:schemeClr val="tx1"/>
+                </a:solidFill>
+                <a:latin typeface="Avenir Book"/>
+                <a:ea typeface="+mn-ea"/>
+                <a:cs typeface="Avenir Book"/>
+              </a:defRPr>
+            </a:lvl5pPr>
+            <a:lvl6pPr marL="2514600" indent="-228600" algn="l" defTabSz="914400" rtl="0" eaLnBrk="1" latinLnBrk="0" hangingPunct="1">
+              <a:lnSpc>
+                <a:spcPct val="90000"/>
+              </a:lnSpc>
+              <a:spcBef>
+                <a:spcPts val="500"/>
+              </a:spcBef>
+              <a:buFont typeface="Arial" panose="020B0604020202020204" pitchFamily="34" charset="0"/>
+              <a:buChar char="•"/>
+              <a:defRPr sz="1800" kern="1200">
+                <a:solidFill>
+                  <a:schemeClr val="tx1"/>
+                </a:solidFill>
+                <a:latin typeface="+mn-lt"/>
+                <a:ea typeface="+mn-ea"/>
+                <a:cs typeface="+mn-cs"/>
+              </a:defRPr>
+            </a:lvl6pPr>
+            <a:lvl7pPr marL="2971800" indent="-228600" algn="l" defTabSz="914400" rtl="0" eaLnBrk="1" latinLnBrk="0" hangingPunct="1">
+              <a:lnSpc>
+                <a:spcPct val="90000"/>
+              </a:lnSpc>
+              <a:spcBef>
+                <a:spcPts val="500"/>
+              </a:spcBef>
+              <a:buFont typeface="Arial" panose="020B0604020202020204" pitchFamily="34" charset="0"/>
+              <a:buChar char="•"/>
+              <a:defRPr sz="1800" kern="1200">
+                <a:solidFill>
+                  <a:schemeClr val="tx1"/>
+                </a:solidFill>
+                <a:latin typeface="+mn-lt"/>
+                <a:ea typeface="+mn-ea"/>
+                <a:cs typeface="+mn-cs"/>
+              </a:defRPr>
+            </a:lvl7pPr>
+            <a:lvl8pPr marL="3429000" indent="-228600" algn="l" defTabSz="914400" rtl="0" eaLnBrk="1" latinLnBrk="0" hangingPunct="1">
+              <a:lnSpc>
+                <a:spcPct val="90000"/>
+              </a:lnSpc>
+              <a:spcBef>
+                <a:spcPts val="500"/>
+              </a:spcBef>
+              <a:buFont typeface="Arial" panose="020B0604020202020204" pitchFamily="34" charset="0"/>
+              <a:buChar char="•"/>
+              <a:defRPr sz="1800" kern="1200">
+                <a:solidFill>
+                  <a:schemeClr val="tx1"/>
+                </a:solidFill>
+                <a:latin typeface="+mn-lt"/>
+                <a:ea typeface="+mn-ea"/>
+                <a:cs typeface="+mn-cs"/>
+              </a:defRPr>
+            </a:lvl8pPr>
+            <a:lvl9pPr marL="3886200" indent="-228600" algn="l" defTabSz="914400" rtl="0" eaLnBrk="1" latinLnBrk="0" hangingPunct="1">
+              <a:lnSpc>
+                <a:spcPct val="90000"/>
+              </a:lnSpc>
+              <a:spcBef>
+                <a:spcPts val="500"/>
+              </a:spcBef>
+              <a:buFont typeface="Arial" panose="020B0604020202020204" pitchFamily="34" charset="0"/>
+              <a:buChar char="•"/>
+              <a:defRPr sz="1800" kern="1200">
+                <a:solidFill>
+                  <a:schemeClr val="tx1"/>
+                </a:solidFill>
+                <a:latin typeface="+mn-lt"/>
+                <a:ea typeface="+mn-ea"/>
+                <a:cs typeface="+mn-cs"/>
+              </a:defRPr>
+            </a:lvl9pPr>
+          </a:lstStyle>
+          <a:p>
+            <a:r>
+              <a:rPr lang="en-US" dirty="0"/>
+              <a:t>We control </a:t>
+            </a:r>
+            <a:r>
+              <a:rPr lang="en-US" i="1" dirty="0" err="1"/>
+              <a:t>nextprimary</a:t>
+            </a:r>
+            <a:r>
+              <a:rPr lang="en-US" dirty="0"/>
+              <a:t> and </a:t>
+            </a:r>
+            <a:r>
+              <a:rPr lang="en-US" i="1" dirty="0"/>
+              <a:t>primary</a:t>
+            </a:r>
+            <a:r>
+              <a:rPr lang="en-US" dirty="0"/>
+              <a:t>.</a:t>
+            </a:r>
+          </a:p>
+          <a:p>
+            <a:r>
+              <a:rPr lang="en-US" dirty="0"/>
+              <a:t>Attacker controls </a:t>
+            </a:r>
+            <a:r>
+              <a:rPr lang="en-US" b="1" i="1" dirty="0"/>
+              <a:t>index</a:t>
+            </a:r>
+            <a:r>
+              <a:rPr lang="en-US" b="1" dirty="0"/>
+              <a:t> </a:t>
+            </a:r>
+            <a:r>
+              <a:rPr lang="en-US" dirty="0"/>
+              <a:t>of the write</a:t>
+            </a:r>
+          </a:p>
+          <a:p>
+            <a:r>
+              <a:rPr lang="en-US" dirty="0"/>
+              <a:t>But NOT the value (seemingly random integer).</a:t>
+            </a:r>
+          </a:p>
+        </p:txBody>
+      </p:sp>
+      <p:cxnSp>
+        <p:nvCxnSpPr>
+          <p:cNvPr id="14" name="Straight Connector 13">
+            <a:extLst>
+              <a:ext uri="{FF2B5EF4-FFF2-40B4-BE49-F238E27FC236}">
+                <a16:creationId xmlns:a16="http://schemas.microsoft.com/office/drawing/2014/main" id="{0A1D29E2-FB35-A347-84EE-91E79536F2BA}"/>
+              </a:ext>
+            </a:extLst>
+          </p:cNvPr>
+          <p:cNvCxnSpPr>
+            <a:cxnSpLocks/>
+          </p:cNvCxnSpPr>
+          <p:nvPr/>
+        </p:nvCxnSpPr>
+        <p:spPr>
+          <a:xfrm flipV="1">
+            <a:off x="4489010" y="2944962"/>
+            <a:ext cx="4129889" cy="9042"/>
+          </a:xfrm>
+          <a:prstGeom prst="line">
+            <a:avLst/>
+          </a:prstGeom>
+          <a:ln w="34925">
+            <a:solidFill>
+              <a:srgbClr val="FF0000"/>
+            </a:solidFill>
+          </a:ln>
+        </p:spPr>
+        <p:style>
+          <a:lnRef idx="1">
+            <a:schemeClr val="accent1"/>
+          </a:lnRef>
+          <a:fillRef idx="0">
+            <a:schemeClr val="accent1"/>
+          </a:fillRef>
+          <a:effectRef idx="0">
+            <a:schemeClr val="accent1"/>
+          </a:effectRef>
+          <a:fontRef idx="minor">
+            <a:schemeClr val="tx1"/>
+          </a:fontRef>
+        </p:style>
+      </p:cxnSp>
+      <p:cxnSp>
+        <p:nvCxnSpPr>
+          <p:cNvPr id="16" name="Straight Connector 15">
+            <a:extLst>
+              <a:ext uri="{FF2B5EF4-FFF2-40B4-BE49-F238E27FC236}">
+                <a16:creationId xmlns:a16="http://schemas.microsoft.com/office/drawing/2014/main" id="{9CE5CBDD-66F9-6B49-A30A-E2FEFF67A74A}"/>
+              </a:ext>
+            </a:extLst>
+          </p:cNvPr>
+          <p:cNvCxnSpPr>
+            <a:cxnSpLocks/>
+          </p:cNvCxnSpPr>
+          <p:nvPr/>
+        </p:nvCxnSpPr>
+        <p:spPr>
+          <a:xfrm flipV="1">
+            <a:off x="4489009" y="3178843"/>
+            <a:ext cx="4129889" cy="9042"/>
+          </a:xfrm>
+          <a:prstGeom prst="line">
+            <a:avLst/>
+          </a:prstGeom>
+          <a:ln w="34925">
+            <a:solidFill>
+              <a:srgbClr val="FF0000"/>
+            </a:solidFill>
+          </a:ln>
+        </p:spPr>
+        <p:style>
+          <a:lnRef idx="1">
+            <a:schemeClr val="accent1"/>
+          </a:lnRef>
+          <a:fillRef idx="0">
+            <a:schemeClr val="accent1"/>
+          </a:fillRef>
+          <a:effectRef idx="0">
+            <a:schemeClr val="accent1"/>
+          </a:effectRef>
+          <a:fontRef idx="minor">
+            <a:schemeClr val="tx1"/>
+          </a:fontRef>
+        </p:style>
+      </p:cxnSp>
+    </p:spTree>
+    <p:extLst>
+      <p:ext uri="{BB962C8B-B14F-4D97-AF65-F5344CB8AC3E}">
+        <p14:creationId xmlns:p14="http://schemas.microsoft.com/office/powerpoint/2010/main" val="66615413"/>
+      </p:ext>
+    </p:extLst>
+  </p:cSld>
+  <p:clrMapOvr>
+    <a:masterClrMapping/>
+  </p:clrMapOvr>
+</p:sld>
+</file>
+
+<file path=ppt/slides/slide47.xml><?xml version="1.0" encoding="utf-8"?>
+<p:sld xmlns:a="http://schemas.openxmlformats.org/drawingml/2006/main" xmlns:r="http://schemas.openxmlformats.org/officeDocument/2006/relationships" xmlns:p="http://schemas.openxmlformats.org/presentationml/2006/main">
+  <p:cSld>
+    <p:spTree>
+      <p:nvGrpSpPr>
+        <p:cNvPr id="1" name=""/>
+        <p:cNvGrpSpPr/>
+        <p:nvPr/>
+      </p:nvGrpSpPr>
+      <p:grpSpPr>
+        <a:xfrm>
+          <a:off x="0" y="0"/>
+          <a:ext cx="0" cy="0"/>
+          <a:chOff x="0" y="0"/>
+          <a:chExt cx="0" cy="0"/>
+        </a:xfrm>
+      </p:grpSpPr>
+      <p:sp>
+        <p:nvSpPr>
+          <p:cNvPr id="2" name="Title 1">
+            <a:extLst>
+              <a:ext uri="{FF2B5EF4-FFF2-40B4-BE49-F238E27FC236}">
+                <a16:creationId xmlns:a16="http://schemas.microsoft.com/office/drawing/2014/main" id="{D893BF75-7755-BC4D-B144-FC431B565E0A}"/>
+              </a:ext>
+            </a:extLst>
+          </p:cNvPr>
+          <p:cNvSpPr>
+            <a:spLocks noGrp="1"/>
+          </p:cNvSpPr>
+          <p:nvPr>
+            <p:ph type="title"/>
+          </p:nvPr>
+        </p:nvSpPr>
+        <p:spPr>
+          <a:xfrm>
+            <a:off x="628650" y="273847"/>
+            <a:ext cx="7886700" cy="994172"/>
+          </a:xfrm>
+        </p:spPr>
+        <p:txBody>
+          <a:bodyPr anchor="ctr">
+            <a:normAutofit/>
+          </a:bodyPr>
+          <a:lstStyle/>
+          <a:p>
+            <a:r>
+              <a:rPr lang="en-US" dirty="0"/>
+              <a:t>Why Is this Nice?</a:t>
+            </a:r>
+          </a:p>
+        </p:txBody>
+      </p:sp>
+      <p:graphicFrame>
+        <p:nvGraphicFramePr>
+          <p:cNvPr id="5" name="Content Placeholder 2">
+            <a:extLst>
+              <a:ext uri="{FF2B5EF4-FFF2-40B4-BE49-F238E27FC236}">
+                <a16:creationId xmlns:a16="http://schemas.microsoft.com/office/drawing/2014/main" id="{8DA2C88A-9A4B-4795-989B-3FD8ADCA1E1A}"/>
+              </a:ext>
+            </a:extLst>
+          </p:cNvPr>
+          <p:cNvGraphicFramePr>
+            <a:graphicFrameLocks noGrp="1"/>
+          </p:cNvGraphicFramePr>
+          <p:nvPr>
+            <p:ph idx="1"/>
+            <p:extLst>
+              <p:ext uri="{D42A27DB-BD31-4B8C-83A1-F6EECF244321}">
+                <p14:modId xmlns:p14="http://schemas.microsoft.com/office/powerpoint/2010/main" val="4259228636"/>
+              </p:ext>
+            </p:extLst>
+          </p:nvPr>
+        </p:nvGraphicFramePr>
+        <p:xfrm>
+          <a:off x="628650" y="1236541"/>
+          <a:ext cx="7886700" cy="3263504"/>
+        </p:xfrm>
+        <a:graphic>
+          <a:graphicData uri="http://schemas.openxmlformats.org/drawingml/2006/diagram">
+            <dgm:relIds xmlns:dgm="http://schemas.openxmlformats.org/drawingml/2006/diagram" xmlns:r="http://schemas.openxmlformats.org/officeDocument/2006/relationships" r:dm="rId2" r:lo="rId3" r:qs="rId4" r:cs="rId5"/>
+          </a:graphicData>
+        </a:graphic>
+      </p:graphicFrame>
+    </p:spTree>
+    <p:extLst>
+      <p:ext uri="{BB962C8B-B14F-4D97-AF65-F5344CB8AC3E}">
+        <p14:creationId xmlns:p14="http://schemas.microsoft.com/office/powerpoint/2010/main" val="650391989"/>
+      </p:ext>
+    </p:extLst>
+  </p:cSld>
+  <p:clrMapOvr>
+    <a:masterClrMapping/>
+  </p:clrMapOvr>
+</p:sld>
+</file>
+
+<file path=ppt/slides/slide48.xml><?xml version="1.0" encoding="utf-8"?>
+<p:sld xmlns:a="http://schemas.openxmlformats.org/drawingml/2006/main" xmlns:r="http://schemas.openxmlformats.org/officeDocument/2006/relationships" xmlns:p="http://schemas.openxmlformats.org/presentationml/2006/main">
+  <p:cSld>
+    <p:spTree>
+      <p:nvGrpSpPr>
+        <p:cNvPr id="1" name=""/>
+        <p:cNvGrpSpPr/>
+        <p:nvPr/>
+      </p:nvGrpSpPr>
+      <p:grpSpPr>
+        <a:xfrm>
+          <a:off x="0" y="0"/>
+          <a:ext cx="0" cy="0"/>
+          <a:chOff x="0" y="0"/>
+          <a:chExt cx="0" cy="0"/>
+        </a:xfrm>
+      </p:grpSpPr>
+      <p:sp>
+        <p:nvSpPr>
+          <p:cNvPr id="2" name="Title 1">
+            <a:extLst>
+              <a:ext uri="{FF2B5EF4-FFF2-40B4-BE49-F238E27FC236}">
+                <a16:creationId xmlns:a16="http://schemas.microsoft.com/office/drawing/2014/main" id="{5F6802EF-240E-0449-A403-C983286304E7}"/>
+              </a:ext>
+            </a:extLst>
+          </p:cNvPr>
+          <p:cNvSpPr>
+            <a:spLocks noGrp="1"/>
+          </p:cNvSpPr>
+          <p:nvPr>
+            <p:ph type="title"/>
+          </p:nvPr>
+        </p:nvSpPr>
+        <p:spPr/>
+        <p:txBody>
+          <a:bodyPr/>
+          <a:lstStyle/>
+          <a:p>
+            <a:r>
+              <a:rPr lang="en-US" dirty="0"/>
+              <a:t>C++ Vector in Cube Engine</a:t>
+            </a:r>
+          </a:p>
+        </p:txBody>
+      </p:sp>
+      <p:pic>
+        <p:nvPicPr>
+          <p:cNvPr id="5" name="Content Placeholder 4" descr="Cube Engine vector class: https://github.com/assaultcube/AC/blob/v1.2.0.2/source/src/tools.h#L375">
+            <a:extLst>
+              <a:ext uri="{FF2B5EF4-FFF2-40B4-BE49-F238E27FC236}">
+                <a16:creationId xmlns:a16="http://schemas.microsoft.com/office/drawing/2014/main" id="{731C365B-2E8A-AF40-AFB6-67D2F9908A49}"/>
+              </a:ext>
+            </a:extLst>
+          </p:cNvPr>
+          <p:cNvPicPr>
+            <a:picLocks noGrp="1" noChangeAspect="1"/>
+          </p:cNvPicPr>
+          <p:nvPr>
+            <p:ph idx="1"/>
+          </p:nvPr>
+        </p:nvPicPr>
+        <p:blipFill>
+          <a:blip r:embed="rId2"/>
+          <a:stretch>
+            <a:fillRect/>
+          </a:stretch>
+        </p:blipFill>
+        <p:spPr>
+          <a:xfrm>
+            <a:off x="6274052" y="3802596"/>
+            <a:ext cx="2659089" cy="1266233"/>
+          </a:xfrm>
+        </p:spPr>
+      </p:pic>
+      <p:sp>
+        <p:nvSpPr>
+          <p:cNvPr id="6" name="Content Placeholder 2">
+            <a:extLst>
+              <a:ext uri="{FF2B5EF4-FFF2-40B4-BE49-F238E27FC236}">
+                <a16:creationId xmlns:a16="http://schemas.microsoft.com/office/drawing/2014/main" id="{29C86181-0119-B245-B033-C2144BEAFDFF}"/>
+              </a:ext>
+            </a:extLst>
+          </p:cNvPr>
+          <p:cNvSpPr txBox="1">
+            <a:spLocks/>
+          </p:cNvSpPr>
+          <p:nvPr/>
+        </p:nvSpPr>
+        <p:spPr>
+          <a:xfrm>
+            <a:off x="5948128" y="1059254"/>
+            <a:ext cx="3512744" cy="3151487"/>
+          </a:xfrm>
+          <a:prstGeom prst="rect">
+            <a:avLst/>
+          </a:prstGeom>
+        </p:spPr>
+        <p:txBody>
+          <a:bodyPr vert="horz" lIns="91440" tIns="45720" rIns="91440" bIns="45720" rtlCol="0">
+            <a:normAutofit/>
+          </a:bodyPr>
+          <a:lstStyle>
+            <a:lvl1pPr marL="228600" indent="-228600" algn="l" defTabSz="914400" rtl="0" eaLnBrk="1" latinLnBrk="0" hangingPunct="1">
+              <a:lnSpc>
+                <a:spcPct val="90000"/>
+              </a:lnSpc>
+              <a:spcBef>
+                <a:spcPts val="1000"/>
+              </a:spcBef>
+              <a:buFont typeface="Arial" panose="020B0604020202020204" pitchFamily="34" charset="0"/>
+              <a:buChar char="•"/>
+              <a:defRPr sz="2200" kern="1200">
+                <a:solidFill>
+                  <a:schemeClr val="tx1"/>
+                </a:solidFill>
+                <a:latin typeface="Avenir Book"/>
+                <a:ea typeface="+mn-ea"/>
+                <a:cs typeface="Avenir Book"/>
+              </a:defRPr>
+            </a:lvl1pPr>
+            <a:lvl2pPr marL="685800" indent="-228600" algn="l" defTabSz="914400" rtl="0" eaLnBrk="1" latinLnBrk="0" hangingPunct="1">
+              <a:lnSpc>
+                <a:spcPct val="90000"/>
+              </a:lnSpc>
+              <a:spcBef>
+                <a:spcPts val="500"/>
+              </a:spcBef>
+              <a:buFont typeface="Arial" panose="020B0604020202020204" pitchFamily="34" charset="0"/>
+              <a:buChar char="•"/>
+              <a:defRPr sz="2000" kern="1200">
+                <a:solidFill>
+                  <a:schemeClr val="tx1"/>
+                </a:solidFill>
+                <a:latin typeface="Avenir Book"/>
+                <a:ea typeface="+mn-ea"/>
+                <a:cs typeface="Avenir Book"/>
+              </a:defRPr>
+            </a:lvl2pPr>
+            <a:lvl3pPr marL="1143000" indent="-228600" algn="l" defTabSz="914400" rtl="0" eaLnBrk="1" latinLnBrk="0" hangingPunct="1">
+              <a:lnSpc>
+                <a:spcPct val="90000"/>
+              </a:lnSpc>
+              <a:spcBef>
+                <a:spcPts val="500"/>
+              </a:spcBef>
+              <a:buFont typeface="Arial" panose="020B0604020202020204" pitchFamily="34" charset="0"/>
+              <a:buChar char="•"/>
+              <a:defRPr sz="1800" kern="1200">
+                <a:solidFill>
+                  <a:schemeClr val="tx1"/>
+                </a:solidFill>
+                <a:latin typeface="Avenir Book"/>
+                <a:ea typeface="+mn-ea"/>
+                <a:cs typeface="Avenir Book"/>
+              </a:defRPr>
+            </a:lvl3pPr>
+            <a:lvl4pPr marL="1600200" indent="-228600" algn="l" defTabSz="914400" rtl="0" eaLnBrk="1" latinLnBrk="0" hangingPunct="1">
+              <a:lnSpc>
+                <a:spcPct val="90000"/>
+              </a:lnSpc>
+              <a:spcBef>
+                <a:spcPts val="500"/>
+              </a:spcBef>
+              <a:buFont typeface="Arial" panose="020B0604020202020204" pitchFamily="34" charset="0"/>
+              <a:buChar char="•"/>
+              <a:defRPr sz="2400" kern="1200">
+                <a:solidFill>
+                  <a:schemeClr val="tx1"/>
+                </a:solidFill>
+                <a:latin typeface="Avenir Book"/>
+                <a:ea typeface="+mn-ea"/>
+                <a:cs typeface="Avenir Book"/>
+              </a:defRPr>
+            </a:lvl4pPr>
+            <a:lvl5pPr marL="2057400" indent="-228600" algn="l" defTabSz="914400" rtl="0" eaLnBrk="1" latinLnBrk="0" hangingPunct="1">
+              <a:lnSpc>
+                <a:spcPct val="90000"/>
+              </a:lnSpc>
+              <a:spcBef>
+                <a:spcPts val="500"/>
+              </a:spcBef>
+              <a:buFont typeface="Arial" panose="020B0604020202020204" pitchFamily="34" charset="0"/>
+              <a:buChar char="•"/>
+              <a:defRPr sz="2400" kern="1200">
+                <a:solidFill>
+                  <a:schemeClr val="tx1"/>
+                </a:solidFill>
+                <a:latin typeface="Avenir Book"/>
+                <a:ea typeface="+mn-ea"/>
+                <a:cs typeface="Avenir Book"/>
+              </a:defRPr>
+            </a:lvl5pPr>
+            <a:lvl6pPr marL="2514600" indent="-228600" algn="l" defTabSz="914400" rtl="0" eaLnBrk="1" latinLnBrk="0" hangingPunct="1">
+              <a:lnSpc>
+                <a:spcPct val="90000"/>
+              </a:lnSpc>
+              <a:spcBef>
+                <a:spcPts val="500"/>
+              </a:spcBef>
+              <a:buFont typeface="Arial" panose="020B0604020202020204" pitchFamily="34" charset="0"/>
+              <a:buChar char="•"/>
+              <a:defRPr sz="1800" kern="1200">
+                <a:solidFill>
+                  <a:schemeClr val="tx1"/>
+                </a:solidFill>
+                <a:latin typeface="+mn-lt"/>
+                <a:ea typeface="+mn-ea"/>
+                <a:cs typeface="+mn-cs"/>
+              </a:defRPr>
+            </a:lvl6pPr>
+            <a:lvl7pPr marL="2971800" indent="-228600" algn="l" defTabSz="914400" rtl="0" eaLnBrk="1" latinLnBrk="0" hangingPunct="1">
+              <a:lnSpc>
+                <a:spcPct val="90000"/>
+              </a:lnSpc>
+              <a:spcBef>
+                <a:spcPts val="500"/>
+              </a:spcBef>
+              <a:buFont typeface="Arial" panose="020B0604020202020204" pitchFamily="34" charset="0"/>
+              <a:buChar char="•"/>
+              <a:defRPr sz="1800" kern="1200">
+                <a:solidFill>
+                  <a:schemeClr val="tx1"/>
+                </a:solidFill>
+                <a:latin typeface="+mn-lt"/>
+                <a:ea typeface="+mn-ea"/>
+                <a:cs typeface="+mn-cs"/>
+              </a:defRPr>
+            </a:lvl7pPr>
+            <a:lvl8pPr marL="3429000" indent="-228600" algn="l" defTabSz="914400" rtl="0" eaLnBrk="1" latinLnBrk="0" hangingPunct="1">
+              <a:lnSpc>
+                <a:spcPct val="90000"/>
+              </a:lnSpc>
+              <a:spcBef>
+                <a:spcPts val="500"/>
+              </a:spcBef>
+              <a:buFont typeface="Arial" panose="020B0604020202020204" pitchFamily="34" charset="0"/>
+              <a:buChar char="•"/>
+              <a:defRPr sz="1800" kern="1200">
+                <a:solidFill>
+                  <a:schemeClr val="tx1"/>
+                </a:solidFill>
+                <a:latin typeface="+mn-lt"/>
+                <a:ea typeface="+mn-ea"/>
+                <a:cs typeface="+mn-cs"/>
+              </a:defRPr>
+            </a:lvl8pPr>
+            <a:lvl9pPr marL="3886200" indent="-228600" algn="l" defTabSz="914400" rtl="0" eaLnBrk="1" latinLnBrk="0" hangingPunct="1">
+              <a:lnSpc>
+                <a:spcPct val="90000"/>
+              </a:lnSpc>
+              <a:spcBef>
+                <a:spcPts val="500"/>
+              </a:spcBef>
+              <a:buFont typeface="Arial" panose="020B0604020202020204" pitchFamily="34" charset="0"/>
+              <a:buChar char="•"/>
+              <a:defRPr sz="1800" kern="1200">
+                <a:solidFill>
+                  <a:schemeClr val="tx1"/>
+                </a:solidFill>
+                <a:latin typeface="+mn-lt"/>
+                <a:ea typeface="+mn-ea"/>
+                <a:cs typeface="+mn-cs"/>
+              </a:defRPr>
+            </a:lvl9pPr>
+          </a:lstStyle>
+          <a:p>
+            <a:r>
+              <a:rPr lang="en-US" b="1" i="1" dirty="0" err="1"/>
+              <a:t>buf</a:t>
+            </a:r>
+            <a:r>
+              <a:rPr lang="en-US" dirty="0"/>
+              <a:t>: a pointer to a list of objects in memory</a:t>
+            </a:r>
+          </a:p>
+          <a:p>
+            <a:r>
+              <a:rPr lang="en-US" b="1" i="1" dirty="0" err="1"/>
+              <a:t>alen</a:t>
+            </a:r>
+            <a:r>
+              <a:rPr lang="en-US" dirty="0"/>
+              <a:t>: Amount of elements the vector CAN hold</a:t>
+            </a:r>
+          </a:p>
+          <a:p>
+            <a:pPr lvl="1"/>
+            <a:r>
+              <a:rPr lang="en-US" dirty="0"/>
+              <a:t>Hmmm….</a:t>
+            </a:r>
+          </a:p>
+          <a:p>
+            <a:r>
+              <a:rPr lang="en-US" b="1" i="1" dirty="0" err="1"/>
+              <a:t>ulen</a:t>
+            </a:r>
+            <a:r>
+              <a:rPr lang="en-US" b="1" i="1" dirty="0"/>
+              <a:t>: </a:t>
+            </a:r>
+            <a:r>
+              <a:rPr lang="en-US" dirty="0"/>
+              <a:t>Amount of elements DOES hold</a:t>
+            </a:r>
+            <a:endParaRPr lang="en-US" b="1" i="1" dirty="0"/>
+          </a:p>
+          <a:p>
+            <a:endParaRPr lang="en-US" dirty="0"/>
+          </a:p>
+        </p:txBody>
+      </p:sp>
+      <p:pic>
+        <p:nvPicPr>
+          <p:cNvPr id="10" name="Graphic 9" descr="Vector in Cube Engine">
+            <a:extLst>
+              <a:ext uri="{FF2B5EF4-FFF2-40B4-BE49-F238E27FC236}">
+                <a16:creationId xmlns:a16="http://schemas.microsoft.com/office/drawing/2014/main" id="{8D6E0907-0884-FE46-9FF3-3E3DE62375BF}"/>
+              </a:ext>
+            </a:extLst>
+          </p:cNvPr>
+          <p:cNvPicPr>
+            <a:picLocks noChangeAspect="1"/>
+          </p:cNvPicPr>
+          <p:nvPr/>
+        </p:nvPicPr>
+        <p:blipFill>
+          <a:blip r:embed="rId3">
+            <a:extLst>
+              <a:ext uri="{96DAC541-7B7A-43D3-8B79-37D633B846F1}">
+                <asvg:svgBlip xmlns:asvg="http://schemas.microsoft.com/office/drawing/2016/SVG/main" r:embed="rId4"/>
+              </a:ext>
+            </a:extLst>
+          </a:blip>
+          <a:stretch>
+            <a:fillRect/>
+          </a:stretch>
+        </p:blipFill>
+        <p:spPr>
+          <a:xfrm>
+            <a:off x="414950" y="1331565"/>
+            <a:ext cx="6143191" cy="2815629"/>
+          </a:xfrm>
+          <a:prstGeom prst="rect">
+            <a:avLst/>
+          </a:prstGeom>
+        </p:spPr>
+      </p:pic>
+    </p:spTree>
+    <p:extLst>
+      <p:ext uri="{BB962C8B-B14F-4D97-AF65-F5344CB8AC3E}">
+        <p14:creationId xmlns:p14="http://schemas.microsoft.com/office/powerpoint/2010/main" val="2784929832"/>
+      </p:ext>
+    </p:extLst>
+  </p:cSld>
+  <p:clrMapOvr>
+    <a:masterClrMapping/>
+  </p:clrMapOvr>
+</p:sld>
+</file>
+
+<file path=ppt/slides/slide49.xml><?xml version="1.0" encoding="utf-8"?>
+<p:sld xmlns:a="http://schemas.openxmlformats.org/drawingml/2006/main" xmlns:r="http://schemas.openxmlformats.org/officeDocument/2006/relationships" xmlns:p="http://schemas.openxmlformats.org/presentationml/2006/main">
+  <p:cSld>
+    <p:spTree>
+      <p:nvGrpSpPr>
+        <p:cNvPr id="1" name=""/>
+        <p:cNvGrpSpPr/>
+        <p:nvPr/>
+      </p:nvGrpSpPr>
+      <p:grpSpPr>
+        <a:xfrm>
+          <a:off x="0" y="0"/>
+          <a:ext cx="0" cy="0"/>
+          <a:chOff x="0" y="0"/>
+          <a:chExt cx="0" cy="0"/>
+        </a:xfrm>
+      </p:grpSpPr>
+      <p:sp>
+        <p:nvSpPr>
+          <p:cNvPr id="2" name="Title 1">
+            <a:extLst>
+              <a:ext uri="{FF2B5EF4-FFF2-40B4-BE49-F238E27FC236}">
+                <a16:creationId xmlns:a16="http://schemas.microsoft.com/office/drawing/2014/main" id="{4294C06B-1735-A140-B519-B06EF2B506B0}"/>
+              </a:ext>
+            </a:extLst>
+          </p:cNvPr>
+          <p:cNvSpPr>
+            <a:spLocks noGrp="1"/>
+          </p:cNvSpPr>
+          <p:nvPr>
+            <p:ph type="title"/>
+          </p:nvPr>
+        </p:nvSpPr>
+        <p:spPr/>
+        <p:txBody>
+          <a:bodyPr/>
+          <a:lstStyle/>
+          <a:p>
+            <a:r>
+              <a:rPr lang="en-US" dirty="0"/>
+              <a:t>Corrupt Size of Vector </a:t>
+            </a:r>
+            <a:r>
+              <a:rPr lang="en-US" b="1" i="1" dirty="0" err="1"/>
+              <a:t>alen</a:t>
+            </a:r>
+            <a:endParaRPr lang="en-US" b="1" i="1" dirty="0"/>
           </a:p>
         </p:txBody>
       </p:sp>
@@ -39757,7 +44418,7 @@
           <p:cNvPr id="3" name="Content Placeholder 2">
             <a:extLst>
               <a:ext uri="{FF2B5EF4-FFF2-40B4-BE49-F238E27FC236}">
-                <a16:creationId xmlns:a16="http://schemas.microsoft.com/office/drawing/2014/main" id="{BE24F301-81E8-EB47-AE33-4FEBD0B085DD}"/>
+                <a16:creationId xmlns:a16="http://schemas.microsoft.com/office/drawing/2014/main" id="{ED9AB1B3-EE43-2048-AEAB-638377637B33}"/>
               </a:ext>
             </a:extLst>
           </p:cNvPr>
@@ -39768,100 +44429,108 @@
             <p:ph idx="1"/>
           </p:nvPr>
         </p:nvSpPr>
-        <p:spPr/>
+        <p:spPr>
+          <a:xfrm>
+            <a:off x="628650" y="1236541"/>
+            <a:ext cx="3680800" cy="3724758"/>
+          </a:xfrm>
+        </p:spPr>
         <p:txBody>
           <a:bodyPr>
-            <a:normAutofit lnSpcReduction="10000"/>
+            <a:normAutofit fontScale="92500" lnSpcReduction="20000"/>
           </a:bodyPr>
           <a:lstStyle/>
           <a:p>
             <a:r>
               <a:rPr lang="en-US" dirty="0"/>
-              <a:t>C POC: </a:t>
+              <a:t>Increase the length of a vector!</a:t>
+            </a:r>
+          </a:p>
+          <a:p>
+            <a:pPr lvl="1"/>
+            <a:r>
+              <a:rPr lang="en-US" dirty="0"/>
+              <a:t>The ‘red’ section should not be writable by the user. </a:t>
+            </a:r>
+          </a:p>
+          <a:p>
+            <a:r>
+              <a:rPr lang="en-US" dirty="0"/>
+              <a:t>Leads to a buffer overflow.</a:t>
+            </a:r>
+          </a:p>
+          <a:p>
+            <a:pPr lvl="1"/>
+            <a:r>
+              <a:rPr lang="en-US" dirty="0"/>
+              <a:t>Size is larger than anticipated by the program</a:t>
+            </a:r>
+          </a:p>
+          <a:p>
+            <a:pPr lvl="1"/>
+            <a:r>
+              <a:rPr lang="en-US" dirty="0"/>
+              <a:t>Don’t care about the size. Large value is all we care about </a:t>
             </a:r>
             <a:r>
               <a:rPr lang="en-US" dirty="0">
-                <a:hlinkClick r:id="rId2"/>
+                <a:sym typeface="Wingdings" pitchFamily="2" charset="2"/>
               </a:rPr>
-              <a:t>https://github.com/shellphish/how2heap/blob/master/glibc_2.26/unsorted_bin_attack.c</a:t>
+              <a:t> </a:t>
             </a:r>
             <a:endParaRPr lang="en-US" dirty="0"/>
           </a:p>
           <a:p>
             <a:r>
               <a:rPr lang="en-US" dirty="0"/>
-              <a:t>Explanation: </a:t>
-            </a:r>
-            <a:br>
-              <a:rPr lang="en-US" dirty="0"/>
-            </a:br>
-            <a:r>
-              <a:rPr lang="en-US" dirty="0">
-                <a:hlinkClick r:id="rId3"/>
-              </a:rPr>
-              <a:t>https://dangokyo.me/2018/01/01/advanced-heap-exploitation-unsorted-bin-attack-overlapping-chunk/</a:t>
-            </a:r>
-            <a:r>
-              <a:rPr lang="en-US" dirty="0"/>
-              <a:t> </a:t>
-            </a:r>
-          </a:p>
-          <a:p>
-            <a:r>
-              <a:rPr lang="en-US" dirty="0"/>
-              <a:t>House of Mind – </a:t>
-            </a:r>
-            <a:r>
-              <a:rPr lang="en-US" dirty="0" err="1"/>
-              <a:t>Fastbin</a:t>
-            </a:r>
-            <a:r>
-              <a:rPr lang="en-US" dirty="0"/>
-              <a:t> variant: </a:t>
-            </a:r>
-            <a:r>
-              <a:rPr lang="en-US" dirty="0">
-                <a:hlinkClick r:id="rId4"/>
-              </a:rPr>
-              <a:t>https://maxwelldulin.com/BlogPost?post=2257705984</a:t>
-            </a:r>
-            <a:r>
-              <a:rPr lang="en-US" dirty="0"/>
-              <a:t> </a:t>
-            </a:r>
-          </a:p>
-          <a:p>
-            <a:r>
-              <a:rPr lang="en-US" dirty="0" err="1"/>
-              <a:t>LargeBin</a:t>
-            </a:r>
-            <a:r>
-              <a:rPr lang="en-US" dirty="0"/>
-              <a:t> Attack: </a:t>
-            </a:r>
-            <a:r>
-              <a:rPr lang="en-US" dirty="0">
-                <a:hlinkClick r:id="rId5"/>
-              </a:rPr>
-              <a:t>https://dangokyo.me/2018/04/07/a-revisit-to-large-bin-in-glibc/</a:t>
-            </a:r>
-            <a:endParaRPr lang="en-US" dirty="0"/>
-          </a:p>
-          <a:p>
-            <a:endParaRPr lang="en-US" dirty="0"/>
-          </a:p>
-          <a:p>
-            <a:endParaRPr lang="en-US" dirty="0"/>
+              <a:t>Anything useful to do this on?</a:t>
+            </a:r>
           </a:p>
           <a:p>
             <a:endParaRPr lang="en-US" dirty="0"/>
           </a:p>
         </p:txBody>
       </p:sp>
+      <p:pic>
+        <p:nvPicPr>
+          <p:cNvPr id="10" name="Graphic 9">
+            <a:extLst>
+              <a:ext uri="{FF2B5EF4-FFF2-40B4-BE49-F238E27FC236}">
+                <a16:creationId xmlns:a16="http://schemas.microsoft.com/office/drawing/2014/main" id="{30D5AE7B-ECF5-C94E-A5B9-BF4EBC1D5874}"/>
+              </a:ext>
+            </a:extLst>
+          </p:cNvPr>
+          <p:cNvPicPr>
+            <a:picLocks noChangeAspect="1"/>
+          </p:cNvPicPr>
+          <p:nvPr/>
+        </p:nvPicPr>
+        <p:blipFill>
+          <a:blip r:embed="rId2">
+            <a:extLst>
+              <a:ext uri="{96DAC541-7B7A-43D3-8B79-37D633B846F1}">
+                <asvg:svgBlip xmlns:asvg="http://schemas.microsoft.com/office/drawing/2016/SVG/main" r:embed="rId3"/>
+              </a:ext>
+            </a:extLst>
+          </a:blip>
+          <a:stretch>
+            <a:fillRect/>
+          </a:stretch>
+        </p:blipFill>
+        <p:spPr>
+          <a:xfrm>
+            <a:off x="4161575" y="986072"/>
+            <a:ext cx="4825447" cy="3558767"/>
+          </a:xfrm>
+          <a:prstGeom prst="rect">
+            <a:avLst/>
+          </a:prstGeom>
+        </p:spPr>
+      </p:pic>
     </p:spTree>
     <p:extLst>
       <p:ext uri="{BB962C8B-B14F-4D97-AF65-F5344CB8AC3E}">
-        <p14:creationId xmlns:p14="http://schemas.microsoft.com/office/powerpoint/2010/main" val="3562960349"/>
+        <p14:creationId xmlns:p14="http://schemas.microsoft.com/office/powerpoint/2010/main" val="521149143"/>
       </p:ext>
     </p:extLst>
   </p:cSld>
@@ -39941,8 +44610,8 @@
         </p:nvSpPr>
         <p:spPr>
           <a:xfrm>
-            <a:off x="4629150" y="1369219"/>
-            <a:ext cx="3886200" cy="3263504"/>
+            <a:off x="5771626" y="1268019"/>
+            <a:ext cx="3565846" cy="3446594"/>
           </a:xfrm>
         </p:spPr>
         <p:txBody>
@@ -40011,8 +44680,283 @@
         </p:blipFill>
         <p:spPr>
           <a:xfrm>
-            <a:off x="973737" y="1139118"/>
-            <a:ext cx="3046803" cy="3241280"/>
+            <a:off x="100530" y="1105562"/>
+            <a:ext cx="3204732" cy="3409290"/>
+          </a:xfrm>
+          <a:prstGeom prst="rect">
+            <a:avLst/>
+          </a:prstGeom>
+        </p:spPr>
+      </p:pic>
+      <p:pic>
+        <p:nvPicPr>
+          <p:cNvPr id="6" name="Picture 5" descr="GLibC malloc chunk">
+            <a:extLst>
+              <a:ext uri="{FF2B5EF4-FFF2-40B4-BE49-F238E27FC236}">
+                <a16:creationId xmlns:a16="http://schemas.microsoft.com/office/drawing/2014/main" id="{45E3D2F2-B2B3-E54C-8BE4-0749D2086D73}"/>
+              </a:ext>
+            </a:extLst>
+          </p:cNvPr>
+          <p:cNvPicPr>
+            <a:picLocks noChangeAspect="1"/>
+          </p:cNvPicPr>
+          <p:nvPr/>
+        </p:nvPicPr>
+        <p:blipFill>
+          <a:blip r:embed="rId3"/>
+          <a:stretch>
+            <a:fillRect/>
+          </a:stretch>
+        </p:blipFill>
+        <p:spPr>
+          <a:xfrm>
+            <a:off x="3665493" y="1249925"/>
+            <a:ext cx="1963519" cy="3263504"/>
+          </a:xfrm>
+          <a:prstGeom prst="rect">
+            <a:avLst/>
+          </a:prstGeom>
+          <a:noFill/>
+        </p:spPr>
+      </p:pic>
+      <p:cxnSp>
+        <p:nvCxnSpPr>
+          <p:cNvPr id="7" name="Straight Connector 6">
+            <a:extLst>
+              <a:ext uri="{FF2B5EF4-FFF2-40B4-BE49-F238E27FC236}">
+                <a16:creationId xmlns:a16="http://schemas.microsoft.com/office/drawing/2014/main" id="{14A20858-6EDA-654A-8DE9-3D77DBCEAAF1}"/>
+              </a:ext>
+            </a:extLst>
+          </p:cNvPr>
+          <p:cNvCxnSpPr>
+            <a:cxnSpLocks/>
+          </p:cNvCxnSpPr>
+          <p:nvPr/>
+        </p:nvCxnSpPr>
+        <p:spPr>
+          <a:xfrm>
+            <a:off x="3775581" y="3505736"/>
+            <a:ext cx="1743342" cy="0"/>
+          </a:xfrm>
+          <a:prstGeom prst="line">
+            <a:avLst/>
+          </a:prstGeom>
+          <a:ln w="57150">
+            <a:solidFill>
+              <a:srgbClr val="FF0000"/>
+            </a:solidFill>
+          </a:ln>
+        </p:spPr>
+        <p:style>
+          <a:lnRef idx="1">
+            <a:schemeClr val="accent1"/>
+          </a:lnRef>
+          <a:fillRef idx="0">
+            <a:schemeClr val="accent1"/>
+          </a:fillRef>
+          <a:effectRef idx="0">
+            <a:schemeClr val="accent1"/>
+          </a:effectRef>
+          <a:fontRef idx="minor">
+            <a:schemeClr val="tx1"/>
+          </a:fontRef>
+        </p:style>
+      </p:cxnSp>
+      <p:cxnSp>
+        <p:nvCxnSpPr>
+          <p:cNvPr id="8" name="Straight Connector 7">
+            <a:extLst>
+              <a:ext uri="{FF2B5EF4-FFF2-40B4-BE49-F238E27FC236}">
+                <a16:creationId xmlns:a16="http://schemas.microsoft.com/office/drawing/2014/main" id="{EA0789D1-FBB4-C544-9416-3CB5BB41AFAB}"/>
+              </a:ext>
+            </a:extLst>
+          </p:cNvPr>
+          <p:cNvCxnSpPr>
+            <a:cxnSpLocks/>
+          </p:cNvCxnSpPr>
+          <p:nvPr/>
+        </p:nvCxnSpPr>
+        <p:spPr>
+          <a:xfrm>
+            <a:off x="3775581" y="4228587"/>
+            <a:ext cx="1743342" cy="0"/>
+          </a:xfrm>
+          <a:prstGeom prst="line">
+            <a:avLst/>
+          </a:prstGeom>
+          <a:ln w="57150">
+            <a:solidFill>
+              <a:srgbClr val="FF0000"/>
+            </a:solidFill>
+          </a:ln>
+        </p:spPr>
+        <p:style>
+          <a:lnRef idx="1">
+            <a:schemeClr val="accent1"/>
+          </a:lnRef>
+          <a:fillRef idx="0">
+            <a:schemeClr val="accent1"/>
+          </a:fillRef>
+          <a:effectRef idx="0">
+            <a:schemeClr val="accent1"/>
+          </a:effectRef>
+          <a:fontRef idx="minor">
+            <a:schemeClr val="tx1"/>
+          </a:fontRef>
+        </p:style>
+      </p:cxnSp>
+    </p:spTree>
+    <p:extLst>
+      <p:ext uri="{BB962C8B-B14F-4D97-AF65-F5344CB8AC3E}">
+        <p14:creationId xmlns:p14="http://schemas.microsoft.com/office/powerpoint/2010/main" val="947947539"/>
+      </p:ext>
+    </p:extLst>
+  </p:cSld>
+  <p:clrMapOvr>
+    <a:masterClrMapping/>
+  </p:clrMapOvr>
+</p:sld>
+</file>
+
+<file path=ppt/slides/slide50.xml><?xml version="1.0" encoding="utf-8"?>
+<p:sld xmlns:a="http://schemas.openxmlformats.org/drawingml/2006/main" xmlns:r="http://schemas.openxmlformats.org/officeDocument/2006/relationships" xmlns:p="http://schemas.openxmlformats.org/presentationml/2006/main">
+  <p:cSld>
+    <p:spTree>
+      <p:nvGrpSpPr>
+        <p:cNvPr id="1" name=""/>
+        <p:cNvGrpSpPr/>
+        <p:nvPr/>
+      </p:nvGrpSpPr>
+      <p:grpSpPr>
+        <a:xfrm>
+          <a:off x="0" y="0"/>
+          <a:ext cx="0" cy="0"/>
+          <a:chOff x="0" y="0"/>
+          <a:chExt cx="0" cy="0"/>
+        </a:xfrm>
+      </p:grpSpPr>
+      <p:sp>
+        <p:nvSpPr>
+          <p:cNvPr id="2" name="Title 1">
+            <a:extLst>
+              <a:ext uri="{FF2B5EF4-FFF2-40B4-BE49-F238E27FC236}">
+                <a16:creationId xmlns:a16="http://schemas.microsoft.com/office/drawing/2014/main" id="{169B165E-583A-C84D-9AEC-141BBDBBC892}"/>
+              </a:ext>
+            </a:extLst>
+          </p:cNvPr>
+          <p:cNvSpPr>
+            <a:spLocks noGrp="1"/>
+          </p:cNvSpPr>
+          <p:nvPr>
+            <p:ph type="title"/>
+          </p:nvPr>
+        </p:nvSpPr>
+        <p:spPr/>
+        <p:txBody>
+          <a:bodyPr/>
+          <a:lstStyle/>
+          <a:p>
+            <a:r>
+              <a:rPr lang="en-US" dirty="0"/>
+              <a:t>Corrupting Messages Vector</a:t>
+            </a:r>
+          </a:p>
+        </p:txBody>
+      </p:sp>
+      <p:sp>
+        <p:nvSpPr>
+          <p:cNvPr id="3" name="Content Placeholder 2">
+            <a:extLst>
+              <a:ext uri="{FF2B5EF4-FFF2-40B4-BE49-F238E27FC236}">
+                <a16:creationId xmlns:a16="http://schemas.microsoft.com/office/drawing/2014/main" id="{77CA55DF-93D0-2944-A92C-184447474473}"/>
+              </a:ext>
+            </a:extLst>
+          </p:cNvPr>
+          <p:cNvSpPr>
+            <a:spLocks noGrp="1"/>
+          </p:cNvSpPr>
+          <p:nvPr>
+            <p:ph idx="1"/>
+          </p:nvPr>
+        </p:nvSpPr>
+        <p:spPr>
+          <a:xfrm>
+            <a:off x="628650" y="1236541"/>
+            <a:ext cx="4269275" cy="3633112"/>
+          </a:xfrm>
+        </p:spPr>
+        <p:txBody>
+          <a:bodyPr/>
+          <a:lstStyle/>
+          <a:p>
+            <a:r>
+              <a:rPr lang="en-US" dirty="0"/>
+              <a:t>User controllable buffer inside of it:</a:t>
+            </a:r>
+          </a:p>
+          <a:p>
+            <a:pPr lvl="1"/>
+            <a:r>
+              <a:rPr lang="en-US" dirty="0"/>
+              <a:t>Literally send a </a:t>
+            </a:r>
+            <a:r>
+              <a:rPr lang="en-US" i="1" dirty="0"/>
+              <a:t>text message</a:t>
+            </a:r>
+            <a:r>
+              <a:rPr lang="en-US" dirty="0"/>
+              <a:t> with our complete content</a:t>
+            </a:r>
+          </a:p>
+          <a:p>
+            <a:r>
+              <a:rPr lang="en-US" dirty="0"/>
+              <a:t>Easy to invoke object from the remote client</a:t>
+            </a:r>
+          </a:p>
+          <a:p>
+            <a:r>
+              <a:rPr lang="en-US" dirty="0"/>
+              <a:t>Corrupted size allows for a </a:t>
+            </a:r>
+            <a:r>
+              <a:rPr lang="en-US" b="1" i="1" u="sng" dirty="0"/>
+              <a:t>data controlled linear buffer overflow!</a:t>
+            </a:r>
+          </a:p>
+        </p:txBody>
+      </p:sp>
+      <p:pic>
+        <p:nvPicPr>
+          <p:cNvPr id="8" name="Graphic 7">
+            <a:extLst>
+              <a:ext uri="{FF2B5EF4-FFF2-40B4-BE49-F238E27FC236}">
+                <a16:creationId xmlns:a16="http://schemas.microsoft.com/office/drawing/2014/main" id="{BCA8FF1E-E4A2-A043-A504-274EAD1DBC80}"/>
+              </a:ext>
+            </a:extLst>
+          </p:cNvPr>
+          <p:cNvPicPr>
+            <a:picLocks noChangeAspect="1"/>
+          </p:cNvPicPr>
+          <p:nvPr/>
+        </p:nvPicPr>
+        <p:blipFill>
+          <a:blip r:embed="rId2">
+            <a:extLst>
+              <a:ext uri="{96DAC541-7B7A-43D3-8B79-37D633B846F1}">
+                <asvg:svgBlip xmlns:asvg="http://schemas.microsoft.com/office/drawing/2016/SVG/main" r:embed="rId3"/>
+              </a:ext>
+            </a:extLst>
+          </a:blip>
+          <a:stretch>
+            <a:fillRect/>
+          </a:stretch>
+        </p:blipFill>
+        <p:spPr>
+          <a:xfrm>
+            <a:off x="4782320" y="1019749"/>
+            <a:ext cx="4361680" cy="3362128"/>
           </a:xfrm>
           <a:prstGeom prst="rect">
             <a:avLst/>
@@ -40022,7 +44966,764 @@
     </p:spTree>
     <p:extLst>
       <p:ext uri="{BB962C8B-B14F-4D97-AF65-F5344CB8AC3E}">
-        <p14:creationId xmlns:p14="http://schemas.microsoft.com/office/powerpoint/2010/main" val="2815109796"/>
+        <p14:creationId xmlns:p14="http://schemas.microsoft.com/office/powerpoint/2010/main" val="753479955"/>
+      </p:ext>
+    </p:extLst>
+  </p:cSld>
+  <p:clrMapOvr>
+    <a:masterClrMapping/>
+  </p:clrMapOvr>
+</p:sld>
+</file>
+
+<file path=ppt/slides/slide51.xml><?xml version="1.0" encoding="utf-8"?>
+<p:sld xmlns:a="http://schemas.openxmlformats.org/drawingml/2006/main" xmlns:r="http://schemas.openxmlformats.org/officeDocument/2006/relationships" xmlns:p="http://schemas.openxmlformats.org/presentationml/2006/main">
+  <p:cSld>
+    <p:spTree>
+      <p:nvGrpSpPr>
+        <p:cNvPr id="1" name=""/>
+        <p:cNvGrpSpPr/>
+        <p:nvPr/>
+      </p:nvGrpSpPr>
+      <p:grpSpPr>
+        <a:xfrm>
+          <a:off x="0" y="0"/>
+          <a:ext cx="0" cy="0"/>
+          <a:chOff x="0" y="0"/>
+          <a:chExt cx="0" cy="0"/>
+        </a:xfrm>
+      </p:grpSpPr>
+      <p:sp>
+        <p:nvSpPr>
+          <p:cNvPr id="2" name="Title 1">
+            <a:extLst>
+              <a:ext uri="{FF2B5EF4-FFF2-40B4-BE49-F238E27FC236}">
+                <a16:creationId xmlns:a16="http://schemas.microsoft.com/office/drawing/2014/main" id="{7F40A8BA-2667-0E4F-A6DA-AFD7D5DD5461}"/>
+              </a:ext>
+            </a:extLst>
+          </p:cNvPr>
+          <p:cNvSpPr>
+            <a:spLocks noGrp="1"/>
+          </p:cNvSpPr>
+          <p:nvPr>
+            <p:ph type="title"/>
+          </p:nvPr>
+        </p:nvSpPr>
+        <p:spPr/>
+        <p:txBody>
+          <a:bodyPr/>
+          <a:lstStyle/>
+          <a:p>
+            <a:r>
+              <a:rPr lang="en-US" dirty="0"/>
+              <a:t>Control Flow Hijacking</a:t>
+            </a:r>
+          </a:p>
+        </p:txBody>
+      </p:sp>
+      <p:sp>
+        <p:nvSpPr>
+          <p:cNvPr id="3" name="Content Placeholder 2">
+            <a:extLst>
+              <a:ext uri="{FF2B5EF4-FFF2-40B4-BE49-F238E27FC236}">
+                <a16:creationId xmlns:a16="http://schemas.microsoft.com/office/drawing/2014/main" id="{0706F1D9-CF29-FA4A-B234-FEEB935F7665}"/>
+              </a:ext>
+            </a:extLst>
+          </p:cNvPr>
+          <p:cNvSpPr>
+            <a:spLocks noGrp="1"/>
+          </p:cNvSpPr>
+          <p:nvPr>
+            <p:ph idx="1"/>
+          </p:nvPr>
+        </p:nvSpPr>
+        <p:spPr>
+          <a:xfrm>
+            <a:off x="628650" y="1236541"/>
+            <a:ext cx="4414130" cy="3263504"/>
+          </a:xfrm>
+        </p:spPr>
+        <p:txBody>
+          <a:bodyPr>
+            <a:normAutofit lnSpcReduction="10000"/>
+          </a:bodyPr>
+          <a:lstStyle/>
+          <a:p>
+            <a:r>
+              <a:rPr lang="en-US" dirty="0"/>
+              <a:t>Set up another in front of the overflow</a:t>
+            </a:r>
+          </a:p>
+          <a:p>
+            <a:pPr lvl="1"/>
+            <a:r>
+              <a:rPr lang="en-US" dirty="0"/>
+              <a:t>Remember, we FULLY control the data now </a:t>
+            </a:r>
+            <a:r>
+              <a:rPr lang="en-US" dirty="0">
+                <a:sym typeface="Wingdings" pitchFamily="2" charset="2"/>
+              </a:rPr>
+              <a:t> </a:t>
+            </a:r>
+          </a:p>
+          <a:p>
+            <a:r>
+              <a:rPr lang="en-US" b="1" i="1" dirty="0" err="1">
+                <a:sym typeface="Wingdings" pitchFamily="2" charset="2"/>
+              </a:rPr>
+              <a:t>damorecord</a:t>
+            </a:r>
+            <a:r>
+              <a:rPr lang="en-US" b="1" i="1" dirty="0">
+                <a:sym typeface="Wingdings" pitchFamily="2" charset="2"/>
+              </a:rPr>
+              <a:t>:</a:t>
+            </a:r>
+          </a:p>
+          <a:p>
+            <a:pPr lvl="1"/>
+            <a:r>
+              <a:rPr lang="en-US" dirty="0">
+                <a:sym typeface="Wingdings" pitchFamily="2" charset="2"/>
+              </a:rPr>
+              <a:t>An object that sits directly after the messages object.</a:t>
+            </a:r>
+          </a:p>
+          <a:p>
+            <a:pPr lvl="1"/>
+            <a:r>
+              <a:rPr lang="en-US" dirty="0">
+                <a:sym typeface="Wingdings" pitchFamily="2" charset="2"/>
+              </a:rPr>
+              <a:t>Has </a:t>
+            </a:r>
+            <a:r>
+              <a:rPr lang="en-US" b="1" i="1" u="sng" dirty="0" err="1">
+                <a:sym typeface="Wingdings" pitchFamily="2" charset="2"/>
+              </a:rPr>
+              <a:t>VTable</a:t>
+            </a:r>
+            <a:r>
+              <a:rPr lang="en-US" dirty="0">
+                <a:sym typeface="Wingdings" pitchFamily="2" charset="2"/>
+              </a:rPr>
+              <a:t> pointers!</a:t>
+            </a:r>
+          </a:p>
+          <a:p>
+            <a:r>
+              <a:rPr lang="en-US" dirty="0">
+                <a:sym typeface="Wingdings" pitchFamily="2" charset="2"/>
+              </a:rPr>
+              <a:t>Overflow the </a:t>
+            </a:r>
+            <a:r>
+              <a:rPr lang="en-US" dirty="0" err="1">
+                <a:sym typeface="Wingdings" pitchFamily="2" charset="2"/>
+              </a:rPr>
+              <a:t>damorecord</a:t>
+            </a:r>
+            <a:r>
+              <a:rPr lang="en-US" dirty="0">
+                <a:sym typeface="Wingdings" pitchFamily="2" charset="2"/>
+              </a:rPr>
+              <a:t> </a:t>
+            </a:r>
+            <a:r>
+              <a:rPr lang="en-US" dirty="0" err="1">
+                <a:sym typeface="Wingdings" pitchFamily="2" charset="2"/>
+              </a:rPr>
+              <a:t>VTable</a:t>
+            </a:r>
+            <a:r>
+              <a:rPr lang="en-US" dirty="0">
+                <a:sym typeface="Wingdings" pitchFamily="2" charset="2"/>
+              </a:rPr>
+              <a:t> pointers!</a:t>
+            </a:r>
+          </a:p>
+          <a:p>
+            <a:pPr lvl="1"/>
+            <a:endParaRPr lang="en-US" dirty="0">
+              <a:sym typeface="Wingdings" pitchFamily="2" charset="2"/>
+            </a:endParaRPr>
+          </a:p>
+          <a:p>
+            <a:pPr lvl="1"/>
+            <a:endParaRPr lang="en-US" b="1" i="1" dirty="0"/>
+          </a:p>
+          <a:p>
+            <a:pPr lvl="1"/>
+            <a:endParaRPr lang="en-US" dirty="0"/>
+          </a:p>
+        </p:txBody>
+      </p:sp>
+      <p:pic>
+        <p:nvPicPr>
+          <p:cNvPr id="6" name="Graphic 5">
+            <a:extLst>
+              <a:ext uri="{FF2B5EF4-FFF2-40B4-BE49-F238E27FC236}">
+                <a16:creationId xmlns:a16="http://schemas.microsoft.com/office/drawing/2014/main" id="{3B413F70-E7AF-4E44-B83A-EC10EE7CE343}"/>
+              </a:ext>
+            </a:extLst>
+          </p:cNvPr>
+          <p:cNvPicPr>
+            <a:picLocks noChangeAspect="1"/>
+          </p:cNvPicPr>
+          <p:nvPr/>
+        </p:nvPicPr>
+        <p:blipFill>
+          <a:blip r:embed="rId2">
+            <a:extLst>
+              <a:ext uri="{96DAC541-7B7A-43D3-8B79-37D633B846F1}">
+                <asvg:svgBlip xmlns:asvg="http://schemas.microsoft.com/office/drawing/2016/SVG/main" r:embed="rId3"/>
+              </a:ext>
+            </a:extLst>
+          </a:blip>
+          <a:stretch>
+            <a:fillRect/>
+          </a:stretch>
+        </p:blipFill>
+        <p:spPr>
+          <a:xfrm>
+            <a:off x="4845983" y="936090"/>
+            <a:ext cx="4454944" cy="3563955"/>
+          </a:xfrm>
+          <a:prstGeom prst="rect">
+            <a:avLst/>
+          </a:prstGeom>
+        </p:spPr>
+      </p:pic>
+    </p:spTree>
+    <p:extLst>
+      <p:ext uri="{BB962C8B-B14F-4D97-AF65-F5344CB8AC3E}">
+        <p14:creationId xmlns:p14="http://schemas.microsoft.com/office/powerpoint/2010/main" val="1611989116"/>
+      </p:ext>
+    </p:extLst>
+  </p:cSld>
+  <p:clrMapOvr>
+    <a:masterClrMapping/>
+  </p:clrMapOvr>
+</p:sld>
+</file>
+
+<file path=ppt/slides/slide52.xml><?xml version="1.0" encoding="utf-8"?>
+<p:sld xmlns:a="http://schemas.openxmlformats.org/drawingml/2006/main" xmlns:r="http://schemas.openxmlformats.org/officeDocument/2006/relationships" xmlns:p="http://schemas.openxmlformats.org/presentationml/2006/main">
+  <p:cSld>
+    <p:spTree>
+      <p:nvGrpSpPr>
+        <p:cNvPr id="1" name=""/>
+        <p:cNvGrpSpPr/>
+        <p:nvPr/>
+      </p:nvGrpSpPr>
+      <p:grpSpPr>
+        <a:xfrm>
+          <a:off x="0" y="0"/>
+          <a:ext cx="0" cy="0"/>
+          <a:chOff x="0" y="0"/>
+          <a:chExt cx="0" cy="0"/>
+        </a:xfrm>
+      </p:grpSpPr>
+      <p:sp>
+        <p:nvSpPr>
+          <p:cNvPr id="2" name="Title 1">
+            <a:extLst>
+              <a:ext uri="{FF2B5EF4-FFF2-40B4-BE49-F238E27FC236}">
+                <a16:creationId xmlns:a16="http://schemas.microsoft.com/office/drawing/2014/main" id="{197EC359-4D5C-F142-AA27-C7E1127D315A}"/>
+              </a:ext>
+            </a:extLst>
+          </p:cNvPr>
+          <p:cNvSpPr>
+            <a:spLocks noGrp="1"/>
+          </p:cNvSpPr>
+          <p:nvPr>
+            <p:ph type="title"/>
+          </p:nvPr>
+        </p:nvSpPr>
+        <p:spPr/>
+        <p:txBody>
+          <a:bodyPr>
+            <a:normAutofit/>
+          </a:bodyPr>
+          <a:lstStyle/>
+          <a:p>
+            <a:r>
+              <a:rPr lang="en-US" dirty="0"/>
+              <a:t>Hijack Control Flow - </a:t>
+            </a:r>
+            <a:r>
+              <a:rPr lang="en-US" b="1" dirty="0">
+                <a:hlinkClick r:id="rId2"/>
+              </a:rPr>
+              <a:t>😎</a:t>
+            </a:r>
+            <a:endParaRPr lang="en-US" dirty="0"/>
+          </a:p>
+        </p:txBody>
+      </p:sp>
+      <p:pic>
+        <p:nvPicPr>
+          <p:cNvPr id="5" name="Content Placeholder 4" descr="GDB crash on control flow issue that the attacker created">
+            <a:extLst>
+              <a:ext uri="{FF2B5EF4-FFF2-40B4-BE49-F238E27FC236}">
+                <a16:creationId xmlns:a16="http://schemas.microsoft.com/office/drawing/2014/main" id="{A0D205F3-DCD6-B549-B394-6C3E02811FBE}"/>
+              </a:ext>
+            </a:extLst>
+          </p:cNvPr>
+          <p:cNvPicPr>
+            <a:picLocks noGrp="1" noChangeAspect="1"/>
+          </p:cNvPicPr>
+          <p:nvPr>
+            <p:ph idx="1"/>
+          </p:nvPr>
+        </p:nvPicPr>
+        <p:blipFill>
+          <a:blip r:embed="rId3"/>
+          <a:stretch>
+            <a:fillRect/>
+          </a:stretch>
+        </p:blipFill>
+        <p:spPr>
+          <a:xfrm>
+            <a:off x="628649" y="1377431"/>
+            <a:ext cx="6025647" cy="3403801"/>
+          </a:xfrm>
+        </p:spPr>
+      </p:pic>
+      <p:cxnSp>
+        <p:nvCxnSpPr>
+          <p:cNvPr id="6" name="Straight Connector 5">
+            <a:extLst>
+              <a:ext uri="{FF2B5EF4-FFF2-40B4-BE49-F238E27FC236}">
+                <a16:creationId xmlns:a16="http://schemas.microsoft.com/office/drawing/2014/main" id="{E4402A42-078C-D74F-89F1-036AE320B56C}"/>
+              </a:ext>
+            </a:extLst>
+          </p:cNvPr>
+          <p:cNvCxnSpPr>
+            <a:cxnSpLocks/>
+          </p:cNvCxnSpPr>
+          <p:nvPr/>
+        </p:nvCxnSpPr>
+        <p:spPr>
+          <a:xfrm>
+            <a:off x="628649" y="1561278"/>
+            <a:ext cx="3454464" cy="0"/>
+          </a:xfrm>
+          <a:prstGeom prst="line">
+            <a:avLst/>
+          </a:prstGeom>
+          <a:ln w="34925">
+            <a:solidFill>
+              <a:srgbClr val="FF0000"/>
+            </a:solidFill>
+          </a:ln>
+        </p:spPr>
+        <p:style>
+          <a:lnRef idx="1">
+            <a:schemeClr val="accent1"/>
+          </a:lnRef>
+          <a:fillRef idx="0">
+            <a:schemeClr val="accent1"/>
+          </a:fillRef>
+          <a:effectRef idx="0">
+            <a:schemeClr val="accent1"/>
+          </a:effectRef>
+          <a:fontRef idx="minor">
+            <a:schemeClr val="tx1"/>
+          </a:fontRef>
+        </p:style>
+      </p:cxnSp>
+      <p:cxnSp>
+        <p:nvCxnSpPr>
+          <p:cNvPr id="8" name="Straight Connector 7">
+            <a:extLst>
+              <a:ext uri="{FF2B5EF4-FFF2-40B4-BE49-F238E27FC236}">
+                <a16:creationId xmlns:a16="http://schemas.microsoft.com/office/drawing/2014/main" id="{FEFDDB08-EFE8-B840-8080-F6040B93EC5D}"/>
+              </a:ext>
+            </a:extLst>
+          </p:cNvPr>
+          <p:cNvCxnSpPr>
+            <a:cxnSpLocks/>
+          </p:cNvCxnSpPr>
+          <p:nvPr/>
+        </p:nvCxnSpPr>
+        <p:spPr>
+          <a:xfrm>
+            <a:off x="843951" y="4781231"/>
+            <a:ext cx="5595042" cy="1"/>
+          </a:xfrm>
+          <a:prstGeom prst="line">
+            <a:avLst/>
+          </a:prstGeom>
+          <a:ln w="34925">
+            <a:solidFill>
+              <a:srgbClr val="FF0000"/>
+            </a:solidFill>
+          </a:ln>
+        </p:spPr>
+        <p:style>
+          <a:lnRef idx="1">
+            <a:schemeClr val="accent1"/>
+          </a:lnRef>
+          <a:fillRef idx="0">
+            <a:schemeClr val="accent1"/>
+          </a:fillRef>
+          <a:effectRef idx="0">
+            <a:schemeClr val="accent1"/>
+          </a:effectRef>
+          <a:fontRef idx="minor">
+            <a:schemeClr val="tx1"/>
+          </a:fontRef>
+        </p:style>
+      </p:cxnSp>
+    </p:spTree>
+    <p:extLst>
+      <p:ext uri="{BB962C8B-B14F-4D97-AF65-F5344CB8AC3E}">
+        <p14:creationId xmlns:p14="http://schemas.microsoft.com/office/powerpoint/2010/main" val="3448403944"/>
+      </p:ext>
+    </p:extLst>
+  </p:cSld>
+  <p:clrMapOvr>
+    <a:masterClrMapping/>
+  </p:clrMapOvr>
+</p:sld>
+</file>
+
+<file path=ppt/slides/slide53.xml><?xml version="1.0" encoding="utf-8"?>
+<p:sld xmlns:a="http://schemas.openxmlformats.org/drawingml/2006/main" xmlns:r="http://schemas.openxmlformats.org/officeDocument/2006/relationships" xmlns:p="http://schemas.openxmlformats.org/presentationml/2006/main">
+  <p:cSld>
+    <p:spTree>
+      <p:nvGrpSpPr>
+        <p:cNvPr id="1" name=""/>
+        <p:cNvGrpSpPr/>
+        <p:nvPr/>
+      </p:nvGrpSpPr>
+      <p:grpSpPr>
+        <a:xfrm>
+          <a:off x="0" y="0"/>
+          <a:ext cx="0" cy="0"/>
+          <a:chOff x="0" y="0"/>
+          <a:chExt cx="0" cy="0"/>
+        </a:xfrm>
+      </p:grpSpPr>
+      <p:sp>
+        <p:nvSpPr>
+          <p:cNvPr id="2" name="Title 1">
+            <a:extLst>
+              <a:ext uri="{FF2B5EF4-FFF2-40B4-BE49-F238E27FC236}">
+                <a16:creationId xmlns:a16="http://schemas.microsoft.com/office/drawing/2014/main" id="{30AFAB07-D314-0048-90EF-C27CAC995B7B}"/>
+              </a:ext>
+            </a:extLst>
+          </p:cNvPr>
+          <p:cNvSpPr>
+            <a:spLocks noGrp="1"/>
+          </p:cNvSpPr>
+          <p:nvPr>
+            <p:ph type="title"/>
+          </p:nvPr>
+        </p:nvSpPr>
+        <p:spPr/>
+        <p:txBody>
+          <a:bodyPr>
+            <a:normAutofit fontScale="90000"/>
+          </a:bodyPr>
+          <a:lstStyle/>
+          <a:p>
+            <a:r>
+              <a:rPr lang="en-US" dirty="0" err="1"/>
+              <a:t>GLibC</a:t>
+            </a:r>
+            <a:r>
+              <a:rPr lang="en-US" dirty="0"/>
+              <a:t> Malloc Exploits with Unsorted Bin Attack</a:t>
+            </a:r>
+          </a:p>
+        </p:txBody>
+      </p:sp>
+      <p:sp>
+        <p:nvSpPr>
+          <p:cNvPr id="3" name="Content Placeholder 2">
+            <a:extLst>
+              <a:ext uri="{FF2B5EF4-FFF2-40B4-BE49-F238E27FC236}">
+                <a16:creationId xmlns:a16="http://schemas.microsoft.com/office/drawing/2014/main" id="{BD543653-29F7-A245-A0A2-84BC589E81F5}"/>
+              </a:ext>
+            </a:extLst>
+          </p:cNvPr>
+          <p:cNvSpPr>
+            <a:spLocks noGrp="1"/>
+          </p:cNvSpPr>
+          <p:nvPr>
+            <p:ph idx="1"/>
+          </p:nvPr>
+        </p:nvSpPr>
+        <p:spPr>
+          <a:xfrm>
+            <a:off x="628650" y="1236541"/>
+            <a:ext cx="8343334" cy="3263504"/>
+          </a:xfrm>
+        </p:spPr>
+        <p:txBody>
+          <a:bodyPr>
+            <a:normAutofit/>
+          </a:bodyPr>
+          <a:lstStyle/>
+          <a:p>
+            <a:r>
+              <a:rPr lang="en-US" dirty="0"/>
+              <a:t>House of Orange:</a:t>
+            </a:r>
+          </a:p>
+          <a:p>
+            <a:pPr lvl="1"/>
+            <a:r>
+              <a:rPr lang="en-US" dirty="0"/>
+              <a:t>Corrupts _</a:t>
+            </a:r>
+            <a:r>
+              <a:rPr lang="en-US" dirty="0" err="1"/>
+              <a:t>IO_list_all</a:t>
+            </a:r>
+            <a:r>
+              <a:rPr lang="en-US" dirty="0"/>
+              <a:t> to point back to a chunk we control</a:t>
+            </a:r>
+          </a:p>
+          <a:p>
+            <a:pPr lvl="1"/>
+            <a:r>
+              <a:rPr lang="en-US" dirty="0"/>
+              <a:t>Leads to code execution via a fake </a:t>
+            </a:r>
+            <a:r>
+              <a:rPr lang="en-US" dirty="0" err="1"/>
+              <a:t>VTable</a:t>
+            </a:r>
+            <a:endParaRPr lang="en-US" dirty="0"/>
+          </a:p>
+          <a:p>
+            <a:r>
+              <a:rPr lang="en-US" dirty="0"/>
+              <a:t>House of Husk:</a:t>
+            </a:r>
+          </a:p>
+          <a:p>
+            <a:pPr lvl="1"/>
+            <a:r>
+              <a:rPr lang="en-US" dirty="0"/>
+              <a:t>Corrupt </a:t>
+            </a:r>
+            <a:r>
+              <a:rPr lang="en-US" b="1" i="1" dirty="0" err="1"/>
+              <a:t>max_fast</a:t>
+            </a:r>
+            <a:r>
+              <a:rPr lang="en-US" dirty="0"/>
+              <a:t> value to get a more powerful overflow primitive</a:t>
+            </a:r>
+          </a:p>
+          <a:p>
+            <a:pPr lvl="1"/>
+            <a:r>
+              <a:rPr lang="en-US" dirty="0"/>
+              <a:t>Leads to code execution via creating a custom format string entry</a:t>
+            </a:r>
+          </a:p>
+          <a:p>
+            <a:r>
+              <a:rPr lang="en-US" dirty="0"/>
+              <a:t>House of Roman &amp; House of Corrosion…</a:t>
+            </a:r>
+          </a:p>
+          <a:p>
+            <a:endParaRPr lang="en-US" dirty="0"/>
+          </a:p>
+        </p:txBody>
+      </p:sp>
+    </p:spTree>
+    <p:extLst>
+      <p:ext uri="{BB962C8B-B14F-4D97-AF65-F5344CB8AC3E}">
+        <p14:creationId xmlns:p14="http://schemas.microsoft.com/office/powerpoint/2010/main" val="2399801677"/>
+      </p:ext>
+    </p:extLst>
+  </p:cSld>
+  <p:clrMapOvr>
+    <a:masterClrMapping/>
+  </p:clrMapOvr>
+</p:sld>
+</file>
+
+<file path=ppt/slides/slide54.xml><?xml version="1.0" encoding="utf-8"?>
+<p:sld xmlns:a="http://schemas.openxmlformats.org/drawingml/2006/main" xmlns:r="http://schemas.openxmlformats.org/officeDocument/2006/relationships" xmlns:p="http://schemas.openxmlformats.org/presentationml/2006/main">
+  <p:cSld>
+    <p:spTree>
+      <p:nvGrpSpPr>
+        <p:cNvPr id="1" name=""/>
+        <p:cNvGrpSpPr/>
+        <p:nvPr/>
+      </p:nvGrpSpPr>
+      <p:grpSpPr>
+        <a:xfrm>
+          <a:off x="0" y="0"/>
+          <a:ext cx="0" cy="0"/>
+          <a:chOff x="0" y="0"/>
+          <a:chExt cx="0" cy="0"/>
+        </a:xfrm>
+      </p:grpSpPr>
+      <p:sp>
+        <p:nvSpPr>
+          <p:cNvPr id="2" name="Title 1">
+            <a:extLst>
+              <a:ext uri="{FF2B5EF4-FFF2-40B4-BE49-F238E27FC236}">
+                <a16:creationId xmlns:a16="http://schemas.microsoft.com/office/drawing/2014/main" id="{6BF46C3E-F7BF-EF4B-91AE-565DEB2469A8}"/>
+              </a:ext>
+            </a:extLst>
+          </p:cNvPr>
+          <p:cNvSpPr>
+            <a:spLocks noGrp="1"/>
+          </p:cNvSpPr>
+          <p:nvPr>
+            <p:ph type="title"/>
+          </p:nvPr>
+        </p:nvSpPr>
+        <p:spPr/>
+        <p:txBody>
+          <a:bodyPr/>
+          <a:lstStyle/>
+          <a:p>
+            <a:r>
+              <a:rPr lang="en-US" dirty="0"/>
+              <a:t>Resources</a:t>
+            </a:r>
+          </a:p>
+        </p:txBody>
+      </p:sp>
+      <p:sp>
+        <p:nvSpPr>
+          <p:cNvPr id="3" name="Content Placeholder 2">
+            <a:extLst>
+              <a:ext uri="{FF2B5EF4-FFF2-40B4-BE49-F238E27FC236}">
+                <a16:creationId xmlns:a16="http://schemas.microsoft.com/office/drawing/2014/main" id="{BE24F301-81E8-EB47-AE33-4FEBD0B085DD}"/>
+              </a:ext>
+            </a:extLst>
+          </p:cNvPr>
+          <p:cNvSpPr>
+            <a:spLocks noGrp="1"/>
+          </p:cNvSpPr>
+          <p:nvPr>
+            <p:ph idx="1"/>
+          </p:nvPr>
+        </p:nvSpPr>
+        <p:spPr/>
+        <p:txBody>
+          <a:bodyPr>
+            <a:normAutofit fontScale="92500" lnSpcReduction="20000"/>
+          </a:bodyPr>
+          <a:lstStyle/>
+          <a:p>
+            <a:r>
+              <a:rPr lang="en-US" dirty="0"/>
+              <a:t>C POC: </a:t>
+            </a:r>
+            <a:r>
+              <a:rPr lang="en-US" dirty="0">
+                <a:hlinkClick r:id="rId2"/>
+              </a:rPr>
+              <a:t>https://github.com/shellphish/how2heap/blob/master/glibc_2.26/unsorted_bin_attack.c</a:t>
+            </a:r>
+            <a:endParaRPr lang="en-US" dirty="0"/>
+          </a:p>
+          <a:p>
+            <a:r>
+              <a:rPr lang="en-US" dirty="0"/>
+              <a:t>Explanation: </a:t>
+            </a:r>
+            <a:br>
+              <a:rPr lang="en-US" dirty="0"/>
+            </a:br>
+            <a:r>
+              <a:rPr lang="en-US" dirty="0">
+                <a:hlinkClick r:id="rId3"/>
+              </a:rPr>
+              <a:t>https://dangokyo.me/2018/01/01/advanced-heap-exploitation-unsorted-bin-attack-overlapping-chunk/</a:t>
+            </a:r>
+            <a:r>
+              <a:rPr lang="en-US" dirty="0"/>
+              <a:t> </a:t>
+            </a:r>
+          </a:p>
+          <a:p>
+            <a:r>
+              <a:rPr lang="en-US" dirty="0"/>
+              <a:t>House of Mind – </a:t>
+            </a:r>
+            <a:r>
+              <a:rPr lang="en-US" dirty="0" err="1"/>
+              <a:t>Fastbin</a:t>
+            </a:r>
+            <a:r>
+              <a:rPr lang="en-US" dirty="0"/>
+              <a:t> variant: </a:t>
+            </a:r>
+            <a:r>
+              <a:rPr lang="en-US" dirty="0">
+                <a:hlinkClick r:id="rId4"/>
+              </a:rPr>
+              <a:t>https://maxwelldulin.com/BlogPost?post=2257705984</a:t>
+            </a:r>
+            <a:r>
+              <a:rPr lang="en-US" dirty="0"/>
+              <a:t> </a:t>
+            </a:r>
+          </a:p>
+          <a:p>
+            <a:r>
+              <a:rPr lang="en-US" dirty="0" err="1"/>
+              <a:t>LargeBin</a:t>
+            </a:r>
+            <a:r>
+              <a:rPr lang="en-US" dirty="0"/>
+              <a:t> Attack: </a:t>
+            </a:r>
+            <a:r>
+              <a:rPr lang="en-US" dirty="0">
+                <a:hlinkClick r:id="rId5"/>
+              </a:rPr>
+              <a:t>https://dangokyo.me/2018/04/07/a-revisit-to-large-bin-in-glibc/</a:t>
+            </a:r>
+            <a:endParaRPr lang="en-US" dirty="0"/>
+          </a:p>
+          <a:p>
+            <a:r>
+              <a:rPr lang="en-US" dirty="0"/>
+              <a:t>Assault Cube article: </a:t>
+            </a:r>
+            <a:r>
+              <a:rPr lang="en-US" dirty="0">
+                <a:hlinkClick r:id="rId6"/>
+              </a:rPr>
+              <a:t>https://elongl.medium.com/assaultcube-rce-technical-analysis-e12dedf680e5</a:t>
+            </a:r>
+            <a:r>
+              <a:rPr lang="en-US" dirty="0"/>
+              <a:t> </a:t>
+            </a:r>
+          </a:p>
+          <a:p>
+            <a:endParaRPr lang="en-US" dirty="0"/>
+          </a:p>
+          <a:p>
+            <a:endParaRPr lang="en-US" dirty="0"/>
+          </a:p>
+          <a:p>
+            <a:endParaRPr lang="en-US" dirty="0"/>
+          </a:p>
+        </p:txBody>
+      </p:sp>
+    </p:spTree>
+    <p:extLst>
+      <p:ext uri="{BB962C8B-B14F-4D97-AF65-F5344CB8AC3E}">
+        <p14:creationId xmlns:p14="http://schemas.microsoft.com/office/powerpoint/2010/main" val="3562960349"/>
       </p:ext>
     </p:extLst>
   </p:cSld>
@@ -40553,7 +46254,7 @@
         </p:spPr>
         <p:txBody>
           <a:bodyPr>
-            <a:normAutofit lnSpcReduction="10000"/>
+            <a:normAutofit/>
           </a:bodyPr>
           <a:lstStyle/>
           <a:p>
@@ -40594,16 +46295,6 @@
             <a:r>
               <a:rPr lang="en-US" b="1" dirty="0"/>
               <a:t>Unsorted Bin:</a:t>
-            </a:r>
-          </a:p>
-          <a:p>
-            <a:pPr marL="728663" lvl="1" indent="-385763">
-              <a:buFont typeface="+mj-lt"/>
-              <a:buAutoNum type="arabicPeriod"/>
-            </a:pPr>
-            <a:r>
-              <a:rPr lang="en-US" b="1" dirty="0"/>
-              <a:t>Consolidate chunks if large chunks size is asked for</a:t>
             </a:r>
           </a:p>
           <a:p>
@@ -40947,12 +46638,8 @@
           <a:p>
             <a:pPr lvl="1"/>
             <a:r>
-              <a:rPr lang="en-US" dirty="0" err="1"/>
-              <a:t>Tcache</a:t>
-            </a:r>
-            <a:r>
               <a:rPr lang="en-US" dirty="0"/>
-              <a:t>/</a:t>
+              <a:t>TCache/</a:t>
             </a:r>
             <a:r>
               <a:rPr lang="en-US" dirty="0" err="1"/>

--- a/modules/unsorted_bin_attack/unsorted_bin.pptx
+++ b/modules/unsorted_bin_attack/unsorted_bin.pptx
@@ -5,7 +5,7 @@
     <p:sldMasterId id="2147483660" r:id="rId1"/>
   </p:sldMasterIdLst>
   <p:notesMasterIdLst>
-    <p:notesMasterId r:id="rId80"/>
+    <p:notesMasterId r:id="rId82"/>
   </p:notesMasterIdLst>
   <p:sldIdLst>
     <p:sldId id="330" r:id="rId2"/>
@@ -28,64 +28,66 @@
     <p:sldId id="408" r:id="rId19"/>
     <p:sldId id="338" r:id="rId20"/>
     <p:sldId id="334" r:id="rId21"/>
-    <p:sldId id="335" r:id="rId22"/>
-    <p:sldId id="337" r:id="rId23"/>
-    <p:sldId id="409" r:id="rId24"/>
-    <p:sldId id="410" r:id="rId25"/>
-    <p:sldId id="411" r:id="rId26"/>
-    <p:sldId id="382" r:id="rId27"/>
-    <p:sldId id="390" r:id="rId28"/>
-    <p:sldId id="339" r:id="rId29"/>
-    <p:sldId id="422" r:id="rId30"/>
-    <p:sldId id="423" r:id="rId31"/>
-    <p:sldId id="341" r:id="rId32"/>
-    <p:sldId id="342" r:id="rId33"/>
-    <p:sldId id="392" r:id="rId34"/>
-    <p:sldId id="354" r:id="rId35"/>
-    <p:sldId id="353" r:id="rId36"/>
-    <p:sldId id="393" r:id="rId37"/>
-    <p:sldId id="394" r:id="rId38"/>
-    <p:sldId id="395" r:id="rId39"/>
-    <p:sldId id="396" r:id="rId40"/>
-    <p:sldId id="352" r:id="rId41"/>
-    <p:sldId id="397" r:id="rId42"/>
-    <p:sldId id="340" r:id="rId43"/>
-    <p:sldId id="412" r:id="rId44"/>
-    <p:sldId id="413" r:id="rId45"/>
-    <p:sldId id="414" r:id="rId46"/>
-    <p:sldId id="416" r:id="rId47"/>
-    <p:sldId id="415" r:id="rId48"/>
-    <p:sldId id="417" r:id="rId49"/>
-    <p:sldId id="418" r:id="rId50"/>
-    <p:sldId id="419" r:id="rId51"/>
-    <p:sldId id="420" r:id="rId52"/>
-    <p:sldId id="421" r:id="rId53"/>
-    <p:sldId id="425" r:id="rId54"/>
-    <p:sldId id="436" r:id="rId55"/>
-    <p:sldId id="438" r:id="rId56"/>
-    <p:sldId id="437" r:id="rId57"/>
-    <p:sldId id="439" r:id="rId58"/>
-    <p:sldId id="426" r:id="rId59"/>
-    <p:sldId id="427" r:id="rId60"/>
-    <p:sldId id="429" r:id="rId61"/>
-    <p:sldId id="430" r:id="rId62"/>
-    <p:sldId id="431" r:id="rId63"/>
-    <p:sldId id="432" r:id="rId64"/>
-    <p:sldId id="433" r:id="rId65"/>
-    <p:sldId id="434" r:id="rId66"/>
-    <p:sldId id="440" r:id="rId67"/>
-    <p:sldId id="441" r:id="rId68"/>
-    <p:sldId id="442" r:id="rId69"/>
-    <p:sldId id="444" r:id="rId70"/>
-    <p:sldId id="446" r:id="rId71"/>
-    <p:sldId id="447" r:id="rId72"/>
-    <p:sldId id="448" r:id="rId73"/>
-    <p:sldId id="449" r:id="rId74"/>
-    <p:sldId id="451" r:id="rId75"/>
-    <p:sldId id="450" r:id="rId76"/>
-    <p:sldId id="452" r:id="rId77"/>
-    <p:sldId id="355" r:id="rId78"/>
-    <p:sldId id="391" r:id="rId79"/>
+    <p:sldId id="454" r:id="rId22"/>
+    <p:sldId id="335" r:id="rId23"/>
+    <p:sldId id="337" r:id="rId24"/>
+    <p:sldId id="409" r:id="rId25"/>
+    <p:sldId id="410" r:id="rId26"/>
+    <p:sldId id="411" r:id="rId27"/>
+    <p:sldId id="382" r:id="rId28"/>
+    <p:sldId id="390" r:id="rId29"/>
+    <p:sldId id="339" r:id="rId30"/>
+    <p:sldId id="422" r:id="rId31"/>
+    <p:sldId id="423" r:id="rId32"/>
+    <p:sldId id="341" r:id="rId33"/>
+    <p:sldId id="342" r:id="rId34"/>
+    <p:sldId id="392" r:id="rId35"/>
+    <p:sldId id="354" r:id="rId36"/>
+    <p:sldId id="353" r:id="rId37"/>
+    <p:sldId id="393" r:id="rId38"/>
+    <p:sldId id="394" r:id="rId39"/>
+    <p:sldId id="395" r:id="rId40"/>
+    <p:sldId id="396" r:id="rId41"/>
+    <p:sldId id="352" r:id="rId42"/>
+    <p:sldId id="397" r:id="rId43"/>
+    <p:sldId id="340" r:id="rId44"/>
+    <p:sldId id="412" r:id="rId45"/>
+    <p:sldId id="413" r:id="rId46"/>
+    <p:sldId id="414" r:id="rId47"/>
+    <p:sldId id="416" r:id="rId48"/>
+    <p:sldId id="415" r:id="rId49"/>
+    <p:sldId id="417" r:id="rId50"/>
+    <p:sldId id="418" r:id="rId51"/>
+    <p:sldId id="419" r:id="rId52"/>
+    <p:sldId id="420" r:id="rId53"/>
+    <p:sldId id="421" r:id="rId54"/>
+    <p:sldId id="425" r:id="rId55"/>
+    <p:sldId id="436" r:id="rId56"/>
+    <p:sldId id="438" r:id="rId57"/>
+    <p:sldId id="437" r:id="rId58"/>
+    <p:sldId id="439" r:id="rId59"/>
+    <p:sldId id="426" r:id="rId60"/>
+    <p:sldId id="427" r:id="rId61"/>
+    <p:sldId id="429" r:id="rId62"/>
+    <p:sldId id="430" r:id="rId63"/>
+    <p:sldId id="431" r:id="rId64"/>
+    <p:sldId id="432" r:id="rId65"/>
+    <p:sldId id="433" r:id="rId66"/>
+    <p:sldId id="434" r:id="rId67"/>
+    <p:sldId id="440" r:id="rId68"/>
+    <p:sldId id="441" r:id="rId69"/>
+    <p:sldId id="442" r:id="rId70"/>
+    <p:sldId id="444" r:id="rId71"/>
+    <p:sldId id="446" r:id="rId72"/>
+    <p:sldId id="447" r:id="rId73"/>
+    <p:sldId id="448" r:id="rId74"/>
+    <p:sldId id="449" r:id="rId75"/>
+    <p:sldId id="451" r:id="rId76"/>
+    <p:sldId id="450" r:id="rId77"/>
+    <p:sldId id="452" r:id="rId78"/>
+    <p:sldId id="355" r:id="rId79"/>
+    <p:sldId id="453" r:id="rId80"/>
+    <p:sldId id="391" r:id="rId81"/>
   </p:sldIdLst>
   <p:sldSz cx="9144000" cy="5143500" type="screen16x9"/>
   <p:notesSz cx="6858000" cy="9144000"/>
@@ -27721,7 +27723,7 @@
           <a:p>
             <a:fld id="{2DA23E8D-1792-1541-9147-970A8DD8A355}" type="datetimeFigureOut">
               <a:rPr lang="en-US" smtClean="0"/>
-              <a:t>5/5/22</a:t>
+              <a:t>5/16/22</a:t>
             </a:fld>
             <a:endParaRPr lang="en-US" dirty="0"/>
           </a:p>
@@ -28136,10 +28138,7 @@
           <a:bodyPr/>
           <a:lstStyle/>
           <a:p>
-            <a:r>
-              <a:rPr lang="en-US" dirty="0"/>
-              <a:t>Anybody have questions on the exercise?</a:t>
-            </a:r>
+            <a:endParaRPr lang="en-US" dirty="0"/>
           </a:p>
         </p:txBody>
       </p:sp>
@@ -28160,7 +28159,7 @@
           <a:p>
             <a:fld id="{AC55928C-CD14-454C-B617-1AFCF9A58596}" type="slidenum">
               <a:rPr lang="en-US" smtClean="0"/>
-              <a:t>40</a:t>
+              <a:t>31</a:t>
             </a:fld>
             <a:endParaRPr lang="en-US" dirty="0"/>
           </a:p>
@@ -28169,7 +28168,7 @@
     </p:spTree>
     <p:extLst>
       <p:ext uri="{BB962C8B-B14F-4D97-AF65-F5344CB8AC3E}">
-        <p14:creationId xmlns:p14="http://schemas.microsoft.com/office/powerpoint/2010/main" val="2723293945"/>
+        <p14:creationId xmlns:p14="http://schemas.microsoft.com/office/powerpoint/2010/main" val="4147072467"/>
       </p:ext>
     </p:extLst>
   </p:cSld>
@@ -28225,14 +28224,77 @@
           <a:p>
             <a:r>
               <a:rPr lang="en-US" dirty="0"/>
-              <a:t>Open source</a:t>
-            </a:r>
-          </a:p>
-          <a:p>
+              <a:t>Demo: </a:t>
+            </a:r>
+          </a:p>
+          <a:p>
+            <a:pPr marL="171450" indent="-171450">
+              <a:buFontTx/>
+              <a:buChar char="-"/>
+            </a:pPr>
             <a:r>
               <a:rPr lang="en-US" dirty="0"/>
-              <a:t>Custom rendering engine</a:t>
-            </a:r>
+              <a:t>Show the python3 </a:t>
+            </a:r>
+            <a:r>
+              <a:rPr lang="en-US" dirty="0" err="1"/>
+              <a:t>start.py</a:t>
+            </a:r>
+            <a:endParaRPr lang="en-US" dirty="0"/>
+          </a:p>
+          <a:p>
+            <a:pPr marL="171450" indent="-171450">
+              <a:buFontTx/>
+              <a:buChar char="-"/>
+            </a:pPr>
+            <a:r>
+              <a:rPr lang="en-US" dirty="0"/>
+              <a:t>Show all the functionality</a:t>
+            </a:r>
+          </a:p>
+          <a:p>
+            <a:pPr marL="171450" indent="-171450">
+              <a:buFontTx/>
+              <a:buChar char="-"/>
+            </a:pPr>
+            <a:r>
+              <a:rPr lang="en-US" dirty="0"/>
+              <a:t>Walk through the source code some</a:t>
+            </a:r>
+          </a:p>
+          <a:p>
+            <a:pPr marL="171450" indent="-171450">
+              <a:buFontTx/>
+              <a:buChar char="-"/>
+            </a:pPr>
+            <a:r>
+              <a:rPr lang="en-US" dirty="0"/>
+              <a:t>Describe goal – particularly call out magic</a:t>
+            </a:r>
+          </a:p>
+          <a:p>
+            <a:endParaRPr lang="en-US" dirty="0"/>
+          </a:p>
+          <a:p>
+            <a:r>
+              <a:rPr lang="en-US" dirty="0"/>
+              <a:t>Part way through….</a:t>
+            </a:r>
+          </a:p>
+          <a:p>
+            <a:r>
+              <a:rPr lang="en-US" dirty="0"/>
+              <a:t>- Go through use after free bug</a:t>
+            </a:r>
+          </a:p>
+          <a:p>
+            <a:r>
+              <a:rPr lang="en-US" dirty="0"/>
+              <a:t>- Go through the crash!</a:t>
+            </a:r>
+          </a:p>
+          <a:p>
+            <a:endParaRPr lang="en-US" dirty="0"/>
           </a:p>
         </p:txBody>
       </p:sp>
@@ -28253,7 +28315,7 @@
           <a:p>
             <a:fld id="{AC55928C-CD14-454C-B617-1AFCF9A58596}" type="slidenum">
               <a:rPr lang="en-US" smtClean="0"/>
-              <a:t>43</a:t>
+              <a:t>32</a:t>
             </a:fld>
             <a:endParaRPr lang="en-US" dirty="0"/>
           </a:p>
@@ -28262,7 +28324,7 @@
     </p:spTree>
     <p:extLst>
       <p:ext uri="{BB962C8B-B14F-4D97-AF65-F5344CB8AC3E}">
-        <p14:creationId xmlns:p14="http://schemas.microsoft.com/office/powerpoint/2010/main" val="3328831907"/>
+        <p14:creationId xmlns:p14="http://schemas.microsoft.com/office/powerpoint/2010/main" val="2801668523"/>
       </p:ext>
     </p:extLst>
   </p:cSld>
@@ -28318,19 +28380,7 @@
           <a:p>
             <a:r>
               <a:rPr lang="en-US" dirty="0"/>
-              <a:t>- Will go through the process of stashing a chunk from the </a:t>
-            </a:r>
-            <a:r>
-              <a:rPr lang="en-US" dirty="0" err="1"/>
-              <a:t>fastbin</a:t>
-            </a:r>
-            <a:r>
-              <a:rPr lang="en-US" dirty="0"/>
-              <a:t> into the </a:t>
-            </a:r>
-            <a:r>
-              <a:rPr lang="en-US"/>
-              <a:t>tcache</a:t>
+              <a:t>Anybody have questions on the exercise?</a:t>
             </a:r>
           </a:p>
         </p:txBody>
@@ -28352,7 +28402,7 @@
           <a:p>
             <a:fld id="{AC55928C-CD14-454C-B617-1AFCF9A58596}" type="slidenum">
               <a:rPr lang="en-US" smtClean="0"/>
-              <a:t>53</a:t>
+              <a:t>41</a:t>
             </a:fld>
             <a:endParaRPr lang="en-US" dirty="0"/>
           </a:p>
@@ -28361,7 +28411,7 @@
     </p:spTree>
     <p:extLst>
       <p:ext uri="{BB962C8B-B14F-4D97-AF65-F5344CB8AC3E}">
-        <p14:creationId xmlns:p14="http://schemas.microsoft.com/office/powerpoint/2010/main" val="754139304"/>
+        <p14:creationId xmlns:p14="http://schemas.microsoft.com/office/powerpoint/2010/main" val="2723293945"/>
       </p:ext>
     </p:extLst>
   </p:cSld>
@@ -28417,7 +28467,13 @@
           <a:p>
             <a:r>
               <a:rPr lang="en-US" dirty="0"/>
-              <a:t>- Pointer manipulation</a:t>
+              <a:t>Open source</a:t>
+            </a:r>
+          </a:p>
+          <a:p>
+            <a:r>
+              <a:rPr lang="en-US" dirty="0"/>
+              <a:t>Custom rendering engine</a:t>
             </a:r>
           </a:p>
         </p:txBody>
@@ -28439,7 +28495,7 @@
           <a:p>
             <a:fld id="{AC55928C-CD14-454C-B617-1AFCF9A58596}" type="slidenum">
               <a:rPr lang="en-US" smtClean="0"/>
-              <a:t>54</a:t>
+              <a:t>44</a:t>
             </a:fld>
             <a:endParaRPr lang="en-US" dirty="0"/>
           </a:p>
@@ -28448,7 +28504,7 @@
     </p:spTree>
     <p:extLst>
       <p:ext uri="{BB962C8B-B14F-4D97-AF65-F5344CB8AC3E}">
-        <p14:creationId xmlns:p14="http://schemas.microsoft.com/office/powerpoint/2010/main" val="1015817532"/>
+        <p14:creationId xmlns:p14="http://schemas.microsoft.com/office/powerpoint/2010/main" val="3328831907"/>
       </p:ext>
     </p:extLst>
   </p:cSld>
@@ -28504,15 +28560,7 @@
           <a:p>
             <a:r>
               <a:rPr lang="en-US" dirty="0"/>
-              <a:t>- </a:t>
-            </a:r>
-            <a:r>
-              <a:rPr lang="en-US" dirty="0" err="1"/>
-              <a:t>Tcache</a:t>
-            </a:r>
-            <a:r>
-              <a:rPr lang="en-US" dirty="0"/>
-              <a:t> front of list points to the chunk</a:t>
+              <a:t>STOP! Questions here? </a:t>
             </a:r>
           </a:p>
         </p:txBody>
@@ -28534,7 +28582,7 @@
           <a:p>
             <a:fld id="{AC55928C-CD14-454C-B617-1AFCF9A58596}" type="slidenum">
               <a:rPr lang="en-US" smtClean="0"/>
-              <a:t>56</a:t>
+              <a:t>52</a:t>
             </a:fld>
             <a:endParaRPr lang="en-US" dirty="0"/>
           </a:p>
@@ -28543,7 +28591,7 @@
     </p:spTree>
     <p:extLst>
       <p:ext uri="{BB962C8B-B14F-4D97-AF65-F5344CB8AC3E}">
-        <p14:creationId xmlns:p14="http://schemas.microsoft.com/office/powerpoint/2010/main" val="386161985"/>
+        <p14:creationId xmlns:p14="http://schemas.microsoft.com/office/powerpoint/2010/main" val="901688784"/>
       </p:ext>
     </p:extLst>
   </p:cSld>
@@ -28599,7 +28647,19 @@
           <a:p>
             <a:r>
               <a:rPr lang="en-US" dirty="0"/>
-              <a:t>- </a:t>
+              <a:t>- Will go through the process of stashing a chunk from the </a:t>
+            </a:r>
+            <a:r>
+              <a:rPr lang="en-US" dirty="0" err="1"/>
+              <a:t>fastbin</a:t>
+            </a:r>
+            <a:r>
+              <a:rPr lang="en-US" dirty="0"/>
+              <a:t> into the </a:t>
+            </a:r>
+            <a:r>
+              <a:rPr lang="en-US"/>
+              <a:t>tcache</a:t>
             </a:r>
           </a:p>
         </p:txBody>
@@ -28621,7 +28681,7 @@
           <a:p>
             <a:fld id="{AC55928C-CD14-454C-B617-1AFCF9A58596}" type="slidenum">
               <a:rPr lang="en-US" smtClean="0"/>
-              <a:t>57</a:t>
+              <a:t>54</a:t>
             </a:fld>
             <a:endParaRPr lang="en-US" dirty="0"/>
           </a:p>
@@ -28630,7 +28690,7 @@
     </p:spTree>
     <p:extLst>
       <p:ext uri="{BB962C8B-B14F-4D97-AF65-F5344CB8AC3E}">
-        <p14:creationId xmlns:p14="http://schemas.microsoft.com/office/powerpoint/2010/main" val="389380123"/>
+        <p14:creationId xmlns:p14="http://schemas.microsoft.com/office/powerpoint/2010/main" val="754139304"/>
       </p:ext>
     </p:extLst>
   </p:cSld>
@@ -28684,23 +28744,9 @@
           <a:bodyPr/>
           <a:lstStyle/>
           <a:p>
-            <a:pPr marL="171450" indent="-171450">
-              <a:buFontTx/>
-              <a:buChar char="-"/>
-            </a:pPr>
             <a:r>
               <a:rPr lang="en-US" dirty="0"/>
-              <a:t>Allocate a TON of chunks</a:t>
-            </a:r>
-          </a:p>
-          <a:p>
-            <a:pPr marL="171450" indent="-171450">
-              <a:buFontTx/>
-              <a:buChar char="-"/>
-            </a:pPr>
-            <a:r>
-              <a:rPr lang="en-US" dirty="0"/>
-              <a:t>Free a ton of chunks</a:t>
+              <a:t>- Pointer manipulation</a:t>
             </a:r>
           </a:p>
         </p:txBody>
@@ -28722,7 +28768,7 @@
           <a:p>
             <a:fld id="{AC55928C-CD14-454C-B617-1AFCF9A58596}" type="slidenum">
               <a:rPr lang="en-US" smtClean="0"/>
-              <a:t>58</a:t>
+              <a:t>55</a:t>
             </a:fld>
             <a:endParaRPr lang="en-US" dirty="0"/>
           </a:p>
@@ -28731,7 +28777,7 @@
     </p:spTree>
     <p:extLst>
       <p:ext uri="{BB962C8B-B14F-4D97-AF65-F5344CB8AC3E}">
-        <p14:creationId xmlns:p14="http://schemas.microsoft.com/office/powerpoint/2010/main" val="134854543"/>
+        <p14:creationId xmlns:p14="http://schemas.microsoft.com/office/powerpoint/2010/main" val="1015817532"/>
       </p:ext>
     </p:extLst>
   </p:cSld>
@@ -28785,34 +28831,18 @@
           <a:bodyPr/>
           <a:lstStyle/>
           <a:p>
-            <a:pPr marL="171450" indent="-171450">
-              <a:buFontTx/>
-              <a:buChar char="-"/>
-            </a:pPr>
             <a:r>
               <a:rPr lang="en-US" dirty="0"/>
-              <a:t>Allocate chunks that take EVERYTHING out of the </a:t>
+              <a:t>- </a:t>
             </a:r>
             <a:r>
               <a:rPr lang="en-US" dirty="0" err="1"/>
-              <a:t>tcache</a:t>
-            </a:r>
-            <a:endParaRPr lang="en-US" dirty="0"/>
-          </a:p>
-          <a:p>
-            <a:pPr marL="171450" indent="-171450">
-              <a:buFontTx/>
-              <a:buChar char="-"/>
-            </a:pPr>
+              <a:t>Tcache</a:t>
+            </a:r>
             <a:r>
               <a:rPr lang="en-US" dirty="0"/>
-              <a:t>Next allocation will come from the </a:t>
-            </a:r>
-            <a:r>
-              <a:rPr lang="en-US" dirty="0" err="1"/>
-              <a:t>fastbin</a:t>
-            </a:r>
-            <a:endParaRPr lang="en-US" dirty="0"/>
+              <a:t> front of list points to the chunk</a:t>
+            </a:r>
           </a:p>
         </p:txBody>
       </p:sp>
@@ -28833,7 +28863,7 @@
           <a:p>
             <a:fld id="{AC55928C-CD14-454C-B617-1AFCF9A58596}" type="slidenum">
               <a:rPr lang="en-US" smtClean="0"/>
-              <a:t>59</a:t>
+              <a:t>57</a:t>
             </a:fld>
             <a:endParaRPr lang="en-US" dirty="0"/>
           </a:p>
@@ -28842,7 +28872,7 @@
     </p:spTree>
     <p:extLst>
       <p:ext uri="{BB962C8B-B14F-4D97-AF65-F5344CB8AC3E}">
-        <p14:creationId xmlns:p14="http://schemas.microsoft.com/office/powerpoint/2010/main" val="920611491"/>
+        <p14:creationId xmlns:p14="http://schemas.microsoft.com/office/powerpoint/2010/main" val="386161985"/>
       </p:ext>
     </p:extLst>
   </p:cSld>
@@ -28896,19 +28926,10 @@
           <a:bodyPr/>
           <a:lstStyle/>
           <a:p>
-            <a:pPr marL="171450" indent="-171450">
-              <a:buFontTx/>
-              <a:buChar char="-"/>
-            </a:pPr>
             <a:r>
               <a:rPr lang="en-US" dirty="0"/>
-              <a:t>Allocated chunk removed from the </a:t>
-            </a:r>
-            <a:r>
-              <a:rPr lang="en-US" dirty="0" err="1"/>
-              <a:t>fastbin</a:t>
-            </a:r>
-            <a:endParaRPr lang="en-US" dirty="0"/>
+              <a:t>- </a:t>
+            </a:r>
           </a:p>
         </p:txBody>
       </p:sp>
@@ -28929,7 +28950,7 @@
           <a:p>
             <a:fld id="{AC55928C-CD14-454C-B617-1AFCF9A58596}" type="slidenum">
               <a:rPr lang="en-US" smtClean="0"/>
-              <a:t>60</a:t>
+              <a:t>58</a:t>
             </a:fld>
             <a:endParaRPr lang="en-US" dirty="0"/>
           </a:p>
@@ -28938,7 +28959,7 @@
     </p:spTree>
     <p:extLst>
       <p:ext uri="{BB962C8B-B14F-4D97-AF65-F5344CB8AC3E}">
-        <p14:creationId xmlns:p14="http://schemas.microsoft.com/office/powerpoint/2010/main" val="78796197"/>
+        <p14:creationId xmlns:p14="http://schemas.microsoft.com/office/powerpoint/2010/main" val="389380123"/>
       </p:ext>
     </p:extLst>
   </p:cSld>
@@ -28998,7 +29019,17 @@
             </a:pPr>
             <a:r>
               <a:rPr lang="en-US" dirty="0"/>
-              <a:t>First stashed chunk</a:t>
+              <a:t>Allocate a TON of chunks</a:t>
+            </a:r>
+          </a:p>
+          <a:p>
+            <a:pPr marL="171450" indent="-171450">
+              <a:buFontTx/>
+              <a:buChar char="-"/>
+            </a:pPr>
+            <a:r>
+              <a:rPr lang="en-US" dirty="0"/>
+              <a:t>Free a ton of chunks</a:t>
             </a:r>
           </a:p>
         </p:txBody>
@@ -29020,7 +29051,7 @@
           <a:p>
             <a:fld id="{AC55928C-CD14-454C-B617-1AFCF9A58596}" type="slidenum">
               <a:rPr lang="en-US" smtClean="0"/>
-              <a:t>61</a:t>
+              <a:t>59</a:t>
             </a:fld>
             <a:endParaRPr lang="en-US" dirty="0"/>
           </a:p>
@@ -29029,7 +29060,7 @@
     </p:spTree>
     <p:extLst>
       <p:ext uri="{BB962C8B-B14F-4D97-AF65-F5344CB8AC3E}">
-        <p14:creationId xmlns:p14="http://schemas.microsoft.com/office/powerpoint/2010/main" val="2027322971"/>
+        <p14:creationId xmlns:p14="http://schemas.microsoft.com/office/powerpoint/2010/main" val="134854543"/>
       </p:ext>
     </p:extLst>
   </p:cSld>
@@ -29190,8 +29221,13 @@
             </a:pPr>
             <a:r>
               <a:rPr lang="en-US" dirty="0"/>
-              <a:t>All chunks are stashed</a:t>
-            </a:r>
+              <a:t>Allocate chunks that take EVERYTHING out of the </a:t>
+            </a:r>
+            <a:r>
+              <a:rPr lang="en-US" dirty="0" err="1"/>
+              <a:t>tcache</a:t>
+            </a:r>
+            <a:endParaRPr lang="en-US" dirty="0"/>
           </a:p>
           <a:p>
             <a:pPr marL="171450" indent="-171450">
@@ -29200,24 +29236,13 @@
             </a:pPr>
             <a:r>
               <a:rPr lang="en-US" dirty="0"/>
-              <a:t>Does this until the </a:t>
-            </a:r>
-            <a:r>
-              <a:rPr lang="en-US" dirty="0" err="1"/>
-              <a:t>tcache</a:t>
-            </a:r>
-            <a:r>
-              <a:rPr lang="en-US" dirty="0"/>
-              <a:t> is full or the </a:t>
+              <a:t>Next allocation will come from the </a:t>
             </a:r>
             <a:r>
               <a:rPr lang="en-US" dirty="0" err="1"/>
               <a:t>fastbin</a:t>
             </a:r>
-            <a:r>
-              <a:rPr lang="en-US" dirty="0"/>
-              <a:t> is empty</a:t>
-            </a:r>
+            <a:endParaRPr lang="en-US" dirty="0"/>
           </a:p>
         </p:txBody>
       </p:sp>
@@ -29238,7 +29263,7 @@
           <a:p>
             <a:fld id="{AC55928C-CD14-454C-B617-1AFCF9A58596}" type="slidenum">
               <a:rPr lang="en-US" smtClean="0"/>
-              <a:t>62</a:t>
+              <a:t>60</a:t>
             </a:fld>
             <a:endParaRPr lang="en-US" dirty="0"/>
           </a:p>
@@ -29247,7 +29272,7 @@
     </p:spTree>
     <p:extLst>
       <p:ext uri="{BB962C8B-B14F-4D97-AF65-F5344CB8AC3E}">
-        <p14:creationId xmlns:p14="http://schemas.microsoft.com/office/powerpoint/2010/main" val="123823949"/>
+        <p14:creationId xmlns:p14="http://schemas.microsoft.com/office/powerpoint/2010/main" val="920611491"/>
       </p:ext>
     </p:extLst>
   </p:cSld>
@@ -29305,6 +29330,14 @@
               <a:buFontTx/>
               <a:buChar char="-"/>
             </a:pPr>
+            <a:r>
+              <a:rPr lang="en-US" dirty="0"/>
+              <a:t>Allocated chunk removed from the </a:t>
+            </a:r>
+            <a:r>
+              <a:rPr lang="en-US" dirty="0" err="1"/>
+              <a:t>fastbin</a:t>
+            </a:r>
             <a:endParaRPr lang="en-US" dirty="0"/>
           </a:p>
         </p:txBody>
@@ -29326,7 +29359,7 @@
           <a:p>
             <a:fld id="{AC55928C-CD14-454C-B617-1AFCF9A58596}" type="slidenum">
               <a:rPr lang="en-US" smtClean="0"/>
-              <a:t>63</a:t>
+              <a:t>61</a:t>
             </a:fld>
             <a:endParaRPr lang="en-US" dirty="0"/>
           </a:p>
@@ -29335,7 +29368,7 @@
     </p:spTree>
     <p:extLst>
       <p:ext uri="{BB962C8B-B14F-4D97-AF65-F5344CB8AC3E}">
-        <p14:creationId xmlns:p14="http://schemas.microsoft.com/office/powerpoint/2010/main" val="543339563"/>
+        <p14:creationId xmlns:p14="http://schemas.microsoft.com/office/powerpoint/2010/main" val="78796197"/>
       </p:ext>
     </p:extLst>
   </p:cSld>
@@ -29393,7 +29426,10 @@
               <a:buFontTx/>
               <a:buChar char="-"/>
             </a:pPr>
-            <a:endParaRPr lang="en-US" dirty="0"/>
+            <a:r>
+              <a:rPr lang="en-US" dirty="0"/>
+              <a:t>First stashed chunk</a:t>
+            </a:r>
           </a:p>
         </p:txBody>
       </p:sp>
@@ -29414,7 +29450,7 @@
           <a:p>
             <a:fld id="{AC55928C-CD14-454C-B617-1AFCF9A58596}" type="slidenum">
               <a:rPr lang="en-US" smtClean="0"/>
-              <a:t>64</a:t>
+              <a:t>62</a:t>
             </a:fld>
             <a:endParaRPr lang="en-US" dirty="0"/>
           </a:p>
@@ -29423,7 +29459,7 @@
     </p:spTree>
     <p:extLst>
       <p:ext uri="{BB962C8B-B14F-4D97-AF65-F5344CB8AC3E}">
-        <p14:creationId xmlns:p14="http://schemas.microsoft.com/office/powerpoint/2010/main" val="1865127648"/>
+        <p14:creationId xmlns:p14="http://schemas.microsoft.com/office/powerpoint/2010/main" val="2027322971"/>
       </p:ext>
     </p:extLst>
   </p:cSld>
@@ -29483,35 +29519,34 @@
             </a:pPr>
             <a:r>
               <a:rPr lang="en-US" dirty="0"/>
-              <a:t>Relies upon proper linked list</a:t>
-            </a:r>
-          </a:p>
-          <a:p>
-            <a:pPr marL="628650" lvl="1" indent="-171450">
+              <a:t>All chunks are stashed</a:t>
+            </a:r>
+          </a:p>
+          <a:p>
+            <a:pPr marL="171450" indent="-171450">
               <a:buFontTx/>
               <a:buChar char="-"/>
             </a:pPr>
             <a:r>
               <a:rPr lang="en-US" dirty="0"/>
-              <a:t>No validation on these items!</a:t>
-            </a:r>
-          </a:p>
-          <a:p>
-            <a:pPr marL="171450" lvl="0" indent="-171450">
-              <a:buFontTx/>
-              <a:buChar char="-"/>
-            </a:pPr>
+              <a:t>Does this until the </a:t>
+            </a:r>
+            <a:r>
+              <a:rPr lang="en-US" dirty="0" err="1"/>
+              <a:t>tcache</a:t>
+            </a:r>
             <a:r>
               <a:rPr lang="en-US" dirty="0"/>
-              <a:t>Writes address of heap chunk (‘fd’) to our address. Sick!</a:t>
-            </a:r>
-          </a:p>
-          <a:p>
-            <a:pPr marL="171450" lvl="0" indent="-171450">
-              <a:buFontTx/>
-              <a:buChar char="-"/>
-            </a:pPr>
-            <a:endParaRPr lang="en-US" dirty="0"/>
+              <a:t> is full or the </a:t>
+            </a:r>
+            <a:r>
+              <a:rPr lang="en-US" dirty="0" err="1"/>
+              <a:t>fastbin</a:t>
+            </a:r>
+            <a:r>
+              <a:rPr lang="en-US" dirty="0"/>
+              <a:t> is empty</a:t>
+            </a:r>
           </a:p>
         </p:txBody>
       </p:sp>
@@ -29532,7 +29567,7 @@
           <a:p>
             <a:fld id="{AC55928C-CD14-454C-B617-1AFCF9A58596}" type="slidenum">
               <a:rPr lang="en-US" smtClean="0"/>
-              <a:t>65</a:t>
+              <a:t>63</a:t>
             </a:fld>
             <a:endParaRPr lang="en-US" dirty="0"/>
           </a:p>
@@ -29541,7 +29576,7 @@
     </p:spTree>
     <p:extLst>
       <p:ext uri="{BB962C8B-B14F-4D97-AF65-F5344CB8AC3E}">
-        <p14:creationId xmlns:p14="http://schemas.microsoft.com/office/powerpoint/2010/main" val="95207455"/>
+        <p14:creationId xmlns:p14="http://schemas.microsoft.com/office/powerpoint/2010/main" val="123823949"/>
       </p:ext>
     </p:extLst>
   </p:cSld>
@@ -29595,18 +29630,11 @@
           <a:bodyPr/>
           <a:lstStyle/>
           <a:p>
-            <a:r>
-              <a:rPr lang="en-US" dirty="0"/>
-              <a:t>- Mention DEMO for the </a:t>
-            </a:r>
-            <a:r>
-              <a:rPr lang="en-US" dirty="0" err="1"/>
-              <a:t>tcache</a:t>
-            </a:r>
-            <a:r>
-              <a:rPr lang="en-US" dirty="0"/>
-              <a:t> stashing technique</a:t>
-            </a:r>
+            <a:pPr marL="171450" indent="-171450">
+              <a:buFontTx/>
+              <a:buChar char="-"/>
+            </a:pPr>
+            <a:endParaRPr lang="en-US" dirty="0"/>
           </a:p>
         </p:txBody>
       </p:sp>
@@ -29627,7 +29655,490 @@
           <a:p>
             <a:fld id="{AC55928C-CD14-454C-B617-1AFCF9A58596}" type="slidenum">
               <a:rPr lang="en-US" smtClean="0"/>
-              <a:t>76</a:t>
+              <a:t>64</a:t>
+            </a:fld>
+            <a:endParaRPr lang="en-US" dirty="0"/>
+          </a:p>
+        </p:txBody>
+      </p:sp>
+    </p:spTree>
+    <p:extLst>
+      <p:ext uri="{BB962C8B-B14F-4D97-AF65-F5344CB8AC3E}">
+        <p14:creationId xmlns:p14="http://schemas.microsoft.com/office/powerpoint/2010/main" val="543339563"/>
+      </p:ext>
+    </p:extLst>
+  </p:cSld>
+  <p:clrMapOvr>
+    <a:masterClrMapping/>
+  </p:clrMapOvr>
+</p:notes>
+</file>
+
+<file path=ppt/notesSlides/notesSlide25.xml><?xml version="1.0" encoding="utf-8"?>
+<p:notes xmlns:a="http://schemas.openxmlformats.org/drawingml/2006/main" xmlns:r="http://schemas.openxmlformats.org/officeDocument/2006/relationships" xmlns:p="http://schemas.openxmlformats.org/presentationml/2006/main">
+  <p:cSld>
+    <p:spTree>
+      <p:nvGrpSpPr>
+        <p:cNvPr id="1" name=""/>
+        <p:cNvGrpSpPr/>
+        <p:nvPr/>
+      </p:nvGrpSpPr>
+      <p:grpSpPr>
+        <a:xfrm>
+          <a:off x="0" y="0"/>
+          <a:ext cx="0" cy="0"/>
+          <a:chOff x="0" y="0"/>
+          <a:chExt cx="0" cy="0"/>
+        </a:xfrm>
+      </p:grpSpPr>
+      <p:sp>
+        <p:nvSpPr>
+          <p:cNvPr id="2" name="Slide Image Placeholder 1"/>
+          <p:cNvSpPr>
+            <a:spLocks noGrp="1" noRot="1" noChangeAspect="1"/>
+          </p:cNvSpPr>
+          <p:nvPr>
+            <p:ph type="sldImg"/>
+          </p:nvPr>
+        </p:nvSpPr>
+        <p:spPr/>
+      </p:sp>
+      <p:sp>
+        <p:nvSpPr>
+          <p:cNvPr id="3" name="Notes Placeholder 2"/>
+          <p:cNvSpPr>
+            <a:spLocks noGrp="1"/>
+          </p:cNvSpPr>
+          <p:nvPr>
+            <p:ph type="body" idx="1"/>
+          </p:nvPr>
+        </p:nvSpPr>
+        <p:spPr/>
+        <p:txBody>
+          <a:bodyPr/>
+          <a:lstStyle/>
+          <a:p>
+            <a:pPr marL="171450" indent="-171450">
+              <a:buFontTx/>
+              <a:buChar char="-"/>
+            </a:pPr>
+            <a:endParaRPr lang="en-US" dirty="0"/>
+          </a:p>
+        </p:txBody>
+      </p:sp>
+      <p:sp>
+        <p:nvSpPr>
+          <p:cNvPr id="4" name="Slide Number Placeholder 3"/>
+          <p:cNvSpPr>
+            <a:spLocks noGrp="1"/>
+          </p:cNvSpPr>
+          <p:nvPr>
+            <p:ph type="sldNum" sz="quarter" idx="5"/>
+          </p:nvPr>
+        </p:nvSpPr>
+        <p:spPr/>
+        <p:txBody>
+          <a:bodyPr/>
+          <a:lstStyle/>
+          <a:p>
+            <a:fld id="{AC55928C-CD14-454C-B617-1AFCF9A58596}" type="slidenum">
+              <a:rPr lang="en-US" smtClean="0"/>
+              <a:t>65</a:t>
+            </a:fld>
+            <a:endParaRPr lang="en-US" dirty="0"/>
+          </a:p>
+        </p:txBody>
+      </p:sp>
+    </p:spTree>
+    <p:extLst>
+      <p:ext uri="{BB962C8B-B14F-4D97-AF65-F5344CB8AC3E}">
+        <p14:creationId xmlns:p14="http://schemas.microsoft.com/office/powerpoint/2010/main" val="1865127648"/>
+      </p:ext>
+    </p:extLst>
+  </p:cSld>
+  <p:clrMapOvr>
+    <a:masterClrMapping/>
+  </p:clrMapOvr>
+</p:notes>
+</file>
+
+<file path=ppt/notesSlides/notesSlide26.xml><?xml version="1.0" encoding="utf-8"?>
+<p:notes xmlns:a="http://schemas.openxmlformats.org/drawingml/2006/main" xmlns:r="http://schemas.openxmlformats.org/officeDocument/2006/relationships" xmlns:p="http://schemas.openxmlformats.org/presentationml/2006/main">
+  <p:cSld>
+    <p:spTree>
+      <p:nvGrpSpPr>
+        <p:cNvPr id="1" name=""/>
+        <p:cNvGrpSpPr/>
+        <p:nvPr/>
+      </p:nvGrpSpPr>
+      <p:grpSpPr>
+        <a:xfrm>
+          <a:off x="0" y="0"/>
+          <a:ext cx="0" cy="0"/>
+          <a:chOff x="0" y="0"/>
+          <a:chExt cx="0" cy="0"/>
+        </a:xfrm>
+      </p:grpSpPr>
+      <p:sp>
+        <p:nvSpPr>
+          <p:cNvPr id="2" name="Slide Image Placeholder 1"/>
+          <p:cNvSpPr>
+            <a:spLocks noGrp="1" noRot="1" noChangeAspect="1"/>
+          </p:cNvSpPr>
+          <p:nvPr>
+            <p:ph type="sldImg"/>
+          </p:nvPr>
+        </p:nvSpPr>
+        <p:spPr/>
+      </p:sp>
+      <p:sp>
+        <p:nvSpPr>
+          <p:cNvPr id="3" name="Notes Placeholder 2"/>
+          <p:cNvSpPr>
+            <a:spLocks noGrp="1"/>
+          </p:cNvSpPr>
+          <p:nvPr>
+            <p:ph type="body" idx="1"/>
+          </p:nvPr>
+        </p:nvSpPr>
+        <p:spPr/>
+        <p:txBody>
+          <a:bodyPr/>
+          <a:lstStyle/>
+          <a:p>
+            <a:pPr marL="171450" indent="-171450">
+              <a:buFontTx/>
+              <a:buChar char="-"/>
+            </a:pPr>
+            <a:r>
+              <a:rPr lang="en-US" dirty="0"/>
+              <a:t>Relies upon proper linked list</a:t>
+            </a:r>
+          </a:p>
+          <a:p>
+            <a:pPr marL="628650" lvl="1" indent="-171450">
+              <a:buFontTx/>
+              <a:buChar char="-"/>
+            </a:pPr>
+            <a:r>
+              <a:rPr lang="en-US" dirty="0"/>
+              <a:t>No validation on these items!</a:t>
+            </a:r>
+          </a:p>
+          <a:p>
+            <a:pPr marL="171450" lvl="0" indent="-171450">
+              <a:buFontTx/>
+              <a:buChar char="-"/>
+            </a:pPr>
+            <a:r>
+              <a:rPr lang="en-US" dirty="0"/>
+              <a:t>Writes address of heap chunk (‘fd’) to our address. Sick!</a:t>
+            </a:r>
+          </a:p>
+          <a:p>
+            <a:pPr marL="171450" lvl="0" indent="-171450">
+              <a:buFontTx/>
+              <a:buChar char="-"/>
+            </a:pPr>
+            <a:endParaRPr lang="en-US" dirty="0"/>
+          </a:p>
+        </p:txBody>
+      </p:sp>
+      <p:sp>
+        <p:nvSpPr>
+          <p:cNvPr id="4" name="Slide Number Placeholder 3"/>
+          <p:cNvSpPr>
+            <a:spLocks noGrp="1"/>
+          </p:cNvSpPr>
+          <p:nvPr>
+            <p:ph type="sldNum" sz="quarter" idx="5"/>
+          </p:nvPr>
+        </p:nvSpPr>
+        <p:spPr/>
+        <p:txBody>
+          <a:bodyPr/>
+          <a:lstStyle/>
+          <a:p>
+            <a:fld id="{AC55928C-CD14-454C-B617-1AFCF9A58596}" type="slidenum">
+              <a:rPr lang="en-US" smtClean="0"/>
+              <a:t>66</a:t>
+            </a:fld>
+            <a:endParaRPr lang="en-US" dirty="0"/>
+          </a:p>
+        </p:txBody>
+      </p:sp>
+    </p:spTree>
+    <p:extLst>
+      <p:ext uri="{BB962C8B-B14F-4D97-AF65-F5344CB8AC3E}">
+        <p14:creationId xmlns:p14="http://schemas.microsoft.com/office/powerpoint/2010/main" val="95207455"/>
+      </p:ext>
+    </p:extLst>
+  </p:cSld>
+  <p:clrMapOvr>
+    <a:masterClrMapping/>
+  </p:clrMapOvr>
+</p:notes>
+</file>
+
+<file path=ppt/notesSlides/notesSlide27.xml><?xml version="1.0" encoding="utf-8"?>
+<p:notes xmlns:a="http://schemas.openxmlformats.org/drawingml/2006/main" xmlns:r="http://schemas.openxmlformats.org/officeDocument/2006/relationships" xmlns:p="http://schemas.openxmlformats.org/presentationml/2006/main">
+  <p:cSld>
+    <p:spTree>
+      <p:nvGrpSpPr>
+        <p:cNvPr id="1" name=""/>
+        <p:cNvGrpSpPr/>
+        <p:nvPr/>
+      </p:nvGrpSpPr>
+      <p:grpSpPr>
+        <a:xfrm>
+          <a:off x="0" y="0"/>
+          <a:ext cx="0" cy="0"/>
+          <a:chOff x="0" y="0"/>
+          <a:chExt cx="0" cy="0"/>
+        </a:xfrm>
+      </p:grpSpPr>
+      <p:sp>
+        <p:nvSpPr>
+          <p:cNvPr id="2" name="Slide Image Placeholder 1"/>
+          <p:cNvSpPr>
+            <a:spLocks noGrp="1" noRot="1" noChangeAspect="1"/>
+          </p:cNvSpPr>
+          <p:nvPr>
+            <p:ph type="sldImg"/>
+          </p:nvPr>
+        </p:nvSpPr>
+        <p:spPr/>
+      </p:sp>
+      <p:sp>
+        <p:nvSpPr>
+          <p:cNvPr id="3" name="Notes Placeholder 2"/>
+          <p:cNvSpPr>
+            <a:spLocks noGrp="1"/>
+          </p:cNvSpPr>
+          <p:nvPr>
+            <p:ph type="body" idx="1"/>
+          </p:nvPr>
+        </p:nvSpPr>
+        <p:spPr/>
+        <p:txBody>
+          <a:bodyPr/>
+          <a:lstStyle/>
+          <a:p>
+            <a:r>
+              <a:rPr lang="en-US" dirty="0"/>
+              <a:t>Skip through full adding of chunk 1 to </a:t>
+            </a:r>
+            <a:r>
+              <a:rPr lang="en-US" dirty="0" err="1"/>
+              <a:t>Tcache</a:t>
+            </a:r>
+            <a:r>
+              <a:rPr lang="en-US" dirty="0"/>
+              <a:t>...</a:t>
+            </a:r>
+          </a:p>
+        </p:txBody>
+      </p:sp>
+      <p:sp>
+        <p:nvSpPr>
+          <p:cNvPr id="4" name="Slide Number Placeholder 3"/>
+          <p:cNvSpPr>
+            <a:spLocks noGrp="1"/>
+          </p:cNvSpPr>
+          <p:nvPr>
+            <p:ph type="sldNum" sz="quarter" idx="5"/>
+          </p:nvPr>
+        </p:nvSpPr>
+        <p:spPr/>
+        <p:txBody>
+          <a:bodyPr/>
+          <a:lstStyle/>
+          <a:p>
+            <a:fld id="{AC55928C-CD14-454C-B617-1AFCF9A58596}" type="slidenum">
+              <a:rPr lang="en-US" smtClean="0"/>
+              <a:t>68</a:t>
+            </a:fld>
+            <a:endParaRPr lang="en-US" dirty="0"/>
+          </a:p>
+        </p:txBody>
+      </p:sp>
+    </p:spTree>
+    <p:extLst>
+      <p:ext uri="{BB962C8B-B14F-4D97-AF65-F5344CB8AC3E}">
+        <p14:creationId xmlns:p14="http://schemas.microsoft.com/office/powerpoint/2010/main" val="2870159267"/>
+      </p:ext>
+    </p:extLst>
+  </p:cSld>
+  <p:clrMapOvr>
+    <a:masterClrMapping/>
+  </p:clrMapOvr>
+</p:notes>
+</file>
+
+<file path=ppt/notesSlides/notesSlide28.xml><?xml version="1.0" encoding="utf-8"?>
+<p:notes xmlns:a="http://schemas.openxmlformats.org/drawingml/2006/main" xmlns:r="http://schemas.openxmlformats.org/officeDocument/2006/relationships" xmlns:p="http://schemas.openxmlformats.org/presentationml/2006/main">
+  <p:cSld>
+    <p:spTree>
+      <p:nvGrpSpPr>
+        <p:cNvPr id="1" name=""/>
+        <p:cNvGrpSpPr/>
+        <p:nvPr/>
+      </p:nvGrpSpPr>
+      <p:grpSpPr>
+        <a:xfrm>
+          <a:off x="0" y="0"/>
+          <a:ext cx="0" cy="0"/>
+          <a:chOff x="0" y="0"/>
+          <a:chExt cx="0" cy="0"/>
+        </a:xfrm>
+      </p:grpSpPr>
+      <p:sp>
+        <p:nvSpPr>
+          <p:cNvPr id="2" name="Slide Image Placeholder 1"/>
+          <p:cNvSpPr>
+            <a:spLocks noGrp="1" noRot="1" noChangeAspect="1"/>
+          </p:cNvSpPr>
+          <p:nvPr>
+            <p:ph type="sldImg"/>
+          </p:nvPr>
+        </p:nvSpPr>
+        <p:spPr/>
+      </p:sp>
+      <p:sp>
+        <p:nvSpPr>
+          <p:cNvPr id="3" name="Notes Placeholder 2"/>
+          <p:cNvSpPr>
+            <a:spLocks noGrp="1"/>
+          </p:cNvSpPr>
+          <p:nvPr>
+            <p:ph type="body" idx="1"/>
+          </p:nvPr>
+        </p:nvSpPr>
+        <p:spPr/>
+        <p:txBody>
+          <a:bodyPr/>
+          <a:lstStyle/>
+          <a:p>
+            <a:r>
+              <a:rPr lang="en-US" dirty="0"/>
+              <a:t>Fd poison attack :) </a:t>
+            </a:r>
+          </a:p>
+        </p:txBody>
+      </p:sp>
+      <p:sp>
+        <p:nvSpPr>
+          <p:cNvPr id="4" name="Slide Number Placeholder 3"/>
+          <p:cNvSpPr>
+            <a:spLocks noGrp="1"/>
+          </p:cNvSpPr>
+          <p:nvPr>
+            <p:ph type="sldNum" sz="quarter" idx="5"/>
+          </p:nvPr>
+        </p:nvSpPr>
+        <p:spPr/>
+        <p:txBody>
+          <a:bodyPr/>
+          <a:lstStyle/>
+          <a:p>
+            <a:fld id="{AC55928C-CD14-454C-B617-1AFCF9A58596}" type="slidenum">
+              <a:rPr lang="en-US" smtClean="0"/>
+              <a:t>75</a:t>
+            </a:fld>
+            <a:endParaRPr lang="en-US" dirty="0"/>
+          </a:p>
+        </p:txBody>
+      </p:sp>
+    </p:spTree>
+    <p:extLst>
+      <p:ext uri="{BB962C8B-B14F-4D97-AF65-F5344CB8AC3E}">
+        <p14:creationId xmlns:p14="http://schemas.microsoft.com/office/powerpoint/2010/main" val="3489928297"/>
+      </p:ext>
+    </p:extLst>
+  </p:cSld>
+  <p:clrMapOvr>
+    <a:masterClrMapping/>
+  </p:clrMapOvr>
+</p:notes>
+</file>
+
+<file path=ppt/notesSlides/notesSlide29.xml><?xml version="1.0" encoding="utf-8"?>
+<p:notes xmlns:a="http://schemas.openxmlformats.org/drawingml/2006/main" xmlns:r="http://schemas.openxmlformats.org/officeDocument/2006/relationships" xmlns:p="http://schemas.openxmlformats.org/presentationml/2006/main">
+  <p:cSld>
+    <p:spTree>
+      <p:nvGrpSpPr>
+        <p:cNvPr id="1" name=""/>
+        <p:cNvGrpSpPr/>
+        <p:nvPr/>
+      </p:nvGrpSpPr>
+      <p:grpSpPr>
+        <a:xfrm>
+          <a:off x="0" y="0"/>
+          <a:ext cx="0" cy="0"/>
+          <a:chOff x="0" y="0"/>
+          <a:chExt cx="0" cy="0"/>
+        </a:xfrm>
+      </p:grpSpPr>
+      <p:sp>
+        <p:nvSpPr>
+          <p:cNvPr id="2" name="Slide Image Placeholder 1"/>
+          <p:cNvSpPr>
+            <a:spLocks noGrp="1" noRot="1" noChangeAspect="1"/>
+          </p:cNvSpPr>
+          <p:nvPr>
+            <p:ph type="sldImg"/>
+          </p:nvPr>
+        </p:nvSpPr>
+        <p:spPr/>
+      </p:sp>
+      <p:sp>
+        <p:nvSpPr>
+          <p:cNvPr id="3" name="Notes Placeholder 2"/>
+          <p:cNvSpPr>
+            <a:spLocks noGrp="1"/>
+          </p:cNvSpPr>
+          <p:nvPr>
+            <p:ph type="body" idx="1"/>
+          </p:nvPr>
+        </p:nvSpPr>
+        <p:spPr/>
+        <p:txBody>
+          <a:bodyPr/>
+          <a:lstStyle/>
+          <a:p>
+            <a:r>
+              <a:rPr lang="en-US" dirty="0"/>
+              <a:t>- Mention DEMO for the </a:t>
+            </a:r>
+            <a:r>
+              <a:rPr lang="en-US" dirty="0" err="1"/>
+              <a:t>tcache</a:t>
+            </a:r>
+            <a:r>
+              <a:rPr lang="en-US" dirty="0"/>
+              <a:t> stashing technique</a:t>
+            </a:r>
+          </a:p>
+        </p:txBody>
+      </p:sp>
+      <p:sp>
+        <p:nvSpPr>
+          <p:cNvPr id="4" name="Slide Number Placeholder 3"/>
+          <p:cNvSpPr>
+            <a:spLocks noGrp="1"/>
+          </p:cNvSpPr>
+          <p:nvPr>
+            <p:ph type="sldNum" sz="quarter" idx="5"/>
+          </p:nvPr>
+        </p:nvSpPr>
+        <p:spPr/>
+        <p:txBody>
+          <a:bodyPr/>
+          <a:lstStyle/>
+          <a:p>
+            <a:fld id="{AC55928C-CD14-454C-B617-1AFCF9A58596}" type="slidenum">
+              <a:rPr lang="en-US" smtClean="0"/>
+              <a:t>77</a:t>
             </a:fld>
             <a:endParaRPr lang="en-US" dirty="0"/>
           </a:p>
@@ -29791,50 +30302,10 @@
           <a:bodyPr/>
           <a:lstStyle/>
           <a:p>
-            <a:pPr marL="171450" indent="-171450">
-              <a:buFontTx/>
-              <a:buChar char="-"/>
-            </a:pPr>
             <a:r>
               <a:rPr lang="en-US" dirty="0"/>
-              <a:t>While loop Iterates through the entire unsorted bin</a:t>
-            </a:r>
-          </a:p>
-          <a:p>
-            <a:pPr marL="171450" indent="-171450">
-              <a:buFontTx/>
-              <a:buChar char="-"/>
-            </a:pPr>
-            <a:r>
-              <a:rPr lang="en-US" dirty="0"/>
-              <a:t>Victim is the ‘</a:t>
-            </a:r>
-            <a:r>
-              <a:rPr lang="en-US" i="1" dirty="0"/>
-              <a:t>unsorted bin chunk’</a:t>
-            </a:r>
-            <a:r>
-              <a:rPr lang="en-US" i="0" dirty="0"/>
-              <a:t> being removed from the list</a:t>
-            </a:r>
-          </a:p>
-          <a:p>
-            <a:pPr marL="171450" indent="-171450">
-              <a:buFontTx/>
-              <a:buChar char="-"/>
-            </a:pPr>
-            <a:r>
-              <a:rPr lang="en-US" i="0" dirty="0"/>
-              <a:t>Bck is the chunks back pointer</a:t>
-            </a:r>
-            <a:endParaRPr lang="en-US" dirty="0"/>
-          </a:p>
-          <a:p>
-            <a:pPr marL="171450" indent="-171450">
-              <a:buFontTx/>
-              <a:buChar char="-"/>
-            </a:pPr>
-            <a:endParaRPr lang="en-US" dirty="0"/>
+              <a:t>No... this is NOT exactly like unlink.</a:t>
+            </a:r>
           </a:p>
         </p:txBody>
       </p:sp>
@@ -29855,7 +30326,7 @@
           <a:p>
             <a:fld id="{AC55928C-CD14-454C-B617-1AFCF9A58596}" type="slidenum">
               <a:rPr lang="en-US" smtClean="0"/>
-              <a:t>20</a:t>
+              <a:t>15</a:t>
             </a:fld>
             <a:endParaRPr lang="en-US" dirty="0"/>
           </a:p>
@@ -29864,7 +30335,7 @@
     </p:spTree>
     <p:extLst>
       <p:ext uri="{BB962C8B-B14F-4D97-AF65-F5344CB8AC3E}">
-        <p14:creationId xmlns:p14="http://schemas.microsoft.com/office/powerpoint/2010/main" val="2811854126"/>
+        <p14:creationId xmlns:p14="http://schemas.microsoft.com/office/powerpoint/2010/main" val="2388025452"/>
       </p:ext>
     </p:extLst>
   </p:cSld>
@@ -29918,16 +30389,50 @@
           <a:bodyPr/>
           <a:lstStyle/>
           <a:p>
+            <a:pPr marL="171450" indent="-171450">
+              <a:buFontTx/>
+              <a:buChar char="-"/>
+            </a:pPr>
             <a:r>
               <a:rPr lang="en-US" dirty="0"/>
-              <a:t>- Write chunk #2 to the ‘removal’ or end pointer of the bin</a:t>
-            </a:r>
-          </a:p>
-          <a:p>
+              <a:t>While loop Iterates through the entire unsorted bin</a:t>
+            </a:r>
+          </a:p>
+          <a:p>
+            <a:pPr marL="171450" indent="-171450">
+              <a:buFontTx/>
+              <a:buChar char="-"/>
+            </a:pPr>
             <a:r>
               <a:rPr lang="en-US" dirty="0"/>
-              <a:t>- Write chunk #2’s ‘fd’ pointer to point to the bin.</a:t>
-            </a:r>
+              <a:t>Victim is the ‘</a:t>
+            </a:r>
+            <a:r>
+              <a:rPr lang="en-US" i="1" dirty="0"/>
+              <a:t>unsorted bin chunk’</a:t>
+            </a:r>
+            <a:r>
+              <a:rPr lang="en-US" i="0" dirty="0"/>
+              <a:t> being removed from the list</a:t>
+            </a:r>
+          </a:p>
+          <a:p>
+            <a:pPr marL="171450" indent="-171450">
+              <a:buFontTx/>
+              <a:buChar char="-"/>
+            </a:pPr>
+            <a:r>
+              <a:rPr lang="en-US" i="0" dirty="0"/>
+              <a:t>Bck is the chunks back pointer</a:t>
+            </a:r>
+            <a:endParaRPr lang="en-US" dirty="0"/>
+          </a:p>
+          <a:p>
+            <a:pPr marL="171450" indent="-171450">
+              <a:buFontTx/>
+              <a:buChar char="-"/>
+            </a:pPr>
+            <a:endParaRPr lang="en-US" dirty="0"/>
           </a:p>
         </p:txBody>
       </p:sp>
@@ -29948,7 +30453,7 @@
           <a:p>
             <a:fld id="{AC55928C-CD14-454C-B617-1AFCF9A58596}" type="slidenum">
               <a:rPr lang="en-US" smtClean="0"/>
-              <a:t>21</a:t>
+              <a:t>20</a:t>
             </a:fld>
             <a:endParaRPr lang="en-US" dirty="0"/>
           </a:p>
@@ -29957,7 +30462,7 @@
     </p:spTree>
     <p:extLst>
       <p:ext uri="{BB962C8B-B14F-4D97-AF65-F5344CB8AC3E}">
-        <p14:creationId xmlns:p14="http://schemas.microsoft.com/office/powerpoint/2010/main" val="1947281622"/>
+        <p14:creationId xmlns:p14="http://schemas.microsoft.com/office/powerpoint/2010/main" val="2811854126"/>
       </p:ext>
     </p:extLst>
   </p:cSld>
@@ -30013,7 +30518,13 @@
           <a:p>
             <a:r>
               <a:rPr lang="en-US" dirty="0"/>
-              <a:t>- Harder with TCache because of stashing</a:t>
+              <a:t>- Write chunk #2 to the ‘removal’ or end pointer of the bin</a:t>
+            </a:r>
+          </a:p>
+          <a:p>
+            <a:r>
+              <a:rPr lang="en-US" dirty="0"/>
+              <a:t>- Write chunk #2’s ‘fd’ pointer to point to the bin.</a:t>
             </a:r>
           </a:p>
         </p:txBody>
@@ -30035,7 +30546,7 @@
           <a:p>
             <a:fld id="{AC55928C-CD14-454C-B617-1AFCF9A58596}" type="slidenum">
               <a:rPr lang="en-US" smtClean="0"/>
-              <a:t>25</a:t>
+              <a:t>21</a:t>
             </a:fld>
             <a:endParaRPr lang="en-US" dirty="0"/>
           </a:p>
@@ -30044,7 +30555,7 @@
     </p:spTree>
     <p:extLst>
       <p:ext uri="{BB962C8B-B14F-4D97-AF65-F5344CB8AC3E}">
-        <p14:creationId xmlns:p14="http://schemas.microsoft.com/office/powerpoint/2010/main" val="3472758251"/>
+        <p14:creationId xmlns:p14="http://schemas.microsoft.com/office/powerpoint/2010/main" val="1710551188"/>
       </p:ext>
     </p:extLst>
   </p:cSld>
@@ -30100,13 +30611,13 @@
           <a:p>
             <a:r>
               <a:rPr lang="en-US" dirty="0"/>
-              <a:t>Emphasis the ‘trigger’ on this because this is the first time we are going on it:</a:t>
+              <a:t>- Write chunk #2 to the ‘removal’ or end pointer of the bin</a:t>
             </a:r>
           </a:p>
           <a:p>
             <a:r>
               <a:rPr lang="en-US" dirty="0"/>
-              <a:t>- Need to mention that this bug occurs.</a:t>
+              <a:t>- Write chunk #2’s ‘fd’ pointer to point to the bin.</a:t>
             </a:r>
           </a:p>
         </p:txBody>
@@ -30128,7 +30639,7 @@
           <a:p>
             <a:fld id="{AC55928C-CD14-454C-B617-1AFCF9A58596}" type="slidenum">
               <a:rPr lang="en-US" smtClean="0"/>
-              <a:t>26</a:t>
+              <a:t>22</a:t>
             </a:fld>
             <a:endParaRPr lang="en-US" dirty="0"/>
           </a:p>
@@ -30137,7 +30648,7 @@
     </p:spTree>
     <p:extLst>
       <p:ext uri="{BB962C8B-B14F-4D97-AF65-F5344CB8AC3E}">
-        <p14:creationId xmlns:p14="http://schemas.microsoft.com/office/powerpoint/2010/main" val="1322059959"/>
+        <p14:creationId xmlns:p14="http://schemas.microsoft.com/office/powerpoint/2010/main" val="1947281622"/>
       </p:ext>
     </p:extLst>
   </p:cSld>
@@ -30191,7 +30702,10 @@
           <a:bodyPr/>
           <a:lstStyle/>
           <a:p>
-            <a:endParaRPr lang="en-US" dirty="0"/>
+            <a:r>
+              <a:rPr lang="en-US" dirty="0"/>
+              <a:t>- Harder with TCache because of stashing</a:t>
+            </a:r>
           </a:p>
         </p:txBody>
       </p:sp>
@@ -30212,7 +30726,7 @@
           <a:p>
             <a:fld id="{AC55928C-CD14-454C-B617-1AFCF9A58596}" type="slidenum">
               <a:rPr lang="en-US" smtClean="0"/>
-              <a:t>30</a:t>
+              <a:t>26</a:t>
             </a:fld>
             <a:endParaRPr lang="en-US" dirty="0"/>
           </a:p>
@@ -30221,7 +30735,7 @@
     </p:spTree>
     <p:extLst>
       <p:ext uri="{BB962C8B-B14F-4D97-AF65-F5344CB8AC3E}">
-        <p14:creationId xmlns:p14="http://schemas.microsoft.com/office/powerpoint/2010/main" val="4147072467"/>
+        <p14:creationId xmlns:p14="http://schemas.microsoft.com/office/powerpoint/2010/main" val="3472758251"/>
       </p:ext>
     </p:extLst>
   </p:cSld>
@@ -30277,77 +30791,14 @@
           <a:p>
             <a:r>
               <a:rPr lang="en-US" dirty="0"/>
-              <a:t>Demo: </a:t>
-            </a:r>
-          </a:p>
-          <a:p>
-            <a:pPr marL="171450" indent="-171450">
-              <a:buFontTx/>
-              <a:buChar char="-"/>
-            </a:pPr>
+              <a:t>Emphasis the ‘trigger’ on this because this is the first time we are going on it:</a:t>
+            </a:r>
+          </a:p>
+          <a:p>
             <a:r>
               <a:rPr lang="en-US" dirty="0"/>
-              <a:t>Show the python3 </a:t>
-            </a:r>
-            <a:r>
-              <a:rPr lang="en-US" dirty="0" err="1"/>
-              <a:t>start.py</a:t>
-            </a:r>
-            <a:endParaRPr lang="en-US" dirty="0"/>
-          </a:p>
-          <a:p>
-            <a:pPr marL="171450" indent="-171450">
-              <a:buFontTx/>
-              <a:buChar char="-"/>
-            </a:pPr>
-            <a:r>
-              <a:rPr lang="en-US" dirty="0"/>
-              <a:t>Show all the functionality</a:t>
-            </a:r>
-          </a:p>
-          <a:p>
-            <a:pPr marL="171450" indent="-171450">
-              <a:buFontTx/>
-              <a:buChar char="-"/>
-            </a:pPr>
-            <a:r>
-              <a:rPr lang="en-US" dirty="0"/>
-              <a:t>Walk through the source code some</a:t>
-            </a:r>
-          </a:p>
-          <a:p>
-            <a:pPr marL="171450" indent="-171450">
-              <a:buFontTx/>
-              <a:buChar char="-"/>
-            </a:pPr>
-            <a:r>
-              <a:rPr lang="en-US" dirty="0"/>
-              <a:t>Describe goal – particularly call out magi</a:t>
-            </a:r>
-          </a:p>
-          <a:p>
-            <a:endParaRPr lang="en-US" dirty="0"/>
-          </a:p>
-          <a:p>
-            <a:r>
-              <a:rPr lang="en-US" dirty="0"/>
-              <a:t>Part way through….</a:t>
-            </a:r>
-          </a:p>
-          <a:p>
-            <a:r>
-              <a:rPr lang="en-US" dirty="0"/>
-              <a:t>- Go through use after free bug</a:t>
-            </a:r>
-          </a:p>
-          <a:p>
-            <a:r>
-              <a:rPr lang="en-US" dirty="0"/>
-              <a:t>- Go through the crash!</a:t>
-            </a:r>
-          </a:p>
-          <a:p>
-            <a:endParaRPr lang="en-US" dirty="0"/>
+              <a:t>- Need to mention that this bug occurs.</a:t>
+            </a:r>
           </a:p>
         </p:txBody>
       </p:sp>
@@ -30368,7 +30819,7 @@
           <a:p>
             <a:fld id="{AC55928C-CD14-454C-B617-1AFCF9A58596}" type="slidenum">
               <a:rPr lang="en-US" smtClean="0"/>
-              <a:t>31</a:t>
+              <a:t>27</a:t>
             </a:fld>
             <a:endParaRPr lang="en-US" dirty="0"/>
           </a:p>
@@ -30377,7 +30828,7 @@
     </p:spTree>
     <p:extLst>
       <p:ext uri="{BB962C8B-B14F-4D97-AF65-F5344CB8AC3E}">
-        <p14:creationId xmlns:p14="http://schemas.microsoft.com/office/powerpoint/2010/main" val="2801668523"/>
+        <p14:creationId xmlns:p14="http://schemas.microsoft.com/office/powerpoint/2010/main" val="1322059959"/>
       </p:ext>
     </p:extLst>
   </p:cSld>
@@ -30590,7 +31041,7 @@
                 <a:latin typeface="Calibri"/>
               </a:rPr>
               <a:pPr/>
-              <a:t>5/5/22</a:t>
+              <a:t>5/16/22</a:t>
             </a:fld>
             <a:endParaRPr lang="en-US" dirty="0">
               <a:solidFill>
@@ -30843,7 +31294,7 @@
                 <a:latin typeface="Calibri"/>
               </a:rPr>
               <a:pPr/>
-              <a:t>5/5/22</a:t>
+              <a:t>5/16/22</a:t>
             </a:fld>
             <a:endParaRPr lang="en-US" dirty="0">
               <a:solidFill>
@@ -31058,7 +31509,7 @@
                 <a:latin typeface="Calibri"/>
               </a:rPr>
               <a:pPr/>
-              <a:t>5/5/22</a:t>
+              <a:t>5/16/22</a:t>
             </a:fld>
             <a:endParaRPr lang="en-US" dirty="0">
               <a:solidFill>
@@ -31456,7 +31907,7 @@
                 <a:latin typeface="Calibri"/>
               </a:rPr>
               <a:pPr/>
-              <a:t>5/5/22</a:t>
+              <a:t>5/16/22</a:t>
             </a:fld>
             <a:endParaRPr lang="en-US" dirty="0">
               <a:solidFill>
@@ -31798,7 +32249,7 @@
                 <a:latin typeface="Calibri"/>
               </a:rPr>
               <a:pPr/>
-              <a:t>5/5/22</a:t>
+              <a:t>5/16/22</a:t>
             </a:fld>
             <a:endParaRPr lang="en-US" dirty="0">
               <a:solidFill>
@@ -32126,7 +32577,7 @@
                 <a:latin typeface="Calibri"/>
               </a:rPr>
               <a:pPr/>
-              <a:t>5/5/22</a:t>
+              <a:t>5/16/22</a:t>
             </a:fld>
             <a:endParaRPr lang="en-US" dirty="0">
               <a:solidFill>
@@ -32615,7 +33066,7 @@
                 <a:latin typeface="Calibri"/>
               </a:rPr>
               <a:pPr/>
-              <a:t>5/5/22</a:t>
+              <a:t>5/16/22</a:t>
             </a:fld>
             <a:endParaRPr lang="en-US" dirty="0">
               <a:solidFill>
@@ -32798,7 +33249,7 @@
                 <a:latin typeface="Calibri"/>
               </a:rPr>
               <a:pPr/>
-              <a:t>5/5/22</a:t>
+              <a:t>5/16/22</a:t>
             </a:fld>
             <a:endParaRPr lang="en-US" dirty="0">
               <a:solidFill>
@@ -33044,7 +33495,7 @@
                 <a:latin typeface="Calibri"/>
               </a:rPr>
               <a:pPr/>
-              <a:t>5/5/22</a:t>
+              <a:t>5/16/22</a:t>
             </a:fld>
             <a:endParaRPr lang="en-US" dirty="0">
               <a:solidFill>
@@ -33386,7 +33837,7 @@
                 <a:latin typeface="Calibri"/>
               </a:rPr>
               <a:pPr/>
-              <a:t>5/5/22</a:t>
+              <a:t>5/16/22</a:t>
             </a:fld>
             <a:endParaRPr lang="en-US" dirty="0">
               <a:solidFill>
@@ -33678,7 +34129,7 @@
                 <a:latin typeface="Calibri"/>
               </a:rPr>
               <a:pPr/>
-              <a:t>5/5/22</a:t>
+              <a:t>5/16/22</a:t>
             </a:fld>
             <a:endParaRPr lang="en-US" dirty="0">
               <a:solidFill>
@@ -33928,7 +34379,7 @@
                 <a:latin typeface="Calibri"/>
               </a:rPr>
               <a:pPr defTabSz="914400"/>
-              <a:t>5/5/22</a:t>
+              <a:t>5/16/22</a:t>
             </a:fld>
             <a:endParaRPr lang="en-US" dirty="0">
               <a:solidFill>
@@ -37001,10 +37452,10 @@
           <p:nvPr/>
         </p:nvPicPr>
         <p:blipFill>
-          <a:blip r:embed="rId2">
+          <a:blip r:embed="rId3">
             <a:extLst>
               <a:ext uri="{96DAC541-7B7A-43D3-8B79-37D633B846F1}">
-                <asvg:svgBlip xmlns:asvg="http://schemas.microsoft.com/office/drawing/2016/SVG/main" r:embed="rId3"/>
+                <asvg:svgBlip xmlns:asvg="http://schemas.microsoft.com/office/drawing/2016/SVG/main" r:embed="rId4"/>
               </a:ext>
             </a:extLst>
           </a:blip>
@@ -37037,7 +37488,7 @@
           <p:nvPr/>
         </p:nvPicPr>
         <p:blipFill>
-          <a:blip r:embed="rId4"/>
+          <a:blip r:embed="rId5"/>
           <a:stretch>
             <a:fillRect/>
           </a:stretch>
@@ -37067,7 +37518,7 @@
           <p:nvPr/>
         </p:nvPicPr>
         <p:blipFill>
-          <a:blip r:embed="rId5"/>
+          <a:blip r:embed="rId6"/>
           <a:stretch>
             <a:fillRect/>
           </a:stretch>
@@ -37097,7 +37548,7 @@
           <p:nvPr/>
         </p:nvPicPr>
         <p:blipFill>
-          <a:blip r:embed="rId5"/>
+          <a:blip r:embed="rId6"/>
           <a:stretch>
             <a:fillRect/>
           </a:stretch>
@@ -37127,7 +37578,7 @@
           <p:nvPr/>
         </p:nvPicPr>
         <p:blipFill>
-          <a:blip r:embed="rId5"/>
+          <a:blip r:embed="rId6"/>
           <a:stretch>
             <a:fillRect/>
           </a:stretch>
@@ -37680,7 +38131,7 @@
             </a:r>
             <a:r>
               <a:rPr lang="en-US" b="1" dirty="0"/>
-              <a:t>bck (</a:t>
+              <a:t>bk (</a:t>
             </a:r>
             <a:r>
               <a:rPr lang="en-US" dirty="0"/>
@@ -38704,7 +39155,7 @@
         </p:nvCxnSpPr>
         <p:spPr>
           <a:xfrm>
-            <a:off x="5351931" y="2061883"/>
+            <a:off x="4663804" y="2094127"/>
             <a:ext cx="761998" cy="0"/>
           </a:xfrm>
           <a:prstGeom prst="line">
@@ -38939,6 +39390,42 @@
           <a:chExt cx="0" cy="0"/>
         </a:xfrm>
       </p:grpSpPr>
+      <p:pic>
+        <p:nvPicPr>
+          <p:cNvPr id="15" name="Graphic 14">
+            <a:extLst>
+              <a:ext uri="{FF2B5EF4-FFF2-40B4-BE49-F238E27FC236}">
+                <a16:creationId xmlns:a16="http://schemas.microsoft.com/office/drawing/2014/main" id="{4A355885-80A5-1F9D-1B7F-A0A648CD3DBF}"/>
+              </a:ext>
+            </a:extLst>
+          </p:cNvPr>
+          <p:cNvPicPr>
+            <a:picLocks noChangeAspect="1"/>
+          </p:cNvPicPr>
+          <p:nvPr/>
+        </p:nvPicPr>
+        <p:blipFill>
+          <a:blip r:embed="rId3">
+            <a:extLst>
+              <a:ext uri="{96DAC541-7B7A-43D3-8B79-37D633B846F1}">
+                <asvg:svgBlip xmlns:asvg="http://schemas.microsoft.com/office/drawing/2016/SVG/main" r:embed="rId4"/>
+              </a:ext>
+            </a:extLst>
+          </a:blip>
+          <a:stretch>
+            <a:fillRect/>
+          </a:stretch>
+        </p:blipFill>
+        <p:spPr>
+          <a:xfrm>
+            <a:off x="3772578" y="1393803"/>
+            <a:ext cx="5166804" cy="3475850"/>
+          </a:xfrm>
+          <a:prstGeom prst="rect">
+            <a:avLst/>
+          </a:prstGeom>
+        </p:spPr>
+      </p:pic>
       <p:sp>
         <p:nvSpPr>
           <p:cNvPr id="2" name="Title 1">
@@ -39021,6 +39508,352 @@
             <a:r>
               <a:rPr lang="en-US" dirty="0"/>
               <a:t> (bk) point</a:t>
+            </a:r>
+          </a:p>
+        </p:txBody>
+      </p:sp>
+      <p:pic>
+        <p:nvPicPr>
+          <p:cNvPr id="4" name="Picture 3">
+            <a:extLst>
+              <a:ext uri="{FF2B5EF4-FFF2-40B4-BE49-F238E27FC236}">
+                <a16:creationId xmlns:a16="http://schemas.microsoft.com/office/drawing/2014/main" id="{AB58C6F5-B466-F244-BD5A-2B1119387834}"/>
+              </a:ext>
+            </a:extLst>
+          </p:cNvPr>
+          <p:cNvPicPr>
+            <a:picLocks noChangeAspect="1"/>
+          </p:cNvPicPr>
+          <p:nvPr/>
+        </p:nvPicPr>
+        <p:blipFill rotWithShape="1">
+          <a:blip r:embed="rId5"/>
+          <a:srcRect l="172" r="42237"/>
+          <a:stretch/>
+        </p:blipFill>
+        <p:spPr>
+          <a:xfrm>
+            <a:off x="3722991" y="-54793"/>
+            <a:ext cx="5492727" cy="1444469"/>
+          </a:xfrm>
+          <a:prstGeom prst="rect">
+            <a:avLst/>
+          </a:prstGeom>
+        </p:spPr>
+      </p:pic>
+      <p:sp>
+        <p:nvSpPr>
+          <p:cNvPr id="8" name="Rectangle 7">
+            <a:extLst>
+              <a:ext uri="{FF2B5EF4-FFF2-40B4-BE49-F238E27FC236}">
+                <a16:creationId xmlns:a16="http://schemas.microsoft.com/office/drawing/2014/main" id="{366A47C5-67AF-5D48-ACDA-EF43684B0AE6}"/>
+              </a:ext>
+            </a:extLst>
+          </p:cNvPr>
+          <p:cNvSpPr/>
+          <p:nvPr/>
+        </p:nvSpPr>
+        <p:spPr>
+          <a:xfrm>
+            <a:off x="6213132" y="3272508"/>
+            <a:ext cx="285696" cy="256325"/>
+          </a:xfrm>
+          <a:prstGeom prst="rect">
+            <a:avLst/>
+          </a:prstGeom>
+          <a:noFill/>
+          <a:ln w="47625">
+            <a:solidFill>
+              <a:srgbClr val="FF0000"/>
+            </a:solidFill>
+          </a:ln>
+        </p:spPr>
+        <p:style>
+          <a:lnRef idx="2">
+            <a:schemeClr val="accent1">
+              <a:shade val="50000"/>
+            </a:schemeClr>
+          </a:lnRef>
+          <a:fillRef idx="1">
+            <a:schemeClr val="accent1"/>
+          </a:fillRef>
+          <a:effectRef idx="0">
+            <a:schemeClr val="accent1"/>
+          </a:effectRef>
+          <a:fontRef idx="minor">
+            <a:schemeClr val="lt1"/>
+          </a:fontRef>
+        </p:style>
+        <p:txBody>
+          <a:bodyPr rtlCol="0" anchor="ctr"/>
+          <a:lstStyle/>
+          <a:p>
+            <a:pPr algn="ctr"/>
+            <a:endParaRPr lang="en-US"/>
+          </a:p>
+        </p:txBody>
+      </p:sp>
+      <p:pic>
+        <p:nvPicPr>
+          <p:cNvPr id="10" name="Picture 9">
+            <a:extLst>
+              <a:ext uri="{FF2B5EF4-FFF2-40B4-BE49-F238E27FC236}">
+                <a16:creationId xmlns:a16="http://schemas.microsoft.com/office/drawing/2014/main" id="{DCF2B187-B9E7-5D44-A81C-B0BCCF1AB9A4}"/>
+              </a:ext>
+            </a:extLst>
+          </p:cNvPr>
+          <p:cNvPicPr>
+            <a:picLocks noChangeAspect="1"/>
+          </p:cNvPicPr>
+          <p:nvPr/>
+        </p:nvPicPr>
+        <p:blipFill>
+          <a:blip r:embed="rId6"/>
+          <a:stretch>
+            <a:fillRect/>
+          </a:stretch>
+        </p:blipFill>
+        <p:spPr>
+          <a:xfrm>
+            <a:off x="7506886" y="2128000"/>
+            <a:ext cx="251446" cy="203091"/>
+          </a:xfrm>
+          <a:prstGeom prst="rect">
+            <a:avLst/>
+          </a:prstGeom>
+        </p:spPr>
+      </p:pic>
+      <p:pic>
+        <p:nvPicPr>
+          <p:cNvPr id="11" name="Picture 10">
+            <a:extLst>
+              <a:ext uri="{FF2B5EF4-FFF2-40B4-BE49-F238E27FC236}">
+                <a16:creationId xmlns:a16="http://schemas.microsoft.com/office/drawing/2014/main" id="{078A09B6-874B-D54E-93C1-CBD4CC4AD793}"/>
+              </a:ext>
+            </a:extLst>
+          </p:cNvPr>
+          <p:cNvPicPr>
+            <a:picLocks noChangeAspect="1"/>
+          </p:cNvPicPr>
+          <p:nvPr/>
+        </p:nvPicPr>
+        <p:blipFill>
+          <a:blip r:embed="rId7"/>
+          <a:stretch>
+            <a:fillRect/>
+          </a:stretch>
+        </p:blipFill>
+        <p:spPr>
+          <a:xfrm>
+            <a:off x="4665922" y="4061947"/>
+            <a:ext cx="268688" cy="217017"/>
+          </a:xfrm>
+          <a:prstGeom prst="rect">
+            <a:avLst/>
+          </a:prstGeom>
+        </p:spPr>
+      </p:pic>
+      <p:pic>
+        <p:nvPicPr>
+          <p:cNvPr id="12" name="Picture 11">
+            <a:extLst>
+              <a:ext uri="{FF2B5EF4-FFF2-40B4-BE49-F238E27FC236}">
+                <a16:creationId xmlns:a16="http://schemas.microsoft.com/office/drawing/2014/main" id="{4C49BDB7-23A0-6F4A-9C78-B7676C3287A4}"/>
+              </a:ext>
+            </a:extLst>
+          </p:cNvPr>
+          <p:cNvPicPr>
+            <a:picLocks noChangeAspect="1"/>
+          </p:cNvPicPr>
+          <p:nvPr/>
+        </p:nvPicPr>
+        <p:blipFill>
+          <a:blip r:embed="rId7"/>
+          <a:stretch>
+            <a:fillRect/>
+          </a:stretch>
+        </p:blipFill>
+        <p:spPr>
+          <a:xfrm>
+            <a:off x="6535272" y="4061947"/>
+            <a:ext cx="268688" cy="217017"/>
+          </a:xfrm>
+          <a:prstGeom prst="rect">
+            <a:avLst/>
+          </a:prstGeom>
+        </p:spPr>
+      </p:pic>
+      <p:cxnSp>
+        <p:nvCxnSpPr>
+          <p:cNvPr id="14" name="Straight Connector 13">
+            <a:extLst>
+              <a:ext uri="{FF2B5EF4-FFF2-40B4-BE49-F238E27FC236}">
+                <a16:creationId xmlns:a16="http://schemas.microsoft.com/office/drawing/2014/main" id="{6A0966A7-6FDD-00E0-4263-D7C3C2973C74}"/>
+              </a:ext>
+            </a:extLst>
+          </p:cNvPr>
+          <p:cNvCxnSpPr>
+            <a:cxnSpLocks/>
+          </p:cNvCxnSpPr>
+          <p:nvPr/>
+        </p:nvCxnSpPr>
+        <p:spPr>
+          <a:xfrm>
+            <a:off x="5781560" y="971632"/>
+            <a:ext cx="3238082" cy="0"/>
+          </a:xfrm>
+          <a:prstGeom prst="line">
+            <a:avLst/>
+          </a:prstGeom>
+          <a:ln w="34925">
+            <a:solidFill>
+              <a:srgbClr val="FF0000"/>
+            </a:solidFill>
+          </a:ln>
+        </p:spPr>
+        <p:style>
+          <a:lnRef idx="1">
+            <a:schemeClr val="accent1"/>
+          </a:lnRef>
+          <a:fillRef idx="0">
+            <a:schemeClr val="accent1"/>
+          </a:fillRef>
+          <a:effectRef idx="0">
+            <a:schemeClr val="accent1"/>
+          </a:effectRef>
+          <a:fontRef idx="minor">
+            <a:schemeClr val="tx1"/>
+          </a:fontRef>
+        </p:style>
+      </p:cxnSp>
+      <p:pic>
+        <p:nvPicPr>
+          <p:cNvPr id="16" name="Picture 15">
+            <a:extLst>
+              <a:ext uri="{FF2B5EF4-FFF2-40B4-BE49-F238E27FC236}">
+                <a16:creationId xmlns:a16="http://schemas.microsoft.com/office/drawing/2014/main" id="{AFA9B718-DEDF-AA82-93AE-2488D4C823DD}"/>
+              </a:ext>
+            </a:extLst>
+          </p:cNvPr>
+          <p:cNvPicPr>
+            <a:picLocks noChangeAspect="1"/>
+          </p:cNvPicPr>
+          <p:nvPr/>
+        </p:nvPicPr>
+        <p:blipFill>
+          <a:blip r:embed="rId7"/>
+          <a:stretch>
+            <a:fillRect/>
+          </a:stretch>
+        </p:blipFill>
+        <p:spPr>
+          <a:xfrm>
+            <a:off x="8404622" y="4061946"/>
+            <a:ext cx="268688" cy="217017"/>
+          </a:xfrm>
+          <a:prstGeom prst="rect">
+            <a:avLst/>
+          </a:prstGeom>
+        </p:spPr>
+      </p:pic>
+    </p:spTree>
+    <p:extLst>
+      <p:ext uri="{BB962C8B-B14F-4D97-AF65-F5344CB8AC3E}">
+        <p14:creationId xmlns:p14="http://schemas.microsoft.com/office/powerpoint/2010/main" val="911560921"/>
+      </p:ext>
+    </p:extLst>
+  </p:cSld>
+  <p:clrMapOvr>
+    <a:masterClrMapping/>
+  </p:clrMapOvr>
+</p:sld>
+</file>
+
+<file path=ppt/slides/slide22.xml><?xml version="1.0" encoding="utf-8"?>
+<p:sld xmlns:a="http://schemas.openxmlformats.org/drawingml/2006/main" xmlns:r="http://schemas.openxmlformats.org/officeDocument/2006/relationships" xmlns:p="http://schemas.openxmlformats.org/presentationml/2006/main">
+  <p:cSld>
+    <p:spTree>
+      <p:nvGrpSpPr>
+        <p:cNvPr id="1" name=""/>
+        <p:cNvGrpSpPr/>
+        <p:nvPr/>
+      </p:nvGrpSpPr>
+      <p:grpSpPr>
+        <a:xfrm>
+          <a:off x="0" y="0"/>
+          <a:ext cx="0" cy="0"/>
+          <a:chOff x="0" y="0"/>
+          <a:chExt cx="0" cy="0"/>
+        </a:xfrm>
+      </p:grpSpPr>
+      <p:sp>
+        <p:nvSpPr>
+          <p:cNvPr id="2" name="Title 1">
+            <a:extLst>
+              <a:ext uri="{FF2B5EF4-FFF2-40B4-BE49-F238E27FC236}">
+                <a16:creationId xmlns:a16="http://schemas.microsoft.com/office/drawing/2014/main" id="{6F739A92-6A31-1A49-A5CF-806A14A431EE}"/>
+              </a:ext>
+            </a:extLst>
+          </p:cNvPr>
+          <p:cNvSpPr>
+            <a:spLocks noGrp="1"/>
+          </p:cNvSpPr>
+          <p:nvPr>
+            <p:ph type="title"/>
+          </p:nvPr>
+        </p:nvSpPr>
+        <p:spPr>
+          <a:xfrm>
+            <a:off x="628650" y="273847"/>
+            <a:ext cx="7886700" cy="994172"/>
+          </a:xfrm>
+        </p:spPr>
+        <p:txBody>
+          <a:bodyPr/>
+          <a:lstStyle/>
+          <a:p>
+            <a:r>
+              <a:rPr lang="en-US" dirty="0"/>
+              <a:t>Source - 3</a:t>
+            </a:r>
+          </a:p>
+        </p:txBody>
+      </p:sp>
+      <p:sp>
+        <p:nvSpPr>
+          <p:cNvPr id="3" name="Content Placeholder 2">
+            <a:extLst>
+              <a:ext uri="{FF2B5EF4-FFF2-40B4-BE49-F238E27FC236}">
+                <a16:creationId xmlns:a16="http://schemas.microsoft.com/office/drawing/2014/main" id="{E3D8847D-E7BE-F341-9EDA-065536EDDAD0}"/>
+              </a:ext>
+            </a:extLst>
+          </p:cNvPr>
+          <p:cNvSpPr>
+            <a:spLocks noGrp="1"/>
+          </p:cNvSpPr>
+          <p:nvPr>
+            <p:ph idx="1"/>
+          </p:nvPr>
+        </p:nvSpPr>
+        <p:spPr>
+          <a:xfrm>
+            <a:off x="247651" y="1511333"/>
+            <a:ext cx="5906622" cy="2445502"/>
+          </a:xfrm>
+        </p:spPr>
+        <p:txBody>
+          <a:bodyPr>
+            <a:normAutofit/>
+          </a:bodyPr>
+          <a:lstStyle/>
+          <a:p>
+            <a:r>
+              <a:rPr lang="en-US" b="1" dirty="0"/>
+              <a:t>bck</a:t>
+            </a:r>
+            <a:r>
+              <a:rPr lang="en-US" dirty="0"/>
+              <a:t> is chunk #2</a:t>
             </a:r>
           </a:p>
           <a:p>
@@ -39318,49 +40151,6 @@
           </a:prstGeom>
         </p:spPr>
       </p:pic>
-      <p:cxnSp>
-        <p:nvCxnSpPr>
-          <p:cNvPr id="14" name="Straight Connector 13">
-            <a:extLst>
-              <a:ext uri="{FF2B5EF4-FFF2-40B4-BE49-F238E27FC236}">
-                <a16:creationId xmlns:a16="http://schemas.microsoft.com/office/drawing/2014/main" id="{6A0966A7-6FDD-00E0-4263-D7C3C2973C74}"/>
-              </a:ext>
-            </a:extLst>
-          </p:cNvPr>
-          <p:cNvCxnSpPr>
-            <a:cxnSpLocks/>
-          </p:cNvCxnSpPr>
-          <p:nvPr/>
-        </p:nvCxnSpPr>
-        <p:spPr>
-          <a:xfrm>
-            <a:off x="5781560" y="971632"/>
-            <a:ext cx="3238082" cy="0"/>
-          </a:xfrm>
-          <a:prstGeom prst="line">
-            <a:avLst/>
-          </a:prstGeom>
-          <a:ln w="34925">
-            <a:solidFill>
-              <a:srgbClr val="FF0000"/>
-            </a:solidFill>
-          </a:ln>
-        </p:spPr>
-        <p:style>
-          <a:lnRef idx="1">
-            <a:schemeClr val="accent1"/>
-          </a:lnRef>
-          <a:fillRef idx="0">
-            <a:schemeClr val="accent1"/>
-          </a:fillRef>
-          <a:effectRef idx="0">
-            <a:schemeClr val="accent1"/>
-          </a:effectRef>
-          <a:fontRef idx="minor">
-            <a:schemeClr val="tx1"/>
-          </a:fontRef>
-        </p:style>
-      </p:cxnSp>
     </p:spTree>
     <p:extLst>
       <p:ext uri="{BB962C8B-B14F-4D97-AF65-F5344CB8AC3E}">
@@ -39374,7 +40164,7 @@
 </p:sld>
 </file>
 
-<file path=ppt/slides/slide22.xml><?xml version="1.0" encoding="utf-8"?>
+<file path=ppt/slides/slide23.xml><?xml version="1.0" encoding="utf-8"?>
 <p:sld xmlns:a="http://schemas.openxmlformats.org/drawingml/2006/main" xmlns:r="http://schemas.openxmlformats.org/officeDocument/2006/relationships" xmlns:p="http://schemas.openxmlformats.org/presentationml/2006/main">
   <p:cSld>
     <p:spTree>
@@ -39746,7 +40536,7 @@
 </p:sld>
 </file>
 
-<file path=ppt/slides/slide23.xml><?xml version="1.0" encoding="utf-8"?>
+<file path=ppt/slides/slide24.xml><?xml version="1.0" encoding="utf-8"?>
 <p:sld xmlns:a="http://schemas.openxmlformats.org/drawingml/2006/main" xmlns:r="http://schemas.openxmlformats.org/officeDocument/2006/relationships" xmlns:p="http://schemas.openxmlformats.org/presentationml/2006/main">
   <p:cSld>
     <p:spTree>
@@ -39881,7 +40671,7 @@
             </a:r>
             <a:r>
               <a:rPr lang="en-US" dirty="0"/>
-              <a:t>’ to the </a:t>
+              <a:t> to the </a:t>
             </a:r>
             <a:r>
               <a:rPr lang="en-US" i="1" dirty="0"/>
@@ -40193,7 +40983,7 @@
 </p:sld>
 </file>
 
-<file path=ppt/slides/slide24.xml><?xml version="1.0" encoding="utf-8"?>
+<file path=ppt/slides/slide25.xml><?xml version="1.0" encoding="utf-8"?>
 <p:sld xmlns:a="http://schemas.openxmlformats.org/drawingml/2006/main" xmlns:r="http://schemas.openxmlformats.org/officeDocument/2006/relationships" xmlns:p="http://schemas.openxmlformats.org/presentationml/2006/main">
   <p:cSld>
     <p:spTree>
@@ -40678,7 +41468,7 @@
 </p:sld>
 </file>
 
-<file path=ppt/slides/slide25.xml><?xml version="1.0" encoding="utf-8"?>
+<file path=ppt/slides/slide26.xml><?xml version="1.0" encoding="utf-8"?>
 <p:sld xmlns:a="http://schemas.openxmlformats.org/drawingml/2006/main" xmlns:r="http://schemas.openxmlformats.org/officeDocument/2006/relationships" xmlns:p="http://schemas.openxmlformats.org/presentationml/2006/main">
   <p:cSld>
     <p:spTree>
@@ -41069,7 +41859,7 @@
 </p:sld>
 </file>
 
-<file path=ppt/slides/slide26.xml><?xml version="1.0" encoding="utf-8"?>
+<file path=ppt/slides/slide27.xml><?xml version="1.0" encoding="utf-8"?>
 <p:sld xmlns:a="http://schemas.openxmlformats.org/drawingml/2006/main" xmlns:r="http://schemas.openxmlformats.org/officeDocument/2006/relationships" xmlns:p="http://schemas.openxmlformats.org/presentationml/2006/main">
   <p:cSld>
     <p:spTree>
@@ -41165,7 +41955,7 @@
 </p:sld>
 </file>
 
-<file path=ppt/slides/slide27.xml><?xml version="1.0" encoding="utf-8"?>
+<file path=ppt/slides/slide28.xml><?xml version="1.0" encoding="utf-8"?>
 <p:sld xmlns:a="http://schemas.openxmlformats.org/drawingml/2006/main" xmlns:r="http://schemas.openxmlformats.org/officeDocument/2006/relationships" xmlns:p="http://schemas.openxmlformats.org/presentationml/2006/main">
   <p:cSld>
     <p:spTree>
@@ -41455,7 +42245,7 @@
 </p:sld>
 </file>
 
-<file path=ppt/slides/slide28.xml><?xml version="1.0" encoding="utf-8"?>
+<file path=ppt/slides/slide29.xml><?xml version="1.0" encoding="utf-8"?>
 <p:sld xmlns:a="http://schemas.openxmlformats.org/drawingml/2006/main" xmlns:r="http://schemas.openxmlformats.org/officeDocument/2006/relationships" xmlns:p="http://schemas.openxmlformats.org/presentationml/2006/main">
   <p:cSld>
     <p:spTree>
@@ -41542,242 +42332,6 @@
     <p:extLst>
       <p:ext uri="{BB962C8B-B14F-4D97-AF65-F5344CB8AC3E}">
         <p14:creationId xmlns:p14="http://schemas.microsoft.com/office/powerpoint/2010/main" val="3197187705"/>
-      </p:ext>
-    </p:extLst>
-  </p:cSld>
-  <p:clrMapOvr>
-    <a:masterClrMapping/>
-  </p:clrMapOvr>
-</p:sld>
-</file>
-
-<file path=ppt/slides/slide29.xml><?xml version="1.0" encoding="utf-8"?>
-<p:sld xmlns:a="http://schemas.openxmlformats.org/drawingml/2006/main" xmlns:r="http://schemas.openxmlformats.org/officeDocument/2006/relationships" xmlns:p="http://schemas.openxmlformats.org/presentationml/2006/main">
-  <p:cSld>
-    <p:spTree>
-      <p:nvGrpSpPr>
-        <p:cNvPr id="1" name=""/>
-        <p:cNvGrpSpPr/>
-        <p:nvPr/>
-      </p:nvGrpSpPr>
-      <p:grpSpPr>
-        <a:xfrm>
-          <a:off x="0" y="0"/>
-          <a:ext cx="0" cy="0"/>
-          <a:chOff x="0" y="0"/>
-          <a:chExt cx="0" cy="0"/>
-        </a:xfrm>
-      </p:grpSpPr>
-      <p:sp>
-        <p:nvSpPr>
-          <p:cNvPr id="2" name="Title 1">
-            <a:extLst>
-              <a:ext uri="{FF2B5EF4-FFF2-40B4-BE49-F238E27FC236}">
-                <a16:creationId xmlns:a16="http://schemas.microsoft.com/office/drawing/2014/main" id="{5986C08C-8BCC-1C41-9570-3052A902BD6C}"/>
-              </a:ext>
-            </a:extLst>
-          </p:cNvPr>
-          <p:cNvSpPr>
-            <a:spLocks noGrp="1"/>
-          </p:cNvSpPr>
-          <p:nvPr>
-            <p:ph type="title"/>
-          </p:nvPr>
-        </p:nvSpPr>
-        <p:spPr/>
-        <p:txBody>
-          <a:bodyPr/>
-          <a:lstStyle/>
-          <a:p>
-            <a:r>
-              <a:rPr lang="en-US" dirty="0"/>
-              <a:t>Program Setup</a:t>
-            </a:r>
-          </a:p>
-        </p:txBody>
-      </p:sp>
-      <p:sp>
-        <p:nvSpPr>
-          <p:cNvPr id="3" name="Content Placeholder 2">
-            <a:extLst>
-              <a:ext uri="{FF2B5EF4-FFF2-40B4-BE49-F238E27FC236}">
-                <a16:creationId xmlns:a16="http://schemas.microsoft.com/office/drawing/2014/main" id="{BA3F509A-D1DF-8D41-A95B-380D3D163EE3}"/>
-              </a:ext>
-            </a:extLst>
-          </p:cNvPr>
-          <p:cNvSpPr>
-            <a:spLocks noGrp="1"/>
-          </p:cNvSpPr>
-          <p:nvPr>
-            <p:ph idx="1"/>
-          </p:nvPr>
-        </p:nvSpPr>
-        <p:spPr>
-          <a:xfrm>
-            <a:off x="628650" y="1236541"/>
-            <a:ext cx="5369814" cy="3263504"/>
-          </a:xfrm>
-        </p:spPr>
-        <p:txBody>
-          <a:bodyPr>
-            <a:normAutofit/>
-          </a:bodyPr>
-          <a:lstStyle/>
-          <a:p>
-            <a:r>
-              <a:rPr lang="en-US" dirty="0"/>
-              <a:t>Not a </a:t>
-            </a:r>
-            <a:r>
-              <a:rPr lang="en-US" i="1" dirty="0"/>
-              <a:t>fill in the blank ;) </a:t>
-            </a:r>
-            <a:endParaRPr lang="en-US" dirty="0"/>
-          </a:p>
-          <a:p>
-            <a:r>
-              <a:rPr lang="en-US" dirty="0"/>
-              <a:t>Writing Python code directly:</a:t>
-            </a:r>
-          </a:p>
-          <a:p>
-            <a:pPr lvl="1"/>
-            <a:r>
-              <a:rPr lang="en-US" dirty="0"/>
-              <a:t>Each binary action has a </a:t>
-            </a:r>
-            <a:r>
-              <a:rPr lang="en-US" i="1" dirty="0"/>
-              <a:t>wrapper</a:t>
-            </a:r>
-            <a:r>
-              <a:rPr lang="en-US" dirty="0"/>
-              <a:t> function to interact with it</a:t>
-            </a:r>
-          </a:p>
-          <a:p>
-            <a:r>
-              <a:rPr lang="en-US" dirty="0"/>
-              <a:t>Four Actions on a string: </a:t>
-            </a:r>
-          </a:p>
-          <a:p>
-            <a:pPr lvl="1"/>
-            <a:r>
-              <a:rPr lang="en-US" dirty="0"/>
-              <a:t>Create – </a:t>
-            </a:r>
-            <a:r>
-              <a:rPr lang="en-US" dirty="0" err="1"/>
-              <a:t>create_string</a:t>
-            </a:r>
-            <a:r>
-              <a:rPr lang="en-US" dirty="0"/>
-              <a:t>(string)</a:t>
-            </a:r>
-          </a:p>
-          <a:p>
-            <a:pPr lvl="1"/>
-            <a:r>
-              <a:rPr lang="en-US" dirty="0"/>
-              <a:t>Edit/Update – </a:t>
-            </a:r>
-            <a:r>
-              <a:rPr lang="en-US" dirty="0" err="1"/>
-              <a:t>edit_string</a:t>
-            </a:r>
-            <a:r>
-              <a:rPr lang="en-US" dirty="0"/>
-              <a:t>(index, string)</a:t>
-            </a:r>
-          </a:p>
-          <a:p>
-            <a:pPr lvl="1"/>
-            <a:r>
-              <a:rPr lang="en-US" dirty="0"/>
-              <a:t>Delete – </a:t>
-            </a:r>
-            <a:r>
-              <a:rPr lang="en-US" dirty="0" err="1"/>
-              <a:t>delete_string</a:t>
-            </a:r>
-            <a:r>
-              <a:rPr lang="en-US" dirty="0"/>
-              <a:t>(index) </a:t>
-            </a:r>
-          </a:p>
-          <a:p>
-            <a:pPr lvl="1"/>
-            <a:r>
-              <a:rPr lang="en-US" dirty="0"/>
-              <a:t>View – </a:t>
-            </a:r>
-            <a:r>
-              <a:rPr lang="en-US" dirty="0" err="1"/>
-              <a:t>view_string</a:t>
-            </a:r>
-            <a:r>
-              <a:rPr lang="en-US" dirty="0"/>
-              <a:t>(index) </a:t>
-            </a:r>
-          </a:p>
-          <a:p>
-            <a:pPr lvl="1"/>
-            <a:endParaRPr lang="en-US" dirty="0"/>
-          </a:p>
-        </p:txBody>
-      </p:sp>
-      <p:pic>
-        <p:nvPicPr>
-          <p:cNvPr id="1026" name="Picture 2" descr="2,838,675 BEST Shocked IMAGES, STOCK PHOTOS &amp; VECTORS | Adobe Stock">
-            <a:extLst>
-              <a:ext uri="{FF2B5EF4-FFF2-40B4-BE49-F238E27FC236}">
-                <a16:creationId xmlns:a16="http://schemas.microsoft.com/office/drawing/2014/main" id="{C275EF8C-D494-4A44-AF8D-9451AF4E88E7}"/>
-              </a:ext>
-            </a:extLst>
-          </p:cNvPr>
-          <p:cNvPicPr>
-            <a:picLocks noChangeAspect="1" noChangeArrowheads="1"/>
-          </p:cNvPicPr>
-          <p:nvPr/>
-        </p:nvPicPr>
-        <p:blipFill>
-          <a:blip r:embed="rId2">
-            <a:extLst>
-              <a:ext uri="{28A0092B-C50C-407E-A947-70E740481C1C}">
-                <a14:useLocalDpi xmlns:a14="http://schemas.microsoft.com/office/drawing/2010/main" val="0"/>
-              </a:ext>
-            </a:extLst>
-          </a:blip>
-          <a:srcRect/>
-          <a:stretch>
-            <a:fillRect/>
-          </a:stretch>
-        </p:blipFill>
-        <p:spPr bwMode="auto">
-          <a:xfrm>
-            <a:off x="5288889" y="872998"/>
-            <a:ext cx="3429000" cy="2286000"/>
-          </a:xfrm>
-          <a:prstGeom prst="rect">
-            <a:avLst/>
-          </a:prstGeom>
-          <a:noFill/>
-          <a:extLst>
-            <a:ext uri="{909E8E84-426E-40DD-AFC4-6F175D3DCCD1}">
-              <a14:hiddenFill xmlns:a14="http://schemas.microsoft.com/office/drawing/2010/main">
-                <a:solidFill>
-                  <a:srgbClr val="FFFFFF"/>
-                </a:solidFill>
-              </a14:hiddenFill>
-            </a:ext>
-          </a:extLst>
-        </p:spPr>
-      </p:pic>
-    </p:spTree>
-    <p:extLst>
-      <p:ext uri="{BB962C8B-B14F-4D97-AF65-F5344CB8AC3E}">
-        <p14:creationId xmlns:p14="http://schemas.microsoft.com/office/powerpoint/2010/main" val="4054639139"/>
       </p:ext>
     </p:extLst>
   </p:cSld>
@@ -41905,6 +42459,242 @@
           <p:cNvPr id="2" name="Title 1">
             <a:extLst>
               <a:ext uri="{FF2B5EF4-FFF2-40B4-BE49-F238E27FC236}">
+                <a16:creationId xmlns:a16="http://schemas.microsoft.com/office/drawing/2014/main" id="{5986C08C-8BCC-1C41-9570-3052A902BD6C}"/>
+              </a:ext>
+            </a:extLst>
+          </p:cNvPr>
+          <p:cNvSpPr>
+            <a:spLocks noGrp="1"/>
+          </p:cNvSpPr>
+          <p:nvPr>
+            <p:ph type="title"/>
+          </p:nvPr>
+        </p:nvSpPr>
+        <p:spPr/>
+        <p:txBody>
+          <a:bodyPr/>
+          <a:lstStyle/>
+          <a:p>
+            <a:r>
+              <a:rPr lang="en-US" dirty="0"/>
+              <a:t>Program Setup</a:t>
+            </a:r>
+          </a:p>
+        </p:txBody>
+      </p:sp>
+      <p:sp>
+        <p:nvSpPr>
+          <p:cNvPr id="3" name="Content Placeholder 2">
+            <a:extLst>
+              <a:ext uri="{FF2B5EF4-FFF2-40B4-BE49-F238E27FC236}">
+                <a16:creationId xmlns:a16="http://schemas.microsoft.com/office/drawing/2014/main" id="{BA3F509A-D1DF-8D41-A95B-380D3D163EE3}"/>
+              </a:ext>
+            </a:extLst>
+          </p:cNvPr>
+          <p:cNvSpPr>
+            <a:spLocks noGrp="1"/>
+          </p:cNvSpPr>
+          <p:nvPr>
+            <p:ph idx="1"/>
+          </p:nvPr>
+        </p:nvSpPr>
+        <p:spPr>
+          <a:xfrm>
+            <a:off x="628650" y="1236541"/>
+            <a:ext cx="5369814" cy="3263504"/>
+          </a:xfrm>
+        </p:spPr>
+        <p:txBody>
+          <a:bodyPr>
+            <a:normAutofit/>
+          </a:bodyPr>
+          <a:lstStyle/>
+          <a:p>
+            <a:r>
+              <a:rPr lang="en-US" dirty="0"/>
+              <a:t>Not a </a:t>
+            </a:r>
+            <a:r>
+              <a:rPr lang="en-US" i="1" dirty="0"/>
+              <a:t>fill in the blank ;) </a:t>
+            </a:r>
+            <a:endParaRPr lang="en-US" dirty="0"/>
+          </a:p>
+          <a:p>
+            <a:r>
+              <a:rPr lang="en-US" dirty="0"/>
+              <a:t>Writing Python code directly:</a:t>
+            </a:r>
+          </a:p>
+          <a:p>
+            <a:pPr lvl="1"/>
+            <a:r>
+              <a:rPr lang="en-US" dirty="0"/>
+              <a:t>Each binary action has a </a:t>
+            </a:r>
+            <a:r>
+              <a:rPr lang="en-US" i="1" dirty="0"/>
+              <a:t>wrapper</a:t>
+            </a:r>
+            <a:r>
+              <a:rPr lang="en-US" dirty="0"/>
+              <a:t> function to interact with it</a:t>
+            </a:r>
+          </a:p>
+          <a:p>
+            <a:r>
+              <a:rPr lang="en-US" dirty="0"/>
+              <a:t>Four Actions on a string: </a:t>
+            </a:r>
+          </a:p>
+          <a:p>
+            <a:pPr lvl="1"/>
+            <a:r>
+              <a:rPr lang="en-US" dirty="0"/>
+              <a:t>Create – </a:t>
+            </a:r>
+            <a:r>
+              <a:rPr lang="en-US" dirty="0" err="1"/>
+              <a:t>create_string</a:t>
+            </a:r>
+            <a:r>
+              <a:rPr lang="en-US" dirty="0"/>
+              <a:t>(string)</a:t>
+            </a:r>
+          </a:p>
+          <a:p>
+            <a:pPr lvl="1"/>
+            <a:r>
+              <a:rPr lang="en-US" dirty="0"/>
+              <a:t>Edit/Update – </a:t>
+            </a:r>
+            <a:r>
+              <a:rPr lang="en-US" dirty="0" err="1"/>
+              <a:t>edit_string</a:t>
+            </a:r>
+            <a:r>
+              <a:rPr lang="en-US" dirty="0"/>
+              <a:t>(index, string)</a:t>
+            </a:r>
+          </a:p>
+          <a:p>
+            <a:pPr lvl="1"/>
+            <a:r>
+              <a:rPr lang="en-US" dirty="0"/>
+              <a:t>Delete – </a:t>
+            </a:r>
+            <a:r>
+              <a:rPr lang="en-US" dirty="0" err="1"/>
+              <a:t>delete_string</a:t>
+            </a:r>
+            <a:r>
+              <a:rPr lang="en-US" dirty="0"/>
+              <a:t>(index) </a:t>
+            </a:r>
+          </a:p>
+          <a:p>
+            <a:pPr lvl="1"/>
+            <a:r>
+              <a:rPr lang="en-US" dirty="0"/>
+              <a:t>View – </a:t>
+            </a:r>
+            <a:r>
+              <a:rPr lang="en-US" dirty="0" err="1"/>
+              <a:t>view_string</a:t>
+            </a:r>
+            <a:r>
+              <a:rPr lang="en-US" dirty="0"/>
+              <a:t>(index) </a:t>
+            </a:r>
+          </a:p>
+          <a:p>
+            <a:pPr lvl="1"/>
+            <a:endParaRPr lang="en-US" dirty="0"/>
+          </a:p>
+        </p:txBody>
+      </p:sp>
+      <p:pic>
+        <p:nvPicPr>
+          <p:cNvPr id="1026" name="Picture 2" descr="2,838,675 BEST Shocked IMAGES, STOCK PHOTOS &amp; VECTORS | Adobe Stock">
+            <a:extLst>
+              <a:ext uri="{FF2B5EF4-FFF2-40B4-BE49-F238E27FC236}">
+                <a16:creationId xmlns:a16="http://schemas.microsoft.com/office/drawing/2014/main" id="{C275EF8C-D494-4A44-AF8D-9451AF4E88E7}"/>
+              </a:ext>
+            </a:extLst>
+          </p:cNvPr>
+          <p:cNvPicPr>
+            <a:picLocks noChangeAspect="1" noChangeArrowheads="1"/>
+          </p:cNvPicPr>
+          <p:nvPr/>
+        </p:nvPicPr>
+        <p:blipFill>
+          <a:blip r:embed="rId2">
+            <a:extLst>
+              <a:ext uri="{28A0092B-C50C-407E-A947-70E740481C1C}">
+                <a14:useLocalDpi xmlns:a14="http://schemas.microsoft.com/office/drawing/2010/main" val="0"/>
+              </a:ext>
+            </a:extLst>
+          </a:blip>
+          <a:srcRect/>
+          <a:stretch>
+            <a:fillRect/>
+          </a:stretch>
+        </p:blipFill>
+        <p:spPr bwMode="auto">
+          <a:xfrm>
+            <a:off x="5288889" y="872998"/>
+            <a:ext cx="3429000" cy="2286000"/>
+          </a:xfrm>
+          <a:prstGeom prst="rect">
+            <a:avLst/>
+          </a:prstGeom>
+          <a:noFill/>
+          <a:extLst>
+            <a:ext uri="{909E8E84-426E-40DD-AFC4-6F175D3DCCD1}">
+              <a14:hiddenFill xmlns:a14="http://schemas.microsoft.com/office/drawing/2010/main">
+                <a:solidFill>
+                  <a:srgbClr val="FFFFFF"/>
+                </a:solidFill>
+              </a14:hiddenFill>
+            </a:ext>
+          </a:extLst>
+        </p:spPr>
+      </p:pic>
+    </p:spTree>
+    <p:extLst>
+      <p:ext uri="{BB962C8B-B14F-4D97-AF65-F5344CB8AC3E}">
+        <p14:creationId xmlns:p14="http://schemas.microsoft.com/office/powerpoint/2010/main" val="4054639139"/>
+      </p:ext>
+    </p:extLst>
+  </p:cSld>
+  <p:clrMapOvr>
+    <a:masterClrMapping/>
+  </p:clrMapOvr>
+</p:sld>
+</file>
+
+<file path=ppt/slides/slide31.xml><?xml version="1.0" encoding="utf-8"?>
+<p:sld xmlns:a="http://schemas.openxmlformats.org/drawingml/2006/main" xmlns:r="http://schemas.openxmlformats.org/officeDocument/2006/relationships" xmlns:p="http://schemas.openxmlformats.org/presentationml/2006/main">
+  <p:cSld>
+    <p:spTree>
+      <p:nvGrpSpPr>
+        <p:cNvPr id="1" name=""/>
+        <p:cNvGrpSpPr/>
+        <p:nvPr/>
+      </p:nvGrpSpPr>
+      <p:grpSpPr>
+        <a:xfrm>
+          <a:off x="0" y="0"/>
+          <a:ext cx="0" cy="0"/>
+          <a:chOff x="0" y="0"/>
+          <a:chExt cx="0" cy="0"/>
+        </a:xfrm>
+      </p:grpSpPr>
+      <p:sp>
+        <p:nvSpPr>
+          <p:cNvPr id="2" name="Title 1">
+            <a:extLst>
+              <a:ext uri="{FF2B5EF4-FFF2-40B4-BE49-F238E27FC236}">
                 <a16:creationId xmlns:a16="http://schemas.microsoft.com/office/drawing/2014/main" id="{7D3DD32F-385C-154D-A904-CC899539111E}"/>
               </a:ext>
             </a:extLst>
@@ -42123,7 +42913,7 @@
 </p:sld>
 </file>
 
-<file path=ppt/slides/slide31.xml><?xml version="1.0" encoding="utf-8"?>
+<file path=ppt/slides/slide32.xml><?xml version="1.0" encoding="utf-8"?>
 <p:sld xmlns:a="http://schemas.openxmlformats.org/drawingml/2006/main" xmlns:r="http://schemas.openxmlformats.org/officeDocument/2006/relationships" xmlns:p="http://schemas.openxmlformats.org/presentationml/2006/main">
   <p:cSld>
     <p:spTree>
@@ -42586,7 +43376,7 @@
 </p:sld>
 </file>
 
-<file path=ppt/slides/slide32.xml><?xml version="1.0" encoding="utf-8"?>
+<file path=ppt/slides/slide33.xml><?xml version="1.0" encoding="utf-8"?>
 <p:sld xmlns:a="http://schemas.openxmlformats.org/drawingml/2006/main" xmlns:r="http://schemas.openxmlformats.org/officeDocument/2006/relationships" xmlns:p="http://schemas.openxmlformats.org/presentationml/2006/main">
   <p:cSld>
     <p:spTree>
@@ -42768,7 +43558,7 @@
 </p:sld>
 </file>
 
-<file path=ppt/slides/slide33.xml><?xml version="1.0" encoding="utf-8"?>
+<file path=ppt/slides/slide34.xml><?xml version="1.0" encoding="utf-8"?>
 <p:sld xmlns:a="http://schemas.openxmlformats.org/drawingml/2006/main" xmlns:r="http://schemas.openxmlformats.org/officeDocument/2006/relationships" xmlns:p="http://schemas.openxmlformats.org/presentationml/2006/main">
   <p:cSld>
     <p:spTree>
@@ -42864,7 +43654,7 @@
 </p:sld>
 </file>
 
-<file path=ppt/slides/slide34.xml><?xml version="1.0" encoding="utf-8"?>
+<file path=ppt/slides/slide35.xml><?xml version="1.0" encoding="utf-8"?>
 <p:sld xmlns:a="http://schemas.openxmlformats.org/drawingml/2006/main" xmlns:r="http://schemas.openxmlformats.org/officeDocument/2006/relationships" xmlns:p="http://schemas.openxmlformats.org/presentationml/2006/main">
   <p:cSld>
     <p:spTree>
@@ -43017,7 +43807,7 @@
 </p:sld>
 </file>
 
-<file path=ppt/slides/slide35.xml><?xml version="1.0" encoding="utf-8"?>
+<file path=ppt/slides/slide36.xml><?xml version="1.0" encoding="utf-8"?>
 <p:sld xmlns:a="http://schemas.openxmlformats.org/drawingml/2006/main" xmlns:r="http://schemas.openxmlformats.org/officeDocument/2006/relationships" xmlns:p="http://schemas.openxmlformats.org/presentationml/2006/main">
   <p:cSld>
     <p:spTree>
@@ -43245,7 +44035,7 @@
 </p:sld>
 </file>
 
-<file path=ppt/slides/slide36.xml><?xml version="1.0" encoding="utf-8"?>
+<file path=ppt/slides/slide37.xml><?xml version="1.0" encoding="utf-8"?>
 <p:sld xmlns:a="http://schemas.openxmlformats.org/drawingml/2006/main" xmlns:r="http://schemas.openxmlformats.org/officeDocument/2006/relationships" xmlns:p="http://schemas.openxmlformats.org/presentationml/2006/main">
   <p:cSld>
     <p:spTree>
@@ -43341,7 +44131,7 @@
 </p:sld>
 </file>
 
-<file path=ppt/slides/slide37.xml><?xml version="1.0" encoding="utf-8"?>
+<file path=ppt/slides/slide38.xml><?xml version="1.0" encoding="utf-8"?>
 <p:sld xmlns:a="http://schemas.openxmlformats.org/drawingml/2006/main" xmlns:r="http://schemas.openxmlformats.org/officeDocument/2006/relationships" xmlns:p="http://schemas.openxmlformats.org/presentationml/2006/main">
   <p:cSld>
     <p:spTree>
@@ -43437,7 +44227,7 @@
 </p:sld>
 </file>
 
-<file path=ppt/slides/slide38.xml><?xml version="1.0" encoding="utf-8"?>
+<file path=ppt/slides/slide39.xml><?xml version="1.0" encoding="utf-8"?>
 <p:sld xmlns:a="http://schemas.openxmlformats.org/drawingml/2006/main" xmlns:r="http://schemas.openxmlformats.org/officeDocument/2006/relationships" xmlns:p="http://schemas.openxmlformats.org/presentationml/2006/main">
   <p:cSld>
     <p:spTree>
@@ -43533,7 +44323,153 @@
 </p:sld>
 </file>
 
-<file path=ppt/slides/slide39.xml><?xml version="1.0" encoding="utf-8"?>
+<file path=ppt/slides/slide4.xml><?xml version="1.0" encoding="utf-8"?>
+<p:sld xmlns:a="http://schemas.openxmlformats.org/drawingml/2006/main" xmlns:r="http://schemas.openxmlformats.org/officeDocument/2006/relationships" xmlns:p="http://schemas.openxmlformats.org/presentationml/2006/main">
+  <p:cSld>
+    <p:spTree>
+      <p:nvGrpSpPr>
+        <p:cNvPr id="1" name=""/>
+        <p:cNvGrpSpPr/>
+        <p:nvPr/>
+      </p:nvGrpSpPr>
+      <p:grpSpPr>
+        <a:xfrm>
+          <a:off x="0" y="0"/>
+          <a:ext cx="0" cy="0"/>
+          <a:chOff x="0" y="0"/>
+          <a:chExt cx="0" cy="0"/>
+        </a:xfrm>
+      </p:grpSpPr>
+      <p:sp>
+        <p:nvSpPr>
+          <p:cNvPr id="2" name="Title 1">
+            <a:extLst>
+              <a:ext uri="{FF2B5EF4-FFF2-40B4-BE49-F238E27FC236}">
+                <a16:creationId xmlns:a16="http://schemas.microsoft.com/office/drawing/2014/main" id="{1791B2C4-9B80-184D-A474-1EA8EB0ED33E}"/>
+              </a:ext>
+            </a:extLst>
+          </p:cNvPr>
+          <p:cNvSpPr>
+            <a:spLocks noGrp="1"/>
+          </p:cNvSpPr>
+          <p:nvPr>
+            <p:ph type="title"/>
+          </p:nvPr>
+        </p:nvSpPr>
+        <p:spPr>
+          <a:xfrm>
+            <a:off x="628650" y="273847"/>
+            <a:ext cx="7886700" cy="994172"/>
+          </a:xfrm>
+        </p:spPr>
+        <p:txBody>
+          <a:bodyPr anchor="ctr">
+            <a:normAutofit/>
+          </a:bodyPr>
+          <a:lstStyle/>
+          <a:p>
+            <a:r>
+              <a:rPr lang="en-US" dirty="0"/>
+              <a:t>Unsorted Bin Review – 1 </a:t>
+            </a:r>
+          </a:p>
+        </p:txBody>
+      </p:sp>
+      <p:sp>
+        <p:nvSpPr>
+          <p:cNvPr id="3" name="Content Placeholder 2">
+            <a:extLst>
+              <a:ext uri="{FF2B5EF4-FFF2-40B4-BE49-F238E27FC236}">
+                <a16:creationId xmlns:a16="http://schemas.microsoft.com/office/drawing/2014/main" id="{93362CF1-8F5D-944C-98EA-9CE1803EF33A}"/>
+              </a:ext>
+            </a:extLst>
+          </p:cNvPr>
+          <p:cNvSpPr>
+            <a:spLocks noGrp="1"/>
+          </p:cNvSpPr>
+          <p:nvPr>
+            <p:ph sz="half" idx="2"/>
+          </p:nvPr>
+        </p:nvSpPr>
+        <p:spPr>
+          <a:xfrm>
+            <a:off x="4629150" y="1369219"/>
+            <a:ext cx="3886200" cy="3263504"/>
+          </a:xfrm>
+        </p:spPr>
+        <p:txBody>
+          <a:bodyPr>
+            <a:normAutofit/>
+          </a:bodyPr>
+          <a:lstStyle/>
+          <a:p>
+            <a:r>
+              <a:rPr lang="en-US" dirty="0"/>
+              <a:t>Gives memory another chance to be used </a:t>
+            </a:r>
+          </a:p>
+          <a:p>
+            <a:r>
+              <a:rPr lang="en-US" dirty="0"/>
+              <a:t>Holds chunks of all sizes</a:t>
+            </a:r>
+          </a:p>
+          <a:p>
+            <a:r>
+              <a:rPr lang="en-US" dirty="0"/>
+              <a:t>Only a SINGLE </a:t>
+            </a:r>
+            <a:r>
+              <a:rPr lang="en-US" i="1" dirty="0"/>
+              <a:t>unsorted bin</a:t>
+            </a:r>
+          </a:p>
+        </p:txBody>
+      </p:sp>
+      <p:pic>
+        <p:nvPicPr>
+          <p:cNvPr id="5" name="Picture 4" descr="Doubly linked list - unsorted bin">
+            <a:extLst>
+              <a:ext uri="{FF2B5EF4-FFF2-40B4-BE49-F238E27FC236}">
+                <a16:creationId xmlns:a16="http://schemas.microsoft.com/office/drawing/2014/main" id="{01A6BF00-F440-F74D-ABB6-B27B8BEE2A90}"/>
+              </a:ext>
+            </a:extLst>
+          </p:cNvPr>
+          <p:cNvPicPr>
+            <a:picLocks noChangeAspect="1"/>
+          </p:cNvPicPr>
+          <p:nvPr/>
+        </p:nvPicPr>
+        <p:blipFill>
+          <a:blip r:embed="rId2"/>
+          <a:stretch>
+            <a:fillRect/>
+          </a:stretch>
+        </p:blipFill>
+        <p:spPr>
+          <a:xfrm>
+            <a:off x="973737" y="1139118"/>
+            <a:ext cx="3046803" cy="3241280"/>
+          </a:xfrm>
+          <a:prstGeom prst="rect">
+            <a:avLst/>
+          </a:prstGeom>
+        </p:spPr>
+      </p:pic>
+    </p:spTree>
+    <p:extLst>
+      <p:ext uri="{BB962C8B-B14F-4D97-AF65-F5344CB8AC3E}">
+        <p14:creationId xmlns:p14="http://schemas.microsoft.com/office/powerpoint/2010/main" val="2515632693"/>
+      </p:ext>
+    </p:extLst>
+  </p:cSld>
+  <p:clrMapOvr>
+    <a:masterClrMapping/>
+  </p:clrMapOvr>
+</p:sld>
+</file>
+
+<file path=ppt/slides/slide40.xml><?xml version="1.0" encoding="utf-8"?>
 <p:sld xmlns:a="http://schemas.openxmlformats.org/drawingml/2006/main" xmlns:r="http://schemas.openxmlformats.org/officeDocument/2006/relationships" xmlns:p="http://schemas.openxmlformats.org/presentationml/2006/main">
   <p:cSld>
     <p:spTree>
@@ -43671,153 +44607,7 @@
 </p:sld>
 </file>
 
-<file path=ppt/slides/slide4.xml><?xml version="1.0" encoding="utf-8"?>
-<p:sld xmlns:a="http://schemas.openxmlformats.org/drawingml/2006/main" xmlns:r="http://schemas.openxmlformats.org/officeDocument/2006/relationships" xmlns:p="http://schemas.openxmlformats.org/presentationml/2006/main">
-  <p:cSld>
-    <p:spTree>
-      <p:nvGrpSpPr>
-        <p:cNvPr id="1" name=""/>
-        <p:cNvGrpSpPr/>
-        <p:nvPr/>
-      </p:nvGrpSpPr>
-      <p:grpSpPr>
-        <a:xfrm>
-          <a:off x="0" y="0"/>
-          <a:ext cx="0" cy="0"/>
-          <a:chOff x="0" y="0"/>
-          <a:chExt cx="0" cy="0"/>
-        </a:xfrm>
-      </p:grpSpPr>
-      <p:sp>
-        <p:nvSpPr>
-          <p:cNvPr id="2" name="Title 1">
-            <a:extLst>
-              <a:ext uri="{FF2B5EF4-FFF2-40B4-BE49-F238E27FC236}">
-                <a16:creationId xmlns:a16="http://schemas.microsoft.com/office/drawing/2014/main" id="{1791B2C4-9B80-184D-A474-1EA8EB0ED33E}"/>
-              </a:ext>
-            </a:extLst>
-          </p:cNvPr>
-          <p:cNvSpPr>
-            <a:spLocks noGrp="1"/>
-          </p:cNvSpPr>
-          <p:nvPr>
-            <p:ph type="title"/>
-          </p:nvPr>
-        </p:nvSpPr>
-        <p:spPr>
-          <a:xfrm>
-            <a:off x="628650" y="273847"/>
-            <a:ext cx="7886700" cy="994172"/>
-          </a:xfrm>
-        </p:spPr>
-        <p:txBody>
-          <a:bodyPr anchor="ctr">
-            <a:normAutofit/>
-          </a:bodyPr>
-          <a:lstStyle/>
-          <a:p>
-            <a:r>
-              <a:rPr lang="en-US" dirty="0"/>
-              <a:t>Unsorted Bin Review – 1 </a:t>
-            </a:r>
-          </a:p>
-        </p:txBody>
-      </p:sp>
-      <p:sp>
-        <p:nvSpPr>
-          <p:cNvPr id="3" name="Content Placeholder 2">
-            <a:extLst>
-              <a:ext uri="{FF2B5EF4-FFF2-40B4-BE49-F238E27FC236}">
-                <a16:creationId xmlns:a16="http://schemas.microsoft.com/office/drawing/2014/main" id="{93362CF1-8F5D-944C-98EA-9CE1803EF33A}"/>
-              </a:ext>
-            </a:extLst>
-          </p:cNvPr>
-          <p:cNvSpPr>
-            <a:spLocks noGrp="1"/>
-          </p:cNvSpPr>
-          <p:nvPr>
-            <p:ph sz="half" idx="2"/>
-          </p:nvPr>
-        </p:nvSpPr>
-        <p:spPr>
-          <a:xfrm>
-            <a:off x="4629150" y="1369219"/>
-            <a:ext cx="3886200" cy="3263504"/>
-          </a:xfrm>
-        </p:spPr>
-        <p:txBody>
-          <a:bodyPr>
-            <a:normAutofit/>
-          </a:bodyPr>
-          <a:lstStyle/>
-          <a:p>
-            <a:r>
-              <a:rPr lang="en-US" dirty="0"/>
-              <a:t>Gives memory another chance to be used </a:t>
-            </a:r>
-          </a:p>
-          <a:p>
-            <a:r>
-              <a:rPr lang="en-US" dirty="0"/>
-              <a:t>Holds chunks of all sizes</a:t>
-            </a:r>
-          </a:p>
-          <a:p>
-            <a:r>
-              <a:rPr lang="en-US" dirty="0"/>
-              <a:t>Only a SINGLE </a:t>
-            </a:r>
-            <a:r>
-              <a:rPr lang="en-US" i="1" dirty="0"/>
-              <a:t>unsorted bin</a:t>
-            </a:r>
-          </a:p>
-        </p:txBody>
-      </p:sp>
-      <p:pic>
-        <p:nvPicPr>
-          <p:cNvPr id="5" name="Picture 4" descr="Doubly linked list - unsorted bin">
-            <a:extLst>
-              <a:ext uri="{FF2B5EF4-FFF2-40B4-BE49-F238E27FC236}">
-                <a16:creationId xmlns:a16="http://schemas.microsoft.com/office/drawing/2014/main" id="{01A6BF00-F440-F74D-ABB6-B27B8BEE2A90}"/>
-              </a:ext>
-            </a:extLst>
-          </p:cNvPr>
-          <p:cNvPicPr>
-            <a:picLocks noChangeAspect="1"/>
-          </p:cNvPicPr>
-          <p:nvPr/>
-        </p:nvPicPr>
-        <p:blipFill>
-          <a:blip r:embed="rId2"/>
-          <a:stretch>
-            <a:fillRect/>
-          </a:stretch>
-        </p:blipFill>
-        <p:spPr>
-          <a:xfrm>
-            <a:off x="973737" y="1139118"/>
-            <a:ext cx="3046803" cy="3241280"/>
-          </a:xfrm>
-          <a:prstGeom prst="rect">
-            <a:avLst/>
-          </a:prstGeom>
-        </p:spPr>
-      </p:pic>
-    </p:spTree>
-    <p:extLst>
-      <p:ext uri="{BB962C8B-B14F-4D97-AF65-F5344CB8AC3E}">
-        <p14:creationId xmlns:p14="http://schemas.microsoft.com/office/powerpoint/2010/main" val="2515632693"/>
-      </p:ext>
-    </p:extLst>
-  </p:cSld>
-  <p:clrMapOvr>
-    <a:masterClrMapping/>
-  </p:clrMapOvr>
-</p:sld>
-</file>
-
-<file path=ppt/slides/slide40.xml><?xml version="1.0" encoding="utf-8"?>
+<file path=ppt/slides/slide41.xml><?xml version="1.0" encoding="utf-8"?>
 <p:sld xmlns:a="http://schemas.openxmlformats.org/drawingml/2006/main" xmlns:r="http://schemas.openxmlformats.org/officeDocument/2006/relationships" xmlns:p="http://schemas.openxmlformats.org/presentationml/2006/main">
   <p:cSld>
     <p:spTree>
@@ -43991,7 +44781,7 @@
 </p:sld>
 </file>
 
-<file path=ppt/slides/slide41.xml><?xml version="1.0" encoding="utf-8"?>
+<file path=ppt/slides/slide42.xml><?xml version="1.0" encoding="utf-8"?>
 <p:sld xmlns:a="http://schemas.openxmlformats.org/drawingml/2006/main" xmlns:r="http://schemas.openxmlformats.org/officeDocument/2006/relationships" xmlns:p="http://schemas.openxmlformats.org/presentationml/2006/main" show="0">
   <p:cSld>
     <p:spTree>
@@ -44117,7 +44907,7 @@
 </p:sld>
 </file>
 
-<file path=ppt/slides/slide42.xml><?xml version="1.0" encoding="utf-8"?>
+<file path=ppt/slides/slide43.xml><?xml version="1.0" encoding="utf-8"?>
 <p:sld xmlns:a="http://schemas.openxmlformats.org/drawingml/2006/main" xmlns:r="http://schemas.openxmlformats.org/officeDocument/2006/relationships" xmlns:p="http://schemas.openxmlformats.org/presentationml/2006/main">
   <p:cSld>
     <p:spTree>
@@ -44354,7 +45144,7 @@
 </p:sld>
 </file>
 
-<file path=ppt/slides/slide43.xml><?xml version="1.0" encoding="utf-8"?>
+<file path=ppt/slides/slide44.xml><?xml version="1.0" encoding="utf-8"?>
 <p:sld xmlns:a="http://schemas.openxmlformats.org/drawingml/2006/main" xmlns:r="http://schemas.openxmlformats.org/officeDocument/2006/relationships" xmlns:p="http://schemas.openxmlformats.org/presentationml/2006/main">
   <p:cSld>
     <p:spTree>
@@ -44531,7 +45321,7 @@
 </p:sld>
 </file>
 
-<file path=ppt/slides/slide44.xml><?xml version="1.0" encoding="utf-8"?>
+<file path=ppt/slides/slide45.xml><?xml version="1.0" encoding="utf-8"?>
 <p:sld xmlns:a="http://schemas.openxmlformats.org/drawingml/2006/main" xmlns:r="http://schemas.openxmlformats.org/officeDocument/2006/relationships" xmlns:p="http://schemas.openxmlformats.org/presentationml/2006/main">
   <p:cSld>
     <p:spTree>
@@ -44835,7 +45625,7 @@
 </p:sld>
 </file>
 
-<file path=ppt/slides/slide45.xml><?xml version="1.0" encoding="utf-8"?>
+<file path=ppt/slides/slide46.xml><?xml version="1.0" encoding="utf-8"?>
 <p:sld xmlns:a="http://schemas.openxmlformats.org/drawingml/2006/main" xmlns:r="http://schemas.openxmlformats.org/officeDocument/2006/relationships" xmlns:p="http://schemas.openxmlformats.org/presentationml/2006/main">
   <p:cSld>
     <p:spTree>
@@ -45290,7 +46080,7 @@
 </p:sld>
 </file>
 
-<file path=ppt/slides/slide46.xml><?xml version="1.0" encoding="utf-8"?>
+<file path=ppt/slides/slide47.xml><?xml version="1.0" encoding="utf-8"?>
 <p:sld xmlns:a="http://schemas.openxmlformats.org/drawingml/2006/main" xmlns:r="http://schemas.openxmlformats.org/officeDocument/2006/relationships" xmlns:p="http://schemas.openxmlformats.org/presentationml/2006/main">
   <p:cSld>
     <p:spTree>
@@ -45386,7 +46176,7 @@
 </p:sld>
 </file>
 
-<file path=ppt/slides/slide47.xml><?xml version="1.0" encoding="utf-8"?>
+<file path=ppt/slides/slide48.xml><?xml version="1.0" encoding="utf-8"?>
 <p:sld xmlns:a="http://schemas.openxmlformats.org/drawingml/2006/main" xmlns:r="http://schemas.openxmlformats.org/officeDocument/2006/relationships" xmlns:p="http://schemas.openxmlformats.org/presentationml/2006/main">
   <p:cSld>
     <p:spTree>
@@ -45747,7 +46537,7 @@
 </p:sld>
 </file>
 
-<file path=ppt/slides/slide48.xml><?xml version="1.0" encoding="utf-8"?>
+<file path=ppt/slides/slide49.xml><?xml version="1.0" encoding="utf-8"?>
 <p:sld xmlns:a="http://schemas.openxmlformats.org/drawingml/2006/main" xmlns:r="http://schemas.openxmlformats.org/officeDocument/2006/relationships" xmlns:p="http://schemas.openxmlformats.org/presentationml/2006/main">
   <p:cSld>
     <p:spTree>
@@ -45915,164 +46705,6 @@
     <p:extLst>
       <p:ext uri="{BB962C8B-B14F-4D97-AF65-F5344CB8AC3E}">
         <p14:creationId xmlns:p14="http://schemas.microsoft.com/office/powerpoint/2010/main" val="521149143"/>
-      </p:ext>
-    </p:extLst>
-  </p:cSld>
-  <p:clrMapOvr>
-    <a:masterClrMapping/>
-  </p:clrMapOvr>
-</p:sld>
-</file>
-
-<file path=ppt/slides/slide49.xml><?xml version="1.0" encoding="utf-8"?>
-<p:sld xmlns:a="http://schemas.openxmlformats.org/drawingml/2006/main" xmlns:r="http://schemas.openxmlformats.org/officeDocument/2006/relationships" xmlns:p="http://schemas.openxmlformats.org/presentationml/2006/main">
-  <p:cSld>
-    <p:spTree>
-      <p:nvGrpSpPr>
-        <p:cNvPr id="1" name=""/>
-        <p:cNvGrpSpPr/>
-        <p:nvPr/>
-      </p:nvGrpSpPr>
-      <p:grpSpPr>
-        <a:xfrm>
-          <a:off x="0" y="0"/>
-          <a:ext cx="0" cy="0"/>
-          <a:chOff x="0" y="0"/>
-          <a:chExt cx="0" cy="0"/>
-        </a:xfrm>
-      </p:grpSpPr>
-      <p:sp>
-        <p:nvSpPr>
-          <p:cNvPr id="2" name="Title 1">
-            <a:extLst>
-              <a:ext uri="{FF2B5EF4-FFF2-40B4-BE49-F238E27FC236}">
-                <a16:creationId xmlns:a16="http://schemas.microsoft.com/office/drawing/2014/main" id="{169B165E-583A-C84D-9AEC-141BBDBBC892}"/>
-              </a:ext>
-            </a:extLst>
-          </p:cNvPr>
-          <p:cNvSpPr>
-            <a:spLocks noGrp="1"/>
-          </p:cNvSpPr>
-          <p:nvPr>
-            <p:ph type="title"/>
-          </p:nvPr>
-        </p:nvSpPr>
-        <p:spPr/>
-        <p:txBody>
-          <a:bodyPr/>
-          <a:lstStyle/>
-          <a:p>
-            <a:r>
-              <a:rPr lang="en-US" dirty="0"/>
-              <a:t>Corrupting Messages Vector</a:t>
-            </a:r>
-          </a:p>
-        </p:txBody>
-      </p:sp>
-      <p:sp>
-        <p:nvSpPr>
-          <p:cNvPr id="3" name="Content Placeholder 2">
-            <a:extLst>
-              <a:ext uri="{FF2B5EF4-FFF2-40B4-BE49-F238E27FC236}">
-                <a16:creationId xmlns:a16="http://schemas.microsoft.com/office/drawing/2014/main" id="{77CA55DF-93D0-2944-A92C-184447474473}"/>
-              </a:ext>
-            </a:extLst>
-          </p:cNvPr>
-          <p:cNvSpPr>
-            <a:spLocks noGrp="1"/>
-          </p:cNvSpPr>
-          <p:nvPr>
-            <p:ph idx="1"/>
-          </p:nvPr>
-        </p:nvSpPr>
-        <p:spPr>
-          <a:xfrm>
-            <a:off x="628650" y="1236541"/>
-            <a:ext cx="4269275" cy="3633112"/>
-          </a:xfrm>
-        </p:spPr>
-        <p:txBody>
-          <a:bodyPr/>
-          <a:lstStyle/>
-          <a:p>
-            <a:r>
-              <a:rPr lang="en-US" dirty="0"/>
-              <a:t>User controllable buffer inside of it:</a:t>
-            </a:r>
-          </a:p>
-          <a:p>
-            <a:pPr lvl="1"/>
-            <a:r>
-              <a:rPr lang="en-US" dirty="0"/>
-              <a:t>Literally send a </a:t>
-            </a:r>
-            <a:r>
-              <a:rPr lang="en-US" i="1" dirty="0"/>
-              <a:t>text message</a:t>
-            </a:r>
-            <a:r>
-              <a:rPr lang="en-US" dirty="0"/>
-              <a:t> with our complete content</a:t>
-            </a:r>
-          </a:p>
-          <a:p>
-            <a:r>
-              <a:rPr lang="en-US" dirty="0"/>
-              <a:t>Easy to invoke object from the remote client</a:t>
-            </a:r>
-          </a:p>
-          <a:p>
-            <a:r>
-              <a:rPr lang="en-US" dirty="0"/>
-              <a:t>Corrupted size allows for a </a:t>
-            </a:r>
-            <a:r>
-              <a:rPr lang="en-US" b="1" i="1" u="sng" dirty="0"/>
-              <a:t>data controlled linear buffer overflow!</a:t>
-            </a:r>
-          </a:p>
-        </p:txBody>
-      </p:sp>
-      <p:pic>
-        <p:nvPicPr>
-          <p:cNvPr id="8" name="Graphic 7">
-            <a:extLst>
-              <a:ext uri="{FF2B5EF4-FFF2-40B4-BE49-F238E27FC236}">
-                <a16:creationId xmlns:a16="http://schemas.microsoft.com/office/drawing/2014/main" id="{BCA8FF1E-E4A2-A043-A504-274EAD1DBC80}"/>
-              </a:ext>
-            </a:extLst>
-          </p:cNvPr>
-          <p:cNvPicPr>
-            <a:picLocks noChangeAspect="1"/>
-          </p:cNvPicPr>
-          <p:nvPr/>
-        </p:nvPicPr>
-        <p:blipFill>
-          <a:blip r:embed="rId2">
-            <a:extLst>
-              <a:ext uri="{96DAC541-7B7A-43D3-8B79-37D633B846F1}">
-                <asvg:svgBlip xmlns:asvg="http://schemas.microsoft.com/office/drawing/2016/SVG/main" r:embed="rId3"/>
-              </a:ext>
-            </a:extLst>
-          </a:blip>
-          <a:stretch>
-            <a:fillRect/>
-          </a:stretch>
-        </p:blipFill>
-        <p:spPr>
-          <a:xfrm>
-            <a:off x="4782320" y="1019749"/>
-            <a:ext cx="4361680" cy="3362128"/>
-          </a:xfrm>
-          <a:prstGeom prst="rect">
-            <a:avLst/>
-          </a:prstGeom>
-        </p:spPr>
-      </p:pic>
-    </p:spTree>
-    <p:extLst>
-      <p:ext uri="{BB962C8B-B14F-4D97-AF65-F5344CB8AC3E}">
-        <p14:creationId xmlns:p14="http://schemas.microsoft.com/office/powerpoint/2010/main" val="753479955"/>
       </p:ext>
     </p:extLst>
   </p:cSld>
@@ -46382,6 +47014,164 @@
           <p:cNvPr id="2" name="Title 1">
             <a:extLst>
               <a:ext uri="{FF2B5EF4-FFF2-40B4-BE49-F238E27FC236}">
+                <a16:creationId xmlns:a16="http://schemas.microsoft.com/office/drawing/2014/main" id="{169B165E-583A-C84D-9AEC-141BBDBBC892}"/>
+              </a:ext>
+            </a:extLst>
+          </p:cNvPr>
+          <p:cNvSpPr>
+            <a:spLocks noGrp="1"/>
+          </p:cNvSpPr>
+          <p:nvPr>
+            <p:ph type="title"/>
+          </p:nvPr>
+        </p:nvSpPr>
+        <p:spPr/>
+        <p:txBody>
+          <a:bodyPr/>
+          <a:lstStyle/>
+          <a:p>
+            <a:r>
+              <a:rPr lang="en-US" dirty="0"/>
+              <a:t>Corrupting Messages Vector</a:t>
+            </a:r>
+          </a:p>
+        </p:txBody>
+      </p:sp>
+      <p:sp>
+        <p:nvSpPr>
+          <p:cNvPr id="3" name="Content Placeholder 2">
+            <a:extLst>
+              <a:ext uri="{FF2B5EF4-FFF2-40B4-BE49-F238E27FC236}">
+                <a16:creationId xmlns:a16="http://schemas.microsoft.com/office/drawing/2014/main" id="{77CA55DF-93D0-2944-A92C-184447474473}"/>
+              </a:ext>
+            </a:extLst>
+          </p:cNvPr>
+          <p:cNvSpPr>
+            <a:spLocks noGrp="1"/>
+          </p:cNvSpPr>
+          <p:nvPr>
+            <p:ph idx="1"/>
+          </p:nvPr>
+        </p:nvSpPr>
+        <p:spPr>
+          <a:xfrm>
+            <a:off x="628650" y="1236541"/>
+            <a:ext cx="4269275" cy="3633112"/>
+          </a:xfrm>
+        </p:spPr>
+        <p:txBody>
+          <a:bodyPr/>
+          <a:lstStyle/>
+          <a:p>
+            <a:r>
+              <a:rPr lang="en-US" dirty="0"/>
+              <a:t>User controllable buffer inside of it:</a:t>
+            </a:r>
+          </a:p>
+          <a:p>
+            <a:pPr lvl="1"/>
+            <a:r>
+              <a:rPr lang="en-US" dirty="0"/>
+              <a:t>Literally send a </a:t>
+            </a:r>
+            <a:r>
+              <a:rPr lang="en-US" i="1" dirty="0"/>
+              <a:t>text message</a:t>
+            </a:r>
+            <a:r>
+              <a:rPr lang="en-US" dirty="0"/>
+              <a:t> with our complete content</a:t>
+            </a:r>
+          </a:p>
+          <a:p>
+            <a:r>
+              <a:rPr lang="en-US" dirty="0"/>
+              <a:t>Easy to invoke object from the remote client</a:t>
+            </a:r>
+          </a:p>
+          <a:p>
+            <a:r>
+              <a:rPr lang="en-US" dirty="0"/>
+              <a:t>Corrupted size allows for a </a:t>
+            </a:r>
+            <a:r>
+              <a:rPr lang="en-US" b="1" i="1" u="sng" dirty="0"/>
+              <a:t>data controlled linear buffer overflow!</a:t>
+            </a:r>
+          </a:p>
+        </p:txBody>
+      </p:sp>
+      <p:pic>
+        <p:nvPicPr>
+          <p:cNvPr id="8" name="Graphic 7">
+            <a:extLst>
+              <a:ext uri="{FF2B5EF4-FFF2-40B4-BE49-F238E27FC236}">
+                <a16:creationId xmlns:a16="http://schemas.microsoft.com/office/drawing/2014/main" id="{BCA8FF1E-E4A2-A043-A504-274EAD1DBC80}"/>
+              </a:ext>
+            </a:extLst>
+          </p:cNvPr>
+          <p:cNvPicPr>
+            <a:picLocks noChangeAspect="1"/>
+          </p:cNvPicPr>
+          <p:nvPr/>
+        </p:nvPicPr>
+        <p:blipFill>
+          <a:blip r:embed="rId2">
+            <a:extLst>
+              <a:ext uri="{96DAC541-7B7A-43D3-8B79-37D633B846F1}">
+                <asvg:svgBlip xmlns:asvg="http://schemas.microsoft.com/office/drawing/2016/SVG/main" r:embed="rId3"/>
+              </a:ext>
+            </a:extLst>
+          </a:blip>
+          <a:stretch>
+            <a:fillRect/>
+          </a:stretch>
+        </p:blipFill>
+        <p:spPr>
+          <a:xfrm>
+            <a:off x="4782320" y="1019749"/>
+            <a:ext cx="4361680" cy="3362128"/>
+          </a:xfrm>
+          <a:prstGeom prst="rect">
+            <a:avLst/>
+          </a:prstGeom>
+        </p:spPr>
+      </p:pic>
+    </p:spTree>
+    <p:extLst>
+      <p:ext uri="{BB962C8B-B14F-4D97-AF65-F5344CB8AC3E}">
+        <p14:creationId xmlns:p14="http://schemas.microsoft.com/office/powerpoint/2010/main" val="753479955"/>
+      </p:ext>
+    </p:extLst>
+  </p:cSld>
+  <p:clrMapOvr>
+    <a:masterClrMapping/>
+  </p:clrMapOvr>
+</p:sld>
+</file>
+
+<file path=ppt/slides/slide51.xml><?xml version="1.0" encoding="utf-8"?>
+<p:sld xmlns:a="http://schemas.openxmlformats.org/drawingml/2006/main" xmlns:r="http://schemas.openxmlformats.org/officeDocument/2006/relationships" xmlns:p="http://schemas.openxmlformats.org/presentationml/2006/main">
+  <p:cSld>
+    <p:spTree>
+      <p:nvGrpSpPr>
+        <p:cNvPr id="1" name=""/>
+        <p:cNvGrpSpPr/>
+        <p:nvPr/>
+      </p:nvGrpSpPr>
+      <p:grpSpPr>
+        <a:xfrm>
+          <a:off x="0" y="0"/>
+          <a:ext cx="0" cy="0"/>
+          <a:chOff x="0" y="0"/>
+          <a:chExt cx="0" cy="0"/>
+        </a:xfrm>
+      </p:grpSpPr>
+      <p:sp>
+        <p:nvSpPr>
+          <p:cNvPr id="2" name="Title 1">
+            <a:extLst>
+              <a:ext uri="{FF2B5EF4-FFF2-40B4-BE49-F238E27FC236}">
                 <a16:creationId xmlns:a16="http://schemas.microsoft.com/office/drawing/2014/main" id="{7F40A8BA-2667-0E4F-A6DA-AFD7D5DD5461}"/>
               </a:ext>
             </a:extLst>
@@ -46592,7 +47382,7 @@
 </p:sld>
 </file>
 
-<file path=ppt/slides/slide51.xml><?xml version="1.0" encoding="utf-8"?>
+<file path=ppt/slides/slide52.xml><?xml version="1.0" encoding="utf-8"?>
 <p:sld xmlns:a="http://schemas.openxmlformats.org/drawingml/2006/main" xmlns:r="http://schemas.openxmlformats.org/officeDocument/2006/relationships" xmlns:p="http://schemas.openxmlformats.org/presentationml/2006/main">
   <p:cSld>
     <p:spTree>
@@ -46638,7 +47428,7 @@
             </a:r>
             <a:r>
               <a:rPr lang="en-US" b="1" dirty="0">
-                <a:hlinkClick r:id="rId2"/>
+                <a:hlinkClick r:id="rId3"/>
               </a:rPr>
               <a:t>😎</a:t>
             </a:r>
@@ -46663,7 +47453,7 @@
           </p:nvPr>
         </p:nvPicPr>
         <p:blipFill>
-          <a:blip r:embed="rId3"/>
+          <a:blip r:embed="rId4"/>
           <a:stretch>
             <a:fillRect/>
           </a:stretch>
@@ -46774,7 +47564,7 @@
 </p:sld>
 </file>
 
-<file path=ppt/slides/slide52.xml><?xml version="1.0" encoding="utf-8"?>
+<file path=ppt/slides/slide53.xml><?xml version="1.0" encoding="utf-8"?>
 <p:sld xmlns:a="http://schemas.openxmlformats.org/drawingml/2006/main" xmlns:r="http://schemas.openxmlformats.org/officeDocument/2006/relationships" xmlns:p="http://schemas.openxmlformats.org/presentationml/2006/main">
   <p:cSld>
     <p:spTree>
@@ -46937,7 +47727,7 @@
 </p:sld>
 </file>
 
-<file path=ppt/slides/slide53.xml><?xml version="1.0" encoding="utf-8"?>
+<file path=ppt/slides/slide54.xml><?xml version="1.0" encoding="utf-8"?>
 <p:sld xmlns:a="http://schemas.openxmlformats.org/drawingml/2006/main" xmlns:r="http://schemas.openxmlformats.org/officeDocument/2006/relationships" xmlns:p="http://schemas.openxmlformats.org/presentationml/2006/main">
   <p:cSld>
     <p:spTree>
@@ -47098,7 +47888,7 @@
 </p:sld>
 </file>
 
-<file path=ppt/slides/slide54.xml><?xml version="1.0" encoding="utf-8"?>
+<file path=ppt/slides/slide55.xml><?xml version="1.0" encoding="utf-8"?>
 <p:sld xmlns:a="http://schemas.openxmlformats.org/drawingml/2006/main" xmlns:r="http://schemas.openxmlformats.org/officeDocument/2006/relationships" xmlns:p="http://schemas.openxmlformats.org/presentationml/2006/main">
   <p:cSld>
     <p:spTree>
@@ -47287,7 +48077,7 @@
 </p:sld>
 </file>
 
-<file path=ppt/slides/slide55.xml><?xml version="1.0" encoding="utf-8"?>
+<file path=ppt/slides/slide56.xml><?xml version="1.0" encoding="utf-8"?>
 <p:sld xmlns:a="http://schemas.openxmlformats.org/drawingml/2006/main" xmlns:r="http://schemas.openxmlformats.org/officeDocument/2006/relationships" xmlns:p="http://schemas.openxmlformats.org/presentationml/2006/main">
   <p:cSld>
     <p:spTree>
@@ -47714,7 +48504,7 @@
 </p:sld>
 </file>
 
-<file path=ppt/slides/slide56.xml><?xml version="1.0" encoding="utf-8"?>
+<file path=ppt/slides/slide57.xml><?xml version="1.0" encoding="utf-8"?>
 <p:sld xmlns:a="http://schemas.openxmlformats.org/drawingml/2006/main" xmlns:r="http://schemas.openxmlformats.org/officeDocument/2006/relationships" xmlns:p="http://schemas.openxmlformats.org/presentationml/2006/main">
   <p:cSld>
     <p:spTree>
@@ -48093,7 +48883,7 @@
 </p:sld>
 </file>
 
-<file path=ppt/slides/slide57.xml><?xml version="1.0" encoding="utf-8"?>
+<file path=ppt/slides/slide58.xml><?xml version="1.0" encoding="utf-8"?>
 <p:sld xmlns:a="http://schemas.openxmlformats.org/drawingml/2006/main" xmlns:r="http://schemas.openxmlformats.org/officeDocument/2006/relationships" xmlns:p="http://schemas.openxmlformats.org/presentationml/2006/main">
   <p:cSld>
     <p:spTree>
@@ -48366,7 +49156,7 @@
 </p:sld>
 </file>
 
-<file path=ppt/slides/slide58.xml><?xml version="1.0" encoding="utf-8"?>
+<file path=ppt/slides/slide59.xml><?xml version="1.0" encoding="utf-8"?>
 <p:sld xmlns:a="http://schemas.openxmlformats.org/drawingml/2006/main" xmlns:r="http://schemas.openxmlformats.org/officeDocument/2006/relationships" xmlns:p="http://schemas.openxmlformats.org/presentationml/2006/main" show="0">
   <p:cSld>
     <p:spTree>
@@ -48444,527 +49234,6 @@
     <p:extLst>
       <p:ext uri="{BB962C8B-B14F-4D97-AF65-F5344CB8AC3E}">
         <p14:creationId xmlns:p14="http://schemas.microsoft.com/office/powerpoint/2010/main" val="1139476758"/>
-      </p:ext>
-    </p:extLst>
-  </p:cSld>
-  <p:clrMapOvr>
-    <a:masterClrMapping/>
-  </p:clrMapOvr>
-</p:sld>
-</file>
-
-<file path=ppt/slides/slide59.xml><?xml version="1.0" encoding="utf-8"?>
-<p:sld xmlns:a="http://schemas.openxmlformats.org/drawingml/2006/main" xmlns:r="http://schemas.openxmlformats.org/officeDocument/2006/relationships" xmlns:p="http://schemas.openxmlformats.org/presentationml/2006/main" show="0">
-  <p:cSld>
-    <p:spTree>
-      <p:nvGrpSpPr>
-        <p:cNvPr id="1" name=""/>
-        <p:cNvGrpSpPr/>
-        <p:nvPr/>
-      </p:nvGrpSpPr>
-      <p:grpSpPr>
-        <a:xfrm>
-          <a:off x="0" y="0"/>
-          <a:ext cx="0" cy="0"/>
-          <a:chOff x="0" y="0"/>
-          <a:chExt cx="0" cy="0"/>
-        </a:xfrm>
-      </p:grpSpPr>
-      <p:pic>
-        <p:nvPicPr>
-          <p:cNvPr id="21" name="Content Placeholder 20" descr="TCache empty -ready for stash">
-            <a:extLst>
-              <a:ext uri="{FF2B5EF4-FFF2-40B4-BE49-F238E27FC236}">
-                <a16:creationId xmlns:a16="http://schemas.microsoft.com/office/drawing/2014/main" id="{ABF173AD-BD18-99E2-F36E-BB335FBE5B5E}"/>
-              </a:ext>
-            </a:extLst>
-          </p:cNvPr>
-          <p:cNvPicPr>
-            <a:picLocks noGrp="1" noChangeAspect="1"/>
-          </p:cNvPicPr>
-          <p:nvPr>
-            <p:ph idx="1"/>
-          </p:nvPr>
-        </p:nvPicPr>
-        <p:blipFill>
-          <a:blip r:embed="rId3"/>
-          <a:stretch>
-            <a:fillRect/>
-          </a:stretch>
-        </p:blipFill>
-        <p:spPr>
-          <a:xfrm>
-            <a:off x="628650" y="1457008"/>
-            <a:ext cx="7886700" cy="2823210"/>
-          </a:xfrm>
-        </p:spPr>
-      </p:pic>
-      <p:sp>
-        <p:nvSpPr>
-          <p:cNvPr id="2" name="Title 1">
-            <a:extLst>
-              <a:ext uri="{FF2B5EF4-FFF2-40B4-BE49-F238E27FC236}">
-                <a16:creationId xmlns:a16="http://schemas.microsoft.com/office/drawing/2014/main" id="{5FD8AFE0-6F6B-7FC5-E0B0-6E0EEC6628ED}"/>
-              </a:ext>
-            </a:extLst>
-          </p:cNvPr>
-          <p:cNvSpPr>
-            <a:spLocks noGrp="1"/>
-          </p:cNvSpPr>
-          <p:nvPr>
-            <p:ph type="title"/>
-          </p:nvPr>
-        </p:nvSpPr>
-        <p:spPr/>
-        <p:txBody>
-          <a:bodyPr/>
-          <a:lstStyle/>
-          <a:p>
-            <a:r>
-              <a:rPr lang="en-US" dirty="0"/>
-              <a:t>How Does This Happen? – 2 </a:t>
-            </a:r>
-          </a:p>
-        </p:txBody>
-      </p:sp>
-      <p:cxnSp>
-        <p:nvCxnSpPr>
-          <p:cNvPr id="8" name="Straight Connector 7">
-            <a:extLst>
-              <a:ext uri="{FF2B5EF4-FFF2-40B4-BE49-F238E27FC236}">
-                <a16:creationId xmlns:a16="http://schemas.microsoft.com/office/drawing/2014/main" id="{8DD6DFD3-73B3-8741-E7E5-F182DDED70CC}"/>
-              </a:ext>
-            </a:extLst>
-          </p:cNvPr>
-          <p:cNvCxnSpPr>
-            <a:cxnSpLocks/>
-          </p:cNvCxnSpPr>
-          <p:nvPr/>
-        </p:nvCxnSpPr>
-        <p:spPr>
-          <a:xfrm>
-            <a:off x="628650" y="2206737"/>
-            <a:ext cx="590550" cy="0"/>
-          </a:xfrm>
-          <a:prstGeom prst="line">
-            <a:avLst/>
-          </a:prstGeom>
-          <a:ln w="57150">
-            <a:solidFill>
-              <a:srgbClr val="FF0000"/>
-            </a:solidFill>
-          </a:ln>
-        </p:spPr>
-        <p:style>
-          <a:lnRef idx="1">
-            <a:schemeClr val="accent1"/>
-          </a:lnRef>
-          <a:fillRef idx="0">
-            <a:schemeClr val="accent1"/>
-          </a:fillRef>
-          <a:effectRef idx="0">
-            <a:schemeClr val="accent1"/>
-          </a:effectRef>
-          <a:fontRef idx="minor">
-            <a:schemeClr val="tx1"/>
-          </a:fontRef>
-        </p:style>
-      </p:cxnSp>
-      <p:cxnSp>
-        <p:nvCxnSpPr>
-          <p:cNvPr id="10" name="Straight Connector 9">
-            <a:extLst>
-              <a:ext uri="{FF2B5EF4-FFF2-40B4-BE49-F238E27FC236}">
-                <a16:creationId xmlns:a16="http://schemas.microsoft.com/office/drawing/2014/main" id="{F95C0D8A-C68C-A1BB-5649-3C7892328B8D}"/>
-              </a:ext>
-            </a:extLst>
-          </p:cNvPr>
-          <p:cNvCxnSpPr>
-            <a:cxnSpLocks/>
-          </p:cNvCxnSpPr>
-          <p:nvPr/>
-        </p:nvCxnSpPr>
-        <p:spPr>
-          <a:xfrm>
-            <a:off x="1290350" y="3470761"/>
-            <a:ext cx="993962" cy="0"/>
-          </a:xfrm>
-          <a:prstGeom prst="line">
-            <a:avLst/>
-          </a:prstGeom>
-          <a:ln w="57150">
-            <a:solidFill>
-              <a:srgbClr val="FF0000"/>
-            </a:solidFill>
-          </a:ln>
-        </p:spPr>
-        <p:style>
-          <a:lnRef idx="1">
-            <a:schemeClr val="accent1"/>
-          </a:lnRef>
-          <a:fillRef idx="0">
-            <a:schemeClr val="accent1"/>
-          </a:fillRef>
-          <a:effectRef idx="0">
-            <a:schemeClr val="accent1"/>
-          </a:effectRef>
-          <a:fontRef idx="minor">
-            <a:schemeClr val="tx1"/>
-          </a:fontRef>
-        </p:style>
-      </p:cxnSp>
-      <p:sp>
-        <p:nvSpPr>
-          <p:cNvPr id="14" name="Right Arrow 13">
-            <a:extLst>
-              <a:ext uri="{FF2B5EF4-FFF2-40B4-BE49-F238E27FC236}">
-                <a16:creationId xmlns:a16="http://schemas.microsoft.com/office/drawing/2014/main" id="{867BC417-144D-DCD1-EBAC-AB900E0308F2}"/>
-              </a:ext>
-            </a:extLst>
-          </p:cNvPr>
-          <p:cNvSpPr/>
-          <p:nvPr/>
-        </p:nvSpPr>
-        <p:spPr>
-          <a:xfrm rot="2034555" flipH="1">
-            <a:off x="1612304" y="2316237"/>
-            <a:ext cx="1996714" cy="352852"/>
-          </a:xfrm>
-          <a:prstGeom prst="rightArrow">
-            <a:avLst>
-              <a:gd name="adj1" fmla="val 38330"/>
-              <a:gd name="adj2" fmla="val 50000"/>
-            </a:avLst>
-          </a:prstGeom>
-          <a:solidFill>
-            <a:schemeClr val="accent2"/>
-          </a:solidFill>
-        </p:spPr>
-        <p:style>
-          <a:lnRef idx="2">
-            <a:schemeClr val="accent1">
-              <a:shade val="50000"/>
-            </a:schemeClr>
-          </a:lnRef>
-          <a:fillRef idx="1">
-            <a:schemeClr val="accent1"/>
-          </a:fillRef>
-          <a:effectRef idx="0">
-            <a:schemeClr val="accent1"/>
-          </a:effectRef>
-          <a:fontRef idx="minor">
-            <a:schemeClr val="lt1"/>
-          </a:fontRef>
-        </p:style>
-        <p:txBody>
-          <a:bodyPr rtlCol="0" anchor="ctr"/>
-          <a:lstStyle/>
-          <a:p>
-            <a:pPr algn="ctr"/>
-            <a:endParaRPr lang="en-US"/>
-          </a:p>
-        </p:txBody>
-      </p:sp>
-      <p:sp>
-        <p:nvSpPr>
-          <p:cNvPr id="15" name="Right Arrow 14">
-            <a:extLst>
-              <a:ext uri="{FF2B5EF4-FFF2-40B4-BE49-F238E27FC236}">
-                <a16:creationId xmlns:a16="http://schemas.microsoft.com/office/drawing/2014/main" id="{46EB5329-0866-656E-887D-71CC704B3722}"/>
-              </a:ext>
-            </a:extLst>
-          </p:cNvPr>
-          <p:cNvSpPr/>
-          <p:nvPr/>
-        </p:nvSpPr>
-        <p:spPr>
-          <a:xfrm rot="2034555" flipH="1">
-            <a:off x="2840469" y="2306216"/>
-            <a:ext cx="1996714" cy="352852"/>
-          </a:xfrm>
-          <a:prstGeom prst="rightArrow">
-            <a:avLst>
-              <a:gd name="adj1" fmla="val 38330"/>
-              <a:gd name="adj2" fmla="val 50000"/>
-            </a:avLst>
-          </a:prstGeom>
-          <a:solidFill>
-            <a:schemeClr val="accent2"/>
-          </a:solidFill>
-        </p:spPr>
-        <p:style>
-          <a:lnRef idx="2">
-            <a:schemeClr val="accent1">
-              <a:shade val="50000"/>
-            </a:schemeClr>
-          </a:lnRef>
-          <a:fillRef idx="1">
-            <a:schemeClr val="accent1"/>
-          </a:fillRef>
-          <a:effectRef idx="0">
-            <a:schemeClr val="accent1"/>
-          </a:effectRef>
-          <a:fontRef idx="minor">
-            <a:schemeClr val="lt1"/>
-          </a:fontRef>
-        </p:style>
-        <p:txBody>
-          <a:bodyPr rtlCol="0" anchor="ctr"/>
-          <a:lstStyle/>
-          <a:p>
-            <a:pPr algn="ctr"/>
-            <a:endParaRPr lang="en-US"/>
-          </a:p>
-        </p:txBody>
-      </p:sp>
-      <p:sp>
-        <p:nvSpPr>
-          <p:cNvPr id="16" name="Right Arrow 15">
-            <a:extLst>
-              <a:ext uri="{FF2B5EF4-FFF2-40B4-BE49-F238E27FC236}">
-                <a16:creationId xmlns:a16="http://schemas.microsoft.com/office/drawing/2014/main" id="{14491EFF-AAA0-8A90-630C-D5706409B546}"/>
-              </a:ext>
-            </a:extLst>
-          </p:cNvPr>
-          <p:cNvSpPr/>
-          <p:nvPr/>
-        </p:nvSpPr>
-        <p:spPr>
-          <a:xfrm rot="2034555" flipH="1">
-            <a:off x="4453780" y="2296194"/>
-            <a:ext cx="1996714" cy="352852"/>
-          </a:xfrm>
-          <a:prstGeom prst="rightArrow">
-            <a:avLst>
-              <a:gd name="adj1" fmla="val 38330"/>
-              <a:gd name="adj2" fmla="val 50000"/>
-            </a:avLst>
-          </a:prstGeom>
-          <a:solidFill>
-            <a:schemeClr val="accent2"/>
-          </a:solidFill>
-        </p:spPr>
-        <p:style>
-          <a:lnRef idx="2">
-            <a:schemeClr val="accent1">
-              <a:shade val="50000"/>
-            </a:schemeClr>
-          </a:lnRef>
-          <a:fillRef idx="1">
-            <a:schemeClr val="accent1"/>
-          </a:fillRef>
-          <a:effectRef idx="0">
-            <a:schemeClr val="accent1"/>
-          </a:effectRef>
-          <a:fontRef idx="minor">
-            <a:schemeClr val="lt1"/>
-          </a:fontRef>
-        </p:style>
-        <p:txBody>
-          <a:bodyPr rtlCol="0" anchor="ctr"/>
-          <a:lstStyle/>
-          <a:p>
-            <a:pPr algn="ctr"/>
-            <a:endParaRPr lang="en-US"/>
-          </a:p>
-        </p:txBody>
-      </p:sp>
-      <p:sp>
-        <p:nvSpPr>
-          <p:cNvPr id="17" name="Right Arrow 16">
-            <a:extLst>
-              <a:ext uri="{FF2B5EF4-FFF2-40B4-BE49-F238E27FC236}">
-                <a16:creationId xmlns:a16="http://schemas.microsoft.com/office/drawing/2014/main" id="{A8C9DFD7-93A3-8626-95E8-0397DA07419F}"/>
-              </a:ext>
-            </a:extLst>
-          </p:cNvPr>
-          <p:cNvSpPr/>
-          <p:nvPr/>
-        </p:nvSpPr>
-        <p:spPr>
-          <a:xfrm rot="2034555" flipH="1">
-            <a:off x="5895265" y="2316237"/>
-            <a:ext cx="1996714" cy="352852"/>
-          </a:xfrm>
-          <a:prstGeom prst="rightArrow">
-            <a:avLst>
-              <a:gd name="adj1" fmla="val 38330"/>
-              <a:gd name="adj2" fmla="val 50000"/>
-            </a:avLst>
-          </a:prstGeom>
-          <a:solidFill>
-            <a:schemeClr val="accent2"/>
-          </a:solidFill>
-        </p:spPr>
-        <p:style>
-          <a:lnRef idx="2">
-            <a:schemeClr val="accent1">
-              <a:shade val="50000"/>
-            </a:schemeClr>
-          </a:lnRef>
-          <a:fillRef idx="1">
-            <a:schemeClr val="accent1"/>
-          </a:fillRef>
-          <a:effectRef idx="0">
-            <a:schemeClr val="accent1"/>
-          </a:effectRef>
-          <a:fontRef idx="minor">
-            <a:schemeClr val="lt1"/>
-          </a:fontRef>
-        </p:style>
-        <p:txBody>
-          <a:bodyPr rtlCol="0" anchor="ctr"/>
-          <a:lstStyle/>
-          <a:p>
-            <a:pPr algn="ctr"/>
-            <a:endParaRPr lang="en-US"/>
-          </a:p>
-        </p:txBody>
-      </p:sp>
-      <p:sp>
-        <p:nvSpPr>
-          <p:cNvPr id="22" name="TextBox 21">
-            <a:extLst>
-              <a:ext uri="{FF2B5EF4-FFF2-40B4-BE49-F238E27FC236}">
-                <a16:creationId xmlns:a16="http://schemas.microsoft.com/office/drawing/2014/main" id="{2D33CCC6-CC07-B2E6-2737-8C7195A38E59}"/>
-              </a:ext>
-            </a:extLst>
-          </p:cNvPr>
-          <p:cNvSpPr txBox="1"/>
-          <p:nvPr/>
-        </p:nvSpPr>
-        <p:spPr>
-          <a:xfrm>
-            <a:off x="1964762" y="3690824"/>
-            <a:ext cx="2409575" cy="369332"/>
-          </a:xfrm>
-          <a:prstGeom prst="rect">
-            <a:avLst/>
-          </a:prstGeom>
-          <a:noFill/>
-          <a:ln>
-            <a:solidFill>
-              <a:schemeClr val="accent2"/>
-            </a:solidFill>
-          </a:ln>
-        </p:spPr>
-        <p:txBody>
-          <a:bodyPr wrap="square" rtlCol="0">
-            <a:spAutoFit/>
-          </a:bodyPr>
-          <a:lstStyle/>
-          <a:p>
-            <a:r>
-              <a:rPr lang="en-US" b="1" dirty="0">
-                <a:solidFill>
-                  <a:schemeClr val="bg1"/>
-                </a:solidFill>
-              </a:rPr>
-              <a:t>Chunk to be allocated</a:t>
-            </a:r>
-          </a:p>
-        </p:txBody>
-      </p:sp>
-      <p:sp>
-        <p:nvSpPr>
-          <p:cNvPr id="23" name="Right Arrow 22">
-            <a:extLst>
-              <a:ext uri="{FF2B5EF4-FFF2-40B4-BE49-F238E27FC236}">
-                <a16:creationId xmlns:a16="http://schemas.microsoft.com/office/drawing/2014/main" id="{AC8BA85D-B219-1DD4-3A3C-28A1BA784D9E}"/>
-              </a:ext>
-            </a:extLst>
-          </p:cNvPr>
-          <p:cNvSpPr/>
-          <p:nvPr/>
-        </p:nvSpPr>
-        <p:spPr>
-          <a:xfrm rot="2034555" flipH="1">
-            <a:off x="2116585" y="3414957"/>
-            <a:ext cx="567748" cy="352852"/>
-          </a:xfrm>
-          <a:prstGeom prst="rightArrow">
-            <a:avLst>
-              <a:gd name="adj1" fmla="val 46375"/>
-              <a:gd name="adj2" fmla="val 50000"/>
-            </a:avLst>
-          </a:prstGeom>
-          <a:solidFill>
-            <a:schemeClr val="accent2"/>
-          </a:solidFill>
-        </p:spPr>
-        <p:style>
-          <a:lnRef idx="2">
-            <a:schemeClr val="accent1">
-              <a:shade val="50000"/>
-            </a:schemeClr>
-          </a:lnRef>
-          <a:fillRef idx="1">
-            <a:schemeClr val="accent1"/>
-          </a:fillRef>
-          <a:effectRef idx="0">
-            <a:schemeClr val="accent1"/>
-          </a:effectRef>
-          <a:fontRef idx="minor">
-            <a:schemeClr val="lt1"/>
-          </a:fontRef>
-        </p:style>
-        <p:txBody>
-          <a:bodyPr rtlCol="0" anchor="ctr"/>
-          <a:lstStyle/>
-          <a:p>
-            <a:pPr algn="ctr"/>
-            <a:endParaRPr lang="en-US"/>
-          </a:p>
-        </p:txBody>
-      </p:sp>
-      <p:sp>
-        <p:nvSpPr>
-          <p:cNvPr id="24" name="TextBox 23">
-            <a:extLst>
-              <a:ext uri="{FF2B5EF4-FFF2-40B4-BE49-F238E27FC236}">
-                <a16:creationId xmlns:a16="http://schemas.microsoft.com/office/drawing/2014/main" id="{F9E74EC5-285F-65EE-8582-A83E18BABA36}"/>
-              </a:ext>
-            </a:extLst>
-          </p:cNvPr>
-          <p:cNvSpPr txBox="1"/>
-          <p:nvPr/>
-        </p:nvSpPr>
-        <p:spPr>
-          <a:xfrm>
-            <a:off x="3162890" y="1517136"/>
-            <a:ext cx="3112404" cy="369332"/>
-          </a:xfrm>
-          <a:prstGeom prst="rect">
-            <a:avLst/>
-          </a:prstGeom>
-          <a:noFill/>
-          <a:ln>
-            <a:solidFill>
-              <a:schemeClr val="accent2"/>
-            </a:solidFill>
-          </a:ln>
-        </p:spPr>
-        <p:txBody>
-          <a:bodyPr wrap="square" rtlCol="0">
-            <a:spAutoFit/>
-          </a:bodyPr>
-          <a:lstStyle/>
-          <a:p>
-            <a:r>
-              <a:rPr lang="en-US" b="1" dirty="0">
-                <a:solidFill>
-                  <a:schemeClr val="bg1"/>
-                </a:solidFill>
-              </a:rPr>
-              <a:t>Chunks moved to TCache</a:t>
-            </a:r>
-          </a:p>
-        </p:txBody>
-      </p:sp>
-    </p:spTree>
-    <p:extLst>
-      <p:ext uri="{BB962C8B-B14F-4D97-AF65-F5344CB8AC3E}">
-        <p14:creationId xmlns:p14="http://schemas.microsoft.com/office/powerpoint/2010/main" val="4250089146"/>
       </p:ext>
     </p:extLst>
   </p:cSld>
@@ -49445,6 +49714,527 @@
       </p:grpSpPr>
       <p:pic>
         <p:nvPicPr>
+          <p:cNvPr id="21" name="Content Placeholder 20" descr="TCache empty -ready for stash">
+            <a:extLst>
+              <a:ext uri="{FF2B5EF4-FFF2-40B4-BE49-F238E27FC236}">
+                <a16:creationId xmlns:a16="http://schemas.microsoft.com/office/drawing/2014/main" id="{ABF173AD-BD18-99E2-F36E-BB335FBE5B5E}"/>
+              </a:ext>
+            </a:extLst>
+          </p:cNvPr>
+          <p:cNvPicPr>
+            <a:picLocks noGrp="1" noChangeAspect="1"/>
+          </p:cNvPicPr>
+          <p:nvPr>
+            <p:ph idx="1"/>
+          </p:nvPr>
+        </p:nvPicPr>
+        <p:blipFill>
+          <a:blip r:embed="rId3"/>
+          <a:stretch>
+            <a:fillRect/>
+          </a:stretch>
+        </p:blipFill>
+        <p:spPr>
+          <a:xfrm>
+            <a:off x="628650" y="1457008"/>
+            <a:ext cx="7886700" cy="2823210"/>
+          </a:xfrm>
+        </p:spPr>
+      </p:pic>
+      <p:sp>
+        <p:nvSpPr>
+          <p:cNvPr id="2" name="Title 1">
+            <a:extLst>
+              <a:ext uri="{FF2B5EF4-FFF2-40B4-BE49-F238E27FC236}">
+                <a16:creationId xmlns:a16="http://schemas.microsoft.com/office/drawing/2014/main" id="{5FD8AFE0-6F6B-7FC5-E0B0-6E0EEC6628ED}"/>
+              </a:ext>
+            </a:extLst>
+          </p:cNvPr>
+          <p:cNvSpPr>
+            <a:spLocks noGrp="1"/>
+          </p:cNvSpPr>
+          <p:nvPr>
+            <p:ph type="title"/>
+          </p:nvPr>
+        </p:nvSpPr>
+        <p:spPr/>
+        <p:txBody>
+          <a:bodyPr/>
+          <a:lstStyle/>
+          <a:p>
+            <a:r>
+              <a:rPr lang="en-US" dirty="0"/>
+              <a:t>How Does This Happen? – 2 </a:t>
+            </a:r>
+          </a:p>
+        </p:txBody>
+      </p:sp>
+      <p:cxnSp>
+        <p:nvCxnSpPr>
+          <p:cNvPr id="8" name="Straight Connector 7">
+            <a:extLst>
+              <a:ext uri="{FF2B5EF4-FFF2-40B4-BE49-F238E27FC236}">
+                <a16:creationId xmlns:a16="http://schemas.microsoft.com/office/drawing/2014/main" id="{8DD6DFD3-73B3-8741-E7E5-F182DDED70CC}"/>
+              </a:ext>
+            </a:extLst>
+          </p:cNvPr>
+          <p:cNvCxnSpPr>
+            <a:cxnSpLocks/>
+          </p:cNvCxnSpPr>
+          <p:nvPr/>
+        </p:nvCxnSpPr>
+        <p:spPr>
+          <a:xfrm>
+            <a:off x="628650" y="2206737"/>
+            <a:ext cx="590550" cy="0"/>
+          </a:xfrm>
+          <a:prstGeom prst="line">
+            <a:avLst/>
+          </a:prstGeom>
+          <a:ln w="57150">
+            <a:solidFill>
+              <a:srgbClr val="FF0000"/>
+            </a:solidFill>
+          </a:ln>
+        </p:spPr>
+        <p:style>
+          <a:lnRef idx="1">
+            <a:schemeClr val="accent1"/>
+          </a:lnRef>
+          <a:fillRef idx="0">
+            <a:schemeClr val="accent1"/>
+          </a:fillRef>
+          <a:effectRef idx="0">
+            <a:schemeClr val="accent1"/>
+          </a:effectRef>
+          <a:fontRef idx="minor">
+            <a:schemeClr val="tx1"/>
+          </a:fontRef>
+        </p:style>
+      </p:cxnSp>
+      <p:cxnSp>
+        <p:nvCxnSpPr>
+          <p:cNvPr id="10" name="Straight Connector 9">
+            <a:extLst>
+              <a:ext uri="{FF2B5EF4-FFF2-40B4-BE49-F238E27FC236}">
+                <a16:creationId xmlns:a16="http://schemas.microsoft.com/office/drawing/2014/main" id="{F95C0D8A-C68C-A1BB-5649-3C7892328B8D}"/>
+              </a:ext>
+            </a:extLst>
+          </p:cNvPr>
+          <p:cNvCxnSpPr>
+            <a:cxnSpLocks/>
+          </p:cNvCxnSpPr>
+          <p:nvPr/>
+        </p:nvCxnSpPr>
+        <p:spPr>
+          <a:xfrm>
+            <a:off x="1290350" y="3470761"/>
+            <a:ext cx="993962" cy="0"/>
+          </a:xfrm>
+          <a:prstGeom prst="line">
+            <a:avLst/>
+          </a:prstGeom>
+          <a:ln w="57150">
+            <a:solidFill>
+              <a:srgbClr val="FF0000"/>
+            </a:solidFill>
+          </a:ln>
+        </p:spPr>
+        <p:style>
+          <a:lnRef idx="1">
+            <a:schemeClr val="accent1"/>
+          </a:lnRef>
+          <a:fillRef idx="0">
+            <a:schemeClr val="accent1"/>
+          </a:fillRef>
+          <a:effectRef idx="0">
+            <a:schemeClr val="accent1"/>
+          </a:effectRef>
+          <a:fontRef idx="minor">
+            <a:schemeClr val="tx1"/>
+          </a:fontRef>
+        </p:style>
+      </p:cxnSp>
+      <p:sp>
+        <p:nvSpPr>
+          <p:cNvPr id="14" name="Right Arrow 13">
+            <a:extLst>
+              <a:ext uri="{FF2B5EF4-FFF2-40B4-BE49-F238E27FC236}">
+                <a16:creationId xmlns:a16="http://schemas.microsoft.com/office/drawing/2014/main" id="{867BC417-144D-DCD1-EBAC-AB900E0308F2}"/>
+              </a:ext>
+            </a:extLst>
+          </p:cNvPr>
+          <p:cNvSpPr/>
+          <p:nvPr/>
+        </p:nvSpPr>
+        <p:spPr>
+          <a:xfrm rot="2034555" flipH="1">
+            <a:off x="1612304" y="2316237"/>
+            <a:ext cx="1996714" cy="352852"/>
+          </a:xfrm>
+          <a:prstGeom prst="rightArrow">
+            <a:avLst>
+              <a:gd name="adj1" fmla="val 38330"/>
+              <a:gd name="adj2" fmla="val 50000"/>
+            </a:avLst>
+          </a:prstGeom>
+          <a:solidFill>
+            <a:schemeClr val="accent2"/>
+          </a:solidFill>
+        </p:spPr>
+        <p:style>
+          <a:lnRef idx="2">
+            <a:schemeClr val="accent1">
+              <a:shade val="50000"/>
+            </a:schemeClr>
+          </a:lnRef>
+          <a:fillRef idx="1">
+            <a:schemeClr val="accent1"/>
+          </a:fillRef>
+          <a:effectRef idx="0">
+            <a:schemeClr val="accent1"/>
+          </a:effectRef>
+          <a:fontRef idx="minor">
+            <a:schemeClr val="lt1"/>
+          </a:fontRef>
+        </p:style>
+        <p:txBody>
+          <a:bodyPr rtlCol="0" anchor="ctr"/>
+          <a:lstStyle/>
+          <a:p>
+            <a:pPr algn="ctr"/>
+            <a:endParaRPr lang="en-US"/>
+          </a:p>
+        </p:txBody>
+      </p:sp>
+      <p:sp>
+        <p:nvSpPr>
+          <p:cNvPr id="15" name="Right Arrow 14">
+            <a:extLst>
+              <a:ext uri="{FF2B5EF4-FFF2-40B4-BE49-F238E27FC236}">
+                <a16:creationId xmlns:a16="http://schemas.microsoft.com/office/drawing/2014/main" id="{46EB5329-0866-656E-887D-71CC704B3722}"/>
+              </a:ext>
+            </a:extLst>
+          </p:cNvPr>
+          <p:cNvSpPr/>
+          <p:nvPr/>
+        </p:nvSpPr>
+        <p:spPr>
+          <a:xfrm rot="2034555" flipH="1">
+            <a:off x="2840469" y="2306216"/>
+            <a:ext cx="1996714" cy="352852"/>
+          </a:xfrm>
+          <a:prstGeom prst="rightArrow">
+            <a:avLst>
+              <a:gd name="adj1" fmla="val 38330"/>
+              <a:gd name="adj2" fmla="val 50000"/>
+            </a:avLst>
+          </a:prstGeom>
+          <a:solidFill>
+            <a:schemeClr val="accent2"/>
+          </a:solidFill>
+        </p:spPr>
+        <p:style>
+          <a:lnRef idx="2">
+            <a:schemeClr val="accent1">
+              <a:shade val="50000"/>
+            </a:schemeClr>
+          </a:lnRef>
+          <a:fillRef idx="1">
+            <a:schemeClr val="accent1"/>
+          </a:fillRef>
+          <a:effectRef idx="0">
+            <a:schemeClr val="accent1"/>
+          </a:effectRef>
+          <a:fontRef idx="minor">
+            <a:schemeClr val="lt1"/>
+          </a:fontRef>
+        </p:style>
+        <p:txBody>
+          <a:bodyPr rtlCol="0" anchor="ctr"/>
+          <a:lstStyle/>
+          <a:p>
+            <a:pPr algn="ctr"/>
+            <a:endParaRPr lang="en-US"/>
+          </a:p>
+        </p:txBody>
+      </p:sp>
+      <p:sp>
+        <p:nvSpPr>
+          <p:cNvPr id="16" name="Right Arrow 15">
+            <a:extLst>
+              <a:ext uri="{FF2B5EF4-FFF2-40B4-BE49-F238E27FC236}">
+                <a16:creationId xmlns:a16="http://schemas.microsoft.com/office/drawing/2014/main" id="{14491EFF-AAA0-8A90-630C-D5706409B546}"/>
+              </a:ext>
+            </a:extLst>
+          </p:cNvPr>
+          <p:cNvSpPr/>
+          <p:nvPr/>
+        </p:nvSpPr>
+        <p:spPr>
+          <a:xfrm rot="2034555" flipH="1">
+            <a:off x="4453780" y="2296194"/>
+            <a:ext cx="1996714" cy="352852"/>
+          </a:xfrm>
+          <a:prstGeom prst="rightArrow">
+            <a:avLst>
+              <a:gd name="adj1" fmla="val 38330"/>
+              <a:gd name="adj2" fmla="val 50000"/>
+            </a:avLst>
+          </a:prstGeom>
+          <a:solidFill>
+            <a:schemeClr val="accent2"/>
+          </a:solidFill>
+        </p:spPr>
+        <p:style>
+          <a:lnRef idx="2">
+            <a:schemeClr val="accent1">
+              <a:shade val="50000"/>
+            </a:schemeClr>
+          </a:lnRef>
+          <a:fillRef idx="1">
+            <a:schemeClr val="accent1"/>
+          </a:fillRef>
+          <a:effectRef idx="0">
+            <a:schemeClr val="accent1"/>
+          </a:effectRef>
+          <a:fontRef idx="minor">
+            <a:schemeClr val="lt1"/>
+          </a:fontRef>
+        </p:style>
+        <p:txBody>
+          <a:bodyPr rtlCol="0" anchor="ctr"/>
+          <a:lstStyle/>
+          <a:p>
+            <a:pPr algn="ctr"/>
+            <a:endParaRPr lang="en-US"/>
+          </a:p>
+        </p:txBody>
+      </p:sp>
+      <p:sp>
+        <p:nvSpPr>
+          <p:cNvPr id="17" name="Right Arrow 16">
+            <a:extLst>
+              <a:ext uri="{FF2B5EF4-FFF2-40B4-BE49-F238E27FC236}">
+                <a16:creationId xmlns:a16="http://schemas.microsoft.com/office/drawing/2014/main" id="{A8C9DFD7-93A3-8626-95E8-0397DA07419F}"/>
+              </a:ext>
+            </a:extLst>
+          </p:cNvPr>
+          <p:cNvSpPr/>
+          <p:nvPr/>
+        </p:nvSpPr>
+        <p:spPr>
+          <a:xfrm rot="2034555" flipH="1">
+            <a:off x="5895265" y="2316237"/>
+            <a:ext cx="1996714" cy="352852"/>
+          </a:xfrm>
+          <a:prstGeom prst="rightArrow">
+            <a:avLst>
+              <a:gd name="adj1" fmla="val 38330"/>
+              <a:gd name="adj2" fmla="val 50000"/>
+            </a:avLst>
+          </a:prstGeom>
+          <a:solidFill>
+            <a:schemeClr val="accent2"/>
+          </a:solidFill>
+        </p:spPr>
+        <p:style>
+          <a:lnRef idx="2">
+            <a:schemeClr val="accent1">
+              <a:shade val="50000"/>
+            </a:schemeClr>
+          </a:lnRef>
+          <a:fillRef idx="1">
+            <a:schemeClr val="accent1"/>
+          </a:fillRef>
+          <a:effectRef idx="0">
+            <a:schemeClr val="accent1"/>
+          </a:effectRef>
+          <a:fontRef idx="minor">
+            <a:schemeClr val="lt1"/>
+          </a:fontRef>
+        </p:style>
+        <p:txBody>
+          <a:bodyPr rtlCol="0" anchor="ctr"/>
+          <a:lstStyle/>
+          <a:p>
+            <a:pPr algn="ctr"/>
+            <a:endParaRPr lang="en-US"/>
+          </a:p>
+        </p:txBody>
+      </p:sp>
+      <p:sp>
+        <p:nvSpPr>
+          <p:cNvPr id="22" name="TextBox 21">
+            <a:extLst>
+              <a:ext uri="{FF2B5EF4-FFF2-40B4-BE49-F238E27FC236}">
+                <a16:creationId xmlns:a16="http://schemas.microsoft.com/office/drawing/2014/main" id="{2D33CCC6-CC07-B2E6-2737-8C7195A38E59}"/>
+              </a:ext>
+            </a:extLst>
+          </p:cNvPr>
+          <p:cNvSpPr txBox="1"/>
+          <p:nvPr/>
+        </p:nvSpPr>
+        <p:spPr>
+          <a:xfrm>
+            <a:off x="1964762" y="3690824"/>
+            <a:ext cx="2409575" cy="369332"/>
+          </a:xfrm>
+          <a:prstGeom prst="rect">
+            <a:avLst/>
+          </a:prstGeom>
+          <a:noFill/>
+          <a:ln>
+            <a:solidFill>
+              <a:schemeClr val="accent2"/>
+            </a:solidFill>
+          </a:ln>
+        </p:spPr>
+        <p:txBody>
+          <a:bodyPr wrap="square" rtlCol="0">
+            <a:spAutoFit/>
+          </a:bodyPr>
+          <a:lstStyle/>
+          <a:p>
+            <a:r>
+              <a:rPr lang="en-US" b="1" dirty="0">
+                <a:solidFill>
+                  <a:schemeClr val="bg1"/>
+                </a:solidFill>
+              </a:rPr>
+              <a:t>Chunk to be allocated</a:t>
+            </a:r>
+          </a:p>
+        </p:txBody>
+      </p:sp>
+      <p:sp>
+        <p:nvSpPr>
+          <p:cNvPr id="23" name="Right Arrow 22">
+            <a:extLst>
+              <a:ext uri="{FF2B5EF4-FFF2-40B4-BE49-F238E27FC236}">
+                <a16:creationId xmlns:a16="http://schemas.microsoft.com/office/drawing/2014/main" id="{AC8BA85D-B219-1DD4-3A3C-28A1BA784D9E}"/>
+              </a:ext>
+            </a:extLst>
+          </p:cNvPr>
+          <p:cNvSpPr/>
+          <p:nvPr/>
+        </p:nvSpPr>
+        <p:spPr>
+          <a:xfrm rot="2034555" flipH="1">
+            <a:off x="2116585" y="3414957"/>
+            <a:ext cx="567748" cy="352852"/>
+          </a:xfrm>
+          <a:prstGeom prst="rightArrow">
+            <a:avLst>
+              <a:gd name="adj1" fmla="val 46375"/>
+              <a:gd name="adj2" fmla="val 50000"/>
+            </a:avLst>
+          </a:prstGeom>
+          <a:solidFill>
+            <a:schemeClr val="accent2"/>
+          </a:solidFill>
+        </p:spPr>
+        <p:style>
+          <a:lnRef idx="2">
+            <a:schemeClr val="accent1">
+              <a:shade val="50000"/>
+            </a:schemeClr>
+          </a:lnRef>
+          <a:fillRef idx="1">
+            <a:schemeClr val="accent1"/>
+          </a:fillRef>
+          <a:effectRef idx="0">
+            <a:schemeClr val="accent1"/>
+          </a:effectRef>
+          <a:fontRef idx="minor">
+            <a:schemeClr val="lt1"/>
+          </a:fontRef>
+        </p:style>
+        <p:txBody>
+          <a:bodyPr rtlCol="0" anchor="ctr"/>
+          <a:lstStyle/>
+          <a:p>
+            <a:pPr algn="ctr"/>
+            <a:endParaRPr lang="en-US"/>
+          </a:p>
+        </p:txBody>
+      </p:sp>
+      <p:sp>
+        <p:nvSpPr>
+          <p:cNvPr id="24" name="TextBox 23">
+            <a:extLst>
+              <a:ext uri="{FF2B5EF4-FFF2-40B4-BE49-F238E27FC236}">
+                <a16:creationId xmlns:a16="http://schemas.microsoft.com/office/drawing/2014/main" id="{F9E74EC5-285F-65EE-8582-A83E18BABA36}"/>
+              </a:ext>
+            </a:extLst>
+          </p:cNvPr>
+          <p:cNvSpPr txBox="1"/>
+          <p:nvPr/>
+        </p:nvSpPr>
+        <p:spPr>
+          <a:xfrm>
+            <a:off x="3162890" y="1517136"/>
+            <a:ext cx="3112404" cy="369332"/>
+          </a:xfrm>
+          <a:prstGeom prst="rect">
+            <a:avLst/>
+          </a:prstGeom>
+          <a:noFill/>
+          <a:ln>
+            <a:solidFill>
+              <a:schemeClr val="accent2"/>
+            </a:solidFill>
+          </a:ln>
+        </p:spPr>
+        <p:txBody>
+          <a:bodyPr wrap="square" rtlCol="0">
+            <a:spAutoFit/>
+          </a:bodyPr>
+          <a:lstStyle/>
+          <a:p>
+            <a:r>
+              <a:rPr lang="en-US" b="1" dirty="0">
+                <a:solidFill>
+                  <a:schemeClr val="bg1"/>
+                </a:solidFill>
+              </a:rPr>
+              <a:t>Chunks moved to TCache</a:t>
+            </a:r>
+          </a:p>
+        </p:txBody>
+      </p:sp>
+    </p:spTree>
+    <p:extLst>
+      <p:ext uri="{BB962C8B-B14F-4D97-AF65-F5344CB8AC3E}">
+        <p14:creationId xmlns:p14="http://schemas.microsoft.com/office/powerpoint/2010/main" val="4250089146"/>
+      </p:ext>
+    </p:extLst>
+  </p:cSld>
+  <p:clrMapOvr>
+    <a:masterClrMapping/>
+  </p:clrMapOvr>
+</p:sld>
+</file>
+
+<file path=ppt/slides/slide61.xml><?xml version="1.0" encoding="utf-8"?>
+<p:sld xmlns:a="http://schemas.openxmlformats.org/drawingml/2006/main" xmlns:r="http://schemas.openxmlformats.org/officeDocument/2006/relationships" xmlns:p="http://schemas.openxmlformats.org/presentationml/2006/main" show="0">
+  <p:cSld>
+    <p:spTree>
+      <p:nvGrpSpPr>
+        <p:cNvPr id="1" name=""/>
+        <p:cNvGrpSpPr/>
+        <p:nvPr/>
+      </p:nvGrpSpPr>
+      <p:grpSpPr>
+        <a:xfrm>
+          <a:off x="0" y="0"/>
+          <a:ext cx="0" cy="0"/>
+          <a:chOff x="0" y="0"/>
+          <a:chExt cx="0" cy="0"/>
+        </a:xfrm>
+      </p:grpSpPr>
+      <p:pic>
+        <p:nvPicPr>
           <p:cNvPr id="6" name="Content Placeholder 5" descr="Victim chunk removed - tcache stashing">
             <a:extLst>
               <a:ext uri="{FF2B5EF4-FFF2-40B4-BE49-F238E27FC236}">
@@ -49696,7 +50486,7 @@
 </p:sld>
 </file>
 
-<file path=ppt/slides/slide61.xml><?xml version="1.0" encoding="utf-8"?>
+<file path=ppt/slides/slide62.xml><?xml version="1.0" encoding="utf-8"?>
 <p:sld xmlns:a="http://schemas.openxmlformats.org/drawingml/2006/main" xmlns:r="http://schemas.openxmlformats.org/officeDocument/2006/relationships" xmlns:p="http://schemas.openxmlformats.org/presentationml/2006/main" show="0">
   <p:cSld>
     <p:spTree>
@@ -49870,7 +50660,7 @@
 </p:sld>
 </file>
 
-<file path=ppt/slides/slide62.xml><?xml version="1.0" encoding="utf-8"?>
+<file path=ppt/slides/slide63.xml><?xml version="1.0" encoding="utf-8"?>
 <p:sld xmlns:a="http://schemas.openxmlformats.org/drawingml/2006/main" xmlns:r="http://schemas.openxmlformats.org/officeDocument/2006/relationships" xmlns:p="http://schemas.openxmlformats.org/presentationml/2006/main" show="0">
   <p:cSld>
     <p:spTree>
@@ -50049,7 +50839,7 @@
 </p:sld>
 </file>
 
-<file path=ppt/slides/slide63.xml><?xml version="1.0" encoding="utf-8"?>
+<file path=ppt/slides/slide64.xml><?xml version="1.0" encoding="utf-8"?>
 <p:sld xmlns:a="http://schemas.openxmlformats.org/drawingml/2006/main" xmlns:r="http://schemas.openxmlformats.org/officeDocument/2006/relationships" xmlns:p="http://schemas.openxmlformats.org/presentationml/2006/main">
   <p:cSld>
     <p:spTree>
@@ -50818,7 +51608,7 @@
 </p:sld>
 </file>
 
-<file path=ppt/slides/slide64.xml><?xml version="1.0" encoding="utf-8"?>
+<file path=ppt/slides/slide65.xml><?xml version="1.0" encoding="utf-8"?>
 <p:sld xmlns:a="http://schemas.openxmlformats.org/drawingml/2006/main" xmlns:r="http://schemas.openxmlformats.org/officeDocument/2006/relationships" xmlns:p="http://schemas.openxmlformats.org/presentationml/2006/main">
   <p:cSld>
     <p:spTree>
@@ -51839,7 +52629,7 @@
 </p:sld>
 </file>
 
-<file path=ppt/slides/slide65.xml><?xml version="1.0" encoding="utf-8"?>
+<file path=ppt/slides/slide66.xml><?xml version="1.0" encoding="utf-8"?>
 <p:sld xmlns:a="http://schemas.openxmlformats.org/drawingml/2006/main" xmlns:r="http://schemas.openxmlformats.org/officeDocument/2006/relationships" xmlns:p="http://schemas.openxmlformats.org/presentationml/2006/main">
   <p:cSld>
     <p:spTree>
@@ -52091,7 +52881,7 @@
 </p:sld>
 </file>
 
-<file path=ppt/slides/slide66.xml><?xml version="1.0" encoding="utf-8"?>
+<file path=ppt/slides/slide67.xml><?xml version="1.0" encoding="utf-8"?>
 <p:sld xmlns:a="http://schemas.openxmlformats.org/drawingml/2006/main" xmlns:r="http://schemas.openxmlformats.org/officeDocument/2006/relationships" xmlns:p="http://schemas.openxmlformats.org/presentationml/2006/main">
   <p:cSld>
     <p:spTree>
@@ -52518,7 +53308,7 @@
 </p:sld>
 </file>
 
-<file path=ppt/slides/slide67.xml><?xml version="1.0" encoding="utf-8"?>
+<file path=ppt/slides/slide68.xml><?xml version="1.0" encoding="utf-8"?>
 <p:sld xmlns:a="http://schemas.openxmlformats.org/drawingml/2006/main" xmlns:r="http://schemas.openxmlformats.org/officeDocument/2006/relationships" xmlns:p="http://schemas.openxmlformats.org/presentationml/2006/main">
   <p:cSld>
     <p:spTree>
@@ -52552,7 +53342,7 @@
           </p:nvPr>
         </p:nvPicPr>
         <p:blipFill>
-          <a:blip r:embed="rId2"/>
+          <a:blip r:embed="rId3"/>
           <a:stretch>
             <a:fillRect/>
           </a:stretch>
@@ -52945,7 +53735,7 @@
 </p:sld>
 </file>
 
-<file path=ppt/slides/slide68.xml><?xml version="1.0" encoding="utf-8"?>
+<file path=ppt/slides/slide69.xml><?xml version="1.0" encoding="utf-8"?>
 <p:sld xmlns:a="http://schemas.openxmlformats.org/drawingml/2006/main" xmlns:r="http://schemas.openxmlformats.org/officeDocument/2006/relationships" xmlns:p="http://schemas.openxmlformats.org/presentationml/2006/main">
   <p:cSld>
     <p:spTree>
@@ -53136,250 +53926,6 @@
     <p:extLst>
       <p:ext uri="{BB962C8B-B14F-4D97-AF65-F5344CB8AC3E}">
         <p14:creationId xmlns:p14="http://schemas.microsoft.com/office/powerpoint/2010/main" val="1996404414"/>
-      </p:ext>
-    </p:extLst>
-  </p:cSld>
-  <p:clrMapOvr>
-    <a:masterClrMapping/>
-  </p:clrMapOvr>
-</p:sld>
-</file>
-
-<file path=ppt/slides/slide69.xml><?xml version="1.0" encoding="utf-8"?>
-<p:sld xmlns:a="http://schemas.openxmlformats.org/drawingml/2006/main" xmlns:r="http://schemas.openxmlformats.org/officeDocument/2006/relationships" xmlns:p="http://schemas.openxmlformats.org/presentationml/2006/main">
-  <p:cSld>
-    <p:spTree>
-      <p:nvGrpSpPr>
-        <p:cNvPr id="1" name=""/>
-        <p:cNvGrpSpPr/>
-        <p:nvPr/>
-      </p:nvGrpSpPr>
-      <p:grpSpPr>
-        <a:xfrm>
-          <a:off x="0" y="0"/>
-          <a:ext cx="0" cy="0"/>
-          <a:chOff x="0" y="0"/>
-          <a:chExt cx="0" cy="0"/>
-        </a:xfrm>
-      </p:grpSpPr>
-      <p:sp>
-        <p:nvSpPr>
-          <p:cNvPr id="10" name="Title 1">
-            <a:extLst>
-              <a:ext uri="{FF2B5EF4-FFF2-40B4-BE49-F238E27FC236}">
-                <a16:creationId xmlns:a16="http://schemas.microsoft.com/office/drawing/2014/main" id="{5F9683B7-040E-7A4A-4C23-7318E1AD35C1}"/>
-              </a:ext>
-            </a:extLst>
-          </p:cNvPr>
-          <p:cNvSpPr>
-            <a:spLocks noGrp="1"/>
-          </p:cNvSpPr>
-          <p:nvPr>
-            <p:ph type="title"/>
-          </p:nvPr>
-        </p:nvSpPr>
-        <p:spPr>
-          <a:xfrm>
-            <a:off x="629840" y="342900"/>
-            <a:ext cx="3942160" cy="1200150"/>
-          </a:xfrm>
-        </p:spPr>
-        <p:txBody>
-          <a:bodyPr/>
-          <a:lstStyle/>
-          <a:p>
-            <a:r>
-              <a:rPr lang="en-US" dirty="0"/>
-              <a:t>Malicious Stash – 1 </a:t>
-            </a:r>
-          </a:p>
-        </p:txBody>
-      </p:sp>
-      <p:sp>
-        <p:nvSpPr>
-          <p:cNvPr id="12" name="Text Placeholder 3">
-            <a:extLst>
-              <a:ext uri="{FF2B5EF4-FFF2-40B4-BE49-F238E27FC236}">
-                <a16:creationId xmlns:a16="http://schemas.microsoft.com/office/drawing/2014/main" id="{C3DB36B5-2D58-B5B3-7F08-FA8370ABC7AE}"/>
-              </a:ext>
-            </a:extLst>
-          </p:cNvPr>
-          <p:cNvSpPr>
-            <a:spLocks noGrp="1"/>
-          </p:cNvSpPr>
-          <p:nvPr>
-            <p:ph type="body" sz="half" idx="2"/>
-          </p:nvPr>
-        </p:nvSpPr>
-        <p:spPr>
-          <a:xfrm>
-            <a:off x="629840" y="1543052"/>
-            <a:ext cx="3703567" cy="2858691"/>
-          </a:xfrm>
-        </p:spPr>
-        <p:txBody>
-          <a:bodyPr/>
-          <a:lstStyle/>
-          <a:p>
-            <a:pPr marL="285750" indent="-285750">
-              <a:buFont typeface="Arial" panose="020B0604020202020204" pitchFamily="34" charset="0"/>
-              <a:buChar char="•"/>
-            </a:pPr>
-            <a:r>
-              <a:rPr lang="en-US" dirty="0"/>
-              <a:t>Want to move </a:t>
-            </a:r>
-            <a:r>
-              <a:rPr lang="en-US" dirty="0" err="1"/>
-              <a:t>fastbin</a:t>
-            </a:r>
-            <a:r>
-              <a:rPr lang="en-US" dirty="0"/>
-              <a:t> chunk to TCache</a:t>
-            </a:r>
-          </a:p>
-          <a:p>
-            <a:endParaRPr lang="en-US" dirty="0"/>
-          </a:p>
-        </p:txBody>
-      </p:sp>
-      <p:sp>
-        <p:nvSpPr>
-          <p:cNvPr id="2" name="Rectangle 1">
-            <a:extLst>
-              <a:ext uri="{FF2B5EF4-FFF2-40B4-BE49-F238E27FC236}">
-                <a16:creationId xmlns:a16="http://schemas.microsoft.com/office/drawing/2014/main" id="{D6F06DED-96C0-02A5-4B0B-87EE677E7BFC}"/>
-              </a:ext>
-            </a:extLst>
-          </p:cNvPr>
-          <p:cNvSpPr/>
-          <p:nvPr/>
-        </p:nvSpPr>
-        <p:spPr>
-          <a:xfrm>
-            <a:off x="5243820" y="1161489"/>
-            <a:ext cx="914400" cy="470087"/>
-          </a:xfrm>
-          <a:prstGeom prst="rect">
-            <a:avLst/>
-          </a:prstGeom>
-          <a:solidFill>
-            <a:schemeClr val="bg1"/>
-          </a:solidFill>
-          <a:ln>
-            <a:noFill/>
-          </a:ln>
-        </p:spPr>
-        <p:style>
-          <a:lnRef idx="2">
-            <a:schemeClr val="accent1">
-              <a:shade val="50000"/>
-            </a:schemeClr>
-          </a:lnRef>
-          <a:fillRef idx="1">
-            <a:schemeClr val="accent1"/>
-          </a:fillRef>
-          <a:effectRef idx="0">
-            <a:schemeClr val="accent1"/>
-          </a:effectRef>
-          <a:fontRef idx="minor">
-            <a:schemeClr val="lt1"/>
-          </a:fontRef>
-        </p:style>
-        <p:txBody>
-          <a:bodyPr rtlCol="0" anchor="ctr"/>
-          <a:lstStyle/>
-          <a:p>
-            <a:pPr algn="ctr"/>
-            <a:endParaRPr lang="en-US"/>
-          </a:p>
-        </p:txBody>
-      </p:sp>
-      <p:pic>
-        <p:nvPicPr>
-          <p:cNvPr id="9" name="Content Placeholder 8" descr="Fastbin points to a malicious chunk">
-            <a:extLst>
-              <a:ext uri="{FF2B5EF4-FFF2-40B4-BE49-F238E27FC236}">
-                <a16:creationId xmlns:a16="http://schemas.microsoft.com/office/drawing/2014/main" id="{37F3C0A9-D78B-FA79-D361-A381AEA04A16}"/>
-              </a:ext>
-            </a:extLst>
-          </p:cNvPr>
-          <p:cNvPicPr>
-            <a:picLocks noGrp="1" noChangeAspect="1"/>
-          </p:cNvPicPr>
-          <p:nvPr>
-            <p:ph idx="1"/>
-          </p:nvPr>
-        </p:nvPicPr>
-        <p:blipFill>
-          <a:blip r:embed="rId2"/>
-          <a:stretch>
-            <a:fillRect/>
-          </a:stretch>
-        </p:blipFill>
-        <p:spPr>
-          <a:xfrm>
-            <a:off x="4989087" y="542316"/>
-            <a:ext cx="3828055" cy="4128295"/>
-          </a:xfrm>
-        </p:spPr>
-      </p:pic>
-      <p:sp>
-        <p:nvSpPr>
-          <p:cNvPr id="6" name="Rectangle 5">
-            <a:extLst>
-              <a:ext uri="{FF2B5EF4-FFF2-40B4-BE49-F238E27FC236}">
-                <a16:creationId xmlns:a16="http://schemas.microsoft.com/office/drawing/2014/main" id="{E399CFF8-81A1-DFAE-1950-0D4EF4B783DA}"/>
-              </a:ext>
-            </a:extLst>
-          </p:cNvPr>
-          <p:cNvSpPr/>
-          <p:nvPr/>
-        </p:nvSpPr>
-        <p:spPr>
-          <a:xfrm>
-            <a:off x="4903694" y="1752599"/>
-            <a:ext cx="1730188" cy="1398494"/>
-          </a:xfrm>
-          <a:prstGeom prst="rect">
-            <a:avLst/>
-          </a:prstGeom>
-          <a:noFill/>
-          <a:ln w="63500">
-            <a:solidFill>
-              <a:schemeClr val="accent2"/>
-            </a:solidFill>
-          </a:ln>
-        </p:spPr>
-        <p:style>
-          <a:lnRef idx="2">
-            <a:schemeClr val="accent1">
-              <a:shade val="50000"/>
-            </a:schemeClr>
-          </a:lnRef>
-          <a:fillRef idx="1">
-            <a:schemeClr val="accent1"/>
-          </a:fillRef>
-          <a:effectRef idx="0">
-            <a:schemeClr val="accent1"/>
-          </a:effectRef>
-          <a:fontRef idx="minor">
-            <a:schemeClr val="lt1"/>
-          </a:fontRef>
-        </p:style>
-        <p:txBody>
-          <a:bodyPr rtlCol="0" anchor="ctr"/>
-          <a:lstStyle/>
-          <a:p>
-            <a:pPr algn="ctr"/>
-            <a:endParaRPr lang="en-US"/>
-          </a:p>
-        </p:txBody>
-      </p:sp>
-    </p:spTree>
-    <p:extLst>
-      <p:ext uri="{BB962C8B-B14F-4D97-AF65-F5344CB8AC3E}">
-        <p14:creationId xmlns:p14="http://schemas.microsoft.com/office/powerpoint/2010/main" val="374628996"/>
       </p:ext>
     </p:extLst>
   </p:cSld>
@@ -53799,6 +54345,250 @@
           <a:p>
             <a:r>
               <a:rPr lang="en-US" dirty="0"/>
+              <a:t>Malicious Stash – 1 </a:t>
+            </a:r>
+          </a:p>
+        </p:txBody>
+      </p:sp>
+      <p:sp>
+        <p:nvSpPr>
+          <p:cNvPr id="12" name="Text Placeholder 3">
+            <a:extLst>
+              <a:ext uri="{FF2B5EF4-FFF2-40B4-BE49-F238E27FC236}">
+                <a16:creationId xmlns:a16="http://schemas.microsoft.com/office/drawing/2014/main" id="{C3DB36B5-2D58-B5B3-7F08-FA8370ABC7AE}"/>
+              </a:ext>
+            </a:extLst>
+          </p:cNvPr>
+          <p:cNvSpPr>
+            <a:spLocks noGrp="1"/>
+          </p:cNvSpPr>
+          <p:nvPr>
+            <p:ph type="body" sz="half" idx="2"/>
+          </p:nvPr>
+        </p:nvSpPr>
+        <p:spPr>
+          <a:xfrm>
+            <a:off x="629840" y="1543052"/>
+            <a:ext cx="3703567" cy="2858691"/>
+          </a:xfrm>
+        </p:spPr>
+        <p:txBody>
+          <a:bodyPr/>
+          <a:lstStyle/>
+          <a:p>
+            <a:pPr marL="285750" indent="-285750">
+              <a:buFont typeface="Arial" panose="020B0604020202020204" pitchFamily="34" charset="0"/>
+              <a:buChar char="•"/>
+            </a:pPr>
+            <a:r>
+              <a:rPr lang="en-US" dirty="0"/>
+              <a:t>Want to move </a:t>
+            </a:r>
+            <a:r>
+              <a:rPr lang="en-US" dirty="0" err="1"/>
+              <a:t>fastbin</a:t>
+            </a:r>
+            <a:r>
+              <a:rPr lang="en-US" dirty="0"/>
+              <a:t> chunk to TCache</a:t>
+            </a:r>
+          </a:p>
+          <a:p>
+            <a:endParaRPr lang="en-US" dirty="0"/>
+          </a:p>
+        </p:txBody>
+      </p:sp>
+      <p:sp>
+        <p:nvSpPr>
+          <p:cNvPr id="2" name="Rectangle 1">
+            <a:extLst>
+              <a:ext uri="{FF2B5EF4-FFF2-40B4-BE49-F238E27FC236}">
+                <a16:creationId xmlns:a16="http://schemas.microsoft.com/office/drawing/2014/main" id="{D6F06DED-96C0-02A5-4B0B-87EE677E7BFC}"/>
+              </a:ext>
+            </a:extLst>
+          </p:cNvPr>
+          <p:cNvSpPr/>
+          <p:nvPr/>
+        </p:nvSpPr>
+        <p:spPr>
+          <a:xfrm>
+            <a:off x="5243820" y="1161489"/>
+            <a:ext cx="914400" cy="470087"/>
+          </a:xfrm>
+          <a:prstGeom prst="rect">
+            <a:avLst/>
+          </a:prstGeom>
+          <a:solidFill>
+            <a:schemeClr val="bg1"/>
+          </a:solidFill>
+          <a:ln>
+            <a:noFill/>
+          </a:ln>
+        </p:spPr>
+        <p:style>
+          <a:lnRef idx="2">
+            <a:schemeClr val="accent1">
+              <a:shade val="50000"/>
+            </a:schemeClr>
+          </a:lnRef>
+          <a:fillRef idx="1">
+            <a:schemeClr val="accent1"/>
+          </a:fillRef>
+          <a:effectRef idx="0">
+            <a:schemeClr val="accent1"/>
+          </a:effectRef>
+          <a:fontRef idx="minor">
+            <a:schemeClr val="lt1"/>
+          </a:fontRef>
+        </p:style>
+        <p:txBody>
+          <a:bodyPr rtlCol="0" anchor="ctr"/>
+          <a:lstStyle/>
+          <a:p>
+            <a:pPr algn="ctr"/>
+            <a:endParaRPr lang="en-US"/>
+          </a:p>
+        </p:txBody>
+      </p:sp>
+      <p:pic>
+        <p:nvPicPr>
+          <p:cNvPr id="9" name="Content Placeholder 8" descr="Fastbin points to a malicious chunk">
+            <a:extLst>
+              <a:ext uri="{FF2B5EF4-FFF2-40B4-BE49-F238E27FC236}">
+                <a16:creationId xmlns:a16="http://schemas.microsoft.com/office/drawing/2014/main" id="{37F3C0A9-D78B-FA79-D361-A381AEA04A16}"/>
+              </a:ext>
+            </a:extLst>
+          </p:cNvPr>
+          <p:cNvPicPr>
+            <a:picLocks noGrp="1" noChangeAspect="1"/>
+          </p:cNvPicPr>
+          <p:nvPr>
+            <p:ph idx="1"/>
+          </p:nvPr>
+        </p:nvPicPr>
+        <p:blipFill>
+          <a:blip r:embed="rId2"/>
+          <a:stretch>
+            <a:fillRect/>
+          </a:stretch>
+        </p:blipFill>
+        <p:spPr>
+          <a:xfrm>
+            <a:off x="4989087" y="542316"/>
+            <a:ext cx="3828055" cy="4128295"/>
+          </a:xfrm>
+        </p:spPr>
+      </p:pic>
+      <p:sp>
+        <p:nvSpPr>
+          <p:cNvPr id="6" name="Rectangle 5">
+            <a:extLst>
+              <a:ext uri="{FF2B5EF4-FFF2-40B4-BE49-F238E27FC236}">
+                <a16:creationId xmlns:a16="http://schemas.microsoft.com/office/drawing/2014/main" id="{E399CFF8-81A1-DFAE-1950-0D4EF4B783DA}"/>
+              </a:ext>
+            </a:extLst>
+          </p:cNvPr>
+          <p:cNvSpPr/>
+          <p:nvPr/>
+        </p:nvSpPr>
+        <p:spPr>
+          <a:xfrm>
+            <a:off x="4903694" y="1752599"/>
+            <a:ext cx="1730188" cy="1398494"/>
+          </a:xfrm>
+          <a:prstGeom prst="rect">
+            <a:avLst/>
+          </a:prstGeom>
+          <a:noFill/>
+          <a:ln w="63500">
+            <a:solidFill>
+              <a:schemeClr val="accent2"/>
+            </a:solidFill>
+          </a:ln>
+        </p:spPr>
+        <p:style>
+          <a:lnRef idx="2">
+            <a:schemeClr val="accent1">
+              <a:shade val="50000"/>
+            </a:schemeClr>
+          </a:lnRef>
+          <a:fillRef idx="1">
+            <a:schemeClr val="accent1"/>
+          </a:fillRef>
+          <a:effectRef idx="0">
+            <a:schemeClr val="accent1"/>
+          </a:effectRef>
+          <a:fontRef idx="minor">
+            <a:schemeClr val="lt1"/>
+          </a:fontRef>
+        </p:style>
+        <p:txBody>
+          <a:bodyPr rtlCol="0" anchor="ctr"/>
+          <a:lstStyle/>
+          <a:p>
+            <a:pPr algn="ctr"/>
+            <a:endParaRPr lang="en-US"/>
+          </a:p>
+        </p:txBody>
+      </p:sp>
+    </p:spTree>
+    <p:extLst>
+      <p:ext uri="{BB962C8B-B14F-4D97-AF65-F5344CB8AC3E}">
+        <p14:creationId xmlns:p14="http://schemas.microsoft.com/office/powerpoint/2010/main" val="374628996"/>
+      </p:ext>
+    </p:extLst>
+  </p:cSld>
+  <p:clrMapOvr>
+    <a:masterClrMapping/>
+  </p:clrMapOvr>
+</p:sld>
+</file>
+
+<file path=ppt/slides/slide71.xml><?xml version="1.0" encoding="utf-8"?>
+<p:sld xmlns:a="http://schemas.openxmlformats.org/drawingml/2006/main" xmlns:r="http://schemas.openxmlformats.org/officeDocument/2006/relationships" xmlns:p="http://schemas.openxmlformats.org/presentationml/2006/main">
+  <p:cSld>
+    <p:spTree>
+      <p:nvGrpSpPr>
+        <p:cNvPr id="1" name=""/>
+        <p:cNvGrpSpPr/>
+        <p:nvPr/>
+      </p:nvGrpSpPr>
+      <p:grpSpPr>
+        <a:xfrm>
+          <a:off x="0" y="0"/>
+          <a:ext cx="0" cy="0"/>
+          <a:chOff x="0" y="0"/>
+          <a:chExt cx="0" cy="0"/>
+        </a:xfrm>
+      </p:grpSpPr>
+      <p:sp>
+        <p:nvSpPr>
+          <p:cNvPr id="10" name="Title 1">
+            <a:extLst>
+              <a:ext uri="{FF2B5EF4-FFF2-40B4-BE49-F238E27FC236}">
+                <a16:creationId xmlns:a16="http://schemas.microsoft.com/office/drawing/2014/main" id="{5F9683B7-040E-7A4A-4C23-7318E1AD35C1}"/>
+              </a:ext>
+            </a:extLst>
+          </p:cNvPr>
+          <p:cNvSpPr>
+            <a:spLocks noGrp="1"/>
+          </p:cNvSpPr>
+          <p:nvPr>
+            <p:ph type="title"/>
+          </p:nvPr>
+        </p:nvSpPr>
+        <p:spPr>
+          <a:xfrm>
+            <a:off x="629840" y="342900"/>
+            <a:ext cx="3942160" cy="1200150"/>
+          </a:xfrm>
+        </p:spPr>
+        <p:txBody>
+          <a:bodyPr/>
+          <a:lstStyle/>
+          <a:p>
+            <a:r>
+              <a:rPr lang="en-US" dirty="0"/>
               <a:t>Malicious Stash – 2 </a:t>
             </a:r>
           </a:p>
@@ -54010,7 +54800,7 @@
 </p:sld>
 </file>
 
-<file path=ppt/slides/slide71.xml><?xml version="1.0" encoding="utf-8"?>
+<file path=ppt/slides/slide72.xml><?xml version="1.0" encoding="utf-8"?>
 <p:sld xmlns:a="http://schemas.openxmlformats.org/drawingml/2006/main" xmlns:r="http://schemas.openxmlformats.org/officeDocument/2006/relationships" xmlns:p="http://schemas.openxmlformats.org/presentationml/2006/main">
   <p:cSld>
     <p:spTree>
@@ -54238,7 +55028,7 @@
 </p:sld>
 </file>
 
-<file path=ppt/slides/slide72.xml><?xml version="1.0" encoding="utf-8"?>
+<file path=ppt/slides/slide73.xml><?xml version="1.0" encoding="utf-8"?>
 <p:sld xmlns:a="http://schemas.openxmlformats.org/drawingml/2006/main" xmlns:r="http://schemas.openxmlformats.org/officeDocument/2006/relationships" xmlns:p="http://schemas.openxmlformats.org/presentationml/2006/main">
   <p:cSld>
     <p:spTree>
@@ -54723,7 +55513,7 @@
 </p:sld>
 </file>
 
-<file path=ppt/slides/slide73.xml><?xml version="1.0" encoding="utf-8"?>
+<file path=ppt/slides/slide74.xml><?xml version="1.0" encoding="utf-8"?>
 <p:sld xmlns:a="http://schemas.openxmlformats.org/drawingml/2006/main" xmlns:r="http://schemas.openxmlformats.org/officeDocument/2006/relationships" xmlns:p="http://schemas.openxmlformats.org/presentationml/2006/main">
   <p:cSld>
     <p:spTree>
@@ -54951,7 +55741,7 @@
 </p:sld>
 </file>
 
-<file path=ppt/slides/slide74.xml><?xml version="1.0" encoding="utf-8"?>
+<file path=ppt/slides/slide75.xml><?xml version="1.0" encoding="utf-8"?>
 <p:sld xmlns:a="http://schemas.openxmlformats.org/drawingml/2006/main" xmlns:r="http://schemas.openxmlformats.org/officeDocument/2006/relationships" xmlns:p="http://schemas.openxmlformats.org/presentationml/2006/main">
   <p:cSld>
     <p:spTree>
@@ -55130,7 +55920,7 @@
           <p:nvPr/>
         </p:nvPicPr>
         <p:blipFill>
-          <a:blip r:embed="rId2"/>
+          <a:blip r:embed="rId3"/>
           <a:stretch>
             <a:fillRect/>
           </a:stretch>
@@ -55162,7 +55952,7 @@
           </p:nvPr>
         </p:nvPicPr>
         <p:blipFill>
-          <a:blip r:embed="rId3"/>
+          <a:blip r:embed="rId4"/>
           <a:stretch>
             <a:fillRect/>
           </a:stretch>
@@ -55187,7 +55977,7 @@
 </p:sld>
 </file>
 
-<file path=ppt/slides/slide75.xml><?xml version="1.0" encoding="utf-8"?>
+<file path=ppt/slides/slide76.xml><?xml version="1.0" encoding="utf-8"?>
 <p:sld xmlns:a="http://schemas.openxmlformats.org/drawingml/2006/main" xmlns:r="http://schemas.openxmlformats.org/officeDocument/2006/relationships" xmlns:p="http://schemas.openxmlformats.org/presentationml/2006/main">
   <p:cSld>
     <p:spTree>
@@ -55481,7 +56271,7 @@
 </p:sld>
 </file>
 
-<file path=ppt/slides/slide76.xml><?xml version="1.0" encoding="utf-8"?>
+<file path=ppt/slides/slide77.xml><?xml version="1.0" encoding="utf-8"?>
 <p:sld xmlns:a="http://schemas.openxmlformats.org/drawingml/2006/main" xmlns:r="http://schemas.openxmlformats.org/officeDocument/2006/relationships" xmlns:p="http://schemas.openxmlformats.org/presentationml/2006/main">
   <p:cSld>
     <p:spTree>
@@ -55709,7 +56499,161 @@
 </p:sld>
 </file>
 
-<file path=ppt/slides/slide77.xml><?xml version="1.0" encoding="utf-8"?>
+<file path=ppt/slides/slide78.xml><?xml version="1.0" encoding="utf-8"?>
+<p:sld xmlns:a="http://schemas.openxmlformats.org/drawingml/2006/main" xmlns:r="http://schemas.openxmlformats.org/officeDocument/2006/relationships" xmlns:p="http://schemas.openxmlformats.org/presentationml/2006/main" show="0">
+  <p:cSld>
+    <p:spTree>
+      <p:nvGrpSpPr>
+        <p:cNvPr id="1" name=""/>
+        <p:cNvGrpSpPr/>
+        <p:nvPr/>
+      </p:nvGrpSpPr>
+      <p:grpSpPr>
+        <a:xfrm>
+          <a:off x="0" y="0"/>
+          <a:ext cx="0" cy="0"/>
+          <a:chOff x="0" y="0"/>
+          <a:chExt cx="0" cy="0"/>
+        </a:xfrm>
+      </p:grpSpPr>
+      <p:sp>
+        <p:nvSpPr>
+          <p:cNvPr id="2" name="Title 1">
+            <a:extLst>
+              <a:ext uri="{FF2B5EF4-FFF2-40B4-BE49-F238E27FC236}">
+                <a16:creationId xmlns:a16="http://schemas.microsoft.com/office/drawing/2014/main" id="{05C4F9A6-630B-3E4A-A96A-47B2F4C239A3}"/>
+              </a:ext>
+            </a:extLst>
+          </p:cNvPr>
+          <p:cNvSpPr>
+            <a:spLocks noGrp="1"/>
+          </p:cNvSpPr>
+          <p:nvPr>
+            <p:ph type="title"/>
+          </p:nvPr>
+        </p:nvSpPr>
+        <p:spPr/>
+        <p:txBody>
+          <a:bodyPr/>
+          <a:lstStyle/>
+          <a:p>
+            <a:r>
+              <a:rPr lang="en-US" dirty="0"/>
+              <a:t>Other WRITE-WHERE Primitives</a:t>
+            </a:r>
+          </a:p>
+        </p:txBody>
+      </p:sp>
+      <p:sp>
+        <p:nvSpPr>
+          <p:cNvPr id="3" name="Content Placeholder 2">
+            <a:extLst>
+              <a:ext uri="{FF2B5EF4-FFF2-40B4-BE49-F238E27FC236}">
+                <a16:creationId xmlns:a16="http://schemas.microsoft.com/office/drawing/2014/main" id="{34124768-BFB2-3D4A-85E6-4233DD20405B}"/>
+              </a:ext>
+            </a:extLst>
+          </p:cNvPr>
+          <p:cNvSpPr>
+            <a:spLocks noGrp="1"/>
+          </p:cNvSpPr>
+          <p:nvPr>
+            <p:ph idx="1"/>
+          </p:nvPr>
+        </p:nvSpPr>
+        <p:spPr/>
+        <p:txBody>
+          <a:bodyPr>
+            <a:normAutofit/>
+          </a:bodyPr>
+          <a:lstStyle/>
+          <a:p>
+            <a:r>
+              <a:rPr lang="en-US" dirty="0"/>
+              <a:t>TCache Stashing:</a:t>
+            </a:r>
+          </a:p>
+          <a:p>
+            <a:pPr lvl="1"/>
+            <a:r>
+              <a:rPr lang="en-US" dirty="0"/>
+              <a:t>Write a large value from TCache stashing</a:t>
+            </a:r>
+          </a:p>
+          <a:p>
+            <a:r>
+              <a:rPr lang="en-US" dirty="0"/>
+              <a:t>Large Bin Attack: </a:t>
+            </a:r>
+          </a:p>
+          <a:p>
+            <a:pPr lvl="1"/>
+            <a:r>
+              <a:rPr lang="en-US" dirty="0"/>
+              <a:t>Same concept but writes </a:t>
+            </a:r>
+            <a:r>
+              <a:rPr lang="en-US" b="1" dirty="0"/>
+              <a:t>two</a:t>
+            </a:r>
+            <a:r>
+              <a:rPr lang="en-US" dirty="0"/>
+              <a:t> values</a:t>
+            </a:r>
+          </a:p>
+          <a:p>
+            <a:pPr lvl="1"/>
+            <a:r>
+              <a:rPr lang="en-US" dirty="0"/>
+              <a:t>Very complex chunk arrangement</a:t>
+            </a:r>
+          </a:p>
+          <a:p>
+            <a:r>
+              <a:rPr lang="en-US" dirty="0"/>
+              <a:t>House of Mind: </a:t>
+            </a:r>
+          </a:p>
+          <a:p>
+            <a:pPr lvl="1"/>
+            <a:r>
+              <a:rPr lang="en-US" dirty="0"/>
+              <a:t>Create a fake arena writes address of </a:t>
+            </a:r>
+            <a:r>
+              <a:rPr lang="en-US" dirty="0" err="1"/>
+              <a:t>fastbin</a:t>
+            </a:r>
+            <a:r>
+              <a:rPr lang="en-US" dirty="0"/>
+              <a:t> chunk</a:t>
+            </a:r>
+          </a:p>
+          <a:p>
+            <a:r>
+              <a:rPr lang="en-US" dirty="0"/>
+              <a:t>All of the above primitives are 2.34+!</a:t>
+            </a:r>
+          </a:p>
+          <a:p>
+            <a:pPr lvl="1"/>
+            <a:endParaRPr lang="en-US" dirty="0"/>
+          </a:p>
+        </p:txBody>
+      </p:sp>
+    </p:spTree>
+    <p:extLst>
+      <p:ext uri="{BB962C8B-B14F-4D97-AF65-F5344CB8AC3E}">
+        <p14:creationId xmlns:p14="http://schemas.microsoft.com/office/powerpoint/2010/main" val="2959800690"/>
+      </p:ext>
+    </p:extLst>
+  </p:cSld>
+  <p:clrMapOvr>
+    <a:masterClrMapping/>
+  </p:clrMapOvr>
+</p:sld>
+</file>
+
+<file path=ppt/slides/slide79.xml><?xml version="1.0" encoding="utf-8"?>
 <p:sld xmlns:a="http://schemas.openxmlformats.org/drawingml/2006/main" xmlns:r="http://schemas.openxmlformats.org/officeDocument/2006/relationships" xmlns:p="http://schemas.openxmlformats.org/presentationml/2006/main">
   <p:cSld>
     <p:spTree>
@@ -55778,21 +56722,12 @@
           <a:lstStyle/>
           <a:p>
             <a:r>
+              <a:rPr lang="en-US"/>
+              <a:t>Large </a:t>
+            </a:r>
+            <a:r>
               <a:rPr lang="en-US" dirty="0"/>
-              <a:t>TCache Stashing:</a:t>
-            </a:r>
-          </a:p>
-          <a:p>
-            <a:pPr lvl="1"/>
-            <a:r>
-              <a:rPr lang="en-US" dirty="0"/>
-              <a:t>Write a large value from TCache stashing</a:t>
-            </a:r>
-          </a:p>
-          <a:p>
-            <a:r>
-              <a:rPr lang="en-US" dirty="0"/>
-              <a:t>Large Bin Attack: </a:t>
+              <a:t>Bin Attack: </a:t>
             </a:r>
           </a:p>
           <a:p>
@@ -55853,187 +56788,7 @@
     </p:spTree>
     <p:extLst>
       <p:ext uri="{BB962C8B-B14F-4D97-AF65-F5344CB8AC3E}">
-        <p14:creationId xmlns:p14="http://schemas.microsoft.com/office/powerpoint/2010/main" val="2959800690"/>
-      </p:ext>
-    </p:extLst>
-  </p:cSld>
-  <p:clrMapOvr>
-    <a:masterClrMapping/>
-  </p:clrMapOvr>
-</p:sld>
-</file>
-
-<file path=ppt/slides/slide78.xml><?xml version="1.0" encoding="utf-8"?>
-<p:sld xmlns:a="http://schemas.openxmlformats.org/drawingml/2006/main" xmlns:r="http://schemas.openxmlformats.org/officeDocument/2006/relationships" xmlns:p="http://schemas.openxmlformats.org/presentationml/2006/main">
-  <p:cSld>
-    <p:spTree>
-      <p:nvGrpSpPr>
-        <p:cNvPr id="1" name=""/>
-        <p:cNvGrpSpPr/>
-        <p:nvPr/>
-      </p:nvGrpSpPr>
-      <p:grpSpPr>
-        <a:xfrm>
-          <a:off x="0" y="0"/>
-          <a:ext cx="0" cy="0"/>
-          <a:chOff x="0" y="0"/>
-          <a:chExt cx="0" cy="0"/>
-        </a:xfrm>
-      </p:grpSpPr>
-      <p:sp>
-        <p:nvSpPr>
-          <p:cNvPr id="2" name="Title 1">
-            <a:extLst>
-              <a:ext uri="{FF2B5EF4-FFF2-40B4-BE49-F238E27FC236}">
-                <a16:creationId xmlns:a16="http://schemas.microsoft.com/office/drawing/2014/main" id="{6BF46C3E-F7BF-EF4B-91AE-565DEB2469A8}"/>
-              </a:ext>
-            </a:extLst>
-          </p:cNvPr>
-          <p:cNvSpPr>
-            <a:spLocks noGrp="1"/>
-          </p:cNvSpPr>
-          <p:nvPr>
-            <p:ph type="title"/>
-          </p:nvPr>
-        </p:nvSpPr>
-        <p:spPr/>
-        <p:txBody>
-          <a:bodyPr/>
-          <a:lstStyle/>
-          <a:p>
-            <a:r>
-              <a:rPr lang="en-US" dirty="0"/>
-              <a:t>Resources</a:t>
-            </a:r>
-          </a:p>
-        </p:txBody>
-      </p:sp>
-      <p:sp>
-        <p:nvSpPr>
-          <p:cNvPr id="3" name="Content Placeholder 2">
-            <a:extLst>
-              <a:ext uri="{FF2B5EF4-FFF2-40B4-BE49-F238E27FC236}">
-                <a16:creationId xmlns:a16="http://schemas.microsoft.com/office/drawing/2014/main" id="{BE24F301-81E8-EB47-AE33-4FEBD0B085DD}"/>
-              </a:ext>
-            </a:extLst>
-          </p:cNvPr>
-          <p:cNvSpPr>
-            <a:spLocks noGrp="1"/>
-          </p:cNvSpPr>
-          <p:nvPr>
-            <p:ph idx="1"/>
-          </p:nvPr>
-        </p:nvSpPr>
-        <p:spPr/>
-        <p:txBody>
-          <a:bodyPr>
-            <a:normAutofit fontScale="92500" lnSpcReduction="20000"/>
-          </a:bodyPr>
-          <a:lstStyle/>
-          <a:p>
-            <a:r>
-              <a:rPr lang="en-US" dirty="0"/>
-              <a:t>C POC: </a:t>
-            </a:r>
-            <a:r>
-              <a:rPr lang="en-US" dirty="0">
-                <a:hlinkClick r:id="rId2"/>
-              </a:rPr>
-              <a:t>https://github.com/shellphish/how2heap/blob/master/glibc_2.26/unsorted_bin_attack.c</a:t>
-            </a:r>
-            <a:endParaRPr lang="en-US" dirty="0"/>
-          </a:p>
-          <a:p>
-            <a:r>
-              <a:rPr lang="en-US" dirty="0"/>
-              <a:t>Explanation: </a:t>
-            </a:r>
-            <a:br>
-              <a:rPr lang="en-US" dirty="0"/>
-            </a:br>
-            <a:r>
-              <a:rPr lang="en-US" dirty="0">
-                <a:hlinkClick r:id="rId3"/>
-              </a:rPr>
-              <a:t>https://dangokyo.me/2018/01/01/advanced-heap-exploitation-unsorted-bin-attack-overlapping-chunk/</a:t>
-            </a:r>
-            <a:r>
-              <a:rPr lang="en-US" dirty="0"/>
-              <a:t> </a:t>
-            </a:r>
-          </a:p>
-          <a:p>
-            <a:r>
-              <a:rPr lang="en-US" dirty="0"/>
-              <a:t>House of Mind – </a:t>
-            </a:r>
-            <a:r>
-              <a:rPr lang="en-US" dirty="0" err="1"/>
-              <a:t>Fastbin</a:t>
-            </a:r>
-            <a:r>
-              <a:rPr lang="en-US" dirty="0"/>
-              <a:t> variant: </a:t>
-            </a:r>
-            <a:r>
-              <a:rPr lang="en-US" dirty="0">
-                <a:hlinkClick r:id="rId4"/>
-              </a:rPr>
-              <a:t>https://maxwelldulin.com/BlogPost?post=2257705984</a:t>
-            </a:r>
-            <a:r>
-              <a:rPr lang="en-US" dirty="0"/>
-              <a:t> </a:t>
-            </a:r>
-          </a:p>
-          <a:p>
-            <a:r>
-              <a:rPr lang="en-US" dirty="0" err="1"/>
-              <a:t>LargeBin</a:t>
-            </a:r>
-            <a:r>
-              <a:rPr lang="en-US" dirty="0"/>
-              <a:t> Attack: </a:t>
-            </a:r>
-            <a:r>
-              <a:rPr lang="en-US" dirty="0">
-                <a:hlinkClick r:id="rId5"/>
-              </a:rPr>
-              <a:t>https://dangokyo.me/2018/04/07/a-revisit-to-large-bin-in-glibc/</a:t>
-            </a:r>
-            <a:endParaRPr lang="en-US" dirty="0"/>
-          </a:p>
-          <a:p>
-            <a:r>
-              <a:rPr lang="en-US" dirty="0"/>
-              <a:t>Assault Cube article: </a:t>
-            </a:r>
-            <a:r>
-              <a:rPr lang="en-US" dirty="0">
-                <a:hlinkClick r:id="rId6"/>
-              </a:rPr>
-              <a:t>https://elongl.medium.com/assaultcube-rce-technical-analysis-e12dedf680e5</a:t>
-            </a:r>
-            <a:r>
-              <a:rPr lang="en-US" dirty="0"/>
-              <a:t> </a:t>
-            </a:r>
-          </a:p>
-          <a:p>
-            <a:endParaRPr lang="en-US" dirty="0"/>
-          </a:p>
-          <a:p>
-            <a:endParaRPr lang="en-US" dirty="0"/>
-          </a:p>
-          <a:p>
-            <a:endParaRPr lang="en-US" dirty="0"/>
-          </a:p>
-        </p:txBody>
-      </p:sp>
-    </p:spTree>
-    <p:extLst>
-      <p:ext uri="{BB962C8B-B14F-4D97-AF65-F5344CB8AC3E}">
-        <p14:creationId xmlns:p14="http://schemas.microsoft.com/office/powerpoint/2010/main" val="3562960349"/>
+        <p14:creationId xmlns:p14="http://schemas.microsoft.com/office/powerpoint/2010/main" val="3085441112"/>
       </p:ext>
     </p:extLst>
   </p:cSld>
@@ -56220,6 +56975,186 @@
     <p:extLst>
       <p:ext uri="{BB962C8B-B14F-4D97-AF65-F5344CB8AC3E}">
         <p14:creationId xmlns:p14="http://schemas.microsoft.com/office/powerpoint/2010/main" val="2259244779"/>
+      </p:ext>
+    </p:extLst>
+  </p:cSld>
+  <p:clrMapOvr>
+    <a:masterClrMapping/>
+  </p:clrMapOvr>
+</p:sld>
+</file>
+
+<file path=ppt/slides/slide80.xml><?xml version="1.0" encoding="utf-8"?>
+<p:sld xmlns:a="http://schemas.openxmlformats.org/drawingml/2006/main" xmlns:r="http://schemas.openxmlformats.org/officeDocument/2006/relationships" xmlns:p="http://schemas.openxmlformats.org/presentationml/2006/main">
+  <p:cSld>
+    <p:spTree>
+      <p:nvGrpSpPr>
+        <p:cNvPr id="1" name=""/>
+        <p:cNvGrpSpPr/>
+        <p:nvPr/>
+      </p:nvGrpSpPr>
+      <p:grpSpPr>
+        <a:xfrm>
+          <a:off x="0" y="0"/>
+          <a:ext cx="0" cy="0"/>
+          <a:chOff x="0" y="0"/>
+          <a:chExt cx="0" cy="0"/>
+        </a:xfrm>
+      </p:grpSpPr>
+      <p:sp>
+        <p:nvSpPr>
+          <p:cNvPr id="2" name="Title 1">
+            <a:extLst>
+              <a:ext uri="{FF2B5EF4-FFF2-40B4-BE49-F238E27FC236}">
+                <a16:creationId xmlns:a16="http://schemas.microsoft.com/office/drawing/2014/main" id="{6BF46C3E-F7BF-EF4B-91AE-565DEB2469A8}"/>
+              </a:ext>
+            </a:extLst>
+          </p:cNvPr>
+          <p:cNvSpPr>
+            <a:spLocks noGrp="1"/>
+          </p:cNvSpPr>
+          <p:nvPr>
+            <p:ph type="title"/>
+          </p:nvPr>
+        </p:nvSpPr>
+        <p:spPr/>
+        <p:txBody>
+          <a:bodyPr/>
+          <a:lstStyle/>
+          <a:p>
+            <a:r>
+              <a:rPr lang="en-US" dirty="0"/>
+              <a:t>Resources</a:t>
+            </a:r>
+          </a:p>
+        </p:txBody>
+      </p:sp>
+      <p:sp>
+        <p:nvSpPr>
+          <p:cNvPr id="3" name="Content Placeholder 2">
+            <a:extLst>
+              <a:ext uri="{FF2B5EF4-FFF2-40B4-BE49-F238E27FC236}">
+                <a16:creationId xmlns:a16="http://schemas.microsoft.com/office/drawing/2014/main" id="{BE24F301-81E8-EB47-AE33-4FEBD0B085DD}"/>
+              </a:ext>
+            </a:extLst>
+          </p:cNvPr>
+          <p:cNvSpPr>
+            <a:spLocks noGrp="1"/>
+          </p:cNvSpPr>
+          <p:nvPr>
+            <p:ph idx="1"/>
+          </p:nvPr>
+        </p:nvSpPr>
+        <p:spPr/>
+        <p:txBody>
+          <a:bodyPr>
+            <a:normAutofit fontScale="92500" lnSpcReduction="20000"/>
+          </a:bodyPr>
+          <a:lstStyle/>
+          <a:p>
+            <a:r>
+              <a:rPr lang="en-US" dirty="0"/>
+              <a:t>C POC: </a:t>
+            </a:r>
+            <a:r>
+              <a:rPr lang="en-US" dirty="0">
+                <a:hlinkClick r:id="rId2"/>
+              </a:rPr>
+              <a:t>https://github.com/shellphish/how2heap/blob/master/glibc_2.26/unsorted_bin_attack.c</a:t>
+            </a:r>
+            <a:endParaRPr lang="en-US" dirty="0"/>
+          </a:p>
+          <a:p>
+            <a:r>
+              <a:rPr lang="en-US" dirty="0"/>
+              <a:t>Explanation: </a:t>
+            </a:r>
+            <a:br>
+              <a:rPr lang="en-US" dirty="0"/>
+            </a:br>
+            <a:r>
+              <a:rPr lang="en-US" dirty="0">
+                <a:hlinkClick r:id="rId3"/>
+              </a:rPr>
+              <a:t>https://dangokyo.me/2018/01/01/advanced-heap-exploitation-unsorted-bin-attack-overlapping-chunk/</a:t>
+            </a:r>
+            <a:r>
+              <a:rPr lang="en-US" dirty="0"/>
+              <a:t> </a:t>
+            </a:r>
+          </a:p>
+          <a:p>
+            <a:r>
+              <a:rPr lang="en-US" dirty="0"/>
+              <a:t>House of Mind – </a:t>
+            </a:r>
+            <a:r>
+              <a:rPr lang="en-US" dirty="0" err="1"/>
+              <a:t>Fastbin</a:t>
+            </a:r>
+            <a:r>
+              <a:rPr lang="en-US" dirty="0"/>
+              <a:t> variant: </a:t>
+            </a:r>
+            <a:r>
+              <a:rPr lang="en-US" dirty="0">
+                <a:hlinkClick r:id="rId4"/>
+              </a:rPr>
+              <a:t>https://maxwelldulin.com/BlogPost?post=2257705984</a:t>
+            </a:r>
+            <a:r>
+              <a:rPr lang="en-US" dirty="0"/>
+              <a:t> </a:t>
+            </a:r>
+          </a:p>
+          <a:p>
+            <a:r>
+              <a:rPr lang="en-US" dirty="0" err="1"/>
+              <a:t>LargeBin</a:t>
+            </a:r>
+            <a:r>
+              <a:rPr lang="en-US" dirty="0"/>
+              <a:t> Attack: </a:t>
+            </a:r>
+            <a:r>
+              <a:rPr lang="en-US" dirty="0">
+                <a:hlinkClick r:id="rId5"/>
+              </a:rPr>
+              <a:t>https://dangokyo.me/2018/04/07/a-revisit-to-large-bin-in-glibc/</a:t>
+            </a:r>
+            <a:endParaRPr lang="en-US" dirty="0"/>
+          </a:p>
+          <a:p>
+            <a:r>
+              <a:rPr lang="en-US" dirty="0"/>
+              <a:t>Assault Cube article: </a:t>
+            </a:r>
+            <a:r>
+              <a:rPr lang="en-US" dirty="0">
+                <a:hlinkClick r:id="rId6"/>
+              </a:rPr>
+              <a:t>https://elongl.medium.com/assaultcube-rce-technical-analysis-e12dedf680e5</a:t>
+            </a:r>
+            <a:r>
+              <a:rPr lang="en-US" dirty="0"/>
+              <a:t> </a:t>
+            </a:r>
+          </a:p>
+          <a:p>
+            <a:endParaRPr lang="en-US" dirty="0"/>
+          </a:p>
+          <a:p>
+            <a:endParaRPr lang="en-US" dirty="0"/>
+          </a:p>
+          <a:p>
+            <a:endParaRPr lang="en-US" dirty="0"/>
+          </a:p>
+        </p:txBody>
+      </p:sp>
+    </p:spTree>
+    <p:extLst>
+      <p:ext uri="{BB962C8B-B14F-4D97-AF65-F5344CB8AC3E}">
+        <p14:creationId xmlns:p14="http://schemas.microsoft.com/office/powerpoint/2010/main" val="3562960349"/>
       </p:ext>
     </p:extLst>
   </p:cSld>

--- a/modules/unsorted_bin_attack/unsorted_bin.pptx
+++ b/modules/unsorted_bin_attack/unsorted_bin.pptx
@@ -27723,7 +27723,7 @@
           <a:p>
             <a:fld id="{2DA23E8D-1792-1541-9147-970A8DD8A355}" type="datetimeFigureOut">
               <a:rPr lang="en-US" smtClean="0"/>
-              <a:t>5/16/22</a:t>
+              <a:t>7/4/22</a:t>
             </a:fld>
             <a:endParaRPr lang="en-US" dirty="0"/>
           </a:p>
@@ -31041,7 +31041,7 @@
                 <a:latin typeface="Calibri"/>
               </a:rPr>
               <a:pPr/>
-              <a:t>5/16/22</a:t>
+              <a:t>7/4/22</a:t>
             </a:fld>
             <a:endParaRPr lang="en-US" dirty="0">
               <a:solidFill>
@@ -31294,7 +31294,7 @@
                 <a:latin typeface="Calibri"/>
               </a:rPr>
               <a:pPr/>
-              <a:t>5/16/22</a:t>
+              <a:t>7/4/22</a:t>
             </a:fld>
             <a:endParaRPr lang="en-US" dirty="0">
               <a:solidFill>
@@ -31509,7 +31509,7 @@
                 <a:latin typeface="Calibri"/>
               </a:rPr>
               <a:pPr/>
-              <a:t>5/16/22</a:t>
+              <a:t>7/4/22</a:t>
             </a:fld>
             <a:endParaRPr lang="en-US" dirty="0">
               <a:solidFill>
@@ -31907,7 +31907,7 @@
                 <a:latin typeface="Calibri"/>
               </a:rPr>
               <a:pPr/>
-              <a:t>5/16/22</a:t>
+              <a:t>7/4/22</a:t>
             </a:fld>
             <a:endParaRPr lang="en-US" dirty="0">
               <a:solidFill>
@@ -32249,7 +32249,7 @@
                 <a:latin typeface="Calibri"/>
               </a:rPr>
               <a:pPr/>
-              <a:t>5/16/22</a:t>
+              <a:t>7/4/22</a:t>
             </a:fld>
             <a:endParaRPr lang="en-US" dirty="0">
               <a:solidFill>
@@ -32577,7 +32577,7 @@
                 <a:latin typeface="Calibri"/>
               </a:rPr>
               <a:pPr/>
-              <a:t>5/16/22</a:t>
+              <a:t>7/4/22</a:t>
             </a:fld>
             <a:endParaRPr lang="en-US" dirty="0">
               <a:solidFill>
@@ -33066,7 +33066,7 @@
                 <a:latin typeface="Calibri"/>
               </a:rPr>
               <a:pPr/>
-              <a:t>5/16/22</a:t>
+              <a:t>7/4/22</a:t>
             </a:fld>
             <a:endParaRPr lang="en-US" dirty="0">
               <a:solidFill>
@@ -33249,7 +33249,7 @@
                 <a:latin typeface="Calibri"/>
               </a:rPr>
               <a:pPr/>
-              <a:t>5/16/22</a:t>
+              <a:t>7/4/22</a:t>
             </a:fld>
             <a:endParaRPr lang="en-US" dirty="0">
               <a:solidFill>
@@ -33495,7 +33495,7 @@
                 <a:latin typeface="Calibri"/>
               </a:rPr>
               <a:pPr/>
-              <a:t>5/16/22</a:t>
+              <a:t>7/4/22</a:t>
             </a:fld>
             <a:endParaRPr lang="en-US" dirty="0">
               <a:solidFill>
@@ -33837,7 +33837,7 @@
                 <a:latin typeface="Calibri"/>
               </a:rPr>
               <a:pPr/>
-              <a:t>5/16/22</a:t>
+              <a:t>7/4/22</a:t>
             </a:fld>
             <a:endParaRPr lang="en-US" dirty="0">
               <a:solidFill>
@@ -34129,7 +34129,7 @@
                 <a:latin typeface="Calibri"/>
               </a:rPr>
               <a:pPr/>
-              <a:t>5/16/22</a:t>
+              <a:t>7/4/22</a:t>
             </a:fld>
             <a:endParaRPr lang="en-US" dirty="0">
               <a:solidFill>
@@ -34379,7 +34379,7 @@
                 <a:latin typeface="Calibri"/>
               </a:rPr>
               <a:pPr defTabSz="914400"/>
-              <a:t>5/16/22</a:t>
+              <a:t>7/4/22</a:t>
             </a:fld>
             <a:endParaRPr lang="en-US" dirty="0">
               <a:solidFill>
